--- a/Referat/PowerPoint/TimvS_SVNE.pptx
+++ b/Referat/PowerPoint/TimvS_SVNE.pptx
@@ -5,18 +5,23 @@
     <p:sldMasterId id="2147483652" r:id="rId1"/>
   </p:sldMasterIdLst>
   <p:notesMasterIdLst>
-    <p:notesMasterId r:id="rId8"/>
+    <p:notesMasterId r:id="rId13"/>
   </p:notesMasterIdLst>
   <p:handoutMasterIdLst>
-    <p:handoutMasterId r:id="rId9"/>
+    <p:handoutMasterId r:id="rId14"/>
   </p:handoutMasterIdLst>
   <p:sldIdLst>
-    <p:sldId id="836" r:id="rId2"/>
-    <p:sldId id="837" r:id="rId3"/>
-    <p:sldId id="838" r:id="rId4"/>
-    <p:sldId id="839" r:id="rId5"/>
-    <p:sldId id="840" r:id="rId6"/>
-    <p:sldId id="841" r:id="rId7"/>
+    <p:sldId id="844" r:id="rId2"/>
+    <p:sldId id="836" r:id="rId3"/>
+    <p:sldId id="837" r:id="rId4"/>
+    <p:sldId id="838" r:id="rId5"/>
+    <p:sldId id="839" r:id="rId6"/>
+    <p:sldId id="843" r:id="rId7"/>
+    <p:sldId id="842" r:id="rId8"/>
+    <p:sldId id="840" r:id="rId9"/>
+    <p:sldId id="841" r:id="rId10"/>
+    <p:sldId id="845" r:id="rId11"/>
+    <p:sldId id="846" r:id="rId12"/>
   </p:sldIdLst>
   <p:sldSz cx="9144000" cy="6858000" type="screen4x3"/>
   <p:notesSz cx="6781800" cy="9855200"/>
@@ -400,7 +405,7 @@
             <a:fld id="{AE02961B-B228-4466-84E5-B65BB245109F}" type="datetimeFigureOut">
               <a:rPr lang="de-DE"/>
               <a:pPr/>
-              <a:t>12.02.2017</a:t>
+              <a:t>13.02.2017</a:t>
             </a:fld>
             <a:endParaRPr lang="de-DE"/>
           </a:p>
@@ -811,7 +816,7 @@
             <a:fld id="{87E9C61A-9B5E-4580-98DD-1AC874081FFB}" type="slidenum">
               <a:rPr lang="de-DE" smtClean="0"/>
               <a:pPr/>
-              <a:t>2</a:t>
+              <a:t>3</a:t>
             </a:fld>
             <a:endParaRPr lang="de-DE"/>
           </a:p>
@@ -896,7 +901,7 @@
             <a:fld id="{87E9C61A-9B5E-4580-98DD-1AC874081FFB}" type="slidenum">
               <a:rPr lang="de-DE" smtClean="0"/>
               <a:pPr/>
-              <a:t>3</a:t>
+              <a:t>4</a:t>
             </a:fld>
             <a:endParaRPr lang="de-DE"/>
           </a:p>
@@ -981,7 +986,7 @@
             <a:fld id="{87E9C61A-9B5E-4580-98DD-1AC874081FFB}" type="slidenum">
               <a:rPr lang="de-DE" smtClean="0"/>
               <a:pPr/>
-              <a:t>4</a:t>
+              <a:t>5</a:t>
             </a:fld>
             <a:endParaRPr lang="de-DE"/>
           </a:p>
@@ -1066,7 +1071,7 @@
             <a:fld id="{87E9C61A-9B5E-4580-98DD-1AC874081FFB}" type="slidenum">
               <a:rPr lang="de-DE" smtClean="0"/>
               <a:pPr/>
-              <a:t>5</a:t>
+              <a:t>6</a:t>
             </a:fld>
             <a:endParaRPr lang="de-DE"/>
           </a:p>
@@ -1075,7 +1080,7 @@
     </p:spTree>
     <p:extLst>
       <p:ext uri="{BB962C8B-B14F-4D97-AF65-F5344CB8AC3E}">
-        <p14:creationId xmlns:p14="http://schemas.microsoft.com/office/powerpoint/2010/main" val="669372719"/>
+        <p14:creationId xmlns:p14="http://schemas.microsoft.com/office/powerpoint/2010/main" val="1004574314"/>
       </p:ext>
     </p:extLst>
   </p:cSld>
@@ -1151,7 +1156,177 @@
             <a:fld id="{87E9C61A-9B5E-4580-98DD-1AC874081FFB}" type="slidenum">
               <a:rPr lang="de-DE" smtClean="0"/>
               <a:pPr/>
-              <a:t>6</a:t>
+              <a:t>7</a:t>
+            </a:fld>
+            <a:endParaRPr lang="de-DE"/>
+          </a:p>
+        </p:txBody>
+      </p:sp>
+    </p:spTree>
+    <p:extLst>
+      <p:ext uri="{BB962C8B-B14F-4D97-AF65-F5344CB8AC3E}">
+        <p14:creationId xmlns:p14="http://schemas.microsoft.com/office/powerpoint/2010/main" val="2577850142"/>
+      </p:ext>
+    </p:extLst>
+  </p:cSld>
+  <p:clrMapOvr>
+    <a:masterClrMapping/>
+  </p:clrMapOvr>
+</p:notes>
+</file>
+
+<file path=ppt/notesSlides/notesSlide6.xml><?xml version="1.0" encoding="utf-8"?>
+<p:notes xmlns:a="http://schemas.openxmlformats.org/drawingml/2006/main" xmlns:r="http://schemas.openxmlformats.org/officeDocument/2006/relationships" xmlns:p="http://schemas.openxmlformats.org/presentationml/2006/main">
+  <p:cSld>
+    <p:spTree>
+      <p:nvGrpSpPr>
+        <p:cNvPr id="1" name=""/>
+        <p:cNvGrpSpPr/>
+        <p:nvPr/>
+      </p:nvGrpSpPr>
+      <p:grpSpPr>
+        <a:xfrm>
+          <a:off x="0" y="0"/>
+          <a:ext cx="0" cy="0"/>
+          <a:chOff x="0" y="0"/>
+          <a:chExt cx="0" cy="0"/>
+        </a:xfrm>
+      </p:grpSpPr>
+      <p:sp>
+        <p:nvSpPr>
+          <p:cNvPr id="2" name="Folienbildplatzhalter 1"/>
+          <p:cNvSpPr>
+            <a:spLocks noGrp="1" noRot="1" noChangeAspect="1"/>
+          </p:cNvSpPr>
+          <p:nvPr>
+            <p:ph type="sldImg"/>
+          </p:nvPr>
+        </p:nvSpPr>
+        <p:spPr/>
+      </p:sp>
+      <p:sp>
+        <p:nvSpPr>
+          <p:cNvPr id="3" name="Notizenplatzhalter 2"/>
+          <p:cNvSpPr>
+            <a:spLocks noGrp="1"/>
+          </p:cNvSpPr>
+          <p:nvPr>
+            <p:ph type="body" idx="1"/>
+          </p:nvPr>
+        </p:nvSpPr>
+        <p:spPr/>
+        <p:txBody>
+          <a:bodyPr/>
+          <a:lstStyle/>
+          <a:p>
+            <a:endParaRPr lang="de-DE" dirty="0"/>
+          </a:p>
+        </p:txBody>
+      </p:sp>
+      <p:sp>
+        <p:nvSpPr>
+          <p:cNvPr id="4" name="Foliennummernplatzhalter 3"/>
+          <p:cNvSpPr>
+            <a:spLocks noGrp="1"/>
+          </p:cNvSpPr>
+          <p:nvPr>
+            <p:ph type="sldNum" sz="quarter" idx="10"/>
+          </p:nvPr>
+        </p:nvSpPr>
+        <p:spPr/>
+        <p:txBody>
+          <a:bodyPr/>
+          <a:lstStyle/>
+          <a:p>
+            <a:fld id="{87E9C61A-9B5E-4580-98DD-1AC874081FFB}" type="slidenum">
+              <a:rPr lang="de-DE" smtClean="0"/>
+              <a:pPr/>
+              <a:t>8</a:t>
+            </a:fld>
+            <a:endParaRPr lang="de-DE"/>
+          </a:p>
+        </p:txBody>
+      </p:sp>
+    </p:spTree>
+    <p:extLst>
+      <p:ext uri="{BB962C8B-B14F-4D97-AF65-F5344CB8AC3E}">
+        <p14:creationId xmlns:p14="http://schemas.microsoft.com/office/powerpoint/2010/main" val="669372719"/>
+      </p:ext>
+    </p:extLst>
+  </p:cSld>
+  <p:clrMapOvr>
+    <a:masterClrMapping/>
+  </p:clrMapOvr>
+</p:notes>
+</file>
+
+<file path=ppt/notesSlides/notesSlide7.xml><?xml version="1.0" encoding="utf-8"?>
+<p:notes xmlns:a="http://schemas.openxmlformats.org/drawingml/2006/main" xmlns:r="http://schemas.openxmlformats.org/officeDocument/2006/relationships" xmlns:p="http://schemas.openxmlformats.org/presentationml/2006/main">
+  <p:cSld>
+    <p:spTree>
+      <p:nvGrpSpPr>
+        <p:cNvPr id="1" name=""/>
+        <p:cNvGrpSpPr/>
+        <p:nvPr/>
+      </p:nvGrpSpPr>
+      <p:grpSpPr>
+        <a:xfrm>
+          <a:off x="0" y="0"/>
+          <a:ext cx="0" cy="0"/>
+          <a:chOff x="0" y="0"/>
+          <a:chExt cx="0" cy="0"/>
+        </a:xfrm>
+      </p:grpSpPr>
+      <p:sp>
+        <p:nvSpPr>
+          <p:cNvPr id="2" name="Folienbildplatzhalter 1"/>
+          <p:cNvSpPr>
+            <a:spLocks noGrp="1" noRot="1" noChangeAspect="1"/>
+          </p:cNvSpPr>
+          <p:nvPr>
+            <p:ph type="sldImg"/>
+          </p:nvPr>
+        </p:nvSpPr>
+        <p:spPr/>
+      </p:sp>
+      <p:sp>
+        <p:nvSpPr>
+          <p:cNvPr id="3" name="Notizenplatzhalter 2"/>
+          <p:cNvSpPr>
+            <a:spLocks noGrp="1"/>
+          </p:cNvSpPr>
+          <p:nvPr>
+            <p:ph type="body" idx="1"/>
+          </p:nvPr>
+        </p:nvSpPr>
+        <p:spPr/>
+        <p:txBody>
+          <a:bodyPr/>
+          <a:lstStyle/>
+          <a:p>
+            <a:endParaRPr lang="de-DE" dirty="0"/>
+          </a:p>
+        </p:txBody>
+      </p:sp>
+      <p:sp>
+        <p:nvSpPr>
+          <p:cNvPr id="4" name="Foliennummernplatzhalter 3"/>
+          <p:cNvSpPr>
+            <a:spLocks noGrp="1"/>
+          </p:cNvSpPr>
+          <p:nvPr>
+            <p:ph type="sldNum" sz="quarter" idx="10"/>
+          </p:nvPr>
+        </p:nvSpPr>
+        <p:spPr/>
+        <p:txBody>
+          <a:bodyPr/>
+          <a:lstStyle/>
+          <a:p>
+            <a:fld id="{87E9C61A-9B5E-4580-98DD-1AC874081FFB}" type="slidenum">
+              <a:rPr lang="de-DE" smtClean="0"/>
+              <a:pPr/>
+              <a:t>9</a:t>
             </a:fld>
             <a:endParaRPr lang="de-DE"/>
           </a:p>
@@ -1161,6 +1336,176 @@
     <p:extLst>
       <p:ext uri="{BB962C8B-B14F-4D97-AF65-F5344CB8AC3E}">
         <p14:creationId xmlns:p14="http://schemas.microsoft.com/office/powerpoint/2010/main" val="752673120"/>
+      </p:ext>
+    </p:extLst>
+  </p:cSld>
+  <p:clrMapOvr>
+    <a:masterClrMapping/>
+  </p:clrMapOvr>
+</p:notes>
+</file>
+
+<file path=ppt/notesSlides/notesSlide8.xml><?xml version="1.0" encoding="utf-8"?>
+<p:notes xmlns:a="http://schemas.openxmlformats.org/drawingml/2006/main" xmlns:r="http://schemas.openxmlformats.org/officeDocument/2006/relationships" xmlns:p="http://schemas.openxmlformats.org/presentationml/2006/main">
+  <p:cSld>
+    <p:spTree>
+      <p:nvGrpSpPr>
+        <p:cNvPr id="1" name=""/>
+        <p:cNvGrpSpPr/>
+        <p:nvPr/>
+      </p:nvGrpSpPr>
+      <p:grpSpPr>
+        <a:xfrm>
+          <a:off x="0" y="0"/>
+          <a:ext cx="0" cy="0"/>
+          <a:chOff x="0" y="0"/>
+          <a:chExt cx="0" cy="0"/>
+        </a:xfrm>
+      </p:grpSpPr>
+      <p:sp>
+        <p:nvSpPr>
+          <p:cNvPr id="2" name="Folienbildplatzhalter 1"/>
+          <p:cNvSpPr>
+            <a:spLocks noGrp="1" noRot="1" noChangeAspect="1"/>
+          </p:cNvSpPr>
+          <p:nvPr>
+            <p:ph type="sldImg"/>
+          </p:nvPr>
+        </p:nvSpPr>
+        <p:spPr/>
+      </p:sp>
+      <p:sp>
+        <p:nvSpPr>
+          <p:cNvPr id="3" name="Notizenplatzhalter 2"/>
+          <p:cNvSpPr>
+            <a:spLocks noGrp="1"/>
+          </p:cNvSpPr>
+          <p:nvPr>
+            <p:ph type="body" idx="1"/>
+          </p:nvPr>
+        </p:nvSpPr>
+        <p:spPr/>
+        <p:txBody>
+          <a:bodyPr/>
+          <a:lstStyle/>
+          <a:p>
+            <a:endParaRPr lang="de-DE" dirty="0"/>
+          </a:p>
+        </p:txBody>
+      </p:sp>
+      <p:sp>
+        <p:nvSpPr>
+          <p:cNvPr id="4" name="Foliennummernplatzhalter 3"/>
+          <p:cNvSpPr>
+            <a:spLocks noGrp="1"/>
+          </p:cNvSpPr>
+          <p:nvPr>
+            <p:ph type="sldNum" sz="quarter" idx="10"/>
+          </p:nvPr>
+        </p:nvSpPr>
+        <p:spPr/>
+        <p:txBody>
+          <a:bodyPr/>
+          <a:lstStyle/>
+          <a:p>
+            <a:fld id="{87E9C61A-9B5E-4580-98DD-1AC874081FFB}" type="slidenum">
+              <a:rPr lang="de-DE" smtClean="0"/>
+              <a:pPr/>
+              <a:t>10</a:t>
+            </a:fld>
+            <a:endParaRPr lang="de-DE"/>
+          </a:p>
+        </p:txBody>
+      </p:sp>
+    </p:spTree>
+    <p:extLst>
+      <p:ext uri="{BB962C8B-B14F-4D97-AF65-F5344CB8AC3E}">
+        <p14:creationId xmlns:p14="http://schemas.microsoft.com/office/powerpoint/2010/main" val="1348049600"/>
+      </p:ext>
+    </p:extLst>
+  </p:cSld>
+  <p:clrMapOvr>
+    <a:masterClrMapping/>
+  </p:clrMapOvr>
+</p:notes>
+</file>
+
+<file path=ppt/notesSlides/notesSlide9.xml><?xml version="1.0" encoding="utf-8"?>
+<p:notes xmlns:a="http://schemas.openxmlformats.org/drawingml/2006/main" xmlns:r="http://schemas.openxmlformats.org/officeDocument/2006/relationships" xmlns:p="http://schemas.openxmlformats.org/presentationml/2006/main">
+  <p:cSld>
+    <p:spTree>
+      <p:nvGrpSpPr>
+        <p:cNvPr id="1" name=""/>
+        <p:cNvGrpSpPr/>
+        <p:nvPr/>
+      </p:nvGrpSpPr>
+      <p:grpSpPr>
+        <a:xfrm>
+          <a:off x="0" y="0"/>
+          <a:ext cx="0" cy="0"/>
+          <a:chOff x="0" y="0"/>
+          <a:chExt cx="0" cy="0"/>
+        </a:xfrm>
+      </p:grpSpPr>
+      <p:sp>
+        <p:nvSpPr>
+          <p:cNvPr id="2" name="Folienbildplatzhalter 1"/>
+          <p:cNvSpPr>
+            <a:spLocks noGrp="1" noRot="1" noChangeAspect="1"/>
+          </p:cNvSpPr>
+          <p:nvPr>
+            <p:ph type="sldImg"/>
+          </p:nvPr>
+        </p:nvSpPr>
+        <p:spPr/>
+      </p:sp>
+      <p:sp>
+        <p:nvSpPr>
+          <p:cNvPr id="3" name="Notizenplatzhalter 2"/>
+          <p:cNvSpPr>
+            <a:spLocks noGrp="1"/>
+          </p:cNvSpPr>
+          <p:nvPr>
+            <p:ph type="body" idx="1"/>
+          </p:nvPr>
+        </p:nvSpPr>
+        <p:spPr/>
+        <p:txBody>
+          <a:bodyPr/>
+          <a:lstStyle/>
+          <a:p>
+            <a:endParaRPr lang="de-DE" dirty="0"/>
+          </a:p>
+        </p:txBody>
+      </p:sp>
+      <p:sp>
+        <p:nvSpPr>
+          <p:cNvPr id="4" name="Foliennummernplatzhalter 3"/>
+          <p:cNvSpPr>
+            <a:spLocks noGrp="1"/>
+          </p:cNvSpPr>
+          <p:nvPr>
+            <p:ph type="sldNum" sz="quarter" idx="10"/>
+          </p:nvPr>
+        </p:nvSpPr>
+        <p:spPr/>
+        <p:txBody>
+          <a:bodyPr/>
+          <a:lstStyle/>
+          <a:p>
+            <a:fld id="{87E9C61A-9B5E-4580-98DD-1AC874081FFB}" type="slidenum">
+              <a:rPr lang="de-DE" smtClean="0"/>
+              <a:pPr/>
+              <a:t>11</a:t>
+            </a:fld>
+            <a:endParaRPr lang="de-DE"/>
+          </a:p>
+        </p:txBody>
+      </p:sp>
+    </p:spTree>
+    <p:extLst>
+      <p:ext uri="{BB962C8B-B14F-4D97-AF65-F5344CB8AC3E}">
+        <p14:creationId xmlns:p14="http://schemas.microsoft.com/office/powerpoint/2010/main" val="2648054851"/>
       </p:ext>
     </p:extLst>
   </p:cSld>
@@ -5143,116 +5488,674 @@
       </p:grpSpPr>
       <p:sp>
         <p:nvSpPr>
-          <p:cNvPr id="10" name="Untertitel 9"/>
-          <p:cNvSpPr>
-            <a:spLocks noGrp="1"/>
-          </p:cNvSpPr>
-          <p:nvPr>
-            <p:ph type="subTitle" idx="1"/>
-          </p:nvPr>
-        </p:nvSpPr>
-        <p:spPr/>
-        <p:txBody>
-          <a:bodyPr/>
+          <p:cNvPr id="6" name="Rechteck 5"/>
+          <p:cNvSpPr/>
+          <p:nvPr/>
+        </p:nvSpPr>
+        <p:spPr bwMode="auto">
+          <a:xfrm>
+            <a:off x="0" y="0"/>
+            <a:ext cx="9144000" cy="6858000"/>
+          </a:xfrm>
+          <a:prstGeom prst="rect">
+            <a:avLst/>
+          </a:prstGeom>
+          <a:solidFill>
+            <a:schemeClr val="tx1"/>
+          </a:solidFill>
+          <a:ln w="12700" cap="flat" cmpd="sng" algn="ctr">
+            <a:noFill/>
+            <a:prstDash val="solid"/>
+            <a:round/>
+            <a:headEnd type="none" w="med" len="med"/>
+            <a:tailEnd type="none" w="med" len="med"/>
+          </a:ln>
+          <a:effectLst/>
+        </p:spPr>
+        <p:txBody>
+          <a:bodyPr vert="horz" wrap="square" lIns="91440" tIns="45720" rIns="91440" bIns="45720" numCol="1" rtlCol="0" anchor="ctr" anchorCtr="0" compatLnSpc="1">
+            <a:prstTxWarp prst="textNoShape">
+              <a:avLst/>
+            </a:prstTxWarp>
+          </a:bodyPr>
           <a:lstStyle/>
           <a:p>
-            <a:pPr>
+            <a:pPr marL="0" marR="0" indent="0" algn="l" defTabSz="914400" rtl="0" eaLnBrk="0" fontAlgn="base" latinLnBrk="0" hangingPunct="0">
+              <a:lnSpc>
+                <a:spcPct val="100000"/>
+              </a:lnSpc>
+              <a:spcBef>
+                <a:spcPct val="0"/>
+              </a:spcBef>
+              <a:spcAft>
+                <a:spcPct val="0"/>
+              </a:spcAft>
+              <a:buClrTx/>
+              <a:buSzTx/>
+              <a:buFontTx/>
               <a:buNone/>
+              <a:tabLst/>
             </a:pPr>
-            <a:r>
-              <a:rPr lang="de-DE" dirty="0" smtClean="0"/>
-              <a:t>Abschlusspräsentation im Bachelorseminar</a:t>
-            </a:r>
-          </a:p>
-          <a:p>
-            <a:pPr>
-              <a:buNone/>
-            </a:pPr>
-            <a:r>
-              <a:rPr lang="de-DE" dirty="0"/>
-              <a:t>„Trends in Mobilen und Verteilten </a:t>
-            </a:r>
-            <a:r>
-              <a:rPr lang="de-DE" dirty="0" smtClean="0"/>
-              <a:t>Systemen“</a:t>
-            </a:r>
-            <a:endParaRPr lang="de-DE" dirty="0"/>
-          </a:p>
-        </p:txBody>
-      </p:sp>
-      <p:sp>
-        <p:nvSpPr>
-          <p:cNvPr id="9" name="Titel 8"/>
-          <p:cNvSpPr>
-            <a:spLocks noGrp="1"/>
-          </p:cNvSpPr>
-          <p:nvPr>
-            <p:ph type="ctrTitle"/>
-          </p:nvPr>
-        </p:nvSpPr>
-        <p:spPr/>
-        <p:txBody>
-          <a:bodyPr/>
-          <a:lstStyle/>
-          <a:p>
-            <a:r>
-              <a:rPr lang="de-DE" dirty="0"/>
-              <a:t>Sicherheitsaspekte beim </a:t>
-            </a:r>
-            <a:r>
-              <a:rPr lang="de-DE" dirty="0" err="1"/>
-              <a:t>Deployment</a:t>
-            </a:r>
-            <a:r>
-              <a:rPr lang="de-DE" dirty="0"/>
-              <a:t> virtueller</a:t>
-            </a:r>
-            <a:br>
-              <a:rPr lang="de-DE" dirty="0"/>
-            </a:br>
-            <a:r>
-              <a:rPr lang="de-DE" dirty="0" smtClean="0"/>
-              <a:t>Netzinfrastrukturen</a:t>
-            </a:r>
-            <a:endParaRPr lang="de-DE" dirty="0"/>
-          </a:p>
-        </p:txBody>
-      </p:sp>
-      <p:sp>
-        <p:nvSpPr>
-          <p:cNvPr id="11" name="Textplatzhalter 10"/>
-          <p:cNvSpPr>
-            <a:spLocks noGrp="1"/>
-          </p:cNvSpPr>
-          <p:nvPr>
-            <p:ph type="body" sz="quarter" idx="10"/>
-          </p:nvPr>
-        </p:nvSpPr>
-        <p:spPr/>
-        <p:txBody>
-          <a:bodyPr/>
-          <a:lstStyle/>
-          <a:p>
-            <a:r>
-              <a:rPr lang="de-DE" dirty="0" smtClean="0"/>
-              <a:t>Gerhard </a:t>
-            </a:r>
-            <a:r>
-              <a:rPr lang="de-DE" dirty="0" err="1" smtClean="0"/>
-              <a:t>Gröschl</a:t>
-            </a:r>
-            <a:r>
-              <a:rPr lang="de-DE" dirty="0" smtClean="0"/>
-              <a:t>, Miran Mizani</a:t>
-            </a:r>
-            <a:endParaRPr lang="de-DE" dirty="0"/>
+            <a:endParaRPr kumimoji="0" lang="de-DE" sz="1400" b="0" i="0" u="none" strike="noStrike" cap="none" normalizeH="0" baseline="0" smtClean="0">
+              <a:ln>
+                <a:noFill/>
+              </a:ln>
+              <a:solidFill>
+                <a:schemeClr val="tx1"/>
+              </a:solidFill>
+              <a:effectLst/>
+              <a:latin typeface="LMU CompatilFact" pitchFamily="2" charset="0"/>
+            </a:endParaRPr>
           </a:p>
         </p:txBody>
       </p:sp>
     </p:spTree>
     <p:extLst>
       <p:ext uri="{BB962C8B-B14F-4D97-AF65-F5344CB8AC3E}">
-        <p14:creationId xmlns:p14="http://schemas.microsoft.com/office/powerpoint/2010/main" val="2931754677"/>
+        <p14:creationId xmlns:p14="http://schemas.microsoft.com/office/powerpoint/2010/main" val="1118323160"/>
+      </p:ext>
+    </p:extLst>
+  </p:cSld>
+  <p:clrMapOvr>
+    <a:masterClrMapping/>
+  </p:clrMapOvr>
+  <p:transition spd="med"/>
+  <p:timing>
+    <p:tnLst>
+      <p:par>
+        <p:cTn id="1" dur="indefinite" restart="never" nodeType="tmRoot"/>
+      </p:par>
+    </p:tnLst>
+  </p:timing>
+</p:sld>
+</file>
+
+<file path=ppt/slides/slide10.xml><?xml version="1.0" encoding="utf-8"?>
+<p:sld xmlns:a="http://schemas.openxmlformats.org/drawingml/2006/main" xmlns:r="http://schemas.openxmlformats.org/officeDocument/2006/relationships" xmlns:p="http://schemas.openxmlformats.org/presentationml/2006/main">
+  <p:cSld>
+    <p:spTree>
+      <p:nvGrpSpPr>
+        <p:cNvPr id="1" name=""/>
+        <p:cNvGrpSpPr/>
+        <p:nvPr/>
+      </p:nvGrpSpPr>
+      <p:grpSpPr>
+        <a:xfrm>
+          <a:off x="0" y="0"/>
+          <a:ext cx="0" cy="0"/>
+          <a:chOff x="0" y="0"/>
+          <a:chExt cx="0" cy="0"/>
+        </a:xfrm>
+      </p:grpSpPr>
+      <p:sp>
+        <p:nvSpPr>
+          <p:cNvPr id="2" name="Titel 1"/>
+          <p:cNvSpPr>
+            <a:spLocks noGrp="1"/>
+          </p:cNvSpPr>
+          <p:nvPr>
+            <p:ph type="title"/>
+          </p:nvPr>
+        </p:nvSpPr>
+        <p:spPr/>
+        <p:txBody>
+          <a:bodyPr/>
+          <a:lstStyle/>
+          <a:p>
+            <a:r>
+              <a:rPr lang="de-DE" dirty="0" smtClean="0"/>
+              <a:t>Empfehlenswerte Literatur</a:t>
+            </a:r>
+            <a:endParaRPr lang="de-DE" sz="1800" dirty="0"/>
+          </a:p>
+        </p:txBody>
+      </p:sp>
+      <p:sp>
+        <p:nvSpPr>
+          <p:cNvPr id="3" name="Inhaltsplatzhalter 2"/>
+          <p:cNvSpPr>
+            <a:spLocks noGrp="1"/>
+          </p:cNvSpPr>
+          <p:nvPr>
+            <p:ph idx="1"/>
+          </p:nvPr>
+        </p:nvSpPr>
+        <p:spPr/>
+        <p:txBody>
+          <a:bodyPr/>
+          <a:lstStyle/>
+          <a:p>
+            <a:pPr marL="0" indent="0">
+              <a:buNone/>
+            </a:pPr>
+            <a:r>
+              <a:rPr lang="de-DE" sz="1600" b="1" dirty="0" smtClean="0"/>
+              <a:t>Sicherheitsaspekte virtueller Netzinfrastrukturen</a:t>
+            </a:r>
+          </a:p>
+          <a:p>
+            <a:r>
+              <a:rPr lang="de-DE" sz="1600" dirty="0"/>
+              <a:t>Kamal </a:t>
+            </a:r>
+            <a:r>
+              <a:rPr lang="de-DE" sz="1600" dirty="0" err="1"/>
+              <a:t>Dahbur</a:t>
+            </a:r>
+            <a:r>
+              <a:rPr lang="de-DE" sz="1600" dirty="0"/>
+              <a:t>, </a:t>
+            </a:r>
+            <a:r>
+              <a:rPr lang="de-DE" sz="1600" dirty="0" err="1"/>
+              <a:t>Bassil</a:t>
+            </a:r>
+            <a:r>
+              <a:rPr lang="de-DE" sz="1600" dirty="0"/>
+              <a:t> Mohammad und Ahmad Bisher </a:t>
+            </a:r>
+            <a:r>
+              <a:rPr lang="de-DE" sz="1600" dirty="0" err="1"/>
+              <a:t>Tarakji</a:t>
+            </a:r>
+            <a:r>
+              <a:rPr lang="de-DE" sz="1600" dirty="0"/>
+              <a:t>. A </a:t>
+            </a:r>
+            <a:r>
+              <a:rPr lang="de-DE" sz="1600" dirty="0" err="1"/>
+              <a:t>survey</a:t>
+            </a:r>
+            <a:r>
+              <a:rPr lang="de-DE" sz="1600" dirty="0"/>
+              <a:t> </a:t>
+            </a:r>
+            <a:r>
+              <a:rPr lang="de-DE" sz="1600" dirty="0" err="1"/>
+              <a:t>of</a:t>
+            </a:r>
+            <a:r>
+              <a:rPr lang="de-DE" sz="1600" dirty="0"/>
+              <a:t> </a:t>
+            </a:r>
+            <a:r>
+              <a:rPr lang="de-DE" sz="1600" dirty="0" err="1"/>
+              <a:t>risks</a:t>
+            </a:r>
+            <a:r>
+              <a:rPr lang="de-DE" sz="1600" dirty="0"/>
+              <a:t>, </a:t>
+            </a:r>
+            <a:r>
+              <a:rPr lang="en-US" sz="1600" dirty="0"/>
+              <a:t>threats and vulnerabilities in cloud computing. In </a:t>
+            </a:r>
+            <a:r>
+              <a:rPr lang="en-US" sz="1600" i="1" dirty="0"/>
+              <a:t>Proceedings of the 2011 International </a:t>
+            </a:r>
+            <a:r>
+              <a:rPr lang="de-DE" sz="1600" i="1" dirty="0" err="1"/>
+              <a:t>conference</a:t>
+            </a:r>
+            <a:r>
+              <a:rPr lang="de-DE" sz="1600" i="1" dirty="0"/>
+              <a:t> on intelligent </a:t>
+            </a:r>
+            <a:r>
+              <a:rPr lang="de-DE" sz="1600" i="1" dirty="0" err="1"/>
+              <a:t>semantic</a:t>
+            </a:r>
+            <a:r>
+              <a:rPr lang="de-DE" sz="1600" i="1" dirty="0"/>
+              <a:t> Web-services </a:t>
+            </a:r>
+            <a:r>
+              <a:rPr lang="de-DE" sz="1600" i="1" dirty="0" err="1"/>
+              <a:t>and</a:t>
+            </a:r>
+            <a:r>
+              <a:rPr lang="de-DE" sz="1600" i="1" dirty="0"/>
+              <a:t> </a:t>
+            </a:r>
+            <a:r>
+              <a:rPr lang="de-DE" sz="1600" i="1" dirty="0" err="1"/>
+              <a:t>applications</a:t>
+            </a:r>
+            <a:r>
+              <a:rPr lang="de-DE" sz="1600" dirty="0"/>
+              <a:t>, Seite 12. ACM, 2011.</a:t>
+            </a:r>
+          </a:p>
+          <a:p>
+            <a:r>
+              <a:rPr lang="de-DE" sz="1600" dirty="0" smtClean="0"/>
+              <a:t>Andreas </a:t>
+            </a:r>
+            <a:r>
+              <a:rPr lang="de-DE" sz="1600" dirty="0"/>
+              <a:t>Fischer, Juan Felipe Botero, Michael Till Beck, Hermann De Meer und </a:t>
+            </a:r>
+            <a:r>
+              <a:rPr lang="de-DE" sz="1600" dirty="0" smtClean="0"/>
+              <a:t>Xavier Hesselbach</a:t>
+            </a:r>
+            <a:r>
+              <a:rPr lang="de-DE" sz="1600" dirty="0"/>
+              <a:t>. Virtual </a:t>
+            </a:r>
+            <a:r>
+              <a:rPr lang="de-DE" sz="1600" dirty="0" err="1"/>
+              <a:t>network</a:t>
+            </a:r>
+            <a:r>
+              <a:rPr lang="de-DE" sz="1600" dirty="0"/>
+              <a:t> </a:t>
+            </a:r>
+            <a:r>
+              <a:rPr lang="de-DE" sz="1600" dirty="0" err="1"/>
+              <a:t>embedding</a:t>
+            </a:r>
+            <a:r>
+              <a:rPr lang="de-DE" sz="1600" dirty="0"/>
+              <a:t>: A </a:t>
+            </a:r>
+            <a:r>
+              <a:rPr lang="de-DE" sz="1600" dirty="0" err="1"/>
+              <a:t>survey</a:t>
+            </a:r>
+            <a:r>
+              <a:rPr lang="de-DE" sz="1600" dirty="0"/>
+              <a:t>. </a:t>
+            </a:r>
+            <a:r>
+              <a:rPr lang="de-DE" sz="1600" i="1" dirty="0"/>
+              <a:t>IEEE Communications Surveys </a:t>
+            </a:r>
+            <a:r>
+              <a:rPr lang="de-DE" sz="1600" i="1" dirty="0" smtClean="0"/>
+              <a:t>&amp; Tutorials</a:t>
+            </a:r>
+            <a:r>
+              <a:rPr lang="de-DE" sz="1600" dirty="0"/>
+              <a:t>, 15(4):1888–1906, 2013</a:t>
+            </a:r>
+            <a:r>
+              <a:rPr lang="de-DE" sz="1600" dirty="0" smtClean="0"/>
+              <a:t>.</a:t>
+            </a:r>
+            <a:endParaRPr lang="de-DE" sz="1600" dirty="0"/>
+          </a:p>
+          <a:p>
+            <a:r>
+              <a:rPr lang="de-DE" sz="1600" dirty="0" err="1" smtClean="0"/>
+              <a:t>Shuiqing</a:t>
+            </a:r>
+            <a:r>
+              <a:rPr lang="de-DE" sz="1600" dirty="0" smtClean="0"/>
+              <a:t> </a:t>
+            </a:r>
+            <a:r>
+              <a:rPr lang="de-DE" sz="1600" dirty="0"/>
+              <a:t>Gong, </a:t>
+            </a:r>
+            <a:r>
+              <a:rPr lang="de-DE" sz="1600" dirty="0" err="1"/>
+              <a:t>Jing</a:t>
+            </a:r>
+            <a:r>
+              <a:rPr lang="de-DE" sz="1600" dirty="0"/>
+              <a:t> Chen, </a:t>
+            </a:r>
+            <a:r>
+              <a:rPr lang="de-DE" sz="1600" dirty="0" err="1"/>
+              <a:t>Conghui</a:t>
+            </a:r>
+            <a:r>
+              <a:rPr lang="de-DE" sz="1600" dirty="0"/>
+              <a:t> Huang, </a:t>
+            </a:r>
+            <a:r>
+              <a:rPr lang="de-DE" sz="1600" dirty="0" err="1"/>
+              <a:t>Qingchao</a:t>
+            </a:r>
+            <a:r>
+              <a:rPr lang="de-DE" sz="1600" dirty="0"/>
+              <a:t> Zhu und </a:t>
+            </a:r>
+            <a:r>
+              <a:rPr lang="de-DE" sz="1600" dirty="0" err="1"/>
+              <a:t>Siyi</a:t>
+            </a:r>
+            <a:r>
+              <a:rPr lang="de-DE" sz="1600" dirty="0"/>
+              <a:t> Zhao. Virtual </a:t>
+            </a:r>
+            <a:r>
+              <a:rPr lang="en-US" sz="1600" dirty="0"/>
+              <a:t>Network Embedding through Security Risk Awareness and Optimization. </a:t>
+            </a:r>
+            <a:r>
+              <a:rPr lang="en-US" sz="1600" i="1" dirty="0"/>
+              <a:t>KSII Transactions </a:t>
+            </a:r>
+            <a:r>
+              <a:rPr lang="de-DE" sz="1600" i="1" dirty="0"/>
+              <a:t>on Internet &amp; Information Systems</a:t>
+            </a:r>
+            <a:r>
+              <a:rPr lang="de-DE" sz="1600" dirty="0"/>
+              <a:t>, 10(7), 2016.</a:t>
+            </a:r>
+            <a:endParaRPr lang="de-DE" sz="1600" dirty="0" smtClean="0"/>
+          </a:p>
+          <a:p>
+            <a:endParaRPr lang="de-DE" sz="1600" dirty="0" smtClean="0"/>
+          </a:p>
+          <a:p>
+            <a:pPr marL="0" indent="0">
+              <a:buNone/>
+            </a:pPr>
+            <a:r>
+              <a:rPr lang="de-DE" sz="1600" b="1" dirty="0" smtClean="0"/>
+              <a:t>Untersuchte Algorithmen</a:t>
+            </a:r>
+            <a:endParaRPr lang="de-DE" sz="1600" b="1" dirty="0" smtClean="0"/>
+          </a:p>
+          <a:p>
+            <a:r>
+              <a:rPr lang="de-DE" sz="1600" dirty="0" smtClean="0"/>
+              <a:t>Hong </a:t>
+            </a:r>
+            <a:r>
+              <a:rPr lang="de-DE" sz="1600" dirty="0" err="1"/>
+              <a:t>Xu</a:t>
+            </a:r>
+            <a:r>
+              <a:rPr lang="de-DE" sz="1600" dirty="0"/>
+              <a:t> Ming </a:t>
+            </a:r>
+            <a:r>
+              <a:rPr lang="de-DE" sz="1600" dirty="0" err="1"/>
+              <a:t>Xu</a:t>
+            </a:r>
+            <a:r>
+              <a:rPr lang="de-DE" sz="1600" dirty="0"/>
+              <a:t> </a:t>
+            </a:r>
+            <a:r>
+              <a:rPr lang="de-DE" sz="1600" dirty="0" err="1"/>
+              <a:t>Shuhao</a:t>
+            </a:r>
+            <a:r>
+              <a:rPr lang="de-DE" sz="1600" dirty="0"/>
+              <a:t> Liu, </a:t>
+            </a:r>
+            <a:r>
+              <a:rPr lang="de-DE" sz="1600" dirty="0" err="1"/>
+              <a:t>Zhiping</a:t>
+            </a:r>
+            <a:r>
+              <a:rPr lang="de-DE" sz="1600" dirty="0"/>
+              <a:t> Cai. </a:t>
+            </a:r>
+            <a:r>
+              <a:rPr lang="de-DE" sz="1600" dirty="0" err="1"/>
+              <a:t>Towards</a:t>
+            </a:r>
+            <a:r>
+              <a:rPr lang="de-DE" sz="1600" dirty="0"/>
+              <a:t> Security-aware Virtual </a:t>
+            </a:r>
+            <a:r>
+              <a:rPr lang="de-DE" sz="1600" dirty="0" smtClean="0"/>
+              <a:t>Network Embedding</a:t>
+            </a:r>
+            <a:r>
+              <a:rPr lang="de-DE" sz="1600" dirty="0"/>
+              <a:t>, 2015</a:t>
+            </a:r>
+            <a:r>
+              <a:rPr lang="de-DE" sz="1600" dirty="0" smtClean="0"/>
+              <a:t>.</a:t>
+            </a:r>
+          </a:p>
+          <a:p>
+            <a:r>
+              <a:rPr lang="en-US" sz="1600" dirty="0" smtClean="0"/>
+              <a:t>Yang </a:t>
+            </a:r>
+            <a:r>
+              <a:rPr lang="en-US" sz="1600" dirty="0"/>
+              <a:t>Wang, </a:t>
+            </a:r>
+            <a:r>
+              <a:rPr lang="en-US" sz="1600" dirty="0" err="1"/>
+              <a:t>Phanvu</a:t>
+            </a:r>
+            <a:r>
+              <a:rPr lang="en-US" sz="1600" dirty="0"/>
+              <a:t> Chau und </a:t>
+            </a:r>
+            <a:r>
+              <a:rPr lang="en-US" sz="1600" dirty="0" err="1"/>
+              <a:t>Fuyu</a:t>
+            </a:r>
+            <a:r>
+              <a:rPr lang="en-US" sz="1600" dirty="0"/>
+              <a:t> Chen. Towards a secured network </a:t>
+            </a:r>
+            <a:r>
+              <a:rPr lang="en-US" sz="1600" dirty="0" smtClean="0"/>
+              <a:t>virtualization. </a:t>
+            </a:r>
+            <a:r>
+              <a:rPr lang="de-DE" sz="1600" i="1" dirty="0" smtClean="0"/>
+              <a:t>Computer </a:t>
+            </a:r>
+            <a:r>
+              <a:rPr lang="de-DE" sz="1600" i="1" dirty="0"/>
+              <a:t>Networks</a:t>
+            </a:r>
+            <a:r>
+              <a:rPr lang="de-DE" sz="1600" dirty="0"/>
+              <a:t>, 104:55–65, 2016.</a:t>
+            </a:r>
+            <a:endParaRPr lang="de-DE" sz="1600" dirty="0" smtClean="0"/>
+          </a:p>
+          <a:p>
+            <a:endParaRPr lang="de-DE" sz="1600" dirty="0"/>
+          </a:p>
+        </p:txBody>
+      </p:sp>
+      <p:sp>
+        <p:nvSpPr>
+          <p:cNvPr id="4" name="Foliennummernplatzhalter 3"/>
+          <p:cNvSpPr>
+            <a:spLocks noGrp="1"/>
+          </p:cNvSpPr>
+          <p:nvPr>
+            <p:ph type="sldNum" sz="quarter" idx="4"/>
+          </p:nvPr>
+        </p:nvSpPr>
+        <p:spPr/>
+        <p:txBody>
+          <a:bodyPr/>
+          <a:lstStyle/>
+          <a:p>
+            <a:pPr>
+              <a:defRPr/>
+            </a:pPr>
+            <a:fld id="{70BFFA52-4234-45F6-B1A6-074E24FF43A2}" type="slidenum">
+              <a:rPr lang="de-DE" smtClean="0"/>
+              <a:pPr>
+                <a:defRPr/>
+              </a:pPr>
+              <a:t>10</a:t>
+            </a:fld>
+            <a:endParaRPr lang="de-DE" dirty="0"/>
+          </a:p>
+        </p:txBody>
+      </p:sp>
+      <p:sp>
+        <p:nvSpPr>
+          <p:cNvPr id="5" name="Fußzeilenplatzhalter 4"/>
+          <p:cNvSpPr>
+            <a:spLocks noGrp="1"/>
+          </p:cNvSpPr>
+          <p:nvPr>
+            <p:ph type="ftr" sz="quarter" idx="3"/>
+          </p:nvPr>
+        </p:nvSpPr>
+        <p:spPr/>
+        <p:txBody>
+          <a:bodyPr/>
+          <a:lstStyle/>
+          <a:p>
+            <a:r>
+              <a:rPr lang="de-DE" smtClean="0"/>
+              <a:t>Sicherheitsaspekte beim Deployment virtueller Netzinfrastrukturen</a:t>
+            </a:r>
+            <a:endParaRPr lang="de-DE" dirty="0"/>
+          </a:p>
+        </p:txBody>
+      </p:sp>
+    </p:spTree>
+    <p:extLst>
+      <p:ext uri="{BB962C8B-B14F-4D97-AF65-F5344CB8AC3E}">
+        <p14:creationId xmlns:p14="http://schemas.microsoft.com/office/powerpoint/2010/main" val="2073930859"/>
+      </p:ext>
+    </p:extLst>
+  </p:cSld>
+  <p:clrMapOvr>
+    <a:masterClrMapping/>
+  </p:clrMapOvr>
+  <p:transition spd="med"/>
+  <p:timing>
+    <p:tnLst>
+      <p:par>
+        <p:cTn id="1" dur="indefinite" restart="never" nodeType="tmRoot"/>
+      </p:par>
+    </p:tnLst>
+  </p:timing>
+</p:sld>
+</file>
+
+<file path=ppt/slides/slide11.xml><?xml version="1.0" encoding="utf-8"?>
+<p:sld xmlns:a="http://schemas.openxmlformats.org/drawingml/2006/main" xmlns:r="http://schemas.openxmlformats.org/officeDocument/2006/relationships" xmlns:p="http://schemas.openxmlformats.org/presentationml/2006/main">
+  <p:cSld>
+    <p:spTree>
+      <p:nvGrpSpPr>
+        <p:cNvPr id="1" name=""/>
+        <p:cNvGrpSpPr/>
+        <p:nvPr/>
+      </p:nvGrpSpPr>
+      <p:grpSpPr>
+        <a:xfrm>
+          <a:off x="0" y="0"/>
+          <a:ext cx="0" cy="0"/>
+          <a:chOff x="0" y="0"/>
+          <a:chExt cx="0" cy="0"/>
+        </a:xfrm>
+      </p:grpSpPr>
+      <p:sp>
+        <p:nvSpPr>
+          <p:cNvPr id="2" name="Titel 1"/>
+          <p:cNvSpPr>
+            <a:spLocks noGrp="1"/>
+          </p:cNvSpPr>
+          <p:nvPr>
+            <p:ph type="title"/>
+          </p:nvPr>
+        </p:nvSpPr>
+        <p:spPr/>
+        <p:txBody>
+          <a:bodyPr/>
+          <a:lstStyle/>
+          <a:p>
+            <a:r>
+              <a:rPr lang="de-DE" dirty="0" smtClean="0"/>
+              <a:t>Diskussion</a:t>
+            </a:r>
+            <a:endParaRPr lang="de-DE" sz="1800" dirty="0"/>
+          </a:p>
+        </p:txBody>
+      </p:sp>
+      <p:sp>
+        <p:nvSpPr>
+          <p:cNvPr id="3" name="Inhaltsplatzhalter 2"/>
+          <p:cNvSpPr>
+            <a:spLocks noGrp="1"/>
+          </p:cNvSpPr>
+          <p:nvPr>
+            <p:ph idx="1"/>
+          </p:nvPr>
+        </p:nvSpPr>
+        <p:spPr/>
+        <p:txBody>
+          <a:bodyPr/>
+          <a:lstStyle/>
+          <a:p>
+            <a:endParaRPr lang="de-DE" dirty="0"/>
+          </a:p>
+        </p:txBody>
+      </p:sp>
+      <p:sp>
+        <p:nvSpPr>
+          <p:cNvPr id="4" name="Foliennummernplatzhalter 3"/>
+          <p:cNvSpPr>
+            <a:spLocks noGrp="1"/>
+          </p:cNvSpPr>
+          <p:nvPr>
+            <p:ph type="sldNum" sz="quarter" idx="4"/>
+          </p:nvPr>
+        </p:nvSpPr>
+        <p:spPr/>
+        <p:txBody>
+          <a:bodyPr/>
+          <a:lstStyle/>
+          <a:p>
+            <a:pPr>
+              <a:defRPr/>
+            </a:pPr>
+            <a:fld id="{70BFFA52-4234-45F6-B1A6-074E24FF43A2}" type="slidenum">
+              <a:rPr lang="de-DE" smtClean="0"/>
+              <a:pPr>
+                <a:defRPr/>
+              </a:pPr>
+              <a:t>11</a:t>
+            </a:fld>
+            <a:endParaRPr lang="de-DE" dirty="0"/>
+          </a:p>
+        </p:txBody>
+      </p:sp>
+      <p:sp>
+        <p:nvSpPr>
+          <p:cNvPr id="5" name="Fußzeilenplatzhalter 4"/>
+          <p:cNvSpPr>
+            <a:spLocks noGrp="1"/>
+          </p:cNvSpPr>
+          <p:nvPr>
+            <p:ph type="ftr" sz="quarter" idx="3"/>
+          </p:nvPr>
+        </p:nvSpPr>
+        <p:spPr/>
+        <p:txBody>
+          <a:bodyPr/>
+          <a:lstStyle/>
+          <a:p>
+            <a:r>
+              <a:rPr lang="de-DE" smtClean="0"/>
+              <a:t>Sicherheitsaspekte beim Deployment virtueller Netzinfrastrukturen</a:t>
+            </a:r>
+            <a:endParaRPr lang="de-DE" dirty="0"/>
+          </a:p>
+        </p:txBody>
+      </p:sp>
+    </p:spTree>
+    <p:extLst>
+      <p:ext uri="{BB962C8B-B14F-4D97-AF65-F5344CB8AC3E}">
+        <p14:creationId xmlns:p14="http://schemas.microsoft.com/office/powerpoint/2010/main" val="476771543"/>
       </p:ext>
     </p:extLst>
   </p:cSld>
@@ -5289,12 +6192,12 @@
       </p:grpSpPr>
       <p:sp>
         <p:nvSpPr>
-          <p:cNvPr id="2" name="Titel 1"/>
+          <p:cNvPr id="10" name="Untertitel 9"/>
           <p:cNvSpPr>
             <a:spLocks noGrp="1"/>
           </p:cNvSpPr>
           <p:nvPr>
-            <p:ph type="title"/>
+            <p:ph type="subTitle" idx="1"/>
           </p:nvPr>
         </p:nvSpPr>
         <p:spPr/>
@@ -5302,22 +6205,76 @@
           <a:bodyPr/>
           <a:lstStyle/>
           <a:p>
-            <a:r>
-              <a:rPr lang="de-DE" dirty="0" smtClean="0"/>
-              <a:t>Motivation</a:t>
-            </a:r>
-            <a:endParaRPr lang="de-DE" dirty="0"/>
-          </a:p>
-        </p:txBody>
-      </p:sp>
-      <p:sp>
-        <p:nvSpPr>
-          <p:cNvPr id="3" name="Inhaltsplatzhalter 2"/>
+            <a:pPr>
+              <a:buNone/>
+            </a:pPr>
+            <a:r>
+              <a:rPr lang="de-DE" dirty="0" smtClean="0"/>
+              <a:t>Abschlusspräsentation im Bachelorseminar</a:t>
+            </a:r>
+          </a:p>
+          <a:p>
+            <a:pPr>
+              <a:buNone/>
+            </a:pPr>
+            <a:r>
+              <a:rPr lang="de-DE" dirty="0"/>
+              <a:t>„Trends in Mobilen und Verteilten </a:t>
+            </a:r>
+            <a:r>
+              <a:rPr lang="de-DE" dirty="0" smtClean="0"/>
+              <a:t>Systemen</a:t>
+            </a:r>
+            <a:r>
+              <a:rPr lang="de-DE" dirty="0" smtClean="0"/>
+              <a:t>“</a:t>
+            </a:r>
+            <a:br>
+              <a:rPr lang="de-DE" dirty="0" smtClean="0"/>
+            </a:br>
+            <a:endParaRPr lang="de-DE" dirty="0" smtClean="0"/>
+          </a:p>
+          <a:p>
+            <a:pPr>
+              <a:buNone/>
+            </a:pPr>
+            <a:r>
+              <a:rPr lang="de-DE" sz="1400" dirty="0" smtClean="0"/>
+              <a:t>München, </a:t>
+            </a:r>
+            <a:r>
+              <a:rPr lang="de-DE" sz="1400" dirty="0" err="1" smtClean="0"/>
+              <a:t>Oettingenstr</a:t>
+            </a:r>
+            <a:r>
+              <a:rPr lang="de-DE" sz="1400" dirty="0"/>
+              <a:t>. 67, Raum </a:t>
+            </a:r>
+            <a:r>
+              <a:rPr lang="de-DE" sz="1400" dirty="0" smtClean="0"/>
+              <a:t>027</a:t>
+            </a:r>
+          </a:p>
+          <a:p>
+            <a:pPr>
+              <a:buNone/>
+            </a:pPr>
+            <a:r>
+              <a:rPr lang="de-DE" sz="1400" dirty="0" smtClean="0"/>
+              <a:t>16. Februar 2017</a:t>
+            </a:r>
+            <a:endParaRPr lang="de-DE" sz="1400" dirty="0"/>
+          </a:p>
+        </p:txBody>
+      </p:sp>
+      <p:sp>
+        <p:nvSpPr>
+          <p:cNvPr id="9" name="Titel 8"/>
           <p:cNvSpPr>
             <a:spLocks noGrp="1"/>
           </p:cNvSpPr>
           <p:nvPr>
-            <p:ph idx="1"/>
+            <p:ph type="ctrTitle"/>
           </p:nvPr>
         </p:nvSpPr>
         <p:spPr/>
@@ -5325,18 +6282,37 @@
           <a:bodyPr/>
           <a:lstStyle/>
           <a:p>
+            <a:r>
+              <a:rPr lang="de-DE" dirty="0"/>
+              <a:t>Sicherheitsaspekte beim </a:t>
+            </a:r>
+            <a:r>
+              <a:rPr lang="de-DE" dirty="0" err="1"/>
+              <a:t>Deployment</a:t>
+            </a:r>
+            <a:r>
+              <a:rPr lang="de-DE" dirty="0"/>
+              <a:t> virtueller</a:t>
+            </a:r>
+            <a:br>
+              <a:rPr lang="de-DE" dirty="0"/>
+            </a:br>
+            <a:r>
+              <a:rPr lang="de-DE" dirty="0" smtClean="0"/>
+              <a:t>Netzinfrastrukturen</a:t>
+            </a:r>
             <a:endParaRPr lang="de-DE" dirty="0"/>
           </a:p>
         </p:txBody>
       </p:sp>
       <p:sp>
         <p:nvSpPr>
-          <p:cNvPr id="4" name="Foliennummernplatzhalter 3"/>
+          <p:cNvPr id="11" name="Textplatzhalter 10"/>
           <p:cNvSpPr>
             <a:spLocks noGrp="1"/>
           </p:cNvSpPr>
           <p:nvPr>
-            <p:ph type="sldNum" sz="quarter" idx="4"/>
+            <p:ph type="body" sz="quarter" idx="10"/>
           </p:nvPr>
         </p:nvSpPr>
         <p:spPr/>
@@ -5344,46 +6320,17 @@
           <a:bodyPr/>
           <a:lstStyle/>
           <a:p>
-            <a:pPr>
-              <a:defRPr/>
-            </a:pPr>
-            <a:fld id="{70BFFA52-4234-45F6-B1A6-074E24FF43A2}" type="slidenum">
-              <a:rPr lang="de-DE" smtClean="0"/>
-              <a:pPr>
-                <a:defRPr/>
-              </a:pPr>
-              <a:t>2</a:t>
-            </a:fld>
-            <a:endParaRPr lang="de-DE" dirty="0"/>
-          </a:p>
-        </p:txBody>
-      </p:sp>
-      <p:sp>
-        <p:nvSpPr>
-          <p:cNvPr id="5" name="Fußzeilenplatzhalter 4"/>
-          <p:cNvSpPr>
-            <a:spLocks noGrp="1"/>
-          </p:cNvSpPr>
-          <p:nvPr>
-            <p:ph type="ftr" sz="quarter" idx="3"/>
-          </p:nvPr>
-        </p:nvSpPr>
-        <p:spPr/>
-        <p:txBody>
-          <a:bodyPr/>
-          <a:lstStyle/>
-          <a:p>
-            <a:r>
-              <a:rPr lang="de-DE" dirty="0" smtClean="0"/>
-              <a:t>Sicherheitsaspekte beim </a:t>
+            <a:r>
+              <a:rPr lang="de-DE" dirty="0" smtClean="0"/>
+              <a:t>Gerhard </a:t>
             </a:r>
             <a:r>
               <a:rPr lang="de-DE" dirty="0" err="1" smtClean="0"/>
-              <a:t>Deployment</a:t>
-            </a:r>
-            <a:r>
-              <a:rPr lang="de-DE" dirty="0" smtClean="0"/>
-              <a:t> virtueller Netzinfrastrukturen</a:t>
+              <a:t>Gröschl</a:t>
+            </a:r>
+            <a:r>
+              <a:rPr lang="de-DE" dirty="0" smtClean="0"/>
+              <a:t>, Miran Mizani</a:t>
             </a:r>
             <a:endParaRPr lang="de-DE" dirty="0"/>
           </a:p>
@@ -5392,7 +6339,7 @@
     </p:spTree>
     <p:extLst>
       <p:ext uri="{BB962C8B-B14F-4D97-AF65-F5344CB8AC3E}">
-        <p14:creationId xmlns:p14="http://schemas.microsoft.com/office/powerpoint/2010/main" val="3273344848"/>
+        <p14:creationId xmlns:p14="http://schemas.microsoft.com/office/powerpoint/2010/main" val="2931754677"/>
       </p:ext>
     </p:extLst>
   </p:cSld>
@@ -5444,7 +6391,7 @@
           <a:p>
             <a:r>
               <a:rPr lang="de-DE" dirty="0" smtClean="0"/>
-              <a:t>Virtual Network Embedding</a:t>
+              <a:t>Motivation</a:t>
             </a:r>
             <a:endParaRPr lang="de-DE" dirty="0"/>
           </a:p>
@@ -5465,7 +6412,7 @@
           <a:bodyPr/>
           <a:lstStyle/>
           <a:p>
-            <a:endParaRPr lang="de-DE"/>
+            <a:endParaRPr lang="de-DE" dirty="0"/>
           </a:p>
         </p:txBody>
       </p:sp>
@@ -5514,8 +6461,16 @@
           <a:lstStyle/>
           <a:p>
             <a:r>
-              <a:rPr lang="de-DE" smtClean="0"/>
-              <a:t>Sicherheitsaspekte beim Deployment virtueller Netzinfrastrukturen</a:t>
+              <a:rPr lang="de-DE" dirty="0" smtClean="0"/>
+              <a:t>Sicherheitsaspekte beim </a:t>
+            </a:r>
+            <a:r>
+              <a:rPr lang="de-DE" dirty="0" err="1" smtClean="0"/>
+              <a:t>Deployment</a:t>
+            </a:r>
+            <a:r>
+              <a:rPr lang="de-DE" dirty="0" smtClean="0"/>
+              <a:t> virtueller Netzinfrastrukturen</a:t>
             </a:r>
             <a:endParaRPr lang="de-DE" dirty="0"/>
           </a:p>
@@ -5524,7 +6479,7 @@
     </p:spTree>
     <p:extLst>
       <p:ext uri="{BB962C8B-B14F-4D97-AF65-F5344CB8AC3E}">
-        <p14:creationId xmlns:p14="http://schemas.microsoft.com/office/powerpoint/2010/main" val="145312068"/>
+        <p14:creationId xmlns:p14="http://schemas.microsoft.com/office/powerpoint/2010/main" val="3273344848"/>
       </p:ext>
     </p:extLst>
   </p:cSld>
@@ -5576,7 +6531,7 @@
           <a:p>
             <a:r>
               <a:rPr lang="de-DE" dirty="0" smtClean="0"/>
-              <a:t>Klassifizierung von Sicherheitsrisiken</a:t>
+              <a:t>Virtual Network Embedding</a:t>
             </a:r>
             <a:endParaRPr lang="de-DE" dirty="0"/>
           </a:p>
@@ -5656,7 +6611,7 @@
     </p:spTree>
     <p:extLst>
       <p:ext uri="{BB962C8B-B14F-4D97-AF65-F5344CB8AC3E}">
-        <p14:creationId xmlns:p14="http://schemas.microsoft.com/office/powerpoint/2010/main" val="664013948"/>
+        <p14:creationId xmlns:p14="http://schemas.microsoft.com/office/powerpoint/2010/main" val="145312068"/>
       </p:ext>
     </p:extLst>
   </p:cSld>
@@ -5708,42 +6663,41 @@
           <a:p>
             <a:r>
               <a:rPr lang="de-DE" dirty="0" smtClean="0"/>
-              <a:t>SVNE-Algorithmen:</a:t>
-            </a:r>
-            <a:br>
-              <a:rPr lang="de-DE" dirty="0" smtClean="0"/>
-            </a:br>
-            <a:r>
-              <a:rPr lang="de-DE" sz="1800" b="0" dirty="0"/>
-              <a:t>Strikte Trennung und </a:t>
-            </a:r>
-            <a:r>
-              <a:rPr lang="de-DE" sz="1800" b="0" dirty="0" err="1"/>
-              <a:t>Preprocessing</a:t>
-            </a:r>
-            <a:endParaRPr lang="de-DE" sz="1800" dirty="0"/>
-          </a:p>
-        </p:txBody>
-      </p:sp>
-      <p:sp>
-        <p:nvSpPr>
-          <p:cNvPr id="3" name="Inhaltsplatzhalter 2"/>
-          <p:cNvSpPr>
-            <a:spLocks noGrp="1"/>
-          </p:cNvSpPr>
+              <a:t>Klassifizierung von Sicherheitsrisiken</a:t>
+            </a:r>
+            <a:endParaRPr lang="de-DE" dirty="0"/>
+          </a:p>
+        </p:txBody>
+      </p:sp>
+      <p:pic>
+        <p:nvPicPr>
+          <p:cNvPr id="6" name="Inhaltsplatzhalter 5"/>
+          <p:cNvPicPr>
+            <a:picLocks noGrp="1" noChangeAspect="1"/>
+          </p:cNvPicPr>
           <p:nvPr>
             <p:ph idx="1"/>
           </p:nvPr>
-        </p:nvSpPr>
-        <p:spPr/>
-        <p:txBody>
-          <a:bodyPr/>
-          <a:lstStyle/>
-          <a:p>
-            <a:endParaRPr lang="de-DE"/>
-          </a:p>
-        </p:txBody>
-      </p:sp>
+        </p:nvPicPr>
+        <p:blipFill>
+          <a:blip r:embed="rId3" cstate="print">
+            <a:extLst>
+              <a:ext uri="{28A0092B-C50C-407E-A947-70E740481C1C}">
+                <a14:useLocalDpi xmlns:a14="http://schemas.microsoft.com/office/drawing/2010/main" val="0"/>
+              </a:ext>
+            </a:extLst>
+          </a:blip>
+          <a:stretch>
+            <a:fillRect/>
+          </a:stretch>
+        </p:blipFill>
+        <p:spPr>
+          <a:xfrm>
+            <a:off x="920974" y="1347788"/>
+            <a:ext cx="7278239" cy="4900612"/>
+          </a:xfrm>
+        </p:spPr>
+      </p:pic>
       <p:sp>
         <p:nvSpPr>
           <p:cNvPr id="4" name="Foliennummernplatzhalter 3"/>
@@ -5796,10 +6750,41 @@
           </a:p>
         </p:txBody>
       </p:sp>
+      <p:sp>
+        <p:nvSpPr>
+          <p:cNvPr id="7" name="Textfeld 6"/>
+          <p:cNvSpPr txBox="1"/>
+          <p:nvPr/>
+        </p:nvSpPr>
+        <p:spPr>
+          <a:xfrm>
+            <a:off x="1031567" y="6182580"/>
+            <a:ext cx="7057060" cy="276999"/>
+          </a:xfrm>
+          <a:prstGeom prst="rect">
+            <a:avLst/>
+          </a:prstGeom>
+          <a:noFill/>
+        </p:spPr>
+        <p:txBody>
+          <a:bodyPr wrap="none" rtlCol="0">
+            <a:spAutoFit/>
+          </a:bodyPr>
+          <a:lstStyle/>
+          <a:p>
+            <a:pPr algn="ctr"/>
+            <a:r>
+              <a:rPr lang="de-DE" dirty="0" smtClean="0"/>
+              <a:t>Die Substratnetze zweier Infrastructure Provider hosten zwei virtuelle Netze eines Service Providers.</a:t>
+            </a:r>
+            <a:endParaRPr lang="de-DE" dirty="0"/>
+          </a:p>
+        </p:txBody>
+      </p:sp>
     </p:spTree>
     <p:extLst>
       <p:ext uri="{BB962C8B-B14F-4D97-AF65-F5344CB8AC3E}">
-        <p14:creationId xmlns:p14="http://schemas.microsoft.com/office/powerpoint/2010/main" val="3408010396"/>
+        <p14:creationId xmlns:p14="http://schemas.microsoft.com/office/powerpoint/2010/main" val="664013948"/>
       </p:ext>
     </p:extLst>
   </p:cSld>
@@ -5851,35 +6836,9 @@
           <a:p>
             <a:r>
               <a:rPr lang="de-DE" dirty="0" smtClean="0"/>
-              <a:t>SVNE-Algorithmen:</a:t>
-            </a:r>
-            <a:br>
-              <a:rPr lang="de-DE" dirty="0" smtClean="0"/>
-            </a:br>
-            <a:r>
-              <a:rPr lang="de-DE" sz="1800" b="0" dirty="0"/>
-              <a:t>Sicherheitsvektoren und doppelte Berechnung</a:t>
-            </a:r>
-            <a:endParaRPr lang="de-DE" sz="1800" dirty="0"/>
-          </a:p>
-        </p:txBody>
-      </p:sp>
-      <p:sp>
-        <p:nvSpPr>
-          <p:cNvPr id="3" name="Inhaltsplatzhalter 2"/>
-          <p:cNvSpPr>
-            <a:spLocks noGrp="1"/>
-          </p:cNvSpPr>
-          <p:nvPr>
-            <p:ph idx="1"/>
-          </p:nvPr>
-        </p:nvSpPr>
-        <p:spPr/>
-        <p:txBody>
-          <a:bodyPr/>
-          <a:lstStyle/>
-          <a:p>
-            <a:endParaRPr lang="de-DE"/>
+              <a:t>Klassifizierung von Sicherheitsrisiken</a:t>
+            </a:r>
+            <a:endParaRPr lang="de-DE" dirty="0"/>
           </a:p>
         </p:txBody>
       </p:sp>
@@ -5932,6 +6891,1059 @@
               <a:t>Sicherheitsaspekte beim Deployment virtueller Netzinfrastrukturen</a:t>
             </a:r>
             <a:endParaRPr lang="de-DE" dirty="0"/>
+          </a:p>
+        </p:txBody>
+      </p:sp>
+      <p:sp>
+        <p:nvSpPr>
+          <p:cNvPr id="7" name="Textfeld 6"/>
+          <p:cNvSpPr txBox="1"/>
+          <p:nvPr/>
+        </p:nvSpPr>
+        <p:spPr>
+          <a:xfrm>
+            <a:off x="1031567" y="6182580"/>
+            <a:ext cx="7057060" cy="276999"/>
+          </a:xfrm>
+          <a:prstGeom prst="rect">
+            <a:avLst/>
+          </a:prstGeom>
+          <a:noFill/>
+        </p:spPr>
+        <p:txBody>
+          <a:bodyPr wrap="none" rtlCol="0">
+            <a:spAutoFit/>
+          </a:bodyPr>
+          <a:lstStyle/>
+          <a:p>
+            <a:pPr algn="ctr"/>
+            <a:r>
+              <a:rPr lang="de-DE" dirty="0" smtClean="0"/>
+              <a:t>Die Substratnetze zweier Infrastructure Provider hosten zwei virtuelle Netze eines Service Providers.</a:t>
+            </a:r>
+            <a:endParaRPr lang="de-DE" dirty="0"/>
+          </a:p>
+        </p:txBody>
+      </p:sp>
+      <p:pic>
+        <p:nvPicPr>
+          <p:cNvPr id="8" name="Grafik 7"/>
+          <p:cNvPicPr>
+            <a:picLocks noChangeAspect="1"/>
+          </p:cNvPicPr>
+          <p:nvPr/>
+        </p:nvPicPr>
+        <p:blipFill>
+          <a:blip r:embed="rId3"/>
+          <a:stretch>
+            <a:fillRect/>
+          </a:stretch>
+        </p:blipFill>
+        <p:spPr>
+          <a:xfrm>
+            <a:off x="858233" y="1285880"/>
+            <a:ext cx="7403727" cy="4896700"/>
+          </a:xfrm>
+          <a:prstGeom prst="rect">
+            <a:avLst/>
+          </a:prstGeom>
+        </p:spPr>
+      </p:pic>
+    </p:spTree>
+    <p:extLst>
+      <p:ext uri="{BB962C8B-B14F-4D97-AF65-F5344CB8AC3E}">
+        <p14:creationId xmlns:p14="http://schemas.microsoft.com/office/powerpoint/2010/main" val="895626734"/>
+      </p:ext>
+    </p:extLst>
+  </p:cSld>
+  <p:clrMapOvr>
+    <a:masterClrMapping/>
+  </p:clrMapOvr>
+  <p:transition spd="med"/>
+  <p:timing>
+    <p:tnLst>
+      <p:par>
+        <p:cTn id="1" dur="indefinite" restart="never" nodeType="tmRoot"/>
+      </p:par>
+    </p:tnLst>
+  </p:timing>
+</p:sld>
+</file>
+
+<file path=ppt/slides/slide7.xml><?xml version="1.0" encoding="utf-8"?>
+<p:sld xmlns:a="http://schemas.openxmlformats.org/drawingml/2006/main" xmlns:r="http://schemas.openxmlformats.org/officeDocument/2006/relationships" xmlns:p="http://schemas.openxmlformats.org/presentationml/2006/main">
+  <p:cSld>
+    <p:spTree>
+      <p:nvGrpSpPr>
+        <p:cNvPr id="1" name=""/>
+        <p:cNvGrpSpPr/>
+        <p:nvPr/>
+      </p:nvGrpSpPr>
+      <p:grpSpPr>
+        <a:xfrm>
+          <a:off x="0" y="0"/>
+          <a:ext cx="0" cy="0"/>
+          <a:chOff x="0" y="0"/>
+          <a:chExt cx="0" cy="0"/>
+        </a:xfrm>
+      </p:grpSpPr>
+      <p:sp>
+        <p:nvSpPr>
+          <p:cNvPr id="2" name="Titel 1"/>
+          <p:cNvSpPr>
+            <a:spLocks noGrp="1"/>
+          </p:cNvSpPr>
+          <p:nvPr>
+            <p:ph type="title"/>
+          </p:nvPr>
+        </p:nvSpPr>
+        <p:spPr/>
+        <p:txBody>
+          <a:bodyPr/>
+          <a:lstStyle/>
+          <a:p>
+            <a:r>
+              <a:rPr lang="de-DE" dirty="0" smtClean="0"/>
+              <a:t>Klassifizierung von Sicherheitsrisiken</a:t>
+            </a:r>
+            <a:endParaRPr lang="de-DE" dirty="0"/>
+          </a:p>
+        </p:txBody>
+      </p:sp>
+      <p:sp>
+        <p:nvSpPr>
+          <p:cNvPr id="4" name="Foliennummernplatzhalter 3"/>
+          <p:cNvSpPr>
+            <a:spLocks noGrp="1"/>
+          </p:cNvSpPr>
+          <p:nvPr>
+            <p:ph type="sldNum" sz="quarter" idx="4"/>
+          </p:nvPr>
+        </p:nvSpPr>
+        <p:spPr/>
+        <p:txBody>
+          <a:bodyPr/>
+          <a:lstStyle/>
+          <a:p>
+            <a:pPr>
+              <a:defRPr/>
+            </a:pPr>
+            <a:fld id="{70BFFA52-4234-45F6-B1A6-074E24FF43A2}" type="slidenum">
+              <a:rPr lang="de-DE" smtClean="0"/>
+              <a:pPr>
+                <a:defRPr/>
+              </a:pPr>
+              <a:t>7</a:t>
+            </a:fld>
+            <a:endParaRPr lang="de-DE" dirty="0"/>
+          </a:p>
+        </p:txBody>
+      </p:sp>
+      <p:sp>
+        <p:nvSpPr>
+          <p:cNvPr id="5" name="Fußzeilenplatzhalter 4"/>
+          <p:cNvSpPr>
+            <a:spLocks noGrp="1"/>
+          </p:cNvSpPr>
+          <p:nvPr>
+            <p:ph type="ftr" sz="quarter" idx="3"/>
+          </p:nvPr>
+        </p:nvSpPr>
+        <p:spPr/>
+        <p:txBody>
+          <a:bodyPr/>
+          <a:lstStyle/>
+          <a:p>
+            <a:r>
+              <a:rPr lang="de-DE" smtClean="0"/>
+              <a:t>Sicherheitsaspekte beim Deployment virtueller Netzinfrastrukturen</a:t>
+            </a:r>
+            <a:endParaRPr lang="de-DE" dirty="0"/>
+          </a:p>
+        </p:txBody>
+      </p:sp>
+      <p:sp>
+        <p:nvSpPr>
+          <p:cNvPr id="9" name="Rechteck 8"/>
+          <p:cNvSpPr/>
+          <p:nvPr/>
+        </p:nvSpPr>
+        <p:spPr bwMode="auto">
+          <a:xfrm>
+            <a:off x="898525" y="3032956"/>
+            <a:ext cx="7381887" cy="3321034"/>
+          </a:xfrm>
+          <a:prstGeom prst="rect">
+            <a:avLst/>
+          </a:prstGeom>
+          <a:solidFill>
+            <a:schemeClr val="bg1"/>
+          </a:solidFill>
+          <a:ln w="12700" cap="flat" cmpd="sng" algn="ctr">
+            <a:noFill/>
+            <a:prstDash val="solid"/>
+            <a:round/>
+            <a:headEnd type="none" w="med" len="med"/>
+            <a:tailEnd type="none" w="med" len="med"/>
+          </a:ln>
+          <a:effectLst/>
+        </p:spPr>
+        <p:txBody>
+          <a:bodyPr vert="horz" wrap="square" lIns="91440" tIns="45720" rIns="91440" bIns="45720" numCol="1" rtlCol="0" anchor="ctr" anchorCtr="0" compatLnSpc="1">
+            <a:prstTxWarp prst="textNoShape">
+              <a:avLst/>
+            </a:prstTxWarp>
+          </a:bodyPr>
+          <a:lstStyle/>
+          <a:p>
+            <a:pPr marL="0" marR="0" indent="0" algn="l" defTabSz="914400" rtl="0" eaLnBrk="0" fontAlgn="base" latinLnBrk="0" hangingPunct="0">
+              <a:lnSpc>
+                <a:spcPct val="100000"/>
+              </a:lnSpc>
+              <a:spcBef>
+                <a:spcPct val="0"/>
+              </a:spcBef>
+              <a:spcAft>
+                <a:spcPct val="0"/>
+              </a:spcAft>
+              <a:buClrTx/>
+              <a:buSzTx/>
+              <a:buFontTx/>
+              <a:buNone/>
+              <a:tabLst/>
+            </a:pPr>
+            <a:endParaRPr kumimoji="0" lang="de-DE" sz="1400" b="0" i="0" u="none" strike="noStrike" cap="none" normalizeH="0" baseline="0" smtClean="0">
+              <a:ln>
+                <a:noFill/>
+              </a:ln>
+              <a:solidFill>
+                <a:schemeClr val="tx1"/>
+              </a:solidFill>
+              <a:effectLst/>
+              <a:latin typeface="LMU CompatilFact" pitchFamily="2" charset="0"/>
+            </a:endParaRPr>
+          </a:p>
+        </p:txBody>
+      </p:sp>
+      <p:sp>
+        <p:nvSpPr>
+          <p:cNvPr id="8" name="Rechteck 7"/>
+          <p:cNvSpPr/>
+          <p:nvPr/>
+        </p:nvSpPr>
+        <p:spPr bwMode="auto">
+          <a:xfrm>
+            <a:off x="898525" y="3933056"/>
+            <a:ext cx="7381887" cy="2420934"/>
+          </a:xfrm>
+          <a:prstGeom prst="rect">
+            <a:avLst/>
+          </a:prstGeom>
+          <a:solidFill>
+            <a:schemeClr val="bg1"/>
+          </a:solidFill>
+          <a:ln w="12700" cap="flat" cmpd="sng" algn="ctr">
+            <a:noFill/>
+            <a:prstDash val="solid"/>
+            <a:round/>
+            <a:headEnd type="none" w="med" len="med"/>
+            <a:tailEnd type="none" w="med" len="med"/>
+          </a:ln>
+          <a:effectLst/>
+        </p:spPr>
+        <p:txBody>
+          <a:bodyPr vert="horz" wrap="square" lIns="91440" tIns="45720" rIns="91440" bIns="45720" numCol="1" rtlCol="0" anchor="ctr" anchorCtr="0" compatLnSpc="1">
+            <a:prstTxWarp prst="textNoShape">
+              <a:avLst/>
+            </a:prstTxWarp>
+          </a:bodyPr>
+          <a:lstStyle/>
+          <a:p>
+            <a:pPr marL="0" marR="0" indent="0" algn="l" defTabSz="914400" rtl="0" eaLnBrk="0" fontAlgn="base" latinLnBrk="0" hangingPunct="0">
+              <a:lnSpc>
+                <a:spcPct val="100000"/>
+              </a:lnSpc>
+              <a:spcBef>
+                <a:spcPct val="0"/>
+              </a:spcBef>
+              <a:spcAft>
+                <a:spcPct val="0"/>
+              </a:spcAft>
+              <a:buClrTx/>
+              <a:buSzTx/>
+              <a:buFontTx/>
+              <a:buNone/>
+              <a:tabLst/>
+            </a:pPr>
+            <a:endParaRPr kumimoji="0" lang="de-DE" sz="1400" b="0" i="0" u="none" strike="noStrike" cap="none" normalizeH="0" baseline="0" smtClean="0">
+              <a:ln>
+                <a:noFill/>
+              </a:ln>
+              <a:solidFill>
+                <a:schemeClr val="tx1"/>
+              </a:solidFill>
+              <a:effectLst/>
+              <a:latin typeface="LMU CompatilFact" pitchFamily="2" charset="0"/>
+            </a:endParaRPr>
+          </a:p>
+        </p:txBody>
+      </p:sp>
+      <p:pic>
+        <p:nvPicPr>
+          <p:cNvPr id="11" name="Grafik 10"/>
+          <p:cNvPicPr>
+            <a:picLocks noChangeAspect="1"/>
+          </p:cNvPicPr>
+          <p:nvPr/>
+        </p:nvPicPr>
+        <p:blipFill>
+          <a:blip r:embed="rId3"/>
+          <a:stretch>
+            <a:fillRect/>
+          </a:stretch>
+        </p:blipFill>
+        <p:spPr>
+          <a:xfrm>
+            <a:off x="1322236" y="1340768"/>
+            <a:ext cx="6526128" cy="5059562"/>
+          </a:xfrm>
+          <a:prstGeom prst="rect">
+            <a:avLst/>
+          </a:prstGeom>
+        </p:spPr>
+      </p:pic>
+      <p:sp>
+        <p:nvSpPr>
+          <p:cNvPr id="12" name="Rechteck 11"/>
+          <p:cNvSpPr/>
+          <p:nvPr/>
+        </p:nvSpPr>
+        <p:spPr bwMode="auto">
+          <a:xfrm>
+            <a:off x="898525" y="3068960"/>
+            <a:ext cx="7381887" cy="3285030"/>
+          </a:xfrm>
+          <a:prstGeom prst="rect">
+            <a:avLst/>
+          </a:prstGeom>
+          <a:solidFill>
+            <a:schemeClr val="bg1"/>
+          </a:solidFill>
+          <a:ln w="12700" cap="flat" cmpd="sng" algn="ctr">
+            <a:noFill/>
+            <a:prstDash val="solid"/>
+            <a:round/>
+            <a:headEnd type="none" w="med" len="med"/>
+            <a:tailEnd type="none" w="med" len="med"/>
+          </a:ln>
+          <a:effectLst/>
+        </p:spPr>
+        <p:txBody>
+          <a:bodyPr vert="horz" wrap="square" lIns="91440" tIns="45720" rIns="91440" bIns="45720" numCol="1" rtlCol="0" anchor="ctr" anchorCtr="0" compatLnSpc="1">
+            <a:prstTxWarp prst="textNoShape">
+              <a:avLst/>
+            </a:prstTxWarp>
+          </a:bodyPr>
+          <a:lstStyle/>
+          <a:p>
+            <a:pPr marL="0" marR="0" indent="0" algn="l" defTabSz="914400" rtl="0" eaLnBrk="0" fontAlgn="base" latinLnBrk="0" hangingPunct="0">
+              <a:lnSpc>
+                <a:spcPct val="100000"/>
+              </a:lnSpc>
+              <a:spcBef>
+                <a:spcPct val="0"/>
+              </a:spcBef>
+              <a:spcAft>
+                <a:spcPct val="0"/>
+              </a:spcAft>
+              <a:buClrTx/>
+              <a:buSzTx/>
+              <a:buFontTx/>
+              <a:buNone/>
+              <a:tabLst/>
+            </a:pPr>
+            <a:endParaRPr kumimoji="0" lang="de-DE" sz="1400" b="0" i="0" u="none" strike="noStrike" cap="none" normalizeH="0" baseline="0" smtClean="0">
+              <a:ln>
+                <a:noFill/>
+              </a:ln>
+              <a:solidFill>
+                <a:schemeClr val="tx1"/>
+              </a:solidFill>
+              <a:effectLst/>
+              <a:latin typeface="LMU CompatilFact" pitchFamily="2" charset="0"/>
+            </a:endParaRPr>
+          </a:p>
+        </p:txBody>
+      </p:sp>
+      <p:sp>
+        <p:nvSpPr>
+          <p:cNvPr id="13" name="Rechteck 12"/>
+          <p:cNvSpPr/>
+          <p:nvPr/>
+        </p:nvSpPr>
+        <p:spPr bwMode="auto">
+          <a:xfrm>
+            <a:off x="898525" y="4005064"/>
+            <a:ext cx="7381887" cy="2348926"/>
+          </a:xfrm>
+          <a:prstGeom prst="rect">
+            <a:avLst/>
+          </a:prstGeom>
+          <a:solidFill>
+            <a:schemeClr val="bg1"/>
+          </a:solidFill>
+          <a:ln w="12700" cap="flat" cmpd="sng" algn="ctr">
+            <a:noFill/>
+            <a:prstDash val="solid"/>
+            <a:round/>
+            <a:headEnd type="none" w="med" len="med"/>
+            <a:tailEnd type="none" w="med" len="med"/>
+          </a:ln>
+          <a:effectLst/>
+        </p:spPr>
+        <p:txBody>
+          <a:bodyPr vert="horz" wrap="square" lIns="91440" tIns="45720" rIns="91440" bIns="45720" numCol="1" rtlCol="0" anchor="ctr" anchorCtr="0" compatLnSpc="1">
+            <a:prstTxWarp prst="textNoShape">
+              <a:avLst/>
+            </a:prstTxWarp>
+          </a:bodyPr>
+          <a:lstStyle/>
+          <a:p>
+            <a:pPr marL="0" marR="0" indent="0" algn="l" defTabSz="914400" rtl="0" eaLnBrk="0" fontAlgn="base" latinLnBrk="0" hangingPunct="0">
+              <a:lnSpc>
+                <a:spcPct val="100000"/>
+              </a:lnSpc>
+              <a:spcBef>
+                <a:spcPct val="0"/>
+              </a:spcBef>
+              <a:spcAft>
+                <a:spcPct val="0"/>
+              </a:spcAft>
+              <a:buClrTx/>
+              <a:buSzTx/>
+              <a:buFontTx/>
+              <a:buNone/>
+              <a:tabLst/>
+            </a:pPr>
+            <a:endParaRPr kumimoji="0" lang="de-DE" sz="1400" b="0" i="0" u="none" strike="noStrike" cap="none" normalizeH="0" baseline="0" smtClean="0">
+              <a:ln>
+                <a:noFill/>
+              </a:ln>
+              <a:solidFill>
+                <a:schemeClr val="tx1"/>
+              </a:solidFill>
+              <a:effectLst/>
+              <a:latin typeface="LMU CompatilFact" pitchFamily="2" charset="0"/>
+            </a:endParaRPr>
+          </a:p>
+        </p:txBody>
+      </p:sp>
+    </p:spTree>
+    <p:extLst>
+      <p:ext uri="{BB962C8B-B14F-4D97-AF65-F5344CB8AC3E}">
+        <p14:creationId xmlns:p14="http://schemas.microsoft.com/office/powerpoint/2010/main" val="541222762"/>
+      </p:ext>
+    </p:extLst>
+  </p:cSld>
+  <p:clrMapOvr>
+    <a:masterClrMapping/>
+  </p:clrMapOvr>
+  <p:transition spd="med"/>
+  <p:timing>
+    <p:tnLst>
+      <p:par>
+        <p:cTn id="1" dur="indefinite" restart="never" nodeType="tmRoot">
+          <p:childTnLst>
+            <p:seq concurrent="1" nextAc="seek">
+              <p:cTn id="2" dur="indefinite" nodeType="mainSeq">
+                <p:childTnLst>
+                  <p:par>
+                    <p:cTn id="3" fill="hold">
+                      <p:stCondLst>
+                        <p:cond delay="indefinite"/>
+                      </p:stCondLst>
+                      <p:childTnLst>
+                        <p:par>
+                          <p:cTn id="4" fill="hold">
+                            <p:stCondLst>
+                              <p:cond delay="0"/>
+                            </p:stCondLst>
+                            <p:childTnLst>
+                              <p:par>
+                                <p:cTn id="5" presetID="10" presetClass="exit" presetSubtype="0" fill="hold" grpId="0" nodeType="clickEffect">
+                                  <p:stCondLst>
+                                    <p:cond delay="0"/>
+                                  </p:stCondLst>
+                                  <p:childTnLst>
+                                    <p:animEffect transition="out" filter="fade">
+                                      <p:cBhvr>
+                                        <p:cTn id="6" dur="500"/>
+                                        <p:tgtEl>
+                                          <p:spTgt spid="12"/>
+                                        </p:tgtEl>
+                                      </p:cBhvr>
+                                    </p:animEffect>
+                                    <p:set>
+                                      <p:cBhvr>
+                                        <p:cTn id="7" dur="1" fill="hold">
+                                          <p:stCondLst>
+                                            <p:cond delay="499"/>
+                                          </p:stCondLst>
+                                        </p:cTn>
+                                        <p:tgtEl>
+                                          <p:spTgt spid="12"/>
+                                        </p:tgtEl>
+                                        <p:attrNameLst>
+                                          <p:attrName>style.visibility</p:attrName>
+                                        </p:attrNameLst>
+                                      </p:cBhvr>
+                                      <p:to>
+                                        <p:strVal val="hidden"/>
+                                      </p:to>
+                                    </p:set>
+                                  </p:childTnLst>
+                                </p:cTn>
+                              </p:par>
+                            </p:childTnLst>
+                          </p:cTn>
+                        </p:par>
+                      </p:childTnLst>
+                    </p:cTn>
+                  </p:par>
+                  <p:par>
+                    <p:cTn id="8" fill="hold">
+                      <p:stCondLst>
+                        <p:cond delay="indefinite"/>
+                      </p:stCondLst>
+                      <p:childTnLst>
+                        <p:par>
+                          <p:cTn id="9" fill="hold">
+                            <p:stCondLst>
+                              <p:cond delay="0"/>
+                            </p:stCondLst>
+                            <p:childTnLst>
+                              <p:par>
+                                <p:cTn id="10" presetID="10" presetClass="exit" presetSubtype="0" fill="hold" grpId="0" nodeType="clickEffect">
+                                  <p:stCondLst>
+                                    <p:cond delay="0"/>
+                                  </p:stCondLst>
+                                  <p:childTnLst>
+                                    <p:animEffect transition="out" filter="fade">
+                                      <p:cBhvr>
+                                        <p:cTn id="11" dur="500"/>
+                                        <p:tgtEl>
+                                          <p:spTgt spid="13"/>
+                                        </p:tgtEl>
+                                      </p:cBhvr>
+                                    </p:animEffect>
+                                    <p:set>
+                                      <p:cBhvr>
+                                        <p:cTn id="12" dur="1" fill="hold">
+                                          <p:stCondLst>
+                                            <p:cond delay="499"/>
+                                          </p:stCondLst>
+                                        </p:cTn>
+                                        <p:tgtEl>
+                                          <p:spTgt spid="13"/>
+                                        </p:tgtEl>
+                                        <p:attrNameLst>
+                                          <p:attrName>style.visibility</p:attrName>
+                                        </p:attrNameLst>
+                                      </p:cBhvr>
+                                      <p:to>
+                                        <p:strVal val="hidden"/>
+                                      </p:to>
+                                    </p:set>
+                                  </p:childTnLst>
+                                </p:cTn>
+                              </p:par>
+                            </p:childTnLst>
+                          </p:cTn>
+                        </p:par>
+                      </p:childTnLst>
+                    </p:cTn>
+                  </p:par>
+                </p:childTnLst>
+              </p:cTn>
+              <p:prevCondLst>
+                <p:cond evt="onPrev" delay="0">
+                  <p:tgtEl>
+                    <p:sldTgt/>
+                  </p:tgtEl>
+                </p:cond>
+              </p:prevCondLst>
+              <p:nextCondLst>
+                <p:cond evt="onNext" delay="0">
+                  <p:tgtEl>
+                    <p:sldTgt/>
+                  </p:tgtEl>
+                </p:cond>
+              </p:nextCondLst>
+            </p:seq>
+          </p:childTnLst>
+        </p:cTn>
+      </p:par>
+    </p:tnLst>
+    <p:bldLst>
+      <p:bldP spid="12" grpId="0" animBg="1"/>
+      <p:bldP spid="13" grpId="0" animBg="1"/>
+    </p:bldLst>
+  </p:timing>
+</p:sld>
+</file>
+
+<file path=ppt/slides/slide8.xml><?xml version="1.0" encoding="utf-8"?>
+<p:sld xmlns:a="http://schemas.openxmlformats.org/drawingml/2006/main" xmlns:r="http://schemas.openxmlformats.org/officeDocument/2006/relationships" xmlns:p="http://schemas.openxmlformats.org/presentationml/2006/main">
+  <p:cSld>
+    <p:spTree>
+      <p:nvGrpSpPr>
+        <p:cNvPr id="1" name=""/>
+        <p:cNvGrpSpPr/>
+        <p:nvPr/>
+      </p:nvGrpSpPr>
+      <p:grpSpPr>
+        <a:xfrm>
+          <a:off x="0" y="0"/>
+          <a:ext cx="0" cy="0"/>
+          <a:chOff x="0" y="0"/>
+          <a:chExt cx="0" cy="0"/>
+        </a:xfrm>
+      </p:grpSpPr>
+      <p:sp>
+        <p:nvSpPr>
+          <p:cNvPr id="2" name="Titel 1"/>
+          <p:cNvSpPr>
+            <a:spLocks noGrp="1"/>
+          </p:cNvSpPr>
+          <p:nvPr>
+            <p:ph type="title"/>
+          </p:nvPr>
+        </p:nvSpPr>
+        <p:spPr/>
+        <p:txBody>
+          <a:bodyPr/>
+          <a:lstStyle/>
+          <a:p>
+            <a:r>
+              <a:rPr lang="de-DE" dirty="0" smtClean="0"/>
+              <a:t>SVNE-Algorithmen:</a:t>
+            </a:r>
+            <a:br>
+              <a:rPr lang="de-DE" dirty="0" smtClean="0"/>
+            </a:br>
+            <a:r>
+              <a:rPr lang="de-DE" sz="1800" b="0" dirty="0"/>
+              <a:t>Strikte Trennung und </a:t>
+            </a:r>
+            <a:r>
+              <a:rPr lang="de-DE" sz="1800" b="0" dirty="0" err="1" smtClean="0"/>
+              <a:t>Preprocessing</a:t>
+            </a:r>
+            <a:endParaRPr lang="de-DE" sz="1800" dirty="0"/>
+          </a:p>
+        </p:txBody>
+      </p:sp>
+      <p:sp>
+        <p:nvSpPr>
+          <p:cNvPr id="3" name="Inhaltsplatzhalter 2"/>
+          <p:cNvSpPr>
+            <a:spLocks noGrp="1"/>
+          </p:cNvSpPr>
+          <p:nvPr>
+            <p:ph idx="1"/>
+          </p:nvPr>
+        </p:nvSpPr>
+        <p:spPr/>
+        <p:txBody>
+          <a:bodyPr/>
+          <a:lstStyle/>
+          <a:p>
+            <a:endParaRPr lang="de-DE" dirty="0"/>
+          </a:p>
+        </p:txBody>
+      </p:sp>
+      <p:sp>
+        <p:nvSpPr>
+          <p:cNvPr id="4" name="Foliennummernplatzhalter 3"/>
+          <p:cNvSpPr>
+            <a:spLocks noGrp="1"/>
+          </p:cNvSpPr>
+          <p:nvPr>
+            <p:ph type="sldNum" sz="quarter" idx="4"/>
+          </p:nvPr>
+        </p:nvSpPr>
+        <p:spPr/>
+        <p:txBody>
+          <a:bodyPr/>
+          <a:lstStyle/>
+          <a:p>
+            <a:pPr>
+              <a:defRPr/>
+            </a:pPr>
+            <a:fld id="{70BFFA52-4234-45F6-B1A6-074E24FF43A2}" type="slidenum">
+              <a:rPr lang="de-DE" smtClean="0"/>
+              <a:pPr>
+                <a:defRPr/>
+              </a:pPr>
+              <a:t>8</a:t>
+            </a:fld>
+            <a:endParaRPr lang="de-DE" dirty="0"/>
+          </a:p>
+        </p:txBody>
+      </p:sp>
+      <p:sp>
+        <p:nvSpPr>
+          <p:cNvPr id="5" name="Fußzeilenplatzhalter 4"/>
+          <p:cNvSpPr>
+            <a:spLocks noGrp="1"/>
+          </p:cNvSpPr>
+          <p:nvPr>
+            <p:ph type="ftr" sz="quarter" idx="3"/>
+          </p:nvPr>
+        </p:nvSpPr>
+        <p:spPr/>
+        <p:txBody>
+          <a:bodyPr/>
+          <a:lstStyle/>
+          <a:p>
+            <a:r>
+              <a:rPr lang="de-DE" smtClean="0"/>
+              <a:t>Sicherheitsaspekte beim Deployment virtueller Netzinfrastrukturen</a:t>
+            </a:r>
+            <a:endParaRPr lang="de-DE" dirty="0"/>
+          </a:p>
+        </p:txBody>
+      </p:sp>
+      <p:sp>
+        <p:nvSpPr>
+          <p:cNvPr id="6" name="Textfeld 5"/>
+          <p:cNvSpPr txBox="1"/>
+          <p:nvPr/>
+        </p:nvSpPr>
+        <p:spPr>
+          <a:xfrm>
+            <a:off x="143508" y="6225899"/>
+            <a:ext cx="7564763" cy="461665"/>
+          </a:xfrm>
+          <a:prstGeom prst="rect">
+            <a:avLst/>
+          </a:prstGeom>
+          <a:noFill/>
+        </p:spPr>
+        <p:txBody>
+          <a:bodyPr wrap="none" rtlCol="0">
+            <a:spAutoFit/>
+          </a:bodyPr>
+          <a:lstStyle/>
+          <a:p>
+            <a:r>
+              <a:rPr lang="de-DE" dirty="0" smtClean="0"/>
+              <a:t>[1] Hong </a:t>
+            </a:r>
+            <a:r>
+              <a:rPr lang="de-DE" dirty="0" err="1"/>
+              <a:t>Xu</a:t>
+            </a:r>
+            <a:r>
+              <a:rPr lang="de-DE" dirty="0"/>
+              <a:t> Ming </a:t>
+            </a:r>
+            <a:r>
+              <a:rPr lang="de-DE" dirty="0" err="1"/>
+              <a:t>Xu</a:t>
+            </a:r>
+            <a:r>
+              <a:rPr lang="de-DE" dirty="0"/>
+              <a:t> </a:t>
+            </a:r>
+            <a:r>
+              <a:rPr lang="de-DE" dirty="0" err="1"/>
+              <a:t>Shuhao</a:t>
+            </a:r>
+            <a:r>
+              <a:rPr lang="de-DE" dirty="0"/>
+              <a:t> Liu, </a:t>
+            </a:r>
+            <a:r>
+              <a:rPr lang="de-DE" dirty="0" err="1"/>
+              <a:t>Zhiping</a:t>
+            </a:r>
+            <a:r>
+              <a:rPr lang="de-DE" dirty="0"/>
+              <a:t> Cai. </a:t>
+            </a:r>
+            <a:r>
+              <a:rPr lang="de-DE" dirty="0" err="1"/>
+              <a:t>Towards</a:t>
+            </a:r>
+            <a:r>
+              <a:rPr lang="de-DE" dirty="0"/>
+              <a:t> Security-aware Virtual Network Embedding, 2015.</a:t>
+            </a:r>
+          </a:p>
+          <a:p>
+            <a:endParaRPr lang="de-DE" dirty="0"/>
+          </a:p>
+        </p:txBody>
+      </p:sp>
+      <p:sp>
+        <p:nvSpPr>
+          <p:cNvPr id="7" name="Textfeld 6"/>
+          <p:cNvSpPr txBox="1"/>
+          <p:nvPr/>
+        </p:nvSpPr>
+        <p:spPr>
+          <a:xfrm>
+            <a:off x="5778538" y="692696"/>
+            <a:ext cx="269626" cy="276999"/>
+          </a:xfrm>
+          <a:prstGeom prst="rect">
+            <a:avLst/>
+          </a:prstGeom>
+          <a:noFill/>
+        </p:spPr>
+        <p:txBody>
+          <a:bodyPr wrap="none" rtlCol="0">
+            <a:spAutoFit/>
+          </a:bodyPr>
+          <a:lstStyle/>
+          <a:p>
+            <a:r>
+              <a:rPr lang="de-DE" b="1" dirty="0" smtClean="0"/>
+              <a:t>1</a:t>
+            </a:r>
+            <a:endParaRPr lang="de-DE" b="1" dirty="0"/>
+          </a:p>
+        </p:txBody>
+      </p:sp>
+    </p:spTree>
+    <p:extLst>
+      <p:ext uri="{BB962C8B-B14F-4D97-AF65-F5344CB8AC3E}">
+        <p14:creationId xmlns:p14="http://schemas.microsoft.com/office/powerpoint/2010/main" val="3408010396"/>
+      </p:ext>
+    </p:extLst>
+  </p:cSld>
+  <p:clrMapOvr>
+    <a:masterClrMapping/>
+  </p:clrMapOvr>
+  <p:transition spd="med"/>
+  <p:timing>
+    <p:tnLst>
+      <p:par>
+        <p:cTn id="1" dur="indefinite" restart="never" nodeType="tmRoot"/>
+      </p:par>
+    </p:tnLst>
+  </p:timing>
+</p:sld>
+</file>
+
+<file path=ppt/slides/slide9.xml><?xml version="1.0" encoding="utf-8"?>
+<p:sld xmlns:a="http://schemas.openxmlformats.org/drawingml/2006/main" xmlns:r="http://schemas.openxmlformats.org/officeDocument/2006/relationships" xmlns:p="http://schemas.openxmlformats.org/presentationml/2006/main">
+  <p:cSld>
+    <p:spTree>
+      <p:nvGrpSpPr>
+        <p:cNvPr id="1" name=""/>
+        <p:cNvGrpSpPr/>
+        <p:nvPr/>
+      </p:nvGrpSpPr>
+      <p:grpSpPr>
+        <a:xfrm>
+          <a:off x="0" y="0"/>
+          <a:ext cx="0" cy="0"/>
+          <a:chOff x="0" y="0"/>
+          <a:chExt cx="0" cy="0"/>
+        </a:xfrm>
+      </p:grpSpPr>
+      <p:sp>
+        <p:nvSpPr>
+          <p:cNvPr id="2" name="Titel 1"/>
+          <p:cNvSpPr>
+            <a:spLocks noGrp="1"/>
+          </p:cNvSpPr>
+          <p:nvPr>
+            <p:ph type="title"/>
+          </p:nvPr>
+        </p:nvSpPr>
+        <p:spPr/>
+        <p:txBody>
+          <a:bodyPr/>
+          <a:lstStyle/>
+          <a:p>
+            <a:r>
+              <a:rPr lang="de-DE" dirty="0" smtClean="0"/>
+              <a:t>SVNE-Algorithmen:</a:t>
+            </a:r>
+            <a:br>
+              <a:rPr lang="de-DE" dirty="0" smtClean="0"/>
+            </a:br>
+            <a:r>
+              <a:rPr lang="de-DE" sz="1800" b="0" dirty="0"/>
+              <a:t>Sicherheitsvektoren und doppelte Berechnung</a:t>
+            </a:r>
+            <a:endParaRPr lang="de-DE" sz="1800" dirty="0"/>
+          </a:p>
+        </p:txBody>
+      </p:sp>
+      <p:sp>
+        <p:nvSpPr>
+          <p:cNvPr id="3" name="Inhaltsplatzhalter 2"/>
+          <p:cNvSpPr>
+            <a:spLocks noGrp="1"/>
+          </p:cNvSpPr>
+          <p:nvPr>
+            <p:ph idx="1"/>
+          </p:nvPr>
+        </p:nvSpPr>
+        <p:spPr/>
+        <p:txBody>
+          <a:bodyPr/>
+          <a:lstStyle/>
+          <a:p>
+            <a:endParaRPr lang="de-DE"/>
+          </a:p>
+        </p:txBody>
+      </p:sp>
+      <p:sp>
+        <p:nvSpPr>
+          <p:cNvPr id="4" name="Foliennummernplatzhalter 3"/>
+          <p:cNvSpPr>
+            <a:spLocks noGrp="1"/>
+          </p:cNvSpPr>
+          <p:nvPr>
+            <p:ph type="sldNum" sz="quarter" idx="4"/>
+          </p:nvPr>
+        </p:nvSpPr>
+        <p:spPr/>
+        <p:txBody>
+          <a:bodyPr/>
+          <a:lstStyle/>
+          <a:p>
+            <a:pPr>
+              <a:defRPr/>
+            </a:pPr>
+            <a:fld id="{70BFFA52-4234-45F6-B1A6-074E24FF43A2}" type="slidenum">
+              <a:rPr lang="de-DE" smtClean="0"/>
+              <a:pPr>
+                <a:defRPr/>
+              </a:pPr>
+              <a:t>9</a:t>
+            </a:fld>
+            <a:endParaRPr lang="de-DE" dirty="0"/>
+          </a:p>
+        </p:txBody>
+      </p:sp>
+      <p:sp>
+        <p:nvSpPr>
+          <p:cNvPr id="5" name="Fußzeilenplatzhalter 4"/>
+          <p:cNvSpPr>
+            <a:spLocks noGrp="1"/>
+          </p:cNvSpPr>
+          <p:nvPr>
+            <p:ph type="ftr" sz="quarter" idx="3"/>
+          </p:nvPr>
+        </p:nvSpPr>
+        <p:spPr/>
+        <p:txBody>
+          <a:bodyPr/>
+          <a:lstStyle/>
+          <a:p>
+            <a:r>
+              <a:rPr lang="de-DE" smtClean="0"/>
+              <a:t>Sicherheitsaspekte beim Deployment virtueller Netzinfrastrukturen</a:t>
+            </a:r>
+            <a:endParaRPr lang="de-DE" dirty="0"/>
+          </a:p>
+        </p:txBody>
+      </p:sp>
+      <p:sp>
+        <p:nvSpPr>
+          <p:cNvPr id="6" name="Textfeld 5"/>
+          <p:cNvSpPr txBox="1"/>
+          <p:nvPr/>
+        </p:nvSpPr>
+        <p:spPr>
+          <a:xfrm>
+            <a:off x="143508" y="6225899"/>
+            <a:ext cx="8944821" cy="276999"/>
+          </a:xfrm>
+          <a:prstGeom prst="rect">
+            <a:avLst/>
+          </a:prstGeom>
+          <a:noFill/>
+        </p:spPr>
+        <p:txBody>
+          <a:bodyPr wrap="none" rtlCol="0">
+            <a:spAutoFit/>
+          </a:bodyPr>
+          <a:lstStyle/>
+          <a:p>
+            <a:r>
+              <a:rPr lang="de-DE" dirty="0" smtClean="0"/>
+              <a:t>[1] </a:t>
+            </a:r>
+            <a:r>
+              <a:rPr lang="en-US" dirty="0"/>
+              <a:t>Yang Wang, </a:t>
+            </a:r>
+            <a:r>
+              <a:rPr lang="en-US" dirty="0" err="1"/>
+              <a:t>Phanvu</a:t>
+            </a:r>
+            <a:r>
+              <a:rPr lang="en-US" dirty="0"/>
+              <a:t> Chau und </a:t>
+            </a:r>
+            <a:r>
+              <a:rPr lang="en-US" dirty="0" err="1"/>
+              <a:t>Fuyu</a:t>
+            </a:r>
+            <a:r>
+              <a:rPr lang="en-US" dirty="0"/>
+              <a:t> Chen. Towards a secured network virtualization. </a:t>
+            </a:r>
+            <a:r>
+              <a:rPr lang="de-DE" i="1" dirty="0"/>
+              <a:t>Computer Networks</a:t>
+            </a:r>
+            <a:r>
+              <a:rPr lang="de-DE" dirty="0"/>
+              <a:t>, 104:55–65, 2016</a:t>
+            </a:r>
+            <a:r>
+              <a:rPr lang="de-DE" dirty="0" smtClean="0"/>
+              <a:t>.</a:t>
+            </a:r>
+            <a:endParaRPr lang="de-DE" dirty="0"/>
+          </a:p>
+        </p:txBody>
+      </p:sp>
+      <p:sp>
+        <p:nvSpPr>
+          <p:cNvPr id="7" name="Textfeld 6"/>
+          <p:cNvSpPr txBox="1"/>
+          <p:nvPr/>
+        </p:nvSpPr>
+        <p:spPr>
+          <a:xfrm>
+            <a:off x="3330266" y="692696"/>
+            <a:ext cx="269626" cy="276999"/>
+          </a:xfrm>
+          <a:prstGeom prst="rect">
+            <a:avLst/>
+          </a:prstGeom>
+          <a:noFill/>
+        </p:spPr>
+        <p:txBody>
+          <a:bodyPr wrap="none" rtlCol="0">
+            <a:spAutoFit/>
+          </a:bodyPr>
+          <a:lstStyle/>
+          <a:p>
+            <a:r>
+              <a:rPr lang="de-DE" b="1" dirty="0" smtClean="0"/>
+              <a:t>1</a:t>
+            </a:r>
+            <a:endParaRPr lang="de-DE" b="1" dirty="0"/>
           </a:p>
         </p:txBody>
       </p:sp>

--- a/Referat/PowerPoint/TimvS_SVNE.pptx
+++ b/Referat/PowerPoint/TimvS_SVNE.pptx
@@ -5,23 +5,29 @@
     <p:sldMasterId id="2147483652" r:id="rId1"/>
   </p:sldMasterIdLst>
   <p:notesMasterIdLst>
-    <p:notesMasterId r:id="rId13"/>
+    <p:notesMasterId r:id="rId19"/>
   </p:notesMasterIdLst>
   <p:handoutMasterIdLst>
-    <p:handoutMasterId r:id="rId14"/>
+    <p:handoutMasterId r:id="rId20"/>
   </p:handoutMasterIdLst>
   <p:sldIdLst>
     <p:sldId id="844" r:id="rId2"/>
     <p:sldId id="836" r:id="rId3"/>
     <p:sldId id="837" r:id="rId4"/>
     <p:sldId id="838" r:id="rId5"/>
-    <p:sldId id="839" r:id="rId6"/>
-    <p:sldId id="843" r:id="rId7"/>
-    <p:sldId id="842" r:id="rId8"/>
-    <p:sldId id="840" r:id="rId9"/>
-    <p:sldId id="841" r:id="rId10"/>
-    <p:sldId id="845" r:id="rId11"/>
-    <p:sldId id="846" r:id="rId12"/>
+    <p:sldId id="843" r:id="rId6"/>
+    <p:sldId id="842" r:id="rId7"/>
+    <p:sldId id="847" r:id="rId8"/>
+    <p:sldId id="851" r:id="rId9"/>
+    <p:sldId id="853" r:id="rId10"/>
+    <p:sldId id="852" r:id="rId11"/>
+    <p:sldId id="855" r:id="rId12"/>
+    <p:sldId id="854" r:id="rId13"/>
+    <p:sldId id="856" r:id="rId14"/>
+    <p:sldId id="840" r:id="rId15"/>
+    <p:sldId id="841" r:id="rId16"/>
+    <p:sldId id="845" r:id="rId17"/>
+    <p:sldId id="846" r:id="rId18"/>
   </p:sldIdLst>
   <p:sldSz cx="9144000" cy="6858000" type="screen4x3"/>
   <p:notesSz cx="6781800" cy="9855200"/>
@@ -835,6 +841,516 @@
 </p:notes>
 </file>
 
+<file path=ppt/notesSlides/notesSlide10.xml><?xml version="1.0" encoding="utf-8"?>
+<p:notes xmlns:a="http://schemas.openxmlformats.org/drawingml/2006/main" xmlns:r="http://schemas.openxmlformats.org/officeDocument/2006/relationships" xmlns:p="http://schemas.openxmlformats.org/presentationml/2006/main">
+  <p:cSld>
+    <p:spTree>
+      <p:nvGrpSpPr>
+        <p:cNvPr id="1" name=""/>
+        <p:cNvGrpSpPr/>
+        <p:nvPr/>
+      </p:nvGrpSpPr>
+      <p:grpSpPr>
+        <a:xfrm>
+          <a:off x="0" y="0"/>
+          <a:ext cx="0" cy="0"/>
+          <a:chOff x="0" y="0"/>
+          <a:chExt cx="0" cy="0"/>
+        </a:xfrm>
+      </p:grpSpPr>
+      <p:sp>
+        <p:nvSpPr>
+          <p:cNvPr id="2" name="Folienbildplatzhalter 1"/>
+          <p:cNvSpPr>
+            <a:spLocks noGrp="1" noRot="1" noChangeAspect="1"/>
+          </p:cNvSpPr>
+          <p:nvPr>
+            <p:ph type="sldImg"/>
+          </p:nvPr>
+        </p:nvSpPr>
+        <p:spPr/>
+      </p:sp>
+      <p:sp>
+        <p:nvSpPr>
+          <p:cNvPr id="3" name="Notizenplatzhalter 2"/>
+          <p:cNvSpPr>
+            <a:spLocks noGrp="1"/>
+          </p:cNvSpPr>
+          <p:nvPr>
+            <p:ph type="body" idx="1"/>
+          </p:nvPr>
+        </p:nvSpPr>
+        <p:spPr/>
+        <p:txBody>
+          <a:bodyPr/>
+          <a:lstStyle/>
+          <a:p>
+            <a:endParaRPr lang="de-DE" dirty="0"/>
+          </a:p>
+        </p:txBody>
+      </p:sp>
+      <p:sp>
+        <p:nvSpPr>
+          <p:cNvPr id="4" name="Foliennummernplatzhalter 3"/>
+          <p:cNvSpPr>
+            <a:spLocks noGrp="1"/>
+          </p:cNvSpPr>
+          <p:nvPr>
+            <p:ph type="sldNum" sz="quarter" idx="10"/>
+          </p:nvPr>
+        </p:nvSpPr>
+        <p:spPr/>
+        <p:txBody>
+          <a:bodyPr/>
+          <a:lstStyle/>
+          <a:p>
+            <a:fld id="{87E9C61A-9B5E-4580-98DD-1AC874081FFB}" type="slidenum">
+              <a:rPr lang="de-DE" smtClean="0"/>
+              <a:pPr/>
+              <a:t>12</a:t>
+            </a:fld>
+            <a:endParaRPr lang="de-DE"/>
+          </a:p>
+        </p:txBody>
+      </p:sp>
+    </p:spTree>
+    <p:extLst>
+      <p:ext uri="{BB962C8B-B14F-4D97-AF65-F5344CB8AC3E}">
+        <p14:creationId xmlns:p14="http://schemas.microsoft.com/office/powerpoint/2010/main" val="1399884599"/>
+      </p:ext>
+    </p:extLst>
+  </p:cSld>
+  <p:clrMapOvr>
+    <a:masterClrMapping/>
+  </p:clrMapOvr>
+</p:notes>
+</file>
+
+<file path=ppt/notesSlides/notesSlide11.xml><?xml version="1.0" encoding="utf-8"?>
+<p:notes xmlns:a="http://schemas.openxmlformats.org/drawingml/2006/main" xmlns:r="http://schemas.openxmlformats.org/officeDocument/2006/relationships" xmlns:p="http://schemas.openxmlformats.org/presentationml/2006/main">
+  <p:cSld>
+    <p:spTree>
+      <p:nvGrpSpPr>
+        <p:cNvPr id="1" name=""/>
+        <p:cNvGrpSpPr/>
+        <p:nvPr/>
+      </p:nvGrpSpPr>
+      <p:grpSpPr>
+        <a:xfrm>
+          <a:off x="0" y="0"/>
+          <a:ext cx="0" cy="0"/>
+          <a:chOff x="0" y="0"/>
+          <a:chExt cx="0" cy="0"/>
+        </a:xfrm>
+      </p:grpSpPr>
+      <p:sp>
+        <p:nvSpPr>
+          <p:cNvPr id="2" name="Folienbildplatzhalter 1"/>
+          <p:cNvSpPr>
+            <a:spLocks noGrp="1" noRot="1" noChangeAspect="1"/>
+          </p:cNvSpPr>
+          <p:nvPr>
+            <p:ph type="sldImg"/>
+          </p:nvPr>
+        </p:nvSpPr>
+        <p:spPr/>
+      </p:sp>
+      <p:sp>
+        <p:nvSpPr>
+          <p:cNvPr id="3" name="Notizenplatzhalter 2"/>
+          <p:cNvSpPr>
+            <a:spLocks noGrp="1"/>
+          </p:cNvSpPr>
+          <p:nvPr>
+            <p:ph type="body" idx="1"/>
+          </p:nvPr>
+        </p:nvSpPr>
+        <p:spPr/>
+        <p:txBody>
+          <a:bodyPr/>
+          <a:lstStyle/>
+          <a:p>
+            <a:endParaRPr lang="de-DE" dirty="0"/>
+          </a:p>
+        </p:txBody>
+      </p:sp>
+      <p:sp>
+        <p:nvSpPr>
+          <p:cNvPr id="4" name="Foliennummernplatzhalter 3"/>
+          <p:cNvSpPr>
+            <a:spLocks noGrp="1"/>
+          </p:cNvSpPr>
+          <p:nvPr>
+            <p:ph type="sldNum" sz="quarter" idx="10"/>
+          </p:nvPr>
+        </p:nvSpPr>
+        <p:spPr/>
+        <p:txBody>
+          <a:bodyPr/>
+          <a:lstStyle/>
+          <a:p>
+            <a:fld id="{87E9C61A-9B5E-4580-98DD-1AC874081FFB}" type="slidenum">
+              <a:rPr lang="de-DE" smtClean="0"/>
+              <a:pPr/>
+              <a:t>13</a:t>
+            </a:fld>
+            <a:endParaRPr lang="de-DE"/>
+          </a:p>
+        </p:txBody>
+      </p:sp>
+    </p:spTree>
+    <p:extLst>
+      <p:ext uri="{BB962C8B-B14F-4D97-AF65-F5344CB8AC3E}">
+        <p14:creationId xmlns:p14="http://schemas.microsoft.com/office/powerpoint/2010/main" val="2354681918"/>
+      </p:ext>
+    </p:extLst>
+  </p:cSld>
+  <p:clrMapOvr>
+    <a:masterClrMapping/>
+  </p:clrMapOvr>
+</p:notes>
+</file>
+
+<file path=ppt/notesSlides/notesSlide12.xml><?xml version="1.0" encoding="utf-8"?>
+<p:notes xmlns:a="http://schemas.openxmlformats.org/drawingml/2006/main" xmlns:r="http://schemas.openxmlformats.org/officeDocument/2006/relationships" xmlns:p="http://schemas.openxmlformats.org/presentationml/2006/main">
+  <p:cSld>
+    <p:spTree>
+      <p:nvGrpSpPr>
+        <p:cNvPr id="1" name=""/>
+        <p:cNvGrpSpPr/>
+        <p:nvPr/>
+      </p:nvGrpSpPr>
+      <p:grpSpPr>
+        <a:xfrm>
+          <a:off x="0" y="0"/>
+          <a:ext cx="0" cy="0"/>
+          <a:chOff x="0" y="0"/>
+          <a:chExt cx="0" cy="0"/>
+        </a:xfrm>
+      </p:grpSpPr>
+      <p:sp>
+        <p:nvSpPr>
+          <p:cNvPr id="2" name="Folienbildplatzhalter 1"/>
+          <p:cNvSpPr>
+            <a:spLocks noGrp="1" noRot="1" noChangeAspect="1"/>
+          </p:cNvSpPr>
+          <p:nvPr>
+            <p:ph type="sldImg"/>
+          </p:nvPr>
+        </p:nvSpPr>
+        <p:spPr/>
+      </p:sp>
+      <p:sp>
+        <p:nvSpPr>
+          <p:cNvPr id="3" name="Notizenplatzhalter 2"/>
+          <p:cNvSpPr>
+            <a:spLocks noGrp="1"/>
+          </p:cNvSpPr>
+          <p:nvPr>
+            <p:ph type="body" idx="1"/>
+          </p:nvPr>
+        </p:nvSpPr>
+        <p:spPr/>
+        <p:txBody>
+          <a:bodyPr/>
+          <a:lstStyle/>
+          <a:p>
+            <a:endParaRPr lang="de-DE" dirty="0"/>
+          </a:p>
+        </p:txBody>
+      </p:sp>
+      <p:sp>
+        <p:nvSpPr>
+          <p:cNvPr id="4" name="Foliennummernplatzhalter 3"/>
+          <p:cNvSpPr>
+            <a:spLocks noGrp="1"/>
+          </p:cNvSpPr>
+          <p:nvPr>
+            <p:ph type="sldNum" sz="quarter" idx="10"/>
+          </p:nvPr>
+        </p:nvSpPr>
+        <p:spPr/>
+        <p:txBody>
+          <a:bodyPr/>
+          <a:lstStyle/>
+          <a:p>
+            <a:fld id="{87E9C61A-9B5E-4580-98DD-1AC874081FFB}" type="slidenum">
+              <a:rPr lang="de-DE" smtClean="0"/>
+              <a:pPr/>
+              <a:t>14</a:t>
+            </a:fld>
+            <a:endParaRPr lang="de-DE"/>
+          </a:p>
+        </p:txBody>
+      </p:sp>
+    </p:spTree>
+    <p:extLst>
+      <p:ext uri="{BB962C8B-B14F-4D97-AF65-F5344CB8AC3E}">
+        <p14:creationId xmlns:p14="http://schemas.microsoft.com/office/powerpoint/2010/main" val="669372719"/>
+      </p:ext>
+    </p:extLst>
+  </p:cSld>
+  <p:clrMapOvr>
+    <a:masterClrMapping/>
+  </p:clrMapOvr>
+</p:notes>
+</file>
+
+<file path=ppt/notesSlides/notesSlide13.xml><?xml version="1.0" encoding="utf-8"?>
+<p:notes xmlns:a="http://schemas.openxmlformats.org/drawingml/2006/main" xmlns:r="http://schemas.openxmlformats.org/officeDocument/2006/relationships" xmlns:p="http://schemas.openxmlformats.org/presentationml/2006/main">
+  <p:cSld>
+    <p:spTree>
+      <p:nvGrpSpPr>
+        <p:cNvPr id="1" name=""/>
+        <p:cNvGrpSpPr/>
+        <p:nvPr/>
+      </p:nvGrpSpPr>
+      <p:grpSpPr>
+        <a:xfrm>
+          <a:off x="0" y="0"/>
+          <a:ext cx="0" cy="0"/>
+          <a:chOff x="0" y="0"/>
+          <a:chExt cx="0" cy="0"/>
+        </a:xfrm>
+      </p:grpSpPr>
+      <p:sp>
+        <p:nvSpPr>
+          <p:cNvPr id="2" name="Folienbildplatzhalter 1"/>
+          <p:cNvSpPr>
+            <a:spLocks noGrp="1" noRot="1" noChangeAspect="1"/>
+          </p:cNvSpPr>
+          <p:nvPr>
+            <p:ph type="sldImg"/>
+          </p:nvPr>
+        </p:nvSpPr>
+        <p:spPr/>
+      </p:sp>
+      <p:sp>
+        <p:nvSpPr>
+          <p:cNvPr id="3" name="Notizenplatzhalter 2"/>
+          <p:cNvSpPr>
+            <a:spLocks noGrp="1"/>
+          </p:cNvSpPr>
+          <p:nvPr>
+            <p:ph type="body" idx="1"/>
+          </p:nvPr>
+        </p:nvSpPr>
+        <p:spPr/>
+        <p:txBody>
+          <a:bodyPr/>
+          <a:lstStyle/>
+          <a:p>
+            <a:endParaRPr lang="de-DE" dirty="0"/>
+          </a:p>
+        </p:txBody>
+      </p:sp>
+      <p:sp>
+        <p:nvSpPr>
+          <p:cNvPr id="4" name="Foliennummernplatzhalter 3"/>
+          <p:cNvSpPr>
+            <a:spLocks noGrp="1"/>
+          </p:cNvSpPr>
+          <p:nvPr>
+            <p:ph type="sldNum" sz="quarter" idx="10"/>
+          </p:nvPr>
+        </p:nvSpPr>
+        <p:spPr/>
+        <p:txBody>
+          <a:bodyPr/>
+          <a:lstStyle/>
+          <a:p>
+            <a:fld id="{87E9C61A-9B5E-4580-98DD-1AC874081FFB}" type="slidenum">
+              <a:rPr lang="de-DE" smtClean="0"/>
+              <a:pPr/>
+              <a:t>15</a:t>
+            </a:fld>
+            <a:endParaRPr lang="de-DE"/>
+          </a:p>
+        </p:txBody>
+      </p:sp>
+    </p:spTree>
+    <p:extLst>
+      <p:ext uri="{BB962C8B-B14F-4D97-AF65-F5344CB8AC3E}">
+        <p14:creationId xmlns:p14="http://schemas.microsoft.com/office/powerpoint/2010/main" val="752673120"/>
+      </p:ext>
+    </p:extLst>
+  </p:cSld>
+  <p:clrMapOvr>
+    <a:masterClrMapping/>
+  </p:clrMapOvr>
+</p:notes>
+</file>
+
+<file path=ppt/notesSlides/notesSlide14.xml><?xml version="1.0" encoding="utf-8"?>
+<p:notes xmlns:a="http://schemas.openxmlformats.org/drawingml/2006/main" xmlns:r="http://schemas.openxmlformats.org/officeDocument/2006/relationships" xmlns:p="http://schemas.openxmlformats.org/presentationml/2006/main">
+  <p:cSld>
+    <p:spTree>
+      <p:nvGrpSpPr>
+        <p:cNvPr id="1" name=""/>
+        <p:cNvGrpSpPr/>
+        <p:nvPr/>
+      </p:nvGrpSpPr>
+      <p:grpSpPr>
+        <a:xfrm>
+          <a:off x="0" y="0"/>
+          <a:ext cx="0" cy="0"/>
+          <a:chOff x="0" y="0"/>
+          <a:chExt cx="0" cy="0"/>
+        </a:xfrm>
+      </p:grpSpPr>
+      <p:sp>
+        <p:nvSpPr>
+          <p:cNvPr id="2" name="Folienbildplatzhalter 1"/>
+          <p:cNvSpPr>
+            <a:spLocks noGrp="1" noRot="1" noChangeAspect="1"/>
+          </p:cNvSpPr>
+          <p:nvPr>
+            <p:ph type="sldImg"/>
+          </p:nvPr>
+        </p:nvSpPr>
+        <p:spPr/>
+      </p:sp>
+      <p:sp>
+        <p:nvSpPr>
+          <p:cNvPr id="3" name="Notizenplatzhalter 2"/>
+          <p:cNvSpPr>
+            <a:spLocks noGrp="1"/>
+          </p:cNvSpPr>
+          <p:nvPr>
+            <p:ph type="body" idx="1"/>
+          </p:nvPr>
+        </p:nvSpPr>
+        <p:spPr/>
+        <p:txBody>
+          <a:bodyPr/>
+          <a:lstStyle/>
+          <a:p>
+            <a:endParaRPr lang="de-DE" dirty="0"/>
+          </a:p>
+        </p:txBody>
+      </p:sp>
+      <p:sp>
+        <p:nvSpPr>
+          <p:cNvPr id="4" name="Foliennummernplatzhalter 3"/>
+          <p:cNvSpPr>
+            <a:spLocks noGrp="1"/>
+          </p:cNvSpPr>
+          <p:nvPr>
+            <p:ph type="sldNum" sz="quarter" idx="10"/>
+          </p:nvPr>
+        </p:nvSpPr>
+        <p:spPr/>
+        <p:txBody>
+          <a:bodyPr/>
+          <a:lstStyle/>
+          <a:p>
+            <a:fld id="{87E9C61A-9B5E-4580-98DD-1AC874081FFB}" type="slidenum">
+              <a:rPr lang="de-DE" smtClean="0"/>
+              <a:pPr/>
+              <a:t>16</a:t>
+            </a:fld>
+            <a:endParaRPr lang="de-DE"/>
+          </a:p>
+        </p:txBody>
+      </p:sp>
+    </p:spTree>
+    <p:extLst>
+      <p:ext uri="{BB962C8B-B14F-4D97-AF65-F5344CB8AC3E}">
+        <p14:creationId xmlns:p14="http://schemas.microsoft.com/office/powerpoint/2010/main" val="1348049600"/>
+      </p:ext>
+    </p:extLst>
+  </p:cSld>
+  <p:clrMapOvr>
+    <a:masterClrMapping/>
+  </p:clrMapOvr>
+</p:notes>
+</file>
+
+<file path=ppt/notesSlides/notesSlide15.xml><?xml version="1.0" encoding="utf-8"?>
+<p:notes xmlns:a="http://schemas.openxmlformats.org/drawingml/2006/main" xmlns:r="http://schemas.openxmlformats.org/officeDocument/2006/relationships" xmlns:p="http://schemas.openxmlformats.org/presentationml/2006/main">
+  <p:cSld>
+    <p:spTree>
+      <p:nvGrpSpPr>
+        <p:cNvPr id="1" name=""/>
+        <p:cNvGrpSpPr/>
+        <p:nvPr/>
+      </p:nvGrpSpPr>
+      <p:grpSpPr>
+        <a:xfrm>
+          <a:off x="0" y="0"/>
+          <a:ext cx="0" cy="0"/>
+          <a:chOff x="0" y="0"/>
+          <a:chExt cx="0" cy="0"/>
+        </a:xfrm>
+      </p:grpSpPr>
+      <p:sp>
+        <p:nvSpPr>
+          <p:cNvPr id="2" name="Folienbildplatzhalter 1"/>
+          <p:cNvSpPr>
+            <a:spLocks noGrp="1" noRot="1" noChangeAspect="1"/>
+          </p:cNvSpPr>
+          <p:nvPr>
+            <p:ph type="sldImg"/>
+          </p:nvPr>
+        </p:nvSpPr>
+        <p:spPr/>
+      </p:sp>
+      <p:sp>
+        <p:nvSpPr>
+          <p:cNvPr id="3" name="Notizenplatzhalter 2"/>
+          <p:cNvSpPr>
+            <a:spLocks noGrp="1"/>
+          </p:cNvSpPr>
+          <p:nvPr>
+            <p:ph type="body" idx="1"/>
+          </p:nvPr>
+        </p:nvSpPr>
+        <p:spPr/>
+        <p:txBody>
+          <a:bodyPr/>
+          <a:lstStyle/>
+          <a:p>
+            <a:endParaRPr lang="de-DE" dirty="0"/>
+          </a:p>
+        </p:txBody>
+      </p:sp>
+      <p:sp>
+        <p:nvSpPr>
+          <p:cNvPr id="4" name="Foliennummernplatzhalter 3"/>
+          <p:cNvSpPr>
+            <a:spLocks noGrp="1"/>
+          </p:cNvSpPr>
+          <p:nvPr>
+            <p:ph type="sldNum" sz="quarter" idx="10"/>
+          </p:nvPr>
+        </p:nvSpPr>
+        <p:spPr/>
+        <p:txBody>
+          <a:bodyPr/>
+          <a:lstStyle/>
+          <a:p>
+            <a:fld id="{87E9C61A-9B5E-4580-98DD-1AC874081FFB}" type="slidenum">
+              <a:rPr lang="de-DE" smtClean="0"/>
+              <a:pPr/>
+              <a:t>17</a:t>
+            </a:fld>
+            <a:endParaRPr lang="de-DE"/>
+          </a:p>
+        </p:txBody>
+      </p:sp>
+    </p:spTree>
+    <p:extLst>
+      <p:ext uri="{BB962C8B-B14F-4D97-AF65-F5344CB8AC3E}">
+        <p14:creationId xmlns:p14="http://schemas.microsoft.com/office/powerpoint/2010/main" val="2648054851"/>
+      </p:ext>
+    </p:extLst>
+  </p:cSld>
+  <p:clrMapOvr>
+    <a:masterClrMapping/>
+  </p:clrMapOvr>
+</p:notes>
+</file>
+
 <file path=ppt/notesSlides/notesSlide2.xml><?xml version="1.0" encoding="utf-8"?>
 <p:notes xmlns:a="http://schemas.openxmlformats.org/drawingml/2006/main" xmlns:r="http://schemas.openxmlformats.org/officeDocument/2006/relationships" xmlns:p="http://schemas.openxmlformats.org/presentationml/2006/main">
   <p:cSld>
@@ -995,7 +1511,7 @@
     </p:spTree>
     <p:extLst>
       <p:ext uri="{BB962C8B-B14F-4D97-AF65-F5344CB8AC3E}">
-        <p14:creationId xmlns:p14="http://schemas.microsoft.com/office/powerpoint/2010/main" val="1292271134"/>
+        <p14:creationId xmlns:p14="http://schemas.microsoft.com/office/powerpoint/2010/main" val="1004574314"/>
       </p:ext>
     </p:extLst>
   </p:cSld>
@@ -1080,7 +1596,7 @@
     </p:spTree>
     <p:extLst>
       <p:ext uri="{BB962C8B-B14F-4D97-AF65-F5344CB8AC3E}">
-        <p14:creationId xmlns:p14="http://schemas.microsoft.com/office/powerpoint/2010/main" val="1004574314"/>
+        <p14:creationId xmlns:p14="http://schemas.microsoft.com/office/powerpoint/2010/main" val="2577850142"/>
       </p:ext>
     </p:extLst>
   </p:cSld>
@@ -1165,7 +1681,7 @@
     </p:spTree>
     <p:extLst>
       <p:ext uri="{BB962C8B-B14F-4D97-AF65-F5344CB8AC3E}">
-        <p14:creationId xmlns:p14="http://schemas.microsoft.com/office/powerpoint/2010/main" val="2577850142"/>
+        <p14:creationId xmlns:p14="http://schemas.microsoft.com/office/powerpoint/2010/main" val="2044551413"/>
       </p:ext>
     </p:extLst>
   </p:cSld>
@@ -1250,7 +1766,7 @@
     </p:spTree>
     <p:extLst>
       <p:ext uri="{BB962C8B-B14F-4D97-AF65-F5344CB8AC3E}">
-        <p14:creationId xmlns:p14="http://schemas.microsoft.com/office/powerpoint/2010/main" val="669372719"/>
+        <p14:creationId xmlns:p14="http://schemas.microsoft.com/office/powerpoint/2010/main" val="3531495016"/>
       </p:ext>
     </p:extLst>
   </p:cSld>
@@ -1335,7 +1851,7 @@
     </p:spTree>
     <p:extLst>
       <p:ext uri="{BB962C8B-B14F-4D97-AF65-F5344CB8AC3E}">
-        <p14:creationId xmlns:p14="http://schemas.microsoft.com/office/powerpoint/2010/main" val="752673120"/>
+        <p14:creationId xmlns:p14="http://schemas.microsoft.com/office/powerpoint/2010/main" val="1147172371"/>
       </p:ext>
     </p:extLst>
   </p:cSld>
@@ -1420,7 +1936,7 @@
     </p:spTree>
     <p:extLst>
       <p:ext uri="{BB962C8B-B14F-4D97-AF65-F5344CB8AC3E}">
-        <p14:creationId xmlns:p14="http://schemas.microsoft.com/office/powerpoint/2010/main" val="1348049600"/>
+        <p14:creationId xmlns:p14="http://schemas.microsoft.com/office/powerpoint/2010/main" val="1153979423"/>
       </p:ext>
     </p:extLst>
   </p:cSld>
@@ -1505,7 +2021,7 @@
     </p:spTree>
     <p:extLst>
       <p:ext uri="{BB962C8B-B14F-4D97-AF65-F5344CB8AC3E}">
-        <p14:creationId xmlns:p14="http://schemas.microsoft.com/office/powerpoint/2010/main" val="2648054851"/>
+        <p14:creationId xmlns:p14="http://schemas.microsoft.com/office/powerpoint/2010/main" val="3155964670"/>
       </p:ext>
     </p:extLst>
   </p:cSld>
@@ -5603,16 +6119,23 @@
           <a:lstStyle/>
           <a:p>
             <a:r>
-              <a:rPr lang="de-DE" dirty="0" smtClean="0"/>
-              <a:t>Empfehlenswerte Literatur</a:t>
-            </a:r>
-            <a:endParaRPr lang="de-DE" sz="1800" dirty="0"/>
-          </a:p>
-        </p:txBody>
-      </p:sp>
-      <p:sp>
-        <p:nvSpPr>
-          <p:cNvPr id="3" name="Inhaltsplatzhalter 2"/>
+              <a:rPr lang="de-DE" smtClean="0"/>
+              <a:t>Sicherheitsrisiken </a:t>
+            </a:r>
+            <a:br>
+              <a:rPr lang="de-DE" smtClean="0"/>
+            </a:br>
+            <a:r>
+              <a:rPr lang="de-DE" smtClean="0"/>
+              <a:t>technischer Art</a:t>
+            </a:r>
+            <a:endParaRPr lang="de-DE" dirty="0"/>
+          </a:p>
+        </p:txBody>
+      </p:sp>
+      <p:sp>
+        <p:nvSpPr>
+          <p:cNvPr id="10" name="Inhaltsplatzhalter 9"/>
           <p:cNvSpPr>
             <a:spLocks noGrp="1"/>
           </p:cNvSpPr>
@@ -5629,342 +6152,24 @@
               <a:buNone/>
             </a:pPr>
             <a:r>
-              <a:rPr lang="de-DE" sz="1600" b="1" dirty="0" smtClean="0"/>
-              <a:t>Sicherheitsaspekte virtueller Netzinfrastrukturen</a:t>
-            </a:r>
-          </a:p>
-          <a:p>
-            <a:r>
-              <a:rPr lang="de-DE" sz="1600" dirty="0"/>
-              <a:t>Kamal </a:t>
-            </a:r>
-            <a:r>
-              <a:rPr lang="de-DE" sz="1600" dirty="0" err="1"/>
-              <a:t>Dahbur</a:t>
-            </a:r>
-            <a:r>
-              <a:rPr lang="de-DE" sz="1600" dirty="0"/>
-              <a:t>, </a:t>
-            </a:r>
-            <a:r>
-              <a:rPr lang="de-DE" sz="1600" dirty="0" err="1"/>
-              <a:t>Bassil</a:t>
-            </a:r>
-            <a:r>
-              <a:rPr lang="de-DE" sz="1600" dirty="0"/>
-              <a:t> Mohammad und Ahmad Bisher </a:t>
-            </a:r>
-            <a:r>
-              <a:rPr lang="de-DE" sz="1600" dirty="0" err="1"/>
-              <a:t>Tarakji</a:t>
-            </a:r>
-            <a:r>
-              <a:rPr lang="de-DE" sz="1600" dirty="0"/>
-              <a:t>. A </a:t>
-            </a:r>
-            <a:r>
-              <a:rPr lang="de-DE" sz="1600" dirty="0" err="1"/>
-              <a:t>survey</a:t>
-            </a:r>
-            <a:r>
-              <a:rPr lang="de-DE" sz="1600" dirty="0"/>
-              <a:t> </a:t>
-            </a:r>
-            <a:r>
-              <a:rPr lang="de-DE" sz="1600" dirty="0" err="1"/>
-              <a:t>of</a:t>
-            </a:r>
-            <a:r>
-              <a:rPr lang="de-DE" sz="1600" dirty="0"/>
-              <a:t> </a:t>
-            </a:r>
-            <a:r>
-              <a:rPr lang="de-DE" sz="1600" dirty="0" err="1"/>
-              <a:t>risks</a:t>
-            </a:r>
-            <a:r>
-              <a:rPr lang="de-DE" sz="1600" dirty="0"/>
-              <a:t>, </a:t>
-            </a:r>
-            <a:r>
-              <a:rPr lang="en-US" sz="1600" dirty="0"/>
-              <a:t>threats and vulnerabilities in cloud computing. In </a:t>
-            </a:r>
-            <a:r>
-              <a:rPr lang="en-US" sz="1600" i="1" dirty="0"/>
-              <a:t>Proceedings of the 2011 International </a:t>
-            </a:r>
-            <a:r>
-              <a:rPr lang="de-DE" sz="1600" i="1" dirty="0" err="1"/>
-              <a:t>conference</a:t>
-            </a:r>
-            <a:r>
-              <a:rPr lang="de-DE" sz="1600" i="1" dirty="0"/>
-              <a:t> on intelligent </a:t>
-            </a:r>
-            <a:r>
-              <a:rPr lang="de-DE" sz="1600" i="1" dirty="0" err="1"/>
-              <a:t>semantic</a:t>
-            </a:r>
-            <a:r>
-              <a:rPr lang="de-DE" sz="1600" i="1" dirty="0"/>
-              <a:t> Web-services </a:t>
-            </a:r>
-            <a:r>
-              <a:rPr lang="de-DE" sz="1600" i="1" dirty="0" err="1"/>
-              <a:t>and</a:t>
-            </a:r>
-            <a:r>
-              <a:rPr lang="de-DE" sz="1600" i="1" dirty="0"/>
-              <a:t> </a:t>
-            </a:r>
-            <a:r>
-              <a:rPr lang="de-DE" sz="1600" i="1" dirty="0" err="1"/>
-              <a:t>applications</a:t>
-            </a:r>
-            <a:r>
-              <a:rPr lang="de-DE" sz="1600" dirty="0"/>
-              <a:t>, Seite 12. ACM, 2011.</a:t>
-            </a:r>
-          </a:p>
-          <a:p>
-            <a:r>
-              <a:rPr lang="de-DE" sz="1600" dirty="0" smtClean="0"/>
-              <a:t>Andreas </a:t>
-            </a:r>
-            <a:r>
-              <a:rPr lang="de-DE" sz="1600" dirty="0"/>
-              <a:t>Fischer, Juan Felipe Botero, Michael Till Beck, Hermann De Meer und </a:t>
-            </a:r>
-            <a:r>
-              <a:rPr lang="de-DE" sz="1600" dirty="0" smtClean="0"/>
-              <a:t>Xavier Hesselbach</a:t>
-            </a:r>
-            <a:r>
-              <a:rPr lang="de-DE" sz="1600" dirty="0"/>
-              <a:t>. Virtual </a:t>
-            </a:r>
-            <a:r>
-              <a:rPr lang="de-DE" sz="1600" dirty="0" err="1"/>
-              <a:t>network</a:t>
-            </a:r>
-            <a:r>
-              <a:rPr lang="de-DE" sz="1600" dirty="0"/>
-              <a:t> </a:t>
-            </a:r>
-            <a:r>
-              <a:rPr lang="de-DE" sz="1600" dirty="0" err="1"/>
-              <a:t>embedding</a:t>
-            </a:r>
-            <a:r>
-              <a:rPr lang="de-DE" sz="1600" dirty="0"/>
-              <a:t>: A </a:t>
-            </a:r>
-            <a:r>
-              <a:rPr lang="de-DE" sz="1600" dirty="0" err="1"/>
-              <a:t>survey</a:t>
-            </a:r>
-            <a:r>
-              <a:rPr lang="de-DE" sz="1600" dirty="0"/>
-              <a:t>. </a:t>
-            </a:r>
-            <a:r>
-              <a:rPr lang="de-DE" sz="1600" i="1" dirty="0"/>
-              <a:t>IEEE Communications Surveys </a:t>
-            </a:r>
-            <a:r>
-              <a:rPr lang="de-DE" sz="1600" i="1" dirty="0" smtClean="0"/>
-              <a:t>&amp; Tutorials</a:t>
-            </a:r>
-            <a:r>
-              <a:rPr lang="de-DE" sz="1600" dirty="0"/>
-              <a:t>, 15(4):1888–1906, 2013</a:t>
-            </a:r>
-            <a:r>
-              <a:rPr lang="de-DE" sz="1600" dirty="0" smtClean="0"/>
-              <a:t>.</a:t>
-            </a:r>
-            <a:endParaRPr lang="de-DE" sz="1600" dirty="0"/>
-          </a:p>
-          <a:p>
-            <a:r>
-              <a:rPr lang="de-DE" sz="1600" dirty="0" err="1" smtClean="0"/>
-              <a:t>Shuiqing</a:t>
-            </a:r>
-            <a:r>
-              <a:rPr lang="de-DE" sz="1600" dirty="0" smtClean="0"/>
-              <a:t> </a:t>
-            </a:r>
-            <a:r>
-              <a:rPr lang="de-DE" sz="1600" dirty="0"/>
-              <a:t>Gong, </a:t>
-            </a:r>
-            <a:r>
-              <a:rPr lang="de-DE" sz="1600" dirty="0" err="1"/>
-              <a:t>Jing</a:t>
-            </a:r>
-            <a:r>
-              <a:rPr lang="de-DE" sz="1600" dirty="0"/>
-              <a:t> Chen, </a:t>
-            </a:r>
-            <a:r>
-              <a:rPr lang="de-DE" sz="1600" dirty="0" err="1"/>
-              <a:t>Conghui</a:t>
-            </a:r>
-            <a:r>
-              <a:rPr lang="de-DE" sz="1600" dirty="0"/>
-              <a:t> Huang, </a:t>
-            </a:r>
-            <a:r>
-              <a:rPr lang="de-DE" sz="1600" dirty="0" err="1"/>
-              <a:t>Qingchao</a:t>
-            </a:r>
-            <a:r>
-              <a:rPr lang="de-DE" sz="1600" dirty="0"/>
-              <a:t> Zhu und </a:t>
-            </a:r>
-            <a:r>
-              <a:rPr lang="de-DE" sz="1600" dirty="0" err="1"/>
-              <a:t>Siyi</a:t>
-            </a:r>
-            <a:r>
-              <a:rPr lang="de-DE" sz="1600" dirty="0"/>
-              <a:t> Zhao. Virtual </a:t>
-            </a:r>
-            <a:r>
-              <a:rPr lang="en-US" sz="1600" dirty="0"/>
-              <a:t>Network Embedding through Security Risk Awareness and Optimization. </a:t>
-            </a:r>
-            <a:r>
-              <a:rPr lang="en-US" sz="1600" i="1" dirty="0"/>
-              <a:t>KSII Transactions </a:t>
-            </a:r>
-            <a:r>
-              <a:rPr lang="de-DE" sz="1600" i="1" dirty="0"/>
-              <a:t>on Internet &amp; Information Systems</a:t>
-            </a:r>
-            <a:r>
-              <a:rPr lang="de-DE" sz="1600" dirty="0"/>
-              <a:t>, 10(7), 2016.</a:t>
-            </a:r>
-            <a:endParaRPr lang="de-DE" sz="1600" dirty="0" smtClean="0"/>
-          </a:p>
-          <a:p>
-            <a:endParaRPr lang="de-DE" sz="1600" dirty="0" smtClean="0"/>
+              <a:rPr lang="de-DE" dirty="0" smtClean="0"/>
+              <a:t>Von VN/VM ausgehend…</a:t>
+            </a:r>
           </a:p>
           <a:p>
             <a:pPr marL="0" indent="0">
               <a:buNone/>
             </a:pPr>
             <a:r>
-              <a:rPr lang="de-DE" sz="1600" b="1" dirty="0" smtClean="0"/>
-              <a:t>Untersuchte Algorithmen</a:t>
-            </a:r>
-            <a:endParaRPr lang="de-DE" sz="1600" b="1" dirty="0" smtClean="0"/>
-          </a:p>
-          <a:p>
-            <a:r>
-              <a:rPr lang="de-DE" sz="1600" dirty="0" smtClean="0"/>
-              <a:t>Hong </a:t>
-            </a:r>
-            <a:r>
-              <a:rPr lang="de-DE" sz="1600" dirty="0" err="1"/>
-              <a:t>Xu</a:t>
-            </a:r>
-            <a:r>
-              <a:rPr lang="de-DE" sz="1600" dirty="0"/>
-              <a:t> Ming </a:t>
-            </a:r>
-            <a:r>
-              <a:rPr lang="de-DE" sz="1600" dirty="0" err="1"/>
-              <a:t>Xu</a:t>
-            </a:r>
-            <a:r>
-              <a:rPr lang="de-DE" sz="1600" dirty="0"/>
+              <a:rPr lang="de-DE" dirty="0" smtClean="0"/>
+              <a:t>	… gegen User</a:t>
+            </a:r>
+          </a:p>
+          <a:p>
+            <a:r>
+              <a:rPr lang="de-DE" dirty="0"/>
               <a:t> </a:t>
             </a:r>
-            <a:r>
-              <a:rPr lang="de-DE" sz="1600" dirty="0" err="1"/>
-              <a:t>Shuhao</a:t>
-            </a:r>
-            <a:r>
-              <a:rPr lang="de-DE" sz="1600" dirty="0"/>
-              <a:t> Liu, </a:t>
-            </a:r>
-            <a:r>
-              <a:rPr lang="de-DE" sz="1600" dirty="0" err="1"/>
-              <a:t>Zhiping</a:t>
-            </a:r>
-            <a:r>
-              <a:rPr lang="de-DE" sz="1600" dirty="0"/>
-              <a:t> Cai. </a:t>
-            </a:r>
-            <a:r>
-              <a:rPr lang="de-DE" sz="1600" dirty="0" err="1"/>
-              <a:t>Towards</a:t>
-            </a:r>
-            <a:r>
-              <a:rPr lang="de-DE" sz="1600" dirty="0"/>
-              <a:t> Security-aware Virtual </a:t>
-            </a:r>
-            <a:r>
-              <a:rPr lang="de-DE" sz="1600" dirty="0" smtClean="0"/>
-              <a:t>Network Embedding</a:t>
-            </a:r>
-            <a:r>
-              <a:rPr lang="de-DE" sz="1600" dirty="0"/>
-              <a:t>, 2015</a:t>
-            </a:r>
-            <a:r>
-              <a:rPr lang="de-DE" sz="1600" dirty="0" smtClean="0"/>
-              <a:t>.</a:t>
-            </a:r>
-          </a:p>
-          <a:p>
-            <a:r>
-              <a:rPr lang="en-US" sz="1600" dirty="0" smtClean="0"/>
-              <a:t>Yang </a:t>
-            </a:r>
-            <a:r>
-              <a:rPr lang="en-US" sz="1600" dirty="0"/>
-              <a:t>Wang, </a:t>
-            </a:r>
-            <a:r>
-              <a:rPr lang="en-US" sz="1600" dirty="0" err="1"/>
-              <a:t>Phanvu</a:t>
-            </a:r>
-            <a:r>
-              <a:rPr lang="en-US" sz="1600" dirty="0"/>
-              <a:t> Chau und </a:t>
-            </a:r>
-            <a:r>
-              <a:rPr lang="en-US" sz="1600" dirty="0" err="1"/>
-              <a:t>Fuyu</a:t>
-            </a:r>
-            <a:r>
-              <a:rPr lang="en-US" sz="1600" dirty="0"/>
-              <a:t> Chen. Towards a secured network </a:t>
-            </a:r>
-            <a:r>
-              <a:rPr lang="en-US" sz="1600" dirty="0" smtClean="0"/>
-              <a:t>virtualization. </a:t>
-            </a:r>
-            <a:r>
-              <a:rPr lang="de-DE" sz="1600" i="1" dirty="0" smtClean="0"/>
-              <a:t>Computer </a:t>
-            </a:r>
-            <a:r>
-              <a:rPr lang="de-DE" sz="1600" i="1" dirty="0"/>
-              <a:t>Networks</a:t>
-            </a:r>
-            <a:r>
-              <a:rPr lang="de-DE" sz="1600" dirty="0"/>
-              <a:t>, 104:55–65, 2016.</a:t>
-            </a:r>
-            <a:endParaRPr lang="de-DE" sz="1600" dirty="0" smtClean="0"/>
-          </a:p>
-          <a:p>
-            <a:endParaRPr lang="de-DE" sz="1600" dirty="0"/>
           </a:p>
         </p:txBody>
       </p:sp>
@@ -5983,14 +6188,9 @@
           <a:bodyPr/>
           <a:lstStyle/>
           <a:p>
-            <a:pPr>
-              <a:defRPr/>
-            </a:pPr>
             <a:fld id="{70BFFA52-4234-45F6-B1A6-074E24FF43A2}" type="slidenum">
               <a:rPr lang="de-DE" smtClean="0"/>
-              <a:pPr>
-                <a:defRPr/>
-              </a:pPr>
+              <a:pPr/>
               <a:t>10</a:t>
             </a:fld>
             <a:endParaRPr lang="de-DE" dirty="0"/>
@@ -6020,10 +6220,96 @@
           </a:p>
         </p:txBody>
       </p:sp>
+      <p:pic>
+        <p:nvPicPr>
+          <p:cNvPr id="14" name="Grafik 13"/>
+          <p:cNvPicPr>
+            <a:picLocks noChangeAspect="1"/>
+          </p:cNvPicPr>
+          <p:nvPr/>
+        </p:nvPicPr>
+        <p:blipFill rotWithShape="1">
+          <a:blip r:embed="rId3"/>
+          <a:srcRect l="34338" t="61198" r="34767"/>
+          <a:stretch/>
+        </p:blipFill>
+        <p:spPr>
+          <a:xfrm>
+            <a:off x="6876952" y="1347759"/>
+            <a:ext cx="2016224" cy="1963218"/>
+          </a:xfrm>
+          <a:prstGeom prst="rect">
+            <a:avLst/>
+          </a:prstGeom>
+        </p:spPr>
+      </p:pic>
+      <p:sp>
+        <p:nvSpPr>
+          <p:cNvPr id="3" name="Rechteck 2"/>
+          <p:cNvSpPr/>
+          <p:nvPr/>
+        </p:nvSpPr>
+        <p:spPr bwMode="auto">
+          <a:xfrm>
+            <a:off x="7452320" y="2898884"/>
+            <a:ext cx="1368152" cy="306000"/>
+          </a:xfrm>
+          <a:prstGeom prst="rect">
+            <a:avLst/>
+          </a:prstGeom>
+          <a:noFill/>
+          <a:ln w="38100" cap="flat" cmpd="sng" algn="ctr">
+            <a:solidFill>
+              <a:srgbClr val="006C30"/>
+            </a:solidFill>
+            <a:prstDash val="solid"/>
+            <a:round/>
+            <a:headEnd type="none" w="med" len="med"/>
+            <a:tailEnd type="none" w="med" len="med"/>
+          </a:ln>
+          <a:effectLst/>
+        </p:spPr>
+        <p:txBody>
+          <a:bodyPr vert="horz" wrap="square" lIns="91440" tIns="45720" rIns="91440" bIns="45720" numCol="1" rtlCol="0" anchor="ctr" anchorCtr="0" compatLnSpc="1">
+            <a:prstTxWarp prst="textNoShape">
+              <a:avLst/>
+            </a:prstTxWarp>
+          </a:bodyPr>
+          <a:lstStyle/>
+          <a:p>
+            <a:pPr marL="0" marR="0" indent="0" algn="l" defTabSz="914400" rtl="0" eaLnBrk="0" fontAlgn="base" latinLnBrk="0" hangingPunct="0">
+              <a:lnSpc>
+                <a:spcPct val="100000"/>
+              </a:lnSpc>
+              <a:spcBef>
+                <a:spcPct val="0"/>
+              </a:spcBef>
+              <a:spcAft>
+                <a:spcPct val="0"/>
+              </a:spcAft>
+              <a:buClrTx/>
+              <a:buSzTx/>
+              <a:buFontTx/>
+              <a:buNone/>
+              <a:tabLst/>
+            </a:pPr>
+            <a:endParaRPr kumimoji="0" lang="de-DE" sz="1400" b="0" i="0" u="none" strike="noStrike" cap="none" normalizeH="0" baseline="0" smtClean="0">
+              <a:ln>
+                <a:noFill/>
+              </a:ln>
+              <a:solidFill>
+                <a:schemeClr val="tx1"/>
+              </a:solidFill>
+              <a:effectLst/>
+              <a:latin typeface="LMU CompatilFact" pitchFamily="2" charset="0"/>
+            </a:endParaRPr>
+          </a:p>
+        </p:txBody>
+      </p:sp>
     </p:spTree>
     <p:extLst>
       <p:ext uri="{BB962C8B-B14F-4D97-AF65-F5344CB8AC3E}">
-        <p14:creationId xmlns:p14="http://schemas.microsoft.com/office/powerpoint/2010/main" val="2073930859"/>
+        <p14:creationId xmlns:p14="http://schemas.microsoft.com/office/powerpoint/2010/main" val="329269630"/>
       </p:ext>
     </p:extLst>
   </p:cSld>
@@ -6074,8 +6360,643 @@
           <a:lstStyle/>
           <a:p>
             <a:r>
+              <a:rPr lang="de-DE" smtClean="0"/>
+              <a:t>Sicherheitsrisiken </a:t>
+            </a:r>
+            <a:br>
+              <a:rPr lang="de-DE" smtClean="0"/>
+            </a:br>
+            <a:r>
+              <a:rPr lang="de-DE" smtClean="0"/>
+              <a:t>technischer Art</a:t>
+            </a:r>
+            <a:endParaRPr lang="de-DE" dirty="0"/>
+          </a:p>
+        </p:txBody>
+      </p:sp>
+      <p:sp>
+        <p:nvSpPr>
+          <p:cNvPr id="10" name="Inhaltsplatzhalter 9"/>
+          <p:cNvSpPr>
+            <a:spLocks noGrp="1"/>
+          </p:cNvSpPr>
+          <p:nvPr>
+            <p:ph idx="1"/>
+          </p:nvPr>
+        </p:nvSpPr>
+        <p:spPr/>
+        <p:txBody>
+          <a:bodyPr/>
+          <a:lstStyle/>
+          <a:p>
+            <a:pPr marL="0" indent="0">
+              <a:buNone/>
+            </a:pPr>
+            <a:r>
               <a:rPr lang="de-DE" dirty="0" smtClean="0"/>
-              <a:t>Diskussion</a:t>
+              <a:t>Vom User ausgehend…</a:t>
+            </a:r>
+          </a:p>
+          <a:p>
+            <a:pPr marL="0" indent="0">
+              <a:buNone/>
+            </a:pPr>
+            <a:r>
+              <a:rPr lang="de-DE" dirty="0" smtClean="0"/>
+              <a:t>	… gegen NI</a:t>
+            </a:r>
+          </a:p>
+          <a:p>
+            <a:r>
+              <a:rPr lang="de-DE" dirty="0"/>
+              <a:t> </a:t>
+            </a:r>
+          </a:p>
+        </p:txBody>
+      </p:sp>
+      <p:sp>
+        <p:nvSpPr>
+          <p:cNvPr id="4" name="Foliennummernplatzhalter 3"/>
+          <p:cNvSpPr>
+            <a:spLocks noGrp="1"/>
+          </p:cNvSpPr>
+          <p:nvPr>
+            <p:ph type="sldNum" sz="quarter" idx="4"/>
+          </p:nvPr>
+        </p:nvSpPr>
+        <p:spPr/>
+        <p:txBody>
+          <a:bodyPr/>
+          <a:lstStyle/>
+          <a:p>
+            <a:fld id="{70BFFA52-4234-45F6-B1A6-074E24FF43A2}" type="slidenum">
+              <a:rPr lang="de-DE" smtClean="0"/>
+              <a:pPr/>
+              <a:t>11</a:t>
+            </a:fld>
+            <a:endParaRPr lang="de-DE" dirty="0"/>
+          </a:p>
+        </p:txBody>
+      </p:sp>
+      <p:sp>
+        <p:nvSpPr>
+          <p:cNvPr id="5" name="Fußzeilenplatzhalter 4"/>
+          <p:cNvSpPr>
+            <a:spLocks noGrp="1"/>
+          </p:cNvSpPr>
+          <p:nvPr>
+            <p:ph type="ftr" sz="quarter" idx="3"/>
+          </p:nvPr>
+        </p:nvSpPr>
+        <p:spPr/>
+        <p:txBody>
+          <a:bodyPr/>
+          <a:lstStyle/>
+          <a:p>
+            <a:r>
+              <a:rPr lang="de-DE" smtClean="0"/>
+              <a:t>Sicherheitsaspekte beim Deployment virtueller Netzinfrastrukturen</a:t>
+            </a:r>
+            <a:endParaRPr lang="de-DE" dirty="0"/>
+          </a:p>
+        </p:txBody>
+      </p:sp>
+      <p:pic>
+        <p:nvPicPr>
+          <p:cNvPr id="14" name="Grafik 13"/>
+          <p:cNvPicPr>
+            <a:picLocks noChangeAspect="1"/>
+          </p:cNvPicPr>
+          <p:nvPr/>
+        </p:nvPicPr>
+        <p:blipFill rotWithShape="1">
+          <a:blip r:embed="rId3"/>
+          <a:srcRect l="69084" t="61198" r="572"/>
+          <a:stretch/>
+        </p:blipFill>
+        <p:spPr>
+          <a:xfrm>
+            <a:off x="6876256" y="1347759"/>
+            <a:ext cx="1980220" cy="1963218"/>
+          </a:xfrm>
+          <a:prstGeom prst="rect">
+            <a:avLst/>
+          </a:prstGeom>
+        </p:spPr>
+      </p:pic>
+      <p:sp>
+        <p:nvSpPr>
+          <p:cNvPr id="3" name="Rechteck 2"/>
+          <p:cNvSpPr/>
+          <p:nvPr/>
+        </p:nvSpPr>
+        <p:spPr bwMode="auto">
+          <a:xfrm>
+            <a:off x="7443084" y="2024844"/>
+            <a:ext cx="1368152" cy="306000"/>
+          </a:xfrm>
+          <a:prstGeom prst="rect">
+            <a:avLst/>
+          </a:prstGeom>
+          <a:noFill/>
+          <a:ln w="38100" cap="flat" cmpd="sng" algn="ctr">
+            <a:solidFill>
+              <a:srgbClr val="006C30"/>
+            </a:solidFill>
+            <a:prstDash val="solid"/>
+            <a:round/>
+            <a:headEnd type="none" w="med" len="med"/>
+            <a:tailEnd type="none" w="med" len="med"/>
+          </a:ln>
+          <a:effectLst/>
+        </p:spPr>
+        <p:txBody>
+          <a:bodyPr vert="horz" wrap="square" lIns="91440" tIns="45720" rIns="91440" bIns="45720" numCol="1" rtlCol="0" anchor="ctr" anchorCtr="0" compatLnSpc="1">
+            <a:prstTxWarp prst="textNoShape">
+              <a:avLst/>
+            </a:prstTxWarp>
+          </a:bodyPr>
+          <a:lstStyle/>
+          <a:p>
+            <a:pPr marL="0" marR="0" indent="0" algn="l" defTabSz="914400" rtl="0" eaLnBrk="0" fontAlgn="base" latinLnBrk="0" hangingPunct="0">
+              <a:lnSpc>
+                <a:spcPct val="100000"/>
+              </a:lnSpc>
+              <a:spcBef>
+                <a:spcPct val="0"/>
+              </a:spcBef>
+              <a:spcAft>
+                <a:spcPct val="0"/>
+              </a:spcAft>
+              <a:buClrTx/>
+              <a:buSzTx/>
+              <a:buFontTx/>
+              <a:buNone/>
+              <a:tabLst/>
+            </a:pPr>
+            <a:endParaRPr kumimoji="0" lang="de-DE" sz="1400" b="0" i="0" u="none" strike="noStrike" cap="none" normalizeH="0" baseline="0" smtClean="0">
+              <a:ln>
+                <a:noFill/>
+              </a:ln>
+              <a:solidFill>
+                <a:schemeClr val="tx1"/>
+              </a:solidFill>
+              <a:effectLst/>
+              <a:latin typeface="LMU CompatilFact" pitchFamily="2" charset="0"/>
+            </a:endParaRPr>
+          </a:p>
+        </p:txBody>
+      </p:sp>
+    </p:spTree>
+    <p:extLst>
+      <p:ext uri="{BB962C8B-B14F-4D97-AF65-F5344CB8AC3E}">
+        <p14:creationId xmlns:p14="http://schemas.microsoft.com/office/powerpoint/2010/main" val="1342727465"/>
+      </p:ext>
+    </p:extLst>
+  </p:cSld>
+  <p:clrMapOvr>
+    <a:masterClrMapping/>
+  </p:clrMapOvr>
+  <p:transition spd="med"/>
+  <p:timing>
+    <p:tnLst>
+      <p:par>
+        <p:cTn id="1" dur="indefinite" restart="never" nodeType="tmRoot"/>
+      </p:par>
+    </p:tnLst>
+  </p:timing>
+</p:sld>
+</file>
+
+<file path=ppt/slides/slide12.xml><?xml version="1.0" encoding="utf-8"?>
+<p:sld xmlns:a="http://schemas.openxmlformats.org/drawingml/2006/main" xmlns:r="http://schemas.openxmlformats.org/officeDocument/2006/relationships" xmlns:p="http://schemas.openxmlformats.org/presentationml/2006/main">
+  <p:cSld>
+    <p:spTree>
+      <p:nvGrpSpPr>
+        <p:cNvPr id="1" name=""/>
+        <p:cNvGrpSpPr/>
+        <p:nvPr/>
+      </p:nvGrpSpPr>
+      <p:grpSpPr>
+        <a:xfrm>
+          <a:off x="0" y="0"/>
+          <a:ext cx="0" cy="0"/>
+          <a:chOff x="0" y="0"/>
+          <a:chExt cx="0" cy="0"/>
+        </a:xfrm>
+      </p:grpSpPr>
+      <p:sp>
+        <p:nvSpPr>
+          <p:cNvPr id="2" name="Titel 1"/>
+          <p:cNvSpPr>
+            <a:spLocks noGrp="1"/>
+          </p:cNvSpPr>
+          <p:nvPr>
+            <p:ph type="title"/>
+          </p:nvPr>
+        </p:nvSpPr>
+        <p:spPr/>
+        <p:txBody>
+          <a:bodyPr/>
+          <a:lstStyle/>
+          <a:p>
+            <a:r>
+              <a:rPr lang="de-DE" smtClean="0"/>
+              <a:t>Sicherheitsrisiken </a:t>
+            </a:r>
+            <a:br>
+              <a:rPr lang="de-DE" smtClean="0"/>
+            </a:br>
+            <a:r>
+              <a:rPr lang="de-DE" smtClean="0"/>
+              <a:t>technischer Art</a:t>
+            </a:r>
+            <a:endParaRPr lang="de-DE" dirty="0"/>
+          </a:p>
+        </p:txBody>
+      </p:sp>
+      <p:sp>
+        <p:nvSpPr>
+          <p:cNvPr id="10" name="Inhaltsplatzhalter 9"/>
+          <p:cNvSpPr>
+            <a:spLocks noGrp="1"/>
+          </p:cNvSpPr>
+          <p:nvPr>
+            <p:ph idx="1"/>
+          </p:nvPr>
+        </p:nvSpPr>
+        <p:spPr/>
+        <p:txBody>
+          <a:bodyPr/>
+          <a:lstStyle/>
+          <a:p>
+            <a:pPr marL="0" indent="0">
+              <a:buNone/>
+            </a:pPr>
+            <a:r>
+              <a:rPr lang="de-DE" dirty="0" smtClean="0"/>
+              <a:t>Vom User ausgehend…</a:t>
+            </a:r>
+          </a:p>
+          <a:p>
+            <a:pPr marL="0" indent="0">
+              <a:buNone/>
+            </a:pPr>
+            <a:r>
+              <a:rPr lang="de-DE" dirty="0" smtClean="0"/>
+              <a:t>	… gegen VN/VM</a:t>
+            </a:r>
+          </a:p>
+          <a:p>
+            <a:r>
+              <a:rPr lang="de-DE" dirty="0"/>
+              <a:t> </a:t>
+            </a:r>
+          </a:p>
+        </p:txBody>
+      </p:sp>
+      <p:sp>
+        <p:nvSpPr>
+          <p:cNvPr id="4" name="Foliennummernplatzhalter 3"/>
+          <p:cNvSpPr>
+            <a:spLocks noGrp="1"/>
+          </p:cNvSpPr>
+          <p:nvPr>
+            <p:ph type="sldNum" sz="quarter" idx="4"/>
+          </p:nvPr>
+        </p:nvSpPr>
+        <p:spPr/>
+        <p:txBody>
+          <a:bodyPr/>
+          <a:lstStyle/>
+          <a:p>
+            <a:fld id="{70BFFA52-4234-45F6-B1A6-074E24FF43A2}" type="slidenum">
+              <a:rPr lang="de-DE" smtClean="0"/>
+              <a:pPr/>
+              <a:t>12</a:t>
+            </a:fld>
+            <a:endParaRPr lang="de-DE" dirty="0"/>
+          </a:p>
+        </p:txBody>
+      </p:sp>
+      <p:sp>
+        <p:nvSpPr>
+          <p:cNvPr id="5" name="Fußzeilenplatzhalter 4"/>
+          <p:cNvSpPr>
+            <a:spLocks noGrp="1"/>
+          </p:cNvSpPr>
+          <p:nvPr>
+            <p:ph type="ftr" sz="quarter" idx="3"/>
+          </p:nvPr>
+        </p:nvSpPr>
+        <p:spPr/>
+        <p:txBody>
+          <a:bodyPr/>
+          <a:lstStyle/>
+          <a:p>
+            <a:r>
+              <a:rPr lang="de-DE" smtClean="0"/>
+              <a:t>Sicherheitsaspekte beim Deployment virtueller Netzinfrastrukturen</a:t>
+            </a:r>
+            <a:endParaRPr lang="de-DE" dirty="0"/>
+          </a:p>
+        </p:txBody>
+      </p:sp>
+      <p:pic>
+        <p:nvPicPr>
+          <p:cNvPr id="14" name="Grafik 13"/>
+          <p:cNvPicPr>
+            <a:picLocks noChangeAspect="1"/>
+          </p:cNvPicPr>
+          <p:nvPr/>
+        </p:nvPicPr>
+        <p:blipFill rotWithShape="1">
+          <a:blip r:embed="rId3"/>
+          <a:srcRect l="69084" t="61198" r="572"/>
+          <a:stretch/>
+        </p:blipFill>
+        <p:spPr>
+          <a:xfrm>
+            <a:off x="6876256" y="1347759"/>
+            <a:ext cx="1980220" cy="1963218"/>
+          </a:xfrm>
+          <a:prstGeom prst="rect">
+            <a:avLst/>
+          </a:prstGeom>
+        </p:spPr>
+      </p:pic>
+      <p:sp>
+        <p:nvSpPr>
+          <p:cNvPr id="3" name="Rechteck 2"/>
+          <p:cNvSpPr/>
+          <p:nvPr/>
+        </p:nvSpPr>
+        <p:spPr bwMode="auto">
+          <a:xfrm>
+            <a:off x="7443084" y="2470746"/>
+            <a:ext cx="1368152" cy="306000"/>
+          </a:xfrm>
+          <a:prstGeom prst="rect">
+            <a:avLst/>
+          </a:prstGeom>
+          <a:noFill/>
+          <a:ln w="38100" cap="flat" cmpd="sng" algn="ctr">
+            <a:solidFill>
+              <a:srgbClr val="006C30"/>
+            </a:solidFill>
+            <a:prstDash val="solid"/>
+            <a:round/>
+            <a:headEnd type="none" w="med" len="med"/>
+            <a:tailEnd type="none" w="med" len="med"/>
+          </a:ln>
+          <a:effectLst/>
+        </p:spPr>
+        <p:txBody>
+          <a:bodyPr vert="horz" wrap="square" lIns="91440" tIns="45720" rIns="91440" bIns="45720" numCol="1" rtlCol="0" anchor="ctr" anchorCtr="0" compatLnSpc="1">
+            <a:prstTxWarp prst="textNoShape">
+              <a:avLst/>
+            </a:prstTxWarp>
+          </a:bodyPr>
+          <a:lstStyle/>
+          <a:p>
+            <a:pPr marL="0" marR="0" indent="0" algn="l" defTabSz="914400" rtl="0" eaLnBrk="0" fontAlgn="base" latinLnBrk="0" hangingPunct="0">
+              <a:lnSpc>
+                <a:spcPct val="100000"/>
+              </a:lnSpc>
+              <a:spcBef>
+                <a:spcPct val="0"/>
+              </a:spcBef>
+              <a:spcAft>
+                <a:spcPct val="0"/>
+              </a:spcAft>
+              <a:buClrTx/>
+              <a:buSzTx/>
+              <a:buFontTx/>
+              <a:buNone/>
+              <a:tabLst/>
+            </a:pPr>
+            <a:endParaRPr kumimoji="0" lang="de-DE" sz="1400" b="0" i="0" u="none" strike="noStrike" cap="none" normalizeH="0" baseline="0" smtClean="0">
+              <a:ln>
+                <a:noFill/>
+              </a:ln>
+              <a:solidFill>
+                <a:schemeClr val="tx1"/>
+              </a:solidFill>
+              <a:effectLst/>
+              <a:latin typeface="LMU CompatilFact" pitchFamily="2" charset="0"/>
+            </a:endParaRPr>
+          </a:p>
+        </p:txBody>
+      </p:sp>
+    </p:spTree>
+    <p:extLst>
+      <p:ext uri="{BB962C8B-B14F-4D97-AF65-F5344CB8AC3E}">
+        <p14:creationId xmlns:p14="http://schemas.microsoft.com/office/powerpoint/2010/main" val="999610874"/>
+      </p:ext>
+    </p:extLst>
+  </p:cSld>
+  <p:clrMapOvr>
+    <a:masterClrMapping/>
+  </p:clrMapOvr>
+  <p:transition spd="med"/>
+  <p:timing>
+    <p:tnLst>
+      <p:par>
+        <p:cTn id="1" dur="indefinite" restart="never" nodeType="tmRoot"/>
+      </p:par>
+    </p:tnLst>
+  </p:timing>
+</p:sld>
+</file>
+
+<file path=ppt/slides/slide13.xml><?xml version="1.0" encoding="utf-8"?>
+<p:sld xmlns:a="http://schemas.openxmlformats.org/drawingml/2006/main" xmlns:r="http://schemas.openxmlformats.org/officeDocument/2006/relationships" xmlns:p="http://schemas.openxmlformats.org/presentationml/2006/main">
+  <p:cSld>
+    <p:spTree>
+      <p:nvGrpSpPr>
+        <p:cNvPr id="1" name=""/>
+        <p:cNvGrpSpPr/>
+        <p:nvPr/>
+      </p:nvGrpSpPr>
+      <p:grpSpPr>
+        <a:xfrm>
+          <a:off x="0" y="0"/>
+          <a:ext cx="0" cy="0"/>
+          <a:chOff x="0" y="0"/>
+          <a:chExt cx="0" cy="0"/>
+        </a:xfrm>
+      </p:grpSpPr>
+      <p:sp>
+        <p:nvSpPr>
+          <p:cNvPr id="2" name="Titel 1"/>
+          <p:cNvSpPr>
+            <a:spLocks noGrp="1"/>
+          </p:cNvSpPr>
+          <p:nvPr>
+            <p:ph type="title"/>
+          </p:nvPr>
+        </p:nvSpPr>
+        <p:spPr/>
+        <p:txBody>
+          <a:bodyPr/>
+          <a:lstStyle/>
+          <a:p>
+            <a:r>
+              <a:rPr lang="de-DE" dirty="0" smtClean="0"/>
+              <a:t>Sicherheitsrisiken </a:t>
+            </a:r>
+            <a:br>
+              <a:rPr lang="de-DE" dirty="0" smtClean="0"/>
+            </a:br>
+            <a:r>
+              <a:rPr lang="de-DE" dirty="0" smtClean="0"/>
+              <a:t>organisatorischer un</a:t>
+            </a:r>
+            <a:r>
+              <a:rPr lang="de-DE" dirty="0" smtClean="0"/>
+              <a:t>d rechtlicher </a:t>
+            </a:r>
+            <a:r>
+              <a:rPr lang="de-DE" dirty="0" smtClean="0"/>
+              <a:t>Art</a:t>
+            </a:r>
+            <a:endParaRPr lang="de-DE" dirty="0"/>
+          </a:p>
+        </p:txBody>
+      </p:sp>
+      <p:sp>
+        <p:nvSpPr>
+          <p:cNvPr id="10" name="Inhaltsplatzhalter 9"/>
+          <p:cNvSpPr>
+            <a:spLocks noGrp="1"/>
+          </p:cNvSpPr>
+          <p:nvPr>
+            <p:ph idx="1"/>
+          </p:nvPr>
+        </p:nvSpPr>
+        <p:spPr/>
+        <p:txBody>
+          <a:bodyPr/>
+          <a:lstStyle/>
+          <a:p>
+            <a:endParaRPr lang="de-DE" dirty="0"/>
+          </a:p>
+        </p:txBody>
+      </p:sp>
+      <p:sp>
+        <p:nvSpPr>
+          <p:cNvPr id="4" name="Foliennummernplatzhalter 3"/>
+          <p:cNvSpPr>
+            <a:spLocks noGrp="1"/>
+          </p:cNvSpPr>
+          <p:nvPr>
+            <p:ph type="sldNum" sz="quarter" idx="4"/>
+          </p:nvPr>
+        </p:nvSpPr>
+        <p:spPr/>
+        <p:txBody>
+          <a:bodyPr/>
+          <a:lstStyle/>
+          <a:p>
+            <a:fld id="{70BFFA52-4234-45F6-B1A6-074E24FF43A2}" type="slidenum">
+              <a:rPr lang="de-DE" smtClean="0"/>
+              <a:pPr/>
+              <a:t>13</a:t>
+            </a:fld>
+            <a:endParaRPr lang="de-DE" dirty="0"/>
+          </a:p>
+        </p:txBody>
+      </p:sp>
+      <p:sp>
+        <p:nvSpPr>
+          <p:cNvPr id="5" name="Fußzeilenplatzhalter 4"/>
+          <p:cNvSpPr>
+            <a:spLocks noGrp="1"/>
+          </p:cNvSpPr>
+          <p:nvPr>
+            <p:ph type="ftr" sz="quarter" idx="3"/>
+          </p:nvPr>
+        </p:nvSpPr>
+        <p:spPr/>
+        <p:txBody>
+          <a:bodyPr/>
+          <a:lstStyle/>
+          <a:p>
+            <a:r>
+              <a:rPr lang="de-DE" smtClean="0"/>
+              <a:t>Sicherheitsaspekte beim Deployment virtueller Netzinfrastrukturen</a:t>
+            </a:r>
+            <a:endParaRPr lang="de-DE" dirty="0"/>
+          </a:p>
+        </p:txBody>
+      </p:sp>
+    </p:spTree>
+    <p:extLst>
+      <p:ext uri="{BB962C8B-B14F-4D97-AF65-F5344CB8AC3E}">
+        <p14:creationId xmlns:p14="http://schemas.microsoft.com/office/powerpoint/2010/main" val="4077777281"/>
+      </p:ext>
+    </p:extLst>
+  </p:cSld>
+  <p:clrMapOvr>
+    <a:masterClrMapping/>
+  </p:clrMapOvr>
+  <p:transition spd="med"/>
+  <p:timing>
+    <p:tnLst>
+      <p:par>
+        <p:cTn id="1" dur="indefinite" restart="never" nodeType="tmRoot"/>
+      </p:par>
+    </p:tnLst>
+  </p:timing>
+</p:sld>
+</file>
+
+<file path=ppt/slides/slide14.xml><?xml version="1.0" encoding="utf-8"?>
+<p:sld xmlns:a="http://schemas.openxmlformats.org/drawingml/2006/main" xmlns:r="http://schemas.openxmlformats.org/officeDocument/2006/relationships" xmlns:p="http://schemas.openxmlformats.org/presentationml/2006/main">
+  <p:cSld>
+    <p:spTree>
+      <p:nvGrpSpPr>
+        <p:cNvPr id="1" name=""/>
+        <p:cNvGrpSpPr/>
+        <p:nvPr/>
+      </p:nvGrpSpPr>
+      <p:grpSpPr>
+        <a:xfrm>
+          <a:off x="0" y="0"/>
+          <a:ext cx="0" cy="0"/>
+          <a:chOff x="0" y="0"/>
+          <a:chExt cx="0" cy="0"/>
+        </a:xfrm>
+      </p:grpSpPr>
+      <p:sp>
+        <p:nvSpPr>
+          <p:cNvPr id="2" name="Titel 1"/>
+          <p:cNvSpPr>
+            <a:spLocks noGrp="1"/>
+          </p:cNvSpPr>
+          <p:nvPr>
+            <p:ph type="title"/>
+          </p:nvPr>
+        </p:nvSpPr>
+        <p:spPr/>
+        <p:txBody>
+          <a:bodyPr/>
+          <a:lstStyle/>
+          <a:p>
+            <a:r>
+              <a:rPr lang="de-DE" dirty="0" smtClean="0"/>
+              <a:t>SVNE-Algorithmen:</a:t>
+            </a:r>
+            <a:br>
+              <a:rPr lang="de-DE" dirty="0" smtClean="0"/>
+            </a:br>
+            <a:r>
+              <a:rPr lang="de-DE" sz="1800" b="0" dirty="0"/>
+              <a:t>Strikte Trennung und </a:t>
+            </a:r>
+            <a:r>
+              <a:rPr lang="de-DE" sz="1800" b="0" dirty="0" err="1" smtClean="0"/>
+              <a:t>Preprocessing</a:t>
             </a:r>
             <a:endParaRPr lang="de-DE" sz="1800" dirty="0"/>
           </a:p>
@@ -6123,7 +7044,943 @@
               <a:pPr>
                 <a:defRPr/>
               </a:pPr>
-              <a:t>11</a:t>
+              <a:t>14</a:t>
+            </a:fld>
+            <a:endParaRPr lang="de-DE" dirty="0"/>
+          </a:p>
+        </p:txBody>
+      </p:sp>
+      <p:sp>
+        <p:nvSpPr>
+          <p:cNvPr id="5" name="Fußzeilenplatzhalter 4"/>
+          <p:cNvSpPr>
+            <a:spLocks noGrp="1"/>
+          </p:cNvSpPr>
+          <p:nvPr>
+            <p:ph type="ftr" sz="quarter" idx="3"/>
+          </p:nvPr>
+        </p:nvSpPr>
+        <p:spPr/>
+        <p:txBody>
+          <a:bodyPr/>
+          <a:lstStyle/>
+          <a:p>
+            <a:r>
+              <a:rPr lang="de-DE" smtClean="0"/>
+              <a:t>Sicherheitsaspekte beim Deployment virtueller Netzinfrastrukturen</a:t>
+            </a:r>
+            <a:endParaRPr lang="de-DE" dirty="0"/>
+          </a:p>
+        </p:txBody>
+      </p:sp>
+      <p:sp>
+        <p:nvSpPr>
+          <p:cNvPr id="6" name="Textfeld 5"/>
+          <p:cNvSpPr txBox="1"/>
+          <p:nvPr/>
+        </p:nvSpPr>
+        <p:spPr>
+          <a:xfrm>
+            <a:off x="143508" y="6225899"/>
+            <a:ext cx="7564763" cy="461665"/>
+          </a:xfrm>
+          <a:prstGeom prst="rect">
+            <a:avLst/>
+          </a:prstGeom>
+          <a:noFill/>
+        </p:spPr>
+        <p:txBody>
+          <a:bodyPr wrap="none" rtlCol="0">
+            <a:spAutoFit/>
+          </a:bodyPr>
+          <a:lstStyle/>
+          <a:p>
+            <a:r>
+              <a:rPr lang="de-DE" dirty="0" smtClean="0"/>
+              <a:t>[1] Hong </a:t>
+            </a:r>
+            <a:r>
+              <a:rPr lang="de-DE" dirty="0" err="1"/>
+              <a:t>Xu</a:t>
+            </a:r>
+            <a:r>
+              <a:rPr lang="de-DE" dirty="0"/>
+              <a:t> Ming </a:t>
+            </a:r>
+            <a:r>
+              <a:rPr lang="de-DE" dirty="0" err="1"/>
+              <a:t>Xu</a:t>
+            </a:r>
+            <a:r>
+              <a:rPr lang="de-DE" dirty="0"/>
+              <a:t> </a:t>
+            </a:r>
+            <a:r>
+              <a:rPr lang="de-DE" dirty="0" err="1"/>
+              <a:t>Shuhao</a:t>
+            </a:r>
+            <a:r>
+              <a:rPr lang="de-DE" dirty="0"/>
+              <a:t> Liu, </a:t>
+            </a:r>
+            <a:r>
+              <a:rPr lang="de-DE" dirty="0" err="1"/>
+              <a:t>Zhiping</a:t>
+            </a:r>
+            <a:r>
+              <a:rPr lang="de-DE" dirty="0"/>
+              <a:t> Cai. </a:t>
+            </a:r>
+            <a:r>
+              <a:rPr lang="de-DE" dirty="0" err="1"/>
+              <a:t>Towards</a:t>
+            </a:r>
+            <a:r>
+              <a:rPr lang="de-DE" dirty="0"/>
+              <a:t> Security-aware Virtual Network Embedding, 2015.</a:t>
+            </a:r>
+          </a:p>
+          <a:p>
+            <a:endParaRPr lang="de-DE" dirty="0"/>
+          </a:p>
+        </p:txBody>
+      </p:sp>
+      <p:sp>
+        <p:nvSpPr>
+          <p:cNvPr id="7" name="Textfeld 6"/>
+          <p:cNvSpPr txBox="1"/>
+          <p:nvPr/>
+        </p:nvSpPr>
+        <p:spPr>
+          <a:xfrm>
+            <a:off x="5778538" y="692696"/>
+            <a:ext cx="269626" cy="276999"/>
+          </a:xfrm>
+          <a:prstGeom prst="rect">
+            <a:avLst/>
+          </a:prstGeom>
+          <a:noFill/>
+        </p:spPr>
+        <p:txBody>
+          <a:bodyPr wrap="none" rtlCol="0">
+            <a:spAutoFit/>
+          </a:bodyPr>
+          <a:lstStyle/>
+          <a:p>
+            <a:r>
+              <a:rPr lang="de-DE" b="1" dirty="0" smtClean="0"/>
+              <a:t>1</a:t>
+            </a:r>
+            <a:endParaRPr lang="de-DE" b="1" dirty="0"/>
+          </a:p>
+        </p:txBody>
+      </p:sp>
+    </p:spTree>
+    <p:extLst>
+      <p:ext uri="{BB962C8B-B14F-4D97-AF65-F5344CB8AC3E}">
+        <p14:creationId xmlns:p14="http://schemas.microsoft.com/office/powerpoint/2010/main" val="3408010396"/>
+      </p:ext>
+    </p:extLst>
+  </p:cSld>
+  <p:clrMapOvr>
+    <a:masterClrMapping/>
+  </p:clrMapOvr>
+  <p:transition spd="med"/>
+  <p:timing>
+    <p:tnLst>
+      <p:par>
+        <p:cTn id="1" dur="indefinite" restart="never" nodeType="tmRoot"/>
+      </p:par>
+    </p:tnLst>
+  </p:timing>
+</p:sld>
+</file>
+
+<file path=ppt/slides/slide15.xml><?xml version="1.0" encoding="utf-8"?>
+<p:sld xmlns:a="http://schemas.openxmlformats.org/drawingml/2006/main" xmlns:r="http://schemas.openxmlformats.org/officeDocument/2006/relationships" xmlns:p="http://schemas.openxmlformats.org/presentationml/2006/main">
+  <p:cSld>
+    <p:spTree>
+      <p:nvGrpSpPr>
+        <p:cNvPr id="1" name=""/>
+        <p:cNvGrpSpPr/>
+        <p:nvPr/>
+      </p:nvGrpSpPr>
+      <p:grpSpPr>
+        <a:xfrm>
+          <a:off x="0" y="0"/>
+          <a:ext cx="0" cy="0"/>
+          <a:chOff x="0" y="0"/>
+          <a:chExt cx="0" cy="0"/>
+        </a:xfrm>
+      </p:grpSpPr>
+      <p:sp>
+        <p:nvSpPr>
+          <p:cNvPr id="2" name="Titel 1"/>
+          <p:cNvSpPr>
+            <a:spLocks noGrp="1"/>
+          </p:cNvSpPr>
+          <p:nvPr>
+            <p:ph type="title"/>
+          </p:nvPr>
+        </p:nvSpPr>
+        <p:spPr/>
+        <p:txBody>
+          <a:bodyPr/>
+          <a:lstStyle/>
+          <a:p>
+            <a:r>
+              <a:rPr lang="de-DE" dirty="0" smtClean="0"/>
+              <a:t>SVNE-Algorithmen:</a:t>
+            </a:r>
+            <a:br>
+              <a:rPr lang="de-DE" dirty="0" smtClean="0"/>
+            </a:br>
+            <a:r>
+              <a:rPr lang="de-DE" sz="1800" b="0" dirty="0"/>
+              <a:t>Sicherheitsvektoren und doppelte Berechnung</a:t>
+            </a:r>
+            <a:endParaRPr lang="de-DE" sz="1800" dirty="0"/>
+          </a:p>
+        </p:txBody>
+      </p:sp>
+      <p:sp>
+        <p:nvSpPr>
+          <p:cNvPr id="3" name="Inhaltsplatzhalter 2"/>
+          <p:cNvSpPr>
+            <a:spLocks noGrp="1"/>
+          </p:cNvSpPr>
+          <p:nvPr>
+            <p:ph idx="1"/>
+          </p:nvPr>
+        </p:nvSpPr>
+        <p:spPr/>
+        <p:txBody>
+          <a:bodyPr/>
+          <a:lstStyle/>
+          <a:p>
+            <a:endParaRPr lang="de-DE"/>
+          </a:p>
+        </p:txBody>
+      </p:sp>
+      <p:sp>
+        <p:nvSpPr>
+          <p:cNvPr id="4" name="Foliennummernplatzhalter 3"/>
+          <p:cNvSpPr>
+            <a:spLocks noGrp="1"/>
+          </p:cNvSpPr>
+          <p:nvPr>
+            <p:ph type="sldNum" sz="quarter" idx="4"/>
+          </p:nvPr>
+        </p:nvSpPr>
+        <p:spPr/>
+        <p:txBody>
+          <a:bodyPr/>
+          <a:lstStyle/>
+          <a:p>
+            <a:pPr>
+              <a:defRPr/>
+            </a:pPr>
+            <a:fld id="{70BFFA52-4234-45F6-B1A6-074E24FF43A2}" type="slidenum">
+              <a:rPr lang="de-DE" smtClean="0"/>
+              <a:pPr>
+                <a:defRPr/>
+              </a:pPr>
+              <a:t>15</a:t>
+            </a:fld>
+            <a:endParaRPr lang="de-DE" dirty="0"/>
+          </a:p>
+        </p:txBody>
+      </p:sp>
+      <p:sp>
+        <p:nvSpPr>
+          <p:cNvPr id="5" name="Fußzeilenplatzhalter 4"/>
+          <p:cNvSpPr>
+            <a:spLocks noGrp="1"/>
+          </p:cNvSpPr>
+          <p:nvPr>
+            <p:ph type="ftr" sz="quarter" idx="3"/>
+          </p:nvPr>
+        </p:nvSpPr>
+        <p:spPr/>
+        <p:txBody>
+          <a:bodyPr/>
+          <a:lstStyle/>
+          <a:p>
+            <a:r>
+              <a:rPr lang="de-DE" smtClean="0"/>
+              <a:t>Sicherheitsaspekte beim Deployment virtueller Netzinfrastrukturen</a:t>
+            </a:r>
+            <a:endParaRPr lang="de-DE" dirty="0"/>
+          </a:p>
+        </p:txBody>
+      </p:sp>
+      <p:sp>
+        <p:nvSpPr>
+          <p:cNvPr id="6" name="Textfeld 5"/>
+          <p:cNvSpPr txBox="1"/>
+          <p:nvPr/>
+        </p:nvSpPr>
+        <p:spPr>
+          <a:xfrm>
+            <a:off x="143508" y="6225899"/>
+            <a:ext cx="8944821" cy="276999"/>
+          </a:xfrm>
+          <a:prstGeom prst="rect">
+            <a:avLst/>
+          </a:prstGeom>
+          <a:noFill/>
+        </p:spPr>
+        <p:txBody>
+          <a:bodyPr wrap="none" rtlCol="0">
+            <a:spAutoFit/>
+          </a:bodyPr>
+          <a:lstStyle/>
+          <a:p>
+            <a:r>
+              <a:rPr lang="de-DE" dirty="0" smtClean="0"/>
+              <a:t>[1] </a:t>
+            </a:r>
+            <a:r>
+              <a:rPr lang="en-US" dirty="0"/>
+              <a:t>Yang Wang, </a:t>
+            </a:r>
+            <a:r>
+              <a:rPr lang="en-US" dirty="0" err="1"/>
+              <a:t>Phanvu</a:t>
+            </a:r>
+            <a:r>
+              <a:rPr lang="en-US" dirty="0"/>
+              <a:t> Chau und </a:t>
+            </a:r>
+            <a:r>
+              <a:rPr lang="en-US" dirty="0" err="1"/>
+              <a:t>Fuyu</a:t>
+            </a:r>
+            <a:r>
+              <a:rPr lang="en-US" dirty="0"/>
+              <a:t> Chen. Towards a secured network virtualization. </a:t>
+            </a:r>
+            <a:r>
+              <a:rPr lang="de-DE" i="1" dirty="0"/>
+              <a:t>Computer Networks</a:t>
+            </a:r>
+            <a:r>
+              <a:rPr lang="de-DE" dirty="0"/>
+              <a:t>, 104:55–65, 2016</a:t>
+            </a:r>
+            <a:r>
+              <a:rPr lang="de-DE" dirty="0" smtClean="0"/>
+              <a:t>.</a:t>
+            </a:r>
+            <a:endParaRPr lang="de-DE" dirty="0"/>
+          </a:p>
+        </p:txBody>
+      </p:sp>
+      <p:sp>
+        <p:nvSpPr>
+          <p:cNvPr id="7" name="Textfeld 6"/>
+          <p:cNvSpPr txBox="1"/>
+          <p:nvPr/>
+        </p:nvSpPr>
+        <p:spPr>
+          <a:xfrm>
+            <a:off x="3330266" y="692696"/>
+            <a:ext cx="269626" cy="276999"/>
+          </a:xfrm>
+          <a:prstGeom prst="rect">
+            <a:avLst/>
+          </a:prstGeom>
+          <a:noFill/>
+        </p:spPr>
+        <p:txBody>
+          <a:bodyPr wrap="none" rtlCol="0">
+            <a:spAutoFit/>
+          </a:bodyPr>
+          <a:lstStyle/>
+          <a:p>
+            <a:r>
+              <a:rPr lang="de-DE" b="1" dirty="0" smtClean="0"/>
+              <a:t>1</a:t>
+            </a:r>
+            <a:endParaRPr lang="de-DE" b="1" dirty="0"/>
+          </a:p>
+        </p:txBody>
+      </p:sp>
+    </p:spTree>
+    <p:extLst>
+      <p:ext uri="{BB962C8B-B14F-4D97-AF65-F5344CB8AC3E}">
+        <p14:creationId xmlns:p14="http://schemas.microsoft.com/office/powerpoint/2010/main" val="3079377498"/>
+      </p:ext>
+    </p:extLst>
+  </p:cSld>
+  <p:clrMapOvr>
+    <a:masterClrMapping/>
+  </p:clrMapOvr>
+  <p:transition spd="med"/>
+  <p:timing>
+    <p:tnLst>
+      <p:par>
+        <p:cTn id="1" dur="indefinite" restart="never" nodeType="tmRoot"/>
+      </p:par>
+    </p:tnLst>
+  </p:timing>
+</p:sld>
+</file>
+
+<file path=ppt/slides/slide16.xml><?xml version="1.0" encoding="utf-8"?>
+<p:sld xmlns:a="http://schemas.openxmlformats.org/drawingml/2006/main" xmlns:r="http://schemas.openxmlformats.org/officeDocument/2006/relationships" xmlns:p="http://schemas.openxmlformats.org/presentationml/2006/main">
+  <p:cSld>
+    <p:spTree>
+      <p:nvGrpSpPr>
+        <p:cNvPr id="1" name=""/>
+        <p:cNvGrpSpPr/>
+        <p:nvPr/>
+      </p:nvGrpSpPr>
+      <p:grpSpPr>
+        <a:xfrm>
+          <a:off x="0" y="0"/>
+          <a:ext cx="0" cy="0"/>
+          <a:chOff x="0" y="0"/>
+          <a:chExt cx="0" cy="0"/>
+        </a:xfrm>
+      </p:grpSpPr>
+      <p:sp>
+        <p:nvSpPr>
+          <p:cNvPr id="2" name="Titel 1"/>
+          <p:cNvSpPr>
+            <a:spLocks noGrp="1"/>
+          </p:cNvSpPr>
+          <p:nvPr>
+            <p:ph type="title"/>
+          </p:nvPr>
+        </p:nvSpPr>
+        <p:spPr/>
+        <p:txBody>
+          <a:bodyPr/>
+          <a:lstStyle/>
+          <a:p>
+            <a:r>
+              <a:rPr lang="de-DE" dirty="0" smtClean="0"/>
+              <a:t>Empfehlenswerte Literatur</a:t>
+            </a:r>
+            <a:endParaRPr lang="de-DE" sz="1800" dirty="0"/>
+          </a:p>
+        </p:txBody>
+      </p:sp>
+      <p:sp>
+        <p:nvSpPr>
+          <p:cNvPr id="3" name="Inhaltsplatzhalter 2"/>
+          <p:cNvSpPr>
+            <a:spLocks noGrp="1"/>
+          </p:cNvSpPr>
+          <p:nvPr>
+            <p:ph idx="1"/>
+          </p:nvPr>
+        </p:nvSpPr>
+        <p:spPr/>
+        <p:txBody>
+          <a:bodyPr/>
+          <a:lstStyle/>
+          <a:p>
+            <a:pPr marL="0" indent="0">
+              <a:buNone/>
+            </a:pPr>
+            <a:r>
+              <a:rPr lang="de-DE" sz="1600" b="1" dirty="0" smtClean="0"/>
+              <a:t>Sicherheitsaspekte virtueller Netzinfrastrukturen</a:t>
+            </a:r>
+          </a:p>
+          <a:p>
+            <a:r>
+              <a:rPr lang="de-DE" sz="1600" dirty="0"/>
+              <a:t>Kamal </a:t>
+            </a:r>
+            <a:r>
+              <a:rPr lang="de-DE" sz="1600" dirty="0" err="1"/>
+              <a:t>Dahbur</a:t>
+            </a:r>
+            <a:r>
+              <a:rPr lang="de-DE" sz="1600" dirty="0"/>
+              <a:t>, </a:t>
+            </a:r>
+            <a:r>
+              <a:rPr lang="de-DE" sz="1600" dirty="0" err="1"/>
+              <a:t>Bassil</a:t>
+            </a:r>
+            <a:r>
+              <a:rPr lang="de-DE" sz="1600" dirty="0"/>
+              <a:t> Mohammad und Ahmad Bisher </a:t>
+            </a:r>
+            <a:r>
+              <a:rPr lang="de-DE" sz="1600" dirty="0" err="1"/>
+              <a:t>Tarakji</a:t>
+            </a:r>
+            <a:r>
+              <a:rPr lang="de-DE" sz="1600" dirty="0"/>
+              <a:t>. A </a:t>
+            </a:r>
+            <a:r>
+              <a:rPr lang="de-DE" sz="1600" dirty="0" err="1"/>
+              <a:t>survey</a:t>
+            </a:r>
+            <a:r>
+              <a:rPr lang="de-DE" sz="1600" dirty="0"/>
+              <a:t> </a:t>
+            </a:r>
+            <a:r>
+              <a:rPr lang="de-DE" sz="1600" dirty="0" err="1"/>
+              <a:t>of</a:t>
+            </a:r>
+            <a:r>
+              <a:rPr lang="de-DE" sz="1600" dirty="0"/>
+              <a:t> </a:t>
+            </a:r>
+            <a:r>
+              <a:rPr lang="de-DE" sz="1600" dirty="0" err="1"/>
+              <a:t>risks</a:t>
+            </a:r>
+            <a:r>
+              <a:rPr lang="de-DE" sz="1600" dirty="0"/>
+              <a:t>, </a:t>
+            </a:r>
+            <a:r>
+              <a:rPr lang="en-US" sz="1600" dirty="0"/>
+              <a:t>threats and vulnerabilities in cloud computing. In </a:t>
+            </a:r>
+            <a:r>
+              <a:rPr lang="en-US" sz="1600" i="1" dirty="0"/>
+              <a:t>Proceedings of the 2011 International </a:t>
+            </a:r>
+            <a:r>
+              <a:rPr lang="de-DE" sz="1600" i="1" dirty="0" err="1"/>
+              <a:t>conference</a:t>
+            </a:r>
+            <a:r>
+              <a:rPr lang="de-DE" sz="1600" i="1" dirty="0"/>
+              <a:t> on intelligent </a:t>
+            </a:r>
+            <a:r>
+              <a:rPr lang="de-DE" sz="1600" i="1" dirty="0" err="1"/>
+              <a:t>semantic</a:t>
+            </a:r>
+            <a:r>
+              <a:rPr lang="de-DE" sz="1600" i="1" dirty="0"/>
+              <a:t> Web-services </a:t>
+            </a:r>
+            <a:r>
+              <a:rPr lang="de-DE" sz="1600" i="1" dirty="0" err="1"/>
+              <a:t>and</a:t>
+            </a:r>
+            <a:r>
+              <a:rPr lang="de-DE" sz="1600" i="1" dirty="0"/>
+              <a:t> </a:t>
+            </a:r>
+            <a:r>
+              <a:rPr lang="de-DE" sz="1600" i="1" dirty="0" err="1"/>
+              <a:t>applications</a:t>
+            </a:r>
+            <a:r>
+              <a:rPr lang="de-DE" sz="1600" dirty="0"/>
+              <a:t>, Seite 12. ACM, 2011.</a:t>
+            </a:r>
+          </a:p>
+          <a:p>
+            <a:r>
+              <a:rPr lang="de-DE" sz="1600" dirty="0" smtClean="0"/>
+              <a:t>Andreas </a:t>
+            </a:r>
+            <a:r>
+              <a:rPr lang="de-DE" sz="1600" dirty="0"/>
+              <a:t>Fischer, Juan Felipe Botero, Michael Till Beck, Hermann De Meer und </a:t>
+            </a:r>
+            <a:r>
+              <a:rPr lang="de-DE" sz="1600" dirty="0" smtClean="0"/>
+              <a:t>Xavier Hesselbach</a:t>
+            </a:r>
+            <a:r>
+              <a:rPr lang="de-DE" sz="1600" dirty="0"/>
+              <a:t>. Virtual </a:t>
+            </a:r>
+            <a:r>
+              <a:rPr lang="de-DE" sz="1600" dirty="0" err="1"/>
+              <a:t>network</a:t>
+            </a:r>
+            <a:r>
+              <a:rPr lang="de-DE" sz="1600" dirty="0"/>
+              <a:t> </a:t>
+            </a:r>
+            <a:r>
+              <a:rPr lang="de-DE" sz="1600" dirty="0" err="1"/>
+              <a:t>embedding</a:t>
+            </a:r>
+            <a:r>
+              <a:rPr lang="de-DE" sz="1600" dirty="0"/>
+              <a:t>: A </a:t>
+            </a:r>
+            <a:r>
+              <a:rPr lang="de-DE" sz="1600" dirty="0" err="1"/>
+              <a:t>survey</a:t>
+            </a:r>
+            <a:r>
+              <a:rPr lang="de-DE" sz="1600" dirty="0"/>
+              <a:t>. </a:t>
+            </a:r>
+            <a:r>
+              <a:rPr lang="de-DE" sz="1600" i="1" dirty="0"/>
+              <a:t>IEEE Communications Surveys </a:t>
+            </a:r>
+            <a:r>
+              <a:rPr lang="de-DE" sz="1600" i="1" dirty="0" smtClean="0"/>
+              <a:t>&amp; Tutorials</a:t>
+            </a:r>
+            <a:r>
+              <a:rPr lang="de-DE" sz="1600" dirty="0"/>
+              <a:t>, 15(4):1888–1906, 2013</a:t>
+            </a:r>
+            <a:r>
+              <a:rPr lang="de-DE" sz="1600" dirty="0" smtClean="0"/>
+              <a:t>.</a:t>
+            </a:r>
+            <a:endParaRPr lang="de-DE" sz="1600" dirty="0"/>
+          </a:p>
+          <a:p>
+            <a:r>
+              <a:rPr lang="de-DE" sz="1600" dirty="0" err="1" smtClean="0"/>
+              <a:t>Shuiqing</a:t>
+            </a:r>
+            <a:r>
+              <a:rPr lang="de-DE" sz="1600" dirty="0" smtClean="0"/>
+              <a:t> </a:t>
+            </a:r>
+            <a:r>
+              <a:rPr lang="de-DE" sz="1600" dirty="0"/>
+              <a:t>Gong, </a:t>
+            </a:r>
+            <a:r>
+              <a:rPr lang="de-DE" sz="1600" dirty="0" err="1"/>
+              <a:t>Jing</a:t>
+            </a:r>
+            <a:r>
+              <a:rPr lang="de-DE" sz="1600" dirty="0"/>
+              <a:t> Chen, </a:t>
+            </a:r>
+            <a:r>
+              <a:rPr lang="de-DE" sz="1600" dirty="0" err="1"/>
+              <a:t>Conghui</a:t>
+            </a:r>
+            <a:r>
+              <a:rPr lang="de-DE" sz="1600" dirty="0"/>
+              <a:t> Huang, </a:t>
+            </a:r>
+            <a:r>
+              <a:rPr lang="de-DE" sz="1600" dirty="0" err="1"/>
+              <a:t>Qingchao</a:t>
+            </a:r>
+            <a:r>
+              <a:rPr lang="de-DE" sz="1600" dirty="0"/>
+              <a:t> Zhu und </a:t>
+            </a:r>
+            <a:r>
+              <a:rPr lang="de-DE" sz="1600" dirty="0" err="1"/>
+              <a:t>Siyi</a:t>
+            </a:r>
+            <a:r>
+              <a:rPr lang="de-DE" sz="1600" dirty="0"/>
+              <a:t> Zhao. Virtual </a:t>
+            </a:r>
+            <a:r>
+              <a:rPr lang="en-US" sz="1600" dirty="0"/>
+              <a:t>Network Embedding through Security Risk Awareness and Optimization. </a:t>
+            </a:r>
+            <a:r>
+              <a:rPr lang="en-US" sz="1600" i="1" dirty="0"/>
+              <a:t>KSII Transactions </a:t>
+            </a:r>
+            <a:r>
+              <a:rPr lang="de-DE" sz="1600" i="1" dirty="0"/>
+              <a:t>on Internet &amp; Information Systems</a:t>
+            </a:r>
+            <a:r>
+              <a:rPr lang="de-DE" sz="1600" dirty="0"/>
+              <a:t>, 10(7), 2016.</a:t>
+            </a:r>
+            <a:endParaRPr lang="de-DE" sz="1600" dirty="0" smtClean="0"/>
+          </a:p>
+          <a:p>
+            <a:endParaRPr lang="de-DE" sz="1600" dirty="0" smtClean="0"/>
+          </a:p>
+          <a:p>
+            <a:pPr marL="0" indent="0">
+              <a:buNone/>
+            </a:pPr>
+            <a:r>
+              <a:rPr lang="de-DE" sz="1600" b="1" dirty="0" smtClean="0"/>
+              <a:t>Untersuchte Algorithmen</a:t>
+            </a:r>
+            <a:endParaRPr lang="de-DE" sz="1600" b="1" dirty="0" smtClean="0"/>
+          </a:p>
+          <a:p>
+            <a:r>
+              <a:rPr lang="de-DE" sz="1600" dirty="0" smtClean="0"/>
+              <a:t>Hong </a:t>
+            </a:r>
+            <a:r>
+              <a:rPr lang="de-DE" sz="1600" dirty="0" err="1"/>
+              <a:t>Xu</a:t>
+            </a:r>
+            <a:r>
+              <a:rPr lang="de-DE" sz="1600" dirty="0"/>
+              <a:t> Ming </a:t>
+            </a:r>
+            <a:r>
+              <a:rPr lang="de-DE" sz="1600" dirty="0" err="1"/>
+              <a:t>Xu</a:t>
+            </a:r>
+            <a:r>
+              <a:rPr lang="de-DE" sz="1600" dirty="0"/>
+              <a:t> </a:t>
+            </a:r>
+            <a:r>
+              <a:rPr lang="de-DE" sz="1600" dirty="0" err="1"/>
+              <a:t>Shuhao</a:t>
+            </a:r>
+            <a:r>
+              <a:rPr lang="de-DE" sz="1600" dirty="0"/>
+              <a:t> Liu, </a:t>
+            </a:r>
+            <a:r>
+              <a:rPr lang="de-DE" sz="1600" dirty="0" err="1"/>
+              <a:t>Zhiping</a:t>
+            </a:r>
+            <a:r>
+              <a:rPr lang="de-DE" sz="1600" dirty="0"/>
+              <a:t> Cai. </a:t>
+            </a:r>
+            <a:r>
+              <a:rPr lang="de-DE" sz="1600" dirty="0" err="1"/>
+              <a:t>Towards</a:t>
+            </a:r>
+            <a:r>
+              <a:rPr lang="de-DE" sz="1600" dirty="0"/>
+              <a:t> Security-aware Virtual </a:t>
+            </a:r>
+            <a:r>
+              <a:rPr lang="de-DE" sz="1600" dirty="0" smtClean="0"/>
+              <a:t>Network Embedding</a:t>
+            </a:r>
+            <a:r>
+              <a:rPr lang="de-DE" sz="1600" dirty="0"/>
+              <a:t>, 2015</a:t>
+            </a:r>
+            <a:r>
+              <a:rPr lang="de-DE" sz="1600" dirty="0" smtClean="0"/>
+              <a:t>.</a:t>
+            </a:r>
+          </a:p>
+          <a:p>
+            <a:r>
+              <a:rPr lang="en-US" sz="1600" dirty="0" smtClean="0"/>
+              <a:t>Yang </a:t>
+            </a:r>
+            <a:r>
+              <a:rPr lang="en-US" sz="1600" dirty="0"/>
+              <a:t>Wang, </a:t>
+            </a:r>
+            <a:r>
+              <a:rPr lang="en-US" sz="1600" dirty="0" err="1"/>
+              <a:t>Phanvu</a:t>
+            </a:r>
+            <a:r>
+              <a:rPr lang="en-US" sz="1600" dirty="0"/>
+              <a:t> Chau und </a:t>
+            </a:r>
+            <a:r>
+              <a:rPr lang="en-US" sz="1600" dirty="0" err="1"/>
+              <a:t>Fuyu</a:t>
+            </a:r>
+            <a:r>
+              <a:rPr lang="en-US" sz="1600" dirty="0"/>
+              <a:t> Chen. Towards a secured network </a:t>
+            </a:r>
+            <a:r>
+              <a:rPr lang="en-US" sz="1600" dirty="0" smtClean="0"/>
+              <a:t>virtualization. </a:t>
+            </a:r>
+            <a:r>
+              <a:rPr lang="de-DE" sz="1600" i="1" dirty="0" smtClean="0"/>
+              <a:t>Computer </a:t>
+            </a:r>
+            <a:r>
+              <a:rPr lang="de-DE" sz="1600" i="1" dirty="0"/>
+              <a:t>Networks</a:t>
+            </a:r>
+            <a:r>
+              <a:rPr lang="de-DE" sz="1600" dirty="0"/>
+              <a:t>, 104:55–65, 2016.</a:t>
+            </a:r>
+            <a:endParaRPr lang="de-DE" sz="1600" dirty="0" smtClean="0"/>
+          </a:p>
+          <a:p>
+            <a:endParaRPr lang="de-DE" sz="1600" dirty="0"/>
+          </a:p>
+        </p:txBody>
+      </p:sp>
+      <p:sp>
+        <p:nvSpPr>
+          <p:cNvPr id="4" name="Foliennummernplatzhalter 3"/>
+          <p:cNvSpPr>
+            <a:spLocks noGrp="1"/>
+          </p:cNvSpPr>
+          <p:nvPr>
+            <p:ph type="sldNum" sz="quarter" idx="4"/>
+          </p:nvPr>
+        </p:nvSpPr>
+        <p:spPr/>
+        <p:txBody>
+          <a:bodyPr/>
+          <a:lstStyle/>
+          <a:p>
+            <a:pPr>
+              <a:defRPr/>
+            </a:pPr>
+            <a:fld id="{70BFFA52-4234-45F6-B1A6-074E24FF43A2}" type="slidenum">
+              <a:rPr lang="de-DE" smtClean="0"/>
+              <a:pPr>
+                <a:defRPr/>
+              </a:pPr>
+              <a:t>16</a:t>
+            </a:fld>
+            <a:endParaRPr lang="de-DE" dirty="0"/>
+          </a:p>
+        </p:txBody>
+      </p:sp>
+      <p:sp>
+        <p:nvSpPr>
+          <p:cNvPr id="5" name="Fußzeilenplatzhalter 4"/>
+          <p:cNvSpPr>
+            <a:spLocks noGrp="1"/>
+          </p:cNvSpPr>
+          <p:nvPr>
+            <p:ph type="ftr" sz="quarter" idx="3"/>
+          </p:nvPr>
+        </p:nvSpPr>
+        <p:spPr/>
+        <p:txBody>
+          <a:bodyPr/>
+          <a:lstStyle/>
+          <a:p>
+            <a:r>
+              <a:rPr lang="de-DE" smtClean="0"/>
+              <a:t>Sicherheitsaspekte beim Deployment virtueller Netzinfrastrukturen</a:t>
+            </a:r>
+            <a:endParaRPr lang="de-DE" dirty="0"/>
+          </a:p>
+        </p:txBody>
+      </p:sp>
+    </p:spTree>
+    <p:extLst>
+      <p:ext uri="{BB962C8B-B14F-4D97-AF65-F5344CB8AC3E}">
+        <p14:creationId xmlns:p14="http://schemas.microsoft.com/office/powerpoint/2010/main" val="2073930859"/>
+      </p:ext>
+    </p:extLst>
+  </p:cSld>
+  <p:clrMapOvr>
+    <a:masterClrMapping/>
+  </p:clrMapOvr>
+  <p:transition spd="med"/>
+  <p:timing>
+    <p:tnLst>
+      <p:par>
+        <p:cTn id="1" dur="indefinite" restart="never" nodeType="tmRoot"/>
+      </p:par>
+    </p:tnLst>
+  </p:timing>
+</p:sld>
+</file>
+
+<file path=ppt/slides/slide17.xml><?xml version="1.0" encoding="utf-8"?>
+<p:sld xmlns:a="http://schemas.openxmlformats.org/drawingml/2006/main" xmlns:r="http://schemas.openxmlformats.org/officeDocument/2006/relationships" xmlns:p="http://schemas.openxmlformats.org/presentationml/2006/main">
+  <p:cSld>
+    <p:spTree>
+      <p:nvGrpSpPr>
+        <p:cNvPr id="1" name=""/>
+        <p:cNvGrpSpPr/>
+        <p:nvPr/>
+      </p:nvGrpSpPr>
+      <p:grpSpPr>
+        <a:xfrm>
+          <a:off x="0" y="0"/>
+          <a:ext cx="0" cy="0"/>
+          <a:chOff x="0" y="0"/>
+          <a:chExt cx="0" cy="0"/>
+        </a:xfrm>
+      </p:grpSpPr>
+      <p:sp>
+        <p:nvSpPr>
+          <p:cNvPr id="2" name="Titel 1"/>
+          <p:cNvSpPr>
+            <a:spLocks noGrp="1"/>
+          </p:cNvSpPr>
+          <p:nvPr>
+            <p:ph type="title"/>
+          </p:nvPr>
+        </p:nvSpPr>
+        <p:spPr/>
+        <p:txBody>
+          <a:bodyPr/>
+          <a:lstStyle/>
+          <a:p>
+            <a:r>
+              <a:rPr lang="de-DE" dirty="0" smtClean="0"/>
+              <a:t>Diskussion</a:t>
+            </a:r>
+            <a:endParaRPr lang="de-DE" sz="1800" dirty="0"/>
+          </a:p>
+        </p:txBody>
+      </p:sp>
+      <p:sp>
+        <p:nvSpPr>
+          <p:cNvPr id="3" name="Inhaltsplatzhalter 2"/>
+          <p:cNvSpPr>
+            <a:spLocks noGrp="1"/>
+          </p:cNvSpPr>
+          <p:nvPr>
+            <p:ph idx="1"/>
+          </p:nvPr>
+        </p:nvSpPr>
+        <p:spPr/>
+        <p:txBody>
+          <a:bodyPr/>
+          <a:lstStyle/>
+          <a:p>
+            <a:endParaRPr lang="de-DE" dirty="0"/>
+          </a:p>
+        </p:txBody>
+      </p:sp>
+      <p:sp>
+        <p:nvSpPr>
+          <p:cNvPr id="4" name="Foliennummernplatzhalter 3"/>
+          <p:cNvSpPr>
+            <a:spLocks noGrp="1"/>
+          </p:cNvSpPr>
+          <p:nvPr>
+            <p:ph type="sldNum" sz="quarter" idx="4"/>
+          </p:nvPr>
+        </p:nvSpPr>
+        <p:spPr/>
+        <p:txBody>
+          <a:bodyPr/>
+          <a:lstStyle/>
+          <a:p>
+            <a:pPr>
+              <a:defRPr/>
+            </a:pPr>
+            <a:fld id="{70BFFA52-4234-45F6-B1A6-074E24FF43A2}" type="slidenum">
+              <a:rPr lang="de-DE" smtClean="0"/>
+              <a:pPr>
+                <a:defRPr/>
+              </a:pPr>
+              <a:t>17</a:t>
             </a:fld>
             <a:endParaRPr lang="de-DE" dirty="0"/>
           </a:p>
@@ -6669,35 +8526,6 @@
           </a:p>
         </p:txBody>
       </p:sp>
-      <p:pic>
-        <p:nvPicPr>
-          <p:cNvPr id="6" name="Inhaltsplatzhalter 5"/>
-          <p:cNvPicPr>
-            <a:picLocks noGrp="1" noChangeAspect="1"/>
-          </p:cNvPicPr>
-          <p:nvPr>
-            <p:ph idx="1"/>
-          </p:nvPr>
-        </p:nvPicPr>
-        <p:blipFill>
-          <a:blip r:embed="rId3" cstate="print">
-            <a:extLst>
-              <a:ext uri="{28A0092B-C50C-407E-A947-70E740481C1C}">
-                <a14:useLocalDpi xmlns:a14="http://schemas.microsoft.com/office/drawing/2010/main" val="0"/>
-              </a:ext>
-            </a:extLst>
-          </a:blip>
-          <a:stretch>
-            <a:fillRect/>
-          </a:stretch>
-        </p:blipFill>
-        <p:spPr>
-          <a:xfrm>
-            <a:off x="920974" y="1347788"/>
-            <a:ext cx="7278239" cy="4900612"/>
-          </a:xfrm>
-        </p:spPr>
-      </p:pic>
       <p:sp>
         <p:nvSpPr>
           <p:cNvPr id="4" name="Foliennummernplatzhalter 3"/>
@@ -6722,150 +8550,6 @@
                 <a:defRPr/>
               </a:pPr>
               <a:t>5</a:t>
-            </a:fld>
-            <a:endParaRPr lang="de-DE" dirty="0"/>
-          </a:p>
-        </p:txBody>
-      </p:sp>
-      <p:sp>
-        <p:nvSpPr>
-          <p:cNvPr id="5" name="Fußzeilenplatzhalter 4"/>
-          <p:cNvSpPr>
-            <a:spLocks noGrp="1"/>
-          </p:cNvSpPr>
-          <p:nvPr>
-            <p:ph type="ftr" sz="quarter" idx="3"/>
-          </p:nvPr>
-        </p:nvSpPr>
-        <p:spPr/>
-        <p:txBody>
-          <a:bodyPr/>
-          <a:lstStyle/>
-          <a:p>
-            <a:r>
-              <a:rPr lang="de-DE" smtClean="0"/>
-              <a:t>Sicherheitsaspekte beim Deployment virtueller Netzinfrastrukturen</a:t>
-            </a:r>
-            <a:endParaRPr lang="de-DE" dirty="0"/>
-          </a:p>
-        </p:txBody>
-      </p:sp>
-      <p:sp>
-        <p:nvSpPr>
-          <p:cNvPr id="7" name="Textfeld 6"/>
-          <p:cNvSpPr txBox="1"/>
-          <p:nvPr/>
-        </p:nvSpPr>
-        <p:spPr>
-          <a:xfrm>
-            <a:off x="1031567" y="6182580"/>
-            <a:ext cx="7057060" cy="276999"/>
-          </a:xfrm>
-          <a:prstGeom prst="rect">
-            <a:avLst/>
-          </a:prstGeom>
-          <a:noFill/>
-        </p:spPr>
-        <p:txBody>
-          <a:bodyPr wrap="none" rtlCol="0">
-            <a:spAutoFit/>
-          </a:bodyPr>
-          <a:lstStyle/>
-          <a:p>
-            <a:pPr algn="ctr"/>
-            <a:r>
-              <a:rPr lang="de-DE" dirty="0" smtClean="0"/>
-              <a:t>Die Substratnetze zweier Infrastructure Provider hosten zwei virtuelle Netze eines Service Providers.</a:t>
-            </a:r>
-            <a:endParaRPr lang="de-DE" dirty="0"/>
-          </a:p>
-        </p:txBody>
-      </p:sp>
-    </p:spTree>
-    <p:extLst>
-      <p:ext uri="{BB962C8B-B14F-4D97-AF65-F5344CB8AC3E}">
-        <p14:creationId xmlns:p14="http://schemas.microsoft.com/office/powerpoint/2010/main" val="664013948"/>
-      </p:ext>
-    </p:extLst>
-  </p:cSld>
-  <p:clrMapOvr>
-    <a:masterClrMapping/>
-  </p:clrMapOvr>
-  <p:transition spd="med"/>
-  <p:timing>
-    <p:tnLst>
-      <p:par>
-        <p:cTn id="1" dur="indefinite" restart="never" nodeType="tmRoot"/>
-      </p:par>
-    </p:tnLst>
-  </p:timing>
-</p:sld>
-</file>
-
-<file path=ppt/slides/slide6.xml><?xml version="1.0" encoding="utf-8"?>
-<p:sld xmlns:a="http://schemas.openxmlformats.org/drawingml/2006/main" xmlns:r="http://schemas.openxmlformats.org/officeDocument/2006/relationships" xmlns:p="http://schemas.openxmlformats.org/presentationml/2006/main">
-  <p:cSld>
-    <p:spTree>
-      <p:nvGrpSpPr>
-        <p:cNvPr id="1" name=""/>
-        <p:cNvGrpSpPr/>
-        <p:nvPr/>
-      </p:nvGrpSpPr>
-      <p:grpSpPr>
-        <a:xfrm>
-          <a:off x="0" y="0"/>
-          <a:ext cx="0" cy="0"/>
-          <a:chOff x="0" y="0"/>
-          <a:chExt cx="0" cy="0"/>
-        </a:xfrm>
-      </p:grpSpPr>
-      <p:sp>
-        <p:nvSpPr>
-          <p:cNvPr id="2" name="Titel 1"/>
-          <p:cNvSpPr>
-            <a:spLocks noGrp="1"/>
-          </p:cNvSpPr>
-          <p:nvPr>
-            <p:ph type="title"/>
-          </p:nvPr>
-        </p:nvSpPr>
-        <p:spPr/>
-        <p:txBody>
-          <a:bodyPr/>
-          <a:lstStyle/>
-          <a:p>
-            <a:r>
-              <a:rPr lang="de-DE" dirty="0" smtClean="0"/>
-              <a:t>Klassifizierung von Sicherheitsrisiken</a:t>
-            </a:r>
-            <a:endParaRPr lang="de-DE" dirty="0"/>
-          </a:p>
-        </p:txBody>
-      </p:sp>
-      <p:sp>
-        <p:nvSpPr>
-          <p:cNvPr id="4" name="Foliennummernplatzhalter 3"/>
-          <p:cNvSpPr>
-            <a:spLocks noGrp="1"/>
-          </p:cNvSpPr>
-          <p:nvPr>
-            <p:ph type="sldNum" sz="quarter" idx="4"/>
-          </p:nvPr>
-        </p:nvSpPr>
-        <p:spPr/>
-        <p:txBody>
-          <a:bodyPr/>
-          <a:lstStyle/>
-          <a:p>
-            <a:pPr>
-              <a:defRPr/>
-            </a:pPr>
-            <a:fld id="{70BFFA52-4234-45F6-B1A6-074E24FF43A2}" type="slidenum">
-              <a:rPr lang="de-DE" smtClean="0"/>
-              <a:pPr>
-                <a:defRPr/>
-              </a:pPr>
-              <a:t>6</a:t>
             </a:fld>
             <a:endParaRPr lang="de-DE" dirty="0"/>
           </a:p>
@@ -6970,7 +8654,7 @@
 </p:sld>
 </file>
 
-<file path=ppt/slides/slide7.xml><?xml version="1.0" encoding="utf-8"?>
+<file path=ppt/slides/slide6.xml><?xml version="1.0" encoding="utf-8"?>
 <p:sld xmlns:a="http://schemas.openxmlformats.org/drawingml/2006/main" xmlns:r="http://schemas.openxmlformats.org/officeDocument/2006/relationships" xmlns:p="http://schemas.openxmlformats.org/presentationml/2006/main">
   <p:cSld>
     <p:spTree>
@@ -7033,7 +8717,7 @@
               <a:pPr>
                 <a:defRPr/>
               </a:pPr>
-              <a:t>7</a:t>
+              <a:t>6</a:t>
             </a:fld>
             <a:endParaRPr lang="de-DE" dirty="0"/>
           </a:p>
@@ -7492,6 +9176,315 @@
 </p:sld>
 </file>
 
+<file path=ppt/slides/slide7.xml><?xml version="1.0" encoding="utf-8"?>
+<p:sld xmlns:a="http://schemas.openxmlformats.org/drawingml/2006/main" xmlns:r="http://schemas.openxmlformats.org/officeDocument/2006/relationships" xmlns:p="http://schemas.openxmlformats.org/presentationml/2006/main">
+  <p:cSld>
+    <p:spTree>
+      <p:nvGrpSpPr>
+        <p:cNvPr id="1" name=""/>
+        <p:cNvGrpSpPr/>
+        <p:nvPr/>
+      </p:nvGrpSpPr>
+      <p:grpSpPr>
+        <a:xfrm>
+          <a:off x="0" y="0"/>
+          <a:ext cx="0" cy="0"/>
+          <a:chOff x="0" y="0"/>
+          <a:chExt cx="0" cy="0"/>
+        </a:xfrm>
+      </p:grpSpPr>
+      <p:sp>
+        <p:nvSpPr>
+          <p:cNvPr id="2" name="Titel 1"/>
+          <p:cNvSpPr>
+            <a:spLocks noGrp="1"/>
+          </p:cNvSpPr>
+          <p:nvPr>
+            <p:ph type="title"/>
+          </p:nvPr>
+        </p:nvSpPr>
+        <p:spPr/>
+        <p:txBody>
+          <a:bodyPr/>
+          <a:lstStyle/>
+          <a:p>
+            <a:r>
+              <a:rPr lang="de-DE" smtClean="0"/>
+              <a:t>Sicherheitsrisiken </a:t>
+            </a:r>
+            <a:br>
+              <a:rPr lang="de-DE" smtClean="0"/>
+            </a:br>
+            <a:r>
+              <a:rPr lang="de-DE" smtClean="0"/>
+              <a:t>technischer Art</a:t>
+            </a:r>
+            <a:endParaRPr lang="de-DE" dirty="0"/>
+          </a:p>
+        </p:txBody>
+      </p:sp>
+      <p:sp>
+        <p:nvSpPr>
+          <p:cNvPr id="10" name="Inhaltsplatzhalter 9"/>
+          <p:cNvSpPr>
+            <a:spLocks noGrp="1"/>
+          </p:cNvSpPr>
+          <p:nvPr>
+            <p:ph idx="1"/>
+          </p:nvPr>
+        </p:nvSpPr>
+        <p:spPr/>
+        <p:txBody>
+          <a:bodyPr/>
+          <a:lstStyle/>
+          <a:p>
+            <a:pPr marL="0" indent="0">
+              <a:buNone/>
+            </a:pPr>
+            <a:r>
+              <a:rPr lang="de-DE" dirty="0" smtClean="0"/>
+              <a:t>Von NI ausgehend…</a:t>
+            </a:r>
+          </a:p>
+          <a:p>
+            <a:pPr marL="0" indent="0">
+              <a:buNone/>
+            </a:pPr>
+            <a:r>
+              <a:rPr lang="de-DE" dirty="0"/>
+              <a:t>	</a:t>
+            </a:r>
+            <a:r>
+              <a:rPr lang="de-DE" dirty="0" smtClean="0"/>
+              <a:t>… gegen VN/VM und User</a:t>
+            </a:r>
+          </a:p>
+          <a:p>
+            <a:r>
+              <a:rPr lang="de-DE" dirty="0"/>
+              <a:t> </a:t>
+            </a:r>
+            <a:endParaRPr lang="de-DE" dirty="0" smtClean="0"/>
+          </a:p>
+        </p:txBody>
+      </p:sp>
+      <p:sp>
+        <p:nvSpPr>
+          <p:cNvPr id="4" name="Foliennummernplatzhalter 3"/>
+          <p:cNvSpPr>
+            <a:spLocks noGrp="1"/>
+          </p:cNvSpPr>
+          <p:nvPr>
+            <p:ph type="sldNum" sz="quarter" idx="4"/>
+          </p:nvPr>
+        </p:nvSpPr>
+        <p:spPr/>
+        <p:txBody>
+          <a:bodyPr/>
+          <a:lstStyle/>
+          <a:p>
+            <a:fld id="{70BFFA52-4234-45F6-B1A6-074E24FF43A2}" type="slidenum">
+              <a:rPr lang="de-DE" smtClean="0"/>
+              <a:pPr/>
+              <a:t>7</a:t>
+            </a:fld>
+            <a:endParaRPr lang="de-DE" dirty="0"/>
+          </a:p>
+        </p:txBody>
+      </p:sp>
+      <p:sp>
+        <p:nvSpPr>
+          <p:cNvPr id="5" name="Fußzeilenplatzhalter 4"/>
+          <p:cNvSpPr>
+            <a:spLocks noGrp="1"/>
+          </p:cNvSpPr>
+          <p:nvPr>
+            <p:ph type="ftr" sz="quarter" idx="3"/>
+          </p:nvPr>
+        </p:nvSpPr>
+        <p:spPr/>
+        <p:txBody>
+          <a:bodyPr/>
+          <a:lstStyle/>
+          <a:p>
+            <a:r>
+              <a:rPr lang="de-DE" smtClean="0"/>
+              <a:t>Sicherheitsaspekte beim Deployment virtueller Netzinfrastrukturen</a:t>
+            </a:r>
+            <a:endParaRPr lang="de-DE" dirty="0"/>
+          </a:p>
+        </p:txBody>
+      </p:sp>
+      <p:pic>
+        <p:nvPicPr>
+          <p:cNvPr id="14" name="Grafik 13"/>
+          <p:cNvPicPr>
+            <a:picLocks noChangeAspect="1"/>
+          </p:cNvPicPr>
+          <p:nvPr/>
+        </p:nvPicPr>
+        <p:blipFill rotWithShape="1">
+          <a:blip r:embed="rId3"/>
+          <a:srcRect t="61198" r="69524"/>
+          <a:stretch/>
+        </p:blipFill>
+        <p:spPr>
+          <a:xfrm>
+            <a:off x="6904248" y="1347759"/>
+            <a:ext cx="1988928" cy="1963218"/>
+          </a:xfrm>
+          <a:prstGeom prst="rect">
+            <a:avLst/>
+          </a:prstGeom>
+        </p:spPr>
+      </p:pic>
+      <p:sp>
+        <p:nvSpPr>
+          <p:cNvPr id="15" name="Rechteck 14"/>
+          <p:cNvSpPr/>
+          <p:nvPr/>
+        </p:nvSpPr>
+        <p:spPr bwMode="auto">
+          <a:xfrm>
+            <a:off x="7466174" y="2456456"/>
+            <a:ext cx="1368152" cy="306000"/>
+          </a:xfrm>
+          <a:prstGeom prst="rect">
+            <a:avLst/>
+          </a:prstGeom>
+          <a:noFill/>
+          <a:ln w="38100" cap="flat" cmpd="sng" algn="ctr">
+            <a:solidFill>
+              <a:srgbClr val="006C30"/>
+            </a:solidFill>
+            <a:prstDash val="solid"/>
+            <a:round/>
+            <a:headEnd type="none" w="med" len="med"/>
+            <a:tailEnd type="none" w="med" len="med"/>
+          </a:ln>
+          <a:effectLst/>
+        </p:spPr>
+        <p:txBody>
+          <a:bodyPr vert="horz" wrap="square" lIns="91440" tIns="45720" rIns="91440" bIns="45720" numCol="1" rtlCol="0" anchor="ctr" anchorCtr="0" compatLnSpc="1">
+            <a:prstTxWarp prst="textNoShape">
+              <a:avLst/>
+            </a:prstTxWarp>
+          </a:bodyPr>
+          <a:lstStyle/>
+          <a:p>
+            <a:pPr marL="0" marR="0" indent="0" algn="l" defTabSz="914400" rtl="0" eaLnBrk="0" fontAlgn="base" latinLnBrk="0" hangingPunct="0">
+              <a:lnSpc>
+                <a:spcPct val="100000"/>
+              </a:lnSpc>
+              <a:spcBef>
+                <a:spcPct val="0"/>
+              </a:spcBef>
+              <a:spcAft>
+                <a:spcPct val="0"/>
+              </a:spcAft>
+              <a:buClrTx/>
+              <a:buSzTx/>
+              <a:buFontTx/>
+              <a:buNone/>
+              <a:tabLst/>
+            </a:pPr>
+            <a:endParaRPr kumimoji="0" lang="de-DE" sz="1400" b="0" i="0" u="none" strike="noStrike" cap="none" normalizeH="0" baseline="0" smtClean="0">
+              <a:ln>
+                <a:noFill/>
+              </a:ln>
+              <a:solidFill>
+                <a:schemeClr val="tx1"/>
+              </a:solidFill>
+              <a:effectLst/>
+              <a:latin typeface="LMU CompatilFact" pitchFamily="2" charset="0"/>
+            </a:endParaRPr>
+          </a:p>
+        </p:txBody>
+      </p:sp>
+      <p:sp>
+        <p:nvSpPr>
+          <p:cNvPr id="16" name="Rechteck 15"/>
+          <p:cNvSpPr/>
+          <p:nvPr/>
+        </p:nvSpPr>
+        <p:spPr bwMode="auto">
+          <a:xfrm>
+            <a:off x="7466174" y="2893122"/>
+            <a:ext cx="1368152" cy="306000"/>
+          </a:xfrm>
+          <a:prstGeom prst="rect">
+            <a:avLst/>
+          </a:prstGeom>
+          <a:noFill/>
+          <a:ln w="38100" cap="flat" cmpd="sng" algn="ctr">
+            <a:solidFill>
+              <a:srgbClr val="006C30"/>
+            </a:solidFill>
+            <a:prstDash val="solid"/>
+            <a:round/>
+            <a:headEnd type="none" w="med" len="med"/>
+            <a:tailEnd type="none" w="med" len="med"/>
+          </a:ln>
+          <a:effectLst/>
+        </p:spPr>
+        <p:txBody>
+          <a:bodyPr vert="horz" wrap="square" lIns="91440" tIns="45720" rIns="91440" bIns="45720" numCol="1" rtlCol="0" anchor="ctr" anchorCtr="0" compatLnSpc="1">
+            <a:prstTxWarp prst="textNoShape">
+              <a:avLst/>
+            </a:prstTxWarp>
+          </a:bodyPr>
+          <a:lstStyle/>
+          <a:p>
+            <a:pPr marL="0" marR="0" indent="0" algn="l" defTabSz="914400" rtl="0" eaLnBrk="0" fontAlgn="base" latinLnBrk="0" hangingPunct="0">
+              <a:lnSpc>
+                <a:spcPct val="100000"/>
+              </a:lnSpc>
+              <a:spcBef>
+                <a:spcPct val="0"/>
+              </a:spcBef>
+              <a:spcAft>
+                <a:spcPct val="0"/>
+              </a:spcAft>
+              <a:buClrTx/>
+              <a:buSzTx/>
+              <a:buFontTx/>
+              <a:buNone/>
+              <a:tabLst/>
+            </a:pPr>
+            <a:endParaRPr kumimoji="0" lang="de-DE" sz="1400" b="0" i="0" u="none" strike="noStrike" cap="none" normalizeH="0" baseline="0" smtClean="0">
+              <a:ln>
+                <a:noFill/>
+              </a:ln>
+              <a:solidFill>
+                <a:schemeClr val="tx1"/>
+              </a:solidFill>
+              <a:effectLst/>
+              <a:latin typeface="LMU CompatilFact" pitchFamily="2" charset="0"/>
+            </a:endParaRPr>
+          </a:p>
+        </p:txBody>
+      </p:sp>
+    </p:spTree>
+    <p:extLst>
+      <p:ext uri="{BB962C8B-B14F-4D97-AF65-F5344CB8AC3E}">
+        <p14:creationId xmlns:p14="http://schemas.microsoft.com/office/powerpoint/2010/main" val="1202343622"/>
+      </p:ext>
+    </p:extLst>
+  </p:cSld>
+  <p:clrMapOvr>
+    <a:masterClrMapping/>
+  </p:clrMapOvr>
+  <p:transition spd="med"/>
+  <p:timing>
+    <p:tnLst>
+      <p:par>
+        <p:cTn id="1" dur="indefinite" restart="never" nodeType="tmRoot"/>
+      </p:par>
+    </p:tnLst>
+  </p:timing>
+</p:sld>
+</file>
+
 <file path=ppt/slides/slide8.xml><?xml version="1.0" encoding="utf-8"?>
 <p:sld xmlns:a="http://schemas.openxmlformats.org/drawingml/2006/main" xmlns:r="http://schemas.openxmlformats.org/officeDocument/2006/relationships" xmlns:p="http://schemas.openxmlformats.org/presentationml/2006/main">
   <p:cSld>
@@ -7525,32 +9518,68 @@
           <a:lstStyle/>
           <a:p>
             <a:r>
+              <a:rPr lang="de-DE" smtClean="0"/>
+              <a:t>Sicherheitsrisiken </a:t>
+            </a:r>
+            <a:br>
+              <a:rPr lang="de-DE" smtClean="0"/>
+            </a:br>
+            <a:r>
+              <a:rPr lang="de-DE" smtClean="0"/>
+              <a:t>technischer Art</a:t>
+            </a:r>
+            <a:endParaRPr lang="de-DE" dirty="0"/>
+          </a:p>
+        </p:txBody>
+      </p:sp>
+      <p:sp>
+        <p:nvSpPr>
+          <p:cNvPr id="10" name="Inhaltsplatzhalter 9"/>
+          <p:cNvSpPr>
+            <a:spLocks noGrp="1"/>
+          </p:cNvSpPr>
+          <p:nvPr>
+            <p:ph idx="1"/>
+          </p:nvPr>
+        </p:nvSpPr>
+        <p:spPr/>
+        <p:txBody>
+          <a:bodyPr/>
+          <a:lstStyle/>
+          <a:p>
+            <a:pPr marL="0" indent="0">
+              <a:buNone/>
+            </a:pPr>
+            <a:r>
               <a:rPr lang="de-DE" dirty="0" smtClean="0"/>
-              <a:t>SVNE-Algorithmen:</a:t>
-            </a:r>
-            <a:br>
+              <a:t>Von VN/VM ausgehend…</a:t>
+            </a:r>
+          </a:p>
+          <a:p>
+            <a:pPr marL="0" indent="0">
+              <a:buNone/>
+            </a:pPr>
+            <a:r>
               <a:rPr lang="de-DE" dirty="0" smtClean="0"/>
-            </a:br>
-            <a:r>
-              <a:rPr lang="de-DE" sz="1800" b="0" dirty="0"/>
-              <a:t>Strikte Trennung und </a:t>
-            </a:r>
-            <a:r>
-              <a:rPr lang="de-DE" sz="1800" b="0" dirty="0" err="1" smtClean="0"/>
-              <a:t>Preprocessing</a:t>
-            </a:r>
-            <a:endParaRPr lang="de-DE" sz="1800" dirty="0"/>
-          </a:p>
-        </p:txBody>
-      </p:sp>
-      <p:sp>
-        <p:nvSpPr>
-          <p:cNvPr id="3" name="Inhaltsplatzhalter 2"/>
+              <a:t>	… gegen NI</a:t>
+            </a:r>
+          </a:p>
+          <a:p>
+            <a:r>
+              <a:rPr lang="de-DE" dirty="0"/>
+              <a:t> </a:t>
+            </a:r>
+          </a:p>
+        </p:txBody>
+      </p:sp>
+      <p:sp>
+        <p:nvSpPr>
+          <p:cNvPr id="4" name="Foliennummernplatzhalter 3"/>
           <p:cNvSpPr>
             <a:spLocks noGrp="1"/>
           </p:cNvSpPr>
           <p:nvPr>
-            <p:ph idx="1"/>
+            <p:ph type="sldNum" sz="quarter" idx="4"/>
           </p:nvPr>
         </p:nvSpPr>
         <p:spPr/>
@@ -7558,33 +9587,9 @@
           <a:bodyPr/>
           <a:lstStyle/>
           <a:p>
-            <a:endParaRPr lang="de-DE" dirty="0"/>
-          </a:p>
-        </p:txBody>
-      </p:sp>
-      <p:sp>
-        <p:nvSpPr>
-          <p:cNvPr id="4" name="Foliennummernplatzhalter 3"/>
-          <p:cNvSpPr>
-            <a:spLocks noGrp="1"/>
-          </p:cNvSpPr>
-          <p:nvPr>
-            <p:ph type="sldNum" sz="quarter" idx="4"/>
-          </p:nvPr>
-        </p:nvSpPr>
-        <p:spPr/>
-        <p:txBody>
-          <a:bodyPr/>
-          <a:lstStyle/>
-          <a:p>
-            <a:pPr>
-              <a:defRPr/>
-            </a:pPr>
             <a:fld id="{70BFFA52-4234-45F6-B1A6-074E24FF43A2}" type="slidenum">
               <a:rPr lang="de-DE" smtClean="0"/>
-              <a:pPr>
-                <a:defRPr/>
-              </a:pPr>
+              <a:pPr/>
               <a:t>8</a:t>
             </a:fld>
             <a:endParaRPr lang="de-DE" dirty="0"/>
@@ -7614,112 +9619,96 @@
           </a:p>
         </p:txBody>
       </p:sp>
-      <p:sp>
-        <p:nvSpPr>
-          <p:cNvPr id="6" name="Textfeld 5"/>
-          <p:cNvSpPr txBox="1"/>
+      <p:pic>
+        <p:nvPicPr>
+          <p:cNvPr id="14" name="Grafik 13"/>
+          <p:cNvPicPr>
+            <a:picLocks noChangeAspect="1"/>
+          </p:cNvPicPr>
           <p:nvPr/>
-        </p:nvSpPr>
+        </p:nvPicPr>
+        <p:blipFill rotWithShape="1">
+          <a:blip r:embed="rId3"/>
+          <a:srcRect l="34338" t="61198" r="34767"/>
+          <a:stretch/>
+        </p:blipFill>
         <p:spPr>
           <a:xfrm>
-            <a:off x="143508" y="6225899"/>
-            <a:ext cx="7564763" cy="461665"/>
+            <a:off x="6876952" y="1347759"/>
+            <a:ext cx="2016224" cy="1963218"/>
+          </a:xfrm>
+          <a:prstGeom prst="rect">
+            <a:avLst/>
+          </a:prstGeom>
+        </p:spPr>
+      </p:pic>
+      <p:sp>
+        <p:nvSpPr>
+          <p:cNvPr id="3" name="Rechteck 2"/>
+          <p:cNvSpPr/>
+          <p:nvPr/>
+        </p:nvSpPr>
+        <p:spPr bwMode="auto">
+          <a:xfrm>
+            <a:off x="7452320" y="2016752"/>
+            <a:ext cx="1368152" cy="306000"/>
           </a:xfrm>
           <a:prstGeom prst="rect">
             <a:avLst/>
           </a:prstGeom>
           <a:noFill/>
+          <a:ln w="38100" cap="flat" cmpd="sng" algn="ctr">
+            <a:solidFill>
+              <a:srgbClr val="006C30"/>
+            </a:solidFill>
+            <a:prstDash val="solid"/>
+            <a:round/>
+            <a:headEnd type="none" w="med" len="med"/>
+            <a:tailEnd type="none" w="med" len="med"/>
+          </a:ln>
+          <a:effectLst/>
         </p:spPr>
         <p:txBody>
-          <a:bodyPr wrap="none" rtlCol="0">
-            <a:spAutoFit/>
+          <a:bodyPr vert="horz" wrap="square" lIns="91440" tIns="45720" rIns="91440" bIns="45720" numCol="1" rtlCol="0" anchor="ctr" anchorCtr="0" compatLnSpc="1">
+            <a:prstTxWarp prst="textNoShape">
+              <a:avLst/>
+            </a:prstTxWarp>
           </a:bodyPr>
           <a:lstStyle/>
           <a:p>
-            <a:r>
-              <a:rPr lang="de-DE" dirty="0" smtClean="0"/>
-              <a:t>[1] Hong </a:t>
-            </a:r>
-            <a:r>
-              <a:rPr lang="de-DE" dirty="0" err="1"/>
-              <a:t>Xu</a:t>
-            </a:r>
-            <a:r>
-              <a:rPr lang="de-DE" dirty="0"/>
-              <a:t> Ming </a:t>
-            </a:r>
-            <a:r>
-              <a:rPr lang="de-DE" dirty="0" err="1"/>
-              <a:t>Xu</a:t>
-            </a:r>
-            <a:r>
-              <a:rPr lang="de-DE" dirty="0"/>
-              <a:t> </a:t>
-            </a:r>
-            <a:r>
-              <a:rPr lang="de-DE" dirty="0" err="1"/>
-              <a:t>Shuhao</a:t>
-            </a:r>
-            <a:r>
-              <a:rPr lang="de-DE" dirty="0"/>
-              <a:t> Liu, </a:t>
-            </a:r>
-            <a:r>
-              <a:rPr lang="de-DE" dirty="0" err="1"/>
-              <a:t>Zhiping</a:t>
-            </a:r>
-            <a:r>
-              <a:rPr lang="de-DE" dirty="0"/>
-              <a:t> Cai. </a:t>
-            </a:r>
-            <a:r>
-              <a:rPr lang="de-DE" dirty="0" err="1"/>
-              <a:t>Towards</a:t>
-            </a:r>
-            <a:r>
-              <a:rPr lang="de-DE" dirty="0"/>
-              <a:t> Security-aware Virtual Network Embedding, 2015.</a:t>
-            </a:r>
-          </a:p>
-          <a:p>
-            <a:endParaRPr lang="de-DE" dirty="0"/>
-          </a:p>
-        </p:txBody>
-      </p:sp>
-      <p:sp>
-        <p:nvSpPr>
-          <p:cNvPr id="7" name="Textfeld 6"/>
-          <p:cNvSpPr txBox="1"/>
-          <p:nvPr/>
-        </p:nvSpPr>
-        <p:spPr>
-          <a:xfrm>
-            <a:off x="5778538" y="692696"/>
-            <a:ext cx="269626" cy="276999"/>
-          </a:xfrm>
-          <a:prstGeom prst="rect">
-            <a:avLst/>
-          </a:prstGeom>
-          <a:noFill/>
-        </p:spPr>
-        <p:txBody>
-          <a:bodyPr wrap="none" rtlCol="0">
-            <a:spAutoFit/>
-          </a:bodyPr>
-          <a:lstStyle/>
-          <a:p>
-            <a:r>
-              <a:rPr lang="de-DE" b="1" dirty="0" smtClean="0"/>
-              <a:t>1</a:t>
-            </a:r>
-            <a:endParaRPr lang="de-DE" b="1" dirty="0"/>
+            <a:pPr marL="0" marR="0" indent="0" algn="l" defTabSz="914400" rtl="0" eaLnBrk="0" fontAlgn="base" latinLnBrk="0" hangingPunct="0">
+              <a:lnSpc>
+                <a:spcPct val="100000"/>
+              </a:lnSpc>
+              <a:spcBef>
+                <a:spcPct val="0"/>
+              </a:spcBef>
+              <a:spcAft>
+                <a:spcPct val="0"/>
+              </a:spcAft>
+              <a:buClrTx/>
+              <a:buSzTx/>
+              <a:buFontTx/>
+              <a:buNone/>
+              <a:tabLst/>
+            </a:pPr>
+            <a:endParaRPr kumimoji="0" lang="de-DE" sz="1400" b="0" i="0" u="none" strike="noStrike" cap="none" normalizeH="0" baseline="0" smtClean="0">
+              <a:ln>
+                <a:noFill/>
+              </a:ln>
+              <a:solidFill>
+                <a:schemeClr val="tx1"/>
+              </a:solidFill>
+              <a:effectLst/>
+              <a:latin typeface="LMU CompatilFact" pitchFamily="2" charset="0"/>
+            </a:endParaRPr>
           </a:p>
         </p:txBody>
       </p:sp>
     </p:spTree>
     <p:extLst>
       <p:ext uri="{BB962C8B-B14F-4D97-AF65-F5344CB8AC3E}">
-        <p14:creationId xmlns:p14="http://schemas.microsoft.com/office/powerpoint/2010/main" val="3408010396"/>
+        <p14:creationId xmlns:p14="http://schemas.microsoft.com/office/powerpoint/2010/main" val="3038497749"/>
       </p:ext>
     </p:extLst>
   </p:cSld>
@@ -7770,28 +9759,68 @@
           <a:lstStyle/>
           <a:p>
             <a:r>
+              <a:rPr lang="de-DE" smtClean="0"/>
+              <a:t>Sicherheitsrisiken </a:t>
+            </a:r>
+            <a:br>
+              <a:rPr lang="de-DE" smtClean="0"/>
+            </a:br>
+            <a:r>
+              <a:rPr lang="de-DE" smtClean="0"/>
+              <a:t>technischer Art</a:t>
+            </a:r>
+            <a:endParaRPr lang="de-DE" dirty="0"/>
+          </a:p>
+        </p:txBody>
+      </p:sp>
+      <p:sp>
+        <p:nvSpPr>
+          <p:cNvPr id="10" name="Inhaltsplatzhalter 9"/>
+          <p:cNvSpPr>
+            <a:spLocks noGrp="1"/>
+          </p:cNvSpPr>
+          <p:nvPr>
+            <p:ph idx="1"/>
+          </p:nvPr>
+        </p:nvSpPr>
+        <p:spPr/>
+        <p:txBody>
+          <a:bodyPr/>
+          <a:lstStyle/>
+          <a:p>
+            <a:pPr marL="0" indent="0">
+              <a:buNone/>
+            </a:pPr>
+            <a:r>
               <a:rPr lang="de-DE" dirty="0" smtClean="0"/>
-              <a:t>SVNE-Algorithmen:</a:t>
-            </a:r>
-            <a:br>
+              <a:t>Von VN/VM ausgehend…</a:t>
+            </a:r>
+          </a:p>
+          <a:p>
+            <a:pPr marL="0" indent="0">
+              <a:buNone/>
+            </a:pPr>
+            <a:r>
               <a:rPr lang="de-DE" dirty="0" smtClean="0"/>
-            </a:br>
-            <a:r>
-              <a:rPr lang="de-DE" sz="1800" b="0" dirty="0"/>
-              <a:t>Sicherheitsvektoren und doppelte Berechnung</a:t>
-            </a:r>
-            <a:endParaRPr lang="de-DE" sz="1800" dirty="0"/>
-          </a:p>
-        </p:txBody>
-      </p:sp>
-      <p:sp>
-        <p:nvSpPr>
-          <p:cNvPr id="3" name="Inhaltsplatzhalter 2"/>
+              <a:t>	… gegen VN/VM</a:t>
+            </a:r>
+          </a:p>
+          <a:p>
+            <a:r>
+              <a:rPr lang="de-DE" dirty="0"/>
+              <a:t> </a:t>
+            </a:r>
+          </a:p>
+        </p:txBody>
+      </p:sp>
+      <p:sp>
+        <p:nvSpPr>
+          <p:cNvPr id="4" name="Foliennummernplatzhalter 3"/>
           <p:cNvSpPr>
             <a:spLocks noGrp="1"/>
           </p:cNvSpPr>
           <p:nvPr>
-            <p:ph idx="1"/>
+            <p:ph type="sldNum" sz="quarter" idx="4"/>
           </p:nvPr>
         </p:nvSpPr>
         <p:spPr/>
@@ -7799,33 +9828,9 @@
           <a:bodyPr/>
           <a:lstStyle/>
           <a:p>
-            <a:endParaRPr lang="de-DE"/>
-          </a:p>
-        </p:txBody>
-      </p:sp>
-      <p:sp>
-        <p:nvSpPr>
-          <p:cNvPr id="4" name="Foliennummernplatzhalter 3"/>
-          <p:cNvSpPr>
-            <a:spLocks noGrp="1"/>
-          </p:cNvSpPr>
-          <p:nvPr>
-            <p:ph type="sldNum" sz="quarter" idx="4"/>
-          </p:nvPr>
-        </p:nvSpPr>
-        <p:spPr/>
-        <p:txBody>
-          <a:bodyPr/>
-          <a:lstStyle/>
-          <a:p>
-            <a:pPr>
-              <a:defRPr/>
-            </a:pPr>
             <a:fld id="{70BFFA52-4234-45F6-B1A6-074E24FF43A2}" type="slidenum">
               <a:rPr lang="de-DE" smtClean="0"/>
-              <a:pPr>
-                <a:defRPr/>
-              </a:pPr>
+              <a:pPr/>
               <a:t>9</a:t>
             </a:fld>
             <a:endParaRPr lang="de-DE" dirty="0"/>
@@ -7855,102 +9860,96 @@
           </a:p>
         </p:txBody>
       </p:sp>
-      <p:sp>
-        <p:nvSpPr>
-          <p:cNvPr id="6" name="Textfeld 5"/>
-          <p:cNvSpPr txBox="1"/>
+      <p:pic>
+        <p:nvPicPr>
+          <p:cNvPr id="14" name="Grafik 13"/>
+          <p:cNvPicPr>
+            <a:picLocks noChangeAspect="1"/>
+          </p:cNvPicPr>
           <p:nvPr/>
-        </p:nvSpPr>
+        </p:nvPicPr>
+        <p:blipFill rotWithShape="1">
+          <a:blip r:embed="rId3"/>
+          <a:srcRect l="34338" t="61198" r="34767"/>
+          <a:stretch/>
+        </p:blipFill>
         <p:spPr>
           <a:xfrm>
-            <a:off x="143508" y="6225899"/>
-            <a:ext cx="8944821" cy="276999"/>
+            <a:off x="6876952" y="1347759"/>
+            <a:ext cx="2016224" cy="1963218"/>
+          </a:xfrm>
+          <a:prstGeom prst="rect">
+            <a:avLst/>
+          </a:prstGeom>
+        </p:spPr>
+      </p:pic>
+      <p:sp>
+        <p:nvSpPr>
+          <p:cNvPr id="3" name="Rechteck 2"/>
+          <p:cNvSpPr/>
+          <p:nvPr/>
+        </p:nvSpPr>
+        <p:spPr bwMode="auto">
+          <a:xfrm>
+            <a:off x="7452320" y="2456892"/>
+            <a:ext cx="1368152" cy="306000"/>
           </a:xfrm>
           <a:prstGeom prst="rect">
             <a:avLst/>
           </a:prstGeom>
           <a:noFill/>
+          <a:ln w="38100" cap="flat" cmpd="sng" algn="ctr">
+            <a:solidFill>
+              <a:srgbClr val="006C30"/>
+            </a:solidFill>
+            <a:prstDash val="solid"/>
+            <a:round/>
+            <a:headEnd type="none" w="med" len="med"/>
+            <a:tailEnd type="none" w="med" len="med"/>
+          </a:ln>
+          <a:effectLst/>
         </p:spPr>
         <p:txBody>
-          <a:bodyPr wrap="none" rtlCol="0">
-            <a:spAutoFit/>
+          <a:bodyPr vert="horz" wrap="square" lIns="91440" tIns="45720" rIns="91440" bIns="45720" numCol="1" rtlCol="0" anchor="ctr" anchorCtr="0" compatLnSpc="1">
+            <a:prstTxWarp prst="textNoShape">
+              <a:avLst/>
+            </a:prstTxWarp>
           </a:bodyPr>
           <a:lstStyle/>
           <a:p>
-            <a:r>
-              <a:rPr lang="de-DE" dirty="0" smtClean="0"/>
-              <a:t>[1] </a:t>
-            </a:r>
-            <a:r>
-              <a:rPr lang="en-US" dirty="0"/>
-              <a:t>Yang Wang, </a:t>
-            </a:r>
-            <a:r>
-              <a:rPr lang="en-US" dirty="0" err="1"/>
-              <a:t>Phanvu</a:t>
-            </a:r>
-            <a:r>
-              <a:rPr lang="en-US" dirty="0"/>
-              <a:t> Chau und </a:t>
-            </a:r>
-            <a:r>
-              <a:rPr lang="en-US" dirty="0" err="1"/>
-              <a:t>Fuyu</a:t>
-            </a:r>
-            <a:r>
-              <a:rPr lang="en-US" dirty="0"/>
-              <a:t> Chen. Towards a secured network virtualization. </a:t>
-            </a:r>
-            <a:r>
-              <a:rPr lang="de-DE" i="1" dirty="0"/>
-              <a:t>Computer Networks</a:t>
-            </a:r>
-            <a:r>
-              <a:rPr lang="de-DE" dirty="0"/>
-              <a:t>, 104:55–65, 2016</a:t>
-            </a:r>
-            <a:r>
-              <a:rPr lang="de-DE" dirty="0" smtClean="0"/>
-              <a:t>.</a:t>
-            </a:r>
-            <a:endParaRPr lang="de-DE" dirty="0"/>
-          </a:p>
-        </p:txBody>
-      </p:sp>
-      <p:sp>
-        <p:nvSpPr>
-          <p:cNvPr id="7" name="Textfeld 6"/>
-          <p:cNvSpPr txBox="1"/>
-          <p:nvPr/>
-        </p:nvSpPr>
-        <p:spPr>
-          <a:xfrm>
-            <a:off x="3330266" y="692696"/>
-            <a:ext cx="269626" cy="276999"/>
-          </a:xfrm>
-          <a:prstGeom prst="rect">
-            <a:avLst/>
-          </a:prstGeom>
-          <a:noFill/>
-        </p:spPr>
-        <p:txBody>
-          <a:bodyPr wrap="none" rtlCol="0">
-            <a:spAutoFit/>
-          </a:bodyPr>
-          <a:lstStyle/>
-          <a:p>
-            <a:r>
-              <a:rPr lang="de-DE" b="1" dirty="0" smtClean="0"/>
-              <a:t>1</a:t>
-            </a:r>
-            <a:endParaRPr lang="de-DE" b="1" dirty="0"/>
+            <a:pPr marL="0" marR="0" indent="0" algn="l" defTabSz="914400" rtl="0" eaLnBrk="0" fontAlgn="base" latinLnBrk="0" hangingPunct="0">
+              <a:lnSpc>
+                <a:spcPct val="100000"/>
+              </a:lnSpc>
+              <a:spcBef>
+                <a:spcPct val="0"/>
+              </a:spcBef>
+              <a:spcAft>
+                <a:spcPct val="0"/>
+              </a:spcAft>
+              <a:buClrTx/>
+              <a:buSzTx/>
+              <a:buFontTx/>
+              <a:buNone/>
+              <a:tabLst/>
+            </a:pPr>
+            <a:endParaRPr kumimoji="0" lang="de-DE" sz="1400" b="0" i="0" u="none" strike="noStrike" cap="none" normalizeH="0" baseline="0" smtClean="0">
+              <a:ln>
+                <a:noFill/>
+              </a:ln>
+              <a:solidFill>
+                <a:schemeClr val="tx1"/>
+              </a:solidFill>
+              <a:effectLst/>
+              <a:latin typeface="LMU CompatilFact" pitchFamily="2" charset="0"/>
+            </a:endParaRPr>
           </a:p>
         </p:txBody>
       </p:sp>
     </p:spTree>
     <p:extLst>
       <p:ext uri="{BB962C8B-B14F-4D97-AF65-F5344CB8AC3E}">
-        <p14:creationId xmlns:p14="http://schemas.microsoft.com/office/powerpoint/2010/main" val="3079377498"/>
+        <p14:creationId xmlns:p14="http://schemas.microsoft.com/office/powerpoint/2010/main" val="1810539594"/>
       </p:ext>
     </p:extLst>
   </p:cSld>

--- a/Referat/PowerPoint/TimvS_SVNE.pptx
+++ b/Referat/PowerPoint/TimvS_SVNE.pptx
@@ -411,7 +411,7 @@
             <a:fld id="{AE02961B-B228-4466-84E5-B65BB245109F}" type="datetimeFigureOut">
               <a:rPr lang="de-DE"/>
               <a:pPr/>
-              <a:t>13.02.2017</a:t>
+              <a:t>14.02.2017</a:t>
             </a:fld>
             <a:endParaRPr lang="de-DE"/>
           </a:p>
@@ -6166,10 +6166,44 @@
             </a:r>
           </a:p>
           <a:p>
-            <a:r>
-              <a:rPr lang="de-DE" dirty="0"/>
-              <a:t> </a:t>
-            </a:r>
+            <a:endParaRPr lang="de-DE" dirty="0" smtClean="0"/>
+          </a:p>
+          <a:p>
+            <a:r>
+              <a:rPr lang="de-DE" dirty="0" smtClean="0"/>
+              <a:t>Monitoring</a:t>
+            </a:r>
+          </a:p>
+          <a:p>
+            <a:r>
+              <a:rPr lang="de-DE" dirty="0" smtClean="0"/>
+              <a:t>Einschleusen konstruierter Nachrichten zum </a:t>
+            </a:r>
+            <a:br>
+              <a:rPr lang="de-DE" dirty="0" smtClean="0"/>
+            </a:br>
+            <a:r>
+              <a:rPr lang="de-DE" dirty="0" smtClean="0"/>
+              <a:t>Abbruch von Peer-</a:t>
+            </a:r>
+            <a:r>
+              <a:rPr lang="de-DE" dirty="0" err="1" smtClean="0"/>
+              <a:t>to</a:t>
+            </a:r>
+            <a:r>
+              <a:rPr lang="de-DE" dirty="0" smtClean="0"/>
+              <a:t>-Peer-Verbindungen</a:t>
+            </a:r>
+          </a:p>
+          <a:p>
+            <a:r>
+              <a:rPr lang="de-DE" dirty="0" smtClean="0"/>
+              <a:t>etc.</a:t>
+            </a:r>
+            <a:endParaRPr lang="de-DE" dirty="0" smtClean="0"/>
+          </a:p>
+          <a:p>
+            <a:endParaRPr lang="de-DE" dirty="0"/>
           </a:p>
         </p:txBody>
       </p:sp>
@@ -6407,10 +6441,50 @@
             </a:r>
           </a:p>
           <a:p>
-            <a:r>
-              <a:rPr lang="de-DE" dirty="0"/>
-              <a:t> </a:t>
-            </a:r>
+            <a:endParaRPr lang="de-DE" dirty="0"/>
+          </a:p>
+          <a:p>
+            <a:r>
+              <a:rPr lang="de-DE" dirty="0" smtClean="0"/>
+              <a:t>Angriffe gegen dynamisch </a:t>
+            </a:r>
+            <a:r>
+              <a:rPr lang="de-DE" dirty="0" err="1" smtClean="0"/>
+              <a:t>umprogrammierbare</a:t>
+            </a:r>
+            <a:r>
+              <a:rPr lang="de-DE" dirty="0" smtClean="0"/>
+              <a:t/>
+            </a:r>
+            <a:br>
+              <a:rPr lang="de-DE" dirty="0" smtClean="0"/>
+            </a:br>
+            <a:r>
+              <a:rPr lang="de-DE" dirty="0" smtClean="0"/>
+              <a:t>Router und Switches</a:t>
+            </a:r>
+          </a:p>
+          <a:p>
+            <a:r>
+              <a:rPr lang="de-DE" dirty="0" smtClean="0"/>
+              <a:t>VM als </a:t>
+            </a:r>
+            <a:r>
+              <a:rPr lang="de-DE" dirty="0" err="1" smtClean="0"/>
+              <a:t>Rootkit</a:t>
+            </a:r>
+            <a:endParaRPr lang="de-DE" dirty="0" smtClean="0"/>
+          </a:p>
+          <a:p>
+            <a:r>
+              <a:rPr lang="de-DE" dirty="0" smtClean="0"/>
+              <a:t>BluePill</a:t>
+            </a:r>
+            <a:r>
+              <a:rPr lang="de-DE" b="1" baseline="30000" dirty="0" smtClean="0"/>
+              <a:t>1</a:t>
+            </a:r>
+            <a:endParaRPr lang="de-DE" b="1" baseline="30000" dirty="0"/>
           </a:p>
         </p:txBody>
       </p:sp>
@@ -6544,6 +6618,96 @@
               <a:effectLst/>
               <a:latin typeface="LMU CompatilFact" pitchFamily="2" charset="0"/>
             </a:endParaRPr>
+          </a:p>
+        </p:txBody>
+      </p:sp>
+      <p:sp>
+        <p:nvSpPr>
+          <p:cNvPr id="6" name="Textfeld 5"/>
+          <p:cNvSpPr txBox="1"/>
+          <p:nvPr/>
+        </p:nvSpPr>
+        <p:spPr>
+          <a:xfrm>
+            <a:off x="143508" y="6176337"/>
+            <a:ext cx="8749668" cy="276999"/>
+          </a:xfrm>
+          <a:prstGeom prst="rect">
+            <a:avLst/>
+          </a:prstGeom>
+          <a:noFill/>
+        </p:spPr>
+        <p:txBody>
+          <a:bodyPr wrap="square" rtlCol="0">
+            <a:spAutoFit/>
+          </a:bodyPr>
+          <a:lstStyle/>
+          <a:p>
+            <a:r>
+              <a:rPr lang="de-DE" dirty="0" smtClean="0"/>
+              <a:t>[1] Joanna </a:t>
+            </a:r>
+            <a:r>
+              <a:rPr lang="de-DE" dirty="0" err="1"/>
+              <a:t>Rutkowska</a:t>
+            </a:r>
+            <a:r>
+              <a:rPr lang="de-DE" dirty="0"/>
+              <a:t> und Alexander </a:t>
+            </a:r>
+            <a:r>
+              <a:rPr lang="de-DE" dirty="0" err="1"/>
+              <a:t>Tereshkin</a:t>
+            </a:r>
+            <a:r>
+              <a:rPr lang="de-DE" dirty="0"/>
+              <a:t>. </a:t>
+            </a:r>
+            <a:r>
+              <a:rPr lang="de-DE" dirty="0" err="1"/>
+              <a:t>Bluepilling</a:t>
+            </a:r>
+            <a:r>
+              <a:rPr lang="de-DE" dirty="0"/>
+              <a:t> </a:t>
+            </a:r>
+            <a:r>
+              <a:rPr lang="de-DE" dirty="0" err="1"/>
+              <a:t>the</a:t>
+            </a:r>
+            <a:r>
+              <a:rPr lang="de-DE" dirty="0"/>
+              <a:t> </a:t>
+            </a:r>
+            <a:r>
+              <a:rPr lang="de-DE" dirty="0" err="1"/>
+              <a:t>xen</a:t>
+            </a:r>
+            <a:r>
+              <a:rPr lang="de-DE" dirty="0"/>
+              <a:t> </a:t>
+            </a:r>
+            <a:r>
+              <a:rPr lang="de-DE" dirty="0" err="1"/>
+              <a:t>hypervisor</a:t>
+            </a:r>
+            <a:r>
+              <a:rPr lang="de-DE" dirty="0"/>
+              <a:t>. </a:t>
+            </a:r>
+            <a:r>
+              <a:rPr lang="de-DE" i="1" dirty="0" smtClean="0"/>
+              <a:t>Black Hat </a:t>
+            </a:r>
+            <a:r>
+              <a:rPr lang="de-DE" i="1" dirty="0"/>
+              <a:t>USA</a:t>
+            </a:r>
+            <a:r>
+              <a:rPr lang="de-DE" dirty="0"/>
+              <a:t>, 2008.</a:t>
+            </a:r>
+            <a:endParaRPr lang="de-DE" dirty="0"/>
           </a:p>
         </p:txBody>
       </p:sp>
@@ -6648,10 +6812,62 @@
             </a:r>
           </a:p>
           <a:p>
+            <a:endParaRPr lang="de-DE" dirty="0"/>
+          </a:p>
+          <a:p>
+            <a:r>
+              <a:rPr lang="de-DE" dirty="0" smtClean="0"/>
+              <a:t>Man-in-</a:t>
+            </a:r>
+            <a:r>
+              <a:rPr lang="de-DE" dirty="0" err="1" smtClean="0"/>
+              <a:t>the</a:t>
+            </a:r>
+            <a:r>
+              <a:rPr lang="de-DE" dirty="0" smtClean="0"/>
+              <a:t>-</a:t>
+            </a:r>
+            <a:r>
+              <a:rPr lang="de-DE" dirty="0" err="1" smtClean="0"/>
+              <a:t>Middle</a:t>
+            </a:r>
+            <a:r>
+              <a:rPr lang="de-DE" dirty="0" smtClean="0"/>
+              <a:t> während Migration des VNs</a:t>
+            </a:r>
+            <a:br>
+              <a:rPr lang="de-DE" dirty="0" smtClean="0"/>
+            </a:br>
+            <a:r>
+              <a:rPr lang="de-DE" dirty="0" smtClean="0"/>
+              <a:t>im Livebetrieb</a:t>
+            </a:r>
+          </a:p>
+          <a:p>
+            <a:r>
+              <a:rPr lang="de-DE" dirty="0" smtClean="0"/>
+              <a:t>Angriffe gegen das VN-Managementtool (XSS, CRSF,</a:t>
+            </a:r>
+            <a:br>
+              <a:rPr lang="de-DE" dirty="0" smtClean="0"/>
+            </a:br>
+            <a:r>
+              <a:rPr lang="de-DE" dirty="0" smtClean="0"/>
+              <a:t>SQL-</a:t>
+            </a:r>
+            <a:r>
+              <a:rPr lang="de-DE" dirty="0" err="1" smtClean="0"/>
+              <a:t>Injection</a:t>
+            </a:r>
             <a:r>
               <a:rPr lang="de-DE" dirty="0"/>
               <a:t> </a:t>
             </a:r>
+            <a:r>
+              <a:rPr lang="de-DE" dirty="0" smtClean="0"/>
+              <a:t>etc.)</a:t>
+            </a:r>
+            <a:endParaRPr lang="de-DE" dirty="0"/>
           </a:p>
         </p:txBody>
       </p:sp>
@@ -6850,35 +7066,8 @@
             </a:br>
             <a:r>
               <a:rPr lang="de-DE" dirty="0" smtClean="0"/>
-              <a:t>organisatorischer un</a:t>
-            </a:r>
-            <a:r>
-              <a:rPr lang="de-DE" dirty="0" smtClean="0"/>
-              <a:t>d rechtlicher </a:t>
-            </a:r>
-            <a:r>
-              <a:rPr lang="de-DE" dirty="0" smtClean="0"/>
-              <a:t>Art</a:t>
-            </a:r>
-            <a:endParaRPr lang="de-DE" dirty="0"/>
-          </a:p>
-        </p:txBody>
-      </p:sp>
-      <p:sp>
-        <p:nvSpPr>
-          <p:cNvPr id="10" name="Inhaltsplatzhalter 9"/>
-          <p:cNvSpPr>
-            <a:spLocks noGrp="1"/>
-          </p:cNvSpPr>
-          <p:nvPr>
-            <p:ph idx="1"/>
-          </p:nvPr>
-        </p:nvSpPr>
-        <p:spPr/>
-        <p:txBody>
-          <a:bodyPr/>
-          <a:lstStyle/>
-          <a:p>
+              <a:t>organisatorischer und rechtlicher Art</a:t>
+            </a:r>
             <a:endParaRPr lang="de-DE" dirty="0"/>
           </a:p>
         </p:txBody>
@@ -6927,6 +7116,25 @@
               <a:t>Sicherheitsaspekte beim Deployment virtueller Netzinfrastrukturen</a:t>
             </a:r>
             <a:endParaRPr lang="de-DE" dirty="0"/>
+          </a:p>
+        </p:txBody>
+      </p:sp>
+      <p:sp>
+        <p:nvSpPr>
+          <p:cNvPr id="6" name="Inhaltsplatzhalter 5"/>
+          <p:cNvSpPr>
+            <a:spLocks noGrp="1"/>
+          </p:cNvSpPr>
+          <p:nvPr>
+            <p:ph idx="1"/>
+          </p:nvPr>
+        </p:nvSpPr>
+        <p:spPr/>
+        <p:txBody>
+          <a:bodyPr/>
+          <a:lstStyle/>
+          <a:p>
+            <a:endParaRPr lang="de-DE"/>
           </a:p>
         </p:txBody>
       </p:sp>
@@ -7717,7 +7925,6 @@
               <a:rPr lang="de-DE" sz="1600" b="1" dirty="0" smtClean="0"/>
               <a:t>Untersuchte Algorithmen</a:t>
             </a:r>
-            <a:endParaRPr lang="de-DE" sz="1600" b="1" dirty="0" smtClean="0"/>
           </a:p>
           <a:p>
             <a:r>
@@ -8080,11 +8287,7 @@
             </a:r>
             <a:r>
               <a:rPr lang="de-DE" dirty="0" smtClean="0"/>
-              <a:t>Systemen</a:t>
-            </a:r>
-            <a:r>
-              <a:rPr lang="de-DE" dirty="0" smtClean="0"/>
-              <a:t>“</a:t>
+              <a:t>Systemen“</a:t>
             </a:r>
             <a:br>
               <a:rPr lang="de-DE" dirty="0" smtClean="0"/>
@@ -9260,9 +9463,28 @@
             </a:r>
           </a:p>
           <a:p>
-            <a:r>
-              <a:rPr lang="de-DE" dirty="0"/>
-              <a:t> </a:t>
+            <a:endParaRPr lang="de-DE" dirty="0" smtClean="0"/>
+          </a:p>
+          <a:p>
+            <a:r>
+              <a:rPr lang="de-DE" dirty="0" smtClean="0"/>
+              <a:t>Monitoring der VM-Aktivitäten</a:t>
+            </a:r>
+          </a:p>
+          <a:p>
+            <a:r>
+              <a:rPr lang="de-DE" dirty="0" err="1" smtClean="0"/>
+              <a:t>Sniffing</a:t>
+            </a:r>
+            <a:r>
+              <a:rPr lang="de-DE" dirty="0" smtClean="0"/>
+              <a:t>, Spoofing</a:t>
+            </a:r>
+          </a:p>
+          <a:p>
+            <a:r>
+              <a:rPr lang="de-DE" dirty="0" smtClean="0"/>
+              <a:t>Manipulation des legitimen Datenverkehrs</a:t>
             </a:r>
             <a:endParaRPr lang="de-DE" dirty="0" smtClean="0"/>
           </a:p>
@@ -9561,13 +9783,57 @@
             </a:pPr>
             <a:r>
               <a:rPr lang="de-DE" dirty="0" smtClean="0"/>
-              <a:t>	… gegen NI</a:t>
-            </a:r>
-          </a:p>
-          <a:p>
-            <a:r>
-              <a:rPr lang="de-DE" dirty="0"/>
+              <a:t>	… gegen </a:t>
+            </a:r>
+            <a:r>
+              <a:rPr lang="de-DE" dirty="0" smtClean="0"/>
+              <a:t>NI / ihren physischen Host</a:t>
+            </a:r>
+            <a:endParaRPr lang="de-DE" dirty="0" smtClean="0"/>
+          </a:p>
+          <a:p>
+            <a:endParaRPr lang="de-DE" dirty="0" smtClean="0"/>
+          </a:p>
+          <a:p>
+            <a:r>
+              <a:rPr lang="de-DE" dirty="0" smtClean="0"/>
+              <a:t>Verwundbarkeiten des Hosts über gemeinsam</a:t>
+            </a:r>
+            <a:br>
+              <a:rPr lang="de-DE" dirty="0" smtClean="0"/>
+            </a:br>
+            <a:r>
+              <a:rPr lang="de-DE" dirty="0" smtClean="0"/>
+              <a:t>genutzte Ressourcen ausnutzen</a:t>
+            </a:r>
+          </a:p>
+          <a:p>
+            <a:r>
+              <a:rPr lang="de-DE" dirty="0" err="1" smtClean="0"/>
+              <a:t>DoS</a:t>
+            </a:r>
+            <a:endParaRPr lang="de-DE" dirty="0" smtClean="0"/>
+          </a:p>
+          <a:p>
+            <a:r>
+              <a:rPr lang="de-DE" dirty="0" smtClean="0"/>
+              <a:t>„break </a:t>
+            </a:r>
+            <a:r>
+              <a:rPr lang="de-DE" dirty="0" err="1" smtClean="0"/>
+              <a:t>of</a:t>
+            </a:r>
+            <a:r>
+              <a:rPr lang="de-DE" dirty="0" smtClean="0"/>
               <a:t> </a:t>
+            </a:r>
+            <a:r>
+              <a:rPr lang="de-DE" dirty="0" err="1" smtClean="0"/>
+              <a:t>isolation</a:t>
+            </a:r>
+            <a:r>
+              <a:rPr lang="de-DE" dirty="0" smtClean="0"/>
+              <a:t>“</a:t>
             </a:r>
           </a:p>
         </p:txBody>
@@ -9806,10 +10072,43 @@
             </a:r>
           </a:p>
           <a:p>
+            <a:endParaRPr lang="de-DE" dirty="0" smtClean="0"/>
+          </a:p>
+          <a:p>
+            <a:r>
+              <a:rPr lang="de-DE" dirty="0" smtClean="0"/>
+              <a:t>Erleichterter Zugang zu Verwundbarkeiten</a:t>
+            </a:r>
+            <a:br>
+              <a:rPr lang="de-DE" dirty="0" smtClean="0"/>
+            </a:br>
+            <a:r>
+              <a:rPr lang="de-DE" dirty="0" smtClean="0"/>
+              <a:t>durch </a:t>
+            </a:r>
             <a:r>
               <a:rPr lang="de-DE" dirty="0"/>
-              <a:t> </a:t>
-            </a:r>
+              <a:t>gemeinsam genutzte Ressourcen </a:t>
+            </a:r>
+          </a:p>
+          <a:p>
+            <a:r>
+              <a:rPr lang="de-DE" dirty="0" smtClean="0"/>
+              <a:t>Virtuelle Netzwerkkarten =&gt; Monitoring anderer VNs/VMs</a:t>
+            </a:r>
+          </a:p>
+          <a:p>
+            <a:r>
+              <a:rPr lang="de-DE" dirty="0" smtClean="0"/>
+              <a:t>Einschleusen </a:t>
+            </a:r>
+            <a:r>
+              <a:rPr lang="de-DE" dirty="0"/>
+              <a:t>von Nachrichten des Netzwerkmanagement-protokolls</a:t>
+            </a:r>
+          </a:p>
+          <a:p>
+            <a:endParaRPr lang="de-DE" dirty="0"/>
           </a:p>
         </p:txBody>
       </p:sp>
@@ -11356,4 +11655,24 @@
   <a:objectDefaults/>
   <a:extraClrSchemeLst/>
 </a:theme>
+</file>
+
+<file path=ppt/webextensions/taskpanes.xml><?xml version="1.0" encoding="utf-8"?>
+<wetp:taskpanes xmlns:wetp="http://schemas.microsoft.com/office/webextensions/taskpanes/2010/11">
+  <wetp:taskpane dockstate="right" visibility="0" width="437" row="3">
+    <wetp:webextensionref xmlns:r="http://schemas.openxmlformats.org/officeDocument/2006/relationships" r:id="rId1"/>
+  </wetp:taskpane>
+</wetp:taskpanes>
+</file>
+
+<file path=ppt/webextensions/webextension1.xml><?xml version="1.0" encoding="utf-8"?>
+<we:webextension xmlns:we="http://schemas.microsoft.com/office/webextensions/webextension/2010/11" id="{ED52F984-82B8-4DBD-8CD7-0C7D9ACB5D81}">
+  <we:reference id="wa104379791" version="1.0.0.0" store="de-DE" storeType="OMEX"/>
+  <we:alternateReferences>
+    <we:reference id="WA104379791" version="1.0.0.0" store="WA104379791" storeType="OMEX"/>
+  </we:alternateReferences>
+  <we:properties/>
+  <we:bindings/>
+  <we:snapshot xmlns:r="http://schemas.openxmlformats.org/officeDocument/2006/relationships"/>
+</we:webextension>
 </file>
--- a/Referat/PowerPoint/TimvS_SVNE.pptx
+++ b/Referat/PowerPoint/TimvS_SVNE.pptx
@@ -5,10 +5,10 @@
     <p:sldMasterId id="2147483652" r:id="rId1"/>
   </p:sldMasterIdLst>
   <p:notesMasterIdLst>
-    <p:notesMasterId r:id="rId19"/>
+    <p:notesMasterId r:id="rId20"/>
   </p:notesMasterIdLst>
   <p:handoutMasterIdLst>
-    <p:handoutMasterId r:id="rId20"/>
+    <p:handoutMasterId r:id="rId21"/>
   </p:handoutMasterIdLst>
   <p:sldIdLst>
     <p:sldId id="844" r:id="rId2"/>
@@ -24,10 +24,11 @@
     <p:sldId id="855" r:id="rId12"/>
     <p:sldId id="854" r:id="rId13"/>
     <p:sldId id="856" r:id="rId14"/>
-    <p:sldId id="840" r:id="rId15"/>
-    <p:sldId id="841" r:id="rId16"/>
-    <p:sldId id="845" r:id="rId17"/>
-    <p:sldId id="846" r:id="rId18"/>
+    <p:sldId id="857" r:id="rId15"/>
+    <p:sldId id="840" r:id="rId16"/>
+    <p:sldId id="841" r:id="rId17"/>
+    <p:sldId id="845" r:id="rId18"/>
+    <p:sldId id="846" r:id="rId19"/>
   </p:sldIdLst>
   <p:sldSz cx="9144000" cy="6858000" type="screen4x3"/>
   <p:notesSz cx="6781800" cy="9855200"/>
@@ -1086,7 +1087,7 @@
     </p:spTree>
     <p:extLst>
       <p:ext uri="{BB962C8B-B14F-4D97-AF65-F5344CB8AC3E}">
-        <p14:creationId xmlns:p14="http://schemas.microsoft.com/office/powerpoint/2010/main" val="669372719"/>
+        <p14:creationId xmlns:p14="http://schemas.microsoft.com/office/powerpoint/2010/main" val="1891954575"/>
       </p:ext>
     </p:extLst>
   </p:cSld>
@@ -1171,7 +1172,7 @@
     </p:spTree>
     <p:extLst>
       <p:ext uri="{BB962C8B-B14F-4D97-AF65-F5344CB8AC3E}">
-        <p14:creationId xmlns:p14="http://schemas.microsoft.com/office/powerpoint/2010/main" val="752673120"/>
+        <p14:creationId xmlns:p14="http://schemas.microsoft.com/office/powerpoint/2010/main" val="669372719"/>
       </p:ext>
     </p:extLst>
   </p:cSld>
@@ -1256,7 +1257,7 @@
     </p:spTree>
     <p:extLst>
       <p:ext uri="{BB962C8B-B14F-4D97-AF65-F5344CB8AC3E}">
-        <p14:creationId xmlns:p14="http://schemas.microsoft.com/office/powerpoint/2010/main" val="1348049600"/>
+        <p14:creationId xmlns:p14="http://schemas.microsoft.com/office/powerpoint/2010/main" val="752673120"/>
       </p:ext>
     </p:extLst>
   </p:cSld>
@@ -1333,6 +1334,91 @@
               <a:rPr lang="de-DE" smtClean="0"/>
               <a:pPr/>
               <a:t>17</a:t>
+            </a:fld>
+            <a:endParaRPr lang="de-DE"/>
+          </a:p>
+        </p:txBody>
+      </p:sp>
+    </p:spTree>
+    <p:extLst>
+      <p:ext uri="{BB962C8B-B14F-4D97-AF65-F5344CB8AC3E}">
+        <p14:creationId xmlns:p14="http://schemas.microsoft.com/office/powerpoint/2010/main" val="1348049600"/>
+      </p:ext>
+    </p:extLst>
+  </p:cSld>
+  <p:clrMapOvr>
+    <a:masterClrMapping/>
+  </p:clrMapOvr>
+</p:notes>
+</file>
+
+<file path=ppt/notesSlides/notesSlide16.xml><?xml version="1.0" encoding="utf-8"?>
+<p:notes xmlns:a="http://schemas.openxmlformats.org/drawingml/2006/main" xmlns:r="http://schemas.openxmlformats.org/officeDocument/2006/relationships" xmlns:p="http://schemas.openxmlformats.org/presentationml/2006/main">
+  <p:cSld>
+    <p:spTree>
+      <p:nvGrpSpPr>
+        <p:cNvPr id="1" name=""/>
+        <p:cNvGrpSpPr/>
+        <p:nvPr/>
+      </p:nvGrpSpPr>
+      <p:grpSpPr>
+        <a:xfrm>
+          <a:off x="0" y="0"/>
+          <a:ext cx="0" cy="0"/>
+          <a:chOff x="0" y="0"/>
+          <a:chExt cx="0" cy="0"/>
+        </a:xfrm>
+      </p:grpSpPr>
+      <p:sp>
+        <p:nvSpPr>
+          <p:cNvPr id="2" name="Folienbildplatzhalter 1"/>
+          <p:cNvSpPr>
+            <a:spLocks noGrp="1" noRot="1" noChangeAspect="1"/>
+          </p:cNvSpPr>
+          <p:nvPr>
+            <p:ph type="sldImg"/>
+          </p:nvPr>
+        </p:nvSpPr>
+        <p:spPr/>
+      </p:sp>
+      <p:sp>
+        <p:nvSpPr>
+          <p:cNvPr id="3" name="Notizenplatzhalter 2"/>
+          <p:cNvSpPr>
+            <a:spLocks noGrp="1"/>
+          </p:cNvSpPr>
+          <p:nvPr>
+            <p:ph type="body" idx="1"/>
+          </p:nvPr>
+        </p:nvSpPr>
+        <p:spPr/>
+        <p:txBody>
+          <a:bodyPr/>
+          <a:lstStyle/>
+          <a:p>
+            <a:endParaRPr lang="de-DE" dirty="0"/>
+          </a:p>
+        </p:txBody>
+      </p:sp>
+      <p:sp>
+        <p:nvSpPr>
+          <p:cNvPr id="4" name="Foliennummernplatzhalter 3"/>
+          <p:cNvSpPr>
+            <a:spLocks noGrp="1"/>
+          </p:cNvSpPr>
+          <p:nvPr>
+            <p:ph type="sldNum" sz="quarter" idx="10"/>
+          </p:nvPr>
+        </p:nvSpPr>
+        <p:spPr/>
+        <p:txBody>
+          <a:bodyPr/>
+          <a:lstStyle/>
+          <a:p>
+            <a:fld id="{87E9C61A-9B5E-4580-98DD-1AC874081FFB}" type="slidenum">
+              <a:rPr lang="de-DE" smtClean="0"/>
+              <a:pPr/>
+              <a:t>18</a:t>
             </a:fld>
             <a:endParaRPr lang="de-DE"/>
           </a:p>
@@ -7026,7 +7112,7 @@
 </file>
 
 <file path=ppt/slides/slide13.xml><?xml version="1.0" encoding="utf-8"?>
-<p:sld xmlns:a="http://schemas.openxmlformats.org/drawingml/2006/main" xmlns:r="http://schemas.openxmlformats.org/officeDocument/2006/relationships" xmlns:p="http://schemas.openxmlformats.org/presentationml/2006/main">
+<p:sld xmlns:a="http://schemas.openxmlformats.org/drawingml/2006/main" xmlns:r="http://schemas.openxmlformats.org/officeDocument/2006/relationships" xmlns:p="http://schemas.openxmlformats.org/presentationml/2006/main" show="0">
   <p:cSld>
     <p:spTree>
       <p:nvGrpSpPr>
@@ -7121,7 +7207,7 @@
       </p:sp>
       <p:sp>
         <p:nvSpPr>
-          <p:cNvPr id="6" name="Inhaltsplatzhalter 5"/>
+          <p:cNvPr id="13" name="Inhaltsplatzhalter 12"/>
           <p:cNvSpPr>
             <a:spLocks noGrp="1"/>
           </p:cNvSpPr>
@@ -7193,31 +7279,20 @@
           <a:p>
             <a:r>
               <a:rPr lang="de-DE" dirty="0" smtClean="0"/>
-              <a:t>SVNE-Algorithmen:</a:t>
-            </a:r>
-            <a:br>
-              <a:rPr lang="de-DE" dirty="0" smtClean="0"/>
-            </a:br>
-            <a:r>
-              <a:rPr lang="de-DE" sz="1800" b="0" dirty="0"/>
-              <a:t>Strikte Trennung und </a:t>
-            </a:r>
-            <a:r>
-              <a:rPr lang="de-DE" sz="1800" b="0" dirty="0" err="1" smtClean="0"/>
-              <a:t>Preprocessing</a:t>
-            </a:r>
-            <a:endParaRPr lang="de-DE" sz="1800" dirty="0"/>
-          </a:p>
-        </p:txBody>
-      </p:sp>
-      <p:sp>
-        <p:nvSpPr>
-          <p:cNvPr id="3" name="Inhaltsplatzhalter 2"/>
+              <a:t>VNE-relevante Gefahren</a:t>
+            </a:r>
+            <a:endParaRPr lang="de-DE" dirty="0"/>
+          </a:p>
+        </p:txBody>
+      </p:sp>
+      <p:sp>
+        <p:nvSpPr>
+          <p:cNvPr id="4" name="Foliennummernplatzhalter 3"/>
           <p:cNvSpPr>
             <a:spLocks noGrp="1"/>
           </p:cNvSpPr>
           <p:nvPr>
-            <p:ph idx="1"/>
+            <p:ph type="sldNum" sz="quarter" idx="4"/>
           </p:nvPr>
         </p:nvSpPr>
         <p:spPr/>
@@ -7225,33 +7300,9 @@
           <a:bodyPr/>
           <a:lstStyle/>
           <a:p>
-            <a:endParaRPr lang="de-DE" dirty="0"/>
-          </a:p>
-        </p:txBody>
-      </p:sp>
-      <p:sp>
-        <p:nvSpPr>
-          <p:cNvPr id="4" name="Foliennummernplatzhalter 3"/>
-          <p:cNvSpPr>
-            <a:spLocks noGrp="1"/>
-          </p:cNvSpPr>
-          <p:nvPr>
-            <p:ph type="sldNum" sz="quarter" idx="4"/>
-          </p:nvPr>
-        </p:nvSpPr>
-        <p:spPr/>
-        <p:txBody>
-          <a:bodyPr/>
-          <a:lstStyle/>
-          <a:p>
-            <a:pPr>
-              <a:defRPr/>
-            </a:pPr>
             <a:fld id="{70BFFA52-4234-45F6-B1A6-074E24FF43A2}" type="slidenum">
               <a:rPr lang="de-DE" smtClean="0"/>
-              <a:pPr>
-                <a:defRPr/>
-              </a:pPr>
+              <a:pPr/>
               <a:t>14</a:t>
             </a:fld>
             <a:endParaRPr lang="de-DE" dirty="0"/>
@@ -7283,110 +7334,64 @@
       </p:sp>
       <p:sp>
         <p:nvSpPr>
-          <p:cNvPr id="6" name="Textfeld 5"/>
-          <p:cNvSpPr txBox="1"/>
-          <p:nvPr/>
-        </p:nvSpPr>
-        <p:spPr>
-          <a:xfrm>
-            <a:off x="143508" y="6225899"/>
-            <a:ext cx="7564763" cy="461665"/>
-          </a:xfrm>
-          <a:prstGeom prst="rect">
-            <a:avLst/>
-          </a:prstGeom>
-          <a:noFill/>
-        </p:spPr>
-        <p:txBody>
-          <a:bodyPr wrap="none" rtlCol="0">
-            <a:spAutoFit/>
-          </a:bodyPr>
-          <a:lstStyle/>
-          <a:p>
-            <a:r>
-              <a:rPr lang="de-DE" dirty="0" smtClean="0"/>
-              <a:t>[1] Hong </a:t>
-            </a:r>
-            <a:r>
-              <a:rPr lang="de-DE" dirty="0" err="1"/>
-              <a:t>Xu</a:t>
-            </a:r>
-            <a:r>
-              <a:rPr lang="de-DE" dirty="0"/>
-              <a:t> Ming </a:t>
-            </a:r>
-            <a:r>
-              <a:rPr lang="de-DE" dirty="0" err="1"/>
-              <a:t>Xu</a:t>
-            </a:r>
-            <a:r>
-              <a:rPr lang="de-DE" dirty="0"/>
-              <a:t> </a:t>
-            </a:r>
-            <a:r>
-              <a:rPr lang="de-DE" dirty="0" err="1"/>
-              <a:t>Shuhao</a:t>
-            </a:r>
-            <a:r>
-              <a:rPr lang="de-DE" dirty="0"/>
-              <a:t> Liu, </a:t>
-            </a:r>
-            <a:r>
-              <a:rPr lang="de-DE" dirty="0" err="1"/>
-              <a:t>Zhiping</a:t>
-            </a:r>
-            <a:r>
-              <a:rPr lang="de-DE" dirty="0"/>
-              <a:t> Cai. </a:t>
-            </a:r>
-            <a:r>
-              <a:rPr lang="de-DE" dirty="0" err="1"/>
-              <a:t>Towards</a:t>
-            </a:r>
-            <a:r>
-              <a:rPr lang="de-DE" dirty="0"/>
-              <a:t> Security-aware Virtual Network Embedding, 2015.</a:t>
-            </a:r>
+          <p:cNvPr id="6" name="Inhaltsplatzhalter 5"/>
+          <p:cNvSpPr>
+            <a:spLocks noGrp="1"/>
+          </p:cNvSpPr>
+          <p:nvPr>
+            <p:ph idx="1"/>
+          </p:nvPr>
+        </p:nvSpPr>
+        <p:spPr/>
+        <p:txBody>
+          <a:bodyPr/>
+          <a:lstStyle/>
+          <a:p>
+            <a:r>
+              <a:rPr lang="de-DE" dirty="0" smtClean="0"/>
+              <a:t>„VNE-relevant“ </a:t>
+            </a:r>
+            <a:r>
+              <a:rPr lang="de-DE" dirty="0" smtClean="0">
+                <a:sym typeface="Wingdings" panose="05000000000000000000" pitchFamily="2" charset="2"/>
+              </a:rPr>
+              <a:t> im VNE-Prozess beeinflussbar</a:t>
+            </a:r>
+            <a:endParaRPr lang="de-DE" dirty="0" smtClean="0"/>
           </a:p>
           <a:p>
             <a:endParaRPr lang="de-DE" dirty="0"/>
           </a:p>
-        </p:txBody>
-      </p:sp>
-      <p:sp>
-        <p:nvSpPr>
-          <p:cNvPr id="7" name="Textfeld 6"/>
-          <p:cNvSpPr txBox="1"/>
-          <p:nvPr/>
-        </p:nvSpPr>
-        <p:spPr>
-          <a:xfrm>
-            <a:off x="5778538" y="692696"/>
-            <a:ext cx="269626" cy="276999"/>
-          </a:xfrm>
-          <a:prstGeom prst="rect">
-            <a:avLst/>
-          </a:prstGeom>
-          <a:noFill/>
-        </p:spPr>
-        <p:txBody>
-          <a:bodyPr wrap="none" rtlCol="0">
-            <a:spAutoFit/>
-          </a:bodyPr>
-          <a:lstStyle/>
-          <a:p>
-            <a:r>
-              <a:rPr lang="de-DE" b="1" dirty="0" smtClean="0"/>
-              <a:t>1</a:t>
-            </a:r>
-            <a:endParaRPr lang="de-DE" b="1" dirty="0"/>
+          <a:p>
+            <a:endParaRPr lang="de-DE" dirty="0" smtClean="0"/>
+          </a:p>
+          <a:p>
+            <a:r>
+              <a:rPr lang="de-DE" dirty="0" smtClean="0"/>
+              <a:t>Neue Verwundbarkeiten v.a. durch Nutzung gemeinsamer Ressourcen</a:t>
+            </a:r>
+          </a:p>
+          <a:p>
+            <a:r>
+              <a:rPr lang="de-DE" dirty="0" smtClean="0"/>
+              <a:t>Isolationsverletzungen</a:t>
+            </a:r>
+          </a:p>
+          <a:p>
+            <a:r>
+              <a:rPr lang="de-DE" dirty="0" smtClean="0"/>
+              <a:t>=&gt; entsprechende Wahl der Abbildung von VMs auf physische Hosts</a:t>
+            </a:r>
+          </a:p>
+          <a:p>
+            <a:endParaRPr lang="de-DE" dirty="0"/>
           </a:p>
         </p:txBody>
       </p:sp>
     </p:spTree>
     <p:extLst>
       <p:ext uri="{BB962C8B-B14F-4D97-AF65-F5344CB8AC3E}">
-        <p14:creationId xmlns:p14="http://schemas.microsoft.com/office/powerpoint/2010/main" val="3408010396"/>
+        <p14:creationId xmlns:p14="http://schemas.microsoft.com/office/powerpoint/2010/main" val="600970465"/>
       </p:ext>
     </p:extLst>
   </p:cSld>
@@ -7445,7 +7450,11 @@
             </a:br>
             <a:r>
               <a:rPr lang="de-DE" sz="1800" b="0" dirty="0"/>
-              <a:t>Sicherheitsvektoren und doppelte Berechnung</a:t>
+              <a:t>Strikte Trennung und </a:t>
+            </a:r>
+            <a:r>
+              <a:rPr lang="de-DE" sz="1800" b="0" dirty="0" err="1" smtClean="0"/>
+              <a:t>Preprocessing</a:t>
             </a:r>
             <a:endParaRPr lang="de-DE" sz="1800" dirty="0"/>
           </a:p>
@@ -7466,7 +7475,7 @@
           <a:bodyPr/>
           <a:lstStyle/>
           <a:p>
-            <a:endParaRPr lang="de-DE"/>
+            <a:endParaRPr lang="de-DE" dirty="0"/>
           </a:p>
         </p:txBody>
       </p:sp>
@@ -7531,7 +7540,7 @@
         <p:spPr>
           <a:xfrm>
             <a:off x="143508" y="6225899"/>
-            <a:ext cx="8944821" cy="276999"/>
+            <a:ext cx="7564763" cy="461665"/>
           </a:xfrm>
           <a:prstGeom prst="rect">
             <a:avLst/>
@@ -7546,40 +7555,50 @@
           <a:p>
             <a:r>
               <a:rPr lang="de-DE" dirty="0" smtClean="0"/>
-              <a:t>[1] </a:t>
-            </a:r>
-            <a:r>
-              <a:rPr lang="en-US" dirty="0"/>
-              <a:t>Yang Wang, </a:t>
-            </a:r>
-            <a:r>
-              <a:rPr lang="en-US" dirty="0" err="1"/>
-              <a:t>Phanvu</a:t>
-            </a:r>
-            <a:r>
-              <a:rPr lang="en-US" dirty="0"/>
-              <a:t> Chau und </a:t>
-            </a:r>
-            <a:r>
-              <a:rPr lang="en-US" dirty="0" err="1"/>
-              <a:t>Fuyu</a:t>
-            </a:r>
-            <a:r>
-              <a:rPr lang="en-US" dirty="0"/>
-              <a:t> Chen. Towards a secured network virtualization. </a:t>
-            </a:r>
-            <a:r>
-              <a:rPr lang="de-DE" i="1" dirty="0"/>
-              <a:t>Computer Networks</a:t>
+              <a:t>[1] Hong </a:t>
+            </a:r>
+            <a:r>
+              <a:rPr lang="de-DE" dirty="0" err="1"/>
+              <a:t>Xu</a:t>
             </a:r>
             <a:r>
               <a:rPr lang="de-DE" dirty="0"/>
-              <a:t>, 104:55–65, 2016</a:t>
-            </a:r>
-            <a:r>
-              <a:rPr lang="de-DE" dirty="0" smtClean="0"/>
-              <a:t>.</a:t>
-            </a:r>
+              <a:t> Ming </a:t>
+            </a:r>
+            <a:r>
+              <a:rPr lang="de-DE" dirty="0" err="1"/>
+              <a:t>Xu</a:t>
+            </a:r>
+            <a:r>
+              <a:rPr lang="de-DE" dirty="0"/>
+              <a:t> </a:t>
+            </a:r>
+            <a:r>
+              <a:rPr lang="de-DE" dirty="0" err="1"/>
+              <a:t>Shuhao</a:t>
+            </a:r>
+            <a:r>
+              <a:rPr lang="de-DE" dirty="0"/>
+              <a:t> Liu, </a:t>
+            </a:r>
+            <a:r>
+              <a:rPr lang="de-DE" dirty="0" err="1"/>
+              <a:t>Zhiping</a:t>
+            </a:r>
+            <a:r>
+              <a:rPr lang="de-DE" dirty="0"/>
+              <a:t> Cai. </a:t>
+            </a:r>
+            <a:r>
+              <a:rPr lang="de-DE" dirty="0" err="1"/>
+              <a:t>Towards</a:t>
+            </a:r>
+            <a:r>
+              <a:rPr lang="de-DE" dirty="0"/>
+              <a:t> Security-aware Virtual Network Embedding, 2015.</a:t>
+            </a:r>
+          </a:p>
+          <a:p>
             <a:endParaRPr lang="de-DE" dirty="0"/>
           </a:p>
         </p:txBody>
@@ -7592,7 +7611,7 @@
         </p:nvSpPr>
         <p:spPr>
           <a:xfrm>
-            <a:off x="3330266" y="692696"/>
+            <a:off x="5778538" y="692696"/>
             <a:ext cx="269626" cy="276999"/>
           </a:xfrm>
           <a:prstGeom prst="rect">
@@ -7617,7 +7636,7 @@
     </p:spTree>
     <p:extLst>
       <p:ext uri="{BB962C8B-B14F-4D97-AF65-F5344CB8AC3E}">
-        <p14:creationId xmlns:p14="http://schemas.microsoft.com/office/powerpoint/2010/main" val="3079377498"/>
+        <p14:creationId xmlns:p14="http://schemas.microsoft.com/office/powerpoint/2010/main" val="3408010396"/>
       </p:ext>
     </p:extLst>
   </p:cSld>
@@ -7669,7 +7688,14 @@
           <a:p>
             <a:r>
               <a:rPr lang="de-DE" dirty="0" smtClean="0"/>
-              <a:t>Empfehlenswerte Literatur</a:t>
+              <a:t>SVNE-Algorithmen:</a:t>
+            </a:r>
+            <a:br>
+              <a:rPr lang="de-DE" dirty="0" smtClean="0"/>
+            </a:br>
+            <a:r>
+              <a:rPr lang="de-DE" sz="1800" b="0" dirty="0"/>
+              <a:t>Sicherheitsvektoren und doppelte Berechnung</a:t>
             </a:r>
             <a:endParaRPr lang="de-DE" sz="1800" dirty="0"/>
           </a:p>
@@ -7690,345 +7716,7 @@
           <a:bodyPr/>
           <a:lstStyle/>
           <a:p>
-            <a:pPr marL="0" indent="0">
-              <a:buNone/>
-            </a:pPr>
-            <a:r>
-              <a:rPr lang="de-DE" sz="1600" b="1" dirty="0" smtClean="0"/>
-              <a:t>Sicherheitsaspekte virtueller Netzinfrastrukturen</a:t>
-            </a:r>
-          </a:p>
-          <a:p>
-            <a:r>
-              <a:rPr lang="de-DE" sz="1600" dirty="0"/>
-              <a:t>Kamal </a:t>
-            </a:r>
-            <a:r>
-              <a:rPr lang="de-DE" sz="1600" dirty="0" err="1"/>
-              <a:t>Dahbur</a:t>
-            </a:r>
-            <a:r>
-              <a:rPr lang="de-DE" sz="1600" dirty="0"/>
-              <a:t>, </a:t>
-            </a:r>
-            <a:r>
-              <a:rPr lang="de-DE" sz="1600" dirty="0" err="1"/>
-              <a:t>Bassil</a:t>
-            </a:r>
-            <a:r>
-              <a:rPr lang="de-DE" sz="1600" dirty="0"/>
-              <a:t> Mohammad und Ahmad Bisher </a:t>
-            </a:r>
-            <a:r>
-              <a:rPr lang="de-DE" sz="1600" dirty="0" err="1"/>
-              <a:t>Tarakji</a:t>
-            </a:r>
-            <a:r>
-              <a:rPr lang="de-DE" sz="1600" dirty="0"/>
-              <a:t>. A </a:t>
-            </a:r>
-            <a:r>
-              <a:rPr lang="de-DE" sz="1600" dirty="0" err="1"/>
-              <a:t>survey</a:t>
-            </a:r>
-            <a:r>
-              <a:rPr lang="de-DE" sz="1600" dirty="0"/>
-              <a:t> </a:t>
-            </a:r>
-            <a:r>
-              <a:rPr lang="de-DE" sz="1600" dirty="0" err="1"/>
-              <a:t>of</a:t>
-            </a:r>
-            <a:r>
-              <a:rPr lang="de-DE" sz="1600" dirty="0"/>
-              <a:t> </a:t>
-            </a:r>
-            <a:r>
-              <a:rPr lang="de-DE" sz="1600" dirty="0" err="1"/>
-              <a:t>risks</a:t>
-            </a:r>
-            <a:r>
-              <a:rPr lang="de-DE" sz="1600" dirty="0"/>
-              <a:t>, </a:t>
-            </a:r>
-            <a:r>
-              <a:rPr lang="en-US" sz="1600" dirty="0"/>
-              <a:t>threats and vulnerabilities in cloud computing. In </a:t>
-            </a:r>
-            <a:r>
-              <a:rPr lang="en-US" sz="1600" i="1" dirty="0"/>
-              <a:t>Proceedings of the 2011 International </a:t>
-            </a:r>
-            <a:r>
-              <a:rPr lang="de-DE" sz="1600" i="1" dirty="0" err="1"/>
-              <a:t>conference</a:t>
-            </a:r>
-            <a:r>
-              <a:rPr lang="de-DE" sz="1600" i="1" dirty="0"/>
-              <a:t> on intelligent </a:t>
-            </a:r>
-            <a:r>
-              <a:rPr lang="de-DE" sz="1600" i="1" dirty="0" err="1"/>
-              <a:t>semantic</a:t>
-            </a:r>
-            <a:r>
-              <a:rPr lang="de-DE" sz="1600" i="1" dirty="0"/>
-              <a:t> Web-services </a:t>
-            </a:r>
-            <a:r>
-              <a:rPr lang="de-DE" sz="1600" i="1" dirty="0" err="1"/>
-              <a:t>and</a:t>
-            </a:r>
-            <a:r>
-              <a:rPr lang="de-DE" sz="1600" i="1" dirty="0"/>
-              <a:t> </a:t>
-            </a:r>
-            <a:r>
-              <a:rPr lang="de-DE" sz="1600" i="1" dirty="0" err="1"/>
-              <a:t>applications</a:t>
-            </a:r>
-            <a:r>
-              <a:rPr lang="de-DE" sz="1600" dirty="0"/>
-              <a:t>, Seite 12. ACM, 2011.</a:t>
-            </a:r>
-          </a:p>
-          <a:p>
-            <a:r>
-              <a:rPr lang="de-DE" sz="1600" dirty="0" smtClean="0"/>
-              <a:t>Andreas </a:t>
-            </a:r>
-            <a:r>
-              <a:rPr lang="de-DE" sz="1600" dirty="0"/>
-              <a:t>Fischer, Juan Felipe Botero, Michael Till Beck, Hermann De Meer und </a:t>
-            </a:r>
-            <a:r>
-              <a:rPr lang="de-DE" sz="1600" dirty="0" smtClean="0"/>
-              <a:t>Xavier Hesselbach</a:t>
-            </a:r>
-            <a:r>
-              <a:rPr lang="de-DE" sz="1600" dirty="0"/>
-              <a:t>. Virtual </a:t>
-            </a:r>
-            <a:r>
-              <a:rPr lang="de-DE" sz="1600" dirty="0" err="1"/>
-              <a:t>network</a:t>
-            </a:r>
-            <a:r>
-              <a:rPr lang="de-DE" sz="1600" dirty="0"/>
-              <a:t> </a:t>
-            </a:r>
-            <a:r>
-              <a:rPr lang="de-DE" sz="1600" dirty="0" err="1"/>
-              <a:t>embedding</a:t>
-            </a:r>
-            <a:r>
-              <a:rPr lang="de-DE" sz="1600" dirty="0"/>
-              <a:t>: A </a:t>
-            </a:r>
-            <a:r>
-              <a:rPr lang="de-DE" sz="1600" dirty="0" err="1"/>
-              <a:t>survey</a:t>
-            </a:r>
-            <a:r>
-              <a:rPr lang="de-DE" sz="1600" dirty="0"/>
-              <a:t>. </a:t>
-            </a:r>
-            <a:r>
-              <a:rPr lang="de-DE" sz="1600" i="1" dirty="0"/>
-              <a:t>IEEE Communications Surveys </a:t>
-            </a:r>
-            <a:r>
-              <a:rPr lang="de-DE" sz="1600" i="1" dirty="0" smtClean="0"/>
-              <a:t>&amp; Tutorials</a:t>
-            </a:r>
-            <a:r>
-              <a:rPr lang="de-DE" sz="1600" dirty="0"/>
-              <a:t>, 15(4):1888–1906, 2013</a:t>
-            </a:r>
-            <a:r>
-              <a:rPr lang="de-DE" sz="1600" dirty="0" smtClean="0"/>
-              <a:t>.</a:t>
-            </a:r>
-            <a:endParaRPr lang="de-DE" sz="1600" dirty="0"/>
-          </a:p>
-          <a:p>
-            <a:r>
-              <a:rPr lang="de-DE" sz="1600" dirty="0" err="1" smtClean="0"/>
-              <a:t>Shuiqing</a:t>
-            </a:r>
-            <a:r>
-              <a:rPr lang="de-DE" sz="1600" dirty="0" smtClean="0"/>
-              <a:t> </a:t>
-            </a:r>
-            <a:r>
-              <a:rPr lang="de-DE" sz="1600" dirty="0"/>
-              <a:t>Gong, </a:t>
-            </a:r>
-            <a:r>
-              <a:rPr lang="de-DE" sz="1600" dirty="0" err="1"/>
-              <a:t>Jing</a:t>
-            </a:r>
-            <a:r>
-              <a:rPr lang="de-DE" sz="1600" dirty="0"/>
-              <a:t> Chen, </a:t>
-            </a:r>
-            <a:r>
-              <a:rPr lang="de-DE" sz="1600" dirty="0" err="1"/>
-              <a:t>Conghui</a:t>
-            </a:r>
-            <a:r>
-              <a:rPr lang="de-DE" sz="1600" dirty="0"/>
-              <a:t> Huang, </a:t>
-            </a:r>
-            <a:r>
-              <a:rPr lang="de-DE" sz="1600" dirty="0" err="1"/>
-              <a:t>Qingchao</a:t>
-            </a:r>
-            <a:r>
-              <a:rPr lang="de-DE" sz="1600" dirty="0"/>
-              <a:t> Zhu und </a:t>
-            </a:r>
-            <a:r>
-              <a:rPr lang="de-DE" sz="1600" dirty="0" err="1"/>
-              <a:t>Siyi</a:t>
-            </a:r>
-            <a:r>
-              <a:rPr lang="de-DE" sz="1600" dirty="0"/>
-              <a:t> Zhao. Virtual </a:t>
-            </a:r>
-            <a:r>
-              <a:rPr lang="en-US" sz="1600" dirty="0"/>
-              <a:t>Network Embedding through Security Risk Awareness and Optimization. </a:t>
-            </a:r>
-            <a:r>
-              <a:rPr lang="en-US" sz="1600" i="1" dirty="0"/>
-              <a:t>KSII Transactions </a:t>
-            </a:r>
-            <a:r>
-              <a:rPr lang="de-DE" sz="1600" i="1" dirty="0"/>
-              <a:t>on Internet &amp; Information Systems</a:t>
-            </a:r>
-            <a:r>
-              <a:rPr lang="de-DE" sz="1600" dirty="0"/>
-              <a:t>, 10(7), 2016.</a:t>
-            </a:r>
-            <a:endParaRPr lang="de-DE" sz="1600" dirty="0" smtClean="0"/>
-          </a:p>
-          <a:p>
-            <a:endParaRPr lang="de-DE" sz="1600" dirty="0" smtClean="0"/>
-          </a:p>
-          <a:p>
-            <a:pPr marL="0" indent="0">
-              <a:buNone/>
-            </a:pPr>
-            <a:r>
-              <a:rPr lang="de-DE" sz="1600" b="1" dirty="0" smtClean="0"/>
-              <a:t>Untersuchte Algorithmen</a:t>
-            </a:r>
-          </a:p>
-          <a:p>
-            <a:r>
-              <a:rPr lang="de-DE" sz="1600" dirty="0" smtClean="0"/>
-              <a:t>Hong </a:t>
-            </a:r>
-            <a:r>
-              <a:rPr lang="de-DE" sz="1600" dirty="0" err="1"/>
-              <a:t>Xu</a:t>
-            </a:r>
-            <a:r>
-              <a:rPr lang="de-DE" sz="1600" dirty="0"/>
-              <a:t> Ming </a:t>
-            </a:r>
-            <a:r>
-              <a:rPr lang="de-DE" sz="1600" dirty="0" err="1"/>
-              <a:t>Xu</a:t>
-            </a:r>
-            <a:r>
-              <a:rPr lang="de-DE" sz="1600" dirty="0"/>
-              <a:t> </a:t>
-            </a:r>
-            <a:r>
-              <a:rPr lang="de-DE" sz="1600" dirty="0" err="1"/>
-              <a:t>Shuhao</a:t>
-            </a:r>
-            <a:r>
-              <a:rPr lang="de-DE" sz="1600" dirty="0"/>
-              <a:t> Liu, </a:t>
-            </a:r>
-            <a:r>
-              <a:rPr lang="de-DE" sz="1600" dirty="0" err="1"/>
-              <a:t>Zhiping</a:t>
-            </a:r>
-            <a:r>
-              <a:rPr lang="de-DE" sz="1600" dirty="0"/>
-              <a:t> Cai. </a:t>
-            </a:r>
-            <a:r>
-              <a:rPr lang="de-DE" sz="1600" dirty="0" err="1"/>
-              <a:t>Towards</a:t>
-            </a:r>
-            <a:r>
-              <a:rPr lang="de-DE" sz="1600" dirty="0"/>
-              <a:t> Security-aware Virtual </a:t>
-            </a:r>
-            <a:r>
-              <a:rPr lang="de-DE" sz="1600" dirty="0" smtClean="0"/>
-              <a:t>Network Embedding</a:t>
-            </a:r>
-            <a:r>
-              <a:rPr lang="de-DE" sz="1600" dirty="0"/>
-              <a:t>, 2015</a:t>
-            </a:r>
-            <a:r>
-              <a:rPr lang="de-DE" sz="1600" dirty="0" smtClean="0"/>
-              <a:t>.</a:t>
-            </a:r>
-          </a:p>
-          <a:p>
-            <a:r>
-              <a:rPr lang="en-US" sz="1600" dirty="0" smtClean="0"/>
-              <a:t>Yang </a:t>
-            </a:r>
-            <a:r>
-              <a:rPr lang="en-US" sz="1600" dirty="0"/>
-              <a:t>Wang, </a:t>
-            </a:r>
-            <a:r>
-              <a:rPr lang="en-US" sz="1600" dirty="0" err="1"/>
-              <a:t>Phanvu</a:t>
-            </a:r>
-            <a:r>
-              <a:rPr lang="en-US" sz="1600" dirty="0"/>
-              <a:t> Chau und </a:t>
-            </a:r>
-            <a:r>
-              <a:rPr lang="en-US" sz="1600" dirty="0" err="1"/>
-              <a:t>Fuyu</a:t>
-            </a:r>
-            <a:r>
-              <a:rPr lang="en-US" sz="1600" dirty="0"/>
-              <a:t> Chen. Towards a secured network </a:t>
-            </a:r>
-            <a:r>
-              <a:rPr lang="en-US" sz="1600" dirty="0" smtClean="0"/>
-              <a:t>virtualization. </a:t>
-            </a:r>
-            <a:r>
-              <a:rPr lang="de-DE" sz="1600" i="1" dirty="0" smtClean="0"/>
-              <a:t>Computer </a:t>
-            </a:r>
-            <a:r>
-              <a:rPr lang="de-DE" sz="1600" i="1" dirty="0"/>
-              <a:t>Networks</a:t>
-            </a:r>
-            <a:r>
-              <a:rPr lang="de-DE" sz="1600" dirty="0"/>
-              <a:t>, 104:55–65, 2016.</a:t>
-            </a:r>
-            <a:endParaRPr lang="de-DE" sz="1600" dirty="0" smtClean="0"/>
-          </a:p>
-          <a:p>
-            <a:endParaRPr lang="de-DE" sz="1600" dirty="0"/>
+            <a:endParaRPr lang="de-DE"/>
           </a:p>
         </p:txBody>
       </p:sp>
@@ -8084,10 +7772,102 @@
           </a:p>
         </p:txBody>
       </p:sp>
+      <p:sp>
+        <p:nvSpPr>
+          <p:cNvPr id="6" name="Textfeld 5"/>
+          <p:cNvSpPr txBox="1"/>
+          <p:nvPr/>
+        </p:nvSpPr>
+        <p:spPr>
+          <a:xfrm>
+            <a:off x="143508" y="6225899"/>
+            <a:ext cx="8944821" cy="276999"/>
+          </a:xfrm>
+          <a:prstGeom prst="rect">
+            <a:avLst/>
+          </a:prstGeom>
+          <a:noFill/>
+        </p:spPr>
+        <p:txBody>
+          <a:bodyPr wrap="none" rtlCol="0">
+            <a:spAutoFit/>
+          </a:bodyPr>
+          <a:lstStyle/>
+          <a:p>
+            <a:r>
+              <a:rPr lang="de-DE" dirty="0" smtClean="0"/>
+              <a:t>[1] </a:t>
+            </a:r>
+            <a:r>
+              <a:rPr lang="en-US" dirty="0"/>
+              <a:t>Yang Wang, </a:t>
+            </a:r>
+            <a:r>
+              <a:rPr lang="en-US" dirty="0" err="1"/>
+              <a:t>Phanvu</a:t>
+            </a:r>
+            <a:r>
+              <a:rPr lang="en-US" dirty="0"/>
+              <a:t> Chau und </a:t>
+            </a:r>
+            <a:r>
+              <a:rPr lang="en-US" dirty="0" err="1"/>
+              <a:t>Fuyu</a:t>
+            </a:r>
+            <a:r>
+              <a:rPr lang="en-US" dirty="0"/>
+              <a:t> Chen. Towards a secured network virtualization. </a:t>
+            </a:r>
+            <a:r>
+              <a:rPr lang="de-DE" i="1" dirty="0"/>
+              <a:t>Computer Networks</a:t>
+            </a:r>
+            <a:r>
+              <a:rPr lang="de-DE" dirty="0"/>
+              <a:t>, 104:55–65, 2016</a:t>
+            </a:r>
+            <a:r>
+              <a:rPr lang="de-DE" dirty="0" smtClean="0"/>
+              <a:t>.</a:t>
+            </a:r>
+            <a:endParaRPr lang="de-DE" dirty="0"/>
+          </a:p>
+        </p:txBody>
+      </p:sp>
+      <p:sp>
+        <p:nvSpPr>
+          <p:cNvPr id="7" name="Textfeld 6"/>
+          <p:cNvSpPr txBox="1"/>
+          <p:nvPr/>
+        </p:nvSpPr>
+        <p:spPr>
+          <a:xfrm>
+            <a:off x="3330266" y="692696"/>
+            <a:ext cx="269626" cy="276999"/>
+          </a:xfrm>
+          <a:prstGeom prst="rect">
+            <a:avLst/>
+          </a:prstGeom>
+          <a:noFill/>
+        </p:spPr>
+        <p:txBody>
+          <a:bodyPr wrap="none" rtlCol="0">
+            <a:spAutoFit/>
+          </a:bodyPr>
+          <a:lstStyle/>
+          <a:p>
+            <a:r>
+              <a:rPr lang="de-DE" b="1" dirty="0" smtClean="0"/>
+              <a:t>1</a:t>
+            </a:r>
+            <a:endParaRPr lang="de-DE" b="1" dirty="0"/>
+          </a:p>
+        </p:txBody>
+      </p:sp>
     </p:spTree>
     <p:extLst>
       <p:ext uri="{BB962C8B-B14F-4D97-AF65-F5344CB8AC3E}">
-        <p14:creationId xmlns:p14="http://schemas.microsoft.com/office/powerpoint/2010/main" val="2073930859"/>
+        <p14:creationId xmlns:p14="http://schemas.microsoft.com/office/powerpoint/2010/main" val="3079377498"/>
       </p:ext>
     </p:extLst>
   </p:cSld>
@@ -8139,7 +7919,7 @@
           <a:p>
             <a:r>
               <a:rPr lang="de-DE" dirty="0" smtClean="0"/>
-              <a:t>Diskussion</a:t>
+              <a:t>Empfehlenswerte Literatur</a:t>
             </a:r>
             <a:endParaRPr lang="de-DE" sz="1800" dirty="0"/>
           </a:p>
@@ -8160,7 +7940,345 @@
           <a:bodyPr/>
           <a:lstStyle/>
           <a:p>
-            <a:endParaRPr lang="de-DE" dirty="0"/>
+            <a:pPr marL="0" indent="0">
+              <a:buNone/>
+            </a:pPr>
+            <a:r>
+              <a:rPr lang="de-DE" sz="1600" b="1" dirty="0" smtClean="0"/>
+              <a:t>Sicherheitsaspekte virtueller Netzinfrastrukturen</a:t>
+            </a:r>
+          </a:p>
+          <a:p>
+            <a:r>
+              <a:rPr lang="de-DE" sz="1600" dirty="0"/>
+              <a:t>Kamal </a:t>
+            </a:r>
+            <a:r>
+              <a:rPr lang="de-DE" sz="1600" dirty="0" err="1"/>
+              <a:t>Dahbur</a:t>
+            </a:r>
+            <a:r>
+              <a:rPr lang="de-DE" sz="1600" dirty="0"/>
+              <a:t>, </a:t>
+            </a:r>
+            <a:r>
+              <a:rPr lang="de-DE" sz="1600" dirty="0" err="1"/>
+              <a:t>Bassil</a:t>
+            </a:r>
+            <a:r>
+              <a:rPr lang="de-DE" sz="1600" dirty="0"/>
+              <a:t> Mohammad und Ahmad Bisher </a:t>
+            </a:r>
+            <a:r>
+              <a:rPr lang="de-DE" sz="1600" dirty="0" err="1"/>
+              <a:t>Tarakji</a:t>
+            </a:r>
+            <a:r>
+              <a:rPr lang="de-DE" sz="1600" dirty="0"/>
+              <a:t>. A </a:t>
+            </a:r>
+            <a:r>
+              <a:rPr lang="de-DE" sz="1600" dirty="0" err="1"/>
+              <a:t>survey</a:t>
+            </a:r>
+            <a:r>
+              <a:rPr lang="de-DE" sz="1600" dirty="0"/>
+              <a:t> </a:t>
+            </a:r>
+            <a:r>
+              <a:rPr lang="de-DE" sz="1600" dirty="0" err="1"/>
+              <a:t>of</a:t>
+            </a:r>
+            <a:r>
+              <a:rPr lang="de-DE" sz="1600" dirty="0"/>
+              <a:t> </a:t>
+            </a:r>
+            <a:r>
+              <a:rPr lang="de-DE" sz="1600" dirty="0" err="1"/>
+              <a:t>risks</a:t>
+            </a:r>
+            <a:r>
+              <a:rPr lang="de-DE" sz="1600" dirty="0"/>
+              <a:t>, </a:t>
+            </a:r>
+            <a:r>
+              <a:rPr lang="en-US" sz="1600" dirty="0"/>
+              <a:t>threats and vulnerabilities in cloud computing. In </a:t>
+            </a:r>
+            <a:r>
+              <a:rPr lang="en-US" sz="1600" i="1" dirty="0"/>
+              <a:t>Proceedings of the 2011 International </a:t>
+            </a:r>
+            <a:r>
+              <a:rPr lang="de-DE" sz="1600" i="1" dirty="0" err="1"/>
+              <a:t>conference</a:t>
+            </a:r>
+            <a:r>
+              <a:rPr lang="de-DE" sz="1600" i="1" dirty="0"/>
+              <a:t> on intelligent </a:t>
+            </a:r>
+            <a:r>
+              <a:rPr lang="de-DE" sz="1600" i="1" dirty="0" err="1"/>
+              <a:t>semantic</a:t>
+            </a:r>
+            <a:r>
+              <a:rPr lang="de-DE" sz="1600" i="1" dirty="0"/>
+              <a:t> Web-services </a:t>
+            </a:r>
+            <a:r>
+              <a:rPr lang="de-DE" sz="1600" i="1" dirty="0" err="1"/>
+              <a:t>and</a:t>
+            </a:r>
+            <a:r>
+              <a:rPr lang="de-DE" sz="1600" i="1" dirty="0"/>
+              <a:t> </a:t>
+            </a:r>
+            <a:r>
+              <a:rPr lang="de-DE" sz="1600" i="1" dirty="0" err="1"/>
+              <a:t>applications</a:t>
+            </a:r>
+            <a:r>
+              <a:rPr lang="de-DE" sz="1600" dirty="0"/>
+              <a:t>, Seite 12. ACM, 2011.</a:t>
+            </a:r>
+          </a:p>
+          <a:p>
+            <a:r>
+              <a:rPr lang="de-DE" sz="1600" dirty="0" smtClean="0"/>
+              <a:t>Andreas </a:t>
+            </a:r>
+            <a:r>
+              <a:rPr lang="de-DE" sz="1600" dirty="0"/>
+              <a:t>Fischer, Juan Felipe Botero, Michael Till Beck, Hermann De Meer und </a:t>
+            </a:r>
+            <a:r>
+              <a:rPr lang="de-DE" sz="1600" dirty="0" smtClean="0"/>
+              <a:t>Xavier Hesselbach</a:t>
+            </a:r>
+            <a:r>
+              <a:rPr lang="de-DE" sz="1600" dirty="0"/>
+              <a:t>. Virtual </a:t>
+            </a:r>
+            <a:r>
+              <a:rPr lang="de-DE" sz="1600" dirty="0" err="1"/>
+              <a:t>network</a:t>
+            </a:r>
+            <a:r>
+              <a:rPr lang="de-DE" sz="1600" dirty="0"/>
+              <a:t> </a:t>
+            </a:r>
+            <a:r>
+              <a:rPr lang="de-DE" sz="1600" dirty="0" err="1"/>
+              <a:t>embedding</a:t>
+            </a:r>
+            <a:r>
+              <a:rPr lang="de-DE" sz="1600" dirty="0"/>
+              <a:t>: A </a:t>
+            </a:r>
+            <a:r>
+              <a:rPr lang="de-DE" sz="1600" dirty="0" err="1"/>
+              <a:t>survey</a:t>
+            </a:r>
+            <a:r>
+              <a:rPr lang="de-DE" sz="1600" dirty="0"/>
+              <a:t>. </a:t>
+            </a:r>
+            <a:r>
+              <a:rPr lang="de-DE" sz="1600" i="1" dirty="0"/>
+              <a:t>IEEE Communications Surveys </a:t>
+            </a:r>
+            <a:r>
+              <a:rPr lang="de-DE" sz="1600" i="1" dirty="0" smtClean="0"/>
+              <a:t>&amp; Tutorials</a:t>
+            </a:r>
+            <a:r>
+              <a:rPr lang="de-DE" sz="1600" dirty="0"/>
+              <a:t>, 15(4):1888–1906, 2013</a:t>
+            </a:r>
+            <a:r>
+              <a:rPr lang="de-DE" sz="1600" dirty="0" smtClean="0"/>
+              <a:t>.</a:t>
+            </a:r>
+            <a:endParaRPr lang="de-DE" sz="1600" dirty="0"/>
+          </a:p>
+          <a:p>
+            <a:r>
+              <a:rPr lang="de-DE" sz="1600" dirty="0" err="1" smtClean="0"/>
+              <a:t>Shuiqing</a:t>
+            </a:r>
+            <a:r>
+              <a:rPr lang="de-DE" sz="1600" dirty="0" smtClean="0"/>
+              <a:t> </a:t>
+            </a:r>
+            <a:r>
+              <a:rPr lang="de-DE" sz="1600" dirty="0"/>
+              <a:t>Gong, </a:t>
+            </a:r>
+            <a:r>
+              <a:rPr lang="de-DE" sz="1600" dirty="0" err="1"/>
+              <a:t>Jing</a:t>
+            </a:r>
+            <a:r>
+              <a:rPr lang="de-DE" sz="1600" dirty="0"/>
+              <a:t> Chen, </a:t>
+            </a:r>
+            <a:r>
+              <a:rPr lang="de-DE" sz="1600" dirty="0" err="1"/>
+              <a:t>Conghui</a:t>
+            </a:r>
+            <a:r>
+              <a:rPr lang="de-DE" sz="1600" dirty="0"/>
+              <a:t> Huang, </a:t>
+            </a:r>
+            <a:r>
+              <a:rPr lang="de-DE" sz="1600" dirty="0" err="1"/>
+              <a:t>Qingchao</a:t>
+            </a:r>
+            <a:r>
+              <a:rPr lang="de-DE" sz="1600" dirty="0"/>
+              <a:t> Zhu und </a:t>
+            </a:r>
+            <a:r>
+              <a:rPr lang="de-DE" sz="1600" dirty="0" err="1"/>
+              <a:t>Siyi</a:t>
+            </a:r>
+            <a:r>
+              <a:rPr lang="de-DE" sz="1600" dirty="0"/>
+              <a:t> Zhao. Virtual </a:t>
+            </a:r>
+            <a:r>
+              <a:rPr lang="en-US" sz="1600" dirty="0"/>
+              <a:t>Network Embedding through Security Risk Awareness and Optimization. </a:t>
+            </a:r>
+            <a:r>
+              <a:rPr lang="en-US" sz="1600" i="1" dirty="0"/>
+              <a:t>KSII Transactions </a:t>
+            </a:r>
+            <a:r>
+              <a:rPr lang="de-DE" sz="1600" i="1" dirty="0"/>
+              <a:t>on Internet &amp; Information Systems</a:t>
+            </a:r>
+            <a:r>
+              <a:rPr lang="de-DE" sz="1600" dirty="0"/>
+              <a:t>, 10(7), 2016.</a:t>
+            </a:r>
+            <a:endParaRPr lang="de-DE" sz="1600" dirty="0" smtClean="0"/>
+          </a:p>
+          <a:p>
+            <a:endParaRPr lang="de-DE" sz="1600" dirty="0" smtClean="0"/>
+          </a:p>
+          <a:p>
+            <a:pPr marL="0" indent="0">
+              <a:buNone/>
+            </a:pPr>
+            <a:r>
+              <a:rPr lang="de-DE" sz="1600" b="1" dirty="0" smtClean="0"/>
+              <a:t>Untersuchte Algorithmen</a:t>
+            </a:r>
+          </a:p>
+          <a:p>
+            <a:r>
+              <a:rPr lang="de-DE" sz="1600" dirty="0" smtClean="0"/>
+              <a:t>Hong </a:t>
+            </a:r>
+            <a:r>
+              <a:rPr lang="de-DE" sz="1600" dirty="0" err="1"/>
+              <a:t>Xu</a:t>
+            </a:r>
+            <a:r>
+              <a:rPr lang="de-DE" sz="1600" dirty="0"/>
+              <a:t> Ming </a:t>
+            </a:r>
+            <a:r>
+              <a:rPr lang="de-DE" sz="1600" dirty="0" err="1"/>
+              <a:t>Xu</a:t>
+            </a:r>
+            <a:r>
+              <a:rPr lang="de-DE" sz="1600" dirty="0"/>
+              <a:t> </a:t>
+            </a:r>
+            <a:r>
+              <a:rPr lang="de-DE" sz="1600" dirty="0" err="1"/>
+              <a:t>Shuhao</a:t>
+            </a:r>
+            <a:r>
+              <a:rPr lang="de-DE" sz="1600" dirty="0"/>
+              <a:t> Liu, </a:t>
+            </a:r>
+            <a:r>
+              <a:rPr lang="de-DE" sz="1600" dirty="0" err="1"/>
+              <a:t>Zhiping</a:t>
+            </a:r>
+            <a:r>
+              <a:rPr lang="de-DE" sz="1600" dirty="0"/>
+              <a:t> Cai. </a:t>
+            </a:r>
+            <a:r>
+              <a:rPr lang="de-DE" sz="1600" dirty="0" err="1"/>
+              <a:t>Towards</a:t>
+            </a:r>
+            <a:r>
+              <a:rPr lang="de-DE" sz="1600" dirty="0"/>
+              <a:t> Security-aware Virtual </a:t>
+            </a:r>
+            <a:r>
+              <a:rPr lang="de-DE" sz="1600" dirty="0" smtClean="0"/>
+              <a:t>Network Embedding</a:t>
+            </a:r>
+            <a:r>
+              <a:rPr lang="de-DE" sz="1600" dirty="0"/>
+              <a:t>, 2015</a:t>
+            </a:r>
+            <a:r>
+              <a:rPr lang="de-DE" sz="1600" dirty="0" smtClean="0"/>
+              <a:t>.</a:t>
+            </a:r>
+          </a:p>
+          <a:p>
+            <a:r>
+              <a:rPr lang="en-US" sz="1600" dirty="0" smtClean="0"/>
+              <a:t>Yang </a:t>
+            </a:r>
+            <a:r>
+              <a:rPr lang="en-US" sz="1600" dirty="0"/>
+              <a:t>Wang, </a:t>
+            </a:r>
+            <a:r>
+              <a:rPr lang="en-US" sz="1600" dirty="0" err="1"/>
+              <a:t>Phanvu</a:t>
+            </a:r>
+            <a:r>
+              <a:rPr lang="en-US" sz="1600" dirty="0"/>
+              <a:t> Chau und </a:t>
+            </a:r>
+            <a:r>
+              <a:rPr lang="en-US" sz="1600" dirty="0" err="1"/>
+              <a:t>Fuyu</a:t>
+            </a:r>
+            <a:r>
+              <a:rPr lang="en-US" sz="1600" dirty="0"/>
+              <a:t> Chen. Towards a secured network </a:t>
+            </a:r>
+            <a:r>
+              <a:rPr lang="en-US" sz="1600" dirty="0" smtClean="0"/>
+              <a:t>virtualization. </a:t>
+            </a:r>
+            <a:r>
+              <a:rPr lang="de-DE" sz="1600" i="1" dirty="0" smtClean="0"/>
+              <a:t>Computer </a:t>
+            </a:r>
+            <a:r>
+              <a:rPr lang="de-DE" sz="1600" i="1" dirty="0"/>
+              <a:t>Networks</a:t>
+            </a:r>
+            <a:r>
+              <a:rPr lang="de-DE" sz="1600" dirty="0"/>
+              <a:t>, 104:55–65, 2016.</a:t>
+            </a:r>
+            <a:endParaRPr lang="de-DE" sz="1600" dirty="0" smtClean="0"/>
+          </a:p>
+          <a:p>
+            <a:endParaRPr lang="de-DE" sz="1600" dirty="0"/>
           </a:p>
         </p:txBody>
       </p:sp>
@@ -8188,6 +8306,138 @@
                 <a:defRPr/>
               </a:pPr>
               <a:t>17</a:t>
+            </a:fld>
+            <a:endParaRPr lang="de-DE" dirty="0"/>
+          </a:p>
+        </p:txBody>
+      </p:sp>
+      <p:sp>
+        <p:nvSpPr>
+          <p:cNvPr id="5" name="Fußzeilenplatzhalter 4"/>
+          <p:cNvSpPr>
+            <a:spLocks noGrp="1"/>
+          </p:cNvSpPr>
+          <p:nvPr>
+            <p:ph type="ftr" sz="quarter" idx="3"/>
+          </p:nvPr>
+        </p:nvSpPr>
+        <p:spPr/>
+        <p:txBody>
+          <a:bodyPr/>
+          <a:lstStyle/>
+          <a:p>
+            <a:r>
+              <a:rPr lang="de-DE" smtClean="0"/>
+              <a:t>Sicherheitsaspekte beim Deployment virtueller Netzinfrastrukturen</a:t>
+            </a:r>
+            <a:endParaRPr lang="de-DE" dirty="0"/>
+          </a:p>
+        </p:txBody>
+      </p:sp>
+    </p:spTree>
+    <p:extLst>
+      <p:ext uri="{BB962C8B-B14F-4D97-AF65-F5344CB8AC3E}">
+        <p14:creationId xmlns:p14="http://schemas.microsoft.com/office/powerpoint/2010/main" val="2073930859"/>
+      </p:ext>
+    </p:extLst>
+  </p:cSld>
+  <p:clrMapOvr>
+    <a:masterClrMapping/>
+  </p:clrMapOvr>
+  <p:transition spd="med"/>
+  <p:timing>
+    <p:tnLst>
+      <p:par>
+        <p:cTn id="1" dur="indefinite" restart="never" nodeType="tmRoot"/>
+      </p:par>
+    </p:tnLst>
+  </p:timing>
+</p:sld>
+</file>
+
+<file path=ppt/slides/slide18.xml><?xml version="1.0" encoding="utf-8"?>
+<p:sld xmlns:a="http://schemas.openxmlformats.org/drawingml/2006/main" xmlns:r="http://schemas.openxmlformats.org/officeDocument/2006/relationships" xmlns:p="http://schemas.openxmlformats.org/presentationml/2006/main">
+  <p:cSld>
+    <p:spTree>
+      <p:nvGrpSpPr>
+        <p:cNvPr id="1" name=""/>
+        <p:cNvGrpSpPr/>
+        <p:nvPr/>
+      </p:nvGrpSpPr>
+      <p:grpSpPr>
+        <a:xfrm>
+          <a:off x="0" y="0"/>
+          <a:ext cx="0" cy="0"/>
+          <a:chOff x="0" y="0"/>
+          <a:chExt cx="0" cy="0"/>
+        </a:xfrm>
+      </p:grpSpPr>
+      <p:sp>
+        <p:nvSpPr>
+          <p:cNvPr id="2" name="Titel 1"/>
+          <p:cNvSpPr>
+            <a:spLocks noGrp="1"/>
+          </p:cNvSpPr>
+          <p:nvPr>
+            <p:ph type="title"/>
+          </p:nvPr>
+        </p:nvSpPr>
+        <p:spPr/>
+        <p:txBody>
+          <a:bodyPr/>
+          <a:lstStyle/>
+          <a:p>
+            <a:r>
+              <a:rPr lang="de-DE" dirty="0" smtClean="0"/>
+              <a:t>Diskussion</a:t>
+            </a:r>
+            <a:endParaRPr lang="de-DE" sz="1800" dirty="0"/>
+          </a:p>
+        </p:txBody>
+      </p:sp>
+      <p:sp>
+        <p:nvSpPr>
+          <p:cNvPr id="3" name="Inhaltsplatzhalter 2"/>
+          <p:cNvSpPr>
+            <a:spLocks noGrp="1"/>
+          </p:cNvSpPr>
+          <p:nvPr>
+            <p:ph idx="1"/>
+          </p:nvPr>
+        </p:nvSpPr>
+        <p:spPr/>
+        <p:txBody>
+          <a:bodyPr/>
+          <a:lstStyle/>
+          <a:p>
+            <a:endParaRPr lang="de-DE" dirty="0"/>
+          </a:p>
+        </p:txBody>
+      </p:sp>
+      <p:sp>
+        <p:nvSpPr>
+          <p:cNvPr id="4" name="Foliennummernplatzhalter 3"/>
+          <p:cNvSpPr>
+            <a:spLocks noGrp="1"/>
+          </p:cNvSpPr>
+          <p:nvPr>
+            <p:ph type="sldNum" sz="quarter" idx="4"/>
+          </p:nvPr>
+        </p:nvSpPr>
+        <p:spPr/>
+        <p:txBody>
+          <a:bodyPr/>
+          <a:lstStyle/>
+          <a:p>
+            <a:pPr>
+              <a:defRPr/>
+            </a:pPr>
+            <a:fld id="{70BFFA52-4234-45F6-B1A6-074E24FF43A2}" type="slidenum">
+              <a:rPr lang="de-DE" smtClean="0"/>
+              <a:pPr>
+                <a:defRPr/>
+              </a:pPr>
+              <a:t>18</a:t>
             </a:fld>
             <a:endParaRPr lang="de-DE" dirty="0"/>
           </a:p>

--- a/Referat/PowerPoint/TimvS_SVNE.pptx
+++ b/Referat/PowerPoint/TimvS_SVNE.pptx
@@ -6286,7 +6286,6 @@
               <a:rPr lang="de-DE" dirty="0" smtClean="0"/>
               <a:t>etc.</a:t>
             </a:r>
-            <a:endParaRPr lang="de-DE" dirty="0" smtClean="0"/>
           </a:p>
           <a:p>
             <a:endParaRPr lang="de-DE" dirty="0"/>
@@ -6793,7 +6792,6 @@
               <a:rPr lang="de-DE" dirty="0"/>
               <a:t>, 2008.</a:t>
             </a:r>
-            <a:endParaRPr lang="de-DE" dirty="0"/>
           </a:p>
         </p:txBody>
       </p:sp>
@@ -8722,6 +8720,78 @@
           <a:bodyPr/>
           <a:lstStyle/>
           <a:p>
+            <a:r>
+              <a:rPr lang="de-DE" dirty="0" smtClean="0"/>
+              <a:t>Anforderungen an Netzstrukturen ändern sich häufig</a:t>
+            </a:r>
+          </a:p>
+          <a:p>
+            <a:endParaRPr lang="de-DE" dirty="0" smtClean="0"/>
+          </a:p>
+          <a:p>
+            <a:r>
+              <a:rPr lang="de-DE" dirty="0" err="1" smtClean="0"/>
+              <a:t>Netzvirtualisierung</a:t>
+            </a:r>
+            <a:r>
+              <a:rPr lang="de-DE" dirty="0" smtClean="0"/>
+              <a:t> bietet Möglichkeit zur Abstraktion von der eingesetzten Hardware </a:t>
+            </a:r>
+            <a:r>
+              <a:rPr lang="de-DE" dirty="0" smtClean="0">
+                <a:sym typeface="Wingdings" panose="05000000000000000000" pitchFamily="2" charset="2"/>
+              </a:rPr>
+              <a:t> Aufbau logischer Netze</a:t>
+            </a:r>
+          </a:p>
+          <a:p>
+            <a:endParaRPr lang="de-DE" dirty="0" smtClean="0">
+              <a:sym typeface="Wingdings" panose="05000000000000000000" pitchFamily="2" charset="2"/>
+            </a:endParaRPr>
+          </a:p>
+          <a:p>
+            <a:r>
+              <a:rPr lang="de-DE" dirty="0" smtClean="0">
+                <a:sym typeface="Wingdings" panose="05000000000000000000" pitchFamily="2" charset="2"/>
+              </a:rPr>
+              <a:t>Virtual Network Embedding (VNE) bislang nur hinsichtlich Performance optimiert</a:t>
+            </a:r>
+          </a:p>
+          <a:p>
+            <a:endParaRPr lang="de-DE" dirty="0" smtClean="0">
+              <a:sym typeface="Wingdings" panose="05000000000000000000" pitchFamily="2" charset="2"/>
+            </a:endParaRPr>
+          </a:p>
+          <a:p>
+            <a:r>
+              <a:rPr lang="de-DE" dirty="0" smtClean="0">
+                <a:sym typeface="Wingdings" panose="05000000000000000000" pitchFamily="2" charset="2"/>
+              </a:rPr>
+              <a:t>Sicherheitsaspekte meist außer Acht gelassen</a:t>
+            </a:r>
+            <a:br>
+              <a:rPr lang="de-DE" dirty="0" smtClean="0">
+                <a:sym typeface="Wingdings" panose="05000000000000000000" pitchFamily="2" charset="2"/>
+              </a:rPr>
+            </a:br>
+            <a:r>
+              <a:rPr lang="de-DE" dirty="0" smtClean="0">
+                <a:sym typeface="Wingdings" panose="05000000000000000000" pitchFamily="2" charset="2"/>
+              </a:rPr>
+              <a:t>=&gt; Integration solcher in den VNE-Prozess (</a:t>
+            </a:r>
+            <a:r>
+              <a:rPr lang="de-DE" dirty="0" err="1" smtClean="0">
+                <a:sym typeface="Wingdings" panose="05000000000000000000" pitchFamily="2" charset="2"/>
+              </a:rPr>
+              <a:t>SecureVNE</a:t>
+            </a:r>
+            <a:r>
+              <a:rPr lang="de-DE" dirty="0" smtClean="0">
+                <a:sym typeface="Wingdings" panose="05000000000000000000" pitchFamily="2" charset="2"/>
+              </a:rPr>
+              <a:t>)</a:t>
+            </a:r>
             <a:endParaRPr lang="de-DE" dirty="0"/>
           </a:p>
         </p:txBody>
@@ -8849,25 +8919,6 @@
       </p:sp>
       <p:sp>
         <p:nvSpPr>
-          <p:cNvPr id="3" name="Inhaltsplatzhalter 2"/>
-          <p:cNvSpPr>
-            <a:spLocks noGrp="1"/>
-          </p:cNvSpPr>
-          <p:nvPr>
-            <p:ph idx="1"/>
-          </p:nvPr>
-        </p:nvSpPr>
-        <p:spPr/>
-        <p:txBody>
-          <a:bodyPr/>
-          <a:lstStyle/>
-          <a:p>
-            <a:endParaRPr lang="de-DE"/>
-          </a:p>
-        </p:txBody>
-      </p:sp>
-      <p:sp>
-        <p:nvSpPr>
           <p:cNvPr id="4" name="Foliennummernplatzhalter 3"/>
           <p:cNvSpPr>
             <a:spLocks noGrp="1"/>
@@ -8915,6 +8966,25 @@
               <a:t>Sicherheitsaspekte beim Deployment virtueller Netzinfrastrukturen</a:t>
             </a:r>
             <a:endParaRPr lang="de-DE" dirty="0"/>
+          </a:p>
+        </p:txBody>
+      </p:sp>
+      <p:sp>
+        <p:nvSpPr>
+          <p:cNvPr id="25" name="Inhaltsplatzhalter 24"/>
+          <p:cNvSpPr>
+            <a:spLocks noGrp="1"/>
+          </p:cNvSpPr>
+          <p:nvPr>
+            <p:ph idx="1"/>
+          </p:nvPr>
+        </p:nvSpPr>
+        <p:spPr/>
+        <p:txBody>
+          <a:bodyPr/>
+          <a:lstStyle/>
+          <a:p>
+            <a:endParaRPr lang="de-DE"/>
           </a:p>
         </p:txBody>
       </p:sp>
@@ -9736,7 +9806,6 @@
               <a:rPr lang="de-DE" dirty="0" smtClean="0"/>
               <a:t>Manipulation des legitimen Datenverkehrs</a:t>
             </a:r>
-            <a:endParaRPr lang="de-DE" dirty="0" smtClean="0"/>
           </a:p>
         </p:txBody>
       </p:sp>
@@ -10033,13 +10102,8 @@
             </a:pPr>
             <a:r>
               <a:rPr lang="de-DE" dirty="0" smtClean="0"/>
-              <a:t>	… gegen </a:t>
-            </a:r>
-            <a:r>
-              <a:rPr lang="de-DE" dirty="0" smtClean="0"/>
-              <a:t>NI / ihren physischen Host</a:t>
-            </a:r>
-            <a:endParaRPr lang="de-DE" dirty="0" smtClean="0"/>
+              <a:t>	… gegen NI / ihren physischen Host</a:t>
+            </a:r>
           </a:p>
           <a:p>
             <a:endParaRPr lang="de-DE" dirty="0" smtClean="0"/>

--- a/Referat/PowerPoint/TimvS_SVNE.pptx
+++ b/Referat/PowerPoint/TimvS_SVNE.pptx
@@ -5,10 +5,10 @@
     <p:sldMasterId id="2147483652" r:id="rId1"/>
   </p:sldMasterIdLst>
   <p:notesMasterIdLst>
-    <p:notesMasterId r:id="rId20"/>
+    <p:notesMasterId r:id="rId21"/>
   </p:notesMasterIdLst>
   <p:handoutMasterIdLst>
-    <p:handoutMasterId r:id="rId21"/>
+    <p:handoutMasterId r:id="rId22"/>
   </p:handoutMasterIdLst>
   <p:sldIdLst>
     <p:sldId id="844" r:id="rId2"/>
@@ -29,6 +29,7 @@
     <p:sldId id="841" r:id="rId17"/>
     <p:sldId id="845" r:id="rId18"/>
     <p:sldId id="846" r:id="rId19"/>
+    <p:sldId id="858" r:id="rId20"/>
   </p:sldIdLst>
   <p:sldSz cx="9144000" cy="6858000" type="screen4x3"/>
   <p:notesSz cx="6781800" cy="9855200"/>
@@ -1428,6 +1429,91 @@
     <p:extLst>
       <p:ext uri="{BB962C8B-B14F-4D97-AF65-F5344CB8AC3E}">
         <p14:creationId xmlns:p14="http://schemas.microsoft.com/office/powerpoint/2010/main" val="2648054851"/>
+      </p:ext>
+    </p:extLst>
+  </p:cSld>
+  <p:clrMapOvr>
+    <a:masterClrMapping/>
+  </p:clrMapOvr>
+</p:notes>
+</file>
+
+<file path=ppt/notesSlides/notesSlide17.xml><?xml version="1.0" encoding="utf-8"?>
+<p:notes xmlns:a="http://schemas.openxmlformats.org/drawingml/2006/main" xmlns:r="http://schemas.openxmlformats.org/officeDocument/2006/relationships" xmlns:p="http://schemas.openxmlformats.org/presentationml/2006/main">
+  <p:cSld>
+    <p:spTree>
+      <p:nvGrpSpPr>
+        <p:cNvPr id="1" name=""/>
+        <p:cNvGrpSpPr/>
+        <p:nvPr/>
+      </p:nvGrpSpPr>
+      <p:grpSpPr>
+        <a:xfrm>
+          <a:off x="0" y="0"/>
+          <a:ext cx="0" cy="0"/>
+          <a:chOff x="0" y="0"/>
+          <a:chExt cx="0" cy="0"/>
+        </a:xfrm>
+      </p:grpSpPr>
+      <p:sp>
+        <p:nvSpPr>
+          <p:cNvPr id="2" name="Folienbildplatzhalter 1"/>
+          <p:cNvSpPr>
+            <a:spLocks noGrp="1" noRot="1" noChangeAspect="1"/>
+          </p:cNvSpPr>
+          <p:nvPr>
+            <p:ph type="sldImg"/>
+          </p:nvPr>
+        </p:nvSpPr>
+        <p:spPr/>
+      </p:sp>
+      <p:sp>
+        <p:nvSpPr>
+          <p:cNvPr id="3" name="Notizenplatzhalter 2"/>
+          <p:cNvSpPr>
+            <a:spLocks noGrp="1"/>
+          </p:cNvSpPr>
+          <p:nvPr>
+            <p:ph type="body" idx="1"/>
+          </p:nvPr>
+        </p:nvSpPr>
+        <p:spPr/>
+        <p:txBody>
+          <a:bodyPr/>
+          <a:lstStyle/>
+          <a:p>
+            <a:endParaRPr lang="de-DE" dirty="0"/>
+          </a:p>
+        </p:txBody>
+      </p:sp>
+      <p:sp>
+        <p:nvSpPr>
+          <p:cNvPr id="4" name="Foliennummernplatzhalter 3"/>
+          <p:cNvSpPr>
+            <a:spLocks noGrp="1"/>
+          </p:cNvSpPr>
+          <p:nvPr>
+            <p:ph type="sldNum" sz="quarter" idx="10"/>
+          </p:nvPr>
+        </p:nvSpPr>
+        <p:spPr/>
+        <p:txBody>
+          <a:bodyPr/>
+          <a:lstStyle/>
+          <a:p>
+            <a:fld id="{87E9C61A-9B5E-4580-98DD-1AC874081FFB}" type="slidenum">
+              <a:rPr lang="de-DE" smtClean="0"/>
+              <a:pPr/>
+              <a:t>19</a:t>
+            </a:fld>
+            <a:endParaRPr lang="de-DE"/>
+          </a:p>
+        </p:txBody>
+      </p:sp>
+    </p:spTree>
+    <p:extLst>
+      <p:ext uri="{BB962C8B-B14F-4D97-AF65-F5344CB8AC3E}">
+        <p14:creationId xmlns:p14="http://schemas.microsoft.com/office/powerpoint/2010/main" val="1501936252"/>
       </p:ext>
     </p:extLst>
   </p:cSld>
@@ -8468,6 +8554,190 @@
     <p:extLst>
       <p:ext uri="{BB962C8B-B14F-4D97-AF65-F5344CB8AC3E}">
         <p14:creationId xmlns:p14="http://schemas.microsoft.com/office/powerpoint/2010/main" val="476771543"/>
+      </p:ext>
+    </p:extLst>
+  </p:cSld>
+  <p:clrMapOvr>
+    <a:masterClrMapping/>
+  </p:clrMapOvr>
+  <p:transition spd="med"/>
+  <p:timing>
+    <p:tnLst>
+      <p:par>
+        <p:cTn id="1" dur="indefinite" restart="never" nodeType="tmRoot"/>
+      </p:par>
+    </p:tnLst>
+  </p:timing>
+</p:sld>
+</file>
+
+<file path=ppt/slides/slide19.xml><?xml version="1.0" encoding="utf-8"?>
+<p:sld xmlns:a="http://schemas.openxmlformats.org/drawingml/2006/main" xmlns:r="http://schemas.openxmlformats.org/officeDocument/2006/relationships" xmlns:p="http://schemas.openxmlformats.org/presentationml/2006/main">
+  <p:cSld>
+    <p:spTree>
+      <p:nvGrpSpPr>
+        <p:cNvPr id="1" name=""/>
+        <p:cNvGrpSpPr/>
+        <p:nvPr/>
+      </p:nvGrpSpPr>
+      <p:grpSpPr>
+        <a:xfrm>
+          <a:off x="0" y="0"/>
+          <a:ext cx="0" cy="0"/>
+          <a:chOff x="0" y="0"/>
+          <a:chExt cx="0" cy="0"/>
+        </a:xfrm>
+      </p:grpSpPr>
+      <p:sp>
+        <p:nvSpPr>
+          <p:cNvPr id="2" name="Titel 1"/>
+          <p:cNvSpPr>
+            <a:spLocks noGrp="1"/>
+          </p:cNvSpPr>
+          <p:nvPr>
+            <p:ph type="title"/>
+          </p:nvPr>
+        </p:nvSpPr>
+        <p:spPr/>
+        <p:txBody>
+          <a:bodyPr/>
+          <a:lstStyle/>
+          <a:p>
+            <a:endParaRPr lang="de-DE" sz="1800" dirty="0"/>
+          </a:p>
+        </p:txBody>
+      </p:sp>
+      <p:sp>
+        <p:nvSpPr>
+          <p:cNvPr id="3" name="Inhaltsplatzhalter 2"/>
+          <p:cNvSpPr>
+            <a:spLocks noGrp="1"/>
+          </p:cNvSpPr>
+          <p:nvPr>
+            <p:ph idx="1"/>
+          </p:nvPr>
+        </p:nvSpPr>
+        <p:spPr/>
+        <p:txBody>
+          <a:bodyPr/>
+          <a:lstStyle/>
+          <a:p>
+            <a:pPr marL="0" indent="0" algn="ctr">
+              <a:buNone/>
+            </a:pPr>
+            <a:endParaRPr lang="de-DE" sz="3200" dirty="0" smtClean="0"/>
+          </a:p>
+          <a:p>
+            <a:pPr marL="0" indent="0" algn="ctr">
+              <a:buNone/>
+            </a:pPr>
+            <a:endParaRPr lang="de-DE" sz="3200" dirty="0"/>
+          </a:p>
+          <a:p>
+            <a:pPr marL="0" indent="0" algn="ctr">
+              <a:buNone/>
+            </a:pPr>
+            <a:endParaRPr lang="de-DE" sz="3200" dirty="0" smtClean="0"/>
+          </a:p>
+          <a:p>
+            <a:pPr marL="0" indent="0" algn="ctr">
+              <a:buNone/>
+            </a:pPr>
+            <a:r>
+              <a:rPr lang="de-DE" sz="3200" dirty="0" smtClean="0"/>
+              <a:t>Vielen Dank für Ihre Aufmerksamkeit!</a:t>
+            </a:r>
+          </a:p>
+          <a:p>
+            <a:pPr marL="0" indent="0" algn="ctr">
+              <a:buNone/>
+            </a:pPr>
+            <a:endParaRPr lang="de-DE" dirty="0" smtClean="0"/>
+          </a:p>
+          <a:p>
+            <a:pPr marL="0" indent="0" algn="ctr">
+              <a:buNone/>
+            </a:pPr>
+            <a:r>
+              <a:rPr lang="de-DE" sz="2000" dirty="0" smtClean="0"/>
+              <a:t>{</a:t>
+            </a:r>
+            <a:r>
+              <a:rPr lang="de-DE" sz="2000" dirty="0" err="1" smtClean="0"/>
+              <a:t>gerhard.groeschl</a:t>
+            </a:r>
+            <a:r>
+              <a:rPr lang="de-DE" sz="2000" dirty="0"/>
+              <a:t>, </a:t>
+            </a:r>
+            <a:r>
+              <a:rPr lang="de-DE" sz="2000" dirty="0" err="1" smtClean="0"/>
+              <a:t>miran.mizani</a:t>
+            </a:r>
+            <a:r>
+              <a:rPr lang="de-DE" sz="2000" dirty="0" smtClean="0"/>
+              <a:t>}@campus.lmu.de</a:t>
+            </a:r>
+            <a:endParaRPr lang="de-DE" sz="2000" dirty="0"/>
+          </a:p>
+        </p:txBody>
+      </p:sp>
+      <p:sp>
+        <p:nvSpPr>
+          <p:cNvPr id="4" name="Foliennummernplatzhalter 3"/>
+          <p:cNvSpPr>
+            <a:spLocks noGrp="1"/>
+          </p:cNvSpPr>
+          <p:nvPr>
+            <p:ph type="sldNum" sz="quarter" idx="4"/>
+          </p:nvPr>
+        </p:nvSpPr>
+        <p:spPr/>
+        <p:txBody>
+          <a:bodyPr/>
+          <a:lstStyle/>
+          <a:p>
+            <a:pPr>
+              <a:defRPr/>
+            </a:pPr>
+            <a:fld id="{70BFFA52-4234-45F6-B1A6-074E24FF43A2}" type="slidenum">
+              <a:rPr lang="de-DE" smtClean="0"/>
+              <a:pPr>
+                <a:defRPr/>
+              </a:pPr>
+              <a:t>19</a:t>
+            </a:fld>
+            <a:endParaRPr lang="de-DE" dirty="0"/>
+          </a:p>
+        </p:txBody>
+      </p:sp>
+      <p:sp>
+        <p:nvSpPr>
+          <p:cNvPr id="5" name="Fußzeilenplatzhalter 4"/>
+          <p:cNvSpPr>
+            <a:spLocks noGrp="1"/>
+          </p:cNvSpPr>
+          <p:nvPr>
+            <p:ph type="ftr" sz="quarter" idx="3"/>
+          </p:nvPr>
+        </p:nvSpPr>
+        <p:spPr/>
+        <p:txBody>
+          <a:bodyPr/>
+          <a:lstStyle/>
+          <a:p>
+            <a:r>
+              <a:rPr lang="de-DE" smtClean="0"/>
+              <a:t>Sicherheitsaspekte beim Deployment virtueller Netzinfrastrukturen</a:t>
+            </a:r>
+            <a:endParaRPr lang="de-DE" dirty="0"/>
+          </a:p>
+        </p:txBody>
+      </p:sp>
+    </p:spTree>
+    <p:extLst>
+      <p:ext uri="{BB962C8B-B14F-4D97-AF65-F5344CB8AC3E}">
+        <p14:creationId xmlns:p14="http://schemas.microsoft.com/office/powerpoint/2010/main" val="873176466"/>
       </p:ext>
     </p:extLst>
   </p:cSld>

--- a/Referat/PowerPoint/TimvS_SVNE.pptx
+++ b/Referat/PowerPoint/TimvS_SVNE.pptx
@@ -173,7 +173,7 @@
   </p:defaultTextStyle>
   <p:extLst>
     <p:ext uri="{EFAFB233-063F-42B5-8137-9DF3F51BA10A}">
-      <p15:sldGuideLst xmlns:p15="http://schemas.microsoft.com/office/powerpoint/2012/main" xmlns="">
+      <p15:sldGuideLst xmlns:p15="http://schemas.microsoft.com/office/powerpoint/2012/main">
         <p15:guide id="1" orient="horz" pos="4042" userDrawn="1">
           <p15:clr>
             <a:srgbClr val="A4A3A4"/>
@@ -187,7 +187,7 @@
       </p15:sldGuideLst>
     </p:ext>
     <p:ext uri="{2D200454-40CA-4A62-9FC3-DE9A4176ACB9}">
-      <p15:notesGuideLst xmlns:p15="http://schemas.microsoft.com/office/powerpoint/2012/main" xmlns="">
+      <p15:notesGuideLst xmlns:p15="http://schemas.microsoft.com/office/powerpoint/2012/main">
         <p15:guide id="1" orient="horz" pos="3103">
           <p15:clr>
             <a:srgbClr val="A4A3A4"/>
@@ -426,7 +426,7 @@
             <a:fld id="{AE02961B-B228-4466-84E5-B65BB245109F}" type="datetimeFigureOut">
               <a:rPr lang="de-DE"/>
               <a:pPr/>
-              <a:t>14.02.2017</a:t>
+              <a:t>15.02.2017</a:t>
             </a:fld>
             <a:endParaRPr lang="de-DE"/>
           </a:p>
@@ -3602,7 +3602,18 @@
   <p:clrMapOvr>
     <a:masterClrMapping/>
   </p:clrMapOvr>
-  <p:transition spd="med"/>
+  <mc:AlternateContent xmlns:mc="http://schemas.openxmlformats.org/markup-compatibility/2006">
+    <mc:Choice xmlns:p14="http://schemas.microsoft.com/office/powerpoint/2010/main" Requires="p14">
+      <p:transition spd="med" p14:dur="700">
+        <p:fade/>
+      </p:transition>
+    </mc:Choice>
+    <mc:Fallback>
+      <p:transition spd="med">
+        <p:fade/>
+      </p:transition>
+    </mc:Fallback>
+  </mc:AlternateContent>
   <p:timing>
     <p:tnLst>
       <p:par>
@@ -3981,7 +3992,18 @@
   <p:clrMapOvr>
     <a:masterClrMapping/>
   </p:clrMapOvr>
-  <p:transition spd="med"/>
+  <mc:AlternateContent xmlns:mc="http://schemas.openxmlformats.org/markup-compatibility/2006">
+    <mc:Choice xmlns:p14="http://schemas.microsoft.com/office/powerpoint/2010/main" Requires="p14">
+      <p:transition spd="med" p14:dur="700">
+        <p:fade/>
+      </p:transition>
+    </mc:Choice>
+    <mc:Fallback>
+      <p:transition spd="med">
+        <p:fade/>
+      </p:transition>
+    </mc:Fallback>
+  </mc:AlternateContent>
   <p:timing>
     <p:tnLst>
       <p:par>
@@ -4223,7 +4245,18 @@
   <p:clrMapOvr>
     <a:masterClrMapping/>
   </p:clrMapOvr>
-  <p:transition spd="med"/>
+  <mc:AlternateContent xmlns:mc="http://schemas.openxmlformats.org/markup-compatibility/2006">
+    <mc:Choice xmlns:p14="http://schemas.microsoft.com/office/powerpoint/2010/main" Requires="p14">
+      <p:transition spd="med" p14:dur="700">
+        <p:fade/>
+      </p:transition>
+    </mc:Choice>
+    <mc:Fallback>
+      <p:transition spd="med">
+        <p:fade/>
+      </p:transition>
+    </mc:Fallback>
+  </mc:AlternateContent>
   <p:timing>
     <p:tnLst>
       <p:par>
@@ -4474,7 +4507,18 @@
   <p:clrMapOvr>
     <a:masterClrMapping/>
   </p:clrMapOvr>
-  <p:transition spd="med"/>
+  <mc:AlternateContent xmlns:mc="http://schemas.openxmlformats.org/markup-compatibility/2006">
+    <mc:Choice xmlns:p14="http://schemas.microsoft.com/office/powerpoint/2010/main" Requires="p14">
+      <p:transition spd="med" p14:dur="700">
+        <p:fade/>
+      </p:transition>
+    </mc:Choice>
+    <mc:Fallback>
+      <p:transition spd="med">
+        <p:fade/>
+      </p:transition>
+    </mc:Fallback>
+  </mc:AlternateContent>
   <p:timing>
     <p:tnLst>
       <p:par>
@@ -4729,7 +4773,18 @@
   <p:clrMapOvr>
     <a:masterClrMapping/>
   </p:clrMapOvr>
-  <p:transition spd="med"/>
+  <mc:AlternateContent xmlns:mc="http://schemas.openxmlformats.org/markup-compatibility/2006">
+    <mc:Choice xmlns:p14="http://schemas.microsoft.com/office/powerpoint/2010/main" Requires="p14">
+      <p:transition spd="med" p14:dur="700">
+        <p:fade/>
+      </p:transition>
+    </mc:Choice>
+    <mc:Fallback>
+      <p:transition spd="med">
+        <p:fade/>
+      </p:transition>
+    </mc:Fallback>
+  </mc:AlternateContent>
   <p:timing>
     <p:tnLst>
       <p:par>
@@ -4984,7 +5039,18 @@
   <p:clrMapOvr>
     <a:masterClrMapping/>
   </p:clrMapOvr>
-  <p:transition spd="med"/>
+  <mc:AlternateContent xmlns:mc="http://schemas.openxmlformats.org/markup-compatibility/2006">
+    <mc:Choice xmlns:p14="http://schemas.microsoft.com/office/powerpoint/2010/main" Requires="p14">
+      <p:transition spd="med" p14:dur="700">
+        <p:fade/>
+      </p:transition>
+    </mc:Choice>
+    <mc:Fallback>
+      <p:transition spd="med">
+        <p:fade/>
+      </p:transition>
+    </mc:Fallback>
+  </mc:AlternateContent>
   <p:timing>
     <p:tnLst>
       <p:par>
@@ -5235,7 +5301,18 @@
   <p:clrMapOvr>
     <a:masterClrMapping/>
   </p:clrMapOvr>
-  <p:transition spd="med"/>
+  <mc:AlternateContent xmlns:mc="http://schemas.openxmlformats.org/markup-compatibility/2006">
+    <mc:Choice xmlns:p14="http://schemas.microsoft.com/office/powerpoint/2010/main" Requires="p14">
+      <p:transition spd="med" p14:dur="700">
+        <p:fade/>
+      </p:transition>
+    </mc:Choice>
+    <mc:Fallback>
+      <p:transition spd="med">
+        <p:fade/>
+      </p:transition>
+    </mc:Fallback>
+  </mc:AlternateContent>
   <p:timing>
     <p:tnLst>
       <p:par>
@@ -5614,7 +5691,18 @@
   <p:clrMapOvr>
     <a:masterClrMapping/>
   </p:clrMapOvr>
-  <p:transition spd="med"/>
+  <mc:AlternateContent xmlns:mc="http://schemas.openxmlformats.org/markup-compatibility/2006">
+    <mc:Choice xmlns:p14="http://schemas.microsoft.com/office/powerpoint/2010/main" Requires="p14">
+      <p:transition spd="med" p14:dur="700">
+        <p:fade/>
+      </p:transition>
+    </mc:Choice>
+    <mc:Fallback>
+      <p:transition spd="med">
+        <p:fade/>
+      </p:transition>
+    </mc:Fallback>
+  </mc:AlternateContent>
   <p:timing>
     <p:tnLst>
       <p:par>
@@ -5997,7 +6085,18 @@
   <p:clrMapOvr>
     <a:masterClrMapping/>
   </p:clrMapOvr>
-  <p:transition spd="med"/>
+  <mc:AlternateContent xmlns:mc="http://schemas.openxmlformats.org/markup-compatibility/2006">
+    <mc:Choice xmlns:p14="http://schemas.microsoft.com/office/powerpoint/2010/main" Requires="p14">
+      <p:transition spd="med" p14:dur="700">
+        <p:fade/>
+      </p:transition>
+    </mc:Choice>
+    <mc:Fallback>
+      <p:transition spd="med">
+        <p:fade/>
+      </p:transition>
+    </mc:Fallback>
+  </mc:AlternateContent>
   <p:timing>
     <p:tnLst>
       <p:par>
@@ -6380,7 +6479,18 @@
   <p:clrMapOvr>
     <a:masterClrMapping/>
   </p:clrMapOvr>
-  <p:transition spd="med"/>
+  <mc:AlternateContent xmlns:mc="http://schemas.openxmlformats.org/markup-compatibility/2006">
+    <mc:Choice xmlns:p14="http://schemas.microsoft.com/office/powerpoint/2010/main" Requires="p14">
+      <p:transition spd="med" p14:dur="700">
+        <p:fade/>
+      </p:transition>
+    </mc:Choice>
+    <mc:Fallback>
+      <p:transition spd="med">
+        <p:fade/>
+      </p:transition>
+    </mc:Fallback>
+  </mc:AlternateContent>
   <p:timing>
     <p:tnLst>
       <p:par>
@@ -6879,7 +6989,18 @@
     <p:sldLayoutId id="2147483695" r:id="rId9"/>
     <p:sldLayoutId id="2147483696" r:id="rId10"/>
   </p:sldLayoutIdLst>
-  <p:transition spd="med"/>
+  <mc:AlternateContent xmlns:mc="http://schemas.openxmlformats.org/markup-compatibility/2006">
+    <mc:Choice xmlns:p14="http://schemas.microsoft.com/office/powerpoint/2010/main" Requires="p14">
+      <p:transition spd="med" p14:dur="700">
+        <p:fade/>
+      </p:transition>
+    </mc:Choice>
+    <mc:Fallback>
+      <p:transition spd="med">
+        <p:fade/>
+      </p:transition>
+    </mc:Fallback>
+  </mc:AlternateContent>
   <p:timing>
     <p:tnLst>
       <p:par>
@@ -7365,7 +7486,18 @@
   <p:clrMapOvr>
     <a:masterClrMapping/>
   </p:clrMapOvr>
-  <p:transition spd="med"/>
+  <mc:AlternateContent xmlns:mc="http://schemas.openxmlformats.org/markup-compatibility/2006">
+    <mc:Choice xmlns:p14="http://schemas.microsoft.com/office/powerpoint/2010/main" Requires="p14">
+      <p:transition spd="med" p14:dur="700">
+        <p:fade/>
+      </p:transition>
+    </mc:Choice>
+    <mc:Fallback>
+      <p:transition spd="med">
+        <p:fade/>
+      </p:transition>
+    </mc:Fallback>
+  </mc:AlternateContent>
   <p:timing>
     <p:tnLst>
       <p:par>
@@ -7641,7 +7773,7 @@
         </p:blipFill>
         <p:spPr bwMode="auto">
           <a:xfrm>
-            <a:off x="6896" y="1183534"/>
+            <a:off x="6896" y="1199349"/>
             <a:ext cx="2714102" cy="861499"/>
           </a:xfrm>
           <a:prstGeom prst="rect">
@@ -8024,7 +8156,7 @@
         </p:blipFill>
         <p:spPr bwMode="auto">
           <a:xfrm>
-            <a:off x="6896" y="1183534"/>
+            <a:off x="6896" y="1199349"/>
             <a:ext cx="2714102" cy="861499"/>
           </a:xfrm>
           <a:prstGeom prst="rect">
@@ -8174,8 +8306,8 @@
         </p:nvSpPr>
         <p:spPr>
           <a:xfrm>
-            <a:off x="1031567" y="6182580"/>
-            <a:ext cx="7057060" cy="276999"/>
+            <a:off x="55276" y="6182580"/>
+            <a:ext cx="9009646" cy="276999"/>
           </a:xfrm>
           <a:prstGeom prst="rect">
             <a:avLst/>
@@ -8191,7 +8323,11 @@
             <a:pPr algn="ctr"/>
             <a:r>
               <a:rPr lang="de-DE" dirty="0" smtClean="0"/>
-              <a:t>Die Substratnetze zweier Infrastructure Provider hosten zwei virtuelle Netze eines Service Providers.</a:t>
+              <a:t>Drei-Schichten-Architektur. Die </a:t>
+            </a:r>
+            <a:r>
+              <a:rPr lang="de-DE" dirty="0" smtClean="0"/>
+              <a:t>Substratnetze zweier Infrastructure Provider hosten zwei virtuelle Netze eines Service Providers.</a:t>
             </a:r>
             <a:endParaRPr lang="de-DE" dirty="0"/>
           </a:p>
@@ -8231,7 +8367,18 @@
   <p:clrMapOvr>
     <a:masterClrMapping/>
   </p:clrMapOvr>
-  <p:transition spd="med"/>
+  <mc:AlternateContent xmlns:mc="http://schemas.openxmlformats.org/markup-compatibility/2006">
+    <mc:Choice xmlns:p14="http://schemas.microsoft.com/office/powerpoint/2010/main" Requires="p14">
+      <p:transition spd="med" p14:dur="700">
+        <p:fade/>
+      </p:transition>
+    </mc:Choice>
+    <mc:Fallback>
+      <p:transition spd="med">
+        <p:fade/>
+      </p:transition>
+    </mc:Fallback>
+  </mc:AlternateContent>
   <p:timing>
     <p:tnLst>
       <p:par>
@@ -8620,7 +8767,18 @@
   <p:clrMapOvr>
     <a:masterClrMapping/>
   </p:clrMapOvr>
-  <p:transition spd="med"/>
+  <mc:AlternateContent xmlns:mc="http://schemas.openxmlformats.org/markup-compatibility/2006">
+    <mc:Choice xmlns:p14="http://schemas.microsoft.com/office/powerpoint/2010/main" Requires="p14">
+      <p:transition spd="med" p14:dur="700">
+        <p:fade/>
+      </p:transition>
+    </mc:Choice>
+    <mc:Fallback>
+      <p:transition spd="med">
+        <p:fade/>
+      </p:transition>
+    </mc:Fallback>
+  </mc:AlternateContent>
   <p:timing>
     <p:tnLst>
       <p:par>
@@ -8830,7 +8988,7 @@
               <a:buNone/>
             </a:pPr>
             <a:r>
-              <a:rPr lang="de-DE" dirty="0" smtClean="0"/>
+              <a:rPr lang="de-DE" b="1" dirty="0" smtClean="0"/>
               <a:t>Von NI ausgehend…</a:t>
             </a:r>
           </a:p>
@@ -8839,11 +8997,11 @@
               <a:buNone/>
             </a:pPr>
             <a:r>
-              <a:rPr lang="de-DE" dirty="0"/>
+              <a:rPr lang="de-DE" b="1" dirty="0"/>
               <a:t>	</a:t>
             </a:r>
             <a:r>
-              <a:rPr lang="de-DE" dirty="0" smtClean="0"/>
+              <a:rPr lang="de-DE" b="1" dirty="0" smtClean="0"/>
               <a:t>… gegen VN/VM und User</a:t>
             </a:r>
           </a:p>
@@ -9080,7 +9238,18 @@
   <p:clrMapOvr>
     <a:masterClrMapping/>
   </p:clrMapOvr>
-  <p:transition spd="med"/>
+  <mc:AlternateContent xmlns:mc="http://schemas.openxmlformats.org/markup-compatibility/2006">
+    <mc:Choice xmlns:p14="http://schemas.microsoft.com/office/powerpoint/2010/main" Requires="p14">
+      <p:transition spd="med" p14:dur="700">
+        <p:fade/>
+      </p:transition>
+    </mc:Choice>
+    <mc:Fallback>
+      <p:transition spd="med">
+        <p:fade/>
+      </p:transition>
+    </mc:Fallback>
+  </mc:AlternateContent>
   <p:timing>
     <p:tnLst>
       <p:par>
@@ -9157,7 +9326,7 @@
               <a:buNone/>
             </a:pPr>
             <a:r>
-              <a:rPr lang="de-DE" dirty="0" smtClean="0"/>
+              <a:rPr lang="de-DE" b="1" dirty="0" smtClean="0"/>
               <a:t>Von VN/VM ausgehend…</a:t>
             </a:r>
           </a:p>
@@ -9166,24 +9335,32 @@
               <a:buNone/>
             </a:pPr>
             <a:r>
+              <a:rPr lang="de-DE" b="1" dirty="0" smtClean="0"/>
+              <a:t>	… gegen NI / ihren physischen Host</a:t>
+            </a:r>
+          </a:p>
+          <a:p>
+            <a:endParaRPr lang="de-DE" dirty="0" smtClean="0"/>
+          </a:p>
+          <a:p>
+            <a:r>
               <a:rPr lang="de-DE" dirty="0" smtClean="0"/>
-              <a:t>	… gegen NI / ihren physischen Host</a:t>
-            </a:r>
-          </a:p>
-          <a:p>
-            <a:endParaRPr lang="de-DE" dirty="0" smtClean="0"/>
-          </a:p>
-          <a:p>
+              <a:t>Verwundbarkeiten des Hosts über </a:t>
+            </a:r>
             <a:r>
               <a:rPr lang="de-DE" dirty="0" smtClean="0"/>
-              <a:t>Verwundbarkeiten des Hosts über gemeinsam</a:t>
+              <a:t>zur </a:t>
             </a:r>
             <a:br>
               <a:rPr lang="de-DE" dirty="0" smtClean="0"/>
             </a:br>
             <a:r>
               <a:rPr lang="de-DE" dirty="0" smtClean="0"/>
-              <a:t>genutzte Ressourcen ausnutzen</a:t>
+              <a:t>Verfügung gestellte </a:t>
+            </a:r>
+            <a:r>
+              <a:rPr lang="de-DE" dirty="0" smtClean="0"/>
+              <a:t>Ressourcen ausnutzen</a:t>
             </a:r>
           </a:p>
           <a:p>
@@ -9360,7 +9537,18 @@
   <p:clrMapOvr>
     <a:masterClrMapping/>
   </p:clrMapOvr>
-  <p:transition spd="med"/>
+  <mc:AlternateContent xmlns:mc="http://schemas.openxmlformats.org/markup-compatibility/2006">
+    <mc:Choice xmlns:p14="http://schemas.microsoft.com/office/powerpoint/2010/main" Requires="p14">
+      <p:transition spd="med" p14:dur="700">
+        <p:fade/>
+      </p:transition>
+    </mc:Choice>
+    <mc:Fallback>
+      <p:transition spd="med">
+        <p:fade/>
+      </p:transition>
+    </mc:Fallback>
+  </mc:AlternateContent>
   <p:timing>
     <p:tnLst>
       <p:par>
@@ -9437,7 +9625,7 @@
               <a:buNone/>
             </a:pPr>
             <a:r>
-              <a:rPr lang="de-DE" dirty="0" smtClean="0"/>
+              <a:rPr lang="de-DE" b="1" dirty="0" smtClean="0"/>
               <a:t>Von VN/VM ausgehend…</a:t>
             </a:r>
           </a:p>
@@ -9446,7 +9634,7 @@
               <a:buNone/>
             </a:pPr>
             <a:r>
-              <a:rPr lang="de-DE" dirty="0" smtClean="0"/>
+              <a:rPr lang="de-DE" b="1" dirty="0" smtClean="0"/>
               <a:t>	… gegen VN/VM</a:t>
             </a:r>
           </a:p>
@@ -9634,7 +9822,18 @@
   <p:clrMapOvr>
     <a:masterClrMapping/>
   </p:clrMapOvr>
-  <p:transition spd="med"/>
+  <mc:AlternateContent xmlns:mc="http://schemas.openxmlformats.org/markup-compatibility/2006">
+    <mc:Choice xmlns:p14="http://schemas.microsoft.com/office/powerpoint/2010/main" Requires="p14">
+      <p:transition spd="med" p14:dur="700">
+        <p:fade/>
+      </p:transition>
+    </mc:Choice>
+    <mc:Fallback>
+      <p:transition spd="med">
+        <p:fade/>
+      </p:transition>
+    </mc:Fallback>
+  </mc:AlternateContent>
   <p:timing>
     <p:tnLst>
       <p:par>
@@ -9711,7 +9910,7 @@
               <a:buNone/>
             </a:pPr>
             <a:r>
-              <a:rPr lang="de-DE" dirty="0" smtClean="0"/>
+              <a:rPr lang="de-DE" b="1" dirty="0" smtClean="0"/>
               <a:t>Von VN/VM ausgehend…</a:t>
             </a:r>
           </a:p>
@@ -9720,7 +9919,7 @@
               <a:buNone/>
             </a:pPr>
             <a:r>
-              <a:rPr lang="de-DE" dirty="0" smtClean="0"/>
+              <a:rPr lang="de-DE" b="1" dirty="0" smtClean="0"/>
               <a:t>	… gegen User</a:t>
             </a:r>
           </a:p>
@@ -9908,7 +10107,18 @@
   <p:clrMapOvr>
     <a:masterClrMapping/>
   </p:clrMapOvr>
-  <p:transition spd="med"/>
+  <mc:AlternateContent xmlns:mc="http://schemas.openxmlformats.org/markup-compatibility/2006">
+    <mc:Choice xmlns:p14="http://schemas.microsoft.com/office/powerpoint/2010/main" Requires="p14">
+      <p:transition spd="med" p14:dur="700">
+        <p:fade/>
+      </p:transition>
+    </mc:Choice>
+    <mc:Fallback>
+      <p:transition spd="med">
+        <p:fade/>
+      </p:transition>
+    </mc:Fallback>
+  </mc:AlternateContent>
   <p:timing>
     <p:tnLst>
       <p:par>
@@ -9985,7 +10195,7 @@
               <a:buNone/>
             </a:pPr>
             <a:r>
-              <a:rPr lang="de-DE" dirty="0" smtClean="0"/>
+              <a:rPr lang="de-DE" b="1" dirty="0" smtClean="0"/>
               <a:t>Vom User ausgehend…</a:t>
             </a:r>
           </a:p>
@@ -9994,7 +10204,7 @@
               <a:buNone/>
             </a:pPr>
             <a:r>
-              <a:rPr lang="de-DE" dirty="0" smtClean="0"/>
+              <a:rPr lang="de-DE" b="1" dirty="0" smtClean="0"/>
               <a:t>	… gegen NI</a:t>
             </a:r>
           </a:p>
@@ -10005,10 +10215,6 @@
             <a:r>
               <a:rPr lang="de-DE" dirty="0" smtClean="0"/>
               <a:t>Angriffe gegen dynamisch </a:t>
-            </a:r>
-            <a:r>
-              <a:rPr lang="de-DE" dirty="0" err="1" smtClean="0"/>
-              <a:t>umprogrammierbare</a:t>
             </a:r>
             <a:r>
               <a:rPr lang="de-DE" dirty="0" smtClean="0"/>
@@ -10018,8 +10224,16 @@
               <a:rPr lang="de-DE" dirty="0" smtClean="0"/>
             </a:br>
             <a:r>
+              <a:rPr lang="de-DE" dirty="0" err="1" smtClean="0"/>
+              <a:t>umprogrammierbare</a:t>
+            </a:r>
+            <a:r>
               <a:rPr lang="de-DE" dirty="0" smtClean="0"/>
-              <a:t>Router und Switches</a:t>
+              <a:t> Router </a:t>
+            </a:r>
+            <a:r>
+              <a:rPr lang="de-DE" dirty="0" smtClean="0"/>
+              <a:t>und Switches</a:t>
             </a:r>
           </a:p>
           <a:p>
@@ -10278,7 +10492,18 @@
   <p:clrMapOvr>
     <a:masterClrMapping/>
   </p:clrMapOvr>
-  <p:transition spd="med"/>
+  <mc:AlternateContent xmlns:mc="http://schemas.openxmlformats.org/markup-compatibility/2006">
+    <mc:Choice xmlns:p14="http://schemas.microsoft.com/office/powerpoint/2010/main" Requires="p14">
+      <p:transition spd="med" p14:dur="700">
+        <p:fade/>
+      </p:transition>
+    </mc:Choice>
+    <mc:Fallback>
+      <p:transition spd="med">
+        <p:fade/>
+      </p:transition>
+    </mc:Fallback>
+  </mc:AlternateContent>
   <p:timing>
     <p:tnLst>
       <p:par>
@@ -10355,7 +10580,7 @@
               <a:buNone/>
             </a:pPr>
             <a:r>
-              <a:rPr lang="de-DE" dirty="0" smtClean="0"/>
+              <a:rPr lang="de-DE" b="1" dirty="0" smtClean="0"/>
               <a:t>Vom User ausgehend…</a:t>
             </a:r>
           </a:p>
@@ -10364,7 +10589,7 @@
               <a:buNone/>
             </a:pPr>
             <a:r>
-              <a:rPr lang="de-DE" dirty="0" smtClean="0"/>
+              <a:rPr lang="de-DE" b="1" dirty="0" smtClean="0"/>
               <a:t>	… gegen VN/VM</a:t>
             </a:r>
           </a:p>
@@ -10390,20 +10615,41 @@
             </a:r>
             <a:r>
               <a:rPr lang="de-DE" dirty="0" smtClean="0"/>
-              <a:t> während Migration des VNs</a:t>
+              <a:t> während Migration </a:t>
+            </a:r>
+            <a:r>
+              <a:rPr lang="de-DE" dirty="0" smtClean="0"/>
+              <a:t/>
             </a:r>
             <a:br>
               <a:rPr lang="de-DE" dirty="0" smtClean="0"/>
             </a:br>
             <a:r>
               <a:rPr lang="de-DE" dirty="0" smtClean="0"/>
-              <a:t>im Livebetrieb</a:t>
-            </a:r>
+              <a:t>des VNs im Livebetrieb</a:t>
+            </a:r>
+            <a:r>
+              <a:rPr lang="de-DE" b="1" baseline="30000" dirty="0" smtClean="0"/>
+              <a:t>1</a:t>
+            </a:r>
+            <a:endParaRPr lang="de-DE" b="1" baseline="30000" dirty="0" smtClean="0"/>
           </a:p>
           <a:p>
             <a:r>
               <a:rPr lang="de-DE" dirty="0" smtClean="0"/>
-              <a:t>Angriffe gegen das VN-Managementtool (XSS, CRSF,</a:t>
+              <a:t>Angriffe gegen das VN-Managementtool </a:t>
+            </a:r>
+            <a:r>
+              <a:rPr lang="de-DE" dirty="0" smtClean="0"/>
+              <a:t>(</a:t>
+            </a:r>
+            <a:r>
+              <a:rPr lang="de-DE" dirty="0" smtClean="0"/>
+              <a:t>XSS, </a:t>
+            </a:r>
+            <a:r>
+              <a:rPr lang="de-DE" dirty="0" smtClean="0"/>
+              <a:t>CRSF,</a:t>
             </a:r>
             <a:br>
               <a:rPr lang="de-DE" dirty="0" smtClean="0"/>
@@ -10417,7 +10663,7 @@
               <a:t>Injection</a:t>
             </a:r>
             <a:r>
-              <a:rPr lang="de-DE" dirty="0"/>
+              <a:rPr lang="de-DE" dirty="0" smtClean="0"/>
               <a:t> </a:t>
             </a:r>
             <a:r>
@@ -10561,6 +10807,68 @@
           </a:p>
         </p:txBody>
       </p:sp>
+      <p:sp>
+        <p:nvSpPr>
+          <p:cNvPr id="6" name="Textfeld 5"/>
+          <p:cNvSpPr txBox="1"/>
+          <p:nvPr/>
+        </p:nvSpPr>
+        <p:spPr>
+          <a:xfrm>
+            <a:off x="143508" y="6215490"/>
+            <a:ext cx="8449502" cy="276999"/>
+          </a:xfrm>
+          <a:prstGeom prst="rect">
+            <a:avLst/>
+          </a:prstGeom>
+          <a:noFill/>
+        </p:spPr>
+        <p:txBody>
+          <a:bodyPr wrap="square" rtlCol="0">
+            <a:spAutoFit/>
+          </a:bodyPr>
+          <a:lstStyle/>
+          <a:p>
+            <a:r>
+              <a:rPr lang="en-US" dirty="0" smtClean="0"/>
+              <a:t>[1] </a:t>
+            </a:r>
+            <a:r>
+              <a:rPr lang="en-US" dirty="0" err="1" smtClean="0"/>
+              <a:t>Sriram</a:t>
+            </a:r>
+            <a:r>
+              <a:rPr lang="en-US" dirty="0" smtClean="0"/>
+              <a:t> </a:t>
+            </a:r>
+            <a:r>
+              <a:rPr lang="en-US" dirty="0"/>
+              <a:t>Natarajan und </a:t>
+            </a:r>
+            <a:r>
+              <a:rPr lang="en-US" dirty="0" err="1"/>
+              <a:t>Tilman</a:t>
+            </a:r>
+            <a:r>
+              <a:rPr lang="en-US" dirty="0"/>
+              <a:t> Wolf. Security Issues in Network Virtualization for </a:t>
+            </a:r>
+            <a:r>
+              <a:rPr lang="en-US" dirty="0" smtClean="0"/>
+              <a:t>the </a:t>
+            </a:r>
+            <a:r>
+              <a:rPr lang="de-DE" dirty="0" smtClean="0"/>
+              <a:t>Future </a:t>
+            </a:r>
+            <a:r>
+              <a:rPr lang="de-DE" dirty="0"/>
+              <a:t>Internet.</a:t>
+            </a:r>
+            <a:endParaRPr lang="de-DE" dirty="0"/>
+          </a:p>
+        </p:txBody>
+      </p:sp>
     </p:spTree>
     <p:extLst>
       <p:ext uri="{BB962C8B-B14F-4D97-AF65-F5344CB8AC3E}">
@@ -10571,7 +10879,18 @@
   <p:clrMapOvr>
     <a:masterClrMapping/>
   </p:clrMapOvr>
-  <p:transition spd="med"/>
+  <mc:AlternateContent xmlns:mc="http://schemas.openxmlformats.org/markup-compatibility/2006">
+    <mc:Choice xmlns:p14="http://schemas.microsoft.com/office/powerpoint/2010/main" Requires="p14">
+      <p:transition spd="med" p14:dur="700">
+        <p:fade/>
+      </p:transition>
+    </mc:Choice>
+    <mc:Fallback>
+      <p:transition spd="med">
+        <p:fade/>
+      </p:transition>
+    </mc:Fallback>
+  </mc:AlternateContent>
   <p:timing>
     <p:tnLst>
       <p:par>
@@ -10697,14 +11016,11 @@
             </a:r>
             <a:r>
               <a:rPr lang="de-DE" dirty="0"/>
-              <a:t> virtueller</a:t>
-            </a:r>
-            <a:br>
-              <a:rPr lang="de-DE" dirty="0"/>
-            </a:br>
+              <a:t> </a:t>
+            </a:r>
             <a:r>
               <a:rPr lang="de-DE" dirty="0" smtClean="0"/>
-              <a:t>Netzinfrastrukturen</a:t>
+              <a:t>virtueller Netzinfrastrukturen</a:t>
             </a:r>
             <a:endParaRPr lang="de-DE" dirty="0"/>
           </a:p>
@@ -10751,7 +11067,18 @@
   <p:clrMapOvr>
     <a:masterClrMapping/>
   </p:clrMapOvr>
-  <p:transition spd="med"/>
+  <mc:AlternateContent xmlns:mc="http://schemas.openxmlformats.org/markup-compatibility/2006">
+    <mc:Choice xmlns:p14="http://schemas.microsoft.com/office/powerpoint/2010/main" Requires="p14">
+      <p:transition spd="med" p14:dur="700">
+        <p:fade/>
+      </p:transition>
+    </mc:Choice>
+    <mc:Fallback>
+      <p:transition spd="med">
+        <p:fade/>
+      </p:transition>
+    </mc:Fallback>
+  </mc:AlternateContent>
   <p:timing>
     <p:tnLst>
       <p:par>
@@ -10885,7 +11212,18 @@
   <p:clrMapOvr>
     <a:masterClrMapping/>
   </p:clrMapOvr>
-  <p:transition spd="med"/>
+  <mc:AlternateContent xmlns:mc="http://schemas.openxmlformats.org/markup-compatibility/2006">
+    <mc:Choice xmlns:p14="http://schemas.microsoft.com/office/powerpoint/2010/main" Requires="p14">
+      <p:transition spd="med" p14:dur="700">
+        <p:fade/>
+      </p:transition>
+    </mc:Choice>
+    <mc:Fallback>
+      <p:transition spd="med">
+        <p:fade/>
+      </p:transition>
+    </mc:Fallback>
+  </mc:AlternateContent>
   <p:timing>
     <p:tnLst>
       <p:par>
@@ -11049,7 +11387,18 @@
   <p:clrMapOvr>
     <a:masterClrMapping/>
   </p:clrMapOvr>
-  <p:transition spd="med"/>
+  <mc:AlternateContent xmlns:mc="http://schemas.openxmlformats.org/markup-compatibility/2006">
+    <mc:Choice xmlns:p14="http://schemas.microsoft.com/office/powerpoint/2010/main" Requires="p14">
+      <p:transition spd="med" p14:dur="700">
+        <p:fade/>
+      </p:transition>
+    </mc:Choice>
+    <mc:Fallback>
+      <p:transition spd="med">
+        <p:fade/>
+      </p:transition>
+    </mc:Fallback>
+  </mc:AlternateContent>
   <p:timing>
     <p:tnLst>
       <p:par>
@@ -11524,7 +11873,18 @@
   <p:clrMapOvr>
     <a:masterClrMapping/>
   </p:clrMapOvr>
-  <p:transition spd="med"/>
+  <mc:AlternateContent xmlns:mc="http://schemas.openxmlformats.org/markup-compatibility/2006">
+    <mc:Choice xmlns:p14="http://schemas.microsoft.com/office/powerpoint/2010/main" Requires="p14">
+      <p:transition spd="med" p14:dur="700">
+        <p:fade/>
+      </p:transition>
+    </mc:Choice>
+    <mc:Fallback>
+      <p:transition spd="med">
+        <p:fade/>
+      </p:transition>
+    </mc:Fallback>
+  </mc:AlternateContent>
   <p:timing>
     <p:tnLst>
       <p:par>
@@ -12003,7 +12363,18 @@
   <p:clrMapOvr>
     <a:masterClrMapping/>
   </p:clrMapOvr>
-  <p:transition spd="med"/>
+  <mc:AlternateContent xmlns:mc="http://schemas.openxmlformats.org/markup-compatibility/2006">
+    <mc:Choice xmlns:p14="http://schemas.microsoft.com/office/powerpoint/2010/main" Requires="p14">
+      <p:transition spd="med" p14:dur="700">
+        <p:fade/>
+      </p:transition>
+    </mc:Choice>
+    <mc:Fallback>
+      <p:transition spd="med">
+        <p:fade/>
+      </p:transition>
+    </mc:Fallback>
+  </mc:AlternateContent>
   <p:timing>
     <p:tnLst>
       <p:par>
@@ -12358,7 +12729,18 @@
   <p:clrMapOvr>
     <a:masterClrMapping/>
   </p:clrMapOvr>
-  <p:transition spd="med"/>
+  <mc:AlternateContent xmlns:mc="http://schemas.openxmlformats.org/markup-compatibility/2006">
+    <mc:Choice xmlns:p14="http://schemas.microsoft.com/office/powerpoint/2010/main" Requires="p14">
+      <p:transition spd="med" p14:dur="700">
+        <p:fade/>
+      </p:transition>
+    </mc:Choice>
+    <mc:Fallback>
+      <p:transition spd="med">
+        <p:fade/>
+      </p:transition>
+    </mc:Fallback>
+  </mc:AlternateContent>
   <p:timing>
     <p:tnLst>
       <p:par>
@@ -12788,7 +13170,18 @@
   <p:clrMapOvr>
     <a:masterClrMapping/>
   </p:clrMapOvr>
-  <p:transition spd="med"/>
+  <mc:AlternateContent xmlns:mc="http://schemas.openxmlformats.org/markup-compatibility/2006">
+    <mc:Choice xmlns:p14="http://schemas.microsoft.com/office/powerpoint/2010/main" Requires="p14">
+      <p:transition spd="med" p14:dur="700">
+        <p:fade/>
+      </p:transition>
+    </mc:Choice>
+    <mc:Fallback>
+      <p:transition spd="med">
+        <p:fade/>
+      </p:transition>
+    </mc:Fallback>
+  </mc:AlternateContent>
   <p:timing>
     <p:tnLst>
       <p:par>
@@ -13265,7 +13658,18 @@
   <p:clrMapOvr>
     <a:masterClrMapping/>
   </p:clrMapOvr>
-  <p:transition spd="med"/>
+  <mc:AlternateContent xmlns:mc="http://schemas.openxmlformats.org/markup-compatibility/2006">
+    <mc:Choice xmlns:p14="http://schemas.microsoft.com/office/powerpoint/2010/main" Requires="p14">
+      <p:transition spd="med" p14:dur="700">
+        <p:fade/>
+      </p:transition>
+    </mc:Choice>
+    <mc:Fallback>
+      <p:transition spd="med">
+        <p:fade/>
+      </p:transition>
+    </mc:Fallback>
+  </mc:AlternateContent>
   <p:timing>
     <p:tnLst>
       <p:par>
@@ -13742,7 +14146,18 @@
   <p:clrMapOvr>
     <a:masterClrMapping/>
   </p:clrMapOvr>
-  <p:transition spd="med"/>
+  <mc:AlternateContent xmlns:mc="http://schemas.openxmlformats.org/markup-compatibility/2006">
+    <mc:Choice xmlns:p14="http://schemas.microsoft.com/office/powerpoint/2010/main" Requires="p14">
+      <p:transition spd="med" p14:dur="700">
+        <p:fade/>
+      </p:transition>
+    </mc:Choice>
+    <mc:Fallback>
+      <p:transition spd="med">
+        <p:fade/>
+      </p:transition>
+    </mc:Fallback>
+  </mc:AlternateContent>
   <p:timing>
     <p:tnLst>
       <p:par>
@@ -14219,7 +14634,18 @@
   <p:clrMapOvr>
     <a:masterClrMapping/>
   </p:clrMapOvr>
-  <p:transition spd="med"/>
+  <mc:AlternateContent xmlns:mc="http://schemas.openxmlformats.org/markup-compatibility/2006">
+    <mc:Choice xmlns:p14="http://schemas.microsoft.com/office/powerpoint/2010/main" Requires="p14">
+      <p:transition spd="med" p14:dur="700">
+        <p:fade/>
+      </p:transition>
+    </mc:Choice>
+    <mc:Fallback>
+      <p:transition spd="med">
+        <p:fade/>
+      </p:transition>
+    </mc:Fallback>
+  </mc:AlternateContent>
   <p:timing>
     <p:tnLst>
       <p:par>
@@ -14704,7 +15130,18 @@
   <p:clrMapOvr>
     <a:masterClrMapping/>
   </p:clrMapOvr>
-  <p:transition spd="med"/>
+  <mc:AlternateContent xmlns:mc="http://schemas.openxmlformats.org/markup-compatibility/2006">
+    <mc:Choice xmlns:p14="http://schemas.microsoft.com/office/powerpoint/2010/main" Requires="p14">
+      <p:transition spd="med" p14:dur="700">
+        <p:fade/>
+      </p:transition>
+    </mc:Choice>
+    <mc:Fallback>
+      <p:transition spd="med">
+        <p:fade/>
+      </p:transition>
+    </mc:Fallback>
+  </mc:AlternateContent>
   <p:timing>
     <p:tnLst>
       <p:par>
@@ -14916,11 +15353,149 @@
   <p:clrMapOvr>
     <a:masterClrMapping/>
   </p:clrMapOvr>
-  <p:transition spd="med"/>
+  <mc:AlternateContent xmlns:mc="http://schemas.openxmlformats.org/markup-compatibility/2006">
+    <mc:Choice xmlns:p14="http://schemas.microsoft.com/office/powerpoint/2010/main" Requires="p14">
+      <p:transition spd="med" p14:dur="700">
+        <p:fade/>
+      </p:transition>
+    </mc:Choice>
+    <mc:Fallback>
+      <p:transition spd="med">
+        <p:fade/>
+      </p:transition>
+    </mc:Fallback>
+  </mc:AlternateContent>
   <p:timing>
     <p:tnLst>
       <p:par>
-        <p:cTn id="1" dur="indefinite" restart="never" nodeType="tmRoot"/>
+        <p:cTn id="1" dur="indefinite" restart="never" nodeType="tmRoot">
+          <p:childTnLst>
+            <p:seq concurrent="1" nextAc="seek">
+              <p:cTn id="2" dur="indefinite" nodeType="mainSeq">
+                <p:childTnLst>
+                  <p:par>
+                    <p:cTn id="3" fill="hold">
+                      <p:stCondLst>
+                        <p:cond delay="indefinite"/>
+                      </p:stCondLst>
+                      <p:childTnLst>
+                        <p:par>
+                          <p:cTn id="4" fill="hold">
+                            <p:stCondLst>
+                              <p:cond delay="0"/>
+                            </p:stCondLst>
+                            <p:childTnLst>
+                              <p:par>
+                                <p:cTn id="5" presetID="10" presetClass="entr" presetSubtype="0" fill="hold" nodeType="clickEffect">
+                                  <p:stCondLst>
+                                    <p:cond delay="0"/>
+                                  </p:stCondLst>
+                                  <p:childTnLst>
+                                    <p:set>
+                                      <p:cBhvr>
+                                        <p:cTn id="6" dur="1" fill="hold">
+                                          <p:stCondLst>
+                                            <p:cond delay="0"/>
+                                          </p:stCondLst>
+                                        </p:cTn>
+                                        <p:tgtEl>
+                                          <p:spTgt spid="3">
+                                            <p:txEl>
+                                              <p:pRg st="4" end="4"/>
+                                            </p:txEl>
+                                          </p:spTgt>
+                                        </p:tgtEl>
+                                        <p:attrNameLst>
+                                          <p:attrName>style.visibility</p:attrName>
+                                        </p:attrNameLst>
+                                      </p:cBhvr>
+                                      <p:to>
+                                        <p:strVal val="visible"/>
+                                      </p:to>
+                                    </p:set>
+                                    <p:animEffect transition="in" filter="fade">
+                                      <p:cBhvr>
+                                        <p:cTn id="7" dur="500"/>
+                                        <p:tgtEl>
+                                          <p:spTgt spid="3">
+                                            <p:txEl>
+                                              <p:pRg st="4" end="4"/>
+                                            </p:txEl>
+                                          </p:spTgt>
+                                        </p:tgtEl>
+                                      </p:cBhvr>
+                                    </p:animEffect>
+                                  </p:childTnLst>
+                                </p:cTn>
+                              </p:par>
+                              <p:par>
+                                <p:cTn id="8" presetID="10" presetClass="entr" presetSubtype="0" fill="hold" nodeType="withEffect">
+                                  <p:stCondLst>
+                                    <p:cond delay="0"/>
+                                  </p:stCondLst>
+                                  <p:childTnLst>
+                                    <p:set>
+                                      <p:cBhvr>
+                                        <p:cTn id="9" dur="1" fill="hold">
+                                          <p:stCondLst>
+                                            <p:cond delay="0"/>
+                                          </p:stCondLst>
+                                        </p:cTn>
+                                        <p:tgtEl>
+                                          <p:spTgt spid="3">
+                                            <p:txEl>
+                                              <p:pRg st="6" end="6"/>
+                                            </p:txEl>
+                                          </p:spTgt>
+                                        </p:tgtEl>
+                                        <p:attrNameLst>
+                                          <p:attrName>style.visibility</p:attrName>
+                                        </p:attrNameLst>
+                                      </p:cBhvr>
+                                      <p:to>
+                                        <p:strVal val="visible"/>
+                                      </p:to>
+                                    </p:set>
+                                    <p:animEffect transition="in" filter="fade">
+                                      <p:cBhvr>
+                                        <p:cTn id="10" dur="500"/>
+                                        <p:tgtEl>
+                                          <p:spTgt spid="3">
+                                            <p:txEl>
+                                              <p:pRg st="6" end="6"/>
+                                            </p:txEl>
+                                          </p:spTgt>
+                                        </p:tgtEl>
+                                      </p:cBhvr>
+                                    </p:animEffect>
+                                  </p:childTnLst>
+                                </p:cTn>
+                              </p:par>
+                            </p:childTnLst>
+                          </p:cTn>
+                        </p:par>
+                      </p:childTnLst>
+                    </p:cTn>
+                  </p:par>
+                </p:childTnLst>
+              </p:cTn>
+              <p:prevCondLst>
+                <p:cond evt="onPrev" delay="0">
+                  <p:tgtEl>
+                    <p:sldTgt/>
+                  </p:tgtEl>
+                </p:cond>
+              </p:prevCondLst>
+              <p:nextCondLst>
+                <p:cond evt="onNext" delay="0">
+                  <p:tgtEl>
+                    <p:sldTgt/>
+                  </p:tgtEl>
+                </p:cond>
+              </p:nextCondLst>
+            </p:seq>
+          </p:childTnLst>
+        </p:cTn>
       </p:par>
     </p:tnLst>
   </p:timing>
@@ -15202,9 +15777,12 @@
             </a:r>
             <a:r>
               <a:rPr lang="de-DE" sz="1600" dirty="0"/>
-              <a:t>, 10(7), 2016.</a:t>
-            </a:r>
-            <a:endParaRPr lang="de-DE" sz="1600" dirty="0" smtClean="0"/>
+              <a:t>, 10(7), 2016</a:t>
+            </a:r>
+            <a:r>
+              <a:rPr lang="de-DE" sz="1600" dirty="0" smtClean="0"/>
+              <a:t>.</a:t>
+            </a:r>
           </a:p>
           <a:p>
             <a:endParaRPr lang="de-DE" sz="1600" dirty="0" smtClean="0"/>
@@ -15386,7 +15964,18 @@
   <p:clrMapOvr>
     <a:masterClrMapping/>
   </p:clrMapOvr>
-  <p:transition spd="med"/>
+  <mc:AlternateContent xmlns:mc="http://schemas.openxmlformats.org/markup-compatibility/2006">
+    <mc:Choice xmlns:p14="http://schemas.microsoft.com/office/powerpoint/2010/main" Requires="p14">
+      <p:transition spd="med" p14:dur="700">
+        <p:fade/>
+      </p:transition>
+    </mc:Choice>
+    <mc:Fallback>
+      <p:transition spd="med">
+        <p:fade/>
+      </p:transition>
+    </mc:Fallback>
+  </mc:AlternateContent>
   <p:timing>
     <p:tnLst>
       <p:par>
@@ -15499,7 +16088,18 @@
   <p:clrMapOvr>
     <a:masterClrMapping/>
   </p:clrMapOvr>
-  <p:transition spd="med"/>
+  <mc:AlternateContent xmlns:mc="http://schemas.openxmlformats.org/markup-compatibility/2006">
+    <mc:Choice xmlns:p14="http://schemas.microsoft.com/office/powerpoint/2010/main" Requires="p14">
+      <p:transition spd="med" p14:dur="700">
+        <p:fade/>
+      </p:transition>
+    </mc:Choice>
+    <mc:Fallback>
+      <p:transition spd="med">
+        <p:fade/>
+      </p:transition>
+    </mc:Fallback>
+  </mc:AlternateContent>
   <p:timing>
     <p:tnLst>
       <p:par>
@@ -15683,7 +16283,18 @@
   <p:clrMapOvr>
     <a:masterClrMapping/>
   </p:clrMapOvr>
-  <p:transition spd="med"/>
+  <mc:AlternateContent xmlns:mc="http://schemas.openxmlformats.org/markup-compatibility/2006">
+    <mc:Choice xmlns:p14="http://schemas.microsoft.com/office/powerpoint/2010/main" Requires="p14">
+      <p:transition spd="med" p14:dur="700">
+        <p:fade/>
+      </p:transition>
+    </mc:Choice>
+    <mc:Fallback>
+      <p:transition spd="med">
+        <p:fade/>
+      </p:transition>
+    </mc:Fallback>
+  </mc:AlternateContent>
   <p:timing>
     <p:tnLst>
       <p:par>
@@ -15837,7 +16448,18 @@
   <p:clrMapOvr>
     <a:masterClrMapping/>
   </p:clrMapOvr>
-  <p:transition spd="med"/>
+  <mc:AlternateContent xmlns:mc="http://schemas.openxmlformats.org/markup-compatibility/2006">
+    <mc:Choice xmlns:p14="http://schemas.microsoft.com/office/powerpoint/2010/main" Requires="p14">
+      <p:transition spd="med" p14:dur="700">
+        <p:fade/>
+      </p:transition>
+    </mc:Choice>
+    <mc:Fallback>
+      <p:transition spd="med">
+        <p:fade/>
+      </p:transition>
+    </mc:Fallback>
+  </mc:AlternateContent>
   <p:timing>
     <p:tnLst>
       <p:par>
@@ -16855,7 +17477,7 @@
         </p:blipFill>
         <p:spPr bwMode="auto">
           <a:xfrm>
-            <a:off x="6896" y="1183534"/>
+            <a:off x="6896" y="1199349"/>
             <a:ext cx="2714102" cy="861499"/>
           </a:xfrm>
           <a:prstGeom prst="rect">

--- a/Referat/PowerPoint/TimvS_SVNE.pptx
+++ b/Referat/PowerPoint/TimvS_SVNE.pptx
@@ -5,10 +5,10 @@
     <p:sldMasterId id="2147483652" r:id="rId1"/>
   </p:sldMasterIdLst>
   <p:notesMasterIdLst>
-    <p:notesMasterId r:id="rId34"/>
+    <p:notesMasterId r:id="rId38"/>
   </p:notesMasterIdLst>
   <p:handoutMasterIdLst>
-    <p:handoutMasterId r:id="rId35"/>
+    <p:handoutMasterId r:id="rId39"/>
   </p:handoutMasterIdLst>
   <p:sldIdLst>
     <p:sldId id="844" r:id="rId2"/>
@@ -24,25 +24,29 @@
     <p:sldId id="867" r:id="rId12"/>
     <p:sldId id="843" r:id="rId13"/>
     <p:sldId id="842" r:id="rId14"/>
-    <p:sldId id="847" r:id="rId15"/>
-    <p:sldId id="851" r:id="rId16"/>
-    <p:sldId id="853" r:id="rId17"/>
-    <p:sldId id="852" r:id="rId18"/>
-    <p:sldId id="855" r:id="rId19"/>
-    <p:sldId id="854" r:id="rId20"/>
-    <p:sldId id="856" r:id="rId21"/>
-    <p:sldId id="857" r:id="rId22"/>
-    <p:sldId id="868" r:id="rId23"/>
-    <p:sldId id="869" r:id="rId24"/>
-    <p:sldId id="840" r:id="rId25"/>
-    <p:sldId id="841" r:id="rId26"/>
-    <p:sldId id="870" r:id="rId27"/>
-    <p:sldId id="871" r:id="rId28"/>
-    <p:sldId id="872" r:id="rId29"/>
-    <p:sldId id="874" r:id="rId30"/>
-    <p:sldId id="845" r:id="rId31"/>
-    <p:sldId id="846" r:id="rId32"/>
-    <p:sldId id="858" r:id="rId33"/>
+    <p:sldId id="875" r:id="rId15"/>
+    <p:sldId id="876" r:id="rId16"/>
+    <p:sldId id="847" r:id="rId17"/>
+    <p:sldId id="851" r:id="rId18"/>
+    <p:sldId id="853" r:id="rId19"/>
+    <p:sldId id="852" r:id="rId20"/>
+    <p:sldId id="855" r:id="rId21"/>
+    <p:sldId id="854" r:id="rId22"/>
+    <p:sldId id="856" r:id="rId23"/>
+    <p:sldId id="857" r:id="rId24"/>
+    <p:sldId id="868" r:id="rId25"/>
+    <p:sldId id="869" r:id="rId26"/>
+    <p:sldId id="840" r:id="rId27"/>
+    <p:sldId id="841" r:id="rId28"/>
+    <p:sldId id="870" r:id="rId29"/>
+    <p:sldId id="871" r:id="rId30"/>
+    <p:sldId id="880" r:id="rId31"/>
+    <p:sldId id="874" r:id="rId32"/>
+    <p:sldId id="872" r:id="rId33"/>
+    <p:sldId id="878" r:id="rId34"/>
+    <p:sldId id="879" r:id="rId35"/>
+    <p:sldId id="845" r:id="rId36"/>
+    <p:sldId id="858" r:id="rId37"/>
   </p:sldIdLst>
   <p:sldSz cx="9144000" cy="6858000" type="screen4x3"/>
   <p:notesSz cx="6781800" cy="9855200"/>
@@ -1101,7 +1105,7 @@
     </p:spTree>
     <p:extLst>
       <p:ext uri="{BB962C8B-B14F-4D97-AF65-F5344CB8AC3E}">
-        <p14:creationId xmlns:p14="http://schemas.microsoft.com/office/powerpoint/2010/main" val="2044551413"/>
+        <p14:creationId xmlns:p14="http://schemas.microsoft.com/office/powerpoint/2010/main" val="2789965000"/>
       </p:ext>
     </p:extLst>
   </p:cSld>
@@ -1186,7 +1190,7 @@
     </p:spTree>
     <p:extLst>
       <p:ext uri="{BB962C8B-B14F-4D97-AF65-F5344CB8AC3E}">
-        <p14:creationId xmlns:p14="http://schemas.microsoft.com/office/powerpoint/2010/main" val="3531495016"/>
+        <p14:creationId xmlns:p14="http://schemas.microsoft.com/office/powerpoint/2010/main" val="2337425669"/>
       </p:ext>
     </p:extLst>
   </p:cSld>
@@ -1271,7 +1275,7 @@
     </p:spTree>
     <p:extLst>
       <p:ext uri="{BB962C8B-B14F-4D97-AF65-F5344CB8AC3E}">
-        <p14:creationId xmlns:p14="http://schemas.microsoft.com/office/powerpoint/2010/main" val="1147172371"/>
+        <p14:creationId xmlns:p14="http://schemas.microsoft.com/office/powerpoint/2010/main" val="2044551413"/>
       </p:ext>
     </p:extLst>
   </p:cSld>
@@ -1356,7 +1360,7 @@
     </p:spTree>
     <p:extLst>
       <p:ext uri="{BB962C8B-B14F-4D97-AF65-F5344CB8AC3E}">
-        <p14:creationId xmlns:p14="http://schemas.microsoft.com/office/powerpoint/2010/main" val="1153979423"/>
+        <p14:creationId xmlns:p14="http://schemas.microsoft.com/office/powerpoint/2010/main" val="3531495016"/>
       </p:ext>
     </p:extLst>
   </p:cSld>
@@ -1441,7 +1445,7 @@
     </p:spTree>
     <p:extLst>
       <p:ext uri="{BB962C8B-B14F-4D97-AF65-F5344CB8AC3E}">
-        <p14:creationId xmlns:p14="http://schemas.microsoft.com/office/powerpoint/2010/main" val="3155964670"/>
+        <p14:creationId xmlns:p14="http://schemas.microsoft.com/office/powerpoint/2010/main" val="1147172371"/>
       </p:ext>
     </p:extLst>
   </p:cSld>
@@ -1526,7 +1530,7 @@
     </p:spTree>
     <p:extLst>
       <p:ext uri="{BB962C8B-B14F-4D97-AF65-F5344CB8AC3E}">
-        <p14:creationId xmlns:p14="http://schemas.microsoft.com/office/powerpoint/2010/main" val="1399884599"/>
+        <p14:creationId xmlns:p14="http://schemas.microsoft.com/office/powerpoint/2010/main" val="1153979423"/>
       </p:ext>
     </p:extLst>
   </p:cSld>
@@ -1611,7 +1615,7 @@
     </p:spTree>
     <p:extLst>
       <p:ext uri="{BB962C8B-B14F-4D97-AF65-F5344CB8AC3E}">
-        <p14:creationId xmlns:p14="http://schemas.microsoft.com/office/powerpoint/2010/main" val="2354681918"/>
+        <p14:creationId xmlns:p14="http://schemas.microsoft.com/office/powerpoint/2010/main" val="3155964670"/>
       </p:ext>
     </p:extLst>
   </p:cSld>
@@ -1696,7 +1700,7 @@
     </p:spTree>
     <p:extLst>
       <p:ext uri="{BB962C8B-B14F-4D97-AF65-F5344CB8AC3E}">
-        <p14:creationId xmlns:p14="http://schemas.microsoft.com/office/powerpoint/2010/main" val="1891954575"/>
+        <p14:creationId xmlns:p14="http://schemas.microsoft.com/office/powerpoint/2010/main" val="1399884599"/>
       </p:ext>
     </p:extLst>
   </p:cSld>
@@ -1866,7 +1870,7 @@
     </p:spTree>
     <p:extLst>
       <p:ext uri="{BB962C8B-B14F-4D97-AF65-F5344CB8AC3E}">
-        <p14:creationId xmlns:p14="http://schemas.microsoft.com/office/powerpoint/2010/main" val="669372719"/>
+        <p14:creationId xmlns:p14="http://schemas.microsoft.com/office/powerpoint/2010/main" val="2354681918"/>
       </p:ext>
     </p:extLst>
   </p:cSld>
@@ -1951,7 +1955,7 @@
     </p:spTree>
     <p:extLst>
       <p:ext uri="{BB962C8B-B14F-4D97-AF65-F5344CB8AC3E}">
-        <p14:creationId xmlns:p14="http://schemas.microsoft.com/office/powerpoint/2010/main" val="669372719"/>
+        <p14:creationId xmlns:p14="http://schemas.microsoft.com/office/powerpoint/2010/main" val="1891954575"/>
       </p:ext>
     </p:extLst>
   </p:cSld>
@@ -2121,7 +2125,7 @@
     </p:spTree>
     <p:extLst>
       <p:ext uri="{BB962C8B-B14F-4D97-AF65-F5344CB8AC3E}">
-        <p14:creationId xmlns:p14="http://schemas.microsoft.com/office/powerpoint/2010/main" val="752673120"/>
+        <p14:creationId xmlns:p14="http://schemas.microsoft.com/office/powerpoint/2010/main" val="669372719"/>
       </p:ext>
     </p:extLst>
   </p:cSld>
@@ -2206,7 +2210,7 @@
     </p:spTree>
     <p:extLst>
       <p:ext uri="{BB962C8B-B14F-4D97-AF65-F5344CB8AC3E}">
-        <p14:creationId xmlns:p14="http://schemas.microsoft.com/office/powerpoint/2010/main" val="752673120"/>
+        <p14:creationId xmlns:p14="http://schemas.microsoft.com/office/powerpoint/2010/main" val="669372719"/>
       </p:ext>
     </p:extLst>
   </p:cSld>
@@ -2546,7 +2550,7 @@
     </p:spTree>
     <p:extLst>
       <p:ext uri="{BB962C8B-B14F-4D97-AF65-F5344CB8AC3E}">
-        <p14:creationId xmlns:p14="http://schemas.microsoft.com/office/powerpoint/2010/main" val="1348049600"/>
+        <p14:creationId xmlns:p14="http://schemas.microsoft.com/office/powerpoint/2010/main" val="842402783"/>
       </p:ext>
     </p:extLst>
   </p:cSld>
@@ -2631,7 +2635,7 @@
     </p:spTree>
     <p:extLst>
       <p:ext uri="{BB962C8B-B14F-4D97-AF65-F5344CB8AC3E}">
-        <p14:creationId xmlns:p14="http://schemas.microsoft.com/office/powerpoint/2010/main" val="2648054851"/>
+        <p14:creationId xmlns:p14="http://schemas.microsoft.com/office/powerpoint/2010/main" val="752673120"/>
       </p:ext>
     </p:extLst>
   </p:cSld>
@@ -2793,6 +2797,346 @@
               <a:rPr lang="de-DE" smtClean="0"/>
               <a:pPr/>
               <a:t>32</a:t>
+            </a:fld>
+            <a:endParaRPr lang="de-DE"/>
+          </a:p>
+        </p:txBody>
+      </p:sp>
+    </p:spTree>
+    <p:extLst>
+      <p:ext uri="{BB962C8B-B14F-4D97-AF65-F5344CB8AC3E}">
+        <p14:creationId xmlns:p14="http://schemas.microsoft.com/office/powerpoint/2010/main" val="752673120"/>
+      </p:ext>
+    </p:extLst>
+  </p:cSld>
+  <p:clrMapOvr>
+    <a:masterClrMapping/>
+  </p:clrMapOvr>
+</p:notes>
+</file>
+
+<file path=ppt/notesSlides/notesSlide31.xml><?xml version="1.0" encoding="utf-8"?>
+<p:notes xmlns:a="http://schemas.openxmlformats.org/drawingml/2006/main" xmlns:r="http://schemas.openxmlformats.org/officeDocument/2006/relationships" xmlns:p="http://schemas.openxmlformats.org/presentationml/2006/main">
+  <p:cSld>
+    <p:spTree>
+      <p:nvGrpSpPr>
+        <p:cNvPr id="1" name=""/>
+        <p:cNvGrpSpPr/>
+        <p:nvPr/>
+      </p:nvGrpSpPr>
+      <p:grpSpPr>
+        <a:xfrm>
+          <a:off x="0" y="0"/>
+          <a:ext cx="0" cy="0"/>
+          <a:chOff x="0" y="0"/>
+          <a:chExt cx="0" cy="0"/>
+        </a:xfrm>
+      </p:grpSpPr>
+      <p:sp>
+        <p:nvSpPr>
+          <p:cNvPr id="2" name="Folienbildplatzhalter 1"/>
+          <p:cNvSpPr>
+            <a:spLocks noGrp="1" noRot="1" noChangeAspect="1"/>
+          </p:cNvSpPr>
+          <p:nvPr>
+            <p:ph type="sldImg"/>
+          </p:nvPr>
+        </p:nvSpPr>
+        <p:spPr/>
+      </p:sp>
+      <p:sp>
+        <p:nvSpPr>
+          <p:cNvPr id="3" name="Notizenplatzhalter 2"/>
+          <p:cNvSpPr>
+            <a:spLocks noGrp="1"/>
+          </p:cNvSpPr>
+          <p:nvPr>
+            <p:ph type="body" idx="1"/>
+          </p:nvPr>
+        </p:nvSpPr>
+        <p:spPr/>
+        <p:txBody>
+          <a:bodyPr/>
+          <a:lstStyle/>
+          <a:p>
+            <a:endParaRPr lang="de-DE" dirty="0"/>
+          </a:p>
+        </p:txBody>
+      </p:sp>
+      <p:sp>
+        <p:nvSpPr>
+          <p:cNvPr id="4" name="Foliennummernplatzhalter 3"/>
+          <p:cNvSpPr>
+            <a:spLocks noGrp="1"/>
+          </p:cNvSpPr>
+          <p:nvPr>
+            <p:ph type="sldNum" sz="quarter" idx="10"/>
+          </p:nvPr>
+        </p:nvSpPr>
+        <p:spPr/>
+        <p:txBody>
+          <a:bodyPr/>
+          <a:lstStyle/>
+          <a:p>
+            <a:fld id="{87E9C61A-9B5E-4580-98DD-1AC874081FFB}" type="slidenum">
+              <a:rPr lang="de-DE" smtClean="0"/>
+              <a:pPr/>
+              <a:t>33</a:t>
+            </a:fld>
+            <a:endParaRPr lang="de-DE"/>
+          </a:p>
+        </p:txBody>
+      </p:sp>
+    </p:spTree>
+    <p:extLst>
+      <p:ext uri="{BB962C8B-B14F-4D97-AF65-F5344CB8AC3E}">
+        <p14:creationId xmlns:p14="http://schemas.microsoft.com/office/powerpoint/2010/main" val="1213883950"/>
+      </p:ext>
+    </p:extLst>
+  </p:cSld>
+  <p:clrMapOvr>
+    <a:masterClrMapping/>
+  </p:clrMapOvr>
+</p:notes>
+</file>
+
+<file path=ppt/notesSlides/notesSlide32.xml><?xml version="1.0" encoding="utf-8"?>
+<p:notes xmlns:a="http://schemas.openxmlformats.org/drawingml/2006/main" xmlns:r="http://schemas.openxmlformats.org/officeDocument/2006/relationships" xmlns:p="http://schemas.openxmlformats.org/presentationml/2006/main">
+  <p:cSld>
+    <p:spTree>
+      <p:nvGrpSpPr>
+        <p:cNvPr id="1" name=""/>
+        <p:cNvGrpSpPr/>
+        <p:nvPr/>
+      </p:nvGrpSpPr>
+      <p:grpSpPr>
+        <a:xfrm>
+          <a:off x="0" y="0"/>
+          <a:ext cx="0" cy="0"/>
+          <a:chOff x="0" y="0"/>
+          <a:chExt cx="0" cy="0"/>
+        </a:xfrm>
+      </p:grpSpPr>
+      <p:sp>
+        <p:nvSpPr>
+          <p:cNvPr id="2" name="Folienbildplatzhalter 1"/>
+          <p:cNvSpPr>
+            <a:spLocks noGrp="1" noRot="1" noChangeAspect="1"/>
+          </p:cNvSpPr>
+          <p:nvPr>
+            <p:ph type="sldImg"/>
+          </p:nvPr>
+        </p:nvSpPr>
+        <p:spPr/>
+      </p:sp>
+      <p:sp>
+        <p:nvSpPr>
+          <p:cNvPr id="3" name="Notizenplatzhalter 2"/>
+          <p:cNvSpPr>
+            <a:spLocks noGrp="1"/>
+          </p:cNvSpPr>
+          <p:nvPr>
+            <p:ph type="body" idx="1"/>
+          </p:nvPr>
+        </p:nvSpPr>
+        <p:spPr/>
+        <p:txBody>
+          <a:bodyPr/>
+          <a:lstStyle/>
+          <a:p>
+            <a:endParaRPr lang="de-DE" dirty="0"/>
+          </a:p>
+        </p:txBody>
+      </p:sp>
+      <p:sp>
+        <p:nvSpPr>
+          <p:cNvPr id="4" name="Foliennummernplatzhalter 3"/>
+          <p:cNvSpPr>
+            <a:spLocks noGrp="1"/>
+          </p:cNvSpPr>
+          <p:nvPr>
+            <p:ph type="sldNum" sz="quarter" idx="10"/>
+          </p:nvPr>
+        </p:nvSpPr>
+        <p:spPr/>
+        <p:txBody>
+          <a:bodyPr/>
+          <a:lstStyle/>
+          <a:p>
+            <a:fld id="{87E9C61A-9B5E-4580-98DD-1AC874081FFB}" type="slidenum">
+              <a:rPr lang="de-DE" smtClean="0"/>
+              <a:pPr/>
+              <a:t>34</a:t>
+            </a:fld>
+            <a:endParaRPr lang="de-DE"/>
+          </a:p>
+        </p:txBody>
+      </p:sp>
+    </p:spTree>
+    <p:extLst>
+      <p:ext uri="{BB962C8B-B14F-4D97-AF65-F5344CB8AC3E}">
+        <p14:creationId xmlns:p14="http://schemas.microsoft.com/office/powerpoint/2010/main" val="2058865376"/>
+      </p:ext>
+    </p:extLst>
+  </p:cSld>
+  <p:clrMapOvr>
+    <a:masterClrMapping/>
+  </p:clrMapOvr>
+</p:notes>
+</file>
+
+<file path=ppt/notesSlides/notesSlide33.xml><?xml version="1.0" encoding="utf-8"?>
+<p:notes xmlns:a="http://schemas.openxmlformats.org/drawingml/2006/main" xmlns:r="http://schemas.openxmlformats.org/officeDocument/2006/relationships" xmlns:p="http://schemas.openxmlformats.org/presentationml/2006/main">
+  <p:cSld>
+    <p:spTree>
+      <p:nvGrpSpPr>
+        <p:cNvPr id="1" name=""/>
+        <p:cNvGrpSpPr/>
+        <p:nvPr/>
+      </p:nvGrpSpPr>
+      <p:grpSpPr>
+        <a:xfrm>
+          <a:off x="0" y="0"/>
+          <a:ext cx="0" cy="0"/>
+          <a:chOff x="0" y="0"/>
+          <a:chExt cx="0" cy="0"/>
+        </a:xfrm>
+      </p:grpSpPr>
+      <p:sp>
+        <p:nvSpPr>
+          <p:cNvPr id="2" name="Folienbildplatzhalter 1"/>
+          <p:cNvSpPr>
+            <a:spLocks noGrp="1" noRot="1" noChangeAspect="1"/>
+          </p:cNvSpPr>
+          <p:nvPr>
+            <p:ph type="sldImg"/>
+          </p:nvPr>
+        </p:nvSpPr>
+        <p:spPr/>
+      </p:sp>
+      <p:sp>
+        <p:nvSpPr>
+          <p:cNvPr id="3" name="Notizenplatzhalter 2"/>
+          <p:cNvSpPr>
+            <a:spLocks noGrp="1"/>
+          </p:cNvSpPr>
+          <p:nvPr>
+            <p:ph type="body" idx="1"/>
+          </p:nvPr>
+        </p:nvSpPr>
+        <p:spPr/>
+        <p:txBody>
+          <a:bodyPr/>
+          <a:lstStyle/>
+          <a:p>
+            <a:endParaRPr lang="de-DE" dirty="0"/>
+          </a:p>
+        </p:txBody>
+      </p:sp>
+      <p:sp>
+        <p:nvSpPr>
+          <p:cNvPr id="4" name="Foliennummernplatzhalter 3"/>
+          <p:cNvSpPr>
+            <a:spLocks noGrp="1"/>
+          </p:cNvSpPr>
+          <p:nvPr>
+            <p:ph type="sldNum" sz="quarter" idx="10"/>
+          </p:nvPr>
+        </p:nvSpPr>
+        <p:spPr/>
+        <p:txBody>
+          <a:bodyPr/>
+          <a:lstStyle/>
+          <a:p>
+            <a:fld id="{87E9C61A-9B5E-4580-98DD-1AC874081FFB}" type="slidenum">
+              <a:rPr lang="de-DE" smtClean="0"/>
+              <a:pPr/>
+              <a:t>35</a:t>
+            </a:fld>
+            <a:endParaRPr lang="de-DE"/>
+          </a:p>
+        </p:txBody>
+      </p:sp>
+    </p:spTree>
+    <p:extLst>
+      <p:ext uri="{BB962C8B-B14F-4D97-AF65-F5344CB8AC3E}">
+        <p14:creationId xmlns:p14="http://schemas.microsoft.com/office/powerpoint/2010/main" val="1348049600"/>
+      </p:ext>
+    </p:extLst>
+  </p:cSld>
+  <p:clrMapOvr>
+    <a:masterClrMapping/>
+  </p:clrMapOvr>
+</p:notes>
+</file>
+
+<file path=ppt/notesSlides/notesSlide34.xml><?xml version="1.0" encoding="utf-8"?>
+<p:notes xmlns:a="http://schemas.openxmlformats.org/drawingml/2006/main" xmlns:r="http://schemas.openxmlformats.org/officeDocument/2006/relationships" xmlns:p="http://schemas.openxmlformats.org/presentationml/2006/main">
+  <p:cSld>
+    <p:spTree>
+      <p:nvGrpSpPr>
+        <p:cNvPr id="1" name=""/>
+        <p:cNvGrpSpPr/>
+        <p:nvPr/>
+      </p:nvGrpSpPr>
+      <p:grpSpPr>
+        <a:xfrm>
+          <a:off x="0" y="0"/>
+          <a:ext cx="0" cy="0"/>
+          <a:chOff x="0" y="0"/>
+          <a:chExt cx="0" cy="0"/>
+        </a:xfrm>
+      </p:grpSpPr>
+      <p:sp>
+        <p:nvSpPr>
+          <p:cNvPr id="2" name="Folienbildplatzhalter 1"/>
+          <p:cNvSpPr>
+            <a:spLocks noGrp="1" noRot="1" noChangeAspect="1"/>
+          </p:cNvSpPr>
+          <p:nvPr>
+            <p:ph type="sldImg"/>
+          </p:nvPr>
+        </p:nvSpPr>
+        <p:spPr/>
+      </p:sp>
+      <p:sp>
+        <p:nvSpPr>
+          <p:cNvPr id="3" name="Notizenplatzhalter 2"/>
+          <p:cNvSpPr>
+            <a:spLocks noGrp="1"/>
+          </p:cNvSpPr>
+          <p:nvPr>
+            <p:ph type="body" idx="1"/>
+          </p:nvPr>
+        </p:nvSpPr>
+        <p:spPr/>
+        <p:txBody>
+          <a:bodyPr/>
+          <a:lstStyle/>
+          <a:p>
+            <a:endParaRPr lang="de-DE" dirty="0"/>
+          </a:p>
+        </p:txBody>
+      </p:sp>
+      <p:sp>
+        <p:nvSpPr>
+          <p:cNvPr id="4" name="Foliennummernplatzhalter 3"/>
+          <p:cNvSpPr>
+            <a:spLocks noGrp="1"/>
+          </p:cNvSpPr>
+          <p:nvPr>
+            <p:ph type="sldNum" sz="quarter" idx="10"/>
+          </p:nvPr>
+        </p:nvSpPr>
+        <p:spPr/>
+        <p:txBody>
+          <a:bodyPr/>
+          <a:lstStyle/>
+          <a:p>
+            <a:fld id="{87E9C61A-9B5E-4580-98DD-1AC874081FFB}" type="slidenum">
+              <a:rPr lang="de-DE" smtClean="0"/>
+              <a:pPr/>
+              <a:t>36</a:t>
             </a:fld>
             <a:endParaRPr lang="de-DE"/>
           </a:p>
@@ -3602,13 +3946,13 @@
   <p:clrMapOvr>
     <a:masterClrMapping/>
   </p:clrMapOvr>
-  <mc:AlternateContent xmlns:mc="http://schemas.openxmlformats.org/markup-compatibility/2006">
-    <mc:Choice xmlns:p14="http://schemas.microsoft.com/office/powerpoint/2010/main" Requires="p14">
+  <mc:AlternateContent xmlns:mc="http://schemas.openxmlformats.org/markup-compatibility/2006" xmlns:p14="http://schemas.microsoft.com/office/powerpoint/2010/main">
+    <mc:Choice Requires="p14">
       <p:transition spd="med" p14:dur="700">
         <p:fade/>
       </p:transition>
     </mc:Choice>
-    <mc:Fallback>
+    <mc:Fallback xmlns="">
       <p:transition spd="med">
         <p:fade/>
       </p:transition>
@@ -3992,13 +4336,13 @@
   <p:clrMapOvr>
     <a:masterClrMapping/>
   </p:clrMapOvr>
-  <mc:AlternateContent xmlns:mc="http://schemas.openxmlformats.org/markup-compatibility/2006">
-    <mc:Choice xmlns:p14="http://schemas.microsoft.com/office/powerpoint/2010/main" Requires="p14">
+  <mc:AlternateContent xmlns:mc="http://schemas.openxmlformats.org/markup-compatibility/2006" xmlns:p14="http://schemas.microsoft.com/office/powerpoint/2010/main">
+    <mc:Choice Requires="p14">
       <p:transition spd="med" p14:dur="700">
         <p:fade/>
       </p:transition>
     </mc:Choice>
-    <mc:Fallback>
+    <mc:Fallback xmlns="">
       <p:transition spd="med">
         <p:fade/>
       </p:transition>
@@ -4245,13 +4589,13 @@
   <p:clrMapOvr>
     <a:masterClrMapping/>
   </p:clrMapOvr>
-  <mc:AlternateContent xmlns:mc="http://schemas.openxmlformats.org/markup-compatibility/2006">
-    <mc:Choice xmlns:p14="http://schemas.microsoft.com/office/powerpoint/2010/main" Requires="p14">
+  <mc:AlternateContent xmlns:mc="http://schemas.openxmlformats.org/markup-compatibility/2006" xmlns:p14="http://schemas.microsoft.com/office/powerpoint/2010/main">
+    <mc:Choice Requires="p14">
       <p:transition spd="med" p14:dur="700">
         <p:fade/>
       </p:transition>
     </mc:Choice>
-    <mc:Fallback>
+    <mc:Fallback xmlns="">
       <p:transition spd="med">
         <p:fade/>
       </p:transition>
@@ -4507,13 +4851,13 @@
   <p:clrMapOvr>
     <a:masterClrMapping/>
   </p:clrMapOvr>
-  <mc:AlternateContent xmlns:mc="http://schemas.openxmlformats.org/markup-compatibility/2006">
-    <mc:Choice xmlns:p14="http://schemas.microsoft.com/office/powerpoint/2010/main" Requires="p14">
+  <mc:AlternateContent xmlns:mc="http://schemas.openxmlformats.org/markup-compatibility/2006" xmlns:p14="http://schemas.microsoft.com/office/powerpoint/2010/main">
+    <mc:Choice Requires="p14">
       <p:transition spd="med" p14:dur="700">
         <p:fade/>
       </p:transition>
     </mc:Choice>
-    <mc:Fallback>
+    <mc:Fallback xmlns="">
       <p:transition spd="med">
         <p:fade/>
       </p:transition>
@@ -4773,13 +5117,13 @@
   <p:clrMapOvr>
     <a:masterClrMapping/>
   </p:clrMapOvr>
-  <mc:AlternateContent xmlns:mc="http://schemas.openxmlformats.org/markup-compatibility/2006">
-    <mc:Choice xmlns:p14="http://schemas.microsoft.com/office/powerpoint/2010/main" Requires="p14">
+  <mc:AlternateContent xmlns:mc="http://schemas.openxmlformats.org/markup-compatibility/2006" xmlns:p14="http://schemas.microsoft.com/office/powerpoint/2010/main">
+    <mc:Choice Requires="p14">
       <p:transition spd="med" p14:dur="700">
         <p:fade/>
       </p:transition>
     </mc:Choice>
-    <mc:Fallback>
+    <mc:Fallback xmlns="">
       <p:transition spd="med">
         <p:fade/>
       </p:transition>
@@ -5039,13 +5383,13 @@
   <p:clrMapOvr>
     <a:masterClrMapping/>
   </p:clrMapOvr>
-  <mc:AlternateContent xmlns:mc="http://schemas.openxmlformats.org/markup-compatibility/2006">
-    <mc:Choice xmlns:p14="http://schemas.microsoft.com/office/powerpoint/2010/main" Requires="p14">
+  <mc:AlternateContent xmlns:mc="http://schemas.openxmlformats.org/markup-compatibility/2006" xmlns:p14="http://schemas.microsoft.com/office/powerpoint/2010/main">
+    <mc:Choice Requires="p14">
       <p:transition spd="med" p14:dur="700">
         <p:fade/>
       </p:transition>
     </mc:Choice>
-    <mc:Fallback>
+    <mc:Fallback xmlns="">
       <p:transition spd="med">
         <p:fade/>
       </p:transition>
@@ -5301,13 +5645,13 @@
   <p:clrMapOvr>
     <a:masterClrMapping/>
   </p:clrMapOvr>
-  <mc:AlternateContent xmlns:mc="http://schemas.openxmlformats.org/markup-compatibility/2006">
-    <mc:Choice xmlns:p14="http://schemas.microsoft.com/office/powerpoint/2010/main" Requires="p14">
+  <mc:AlternateContent xmlns:mc="http://schemas.openxmlformats.org/markup-compatibility/2006" xmlns:p14="http://schemas.microsoft.com/office/powerpoint/2010/main">
+    <mc:Choice Requires="p14">
       <p:transition spd="med" p14:dur="700">
         <p:fade/>
       </p:transition>
     </mc:Choice>
-    <mc:Fallback>
+    <mc:Fallback xmlns="">
       <p:transition spd="med">
         <p:fade/>
       </p:transition>
@@ -5691,13 +6035,13 @@
   <p:clrMapOvr>
     <a:masterClrMapping/>
   </p:clrMapOvr>
-  <mc:AlternateContent xmlns:mc="http://schemas.openxmlformats.org/markup-compatibility/2006">
-    <mc:Choice xmlns:p14="http://schemas.microsoft.com/office/powerpoint/2010/main" Requires="p14">
+  <mc:AlternateContent xmlns:mc="http://schemas.openxmlformats.org/markup-compatibility/2006" xmlns:p14="http://schemas.microsoft.com/office/powerpoint/2010/main">
+    <mc:Choice Requires="p14">
       <p:transition spd="med" p14:dur="700">
         <p:fade/>
       </p:transition>
     </mc:Choice>
-    <mc:Fallback>
+    <mc:Fallback xmlns="">
       <p:transition spd="med">
         <p:fade/>
       </p:transition>
@@ -6085,13 +6429,13 @@
   <p:clrMapOvr>
     <a:masterClrMapping/>
   </p:clrMapOvr>
-  <mc:AlternateContent xmlns:mc="http://schemas.openxmlformats.org/markup-compatibility/2006">
-    <mc:Choice xmlns:p14="http://schemas.microsoft.com/office/powerpoint/2010/main" Requires="p14">
+  <mc:AlternateContent xmlns:mc="http://schemas.openxmlformats.org/markup-compatibility/2006" xmlns:p14="http://schemas.microsoft.com/office/powerpoint/2010/main">
+    <mc:Choice Requires="p14">
       <p:transition spd="med" p14:dur="700">
         <p:fade/>
       </p:transition>
     </mc:Choice>
-    <mc:Fallback>
+    <mc:Fallback xmlns="">
       <p:transition spd="med">
         <p:fade/>
       </p:transition>
@@ -6479,13 +6823,13 @@
   <p:clrMapOvr>
     <a:masterClrMapping/>
   </p:clrMapOvr>
-  <mc:AlternateContent xmlns:mc="http://schemas.openxmlformats.org/markup-compatibility/2006">
-    <mc:Choice xmlns:p14="http://schemas.microsoft.com/office/powerpoint/2010/main" Requires="p14">
+  <mc:AlternateContent xmlns:mc="http://schemas.openxmlformats.org/markup-compatibility/2006" xmlns:p14="http://schemas.microsoft.com/office/powerpoint/2010/main">
+    <mc:Choice Requires="p14">
       <p:transition spd="med" p14:dur="700">
         <p:fade/>
       </p:transition>
     </mc:Choice>
-    <mc:Fallback>
+    <mc:Fallback xmlns="">
       <p:transition spd="med">
         <p:fade/>
       </p:transition>
@@ -6989,13 +7333,13 @@
     <p:sldLayoutId id="2147483695" r:id="rId9"/>
     <p:sldLayoutId id="2147483696" r:id="rId10"/>
   </p:sldLayoutIdLst>
-  <mc:AlternateContent xmlns:mc="http://schemas.openxmlformats.org/markup-compatibility/2006">
-    <mc:Choice xmlns:p14="http://schemas.microsoft.com/office/powerpoint/2010/main" Requires="p14">
+  <mc:AlternateContent xmlns:mc="http://schemas.openxmlformats.org/markup-compatibility/2006" xmlns:p14="http://schemas.microsoft.com/office/powerpoint/2010/main">
+    <mc:Choice Requires="p14">
       <p:transition spd="med" p14:dur="700">
         <p:fade/>
       </p:transition>
     </mc:Choice>
-    <mc:Fallback>
+    <mc:Fallback xmlns="">
       <p:transition spd="med">
         <p:fade/>
       </p:transition>
@@ -7486,13 +7830,13 @@
   <p:clrMapOvr>
     <a:masterClrMapping/>
   </p:clrMapOvr>
-  <mc:AlternateContent xmlns:mc="http://schemas.openxmlformats.org/markup-compatibility/2006">
-    <mc:Choice xmlns:p14="http://schemas.microsoft.com/office/powerpoint/2010/main" Requires="p14">
+  <mc:AlternateContent xmlns:mc="http://schemas.openxmlformats.org/markup-compatibility/2006" xmlns:p14="http://schemas.microsoft.com/office/powerpoint/2010/main">
+    <mc:Choice Requires="p14">
       <p:transition spd="med" p14:dur="700">
         <p:fade/>
       </p:transition>
     </mc:Choice>
-    <mc:Fallback>
+    <mc:Fallback xmlns="">
       <p:transition spd="med">
         <p:fade/>
       </p:transition>
@@ -7573,29 +7917,6 @@
               </a:pPr>
               <a:t>10</a:t>
             </a:fld>
-            <a:endParaRPr lang="de-DE" dirty="0"/>
-          </a:p>
-        </p:txBody>
-      </p:sp>
-      <p:sp>
-        <p:nvSpPr>
-          <p:cNvPr id="5" name="Fußzeilenplatzhalter 4"/>
-          <p:cNvSpPr>
-            <a:spLocks noGrp="1"/>
-          </p:cNvSpPr>
-          <p:nvPr>
-            <p:ph type="ftr" sz="quarter" idx="3"/>
-          </p:nvPr>
-        </p:nvSpPr>
-        <p:spPr/>
-        <p:txBody>
-          <a:bodyPr/>
-          <a:lstStyle/>
-          <a:p>
-            <a:r>
-              <a:rPr lang="de-DE" smtClean="0"/>
-              <a:t>Sicherheitsaspekte beim Deployment virtueller Netzinfrastrukturen</a:t>
-            </a:r>
             <a:endParaRPr lang="de-DE" dirty="0"/>
           </a:p>
         </p:txBody>
@@ -7791,6 +8112,38 @@
           </a:extLst>
         </p:spPr>
       </p:pic>
+      <p:sp>
+        <p:nvSpPr>
+          <p:cNvPr id="14" name="Fußzeilenplatzhalter 1"/>
+          <p:cNvSpPr>
+            <a:spLocks noGrp="1"/>
+          </p:cNvSpPr>
+          <p:nvPr>
+            <p:ph type="ftr" sz="quarter" idx="3"/>
+          </p:nvPr>
+        </p:nvSpPr>
+        <p:spPr>
+          <a:xfrm>
+            <a:off x="165906" y="6459581"/>
+            <a:ext cx="8079570" cy="292104"/>
+          </a:xfrm>
+        </p:spPr>
+        <p:txBody>
+          <a:bodyPr/>
+          <a:lstStyle/>
+          <a:p>
+            <a:r>
+              <a:rPr lang="de-DE" b="1" dirty="0" smtClean="0"/>
+              <a:t>Virtual Network Embedding</a:t>
+            </a:r>
+            <a:r>
+              <a:rPr lang="de-DE" dirty="0" smtClean="0"/>
+              <a:t>      Klassifizierung von Sicherheitsrisiken      SVNE-Algorithmen</a:t>
+            </a:r>
+            <a:endParaRPr lang="de-DE" dirty="0"/>
+          </a:p>
+        </p:txBody>
+      </p:sp>
     </p:spTree>
     <p:extLst>
       <p:ext uri="{BB962C8B-B14F-4D97-AF65-F5344CB8AC3E}">
@@ -7801,13 +8154,13 @@
   <p:clrMapOvr>
     <a:masterClrMapping/>
   </p:clrMapOvr>
-  <mc:AlternateContent xmlns:mc="http://schemas.openxmlformats.org/markup-compatibility/2006">
-    <mc:Choice xmlns:p14="http://schemas.microsoft.com/office/powerpoint/2010/main" Requires="p14">
+  <mc:AlternateContent xmlns:mc="http://schemas.openxmlformats.org/markup-compatibility/2006" xmlns:p14="http://schemas.microsoft.com/office/powerpoint/2010/main">
+    <mc:Choice Requires="p14">
       <p:transition spd="med" p14:dur="700">
         <p:fade/>
       </p:transition>
     </mc:Choice>
-    <mc:Fallback>
+    <mc:Fallback xmlns="">
       <p:transition spd="med">
         <p:fade/>
       </p:transition>
@@ -7888,29 +8241,6 @@
               </a:pPr>
               <a:t>11</a:t>
             </a:fld>
-            <a:endParaRPr lang="de-DE" dirty="0"/>
-          </a:p>
-        </p:txBody>
-      </p:sp>
-      <p:sp>
-        <p:nvSpPr>
-          <p:cNvPr id="5" name="Fußzeilenplatzhalter 4"/>
-          <p:cNvSpPr>
-            <a:spLocks noGrp="1"/>
-          </p:cNvSpPr>
-          <p:nvPr>
-            <p:ph type="ftr" sz="quarter" idx="3"/>
-          </p:nvPr>
-        </p:nvSpPr>
-        <p:spPr/>
-        <p:txBody>
-          <a:bodyPr/>
-          <a:lstStyle/>
-          <a:p>
-            <a:r>
-              <a:rPr lang="de-DE" smtClean="0"/>
-              <a:t>Sicherheitsaspekte beim Deployment virtueller Netzinfrastrukturen</a:t>
-            </a:r>
             <a:endParaRPr lang="de-DE" dirty="0"/>
           </a:p>
         </p:txBody>
@@ -8094,7 +8424,7 @@
       </p:cxnSp>
       <p:pic>
         <p:nvPicPr>
-          <p:cNvPr id="6146" name="Picture 2" descr="E:\abbfkt.png"/>
+          <p:cNvPr id="3074" name="Picture 2" descr="E:\formel_phys.png"/>
           <p:cNvPicPr>
             <a:picLocks noChangeAspect="1" noChangeArrowheads="1"/>
           </p:cNvPicPr>
@@ -8102,47 +8432,6 @@
         </p:nvPicPr>
         <p:blipFill>
           <a:blip r:embed="rId6">
-            <a:extLst>
-              <a:ext uri="{28A0092B-C50C-407E-A947-70E740481C1C}">
-                <a14:useLocalDpi xmlns:a14="http://schemas.microsoft.com/office/drawing/2010/main" val="0"/>
-              </a:ext>
-            </a:extLst>
-          </a:blip>
-          <a:srcRect/>
-          <a:stretch>
-            <a:fillRect/>
-          </a:stretch>
-        </p:blipFill>
-        <p:spPr bwMode="auto">
-          <a:xfrm>
-            <a:off x="2087724" y="5013176"/>
-            <a:ext cx="4036820" cy="1244324"/>
-          </a:xfrm>
-          <a:prstGeom prst="rect">
-            <a:avLst/>
-          </a:prstGeom>
-          <a:noFill/>
-          <a:extLst>
-            <a:ext uri="{909E8E84-426E-40DD-AFC4-6F175D3DCCD1}">
-              <a14:hiddenFill xmlns:a14="http://schemas.microsoft.com/office/drawing/2010/main">
-                <a:solidFill>
-                  <a:srgbClr val="FFFFFF"/>
-                </a:solidFill>
-              </a14:hiddenFill>
-            </a:ext>
-          </a:extLst>
-        </p:spPr>
-      </p:pic>
-      <p:pic>
-        <p:nvPicPr>
-          <p:cNvPr id="3074" name="Picture 2" descr="E:\formel_phys.png"/>
-          <p:cNvPicPr>
-            <a:picLocks noChangeAspect="1" noChangeArrowheads="1"/>
-          </p:cNvPicPr>
-          <p:nvPr/>
-        </p:nvPicPr>
-        <p:blipFill>
-          <a:blip r:embed="rId7">
             <a:extLst>
               <a:ext uri="{28A0092B-C50C-407E-A947-70E740481C1C}">
                 <a14:useLocalDpi xmlns:a14="http://schemas.microsoft.com/office/drawing/2010/main" val="0"/>
@@ -8174,6 +8463,98 @@
           </a:extLst>
         </p:spPr>
       </p:pic>
+      <p:sp>
+        <p:nvSpPr>
+          <p:cNvPr id="14" name="Textfeld 13"/>
+          <p:cNvSpPr txBox="1"/>
+          <p:nvPr/>
+        </p:nvSpPr>
+        <p:spPr>
+          <a:xfrm>
+            <a:off x="2771800" y="5154814"/>
+            <a:ext cx="3620350" cy="923330"/>
+          </a:xfrm>
+          <a:prstGeom prst="rect">
+            <a:avLst/>
+          </a:prstGeom>
+          <a:noFill/>
+        </p:spPr>
+        <p:txBody>
+          <a:bodyPr wrap="none" rtlCol="0">
+            <a:spAutoFit/>
+          </a:bodyPr>
+          <a:lstStyle/>
+          <a:p>
+            <a:r>
+              <a:rPr lang="de-DE" sz="5400" b="1" dirty="0" smtClean="0">
+                <a:latin typeface="Garamond" panose="02020404030301010803" pitchFamily="18" charset="0"/>
+              </a:rPr>
+              <a:t>f : G</a:t>
+            </a:r>
+            <a:r>
+              <a:rPr lang="de-DE" sz="5400" b="1" baseline="30000" dirty="0" smtClean="0">
+                <a:latin typeface="Garamond" panose="02020404030301010803" pitchFamily="18" charset="0"/>
+              </a:rPr>
+              <a:t>V</a:t>
+            </a:r>
+            <a:r>
+              <a:rPr lang="de-DE" sz="5400" b="1" dirty="0" smtClean="0">
+                <a:latin typeface="Garamond" panose="02020404030301010803" pitchFamily="18" charset="0"/>
+              </a:rPr>
+              <a:t> →</a:t>
+            </a:r>
+            <a:r>
+              <a:rPr lang="de-DE" sz="5400" b="1" dirty="0" smtClean="0">
+                <a:latin typeface="Garamond" panose="02020404030301010803" pitchFamily="18" charset="0"/>
+                <a:sym typeface="Wingdings" panose="05000000000000000000" pitchFamily="2" charset="2"/>
+              </a:rPr>
+              <a:t> G</a:t>
+            </a:r>
+            <a:r>
+              <a:rPr lang="de-DE" sz="5400" b="1" baseline="30000" dirty="0" smtClean="0">
+                <a:latin typeface="Garamond" panose="02020404030301010803" pitchFamily="18" charset="0"/>
+                <a:sym typeface="Wingdings" panose="05000000000000000000" pitchFamily="2" charset="2"/>
+              </a:rPr>
+              <a:t>S</a:t>
+            </a:r>
+            <a:endParaRPr lang="de-DE" sz="5400" b="1" baseline="30000" dirty="0">
+              <a:latin typeface="Garamond" panose="02020404030301010803" pitchFamily="18" charset="0"/>
+            </a:endParaRPr>
+          </a:p>
+        </p:txBody>
+      </p:sp>
+      <p:sp>
+        <p:nvSpPr>
+          <p:cNvPr id="15" name="Fußzeilenplatzhalter 1"/>
+          <p:cNvSpPr>
+            <a:spLocks noGrp="1"/>
+          </p:cNvSpPr>
+          <p:nvPr>
+            <p:ph type="ftr" sz="quarter" idx="3"/>
+          </p:nvPr>
+        </p:nvSpPr>
+        <p:spPr>
+          <a:xfrm>
+            <a:off x="165906" y="6459581"/>
+            <a:ext cx="8079570" cy="292104"/>
+          </a:xfrm>
+        </p:spPr>
+        <p:txBody>
+          <a:bodyPr/>
+          <a:lstStyle/>
+          <a:p>
+            <a:r>
+              <a:rPr lang="de-DE" b="1" dirty="0" smtClean="0"/>
+              <a:t>Virtual Network Embedding</a:t>
+            </a:r>
+            <a:r>
+              <a:rPr lang="de-DE" dirty="0" smtClean="0"/>
+              <a:t>      Klassifizierung von Sicherheitsrisiken      SVNE-Algorithmen</a:t>
+            </a:r>
+            <a:endParaRPr lang="de-DE" dirty="0"/>
+          </a:p>
+        </p:txBody>
+      </p:sp>
     </p:spTree>
     <p:extLst>
       <p:ext uri="{BB962C8B-B14F-4D97-AF65-F5344CB8AC3E}">
@@ -8184,13 +8565,13 @@
   <p:clrMapOvr>
     <a:masterClrMapping/>
   </p:clrMapOvr>
-  <mc:AlternateContent xmlns:mc="http://schemas.openxmlformats.org/markup-compatibility/2006">
-    <mc:Choice xmlns:p14="http://schemas.microsoft.com/office/powerpoint/2010/main" Requires="p14">
+  <mc:AlternateContent xmlns:mc="http://schemas.openxmlformats.org/markup-compatibility/2006" xmlns:p14="http://schemas.microsoft.com/office/powerpoint/2010/main">
+    <mc:Choice Requires="p14">
       <p:transition spd="med" p14:dur="700">
         <p:fade/>
       </p:transition>
     </mc:Choice>
-    <mc:Fallback>
+    <mc:Fallback xmlns="">
       <p:transition spd="med">
         <p:fade/>
       </p:transition>
@@ -8277,29 +8658,6 @@
       </p:sp>
       <p:sp>
         <p:nvSpPr>
-          <p:cNvPr id="5" name="Fußzeilenplatzhalter 4"/>
-          <p:cNvSpPr>
-            <a:spLocks noGrp="1"/>
-          </p:cNvSpPr>
-          <p:nvPr>
-            <p:ph type="ftr" sz="quarter" idx="3"/>
-          </p:nvPr>
-        </p:nvSpPr>
-        <p:spPr/>
-        <p:txBody>
-          <a:bodyPr/>
-          <a:lstStyle/>
-          <a:p>
-            <a:r>
-              <a:rPr lang="de-DE" smtClean="0"/>
-              <a:t>Sicherheitsaspekte beim Deployment virtueller Netzinfrastrukturen</a:t>
-            </a:r>
-            <a:endParaRPr lang="de-DE" dirty="0"/>
-          </a:p>
-        </p:txBody>
-      </p:sp>
-      <p:sp>
-        <p:nvSpPr>
           <p:cNvPr id="7" name="Textfeld 6"/>
           <p:cNvSpPr txBox="1"/>
           <p:nvPr/>
@@ -8323,11 +8681,7 @@
             <a:pPr algn="ctr"/>
             <a:r>
               <a:rPr lang="de-DE" dirty="0" smtClean="0"/>
-              <a:t>Drei-Schichten-Architektur. Die </a:t>
-            </a:r>
-            <a:r>
-              <a:rPr lang="de-DE" dirty="0" smtClean="0"/>
-              <a:t>Substratnetze zweier Infrastructure Provider hosten zwei virtuelle Netze eines Service Providers.</a:t>
+              <a:t>Drei-Schichten-Architektur. Die Substratnetze zweier Infrastructure Provider hosten zwei virtuelle Netze eines Service Providers.</a:t>
             </a:r>
             <a:endParaRPr lang="de-DE" dirty="0"/>
           </a:p>
@@ -8357,6 +8711,42 @@
           </a:prstGeom>
         </p:spPr>
       </p:pic>
+      <p:sp>
+        <p:nvSpPr>
+          <p:cNvPr id="9" name="Fußzeilenplatzhalter 1"/>
+          <p:cNvSpPr>
+            <a:spLocks noGrp="1"/>
+          </p:cNvSpPr>
+          <p:nvPr>
+            <p:ph type="ftr" sz="quarter" idx="3"/>
+          </p:nvPr>
+        </p:nvSpPr>
+        <p:spPr>
+          <a:xfrm>
+            <a:off x="165905" y="6459580"/>
+            <a:ext cx="9076105" cy="292105"/>
+          </a:xfrm>
+        </p:spPr>
+        <p:txBody>
+          <a:bodyPr/>
+          <a:lstStyle/>
+          <a:p>
+            <a:r>
+              <a:rPr lang="de-DE" dirty="0" smtClean="0"/>
+              <a:t>Virtual Network Embedding      </a:t>
+            </a:r>
+            <a:r>
+              <a:rPr lang="de-DE" b="1" dirty="0" smtClean="0"/>
+              <a:t>Klassifizierung von Sicherheitsrisiken      </a:t>
+            </a:r>
+            <a:r>
+              <a:rPr lang="de-DE" dirty="0" smtClean="0"/>
+              <a:t>SVNE-Algorithmen</a:t>
+            </a:r>
+            <a:endParaRPr lang="de-DE" dirty="0"/>
+          </a:p>
+        </p:txBody>
+      </p:sp>
     </p:spTree>
     <p:extLst>
       <p:ext uri="{BB962C8B-B14F-4D97-AF65-F5344CB8AC3E}">
@@ -8367,13 +8757,13 @@
   <p:clrMapOvr>
     <a:masterClrMapping/>
   </p:clrMapOvr>
-  <mc:AlternateContent xmlns:mc="http://schemas.openxmlformats.org/markup-compatibility/2006">
-    <mc:Choice xmlns:p14="http://schemas.microsoft.com/office/powerpoint/2010/main" Requires="p14">
+  <mc:AlternateContent xmlns:mc="http://schemas.openxmlformats.org/markup-compatibility/2006" xmlns:p14="http://schemas.microsoft.com/office/powerpoint/2010/main">
+    <mc:Choice Requires="p14">
       <p:transition spd="med" p14:dur="700">
         <p:fade/>
       </p:transition>
     </mc:Choice>
-    <mc:Fallback>
+    <mc:Fallback xmlns="">
       <p:transition spd="med">
         <p:fade/>
       </p:transition>
@@ -8460,29 +8850,6 @@
       </p:sp>
       <p:sp>
         <p:nvSpPr>
-          <p:cNvPr id="5" name="Fußzeilenplatzhalter 4"/>
-          <p:cNvSpPr>
-            <a:spLocks noGrp="1"/>
-          </p:cNvSpPr>
-          <p:nvPr>
-            <p:ph type="ftr" sz="quarter" idx="3"/>
-          </p:nvPr>
-        </p:nvSpPr>
-        <p:spPr/>
-        <p:txBody>
-          <a:bodyPr/>
-          <a:lstStyle/>
-          <a:p>
-            <a:r>
-              <a:rPr lang="de-DE" smtClean="0"/>
-              <a:t>Sicherheitsaspekte beim Deployment virtueller Netzinfrastrukturen</a:t>
-            </a:r>
-            <a:endParaRPr lang="de-DE" dirty="0"/>
-          </a:p>
-        </p:txBody>
-      </p:sp>
-      <p:sp>
-        <p:nvSpPr>
           <p:cNvPr id="9" name="Rechteck 8"/>
           <p:cNvSpPr/>
           <p:nvPr/>
@@ -8757,6 +9124,42 @@
           </a:p>
         </p:txBody>
       </p:sp>
+      <p:sp>
+        <p:nvSpPr>
+          <p:cNvPr id="10" name="Fußzeilenplatzhalter 1"/>
+          <p:cNvSpPr>
+            <a:spLocks noGrp="1"/>
+          </p:cNvSpPr>
+          <p:nvPr>
+            <p:ph type="ftr" sz="quarter" idx="3"/>
+          </p:nvPr>
+        </p:nvSpPr>
+        <p:spPr>
+          <a:xfrm>
+            <a:off x="165906" y="6459581"/>
+            <a:ext cx="8079570" cy="292104"/>
+          </a:xfrm>
+        </p:spPr>
+        <p:txBody>
+          <a:bodyPr/>
+          <a:lstStyle/>
+          <a:p>
+            <a:r>
+              <a:rPr lang="de-DE" dirty="0" smtClean="0"/>
+              <a:t>Virtual Network Embedding      </a:t>
+            </a:r>
+            <a:r>
+              <a:rPr lang="de-DE" b="1" dirty="0" smtClean="0"/>
+              <a:t>Klassifizierung von Sicherheitsrisiken      </a:t>
+            </a:r>
+            <a:r>
+              <a:rPr lang="de-DE" dirty="0" smtClean="0"/>
+              <a:t>SVNE-Algorithmen</a:t>
+            </a:r>
+            <a:endParaRPr lang="de-DE" dirty="0"/>
+          </a:p>
+        </p:txBody>
+      </p:sp>
     </p:spTree>
     <p:extLst>
       <p:ext uri="{BB962C8B-B14F-4D97-AF65-F5344CB8AC3E}">
@@ -8767,13 +9170,363 @@
   <p:clrMapOvr>
     <a:masterClrMapping/>
   </p:clrMapOvr>
-  <mc:AlternateContent xmlns:mc="http://schemas.openxmlformats.org/markup-compatibility/2006">
-    <mc:Choice xmlns:p14="http://schemas.microsoft.com/office/powerpoint/2010/main" Requires="p14">
+  <mc:AlternateContent xmlns:mc="http://schemas.openxmlformats.org/markup-compatibility/2006" xmlns:p14="http://schemas.microsoft.com/office/powerpoint/2010/main">
+    <mc:Choice Requires="p14">
       <p:transition spd="med" p14:dur="700">
         <p:fade/>
       </p:transition>
     </mc:Choice>
-    <mc:Fallback>
+    <mc:Fallback xmlns="">
+      <p:transition spd="med">
+        <p:fade/>
+      </p:transition>
+    </mc:Fallback>
+  </mc:AlternateContent>
+  <p:timing>
+    <p:tnLst>
+      <p:par>
+        <p:cTn id="1" dur="indefinite" restart="never" nodeType="tmRoot"/>
+      </p:par>
+    </p:tnLst>
+  </p:timing>
+</p:sld>
+</file>
+
+<file path=ppt/slides/slide14.xml><?xml version="1.0" encoding="utf-8"?>
+<p:sld xmlns:a="http://schemas.openxmlformats.org/drawingml/2006/main" xmlns:r="http://schemas.openxmlformats.org/officeDocument/2006/relationships" xmlns:p="http://schemas.openxmlformats.org/presentationml/2006/main">
+  <p:cSld>
+    <p:spTree>
+      <p:nvGrpSpPr>
+        <p:cNvPr id="1" name=""/>
+        <p:cNvGrpSpPr/>
+        <p:nvPr/>
+      </p:nvGrpSpPr>
+      <p:grpSpPr>
+        <a:xfrm>
+          <a:off x="0" y="0"/>
+          <a:ext cx="0" cy="0"/>
+          <a:chOff x="0" y="0"/>
+          <a:chExt cx="0" cy="0"/>
+        </a:xfrm>
+      </p:grpSpPr>
+      <p:sp>
+        <p:nvSpPr>
+          <p:cNvPr id="2" name="Titel 1"/>
+          <p:cNvSpPr>
+            <a:spLocks noGrp="1"/>
+          </p:cNvSpPr>
+          <p:nvPr>
+            <p:ph type="title"/>
+          </p:nvPr>
+        </p:nvSpPr>
+        <p:spPr/>
+        <p:txBody>
+          <a:bodyPr/>
+          <a:lstStyle/>
+          <a:p>
+            <a:r>
+              <a:rPr lang="de-DE" dirty="0" smtClean="0"/>
+              <a:t>Klassifizierung von Sicherheitsrisiken</a:t>
+            </a:r>
+            <a:endParaRPr lang="de-DE" dirty="0"/>
+          </a:p>
+        </p:txBody>
+      </p:sp>
+      <p:sp>
+        <p:nvSpPr>
+          <p:cNvPr id="4" name="Foliennummernplatzhalter 3"/>
+          <p:cNvSpPr>
+            <a:spLocks noGrp="1"/>
+          </p:cNvSpPr>
+          <p:nvPr>
+            <p:ph type="sldNum" sz="quarter" idx="4"/>
+          </p:nvPr>
+        </p:nvSpPr>
+        <p:spPr/>
+        <p:txBody>
+          <a:bodyPr/>
+          <a:lstStyle/>
+          <a:p>
+            <a:pPr>
+              <a:defRPr/>
+            </a:pPr>
+            <a:fld id="{70BFFA52-4234-45F6-B1A6-074E24FF43A2}" type="slidenum">
+              <a:rPr lang="de-DE" smtClean="0"/>
+              <a:pPr>
+                <a:defRPr/>
+              </a:pPr>
+              <a:t>14</a:t>
+            </a:fld>
+            <a:endParaRPr lang="de-DE" dirty="0"/>
+          </a:p>
+        </p:txBody>
+      </p:sp>
+      <p:sp>
+        <p:nvSpPr>
+          <p:cNvPr id="9" name="Rechteck 8"/>
+          <p:cNvSpPr/>
+          <p:nvPr/>
+        </p:nvSpPr>
+        <p:spPr bwMode="auto">
+          <a:xfrm>
+            <a:off x="898525" y="3032956"/>
+            <a:ext cx="7381887" cy="3321034"/>
+          </a:xfrm>
+          <a:prstGeom prst="rect">
+            <a:avLst/>
+          </a:prstGeom>
+          <a:solidFill>
+            <a:schemeClr val="bg1"/>
+          </a:solidFill>
+          <a:ln w="12700" cap="flat" cmpd="sng" algn="ctr">
+            <a:noFill/>
+            <a:prstDash val="solid"/>
+            <a:round/>
+            <a:headEnd type="none" w="med" len="med"/>
+            <a:tailEnd type="none" w="med" len="med"/>
+          </a:ln>
+          <a:effectLst/>
+        </p:spPr>
+        <p:txBody>
+          <a:bodyPr vert="horz" wrap="square" lIns="91440" tIns="45720" rIns="91440" bIns="45720" numCol="1" rtlCol="0" anchor="ctr" anchorCtr="0" compatLnSpc="1">
+            <a:prstTxWarp prst="textNoShape">
+              <a:avLst/>
+            </a:prstTxWarp>
+          </a:bodyPr>
+          <a:lstStyle/>
+          <a:p>
+            <a:pPr marL="0" marR="0" indent="0" algn="l" defTabSz="914400" rtl="0" eaLnBrk="0" fontAlgn="base" latinLnBrk="0" hangingPunct="0">
+              <a:lnSpc>
+                <a:spcPct val="100000"/>
+              </a:lnSpc>
+              <a:spcBef>
+                <a:spcPct val="0"/>
+              </a:spcBef>
+              <a:spcAft>
+                <a:spcPct val="0"/>
+              </a:spcAft>
+              <a:buClrTx/>
+              <a:buSzTx/>
+              <a:buFontTx/>
+              <a:buNone/>
+              <a:tabLst/>
+            </a:pPr>
+            <a:endParaRPr kumimoji="0" lang="de-DE" sz="1400" b="0" i="0" u="none" strike="noStrike" cap="none" normalizeH="0" baseline="0" smtClean="0">
+              <a:ln>
+                <a:noFill/>
+              </a:ln>
+              <a:solidFill>
+                <a:schemeClr val="tx1"/>
+              </a:solidFill>
+              <a:effectLst/>
+              <a:latin typeface="LMU CompatilFact" pitchFamily="2" charset="0"/>
+            </a:endParaRPr>
+          </a:p>
+        </p:txBody>
+      </p:sp>
+      <p:sp>
+        <p:nvSpPr>
+          <p:cNvPr id="8" name="Rechteck 7"/>
+          <p:cNvSpPr/>
+          <p:nvPr/>
+        </p:nvSpPr>
+        <p:spPr bwMode="auto">
+          <a:xfrm>
+            <a:off x="898525" y="3933056"/>
+            <a:ext cx="7381887" cy="2420934"/>
+          </a:xfrm>
+          <a:prstGeom prst="rect">
+            <a:avLst/>
+          </a:prstGeom>
+          <a:solidFill>
+            <a:schemeClr val="bg1"/>
+          </a:solidFill>
+          <a:ln w="12700" cap="flat" cmpd="sng" algn="ctr">
+            <a:noFill/>
+            <a:prstDash val="solid"/>
+            <a:round/>
+            <a:headEnd type="none" w="med" len="med"/>
+            <a:tailEnd type="none" w="med" len="med"/>
+          </a:ln>
+          <a:effectLst/>
+        </p:spPr>
+        <p:txBody>
+          <a:bodyPr vert="horz" wrap="square" lIns="91440" tIns="45720" rIns="91440" bIns="45720" numCol="1" rtlCol="0" anchor="ctr" anchorCtr="0" compatLnSpc="1">
+            <a:prstTxWarp prst="textNoShape">
+              <a:avLst/>
+            </a:prstTxWarp>
+          </a:bodyPr>
+          <a:lstStyle/>
+          <a:p>
+            <a:pPr marL="0" marR="0" indent="0" algn="l" defTabSz="914400" rtl="0" eaLnBrk="0" fontAlgn="base" latinLnBrk="0" hangingPunct="0">
+              <a:lnSpc>
+                <a:spcPct val="100000"/>
+              </a:lnSpc>
+              <a:spcBef>
+                <a:spcPct val="0"/>
+              </a:spcBef>
+              <a:spcAft>
+                <a:spcPct val="0"/>
+              </a:spcAft>
+              <a:buClrTx/>
+              <a:buSzTx/>
+              <a:buFontTx/>
+              <a:buNone/>
+              <a:tabLst/>
+            </a:pPr>
+            <a:endParaRPr kumimoji="0" lang="de-DE" sz="1400" b="0" i="0" u="none" strike="noStrike" cap="none" normalizeH="0" baseline="0" smtClean="0">
+              <a:ln>
+                <a:noFill/>
+              </a:ln>
+              <a:solidFill>
+                <a:schemeClr val="tx1"/>
+              </a:solidFill>
+              <a:effectLst/>
+              <a:latin typeface="LMU CompatilFact" pitchFamily="2" charset="0"/>
+            </a:endParaRPr>
+          </a:p>
+        </p:txBody>
+      </p:sp>
+      <p:pic>
+        <p:nvPicPr>
+          <p:cNvPr id="11" name="Grafik 10"/>
+          <p:cNvPicPr>
+            <a:picLocks noChangeAspect="1"/>
+          </p:cNvPicPr>
+          <p:nvPr/>
+        </p:nvPicPr>
+        <p:blipFill>
+          <a:blip r:embed="rId3"/>
+          <a:stretch>
+            <a:fillRect/>
+          </a:stretch>
+        </p:blipFill>
+        <p:spPr>
+          <a:xfrm>
+            <a:off x="1322236" y="1340768"/>
+            <a:ext cx="6526128" cy="5059562"/>
+          </a:xfrm>
+          <a:prstGeom prst="rect">
+            <a:avLst/>
+          </a:prstGeom>
+        </p:spPr>
+      </p:pic>
+      <p:sp>
+        <p:nvSpPr>
+          <p:cNvPr id="13" name="Rechteck 12"/>
+          <p:cNvSpPr/>
+          <p:nvPr/>
+        </p:nvSpPr>
+        <p:spPr bwMode="auto">
+          <a:xfrm>
+            <a:off x="898525" y="4005064"/>
+            <a:ext cx="7381887" cy="2348926"/>
+          </a:xfrm>
+          <a:prstGeom prst="rect">
+            <a:avLst/>
+          </a:prstGeom>
+          <a:solidFill>
+            <a:schemeClr val="bg1"/>
+          </a:solidFill>
+          <a:ln w="12700" cap="flat" cmpd="sng" algn="ctr">
+            <a:noFill/>
+            <a:prstDash val="solid"/>
+            <a:round/>
+            <a:headEnd type="none" w="med" len="med"/>
+            <a:tailEnd type="none" w="med" len="med"/>
+          </a:ln>
+          <a:effectLst/>
+        </p:spPr>
+        <p:txBody>
+          <a:bodyPr vert="horz" wrap="square" lIns="91440" tIns="45720" rIns="91440" bIns="45720" numCol="1" rtlCol="0" anchor="ctr" anchorCtr="0" compatLnSpc="1">
+            <a:prstTxWarp prst="textNoShape">
+              <a:avLst/>
+            </a:prstTxWarp>
+          </a:bodyPr>
+          <a:lstStyle/>
+          <a:p>
+            <a:pPr marL="0" marR="0" indent="0" algn="l" defTabSz="914400" rtl="0" eaLnBrk="0" fontAlgn="base" latinLnBrk="0" hangingPunct="0">
+              <a:lnSpc>
+                <a:spcPct val="100000"/>
+              </a:lnSpc>
+              <a:spcBef>
+                <a:spcPct val="0"/>
+              </a:spcBef>
+              <a:spcAft>
+                <a:spcPct val="0"/>
+              </a:spcAft>
+              <a:buClrTx/>
+              <a:buSzTx/>
+              <a:buFontTx/>
+              <a:buNone/>
+              <a:tabLst/>
+            </a:pPr>
+            <a:endParaRPr kumimoji="0" lang="de-DE" sz="1400" b="0" i="0" u="none" strike="noStrike" cap="none" normalizeH="0" baseline="0" smtClean="0">
+              <a:ln>
+                <a:noFill/>
+              </a:ln>
+              <a:solidFill>
+                <a:schemeClr val="tx1"/>
+              </a:solidFill>
+              <a:effectLst/>
+              <a:latin typeface="LMU CompatilFact" pitchFamily="2" charset="0"/>
+            </a:endParaRPr>
+          </a:p>
+        </p:txBody>
+      </p:sp>
+      <p:sp>
+        <p:nvSpPr>
+          <p:cNvPr id="10" name="Fußzeilenplatzhalter 1"/>
+          <p:cNvSpPr>
+            <a:spLocks noGrp="1"/>
+          </p:cNvSpPr>
+          <p:nvPr>
+            <p:ph type="ftr" sz="quarter" idx="3"/>
+          </p:nvPr>
+        </p:nvSpPr>
+        <p:spPr>
+          <a:xfrm>
+            <a:off x="165906" y="6459581"/>
+            <a:ext cx="8079570" cy="292104"/>
+          </a:xfrm>
+        </p:spPr>
+        <p:txBody>
+          <a:bodyPr/>
+          <a:lstStyle/>
+          <a:p>
+            <a:r>
+              <a:rPr lang="de-DE" dirty="0" smtClean="0"/>
+              <a:t>Virtual Network Embedding      </a:t>
+            </a:r>
+            <a:r>
+              <a:rPr lang="de-DE" b="1" dirty="0" smtClean="0"/>
+              <a:t>Klassifizierung von Sicherheitsrisiken      </a:t>
+            </a:r>
+            <a:r>
+              <a:rPr lang="de-DE" dirty="0" smtClean="0"/>
+              <a:t>SVNE-Algorithmen</a:t>
+            </a:r>
+            <a:endParaRPr lang="de-DE" dirty="0"/>
+          </a:p>
+        </p:txBody>
+      </p:sp>
+    </p:spTree>
+    <p:extLst>
+      <p:ext uri="{BB962C8B-B14F-4D97-AF65-F5344CB8AC3E}">
+        <p14:creationId xmlns:p14="http://schemas.microsoft.com/office/powerpoint/2010/main" val="302831493"/>
+      </p:ext>
+    </p:extLst>
+  </p:cSld>
+  <p:clrMapOvr>
+    <a:masterClrMapping/>
+  </p:clrMapOvr>
+  <mc:AlternateContent xmlns:mc="http://schemas.openxmlformats.org/markup-compatibility/2006" xmlns:p14="http://schemas.microsoft.com/office/powerpoint/2010/main">
+    <mc:Choice Requires="p14">
+      <p:transition spd="med" p14:dur="700">
+        <p:fade/>
+      </p:transition>
+    </mc:Choice>
+    <mc:Fallback xmlns="">
       <p:transition spd="med">
         <p:fade/>
       </p:transition>
@@ -8809,66 +9562,13 @@
                                       <p:cBhvr>
                                         <p:cTn id="6" dur="500"/>
                                         <p:tgtEl>
-                                          <p:spTgt spid="12"/>
+                                          <p:spTgt spid="13"/>
                                         </p:tgtEl>
                                       </p:cBhvr>
                                     </p:animEffect>
                                     <p:set>
                                       <p:cBhvr>
                                         <p:cTn id="7" dur="1" fill="hold">
-                                          <p:stCondLst>
-                                            <p:cond delay="499"/>
-                                          </p:stCondLst>
-                                        </p:cTn>
-                                        <p:tgtEl>
-                                          <p:spTgt spid="12"/>
-                                        </p:tgtEl>
-                                        <p:attrNameLst>
-                                          <p:attrName>style.visibility</p:attrName>
-                                        </p:attrNameLst>
-                                      </p:cBhvr>
-                                      <p:to>
-                                        <p:strVal val="hidden"/>
-                                      </p:to>
-                                    </p:set>
-                                  </p:childTnLst>
-                                </p:cTn>
-                              </p:par>
-                            </p:childTnLst>
-                          </p:cTn>
-                        </p:par>
-                      </p:childTnLst>
-                    </p:cTn>
-                  </p:par>
-                  <p:par>
-                    <p:cTn id="8" fill="hold">
-                      <p:stCondLst>
-                        <p:cond delay="indefinite"/>
-                      </p:stCondLst>
-                      <p:childTnLst>
-                        <p:par>
-                          <p:cTn id="9" fill="hold">
-                            <p:stCondLst>
-                              <p:cond delay="0"/>
-                            </p:stCondLst>
-                            <p:childTnLst>
-                              <p:par>
-                                <p:cTn id="10" presetID="10" presetClass="exit" presetSubtype="0" fill="hold" grpId="0" nodeType="clickEffect">
-                                  <p:stCondLst>
-                                    <p:cond delay="0"/>
-                                  </p:stCondLst>
-                                  <p:childTnLst>
-                                    <p:animEffect transition="out" filter="fade">
-                                      <p:cBhvr>
-                                        <p:cTn id="11" dur="500"/>
-                                        <p:tgtEl>
-                                          <p:spTgt spid="13"/>
-                                        </p:tgtEl>
-                                      </p:cBhvr>
-                                    </p:animEffect>
-                                    <p:set>
-                                      <p:cBhvr>
-                                        <p:cTn id="12" dur="1" fill="hold">
                                           <p:stCondLst>
                                             <p:cond delay="499"/>
                                           </p:stCondLst>
@@ -8915,14 +9615,13 @@
       </p:par>
     </p:tnLst>
     <p:bldLst>
-      <p:bldP spid="12" grpId="0" animBg="1"/>
       <p:bldP spid="13" grpId="0" animBg="1"/>
     </p:bldLst>
   </p:timing>
 </p:sld>
 </file>
 
-<file path=ppt/slides/slide14.xml><?xml version="1.0" encoding="utf-8"?>
+<file path=ppt/slides/slide15.xml><?xml version="1.0" encoding="utf-8"?>
 <p:sld xmlns:a="http://schemas.openxmlformats.org/drawingml/2006/main" xmlns:r="http://schemas.openxmlformats.org/officeDocument/2006/relationships" xmlns:p="http://schemas.openxmlformats.org/presentationml/2006/main">
   <p:cSld>
     <p:spTree>
@@ -8955,15 +9654,8 @@
           <a:lstStyle/>
           <a:p>
             <a:r>
-              <a:rPr lang="de-DE" smtClean="0"/>
-              <a:t>Sicherheitsrisiken </a:t>
-            </a:r>
-            <a:br>
-              <a:rPr lang="de-DE" smtClean="0"/>
-            </a:br>
-            <a:r>
-              <a:rPr lang="de-DE" smtClean="0"/>
-              <a:t>technischer Art</a:t>
+              <a:rPr lang="de-DE" dirty="0" smtClean="0"/>
+              <a:t>Klassifizierung von Sicherheitsrisiken</a:t>
             </a:r>
             <a:endParaRPr lang="de-DE" dirty="0"/>
           </a:p>
@@ -8971,12 +9663,12 @@
       </p:sp>
       <p:sp>
         <p:nvSpPr>
-          <p:cNvPr id="10" name="Inhaltsplatzhalter 9"/>
+          <p:cNvPr id="4" name="Foliennummernplatzhalter 3"/>
           <p:cNvSpPr>
             <a:spLocks noGrp="1"/>
           </p:cNvSpPr>
           <p:nvPr>
-            <p:ph idx="1"/>
+            <p:ph type="sldNum" sz="quarter" idx="4"/>
           </p:nvPr>
         </p:nvSpPr>
         <p:spPr/>
@@ -8984,73 +9676,15 @@
           <a:bodyPr/>
           <a:lstStyle/>
           <a:p>
-            <a:pPr marL="0" indent="0">
-              <a:buNone/>
+            <a:pPr>
+              <a:defRPr/>
             </a:pPr>
-            <a:r>
-              <a:rPr lang="de-DE" b="1" dirty="0" smtClean="0"/>
-              <a:t>Von NI ausgehend…</a:t>
-            </a:r>
-          </a:p>
-          <a:p>
-            <a:pPr marL="0" indent="0">
-              <a:buNone/>
-            </a:pPr>
-            <a:r>
-              <a:rPr lang="de-DE" b="1" dirty="0"/>
-              <a:t>	</a:t>
-            </a:r>
-            <a:r>
-              <a:rPr lang="de-DE" b="1" dirty="0" smtClean="0"/>
-              <a:t>… gegen VN/VM und User</a:t>
-            </a:r>
-          </a:p>
-          <a:p>
-            <a:endParaRPr lang="de-DE" dirty="0" smtClean="0"/>
-          </a:p>
-          <a:p>
-            <a:r>
-              <a:rPr lang="de-DE" dirty="0" smtClean="0"/>
-              <a:t>Monitoring der VM-Aktivitäten</a:t>
-            </a:r>
-          </a:p>
-          <a:p>
-            <a:r>
-              <a:rPr lang="de-DE" dirty="0" err="1" smtClean="0"/>
-              <a:t>Sniffing</a:t>
-            </a:r>
-            <a:r>
-              <a:rPr lang="de-DE" dirty="0" smtClean="0"/>
-              <a:t>, Spoofing</a:t>
-            </a:r>
-          </a:p>
-          <a:p>
-            <a:r>
-              <a:rPr lang="de-DE" dirty="0" smtClean="0"/>
-              <a:t>Manipulation des legitimen Datenverkehrs</a:t>
-            </a:r>
-          </a:p>
-        </p:txBody>
-      </p:sp>
-      <p:sp>
-        <p:nvSpPr>
-          <p:cNvPr id="4" name="Foliennummernplatzhalter 3"/>
-          <p:cNvSpPr>
-            <a:spLocks noGrp="1"/>
-          </p:cNvSpPr>
-          <p:nvPr>
-            <p:ph type="sldNum" sz="quarter" idx="4"/>
-          </p:nvPr>
-        </p:nvSpPr>
-        <p:spPr/>
-        <p:txBody>
-          <a:bodyPr/>
-          <a:lstStyle/>
-          <a:p>
             <a:fld id="{70BFFA52-4234-45F6-B1A6-074E24FF43A2}" type="slidenum">
               <a:rPr lang="de-DE" smtClean="0"/>
-              <a:pPr/>
-              <a:t>14</a:t>
+              <a:pPr>
+                <a:defRPr/>
+              </a:pPr>
+              <a:t>15</a:t>
             </a:fld>
             <a:endParaRPr lang="de-DE" dirty="0"/>
           </a:p>
@@ -9058,69 +9692,23 @@
       </p:sp>
       <p:sp>
         <p:nvSpPr>
-          <p:cNvPr id="5" name="Fußzeilenplatzhalter 4"/>
-          <p:cNvSpPr>
-            <a:spLocks noGrp="1"/>
-          </p:cNvSpPr>
-          <p:nvPr>
-            <p:ph type="ftr" sz="quarter" idx="3"/>
-          </p:nvPr>
-        </p:nvSpPr>
-        <p:spPr/>
-        <p:txBody>
-          <a:bodyPr/>
-          <a:lstStyle/>
-          <a:p>
-            <a:r>
-              <a:rPr lang="de-DE" smtClean="0"/>
-              <a:t>Sicherheitsaspekte beim Deployment virtueller Netzinfrastrukturen</a:t>
-            </a:r>
-            <a:endParaRPr lang="de-DE" dirty="0"/>
-          </a:p>
-        </p:txBody>
-      </p:sp>
-      <p:pic>
-        <p:nvPicPr>
-          <p:cNvPr id="14" name="Grafik 13"/>
-          <p:cNvPicPr>
-            <a:picLocks noChangeAspect="1"/>
-          </p:cNvPicPr>
+          <p:cNvPr id="9" name="Rechteck 8"/>
+          <p:cNvSpPr/>
           <p:nvPr/>
-        </p:nvPicPr>
-        <p:blipFill rotWithShape="1">
-          <a:blip r:embed="rId3"/>
-          <a:srcRect t="61198" r="69524"/>
-          <a:stretch/>
-        </p:blipFill>
-        <p:spPr>
+        </p:nvSpPr>
+        <p:spPr bwMode="auto">
           <a:xfrm>
-            <a:off x="6904248" y="1347759"/>
-            <a:ext cx="1988928" cy="1963218"/>
+            <a:off x="898525" y="3032956"/>
+            <a:ext cx="7381887" cy="3321034"/>
           </a:xfrm>
           <a:prstGeom prst="rect">
             <a:avLst/>
           </a:prstGeom>
-        </p:spPr>
-      </p:pic>
-      <p:sp>
-        <p:nvSpPr>
-          <p:cNvPr id="15" name="Rechteck 14"/>
-          <p:cNvSpPr/>
-          <p:nvPr/>
-        </p:nvSpPr>
-        <p:spPr bwMode="auto">
-          <a:xfrm>
-            <a:off x="7466174" y="2456456"/>
-            <a:ext cx="1368152" cy="306000"/>
-          </a:xfrm>
-          <a:prstGeom prst="rect">
-            <a:avLst/>
-          </a:prstGeom>
-          <a:noFill/>
-          <a:ln w="38100" cap="flat" cmpd="sng" algn="ctr">
-            <a:solidFill>
-              <a:srgbClr val="006C30"/>
-            </a:solidFill>
+          <a:solidFill>
+            <a:schemeClr val="bg1"/>
+          </a:solidFill>
+          <a:ln w="12700" cap="flat" cmpd="sng" algn="ctr">
+            <a:noFill/>
             <a:prstDash val="solid"/>
             <a:round/>
             <a:headEnd type="none" w="med" len="med"/>
@@ -9167,23 +9755,23 @@
       </p:sp>
       <p:sp>
         <p:nvSpPr>
-          <p:cNvPr id="16" name="Rechteck 15"/>
+          <p:cNvPr id="8" name="Rechteck 7"/>
           <p:cNvSpPr/>
           <p:nvPr/>
         </p:nvSpPr>
         <p:spPr bwMode="auto">
           <a:xfrm>
-            <a:off x="7466174" y="2893122"/>
-            <a:ext cx="1368152" cy="306000"/>
+            <a:off x="898525" y="3933056"/>
+            <a:ext cx="7381887" cy="2420934"/>
           </a:xfrm>
           <a:prstGeom prst="rect">
             <a:avLst/>
           </a:prstGeom>
-          <a:noFill/>
-          <a:ln w="38100" cap="flat" cmpd="sng" algn="ctr">
-            <a:solidFill>
-              <a:srgbClr val="006C30"/>
-            </a:solidFill>
+          <a:solidFill>
+            <a:schemeClr val="bg1"/>
+          </a:solidFill>
+          <a:ln w="12700" cap="flat" cmpd="sng" algn="ctr">
+            <a:noFill/>
             <a:prstDash val="solid"/>
             <a:round/>
             <a:headEnd type="none" w="med" len="med"/>
@@ -9228,322 +9816,83 @@
           </a:p>
         </p:txBody>
       </p:sp>
+      <p:pic>
+        <p:nvPicPr>
+          <p:cNvPr id="11" name="Grafik 10"/>
+          <p:cNvPicPr>
+            <a:picLocks noChangeAspect="1"/>
+          </p:cNvPicPr>
+          <p:nvPr/>
+        </p:nvPicPr>
+        <p:blipFill>
+          <a:blip r:embed="rId3"/>
+          <a:stretch>
+            <a:fillRect/>
+          </a:stretch>
+        </p:blipFill>
+        <p:spPr>
+          <a:xfrm>
+            <a:off x="1322236" y="1340768"/>
+            <a:ext cx="6526128" cy="5059562"/>
+          </a:xfrm>
+          <a:prstGeom prst="rect">
+            <a:avLst/>
+          </a:prstGeom>
+        </p:spPr>
+      </p:pic>
+      <p:sp>
+        <p:nvSpPr>
+          <p:cNvPr id="10" name="Fußzeilenplatzhalter 1"/>
+          <p:cNvSpPr>
+            <a:spLocks noGrp="1"/>
+          </p:cNvSpPr>
+          <p:nvPr>
+            <p:ph type="ftr" sz="quarter" idx="3"/>
+          </p:nvPr>
+        </p:nvSpPr>
+        <p:spPr>
+          <a:xfrm>
+            <a:off x="165906" y="6459581"/>
+            <a:ext cx="8079570" cy="292104"/>
+          </a:xfrm>
+        </p:spPr>
+        <p:txBody>
+          <a:bodyPr/>
+          <a:lstStyle/>
+          <a:p>
+            <a:r>
+              <a:rPr lang="de-DE" dirty="0" smtClean="0"/>
+              <a:t>Virtual Network Embedding      </a:t>
+            </a:r>
+            <a:r>
+              <a:rPr lang="de-DE" b="1" dirty="0" smtClean="0"/>
+              <a:t>Klassifizierung von Sicherheitsrisiken      </a:t>
+            </a:r>
+            <a:r>
+              <a:rPr lang="de-DE" dirty="0" smtClean="0"/>
+              <a:t>SVNE-Algorithmen</a:t>
+            </a:r>
+            <a:endParaRPr lang="de-DE" dirty="0"/>
+          </a:p>
+        </p:txBody>
+      </p:sp>
     </p:spTree>
     <p:extLst>
       <p:ext uri="{BB962C8B-B14F-4D97-AF65-F5344CB8AC3E}">
-        <p14:creationId xmlns:p14="http://schemas.microsoft.com/office/powerpoint/2010/main" val="1202343622"/>
+        <p14:creationId xmlns:p14="http://schemas.microsoft.com/office/powerpoint/2010/main" val="3188290338"/>
       </p:ext>
     </p:extLst>
   </p:cSld>
   <p:clrMapOvr>
     <a:masterClrMapping/>
   </p:clrMapOvr>
-  <mc:AlternateContent xmlns:mc="http://schemas.openxmlformats.org/markup-compatibility/2006">
-    <mc:Choice xmlns:p14="http://schemas.microsoft.com/office/powerpoint/2010/main" Requires="p14">
+  <mc:AlternateContent xmlns:mc="http://schemas.openxmlformats.org/markup-compatibility/2006" xmlns:p14="http://schemas.microsoft.com/office/powerpoint/2010/main">
+    <mc:Choice Requires="p14">
       <p:transition spd="med" p14:dur="700">
         <p:fade/>
       </p:transition>
     </mc:Choice>
-    <mc:Fallback>
-      <p:transition spd="med">
-        <p:fade/>
-      </p:transition>
-    </mc:Fallback>
-  </mc:AlternateContent>
-  <p:timing>
-    <p:tnLst>
-      <p:par>
-        <p:cTn id="1" dur="indefinite" restart="never" nodeType="tmRoot"/>
-      </p:par>
-    </p:tnLst>
-  </p:timing>
-</p:sld>
-</file>
-
-<file path=ppt/slides/slide15.xml><?xml version="1.0" encoding="utf-8"?>
-<p:sld xmlns:a="http://schemas.openxmlformats.org/drawingml/2006/main" xmlns:r="http://schemas.openxmlformats.org/officeDocument/2006/relationships" xmlns:p="http://schemas.openxmlformats.org/presentationml/2006/main">
-  <p:cSld>
-    <p:spTree>
-      <p:nvGrpSpPr>
-        <p:cNvPr id="1" name=""/>
-        <p:cNvGrpSpPr/>
-        <p:nvPr/>
-      </p:nvGrpSpPr>
-      <p:grpSpPr>
-        <a:xfrm>
-          <a:off x="0" y="0"/>
-          <a:ext cx="0" cy="0"/>
-          <a:chOff x="0" y="0"/>
-          <a:chExt cx="0" cy="0"/>
-        </a:xfrm>
-      </p:grpSpPr>
-      <p:sp>
-        <p:nvSpPr>
-          <p:cNvPr id="2" name="Titel 1"/>
-          <p:cNvSpPr>
-            <a:spLocks noGrp="1"/>
-          </p:cNvSpPr>
-          <p:nvPr>
-            <p:ph type="title"/>
-          </p:nvPr>
-        </p:nvSpPr>
-        <p:spPr/>
-        <p:txBody>
-          <a:bodyPr/>
-          <a:lstStyle/>
-          <a:p>
-            <a:r>
-              <a:rPr lang="de-DE" smtClean="0"/>
-              <a:t>Sicherheitsrisiken </a:t>
-            </a:r>
-            <a:br>
-              <a:rPr lang="de-DE" smtClean="0"/>
-            </a:br>
-            <a:r>
-              <a:rPr lang="de-DE" smtClean="0"/>
-              <a:t>technischer Art</a:t>
-            </a:r>
-            <a:endParaRPr lang="de-DE" dirty="0"/>
-          </a:p>
-        </p:txBody>
-      </p:sp>
-      <p:sp>
-        <p:nvSpPr>
-          <p:cNvPr id="10" name="Inhaltsplatzhalter 9"/>
-          <p:cNvSpPr>
-            <a:spLocks noGrp="1"/>
-          </p:cNvSpPr>
-          <p:nvPr>
-            <p:ph idx="1"/>
-          </p:nvPr>
-        </p:nvSpPr>
-        <p:spPr/>
-        <p:txBody>
-          <a:bodyPr/>
-          <a:lstStyle/>
-          <a:p>
-            <a:pPr marL="0" indent="0">
-              <a:buNone/>
-            </a:pPr>
-            <a:r>
-              <a:rPr lang="de-DE" b="1" dirty="0" smtClean="0"/>
-              <a:t>Von VN/VM ausgehend…</a:t>
-            </a:r>
-          </a:p>
-          <a:p>
-            <a:pPr marL="0" indent="0">
-              <a:buNone/>
-            </a:pPr>
-            <a:r>
-              <a:rPr lang="de-DE" b="1" dirty="0" smtClean="0"/>
-              <a:t>	… gegen NI / ihren physischen Host</a:t>
-            </a:r>
-          </a:p>
-          <a:p>
-            <a:endParaRPr lang="de-DE" dirty="0" smtClean="0"/>
-          </a:p>
-          <a:p>
-            <a:r>
-              <a:rPr lang="de-DE" dirty="0" smtClean="0"/>
-              <a:t>Verwundbarkeiten des Hosts über </a:t>
-            </a:r>
-            <a:r>
-              <a:rPr lang="de-DE" dirty="0" smtClean="0"/>
-              <a:t>zur </a:t>
-            </a:r>
-            <a:br>
-              <a:rPr lang="de-DE" dirty="0" smtClean="0"/>
-            </a:br>
-            <a:r>
-              <a:rPr lang="de-DE" dirty="0" smtClean="0"/>
-              <a:t>Verfügung gestellte </a:t>
-            </a:r>
-            <a:r>
-              <a:rPr lang="de-DE" dirty="0" smtClean="0"/>
-              <a:t>Ressourcen ausnutzen</a:t>
-            </a:r>
-          </a:p>
-          <a:p>
-            <a:r>
-              <a:rPr lang="de-DE" dirty="0" err="1" smtClean="0"/>
-              <a:t>DoS</a:t>
-            </a:r>
-            <a:endParaRPr lang="de-DE" dirty="0" smtClean="0"/>
-          </a:p>
-          <a:p>
-            <a:r>
-              <a:rPr lang="de-DE" dirty="0" smtClean="0"/>
-              <a:t>„break </a:t>
-            </a:r>
-            <a:r>
-              <a:rPr lang="de-DE" dirty="0" err="1" smtClean="0"/>
-              <a:t>of</a:t>
-            </a:r>
-            <a:r>
-              <a:rPr lang="de-DE" dirty="0" smtClean="0"/>
-              <a:t> </a:t>
-            </a:r>
-            <a:r>
-              <a:rPr lang="de-DE" dirty="0" err="1" smtClean="0"/>
-              <a:t>isolation</a:t>
-            </a:r>
-            <a:r>
-              <a:rPr lang="de-DE" dirty="0" smtClean="0"/>
-              <a:t>“</a:t>
-            </a:r>
-          </a:p>
-        </p:txBody>
-      </p:sp>
-      <p:sp>
-        <p:nvSpPr>
-          <p:cNvPr id="4" name="Foliennummernplatzhalter 3"/>
-          <p:cNvSpPr>
-            <a:spLocks noGrp="1"/>
-          </p:cNvSpPr>
-          <p:nvPr>
-            <p:ph type="sldNum" sz="quarter" idx="4"/>
-          </p:nvPr>
-        </p:nvSpPr>
-        <p:spPr/>
-        <p:txBody>
-          <a:bodyPr/>
-          <a:lstStyle/>
-          <a:p>
-            <a:fld id="{70BFFA52-4234-45F6-B1A6-074E24FF43A2}" type="slidenum">
-              <a:rPr lang="de-DE" smtClean="0"/>
-              <a:pPr/>
-              <a:t>15</a:t>
-            </a:fld>
-            <a:endParaRPr lang="de-DE" dirty="0"/>
-          </a:p>
-        </p:txBody>
-      </p:sp>
-      <p:sp>
-        <p:nvSpPr>
-          <p:cNvPr id="5" name="Fußzeilenplatzhalter 4"/>
-          <p:cNvSpPr>
-            <a:spLocks noGrp="1"/>
-          </p:cNvSpPr>
-          <p:nvPr>
-            <p:ph type="ftr" sz="quarter" idx="3"/>
-          </p:nvPr>
-        </p:nvSpPr>
-        <p:spPr/>
-        <p:txBody>
-          <a:bodyPr/>
-          <a:lstStyle/>
-          <a:p>
-            <a:r>
-              <a:rPr lang="de-DE" smtClean="0"/>
-              <a:t>Sicherheitsaspekte beim Deployment virtueller Netzinfrastrukturen</a:t>
-            </a:r>
-            <a:endParaRPr lang="de-DE" dirty="0"/>
-          </a:p>
-        </p:txBody>
-      </p:sp>
-      <p:pic>
-        <p:nvPicPr>
-          <p:cNvPr id="14" name="Grafik 13"/>
-          <p:cNvPicPr>
-            <a:picLocks noChangeAspect="1"/>
-          </p:cNvPicPr>
-          <p:nvPr/>
-        </p:nvPicPr>
-        <p:blipFill rotWithShape="1">
-          <a:blip r:embed="rId3"/>
-          <a:srcRect l="34338" t="61198" r="34767"/>
-          <a:stretch/>
-        </p:blipFill>
-        <p:spPr>
-          <a:xfrm>
-            <a:off x="6876952" y="1347759"/>
-            <a:ext cx="2016224" cy="1963218"/>
-          </a:xfrm>
-          <a:prstGeom prst="rect">
-            <a:avLst/>
-          </a:prstGeom>
-        </p:spPr>
-      </p:pic>
-      <p:sp>
-        <p:nvSpPr>
-          <p:cNvPr id="3" name="Rechteck 2"/>
-          <p:cNvSpPr/>
-          <p:nvPr/>
-        </p:nvSpPr>
-        <p:spPr bwMode="auto">
-          <a:xfrm>
-            <a:off x="7452320" y="2016752"/>
-            <a:ext cx="1368152" cy="306000"/>
-          </a:xfrm>
-          <a:prstGeom prst="rect">
-            <a:avLst/>
-          </a:prstGeom>
-          <a:noFill/>
-          <a:ln w="38100" cap="flat" cmpd="sng" algn="ctr">
-            <a:solidFill>
-              <a:srgbClr val="006C30"/>
-            </a:solidFill>
-            <a:prstDash val="solid"/>
-            <a:round/>
-            <a:headEnd type="none" w="med" len="med"/>
-            <a:tailEnd type="none" w="med" len="med"/>
-          </a:ln>
-          <a:effectLst/>
-        </p:spPr>
-        <p:txBody>
-          <a:bodyPr vert="horz" wrap="square" lIns="91440" tIns="45720" rIns="91440" bIns="45720" numCol="1" rtlCol="0" anchor="ctr" anchorCtr="0" compatLnSpc="1">
-            <a:prstTxWarp prst="textNoShape">
-              <a:avLst/>
-            </a:prstTxWarp>
-          </a:bodyPr>
-          <a:lstStyle/>
-          <a:p>
-            <a:pPr marL="0" marR="0" indent="0" algn="l" defTabSz="914400" rtl="0" eaLnBrk="0" fontAlgn="base" latinLnBrk="0" hangingPunct="0">
-              <a:lnSpc>
-                <a:spcPct val="100000"/>
-              </a:lnSpc>
-              <a:spcBef>
-                <a:spcPct val="0"/>
-              </a:spcBef>
-              <a:spcAft>
-                <a:spcPct val="0"/>
-              </a:spcAft>
-              <a:buClrTx/>
-              <a:buSzTx/>
-              <a:buFontTx/>
-              <a:buNone/>
-              <a:tabLst/>
-            </a:pPr>
-            <a:endParaRPr kumimoji="0" lang="de-DE" sz="1400" b="0" i="0" u="none" strike="noStrike" cap="none" normalizeH="0" baseline="0" smtClean="0">
-              <a:ln>
-                <a:noFill/>
-              </a:ln>
-              <a:solidFill>
-                <a:schemeClr val="tx1"/>
-              </a:solidFill>
-              <a:effectLst/>
-              <a:latin typeface="LMU CompatilFact" pitchFamily="2" charset="0"/>
-            </a:endParaRPr>
-          </a:p>
-        </p:txBody>
-      </p:sp>
-    </p:spTree>
-    <p:extLst>
-      <p:ext uri="{BB962C8B-B14F-4D97-AF65-F5344CB8AC3E}">
-        <p14:creationId xmlns:p14="http://schemas.microsoft.com/office/powerpoint/2010/main" val="3038497749"/>
-      </p:ext>
-    </p:extLst>
-  </p:cSld>
-  <p:clrMapOvr>
-    <a:masterClrMapping/>
-  </p:clrMapOvr>
-  <mc:AlternateContent xmlns:mc="http://schemas.openxmlformats.org/markup-compatibility/2006">
-    <mc:Choice xmlns:p14="http://schemas.microsoft.com/office/powerpoint/2010/main" Requires="p14">
-      <p:transition spd="med" p14:dur="700">
-        <p:fade/>
-      </p:transition>
-    </mc:Choice>
-    <mc:Fallback>
+    <mc:Fallback xmlns="">
       <p:transition spd="med">
         <p:fade/>
       </p:transition>
@@ -9626,7 +9975,7 @@
             </a:pPr>
             <a:r>
               <a:rPr lang="de-DE" b="1" dirty="0" smtClean="0"/>
-              <a:t>Von VN/VM ausgehend…</a:t>
+              <a:t>Von NI ausgehend…</a:t>
             </a:r>
           </a:p>
           <a:p>
@@ -9634,8 +9983,12 @@
               <a:buNone/>
             </a:pPr>
             <a:r>
+              <a:rPr lang="de-DE" b="1" dirty="0"/>
+              <a:t>	</a:t>
+            </a:r>
+            <a:r>
               <a:rPr lang="de-DE" b="1" dirty="0" smtClean="0"/>
-              <a:t>	… gegen VN/VM</a:t>
+              <a:t>… gegen VN/VM und User</a:t>
             </a:r>
           </a:p>
           <a:p>
@@ -9644,38 +9997,24 @@
           <a:p>
             <a:r>
               <a:rPr lang="de-DE" dirty="0" smtClean="0"/>
-              <a:t>Erleichterter Zugang zu Verwundbarkeiten</a:t>
-            </a:r>
-            <a:br>
-              <a:rPr lang="de-DE" dirty="0" smtClean="0"/>
-            </a:br>
-            <a:r>
-              <a:rPr lang="de-DE" dirty="0" smtClean="0"/>
-              <a:t>durch </a:t>
-            </a:r>
-            <a:r>
-              <a:rPr lang="de-DE" dirty="0"/>
-              <a:t>gemeinsam genutzte Ressourcen </a:t>
-            </a:r>
-          </a:p>
-          <a:p>
-            <a:r>
-              <a:rPr lang="de-DE" dirty="0" smtClean="0"/>
-              <a:t>Virtuelle Netzwerkkarten =&gt; Monitoring anderer VNs/VMs</a:t>
-            </a:r>
-          </a:p>
-          <a:p>
-            <a:r>
-              <a:rPr lang="de-DE" dirty="0" smtClean="0"/>
-              <a:t>Einschleusen </a:t>
-            </a:r>
-            <a:r>
-              <a:rPr lang="de-DE" dirty="0"/>
-              <a:t>von Nachrichten des Netzwerkmanagement-protokolls</a:t>
-            </a:r>
-          </a:p>
-          <a:p>
-            <a:endParaRPr lang="de-DE" dirty="0"/>
+              <a:t>Monitoring der VM-Aktivitäten</a:t>
+            </a:r>
+          </a:p>
+          <a:p>
+            <a:r>
+              <a:rPr lang="de-DE" dirty="0" err="1" smtClean="0"/>
+              <a:t>Sniffing</a:t>
+            </a:r>
+            <a:r>
+              <a:rPr lang="de-DE" dirty="0" smtClean="0"/>
+              <a:t>, Spoofing</a:t>
+            </a:r>
+          </a:p>
+          <a:p>
+            <a:r>
+              <a:rPr lang="de-DE" dirty="0" smtClean="0"/>
+              <a:t>Manipulation des legitimen Datenverkehrs</a:t>
+            </a:r>
           </a:p>
         </p:txBody>
       </p:sp>
@@ -9699,29 +10038,6 @@
               <a:pPr/>
               <a:t>16</a:t>
             </a:fld>
-            <a:endParaRPr lang="de-DE" dirty="0"/>
-          </a:p>
-        </p:txBody>
-      </p:sp>
-      <p:sp>
-        <p:nvSpPr>
-          <p:cNvPr id="5" name="Fußzeilenplatzhalter 4"/>
-          <p:cNvSpPr>
-            <a:spLocks noGrp="1"/>
-          </p:cNvSpPr>
-          <p:nvPr>
-            <p:ph type="ftr" sz="quarter" idx="3"/>
-          </p:nvPr>
-        </p:nvSpPr>
-        <p:spPr/>
-        <p:txBody>
-          <a:bodyPr/>
-          <a:lstStyle/>
-          <a:p>
-            <a:r>
-              <a:rPr lang="de-DE" smtClean="0"/>
-              <a:t>Sicherheitsaspekte beim Deployment virtueller Netzinfrastrukturen</a:t>
-            </a:r>
             <a:endParaRPr lang="de-DE" dirty="0"/>
           </a:p>
         </p:txBody>
@@ -9736,13 +10052,13 @@
         </p:nvPicPr>
         <p:blipFill rotWithShape="1">
           <a:blip r:embed="rId3"/>
-          <a:srcRect l="34338" t="61198" r="34767"/>
+          <a:srcRect t="61198" r="69524"/>
           <a:stretch/>
         </p:blipFill>
         <p:spPr>
           <a:xfrm>
-            <a:off x="6876952" y="1347759"/>
-            <a:ext cx="2016224" cy="1963218"/>
+            <a:off x="6904248" y="1347759"/>
+            <a:ext cx="1988928" cy="1963218"/>
           </a:xfrm>
           <a:prstGeom prst="rect">
             <a:avLst/>
@@ -9751,13 +10067,13 @@
       </p:pic>
       <p:sp>
         <p:nvSpPr>
-          <p:cNvPr id="3" name="Rechteck 2"/>
+          <p:cNvPr id="15" name="Rechteck 14"/>
           <p:cNvSpPr/>
           <p:nvPr/>
         </p:nvSpPr>
         <p:spPr bwMode="auto">
           <a:xfrm>
-            <a:off x="7452320" y="2456892"/>
+            <a:off x="7466174" y="2456456"/>
             <a:ext cx="1368152" cy="306000"/>
           </a:xfrm>
           <a:prstGeom prst="rect">
@@ -9812,23 +10128,122 @@
           </a:p>
         </p:txBody>
       </p:sp>
+      <p:sp>
+        <p:nvSpPr>
+          <p:cNvPr id="16" name="Rechteck 15"/>
+          <p:cNvSpPr/>
+          <p:nvPr/>
+        </p:nvSpPr>
+        <p:spPr bwMode="auto">
+          <a:xfrm>
+            <a:off x="7466174" y="2893122"/>
+            <a:ext cx="1368152" cy="306000"/>
+          </a:xfrm>
+          <a:prstGeom prst="rect">
+            <a:avLst/>
+          </a:prstGeom>
+          <a:noFill/>
+          <a:ln w="38100" cap="flat" cmpd="sng" algn="ctr">
+            <a:solidFill>
+              <a:srgbClr val="006C30"/>
+            </a:solidFill>
+            <a:prstDash val="solid"/>
+            <a:round/>
+            <a:headEnd type="none" w="med" len="med"/>
+            <a:tailEnd type="none" w="med" len="med"/>
+          </a:ln>
+          <a:effectLst/>
+        </p:spPr>
+        <p:txBody>
+          <a:bodyPr vert="horz" wrap="square" lIns="91440" tIns="45720" rIns="91440" bIns="45720" numCol="1" rtlCol="0" anchor="ctr" anchorCtr="0" compatLnSpc="1">
+            <a:prstTxWarp prst="textNoShape">
+              <a:avLst/>
+            </a:prstTxWarp>
+          </a:bodyPr>
+          <a:lstStyle/>
+          <a:p>
+            <a:pPr marL="0" marR="0" indent="0" algn="l" defTabSz="914400" rtl="0" eaLnBrk="0" fontAlgn="base" latinLnBrk="0" hangingPunct="0">
+              <a:lnSpc>
+                <a:spcPct val="100000"/>
+              </a:lnSpc>
+              <a:spcBef>
+                <a:spcPct val="0"/>
+              </a:spcBef>
+              <a:spcAft>
+                <a:spcPct val="0"/>
+              </a:spcAft>
+              <a:buClrTx/>
+              <a:buSzTx/>
+              <a:buFontTx/>
+              <a:buNone/>
+              <a:tabLst/>
+            </a:pPr>
+            <a:endParaRPr kumimoji="0" lang="de-DE" sz="1400" b="0" i="0" u="none" strike="noStrike" cap="none" normalizeH="0" baseline="0" smtClean="0">
+              <a:ln>
+                <a:noFill/>
+              </a:ln>
+              <a:solidFill>
+                <a:schemeClr val="tx1"/>
+              </a:solidFill>
+              <a:effectLst/>
+              <a:latin typeface="LMU CompatilFact" pitchFamily="2" charset="0"/>
+            </a:endParaRPr>
+          </a:p>
+        </p:txBody>
+      </p:sp>
+      <p:sp>
+        <p:nvSpPr>
+          <p:cNvPr id="9" name="Fußzeilenplatzhalter 1"/>
+          <p:cNvSpPr>
+            <a:spLocks noGrp="1"/>
+          </p:cNvSpPr>
+          <p:nvPr>
+            <p:ph type="ftr" sz="quarter" idx="3"/>
+          </p:nvPr>
+        </p:nvSpPr>
+        <p:spPr>
+          <a:xfrm>
+            <a:off x="165906" y="6459581"/>
+            <a:ext cx="8079570" cy="292104"/>
+          </a:xfrm>
+        </p:spPr>
+        <p:txBody>
+          <a:bodyPr/>
+          <a:lstStyle/>
+          <a:p>
+            <a:r>
+              <a:rPr lang="de-DE" dirty="0" smtClean="0"/>
+              <a:t>Virtual Network Embedding      </a:t>
+            </a:r>
+            <a:r>
+              <a:rPr lang="de-DE" b="1" dirty="0" smtClean="0"/>
+              <a:t>Klassifizierung von Sicherheitsrisiken      </a:t>
+            </a:r>
+            <a:r>
+              <a:rPr lang="de-DE" dirty="0" smtClean="0"/>
+              <a:t>SVNE-Algorithmen</a:t>
+            </a:r>
+            <a:endParaRPr lang="de-DE" dirty="0"/>
+          </a:p>
+        </p:txBody>
+      </p:sp>
     </p:spTree>
     <p:extLst>
       <p:ext uri="{BB962C8B-B14F-4D97-AF65-F5344CB8AC3E}">
-        <p14:creationId xmlns:p14="http://schemas.microsoft.com/office/powerpoint/2010/main" val="1810539594"/>
+        <p14:creationId xmlns:p14="http://schemas.microsoft.com/office/powerpoint/2010/main" val="1202343622"/>
       </p:ext>
     </p:extLst>
   </p:cSld>
   <p:clrMapOvr>
     <a:masterClrMapping/>
   </p:clrMapOvr>
-  <mc:AlternateContent xmlns:mc="http://schemas.openxmlformats.org/markup-compatibility/2006">
-    <mc:Choice xmlns:p14="http://schemas.microsoft.com/office/powerpoint/2010/main" Requires="p14">
+  <mc:AlternateContent xmlns:mc="http://schemas.openxmlformats.org/markup-compatibility/2006" xmlns:p14="http://schemas.microsoft.com/office/powerpoint/2010/main">
+    <mc:Choice Requires="p14">
       <p:transition spd="med" p14:dur="700">
         <p:fade/>
       </p:transition>
     </mc:Choice>
-    <mc:Fallback>
+    <mc:Fallback xmlns="">
       <p:transition spd="med">
         <p:fade/>
       </p:transition>
@@ -9920,7 +10335,7 @@
             </a:pPr>
             <a:r>
               <a:rPr lang="de-DE" b="1" dirty="0" smtClean="0"/>
-              <a:t>	… gegen User</a:t>
+              <a:t>	… gegen NI / ihren physischen Host</a:t>
             </a:r>
           </a:p>
           <a:p>
@@ -9929,38 +10344,44 @@
           <a:p>
             <a:r>
               <a:rPr lang="de-DE" dirty="0" smtClean="0"/>
-              <a:t>Monitoring</a:t>
-            </a:r>
-          </a:p>
-          <a:p>
-            <a:r>
-              <a:rPr lang="de-DE" dirty="0" smtClean="0"/>
-              <a:t>Einschleusen konstruierter Nachrichten zum </a:t>
+              <a:t>Verwundbarkeiten des Hosts über zur </a:t>
             </a:r>
             <a:br>
               <a:rPr lang="de-DE" dirty="0" smtClean="0"/>
             </a:br>
             <a:r>
               <a:rPr lang="de-DE" dirty="0" smtClean="0"/>
-              <a:t>Abbruch von Peer-</a:t>
-            </a:r>
+              <a:t>Verfügung gestellte Ressourcen ausnutzen</a:t>
+            </a:r>
+          </a:p>
+          <a:p>
             <a:r>
               <a:rPr lang="de-DE" dirty="0" err="1" smtClean="0"/>
-              <a:t>to</a:t>
-            </a:r>
-            <a:r>
-              <a:rPr lang="de-DE" dirty="0" smtClean="0"/>
-              <a:t>-Peer-Verbindungen</a:t>
-            </a:r>
-          </a:p>
-          <a:p>
-            <a:r>
-              <a:rPr lang="de-DE" dirty="0" smtClean="0"/>
-              <a:t>etc.</a:t>
-            </a:r>
-          </a:p>
-          <a:p>
-            <a:endParaRPr lang="de-DE" dirty="0"/>
+              <a:t>DoS</a:t>
+            </a:r>
+            <a:endParaRPr lang="de-DE" dirty="0" smtClean="0"/>
+          </a:p>
+          <a:p>
+            <a:r>
+              <a:rPr lang="de-DE" dirty="0" smtClean="0"/>
+              <a:t>„break </a:t>
+            </a:r>
+            <a:r>
+              <a:rPr lang="de-DE" dirty="0" err="1" smtClean="0"/>
+              <a:t>of</a:t>
+            </a:r>
+            <a:r>
+              <a:rPr lang="de-DE" dirty="0" smtClean="0"/>
+              <a:t> </a:t>
+            </a:r>
+            <a:r>
+              <a:rPr lang="de-DE" dirty="0" err="1" smtClean="0"/>
+              <a:t>isolation</a:t>
+            </a:r>
+            <a:r>
+              <a:rPr lang="de-DE" dirty="0" smtClean="0"/>
+              <a:t>“</a:t>
+            </a:r>
           </a:p>
         </p:txBody>
       </p:sp>
@@ -9984,29 +10405,6 @@
               <a:pPr/>
               <a:t>17</a:t>
             </a:fld>
-            <a:endParaRPr lang="de-DE" dirty="0"/>
-          </a:p>
-        </p:txBody>
-      </p:sp>
-      <p:sp>
-        <p:nvSpPr>
-          <p:cNvPr id="5" name="Fußzeilenplatzhalter 4"/>
-          <p:cNvSpPr>
-            <a:spLocks noGrp="1"/>
-          </p:cNvSpPr>
-          <p:nvPr>
-            <p:ph type="ftr" sz="quarter" idx="3"/>
-          </p:nvPr>
-        </p:nvSpPr>
-        <p:spPr/>
-        <p:txBody>
-          <a:bodyPr/>
-          <a:lstStyle/>
-          <a:p>
-            <a:r>
-              <a:rPr lang="de-DE" smtClean="0"/>
-              <a:t>Sicherheitsaspekte beim Deployment virtueller Netzinfrastrukturen</a:t>
-            </a:r>
             <a:endParaRPr lang="de-DE" dirty="0"/>
           </a:p>
         </p:txBody>
@@ -10042,7 +10440,7 @@
         </p:nvSpPr>
         <p:spPr bwMode="auto">
           <a:xfrm>
-            <a:off x="7452320" y="2898884"/>
+            <a:off x="7452320" y="2016752"/>
             <a:ext cx="1368152" cy="306000"/>
           </a:xfrm>
           <a:prstGeom prst="rect">
@@ -10097,23 +10495,59 @@
           </a:p>
         </p:txBody>
       </p:sp>
+      <p:sp>
+        <p:nvSpPr>
+          <p:cNvPr id="8" name="Fußzeilenplatzhalter 1"/>
+          <p:cNvSpPr>
+            <a:spLocks noGrp="1"/>
+          </p:cNvSpPr>
+          <p:nvPr>
+            <p:ph type="ftr" sz="quarter" idx="3"/>
+          </p:nvPr>
+        </p:nvSpPr>
+        <p:spPr>
+          <a:xfrm>
+            <a:off x="165906" y="6459581"/>
+            <a:ext cx="8079570" cy="292104"/>
+          </a:xfrm>
+        </p:spPr>
+        <p:txBody>
+          <a:bodyPr/>
+          <a:lstStyle/>
+          <a:p>
+            <a:r>
+              <a:rPr lang="de-DE" dirty="0" smtClean="0"/>
+              <a:t>Virtual Network Embedding      </a:t>
+            </a:r>
+            <a:r>
+              <a:rPr lang="de-DE" b="1" dirty="0" smtClean="0"/>
+              <a:t>Klassifizierung von Sicherheitsrisiken      </a:t>
+            </a:r>
+            <a:r>
+              <a:rPr lang="de-DE" dirty="0" smtClean="0"/>
+              <a:t>SVNE-Algorithmen</a:t>
+            </a:r>
+            <a:endParaRPr lang="de-DE" dirty="0"/>
+          </a:p>
+        </p:txBody>
+      </p:sp>
     </p:spTree>
     <p:extLst>
       <p:ext uri="{BB962C8B-B14F-4D97-AF65-F5344CB8AC3E}">
-        <p14:creationId xmlns:p14="http://schemas.microsoft.com/office/powerpoint/2010/main" val="329269630"/>
+        <p14:creationId xmlns:p14="http://schemas.microsoft.com/office/powerpoint/2010/main" val="3038497749"/>
       </p:ext>
     </p:extLst>
   </p:cSld>
   <p:clrMapOvr>
     <a:masterClrMapping/>
   </p:clrMapOvr>
-  <mc:AlternateContent xmlns:mc="http://schemas.openxmlformats.org/markup-compatibility/2006">
-    <mc:Choice xmlns:p14="http://schemas.microsoft.com/office/powerpoint/2010/main" Requires="p14">
+  <mc:AlternateContent xmlns:mc="http://schemas.openxmlformats.org/markup-compatibility/2006" xmlns:p14="http://schemas.microsoft.com/office/powerpoint/2010/main">
+    <mc:Choice Requires="p14">
       <p:transition spd="med" p14:dur="700">
         <p:fade/>
       </p:transition>
     </mc:Choice>
-    <mc:Fallback>
+    <mc:Fallback xmlns="">
       <p:transition spd="med">
         <p:fade/>
       </p:transition>
@@ -10196,7 +10630,7 @@
             </a:pPr>
             <a:r>
               <a:rPr lang="de-DE" b="1" dirty="0" smtClean="0"/>
-              <a:t>Vom User ausgehend…</a:t>
+              <a:t>Von VN/VM ausgehend…</a:t>
             </a:r>
           </a:p>
           <a:p>
@@ -10205,58 +10639,47 @@
             </a:pPr>
             <a:r>
               <a:rPr lang="de-DE" b="1" dirty="0" smtClean="0"/>
-              <a:t>	… gegen NI</a:t>
+              <a:t>	… gegen VN/VM</a:t>
+            </a:r>
+          </a:p>
+          <a:p>
+            <a:endParaRPr lang="de-DE" dirty="0" smtClean="0"/>
+          </a:p>
+          <a:p>
+            <a:r>
+              <a:rPr lang="de-DE" dirty="0" smtClean="0"/>
+              <a:t>Erleichterter Zugang zu Verwundbarkeiten</a:t>
+            </a:r>
+            <a:br>
+              <a:rPr lang="de-DE" dirty="0" smtClean="0"/>
+            </a:br>
+            <a:r>
+              <a:rPr lang="de-DE" dirty="0" smtClean="0"/>
+              <a:t>durch </a:t>
+            </a:r>
+            <a:r>
+              <a:rPr lang="de-DE" dirty="0"/>
+              <a:t>gemeinsam genutzte Ressourcen </a:t>
+            </a:r>
+          </a:p>
+          <a:p>
+            <a:r>
+              <a:rPr lang="de-DE" dirty="0" smtClean="0"/>
+              <a:t>Virtuelle Netzwerkkarten =&gt; Monitoring anderer VNs/VMs</a:t>
+            </a:r>
+          </a:p>
+          <a:p>
+            <a:r>
+              <a:rPr lang="de-DE" dirty="0" smtClean="0"/>
+              <a:t>Einschleusen </a:t>
+            </a:r>
+            <a:r>
+              <a:rPr lang="de-DE" dirty="0"/>
+              <a:t>von Nachrichten des Netzwerkmanagement-protokolls</a:t>
             </a:r>
           </a:p>
           <a:p>
             <a:endParaRPr lang="de-DE" dirty="0"/>
-          </a:p>
-          <a:p>
-            <a:r>
-              <a:rPr lang="de-DE" dirty="0" smtClean="0"/>
-              <a:t>Angriffe gegen dynamisch </a:t>
-            </a:r>
-            <a:r>
-              <a:rPr lang="de-DE" dirty="0" smtClean="0"/>
-              <a:t/>
-            </a:r>
-            <a:br>
-              <a:rPr lang="de-DE" dirty="0" smtClean="0"/>
-            </a:br>
-            <a:r>
-              <a:rPr lang="de-DE" dirty="0" err="1" smtClean="0"/>
-              <a:t>umprogrammierbare</a:t>
-            </a:r>
-            <a:r>
-              <a:rPr lang="de-DE" dirty="0" smtClean="0"/>
-              <a:t> Router </a:t>
-            </a:r>
-            <a:r>
-              <a:rPr lang="de-DE" dirty="0" smtClean="0"/>
-              <a:t>und Switches</a:t>
-            </a:r>
-          </a:p>
-          <a:p>
-            <a:r>
-              <a:rPr lang="de-DE" dirty="0" smtClean="0"/>
-              <a:t>VM als </a:t>
-            </a:r>
-            <a:r>
-              <a:rPr lang="de-DE" dirty="0" err="1" smtClean="0"/>
-              <a:t>Rootkit</a:t>
-            </a:r>
-            <a:endParaRPr lang="de-DE" dirty="0" smtClean="0"/>
-          </a:p>
-          <a:p>
-            <a:r>
-              <a:rPr lang="de-DE" dirty="0" smtClean="0"/>
-              <a:t>BluePill</a:t>
-            </a:r>
-            <a:r>
-              <a:rPr lang="de-DE" b="1" baseline="30000" dirty="0" smtClean="0"/>
-              <a:t>1</a:t>
-            </a:r>
-            <a:endParaRPr lang="de-DE" b="1" baseline="30000" dirty="0"/>
           </a:p>
         </p:txBody>
       </p:sp>
@@ -10280,29 +10703,6 @@
               <a:pPr/>
               <a:t>18</a:t>
             </a:fld>
-            <a:endParaRPr lang="de-DE" dirty="0"/>
-          </a:p>
-        </p:txBody>
-      </p:sp>
-      <p:sp>
-        <p:nvSpPr>
-          <p:cNvPr id="5" name="Fußzeilenplatzhalter 4"/>
-          <p:cNvSpPr>
-            <a:spLocks noGrp="1"/>
-          </p:cNvSpPr>
-          <p:nvPr>
-            <p:ph type="ftr" sz="quarter" idx="3"/>
-          </p:nvPr>
-        </p:nvSpPr>
-        <p:spPr/>
-        <p:txBody>
-          <a:bodyPr/>
-          <a:lstStyle/>
-          <a:p>
-            <a:r>
-              <a:rPr lang="de-DE" smtClean="0"/>
-              <a:t>Sicherheitsaspekte beim Deployment virtueller Netzinfrastrukturen</a:t>
-            </a:r>
             <a:endParaRPr lang="de-DE" dirty="0"/>
           </a:p>
         </p:txBody>
@@ -10317,13 +10717,13 @@
         </p:nvPicPr>
         <p:blipFill rotWithShape="1">
           <a:blip r:embed="rId3"/>
-          <a:srcRect l="69084" t="61198" r="572"/>
+          <a:srcRect l="34338" t="61198" r="34767"/>
           <a:stretch/>
         </p:blipFill>
         <p:spPr>
           <a:xfrm>
-            <a:off x="6876256" y="1347759"/>
-            <a:ext cx="1980220" cy="1963218"/>
+            <a:off x="6876952" y="1347759"/>
+            <a:ext cx="2016224" cy="1963218"/>
           </a:xfrm>
           <a:prstGeom prst="rect">
             <a:avLst/>
@@ -10338,7 +10738,7 @@
         </p:nvSpPr>
         <p:spPr bwMode="auto">
           <a:xfrm>
-            <a:off x="7443084" y="2024844"/>
+            <a:off x="7452320" y="2456892"/>
             <a:ext cx="1368152" cy="306000"/>
           </a:xfrm>
           <a:prstGeom prst="rect">
@@ -10395,110 +10795,57 @@
       </p:sp>
       <p:sp>
         <p:nvSpPr>
-          <p:cNvPr id="6" name="Textfeld 5"/>
-          <p:cNvSpPr txBox="1"/>
-          <p:nvPr/>
+          <p:cNvPr id="8" name="Fußzeilenplatzhalter 1"/>
+          <p:cNvSpPr>
+            <a:spLocks noGrp="1"/>
+          </p:cNvSpPr>
+          <p:nvPr>
+            <p:ph type="ftr" sz="quarter" idx="3"/>
+          </p:nvPr>
         </p:nvSpPr>
         <p:spPr>
           <a:xfrm>
-            <a:off x="143508" y="6176337"/>
-            <a:ext cx="8749668" cy="276999"/>
+            <a:off x="165906" y="6459581"/>
+            <a:ext cx="8079570" cy="292104"/>
           </a:xfrm>
-          <a:prstGeom prst="rect">
-            <a:avLst/>
-          </a:prstGeom>
-          <a:noFill/>
         </p:spPr>
         <p:txBody>
-          <a:bodyPr wrap="square" rtlCol="0">
-            <a:spAutoFit/>
-          </a:bodyPr>
-          <a:lstStyle/>
-          <a:p>
-            <a:r>
-              <a:rPr lang="de-DE" dirty="0" smtClean="0"/>
-              <a:t>[1] Joanna </a:t>
-            </a:r>
-            <a:r>
-              <a:rPr lang="de-DE" dirty="0" err="1"/>
-              <a:t>Rutkowska</a:t>
-            </a:r>
-            <a:r>
-              <a:rPr lang="de-DE" dirty="0"/>
-              <a:t> und Alexander </a:t>
-            </a:r>
-            <a:r>
-              <a:rPr lang="de-DE" dirty="0" err="1"/>
-              <a:t>Tereshkin</a:t>
-            </a:r>
-            <a:r>
-              <a:rPr lang="de-DE" dirty="0"/>
-              <a:t>. </a:t>
-            </a:r>
-            <a:r>
-              <a:rPr lang="de-DE" dirty="0" err="1"/>
-              <a:t>Bluepilling</a:t>
-            </a:r>
-            <a:r>
-              <a:rPr lang="de-DE" dirty="0"/>
-              <a:t> </a:t>
-            </a:r>
-            <a:r>
-              <a:rPr lang="de-DE" dirty="0" err="1"/>
-              <a:t>the</a:t>
-            </a:r>
-            <a:r>
-              <a:rPr lang="de-DE" dirty="0"/>
-              <a:t> </a:t>
-            </a:r>
-            <a:r>
-              <a:rPr lang="de-DE" dirty="0" err="1"/>
-              <a:t>xen</a:t>
-            </a:r>
-            <a:r>
-              <a:rPr lang="de-DE" dirty="0"/>
-              <a:t> </a:t>
-            </a:r>
-            <a:r>
-              <a:rPr lang="de-DE" dirty="0" err="1"/>
-              <a:t>hypervisor</a:t>
-            </a:r>
-            <a:r>
-              <a:rPr lang="de-DE" dirty="0"/>
-              <a:t>. </a:t>
-            </a:r>
-            <a:r>
-              <a:rPr lang="de-DE" i="1" dirty="0" smtClean="0"/>
-              <a:t>Black Hat </a:t>
-            </a:r>
-            <a:r>
-              <a:rPr lang="de-DE" i="1" dirty="0"/>
-              <a:t>USA</a:t>
-            </a:r>
-            <a:r>
-              <a:rPr lang="de-DE" dirty="0"/>
-              <a:t>, 2008.</a:t>
-            </a:r>
+          <a:bodyPr/>
+          <a:lstStyle/>
+          <a:p>
+            <a:r>
+              <a:rPr lang="de-DE" dirty="0" smtClean="0"/>
+              <a:t>Virtual Network Embedding      </a:t>
+            </a:r>
+            <a:r>
+              <a:rPr lang="de-DE" b="1" dirty="0" smtClean="0"/>
+              <a:t>Klassifizierung von Sicherheitsrisiken      </a:t>
+            </a:r>
+            <a:r>
+              <a:rPr lang="de-DE" dirty="0" smtClean="0"/>
+              <a:t>SVNE-Algorithmen</a:t>
+            </a:r>
+            <a:endParaRPr lang="de-DE" dirty="0"/>
           </a:p>
         </p:txBody>
       </p:sp>
     </p:spTree>
     <p:extLst>
       <p:ext uri="{BB962C8B-B14F-4D97-AF65-F5344CB8AC3E}">
-        <p14:creationId xmlns:p14="http://schemas.microsoft.com/office/powerpoint/2010/main" val="1342727465"/>
+        <p14:creationId xmlns:p14="http://schemas.microsoft.com/office/powerpoint/2010/main" val="1810539594"/>
       </p:ext>
     </p:extLst>
   </p:cSld>
   <p:clrMapOvr>
     <a:masterClrMapping/>
   </p:clrMapOvr>
-  <mc:AlternateContent xmlns:mc="http://schemas.openxmlformats.org/markup-compatibility/2006">
-    <mc:Choice xmlns:p14="http://schemas.microsoft.com/office/powerpoint/2010/main" Requires="p14">
+  <mc:AlternateContent xmlns:mc="http://schemas.openxmlformats.org/markup-compatibility/2006" xmlns:p14="http://schemas.microsoft.com/office/powerpoint/2010/main">
+    <mc:Choice Requires="p14">
       <p:transition spd="med" p14:dur="700">
         <p:fade/>
       </p:transition>
     </mc:Choice>
-    <mc:Fallback>
+    <mc:Fallback xmlns="">
       <p:transition spd="med">
         <p:fade/>
       </p:transition>
@@ -10581,7 +10928,7 @@
             </a:pPr>
             <a:r>
               <a:rPr lang="de-DE" b="1" dirty="0" smtClean="0"/>
-              <a:t>Vom User ausgehend…</a:t>
+              <a:t>Von VN/VM ausgehend…</a:t>
             </a:r>
           </a:p>
           <a:p>
@@ -10590,86 +10937,46 @@
             </a:pPr>
             <a:r>
               <a:rPr lang="de-DE" b="1" dirty="0" smtClean="0"/>
-              <a:t>	… gegen VN/VM</a:t>
-            </a:r>
-          </a:p>
-          <a:p>
-            <a:endParaRPr lang="de-DE" dirty="0"/>
-          </a:p>
-          <a:p>
-            <a:r>
-              <a:rPr lang="de-DE" dirty="0" smtClean="0"/>
-              <a:t>Man-in-</a:t>
+              <a:t>	… gegen User</a:t>
+            </a:r>
+          </a:p>
+          <a:p>
+            <a:endParaRPr lang="de-DE" dirty="0" smtClean="0"/>
+          </a:p>
+          <a:p>
+            <a:r>
+              <a:rPr lang="de-DE" dirty="0" smtClean="0"/>
+              <a:t>Monitoring</a:t>
+            </a:r>
+          </a:p>
+          <a:p>
+            <a:r>
+              <a:rPr lang="de-DE" dirty="0" smtClean="0"/>
+              <a:t>Einschleusen konstruierter Nachrichten zum </a:t>
+            </a:r>
+            <a:br>
+              <a:rPr lang="de-DE" dirty="0" smtClean="0"/>
+            </a:br>
+            <a:r>
+              <a:rPr lang="de-DE" dirty="0" smtClean="0"/>
+              <a:t>Abbruch von Peer-</a:t>
             </a:r>
             <a:r>
               <a:rPr lang="de-DE" dirty="0" err="1" smtClean="0"/>
-              <a:t>the</a:t>
-            </a:r>
-            <a:r>
-              <a:rPr lang="de-DE" dirty="0" smtClean="0"/>
-              <a:t>-</a:t>
-            </a:r>
-            <a:r>
-              <a:rPr lang="de-DE" dirty="0" err="1" smtClean="0"/>
-              <a:t>Middle</a:t>
-            </a:r>
-            <a:r>
-              <a:rPr lang="de-DE" dirty="0" smtClean="0"/>
-              <a:t> während Migration </a:t>
-            </a:r>
-            <a:r>
-              <a:rPr lang="de-DE" dirty="0" smtClean="0"/>
-              <a:t/>
-            </a:r>
-            <a:br>
-              <a:rPr lang="de-DE" dirty="0" smtClean="0"/>
-            </a:br>
-            <a:r>
-              <a:rPr lang="de-DE" dirty="0" smtClean="0"/>
-              <a:t>des VNs im Livebetrieb</a:t>
-            </a:r>
-            <a:r>
-              <a:rPr lang="de-DE" b="1" baseline="30000" dirty="0" smtClean="0"/>
-              <a:t>1</a:t>
-            </a:r>
-            <a:endParaRPr lang="de-DE" b="1" baseline="30000" dirty="0" smtClean="0"/>
-          </a:p>
-          <a:p>
-            <a:r>
-              <a:rPr lang="de-DE" dirty="0" smtClean="0"/>
-              <a:t>Angriffe gegen das VN-Managementtool </a:t>
-            </a:r>
-            <a:r>
-              <a:rPr lang="de-DE" dirty="0" smtClean="0"/>
-              <a:t>(</a:t>
-            </a:r>
-            <a:r>
-              <a:rPr lang="de-DE" dirty="0" smtClean="0"/>
-              <a:t>XSS, </a:t>
-            </a:r>
-            <a:r>
-              <a:rPr lang="de-DE" dirty="0" smtClean="0"/>
-              <a:t>CRSF,</a:t>
-            </a:r>
-            <a:br>
-              <a:rPr lang="de-DE" dirty="0" smtClean="0"/>
-            </a:br>
-            <a:r>
-              <a:rPr lang="de-DE" dirty="0" smtClean="0"/>
-              <a:t>SQL-</a:t>
-            </a:r>
-            <a:r>
-              <a:rPr lang="de-DE" dirty="0" err="1" smtClean="0"/>
-              <a:t>Injection</a:t>
-            </a:r>
-            <a:r>
-              <a:rPr lang="de-DE" dirty="0" smtClean="0"/>
-              <a:t> </a:t>
-            </a:r>
-            <a:r>
-              <a:rPr lang="de-DE" dirty="0" smtClean="0"/>
-              <a:t>etc.)</a:t>
-            </a:r>
+              <a:t>to</a:t>
+            </a:r>
+            <a:r>
+              <a:rPr lang="de-DE" dirty="0" smtClean="0"/>
+              <a:t>-Peer-Verbindungen</a:t>
+            </a:r>
+          </a:p>
+          <a:p>
+            <a:r>
+              <a:rPr lang="de-DE" dirty="0" smtClean="0"/>
+              <a:t>etc.</a:t>
+            </a:r>
+          </a:p>
+          <a:p>
             <a:endParaRPr lang="de-DE" dirty="0"/>
           </a:p>
         </p:txBody>
@@ -10694,29 +11001,6 @@
               <a:pPr/>
               <a:t>19</a:t>
             </a:fld>
-            <a:endParaRPr lang="de-DE" dirty="0"/>
-          </a:p>
-        </p:txBody>
-      </p:sp>
-      <p:sp>
-        <p:nvSpPr>
-          <p:cNvPr id="5" name="Fußzeilenplatzhalter 4"/>
-          <p:cNvSpPr>
-            <a:spLocks noGrp="1"/>
-          </p:cNvSpPr>
-          <p:nvPr>
-            <p:ph type="ftr" sz="quarter" idx="3"/>
-          </p:nvPr>
-        </p:nvSpPr>
-        <p:spPr/>
-        <p:txBody>
-          <a:bodyPr/>
-          <a:lstStyle/>
-          <a:p>
-            <a:r>
-              <a:rPr lang="de-DE" smtClean="0"/>
-              <a:t>Sicherheitsaspekte beim Deployment virtueller Netzinfrastrukturen</a:t>
-            </a:r>
             <a:endParaRPr lang="de-DE" dirty="0"/>
           </a:p>
         </p:txBody>
@@ -10731,13 +11015,13 @@
         </p:nvPicPr>
         <p:blipFill rotWithShape="1">
           <a:blip r:embed="rId3"/>
-          <a:srcRect l="69084" t="61198" r="572"/>
+          <a:srcRect l="34338" t="61198" r="34767"/>
           <a:stretch/>
         </p:blipFill>
         <p:spPr>
           <a:xfrm>
-            <a:off x="6876256" y="1347759"/>
-            <a:ext cx="1980220" cy="1963218"/>
+            <a:off x="6876952" y="1347759"/>
+            <a:ext cx="2016224" cy="1963218"/>
           </a:xfrm>
           <a:prstGeom prst="rect">
             <a:avLst/>
@@ -10752,7 +11036,7 @@
         </p:nvSpPr>
         <p:spPr bwMode="auto">
           <a:xfrm>
-            <a:off x="7443084" y="2470746"/>
+            <a:off x="7452320" y="2898884"/>
             <a:ext cx="1368152" cy="306000"/>
           </a:xfrm>
           <a:prstGeom prst="rect">
@@ -10809,61 +11093,35 @@
       </p:sp>
       <p:sp>
         <p:nvSpPr>
-          <p:cNvPr id="6" name="Textfeld 5"/>
-          <p:cNvSpPr txBox="1"/>
-          <p:nvPr/>
+          <p:cNvPr id="8" name="Fußzeilenplatzhalter 1"/>
+          <p:cNvSpPr>
+            <a:spLocks noGrp="1"/>
+          </p:cNvSpPr>
+          <p:nvPr>
+            <p:ph type="ftr" sz="quarter" idx="3"/>
+          </p:nvPr>
         </p:nvSpPr>
         <p:spPr>
           <a:xfrm>
-            <a:off x="143508" y="6215490"/>
-            <a:ext cx="8449502" cy="276999"/>
+            <a:off x="165906" y="6459581"/>
+            <a:ext cx="8079570" cy="292104"/>
           </a:xfrm>
-          <a:prstGeom prst="rect">
-            <a:avLst/>
-          </a:prstGeom>
-          <a:noFill/>
         </p:spPr>
         <p:txBody>
-          <a:bodyPr wrap="square" rtlCol="0">
-            <a:spAutoFit/>
-          </a:bodyPr>
-          <a:lstStyle/>
-          <a:p>
-            <a:r>
-              <a:rPr lang="en-US" dirty="0" smtClean="0"/>
-              <a:t>[1] </a:t>
-            </a:r>
-            <a:r>
-              <a:rPr lang="en-US" dirty="0" err="1" smtClean="0"/>
-              <a:t>Sriram</a:t>
-            </a:r>
-            <a:r>
-              <a:rPr lang="en-US" dirty="0" smtClean="0"/>
-              <a:t> </a:t>
-            </a:r>
-            <a:r>
-              <a:rPr lang="en-US" dirty="0"/>
-              <a:t>Natarajan und </a:t>
-            </a:r>
-            <a:r>
-              <a:rPr lang="en-US" dirty="0" err="1"/>
-              <a:t>Tilman</a:t>
-            </a:r>
-            <a:r>
-              <a:rPr lang="en-US" dirty="0"/>
-              <a:t> Wolf. Security Issues in Network Virtualization for </a:t>
-            </a:r>
-            <a:r>
-              <a:rPr lang="en-US" dirty="0" smtClean="0"/>
-              <a:t>the </a:t>
-            </a:r>
-            <a:r>
-              <a:rPr lang="de-DE" dirty="0" smtClean="0"/>
-              <a:t>Future </a:t>
-            </a:r>
-            <a:r>
-              <a:rPr lang="de-DE" dirty="0"/>
-              <a:t>Internet.</a:t>
+          <a:bodyPr/>
+          <a:lstStyle/>
+          <a:p>
+            <a:r>
+              <a:rPr lang="de-DE" dirty="0" smtClean="0"/>
+              <a:t>Virtual Network Embedding      </a:t>
+            </a:r>
+            <a:r>
+              <a:rPr lang="de-DE" b="1" dirty="0" smtClean="0"/>
+              <a:t>Klassifizierung von Sicherheitsrisiken      </a:t>
+            </a:r>
+            <a:r>
+              <a:rPr lang="de-DE" dirty="0" smtClean="0"/>
+              <a:t>SVNE-Algorithmen</a:t>
             </a:r>
             <a:endParaRPr lang="de-DE" dirty="0"/>
           </a:p>
@@ -10872,20 +11130,20 @@
     </p:spTree>
     <p:extLst>
       <p:ext uri="{BB962C8B-B14F-4D97-AF65-F5344CB8AC3E}">
-        <p14:creationId xmlns:p14="http://schemas.microsoft.com/office/powerpoint/2010/main" val="999610874"/>
+        <p14:creationId xmlns:p14="http://schemas.microsoft.com/office/powerpoint/2010/main" val="329269630"/>
       </p:ext>
     </p:extLst>
   </p:cSld>
   <p:clrMapOvr>
     <a:masterClrMapping/>
   </p:clrMapOvr>
-  <mc:AlternateContent xmlns:mc="http://schemas.openxmlformats.org/markup-compatibility/2006">
-    <mc:Choice xmlns:p14="http://schemas.microsoft.com/office/powerpoint/2010/main" Requires="p14">
+  <mc:AlternateContent xmlns:mc="http://schemas.openxmlformats.org/markup-compatibility/2006" xmlns:p14="http://schemas.microsoft.com/office/powerpoint/2010/main">
+    <mc:Choice Requires="p14">
       <p:transition spd="med" p14:dur="700">
         <p:fade/>
       </p:transition>
     </mc:Choice>
-    <mc:Fallback>
+    <mc:Fallback xmlns="">
       <p:transition spd="med">
         <p:fade/>
       </p:transition>
@@ -11067,13 +11325,13 @@
   <p:clrMapOvr>
     <a:masterClrMapping/>
   </p:clrMapOvr>
-  <mc:AlternateContent xmlns:mc="http://schemas.openxmlformats.org/markup-compatibility/2006">
-    <mc:Choice xmlns:p14="http://schemas.microsoft.com/office/powerpoint/2010/main" Requires="p14">
+  <mc:AlternateContent xmlns:mc="http://schemas.openxmlformats.org/markup-compatibility/2006" xmlns:p14="http://schemas.microsoft.com/office/powerpoint/2010/main">
+    <mc:Choice Requires="p14">
       <p:transition spd="med" p14:dur="700">
         <p:fade/>
       </p:transition>
     </mc:Choice>
-    <mc:Fallback>
+    <mc:Fallback xmlns="">
       <p:transition spd="med">
         <p:fade/>
       </p:transition>
@@ -11090,7 +11348,7 @@
 </file>
 
 <file path=ppt/slides/slide20.xml><?xml version="1.0" encoding="utf-8"?>
-<p:sld xmlns:a="http://schemas.openxmlformats.org/drawingml/2006/main" xmlns:r="http://schemas.openxmlformats.org/officeDocument/2006/relationships" xmlns:p="http://schemas.openxmlformats.org/presentationml/2006/main" show="0">
+<p:sld xmlns:a="http://schemas.openxmlformats.org/drawingml/2006/main" xmlns:r="http://schemas.openxmlformats.org/officeDocument/2006/relationships" xmlns:p="http://schemas.openxmlformats.org/presentationml/2006/main">
   <p:cSld>
     <p:spTree>
       <p:nvGrpSpPr>
@@ -11122,17 +11380,93 @@
           <a:lstStyle/>
           <a:p>
             <a:r>
-              <a:rPr lang="de-DE" dirty="0" smtClean="0"/>
+              <a:rPr lang="de-DE" smtClean="0"/>
               <a:t>Sicherheitsrisiken </a:t>
             </a:r>
             <a:br>
-              <a:rPr lang="de-DE" dirty="0" smtClean="0"/>
+              <a:rPr lang="de-DE" smtClean="0"/>
             </a:br>
             <a:r>
-              <a:rPr lang="de-DE" dirty="0" smtClean="0"/>
-              <a:t>organisatorischer und rechtlicher Art</a:t>
+              <a:rPr lang="de-DE" smtClean="0"/>
+              <a:t>technischer Art</a:t>
             </a:r>
             <a:endParaRPr lang="de-DE" dirty="0"/>
+          </a:p>
+        </p:txBody>
+      </p:sp>
+      <p:sp>
+        <p:nvSpPr>
+          <p:cNvPr id="10" name="Inhaltsplatzhalter 9"/>
+          <p:cNvSpPr>
+            <a:spLocks noGrp="1"/>
+          </p:cNvSpPr>
+          <p:nvPr>
+            <p:ph idx="1"/>
+          </p:nvPr>
+        </p:nvSpPr>
+        <p:spPr/>
+        <p:txBody>
+          <a:bodyPr/>
+          <a:lstStyle/>
+          <a:p>
+            <a:pPr marL="0" indent="0">
+              <a:buNone/>
+            </a:pPr>
+            <a:r>
+              <a:rPr lang="de-DE" b="1" dirty="0" smtClean="0"/>
+              <a:t>Vom User ausgehend…</a:t>
+            </a:r>
+          </a:p>
+          <a:p>
+            <a:pPr marL="0" indent="0">
+              <a:buNone/>
+            </a:pPr>
+            <a:r>
+              <a:rPr lang="de-DE" b="1" dirty="0" smtClean="0"/>
+              <a:t>	… gegen NI</a:t>
+            </a:r>
+          </a:p>
+          <a:p>
+            <a:endParaRPr lang="de-DE" dirty="0"/>
+          </a:p>
+          <a:p>
+            <a:r>
+              <a:rPr lang="de-DE" dirty="0" smtClean="0"/>
+              <a:t>Angriffe gegen dynamisch </a:t>
+            </a:r>
+            <a:br>
+              <a:rPr lang="de-DE" dirty="0" smtClean="0"/>
+            </a:br>
+            <a:r>
+              <a:rPr lang="de-DE" dirty="0" err="1" smtClean="0"/>
+              <a:t>umprogrammierbare</a:t>
+            </a:r>
+            <a:r>
+              <a:rPr lang="de-DE" dirty="0" smtClean="0"/>
+              <a:t> Router und Switches</a:t>
+            </a:r>
+          </a:p>
+          <a:p>
+            <a:r>
+              <a:rPr lang="de-DE" dirty="0" smtClean="0"/>
+              <a:t>VM als </a:t>
+            </a:r>
+            <a:r>
+              <a:rPr lang="de-DE" dirty="0" err="1" smtClean="0"/>
+              <a:t>Rootkit</a:t>
+            </a:r>
+            <a:endParaRPr lang="de-DE" dirty="0" smtClean="0"/>
+          </a:p>
+          <a:p>
+            <a:r>
+              <a:rPr lang="de-DE" dirty="0" smtClean="0"/>
+              <a:t>BluePill</a:t>
+            </a:r>
+            <a:r>
+              <a:rPr lang="de-DE" b="1" baseline="30000" dirty="0" smtClean="0"/>
+              <a:t>1</a:t>
+            </a:r>
+            <a:endParaRPr lang="de-DE" b="1" baseline="30000" dirty="0"/>
           </a:p>
         </p:txBody>
       </p:sp>
@@ -11160,9 +11494,184 @@
           </a:p>
         </p:txBody>
       </p:sp>
-      <p:sp>
-        <p:nvSpPr>
-          <p:cNvPr id="5" name="Fußzeilenplatzhalter 4"/>
+      <p:pic>
+        <p:nvPicPr>
+          <p:cNvPr id="14" name="Grafik 13"/>
+          <p:cNvPicPr>
+            <a:picLocks noChangeAspect="1"/>
+          </p:cNvPicPr>
+          <p:nvPr/>
+        </p:nvPicPr>
+        <p:blipFill rotWithShape="1">
+          <a:blip r:embed="rId3"/>
+          <a:srcRect l="69084" t="61198" r="572"/>
+          <a:stretch/>
+        </p:blipFill>
+        <p:spPr>
+          <a:xfrm>
+            <a:off x="6876256" y="1347759"/>
+            <a:ext cx="1980220" cy="1963218"/>
+          </a:xfrm>
+          <a:prstGeom prst="rect">
+            <a:avLst/>
+          </a:prstGeom>
+        </p:spPr>
+      </p:pic>
+      <p:sp>
+        <p:nvSpPr>
+          <p:cNvPr id="3" name="Rechteck 2"/>
+          <p:cNvSpPr/>
+          <p:nvPr/>
+        </p:nvSpPr>
+        <p:spPr bwMode="auto">
+          <a:xfrm>
+            <a:off x="7443084" y="2024844"/>
+            <a:ext cx="1368152" cy="306000"/>
+          </a:xfrm>
+          <a:prstGeom prst="rect">
+            <a:avLst/>
+          </a:prstGeom>
+          <a:noFill/>
+          <a:ln w="38100" cap="flat" cmpd="sng" algn="ctr">
+            <a:solidFill>
+              <a:srgbClr val="006C30"/>
+            </a:solidFill>
+            <a:prstDash val="solid"/>
+            <a:round/>
+            <a:headEnd type="none" w="med" len="med"/>
+            <a:tailEnd type="none" w="med" len="med"/>
+          </a:ln>
+          <a:effectLst/>
+        </p:spPr>
+        <p:txBody>
+          <a:bodyPr vert="horz" wrap="square" lIns="91440" tIns="45720" rIns="91440" bIns="45720" numCol="1" rtlCol="0" anchor="ctr" anchorCtr="0" compatLnSpc="1">
+            <a:prstTxWarp prst="textNoShape">
+              <a:avLst/>
+            </a:prstTxWarp>
+          </a:bodyPr>
+          <a:lstStyle/>
+          <a:p>
+            <a:pPr marL="0" marR="0" indent="0" algn="l" defTabSz="914400" rtl="0" eaLnBrk="0" fontAlgn="base" latinLnBrk="0" hangingPunct="0">
+              <a:lnSpc>
+                <a:spcPct val="100000"/>
+              </a:lnSpc>
+              <a:spcBef>
+                <a:spcPct val="0"/>
+              </a:spcBef>
+              <a:spcAft>
+                <a:spcPct val="0"/>
+              </a:spcAft>
+              <a:buClrTx/>
+              <a:buSzTx/>
+              <a:buFontTx/>
+              <a:buNone/>
+              <a:tabLst/>
+            </a:pPr>
+            <a:endParaRPr kumimoji="0" lang="de-DE" sz="1400" b="0" i="0" u="none" strike="noStrike" cap="none" normalizeH="0" baseline="0" smtClean="0">
+              <a:ln>
+                <a:noFill/>
+              </a:ln>
+              <a:solidFill>
+                <a:schemeClr val="tx1"/>
+              </a:solidFill>
+              <a:effectLst/>
+              <a:latin typeface="LMU CompatilFact" pitchFamily="2" charset="0"/>
+            </a:endParaRPr>
+          </a:p>
+        </p:txBody>
+      </p:sp>
+      <p:sp>
+        <p:nvSpPr>
+          <p:cNvPr id="6" name="Textfeld 5"/>
+          <p:cNvSpPr txBox="1"/>
+          <p:nvPr/>
+        </p:nvSpPr>
+        <p:spPr>
+          <a:xfrm>
+            <a:off x="143508" y="6176337"/>
+            <a:ext cx="8749668" cy="276999"/>
+          </a:xfrm>
+          <a:prstGeom prst="rect">
+            <a:avLst/>
+          </a:prstGeom>
+          <a:noFill/>
+        </p:spPr>
+        <p:txBody>
+          <a:bodyPr wrap="square" rtlCol="0">
+            <a:spAutoFit/>
+          </a:bodyPr>
+          <a:lstStyle/>
+          <a:p>
+            <a:r>
+              <a:rPr lang="de-DE" dirty="0" smtClean="0"/>
+              <a:t>[1] Joanna </a:t>
+            </a:r>
+            <a:r>
+              <a:rPr lang="de-DE" dirty="0" err="1"/>
+              <a:t>Rutkowska</a:t>
+            </a:r>
+            <a:r>
+              <a:rPr lang="de-DE" dirty="0"/>
+              <a:t> und Alexander </a:t>
+            </a:r>
+            <a:r>
+              <a:rPr lang="de-DE" dirty="0" err="1"/>
+              <a:t>Tereshkin</a:t>
+            </a:r>
+            <a:r>
+              <a:rPr lang="de-DE" dirty="0"/>
+              <a:t>. </a:t>
+            </a:r>
+            <a:r>
+              <a:rPr lang="de-DE" dirty="0" err="1"/>
+              <a:t>Bluepilling</a:t>
+            </a:r>
+            <a:r>
+              <a:rPr lang="de-DE" dirty="0"/>
+              <a:t> </a:t>
+            </a:r>
+            <a:r>
+              <a:rPr lang="de-DE" dirty="0" err="1"/>
+              <a:t>the</a:t>
+            </a:r>
+            <a:r>
+              <a:rPr lang="de-DE" dirty="0"/>
+              <a:t> </a:t>
+            </a:r>
+            <a:r>
+              <a:rPr lang="de-DE" dirty="0" err="1"/>
+              <a:t>xen</a:t>
+            </a:r>
+            <a:r>
+              <a:rPr lang="de-DE" dirty="0"/>
+              <a:t> </a:t>
+            </a:r>
+            <a:r>
+              <a:rPr lang="de-DE" dirty="0" err="1"/>
+              <a:t>hypervisor</a:t>
+            </a:r>
+            <a:r>
+              <a:rPr lang="de-DE" dirty="0"/>
+              <a:t>. </a:t>
+            </a:r>
+            <a:r>
+              <a:rPr lang="de-DE" i="1" dirty="0" smtClean="0"/>
+              <a:t>Black Hat </a:t>
+            </a:r>
+            <a:r>
+              <a:rPr lang="de-DE" i="1" dirty="0"/>
+              <a:t>USA</a:t>
+            </a:r>
+            <a:r>
+              <a:rPr lang="de-DE" dirty="0"/>
+              <a:t>, 2008.</a:t>
+            </a:r>
+          </a:p>
+        </p:txBody>
+      </p:sp>
+      <p:sp>
+        <p:nvSpPr>
+          <p:cNvPr id="9" name="Fußzeilenplatzhalter 1"/>
           <p:cNvSpPr>
             <a:spLocks noGrp="1"/>
           </p:cNvSpPr>
@@ -11170,55 +11679,49 @@
             <p:ph type="ftr" sz="quarter" idx="3"/>
           </p:nvPr>
         </p:nvSpPr>
-        <p:spPr/>
+        <p:spPr>
+          <a:xfrm>
+            <a:off x="165906" y="6459581"/>
+            <a:ext cx="8079570" cy="292104"/>
+          </a:xfrm>
+        </p:spPr>
         <p:txBody>
           <a:bodyPr/>
           <a:lstStyle/>
           <a:p>
             <a:r>
-              <a:rPr lang="de-DE" smtClean="0"/>
-              <a:t>Sicherheitsaspekte beim Deployment virtueller Netzinfrastrukturen</a:t>
+              <a:rPr lang="de-DE" dirty="0" smtClean="0"/>
+              <a:t>Virtual Network Embedding      </a:t>
+            </a:r>
+            <a:r>
+              <a:rPr lang="de-DE" b="1" dirty="0" smtClean="0"/>
+              <a:t>Klassifizierung von Sicherheitsrisiken      </a:t>
+            </a:r>
+            <a:r>
+              <a:rPr lang="de-DE" dirty="0" smtClean="0"/>
+              <a:t>SVNE-Algorithmen</a:t>
             </a:r>
             <a:endParaRPr lang="de-DE" dirty="0"/>
-          </a:p>
-        </p:txBody>
-      </p:sp>
-      <p:sp>
-        <p:nvSpPr>
-          <p:cNvPr id="13" name="Inhaltsplatzhalter 12"/>
-          <p:cNvSpPr>
-            <a:spLocks noGrp="1"/>
-          </p:cNvSpPr>
-          <p:nvPr>
-            <p:ph idx="1"/>
-          </p:nvPr>
-        </p:nvSpPr>
-        <p:spPr/>
-        <p:txBody>
-          <a:bodyPr/>
-          <a:lstStyle/>
-          <a:p>
-            <a:endParaRPr lang="de-DE"/>
           </a:p>
         </p:txBody>
       </p:sp>
     </p:spTree>
     <p:extLst>
       <p:ext uri="{BB962C8B-B14F-4D97-AF65-F5344CB8AC3E}">
-        <p14:creationId xmlns:p14="http://schemas.microsoft.com/office/powerpoint/2010/main" val="4077777281"/>
+        <p14:creationId xmlns:p14="http://schemas.microsoft.com/office/powerpoint/2010/main" val="1342727465"/>
       </p:ext>
     </p:extLst>
   </p:cSld>
   <p:clrMapOvr>
     <a:masterClrMapping/>
   </p:clrMapOvr>
-  <mc:AlternateContent xmlns:mc="http://schemas.openxmlformats.org/markup-compatibility/2006">
-    <mc:Choice xmlns:p14="http://schemas.microsoft.com/office/powerpoint/2010/main" Requires="p14">
+  <mc:AlternateContent xmlns:mc="http://schemas.openxmlformats.org/markup-compatibility/2006" xmlns:p14="http://schemas.microsoft.com/office/powerpoint/2010/main">
+    <mc:Choice Requires="p14">
       <p:transition spd="med" p14:dur="700">
         <p:fade/>
       </p:transition>
     </mc:Choice>
-    <mc:Fallback>
+    <mc:Fallback xmlns="">
       <p:transition spd="med">
         <p:fade/>
       </p:transition>
@@ -11267,8 +11770,107 @@
           <a:lstStyle/>
           <a:p>
             <a:r>
-              <a:rPr lang="de-DE" dirty="0" smtClean="0"/>
-              <a:t>VNE-relevante Gefahren</a:t>
+              <a:rPr lang="de-DE" smtClean="0"/>
+              <a:t>Sicherheitsrisiken </a:t>
+            </a:r>
+            <a:br>
+              <a:rPr lang="de-DE" smtClean="0"/>
+            </a:br>
+            <a:r>
+              <a:rPr lang="de-DE" smtClean="0"/>
+              <a:t>technischer Art</a:t>
+            </a:r>
+            <a:endParaRPr lang="de-DE" dirty="0"/>
+          </a:p>
+        </p:txBody>
+      </p:sp>
+      <p:sp>
+        <p:nvSpPr>
+          <p:cNvPr id="10" name="Inhaltsplatzhalter 9"/>
+          <p:cNvSpPr>
+            <a:spLocks noGrp="1"/>
+          </p:cNvSpPr>
+          <p:nvPr>
+            <p:ph idx="1"/>
+          </p:nvPr>
+        </p:nvSpPr>
+        <p:spPr/>
+        <p:txBody>
+          <a:bodyPr/>
+          <a:lstStyle/>
+          <a:p>
+            <a:pPr marL="0" indent="0">
+              <a:buNone/>
+            </a:pPr>
+            <a:r>
+              <a:rPr lang="de-DE" b="1" dirty="0" smtClean="0"/>
+              <a:t>Vom User ausgehend…</a:t>
+            </a:r>
+          </a:p>
+          <a:p>
+            <a:pPr marL="0" indent="0">
+              <a:buNone/>
+            </a:pPr>
+            <a:r>
+              <a:rPr lang="de-DE" b="1" dirty="0" smtClean="0"/>
+              <a:t>	… gegen VN/VM</a:t>
+            </a:r>
+          </a:p>
+          <a:p>
+            <a:endParaRPr lang="de-DE" dirty="0"/>
+          </a:p>
+          <a:p>
+            <a:r>
+              <a:rPr lang="de-DE" dirty="0" smtClean="0"/>
+              <a:t>Man-in-</a:t>
+            </a:r>
+            <a:r>
+              <a:rPr lang="de-DE" dirty="0" err="1" smtClean="0"/>
+              <a:t>the</a:t>
+            </a:r>
+            <a:r>
+              <a:rPr lang="de-DE" dirty="0" smtClean="0"/>
+              <a:t>-</a:t>
+            </a:r>
+            <a:r>
+              <a:rPr lang="de-DE" dirty="0" err="1" smtClean="0"/>
+              <a:t>Middle</a:t>
+            </a:r>
+            <a:r>
+              <a:rPr lang="de-DE" dirty="0" smtClean="0"/>
+              <a:t> während Migration </a:t>
+            </a:r>
+            <a:br>
+              <a:rPr lang="de-DE" dirty="0" smtClean="0"/>
+            </a:br>
+            <a:r>
+              <a:rPr lang="de-DE" dirty="0" smtClean="0"/>
+              <a:t>des VNs im Livebetrieb</a:t>
+            </a:r>
+            <a:r>
+              <a:rPr lang="de-DE" b="1" baseline="30000" dirty="0" smtClean="0"/>
+              <a:t>1</a:t>
+            </a:r>
+          </a:p>
+          <a:p>
+            <a:r>
+              <a:rPr lang="de-DE" dirty="0" smtClean="0"/>
+              <a:t>Angriffe gegen das VN-Managementtool (XSS, CRSF,</a:t>
+            </a:r>
+            <a:br>
+              <a:rPr lang="de-DE" dirty="0" smtClean="0"/>
+            </a:br>
+            <a:r>
+              <a:rPr lang="de-DE" dirty="0" smtClean="0"/>
+              <a:t>SQL-</a:t>
+            </a:r>
+            <a:r>
+              <a:rPr lang="de-DE" dirty="0" err="1" smtClean="0"/>
+              <a:t>Injection</a:t>
+            </a:r>
+            <a:r>
+              <a:rPr lang="de-DE" dirty="0" smtClean="0"/>
+              <a:t> etc.)</a:t>
             </a:r>
             <a:endParaRPr lang="de-DE" dirty="0"/>
           </a:p>
@@ -11298,9 +11900,156 @@
           </a:p>
         </p:txBody>
       </p:sp>
-      <p:sp>
-        <p:nvSpPr>
-          <p:cNvPr id="5" name="Fußzeilenplatzhalter 4"/>
+      <p:pic>
+        <p:nvPicPr>
+          <p:cNvPr id="14" name="Grafik 13"/>
+          <p:cNvPicPr>
+            <a:picLocks noChangeAspect="1"/>
+          </p:cNvPicPr>
+          <p:nvPr/>
+        </p:nvPicPr>
+        <p:blipFill rotWithShape="1">
+          <a:blip r:embed="rId3"/>
+          <a:srcRect l="69084" t="61198" r="572"/>
+          <a:stretch/>
+        </p:blipFill>
+        <p:spPr>
+          <a:xfrm>
+            <a:off x="6876256" y="1347759"/>
+            <a:ext cx="1980220" cy="1963218"/>
+          </a:xfrm>
+          <a:prstGeom prst="rect">
+            <a:avLst/>
+          </a:prstGeom>
+        </p:spPr>
+      </p:pic>
+      <p:sp>
+        <p:nvSpPr>
+          <p:cNvPr id="3" name="Rechteck 2"/>
+          <p:cNvSpPr/>
+          <p:nvPr/>
+        </p:nvSpPr>
+        <p:spPr bwMode="auto">
+          <a:xfrm>
+            <a:off x="7443084" y="2470746"/>
+            <a:ext cx="1368152" cy="306000"/>
+          </a:xfrm>
+          <a:prstGeom prst="rect">
+            <a:avLst/>
+          </a:prstGeom>
+          <a:noFill/>
+          <a:ln w="38100" cap="flat" cmpd="sng" algn="ctr">
+            <a:solidFill>
+              <a:srgbClr val="006C30"/>
+            </a:solidFill>
+            <a:prstDash val="solid"/>
+            <a:round/>
+            <a:headEnd type="none" w="med" len="med"/>
+            <a:tailEnd type="none" w="med" len="med"/>
+          </a:ln>
+          <a:effectLst/>
+        </p:spPr>
+        <p:txBody>
+          <a:bodyPr vert="horz" wrap="square" lIns="91440" tIns="45720" rIns="91440" bIns="45720" numCol="1" rtlCol="0" anchor="ctr" anchorCtr="0" compatLnSpc="1">
+            <a:prstTxWarp prst="textNoShape">
+              <a:avLst/>
+            </a:prstTxWarp>
+          </a:bodyPr>
+          <a:lstStyle/>
+          <a:p>
+            <a:pPr marL="0" marR="0" indent="0" algn="l" defTabSz="914400" rtl="0" eaLnBrk="0" fontAlgn="base" latinLnBrk="0" hangingPunct="0">
+              <a:lnSpc>
+                <a:spcPct val="100000"/>
+              </a:lnSpc>
+              <a:spcBef>
+                <a:spcPct val="0"/>
+              </a:spcBef>
+              <a:spcAft>
+                <a:spcPct val="0"/>
+              </a:spcAft>
+              <a:buClrTx/>
+              <a:buSzTx/>
+              <a:buFontTx/>
+              <a:buNone/>
+              <a:tabLst/>
+            </a:pPr>
+            <a:endParaRPr kumimoji="0" lang="de-DE" sz="1400" b="0" i="0" u="none" strike="noStrike" cap="none" normalizeH="0" baseline="0" smtClean="0">
+              <a:ln>
+                <a:noFill/>
+              </a:ln>
+              <a:solidFill>
+                <a:schemeClr val="tx1"/>
+              </a:solidFill>
+              <a:effectLst/>
+              <a:latin typeface="LMU CompatilFact" pitchFamily="2" charset="0"/>
+            </a:endParaRPr>
+          </a:p>
+        </p:txBody>
+      </p:sp>
+      <p:sp>
+        <p:nvSpPr>
+          <p:cNvPr id="6" name="Textfeld 5"/>
+          <p:cNvSpPr txBox="1"/>
+          <p:nvPr/>
+        </p:nvSpPr>
+        <p:spPr>
+          <a:xfrm>
+            <a:off x="143508" y="6215490"/>
+            <a:ext cx="8449502" cy="276999"/>
+          </a:xfrm>
+          <a:prstGeom prst="rect">
+            <a:avLst/>
+          </a:prstGeom>
+          <a:noFill/>
+        </p:spPr>
+        <p:txBody>
+          <a:bodyPr wrap="square" rtlCol="0">
+            <a:spAutoFit/>
+          </a:bodyPr>
+          <a:lstStyle/>
+          <a:p>
+            <a:r>
+              <a:rPr lang="en-US" dirty="0" smtClean="0"/>
+              <a:t>[1] </a:t>
+            </a:r>
+            <a:r>
+              <a:rPr lang="en-US" dirty="0" err="1" smtClean="0"/>
+              <a:t>Sriram</a:t>
+            </a:r>
+            <a:r>
+              <a:rPr lang="en-US" dirty="0" smtClean="0"/>
+              <a:t> </a:t>
+            </a:r>
+            <a:r>
+              <a:rPr lang="en-US" dirty="0"/>
+              <a:t>Natarajan und </a:t>
+            </a:r>
+            <a:r>
+              <a:rPr lang="en-US" dirty="0" err="1"/>
+              <a:t>Tilman</a:t>
+            </a:r>
+            <a:r>
+              <a:rPr lang="en-US" dirty="0"/>
+              <a:t> Wolf. Security Issues in Network Virtualization for </a:t>
+            </a:r>
+            <a:r>
+              <a:rPr lang="en-US" dirty="0" smtClean="0"/>
+              <a:t>the </a:t>
+            </a:r>
+            <a:r>
+              <a:rPr lang="de-DE" dirty="0" smtClean="0"/>
+              <a:t>Future </a:t>
+            </a:r>
+            <a:r>
+              <a:rPr lang="de-DE" dirty="0"/>
+              <a:t>Internet.</a:t>
+            </a:r>
+          </a:p>
+        </p:txBody>
+      </p:sp>
+      <p:sp>
+        <p:nvSpPr>
+          <p:cNvPr id="9" name="Fußzeilenplatzhalter 1"/>
           <p:cNvSpPr>
             <a:spLocks noGrp="1"/>
           </p:cNvSpPr>
@@ -11308,71 +12057,28 @@
             <p:ph type="ftr" sz="quarter" idx="3"/>
           </p:nvPr>
         </p:nvSpPr>
-        <p:spPr/>
+        <p:spPr>
+          <a:xfrm>
+            <a:off x="165906" y="6459581"/>
+            <a:ext cx="8079570" cy="292104"/>
+          </a:xfrm>
+        </p:spPr>
         <p:txBody>
           <a:bodyPr/>
           <a:lstStyle/>
           <a:p>
             <a:r>
-              <a:rPr lang="de-DE" smtClean="0"/>
-              <a:t>Sicherheitsaspekte beim Deployment virtueller Netzinfrastrukturen</a:t>
-            </a:r>
-            <a:endParaRPr lang="de-DE" dirty="0"/>
-          </a:p>
-        </p:txBody>
-      </p:sp>
-      <p:sp>
-        <p:nvSpPr>
-          <p:cNvPr id="6" name="Inhaltsplatzhalter 5"/>
-          <p:cNvSpPr>
-            <a:spLocks noGrp="1"/>
-          </p:cNvSpPr>
-          <p:nvPr>
-            <p:ph idx="1"/>
-          </p:nvPr>
-        </p:nvSpPr>
-        <p:spPr/>
-        <p:txBody>
-          <a:bodyPr/>
-          <a:lstStyle/>
-          <a:p>
-            <a:r>
-              <a:rPr lang="de-DE" dirty="0" smtClean="0"/>
-              <a:t>„VNE-relevant“ </a:t>
-            </a:r>
-            <a:r>
-              <a:rPr lang="de-DE" dirty="0" smtClean="0">
-                <a:sym typeface="Wingdings" panose="05000000000000000000" pitchFamily="2" charset="2"/>
-              </a:rPr>
-              <a:t> im VNE-Prozess beeinflussbar</a:t>
-            </a:r>
-            <a:endParaRPr lang="de-DE" dirty="0" smtClean="0"/>
-          </a:p>
-          <a:p>
-            <a:endParaRPr lang="de-DE" dirty="0"/>
-          </a:p>
-          <a:p>
-            <a:endParaRPr lang="de-DE" dirty="0" smtClean="0"/>
-          </a:p>
-          <a:p>
-            <a:r>
-              <a:rPr lang="de-DE" dirty="0" smtClean="0"/>
-              <a:t>Neue Verwundbarkeiten v.a. durch Nutzung gemeinsamer Ressourcen</a:t>
-            </a:r>
-          </a:p>
-          <a:p>
-            <a:r>
-              <a:rPr lang="de-DE" dirty="0" smtClean="0"/>
-              <a:t>Isolationsverletzungen</a:t>
-            </a:r>
-          </a:p>
-          <a:p>
-            <a:r>
-              <a:rPr lang="de-DE" dirty="0" smtClean="0"/>
-              <a:t>=&gt; entsprechende Wahl der Abbildung von VMs auf physische Hosts</a:t>
-            </a:r>
-          </a:p>
-          <a:p>
+              <a:rPr lang="de-DE" dirty="0" smtClean="0"/>
+              <a:t>Virtual Network Embedding      </a:t>
+            </a:r>
+            <a:r>
+              <a:rPr lang="de-DE" b="1" dirty="0" smtClean="0"/>
+              <a:t>Klassifizierung von Sicherheitsrisiken      </a:t>
+            </a:r>
+            <a:r>
+              <a:rPr lang="de-DE" dirty="0" smtClean="0"/>
+              <a:t>SVNE-Algorithmen</a:t>
+            </a:r>
             <a:endParaRPr lang="de-DE" dirty="0"/>
           </a:p>
         </p:txBody>
@@ -11380,20 +12086,20 @@
     </p:spTree>
     <p:extLst>
       <p:ext uri="{BB962C8B-B14F-4D97-AF65-F5344CB8AC3E}">
-        <p14:creationId xmlns:p14="http://schemas.microsoft.com/office/powerpoint/2010/main" val="600970465"/>
+        <p14:creationId xmlns:p14="http://schemas.microsoft.com/office/powerpoint/2010/main" val="999610874"/>
       </p:ext>
     </p:extLst>
   </p:cSld>
   <p:clrMapOvr>
     <a:masterClrMapping/>
   </p:clrMapOvr>
-  <mc:AlternateContent xmlns:mc="http://schemas.openxmlformats.org/markup-compatibility/2006">
-    <mc:Choice xmlns:p14="http://schemas.microsoft.com/office/powerpoint/2010/main" Requires="p14">
+  <mc:AlternateContent xmlns:mc="http://schemas.openxmlformats.org/markup-compatibility/2006" xmlns:p14="http://schemas.microsoft.com/office/powerpoint/2010/main">
+    <mc:Choice Requires="p14">
       <p:transition spd="med" p14:dur="700">
         <p:fade/>
       </p:transition>
     </mc:Choice>
-    <mc:Fallback>
+    <mc:Fallback xmlns="">
       <p:transition spd="med">
         <p:fade/>
       </p:transition>
@@ -11410,6 +12116,164 @@
 </file>
 
 <file path=ppt/slides/slide22.xml><?xml version="1.0" encoding="utf-8"?>
+<p:sld xmlns:a="http://schemas.openxmlformats.org/drawingml/2006/main" xmlns:r="http://schemas.openxmlformats.org/officeDocument/2006/relationships" xmlns:p="http://schemas.openxmlformats.org/presentationml/2006/main" show="0">
+  <p:cSld>
+    <p:spTree>
+      <p:nvGrpSpPr>
+        <p:cNvPr id="1" name=""/>
+        <p:cNvGrpSpPr/>
+        <p:nvPr/>
+      </p:nvGrpSpPr>
+      <p:grpSpPr>
+        <a:xfrm>
+          <a:off x="0" y="0"/>
+          <a:ext cx="0" cy="0"/>
+          <a:chOff x="0" y="0"/>
+          <a:chExt cx="0" cy="0"/>
+        </a:xfrm>
+      </p:grpSpPr>
+      <p:sp>
+        <p:nvSpPr>
+          <p:cNvPr id="2" name="Titel 1"/>
+          <p:cNvSpPr>
+            <a:spLocks noGrp="1"/>
+          </p:cNvSpPr>
+          <p:nvPr>
+            <p:ph type="title"/>
+          </p:nvPr>
+        </p:nvSpPr>
+        <p:spPr/>
+        <p:txBody>
+          <a:bodyPr/>
+          <a:lstStyle/>
+          <a:p>
+            <a:r>
+              <a:rPr lang="de-DE" dirty="0" smtClean="0"/>
+              <a:t>Sicherheitsrisiken </a:t>
+            </a:r>
+            <a:br>
+              <a:rPr lang="de-DE" dirty="0" smtClean="0"/>
+            </a:br>
+            <a:r>
+              <a:rPr lang="de-DE" dirty="0" smtClean="0"/>
+              <a:t>organisatorischer und rechtlicher Art</a:t>
+            </a:r>
+            <a:endParaRPr lang="de-DE" dirty="0"/>
+          </a:p>
+        </p:txBody>
+      </p:sp>
+      <p:sp>
+        <p:nvSpPr>
+          <p:cNvPr id="4" name="Foliennummernplatzhalter 3"/>
+          <p:cNvSpPr>
+            <a:spLocks noGrp="1"/>
+          </p:cNvSpPr>
+          <p:nvPr>
+            <p:ph type="sldNum" sz="quarter" idx="4"/>
+          </p:nvPr>
+        </p:nvSpPr>
+        <p:spPr/>
+        <p:txBody>
+          <a:bodyPr/>
+          <a:lstStyle/>
+          <a:p>
+            <a:fld id="{70BFFA52-4234-45F6-B1A6-074E24FF43A2}" type="slidenum">
+              <a:rPr lang="de-DE" smtClean="0"/>
+              <a:pPr/>
+              <a:t>22</a:t>
+            </a:fld>
+            <a:endParaRPr lang="de-DE" dirty="0"/>
+          </a:p>
+        </p:txBody>
+      </p:sp>
+      <p:sp>
+        <p:nvSpPr>
+          <p:cNvPr id="13" name="Inhaltsplatzhalter 12"/>
+          <p:cNvSpPr>
+            <a:spLocks noGrp="1"/>
+          </p:cNvSpPr>
+          <p:nvPr>
+            <p:ph idx="1"/>
+          </p:nvPr>
+        </p:nvSpPr>
+        <p:spPr/>
+        <p:txBody>
+          <a:bodyPr/>
+          <a:lstStyle/>
+          <a:p>
+            <a:endParaRPr lang="de-DE"/>
+          </a:p>
+        </p:txBody>
+      </p:sp>
+      <p:sp>
+        <p:nvSpPr>
+          <p:cNvPr id="6" name="Fußzeilenplatzhalter 1"/>
+          <p:cNvSpPr>
+            <a:spLocks noGrp="1"/>
+          </p:cNvSpPr>
+          <p:nvPr>
+            <p:ph type="ftr" sz="quarter" idx="3"/>
+          </p:nvPr>
+        </p:nvSpPr>
+        <p:spPr>
+          <a:xfrm>
+            <a:off x="165906" y="6459581"/>
+            <a:ext cx="8079570" cy="292104"/>
+          </a:xfrm>
+        </p:spPr>
+        <p:txBody>
+          <a:bodyPr/>
+          <a:lstStyle/>
+          <a:p>
+            <a:r>
+              <a:rPr lang="de-DE" dirty="0" smtClean="0"/>
+              <a:t>Virtual Network Embedding      </a:t>
+            </a:r>
+            <a:r>
+              <a:rPr lang="de-DE" b="1" dirty="0" smtClean="0"/>
+              <a:t>Klassifizierung von Sicherheitsrisiken      </a:t>
+            </a:r>
+            <a:r>
+              <a:rPr lang="de-DE" dirty="0" smtClean="0"/>
+              <a:t>SVNE-Algorithmen</a:t>
+            </a:r>
+            <a:endParaRPr lang="de-DE" dirty="0"/>
+          </a:p>
+        </p:txBody>
+      </p:sp>
+    </p:spTree>
+    <p:extLst>
+      <p:ext uri="{BB962C8B-B14F-4D97-AF65-F5344CB8AC3E}">
+        <p14:creationId xmlns:p14="http://schemas.microsoft.com/office/powerpoint/2010/main" val="4077777281"/>
+      </p:ext>
+    </p:extLst>
+  </p:cSld>
+  <p:clrMapOvr>
+    <a:masterClrMapping/>
+  </p:clrMapOvr>
+  <mc:AlternateContent xmlns:mc="http://schemas.openxmlformats.org/markup-compatibility/2006" xmlns:p14="http://schemas.microsoft.com/office/powerpoint/2010/main">
+    <mc:Choice Requires="p14">
+      <p:transition spd="med" p14:dur="700">
+        <p:fade/>
+      </p:transition>
+    </mc:Choice>
+    <mc:Fallback xmlns="">
+      <p:transition spd="med">
+        <p:fade/>
+      </p:transition>
+    </mc:Fallback>
+  </mc:AlternateContent>
+  <p:timing>
+    <p:tnLst>
+      <p:par>
+        <p:cTn id="1" dur="indefinite" restart="never" nodeType="tmRoot"/>
+      </p:par>
+    </p:tnLst>
+  </p:timing>
+</p:sld>
+</file>
+
+<file path=ppt/slides/slide23.xml><?xml version="1.0" encoding="utf-8"?>
 <p:sld xmlns:a="http://schemas.openxmlformats.org/drawingml/2006/main" xmlns:r="http://schemas.openxmlformats.org/officeDocument/2006/relationships" xmlns:p="http://schemas.openxmlformats.org/presentationml/2006/main">
   <p:cSld>
     <p:spTree>
@@ -11443,6 +12307,194 @@
           <a:p>
             <a:r>
               <a:rPr lang="de-DE" dirty="0" smtClean="0"/>
+              <a:t>VNE-relevante Gefahren</a:t>
+            </a:r>
+            <a:endParaRPr lang="de-DE" dirty="0"/>
+          </a:p>
+        </p:txBody>
+      </p:sp>
+      <p:sp>
+        <p:nvSpPr>
+          <p:cNvPr id="4" name="Foliennummernplatzhalter 3"/>
+          <p:cNvSpPr>
+            <a:spLocks noGrp="1"/>
+          </p:cNvSpPr>
+          <p:nvPr>
+            <p:ph type="sldNum" sz="quarter" idx="4"/>
+          </p:nvPr>
+        </p:nvSpPr>
+        <p:spPr/>
+        <p:txBody>
+          <a:bodyPr/>
+          <a:lstStyle/>
+          <a:p>
+            <a:fld id="{70BFFA52-4234-45F6-B1A6-074E24FF43A2}" type="slidenum">
+              <a:rPr lang="de-DE" smtClean="0"/>
+              <a:pPr/>
+              <a:t>23</a:t>
+            </a:fld>
+            <a:endParaRPr lang="de-DE" dirty="0"/>
+          </a:p>
+        </p:txBody>
+      </p:sp>
+      <p:sp>
+        <p:nvSpPr>
+          <p:cNvPr id="6" name="Inhaltsplatzhalter 5"/>
+          <p:cNvSpPr>
+            <a:spLocks noGrp="1"/>
+          </p:cNvSpPr>
+          <p:nvPr>
+            <p:ph idx="1"/>
+          </p:nvPr>
+        </p:nvSpPr>
+        <p:spPr/>
+        <p:txBody>
+          <a:bodyPr/>
+          <a:lstStyle/>
+          <a:p>
+            <a:r>
+              <a:rPr lang="de-DE" dirty="0" smtClean="0"/>
+              <a:t>„VNE-relevant“ </a:t>
+            </a:r>
+            <a:r>
+              <a:rPr lang="de-DE" dirty="0" smtClean="0">
+                <a:sym typeface="Wingdings" panose="05000000000000000000" pitchFamily="2" charset="2"/>
+              </a:rPr>
+              <a:t> im VNE-Prozess beeinflussbar</a:t>
+            </a:r>
+            <a:endParaRPr lang="de-DE" dirty="0" smtClean="0"/>
+          </a:p>
+          <a:p>
+            <a:endParaRPr lang="de-DE" dirty="0"/>
+          </a:p>
+          <a:p>
+            <a:endParaRPr lang="de-DE" dirty="0" smtClean="0"/>
+          </a:p>
+          <a:p>
+            <a:r>
+              <a:rPr lang="de-DE" dirty="0" smtClean="0"/>
+              <a:t>Neue Verwundbarkeiten v.a. durch Nutzung gemeinsamer Ressourcen</a:t>
+            </a:r>
+          </a:p>
+          <a:p>
+            <a:r>
+              <a:rPr lang="de-DE" dirty="0" smtClean="0"/>
+              <a:t>Isolationsverletzungen</a:t>
+            </a:r>
+          </a:p>
+          <a:p>
+            <a:r>
+              <a:rPr lang="de-DE" dirty="0" smtClean="0"/>
+              <a:t>=&gt; entsprechende Wahl der Abbildung von VMs auf physische Hosts</a:t>
+            </a:r>
+          </a:p>
+          <a:p>
+            <a:endParaRPr lang="de-DE" dirty="0"/>
+          </a:p>
+        </p:txBody>
+      </p:sp>
+      <p:sp>
+        <p:nvSpPr>
+          <p:cNvPr id="7" name="Fußzeilenplatzhalter 1"/>
+          <p:cNvSpPr>
+            <a:spLocks noGrp="1"/>
+          </p:cNvSpPr>
+          <p:nvPr>
+            <p:ph type="ftr" sz="quarter" idx="3"/>
+          </p:nvPr>
+        </p:nvSpPr>
+        <p:spPr>
+          <a:xfrm>
+            <a:off x="165906" y="6459581"/>
+            <a:ext cx="8079570" cy="292104"/>
+          </a:xfrm>
+        </p:spPr>
+        <p:txBody>
+          <a:bodyPr/>
+          <a:lstStyle/>
+          <a:p>
+            <a:r>
+              <a:rPr lang="de-DE" dirty="0" smtClean="0"/>
+              <a:t>Virtual Network Embedding      </a:t>
+            </a:r>
+            <a:r>
+              <a:rPr lang="de-DE" b="1" dirty="0" smtClean="0"/>
+              <a:t>Klassifizierung von Sicherheitsrisiken      </a:t>
+            </a:r>
+            <a:r>
+              <a:rPr lang="de-DE" dirty="0" smtClean="0"/>
+              <a:t>SVNE-Algorithmen</a:t>
+            </a:r>
+            <a:endParaRPr lang="de-DE" dirty="0"/>
+          </a:p>
+        </p:txBody>
+      </p:sp>
+    </p:spTree>
+    <p:extLst>
+      <p:ext uri="{BB962C8B-B14F-4D97-AF65-F5344CB8AC3E}">
+        <p14:creationId xmlns:p14="http://schemas.microsoft.com/office/powerpoint/2010/main" val="600970465"/>
+      </p:ext>
+    </p:extLst>
+  </p:cSld>
+  <p:clrMapOvr>
+    <a:masterClrMapping/>
+  </p:clrMapOvr>
+  <mc:AlternateContent xmlns:mc="http://schemas.openxmlformats.org/markup-compatibility/2006" xmlns:p14="http://schemas.microsoft.com/office/powerpoint/2010/main">
+    <mc:Choice Requires="p14">
+      <p:transition spd="med" p14:dur="700">
+        <p:fade/>
+      </p:transition>
+    </mc:Choice>
+    <mc:Fallback xmlns="">
+      <p:transition spd="med">
+        <p:fade/>
+      </p:transition>
+    </mc:Fallback>
+  </mc:AlternateContent>
+  <p:timing>
+    <p:tnLst>
+      <p:par>
+        <p:cTn id="1" dur="indefinite" restart="never" nodeType="tmRoot"/>
+      </p:par>
+    </p:tnLst>
+  </p:timing>
+</p:sld>
+</file>
+
+<file path=ppt/slides/slide24.xml><?xml version="1.0" encoding="utf-8"?>
+<p:sld xmlns:a="http://schemas.openxmlformats.org/drawingml/2006/main" xmlns:r="http://schemas.openxmlformats.org/officeDocument/2006/relationships" xmlns:p="http://schemas.openxmlformats.org/presentationml/2006/main">
+  <p:cSld>
+    <p:spTree>
+      <p:nvGrpSpPr>
+        <p:cNvPr id="1" name=""/>
+        <p:cNvGrpSpPr/>
+        <p:nvPr/>
+      </p:nvGrpSpPr>
+      <p:grpSpPr>
+        <a:xfrm>
+          <a:off x="0" y="0"/>
+          <a:ext cx="0" cy="0"/>
+          <a:chOff x="0" y="0"/>
+          <a:chExt cx="0" cy="0"/>
+        </a:xfrm>
+      </p:grpSpPr>
+      <p:sp>
+        <p:nvSpPr>
+          <p:cNvPr id="2" name="Titel 1"/>
+          <p:cNvSpPr>
+            <a:spLocks noGrp="1"/>
+          </p:cNvSpPr>
+          <p:nvPr>
+            <p:ph type="title"/>
+          </p:nvPr>
+        </p:nvSpPr>
+        <p:spPr/>
+        <p:txBody>
+          <a:bodyPr/>
+          <a:lstStyle/>
+          <a:p>
+            <a:r>
+              <a:rPr lang="de-DE" dirty="0" smtClean="0"/>
               <a:t>SVNE-Algorithmen:</a:t>
             </a:r>
             <a:br>
@@ -11516,31 +12568,8 @@
               <a:pPr>
                 <a:defRPr/>
               </a:pPr>
-              <a:t>22</a:t>
+              <a:t>24</a:t>
             </a:fld>
-            <a:endParaRPr lang="de-DE" dirty="0"/>
-          </a:p>
-        </p:txBody>
-      </p:sp>
-      <p:sp>
-        <p:nvSpPr>
-          <p:cNvPr id="5" name="Fußzeilenplatzhalter 4"/>
-          <p:cNvSpPr>
-            <a:spLocks noGrp="1"/>
-          </p:cNvSpPr>
-          <p:nvPr>
-            <p:ph type="ftr" sz="quarter" idx="3"/>
-          </p:nvPr>
-        </p:nvSpPr>
-        <p:spPr/>
-        <p:txBody>
-          <a:bodyPr/>
-          <a:lstStyle/>
-          <a:p>
-            <a:r>
-              <a:rPr lang="de-DE" smtClean="0"/>
-              <a:t>Sicherheitsaspekte beim Deployment virtueller Netzinfrastrukturen</a:t>
-            </a:r>
             <a:endParaRPr lang="de-DE" dirty="0"/>
           </a:p>
         </p:txBody>
@@ -11863,6 +12892,38 @@
           </a:p>
         </p:txBody>
       </p:sp>
+      <p:sp>
+        <p:nvSpPr>
+          <p:cNvPr id="9" name="Fußzeilenplatzhalter 1"/>
+          <p:cNvSpPr>
+            <a:spLocks noGrp="1"/>
+          </p:cNvSpPr>
+          <p:nvPr>
+            <p:ph type="ftr" sz="quarter" idx="3"/>
+          </p:nvPr>
+        </p:nvSpPr>
+        <p:spPr>
+          <a:xfrm>
+            <a:off x="165906" y="6459581"/>
+            <a:ext cx="8079570" cy="292104"/>
+          </a:xfrm>
+        </p:spPr>
+        <p:txBody>
+          <a:bodyPr/>
+          <a:lstStyle/>
+          <a:p>
+            <a:r>
+              <a:rPr lang="de-DE" dirty="0" smtClean="0"/>
+              <a:t>Virtual Network Embedding      Klassifizierung von Sicherheitsrisiken      </a:t>
+            </a:r>
+            <a:r>
+              <a:rPr lang="de-DE" b="1" dirty="0" smtClean="0"/>
+              <a:t>SVNE-Algorithmen</a:t>
+            </a:r>
+            <a:endParaRPr lang="de-DE" b="1" dirty="0"/>
+          </a:p>
+        </p:txBody>
+      </p:sp>
     </p:spTree>
     <p:extLst>
       <p:ext uri="{BB962C8B-B14F-4D97-AF65-F5344CB8AC3E}">
@@ -11873,13 +12934,13 @@
   <p:clrMapOvr>
     <a:masterClrMapping/>
   </p:clrMapOvr>
-  <mc:AlternateContent xmlns:mc="http://schemas.openxmlformats.org/markup-compatibility/2006">
-    <mc:Choice xmlns:p14="http://schemas.microsoft.com/office/powerpoint/2010/main" Requires="p14">
+  <mc:AlternateContent xmlns:mc="http://schemas.openxmlformats.org/markup-compatibility/2006" xmlns:p14="http://schemas.microsoft.com/office/powerpoint/2010/main">
+    <mc:Choice Requires="p14">
       <p:transition spd="med" p14:dur="700">
         <p:fade/>
       </p:transition>
     </mc:Choice>
-    <mc:Fallback>
+    <mc:Fallback xmlns="">
       <p:transition spd="med">
         <p:fade/>
       </p:transition>
@@ -11895,7 +12956,7 @@
 </p:sld>
 </file>
 
-<file path=ppt/slides/slide23.xml><?xml version="1.0" encoding="utf-8"?>
+<file path=ppt/slides/slide25.xml><?xml version="1.0" encoding="utf-8"?>
 <p:sld xmlns:a="http://schemas.openxmlformats.org/drawingml/2006/main" xmlns:r="http://schemas.openxmlformats.org/officeDocument/2006/relationships" xmlns:p="http://schemas.openxmlformats.org/presentationml/2006/main">
   <p:cSld>
     <p:spTree>
@@ -11969,31 +13030,8 @@
               <a:pPr>
                 <a:defRPr/>
               </a:pPr>
-              <a:t>23</a:t>
+              <a:t>25</a:t>
             </a:fld>
-            <a:endParaRPr lang="de-DE" dirty="0"/>
-          </a:p>
-        </p:txBody>
-      </p:sp>
-      <p:sp>
-        <p:nvSpPr>
-          <p:cNvPr id="5" name="Fußzeilenplatzhalter 4"/>
-          <p:cNvSpPr>
-            <a:spLocks noGrp="1"/>
-          </p:cNvSpPr>
-          <p:nvPr>
-            <p:ph type="ftr" sz="quarter" idx="3"/>
-          </p:nvPr>
-        </p:nvSpPr>
-        <p:spPr/>
-        <p:txBody>
-          <a:bodyPr/>
-          <a:lstStyle/>
-          <a:p>
-            <a:r>
-              <a:rPr lang="de-DE" smtClean="0"/>
-              <a:t>Sicherheitsaspekte beim Deployment virtueller Netzinfrastrukturen</a:t>
-            </a:r>
             <a:endParaRPr lang="de-DE" dirty="0"/>
           </a:p>
         </p:txBody>
@@ -12353,6 +13391,38 @@
           </a:extLst>
         </p:spPr>
       </p:pic>
+      <p:sp>
+        <p:nvSpPr>
+          <p:cNvPr id="11" name="Fußzeilenplatzhalter 1"/>
+          <p:cNvSpPr>
+            <a:spLocks noGrp="1"/>
+          </p:cNvSpPr>
+          <p:nvPr>
+            <p:ph type="ftr" sz="quarter" idx="3"/>
+          </p:nvPr>
+        </p:nvSpPr>
+        <p:spPr>
+          <a:xfrm>
+            <a:off x="165906" y="6459581"/>
+            <a:ext cx="8079570" cy="292104"/>
+          </a:xfrm>
+        </p:spPr>
+        <p:txBody>
+          <a:bodyPr/>
+          <a:lstStyle/>
+          <a:p>
+            <a:r>
+              <a:rPr lang="de-DE" dirty="0" smtClean="0"/>
+              <a:t>Virtual Network Embedding      Klassifizierung von Sicherheitsrisiken      </a:t>
+            </a:r>
+            <a:r>
+              <a:rPr lang="de-DE" b="1" dirty="0" smtClean="0"/>
+              <a:t>SVNE-Algorithmen</a:t>
+            </a:r>
+            <a:endParaRPr lang="de-DE" b="1" dirty="0"/>
+          </a:p>
+        </p:txBody>
+      </p:sp>
     </p:spTree>
     <p:extLst>
       <p:ext uri="{BB962C8B-B14F-4D97-AF65-F5344CB8AC3E}">
@@ -12363,13 +13433,13 @@
   <p:clrMapOvr>
     <a:masterClrMapping/>
   </p:clrMapOvr>
-  <mc:AlternateContent xmlns:mc="http://schemas.openxmlformats.org/markup-compatibility/2006">
-    <mc:Choice xmlns:p14="http://schemas.microsoft.com/office/powerpoint/2010/main" Requires="p14">
+  <mc:AlternateContent xmlns:mc="http://schemas.openxmlformats.org/markup-compatibility/2006" xmlns:p14="http://schemas.microsoft.com/office/powerpoint/2010/main">
+    <mc:Choice Requires="p14">
       <p:transition spd="med" p14:dur="700">
         <p:fade/>
       </p:transition>
     </mc:Choice>
-    <mc:Fallback>
+    <mc:Fallback xmlns="">
       <p:transition spd="med">
         <p:fade/>
       </p:transition>
@@ -12385,7 +13455,7 @@
 </p:sld>
 </file>
 
-<file path=ppt/slides/slide24.xml><?xml version="1.0" encoding="utf-8"?>
+<file path=ppt/slides/slide26.xml><?xml version="1.0" encoding="utf-8"?>
 <p:sld xmlns:a="http://schemas.openxmlformats.org/drawingml/2006/main" xmlns:r="http://schemas.openxmlformats.org/officeDocument/2006/relationships" xmlns:p="http://schemas.openxmlformats.org/presentationml/2006/main">
   <p:cSld>
     <p:spTree>
@@ -12547,31 +13617,8 @@
               <a:pPr>
                 <a:defRPr/>
               </a:pPr>
-              <a:t>24</a:t>
+              <a:t>26</a:t>
             </a:fld>
-            <a:endParaRPr lang="de-DE" dirty="0"/>
-          </a:p>
-        </p:txBody>
-      </p:sp>
-      <p:sp>
-        <p:nvSpPr>
-          <p:cNvPr id="5" name="Fußzeilenplatzhalter 4"/>
-          <p:cNvSpPr>
-            <a:spLocks noGrp="1"/>
-          </p:cNvSpPr>
-          <p:nvPr>
-            <p:ph type="ftr" sz="quarter" idx="3"/>
-          </p:nvPr>
-        </p:nvSpPr>
-        <p:spPr/>
-        <p:txBody>
-          <a:bodyPr/>
-          <a:lstStyle/>
-          <a:p>
-            <a:r>
-              <a:rPr lang="de-DE" smtClean="0"/>
-              <a:t>Sicherheitsaspekte beim Deployment virtueller Netzinfrastrukturen</a:t>
-            </a:r>
             <a:endParaRPr lang="de-DE" dirty="0"/>
           </a:p>
         </p:txBody>
@@ -12719,6 +13766,38 @@
           </a:extLst>
         </p:spPr>
       </p:pic>
+      <p:sp>
+        <p:nvSpPr>
+          <p:cNvPr id="10" name="Fußzeilenplatzhalter 1"/>
+          <p:cNvSpPr>
+            <a:spLocks noGrp="1"/>
+          </p:cNvSpPr>
+          <p:nvPr>
+            <p:ph type="ftr" sz="quarter" idx="3"/>
+          </p:nvPr>
+        </p:nvSpPr>
+        <p:spPr>
+          <a:xfrm>
+            <a:off x="165906" y="6459581"/>
+            <a:ext cx="8079570" cy="292104"/>
+          </a:xfrm>
+        </p:spPr>
+        <p:txBody>
+          <a:bodyPr/>
+          <a:lstStyle/>
+          <a:p>
+            <a:r>
+              <a:rPr lang="de-DE" dirty="0" smtClean="0"/>
+              <a:t>Virtual Network Embedding      Klassifizierung von Sicherheitsrisiken      </a:t>
+            </a:r>
+            <a:r>
+              <a:rPr lang="de-DE" b="1" dirty="0" smtClean="0"/>
+              <a:t>SVNE-Algorithmen</a:t>
+            </a:r>
+            <a:endParaRPr lang="de-DE" b="1" dirty="0"/>
+          </a:p>
+        </p:txBody>
+      </p:sp>
     </p:spTree>
     <p:extLst>
       <p:ext uri="{BB962C8B-B14F-4D97-AF65-F5344CB8AC3E}">
@@ -12729,13 +13808,13 @@
   <p:clrMapOvr>
     <a:masterClrMapping/>
   </p:clrMapOvr>
-  <mc:AlternateContent xmlns:mc="http://schemas.openxmlformats.org/markup-compatibility/2006">
-    <mc:Choice xmlns:p14="http://schemas.microsoft.com/office/powerpoint/2010/main" Requires="p14">
+  <mc:AlternateContent xmlns:mc="http://schemas.openxmlformats.org/markup-compatibility/2006" xmlns:p14="http://schemas.microsoft.com/office/powerpoint/2010/main">
+    <mc:Choice Requires="p14">
       <p:transition spd="med" p14:dur="700">
         <p:fade/>
       </p:transition>
     </mc:Choice>
-    <mc:Fallback>
+    <mc:Fallback xmlns="">
       <p:transition spd="med">
         <p:fade/>
       </p:transition>
@@ -12751,7 +13830,7 @@
 </p:sld>
 </file>
 
-<file path=ppt/slides/slide25.xml><?xml version="1.0" encoding="utf-8"?>
+<file path=ppt/slides/slide27.xml><?xml version="1.0" encoding="utf-8"?>
 <p:sld xmlns:a="http://schemas.openxmlformats.org/drawingml/2006/main" xmlns:r="http://schemas.openxmlformats.org/officeDocument/2006/relationships" xmlns:p="http://schemas.openxmlformats.org/presentationml/2006/main">
   <p:cSld>
     <p:spTree>
@@ -12821,31 +13900,8 @@
               <a:pPr>
                 <a:defRPr/>
               </a:pPr>
-              <a:t>25</a:t>
+              <a:t>27</a:t>
             </a:fld>
-            <a:endParaRPr lang="de-DE" dirty="0"/>
-          </a:p>
-        </p:txBody>
-      </p:sp>
-      <p:sp>
-        <p:nvSpPr>
-          <p:cNvPr id="5" name="Fußzeilenplatzhalter 4"/>
-          <p:cNvSpPr>
-            <a:spLocks noGrp="1"/>
-          </p:cNvSpPr>
-          <p:nvPr>
-            <p:ph type="ftr" sz="quarter" idx="3"/>
-          </p:nvPr>
-        </p:nvSpPr>
-        <p:spPr/>
-        <p:txBody>
-          <a:bodyPr/>
-          <a:lstStyle/>
-          <a:p>
-            <a:r>
-              <a:rPr lang="de-DE" smtClean="0"/>
-              <a:t>Sicherheitsaspekte beim Deployment virtueller Netzinfrastrukturen</a:t>
-            </a:r>
             <a:endParaRPr lang="de-DE" dirty="0"/>
           </a:p>
         </p:txBody>
@@ -13160,6 +14216,38 @@
           </a:p>
         </p:txBody>
       </p:sp>
+      <p:sp>
+        <p:nvSpPr>
+          <p:cNvPr id="9" name="Fußzeilenplatzhalter 1"/>
+          <p:cNvSpPr>
+            <a:spLocks noGrp="1"/>
+          </p:cNvSpPr>
+          <p:nvPr>
+            <p:ph type="ftr" sz="quarter" idx="3"/>
+          </p:nvPr>
+        </p:nvSpPr>
+        <p:spPr>
+          <a:xfrm>
+            <a:off x="165906" y="6459581"/>
+            <a:ext cx="8079570" cy="292104"/>
+          </a:xfrm>
+        </p:spPr>
+        <p:txBody>
+          <a:bodyPr/>
+          <a:lstStyle/>
+          <a:p>
+            <a:r>
+              <a:rPr lang="de-DE" dirty="0" smtClean="0"/>
+              <a:t>Virtual Network Embedding      Klassifizierung von Sicherheitsrisiken      </a:t>
+            </a:r>
+            <a:r>
+              <a:rPr lang="de-DE" b="1" dirty="0" smtClean="0"/>
+              <a:t>SVNE-Algorithmen</a:t>
+            </a:r>
+            <a:endParaRPr lang="de-DE" b="1" dirty="0"/>
+          </a:p>
+        </p:txBody>
+      </p:sp>
     </p:spTree>
     <p:extLst>
       <p:ext uri="{BB962C8B-B14F-4D97-AF65-F5344CB8AC3E}">
@@ -13170,13 +14258,13 @@
   <p:clrMapOvr>
     <a:masterClrMapping/>
   </p:clrMapOvr>
-  <mc:AlternateContent xmlns:mc="http://schemas.openxmlformats.org/markup-compatibility/2006">
-    <mc:Choice xmlns:p14="http://schemas.microsoft.com/office/powerpoint/2010/main" Requires="p14">
+  <mc:AlternateContent xmlns:mc="http://schemas.openxmlformats.org/markup-compatibility/2006" xmlns:p14="http://schemas.microsoft.com/office/powerpoint/2010/main">
+    <mc:Choice Requires="p14">
       <p:transition spd="med" p14:dur="700">
         <p:fade/>
       </p:transition>
     </mc:Choice>
-    <mc:Fallback>
+    <mc:Fallback xmlns="">
       <p:transition spd="med">
         <p:fade/>
       </p:transition>
@@ -13192,7 +14280,7 @@
 </p:sld>
 </file>
 
-<file path=ppt/slides/slide26.xml><?xml version="1.0" encoding="utf-8"?>
+<file path=ppt/slides/slide28.xml><?xml version="1.0" encoding="utf-8"?>
 <p:sld xmlns:a="http://schemas.openxmlformats.org/drawingml/2006/main" xmlns:r="http://schemas.openxmlformats.org/officeDocument/2006/relationships" xmlns:p="http://schemas.openxmlformats.org/presentationml/2006/main">
   <p:cSld>
     <p:spTree>
@@ -13262,31 +14350,8 @@
               <a:pPr>
                 <a:defRPr/>
               </a:pPr>
-              <a:t>26</a:t>
+              <a:t>28</a:t>
             </a:fld>
-            <a:endParaRPr lang="de-DE" dirty="0"/>
-          </a:p>
-        </p:txBody>
-      </p:sp>
-      <p:sp>
-        <p:nvSpPr>
-          <p:cNvPr id="5" name="Fußzeilenplatzhalter 4"/>
-          <p:cNvSpPr>
-            <a:spLocks noGrp="1"/>
-          </p:cNvSpPr>
-          <p:nvPr>
-            <p:ph type="ftr" sz="quarter" idx="3"/>
-          </p:nvPr>
-        </p:nvSpPr>
-        <p:spPr/>
-        <p:txBody>
-          <a:bodyPr/>
-          <a:lstStyle/>
-          <a:p>
-            <a:r>
-              <a:rPr lang="de-DE" smtClean="0"/>
-              <a:t>Sicherheitsaspekte beim Deployment virtueller Netzinfrastrukturen</a:t>
-            </a:r>
             <a:endParaRPr lang="de-DE" dirty="0"/>
           </a:p>
         </p:txBody>
@@ -13648,6 +14713,38 @@
           </a:p>
         </p:txBody>
       </p:sp>
+      <p:sp>
+        <p:nvSpPr>
+          <p:cNvPr id="10" name="Fußzeilenplatzhalter 1"/>
+          <p:cNvSpPr>
+            <a:spLocks noGrp="1"/>
+          </p:cNvSpPr>
+          <p:nvPr>
+            <p:ph type="ftr" sz="quarter" idx="3"/>
+          </p:nvPr>
+        </p:nvSpPr>
+        <p:spPr>
+          <a:xfrm>
+            <a:off x="165906" y="6459581"/>
+            <a:ext cx="8079570" cy="292104"/>
+          </a:xfrm>
+        </p:spPr>
+        <p:txBody>
+          <a:bodyPr/>
+          <a:lstStyle/>
+          <a:p>
+            <a:r>
+              <a:rPr lang="de-DE" dirty="0" smtClean="0"/>
+              <a:t>Virtual Network Embedding      Klassifizierung von Sicherheitsrisiken      </a:t>
+            </a:r>
+            <a:r>
+              <a:rPr lang="de-DE" b="1" dirty="0" smtClean="0"/>
+              <a:t>SVNE-Algorithmen</a:t>
+            </a:r>
+            <a:endParaRPr lang="de-DE" b="1" dirty="0"/>
+          </a:p>
+        </p:txBody>
+      </p:sp>
     </p:spTree>
     <p:extLst>
       <p:ext uri="{BB962C8B-B14F-4D97-AF65-F5344CB8AC3E}">
@@ -13658,13 +14755,13 @@
   <p:clrMapOvr>
     <a:masterClrMapping/>
   </p:clrMapOvr>
-  <mc:AlternateContent xmlns:mc="http://schemas.openxmlformats.org/markup-compatibility/2006">
-    <mc:Choice xmlns:p14="http://schemas.microsoft.com/office/powerpoint/2010/main" Requires="p14">
+  <mc:AlternateContent xmlns:mc="http://schemas.openxmlformats.org/markup-compatibility/2006" xmlns:p14="http://schemas.microsoft.com/office/powerpoint/2010/main">
+    <mc:Choice Requires="p14">
       <p:transition spd="med" p14:dur="700">
         <p:fade/>
       </p:transition>
     </mc:Choice>
-    <mc:Fallback>
+    <mc:Fallback xmlns="">
       <p:transition spd="med">
         <p:fade/>
       </p:transition>
@@ -13680,7 +14777,7 @@
 </p:sld>
 </file>
 
-<file path=ppt/slides/slide27.xml><?xml version="1.0" encoding="utf-8"?>
+<file path=ppt/slides/slide29.xml><?xml version="1.0" encoding="utf-8"?>
 <p:sld xmlns:a="http://schemas.openxmlformats.org/drawingml/2006/main" xmlns:r="http://schemas.openxmlformats.org/officeDocument/2006/relationships" xmlns:p="http://schemas.openxmlformats.org/presentationml/2006/main">
   <p:cSld>
     <p:spTree>
@@ -13750,31 +14847,8 @@
               <a:pPr>
                 <a:defRPr/>
               </a:pPr>
-              <a:t>27</a:t>
+              <a:t>29</a:t>
             </a:fld>
-            <a:endParaRPr lang="de-DE" dirty="0"/>
-          </a:p>
-        </p:txBody>
-      </p:sp>
-      <p:sp>
-        <p:nvSpPr>
-          <p:cNvPr id="5" name="Fußzeilenplatzhalter 4"/>
-          <p:cNvSpPr>
-            <a:spLocks noGrp="1"/>
-          </p:cNvSpPr>
-          <p:nvPr>
-            <p:ph type="ftr" sz="quarter" idx="3"/>
-          </p:nvPr>
-        </p:nvSpPr>
-        <p:spPr/>
-        <p:txBody>
-          <a:bodyPr/>
-          <a:lstStyle/>
-          <a:p>
-            <a:r>
-              <a:rPr lang="de-DE" smtClean="0"/>
-              <a:t>Sicherheitsaspekte beim Deployment virtueller Netzinfrastrukturen</a:t>
-            </a:r>
             <a:endParaRPr lang="de-DE" dirty="0"/>
           </a:p>
         </p:txBody>
@@ -14136,6 +15210,38 @@
           </a:p>
         </p:txBody>
       </p:sp>
+      <p:sp>
+        <p:nvSpPr>
+          <p:cNvPr id="10" name="Fußzeilenplatzhalter 1"/>
+          <p:cNvSpPr>
+            <a:spLocks noGrp="1"/>
+          </p:cNvSpPr>
+          <p:nvPr>
+            <p:ph type="ftr" sz="quarter" idx="3"/>
+          </p:nvPr>
+        </p:nvSpPr>
+        <p:spPr>
+          <a:xfrm>
+            <a:off x="165906" y="6459581"/>
+            <a:ext cx="8079570" cy="292104"/>
+          </a:xfrm>
+        </p:spPr>
+        <p:txBody>
+          <a:bodyPr/>
+          <a:lstStyle/>
+          <a:p>
+            <a:r>
+              <a:rPr lang="de-DE" dirty="0" smtClean="0"/>
+              <a:t>Virtual Network Embedding      Klassifizierung von Sicherheitsrisiken      </a:t>
+            </a:r>
+            <a:r>
+              <a:rPr lang="de-DE" b="1" dirty="0" smtClean="0"/>
+              <a:t>SVNE-Algorithmen</a:t>
+            </a:r>
+            <a:endParaRPr lang="de-DE" b="1" dirty="0"/>
+          </a:p>
+        </p:txBody>
+      </p:sp>
     </p:spTree>
     <p:extLst>
       <p:ext uri="{BB962C8B-B14F-4D97-AF65-F5344CB8AC3E}">
@@ -14146,13 +15252,13 @@
   <p:clrMapOvr>
     <a:masterClrMapping/>
   </p:clrMapOvr>
-  <mc:AlternateContent xmlns:mc="http://schemas.openxmlformats.org/markup-compatibility/2006">
-    <mc:Choice xmlns:p14="http://schemas.microsoft.com/office/powerpoint/2010/main" Requires="p14">
+  <mc:AlternateContent xmlns:mc="http://schemas.openxmlformats.org/markup-compatibility/2006" xmlns:p14="http://schemas.microsoft.com/office/powerpoint/2010/main">
+    <mc:Choice Requires="p14">
       <p:transition spd="med" p14:dur="700">
         <p:fade/>
       </p:transition>
     </mc:Choice>
-    <mc:Fallback>
+    <mc:Fallback xmlns="">
       <p:transition spd="med">
         <p:fade/>
       </p:transition>
@@ -14168,7 +15274,7 @@
 </p:sld>
 </file>
 
-<file path=ppt/slides/slide28.xml><?xml version="1.0" encoding="utf-8"?>
+<file path=ppt/slides/slide3.xml><?xml version="1.0" encoding="utf-8"?>
 <p:sld xmlns:a="http://schemas.openxmlformats.org/drawingml/2006/main" xmlns:r="http://schemas.openxmlformats.org/officeDocument/2006/relationships" xmlns:p="http://schemas.openxmlformats.org/presentationml/2006/main">
   <p:cSld>
     <p:spTree>
@@ -14202,16 +15308,100 @@
           <a:p>
             <a:r>
               <a:rPr lang="de-DE" dirty="0" smtClean="0"/>
-              <a:t>SVNE-Algorithmen:</a:t>
+              <a:t>Motivation</a:t>
+            </a:r>
+            <a:endParaRPr lang="de-DE" dirty="0"/>
+          </a:p>
+        </p:txBody>
+      </p:sp>
+      <p:sp>
+        <p:nvSpPr>
+          <p:cNvPr id="3" name="Inhaltsplatzhalter 2"/>
+          <p:cNvSpPr>
+            <a:spLocks noGrp="1"/>
+          </p:cNvSpPr>
+          <p:nvPr>
+            <p:ph idx="1"/>
+          </p:nvPr>
+        </p:nvSpPr>
+        <p:spPr/>
+        <p:txBody>
+          <a:bodyPr/>
+          <a:lstStyle/>
+          <a:p>
+            <a:r>
+              <a:rPr lang="de-DE" dirty="0" smtClean="0"/>
+              <a:t>Anforderungen an Netzstrukturen ändern sich häufig</a:t>
+            </a:r>
+          </a:p>
+          <a:p>
+            <a:endParaRPr lang="de-DE" dirty="0" smtClean="0"/>
+          </a:p>
+          <a:p>
+            <a:r>
+              <a:rPr lang="de-DE" dirty="0" err="1" smtClean="0"/>
+              <a:t>Netzvirtualisierung</a:t>
+            </a:r>
+            <a:r>
+              <a:rPr lang="de-DE" dirty="0" smtClean="0"/>
+              <a:t> bietet Möglichkeit zur Abstraktion von der eingesetzten Hardware </a:t>
+            </a:r>
+            <a:r>
+              <a:rPr lang="de-DE" dirty="0" smtClean="0">
+                <a:sym typeface="Wingdings" panose="05000000000000000000" pitchFamily="2" charset="2"/>
+              </a:rPr>
+              <a:t> Aufbau logischer Netze</a:t>
+            </a:r>
+          </a:p>
+          <a:p>
+            <a:endParaRPr lang="de-DE" dirty="0" smtClean="0">
+              <a:sym typeface="Wingdings" panose="05000000000000000000" pitchFamily="2" charset="2"/>
+            </a:endParaRPr>
+          </a:p>
+          <a:p>
+            <a:r>
+              <a:rPr lang="de-DE" dirty="0" smtClean="0">
+                <a:sym typeface="Wingdings" panose="05000000000000000000" pitchFamily="2" charset="2"/>
+              </a:rPr>
+              <a:t>Virtual Network Embedding (VNE) bislang nur hinsichtlich Performance optimiert</a:t>
+            </a:r>
+          </a:p>
+          <a:p>
+            <a:endParaRPr lang="de-DE" dirty="0" smtClean="0">
+              <a:sym typeface="Wingdings" panose="05000000000000000000" pitchFamily="2" charset="2"/>
+            </a:endParaRPr>
+          </a:p>
+          <a:p>
+            <a:r>
+              <a:rPr lang="de-DE" dirty="0" smtClean="0">
+                <a:sym typeface="Wingdings" panose="05000000000000000000" pitchFamily="2" charset="2"/>
+              </a:rPr>
+              <a:t>Sicherheitsaspekte meist außer Acht gelassen</a:t>
             </a:r>
             <a:br>
-              <a:rPr lang="de-DE" dirty="0" smtClean="0"/>
+              <a:rPr lang="de-DE" dirty="0" smtClean="0">
+                <a:sym typeface="Wingdings" panose="05000000000000000000" pitchFamily="2" charset="2"/>
+              </a:rPr>
             </a:br>
             <a:r>
-              <a:rPr lang="de-DE" sz="1800" b="0" dirty="0"/>
-              <a:t>Sicherheitsvektoren und doppelte Berechnung</a:t>
-            </a:r>
-            <a:endParaRPr lang="de-DE" sz="1800" dirty="0"/>
+              <a:rPr lang="de-DE" dirty="0" smtClean="0">
+                <a:sym typeface="Wingdings" panose="05000000000000000000" pitchFamily="2" charset="2"/>
+              </a:rPr>
+              <a:t>=&gt; Integration solcher in den VNE-Prozess (</a:t>
+            </a:r>
+            <a:r>
+              <a:rPr lang="de-DE" dirty="0" err="1" smtClean="0">
+                <a:sym typeface="Wingdings" panose="05000000000000000000" pitchFamily="2" charset="2"/>
+              </a:rPr>
+              <a:t>SecureVNE</a:t>
+            </a:r>
+            <a:r>
+              <a:rPr lang="de-DE" dirty="0" smtClean="0">
+                <a:sym typeface="Wingdings" panose="05000000000000000000" pitchFamily="2" charset="2"/>
+              </a:rPr>
+              <a:t>)</a:t>
+            </a:r>
+            <a:endParaRPr lang="de-DE" dirty="0"/>
           </a:p>
         </p:txBody>
       </p:sp>
@@ -14238,7 +15428,7 @@
               <a:pPr>
                 <a:defRPr/>
               </a:pPr>
-              <a:t>28</a:t>
+              <a:t>3</a:t>
             </a:fld>
             <a:endParaRPr lang="de-DE" dirty="0"/>
           </a:p>
@@ -14260,9 +15450,252 @@
           <a:lstStyle/>
           <a:p>
             <a:r>
+              <a:rPr lang="de-DE" dirty="0" smtClean="0"/>
+              <a:t>Sicherheitsaspekte beim </a:t>
+            </a:r>
+            <a:r>
+              <a:rPr lang="de-DE" dirty="0" err="1" smtClean="0"/>
+              <a:t>Deployment</a:t>
+            </a:r>
+            <a:r>
+              <a:rPr lang="de-DE" dirty="0" smtClean="0"/>
+              <a:t> virtueller Netzinfrastrukturen</a:t>
+            </a:r>
+            <a:endParaRPr lang="de-DE" dirty="0"/>
+          </a:p>
+        </p:txBody>
+      </p:sp>
+    </p:spTree>
+    <p:extLst>
+      <p:ext uri="{BB962C8B-B14F-4D97-AF65-F5344CB8AC3E}">
+        <p14:creationId xmlns:p14="http://schemas.microsoft.com/office/powerpoint/2010/main" val="3273344848"/>
+      </p:ext>
+    </p:extLst>
+  </p:cSld>
+  <p:clrMapOvr>
+    <a:masterClrMapping/>
+  </p:clrMapOvr>
+  <mc:AlternateContent xmlns:mc="http://schemas.openxmlformats.org/markup-compatibility/2006" xmlns:p14="http://schemas.microsoft.com/office/powerpoint/2010/main">
+    <mc:Choice Requires="p14">
+      <p:transition spd="med" p14:dur="700">
+        <p:fade/>
+      </p:transition>
+    </mc:Choice>
+    <mc:Fallback xmlns="">
+      <p:transition spd="med">
+        <p:fade/>
+      </p:transition>
+    </mc:Fallback>
+  </mc:AlternateContent>
+  <p:timing>
+    <p:tnLst>
+      <p:par>
+        <p:cTn id="1" dur="indefinite" restart="never" nodeType="tmRoot">
+          <p:childTnLst>
+            <p:seq concurrent="1" nextAc="seek">
+              <p:cTn id="2" dur="indefinite" nodeType="mainSeq">
+                <p:childTnLst>
+                  <p:par>
+                    <p:cTn id="3" fill="hold">
+                      <p:stCondLst>
+                        <p:cond delay="indefinite"/>
+                      </p:stCondLst>
+                      <p:childTnLst>
+                        <p:par>
+                          <p:cTn id="4" fill="hold">
+                            <p:stCondLst>
+                              <p:cond delay="0"/>
+                            </p:stCondLst>
+                            <p:childTnLst>
+                              <p:par>
+                                <p:cTn id="5" presetID="10" presetClass="entr" presetSubtype="0" fill="hold" nodeType="clickEffect">
+                                  <p:stCondLst>
+                                    <p:cond delay="0"/>
+                                  </p:stCondLst>
+                                  <p:childTnLst>
+                                    <p:set>
+                                      <p:cBhvr>
+                                        <p:cTn id="6" dur="1" fill="hold">
+                                          <p:stCondLst>
+                                            <p:cond delay="0"/>
+                                          </p:stCondLst>
+                                        </p:cTn>
+                                        <p:tgtEl>
+                                          <p:spTgt spid="3">
+                                            <p:txEl>
+                                              <p:pRg st="4" end="4"/>
+                                            </p:txEl>
+                                          </p:spTgt>
+                                        </p:tgtEl>
+                                        <p:attrNameLst>
+                                          <p:attrName>style.visibility</p:attrName>
+                                        </p:attrNameLst>
+                                      </p:cBhvr>
+                                      <p:to>
+                                        <p:strVal val="visible"/>
+                                      </p:to>
+                                    </p:set>
+                                    <p:animEffect transition="in" filter="fade">
+                                      <p:cBhvr>
+                                        <p:cTn id="7" dur="500"/>
+                                        <p:tgtEl>
+                                          <p:spTgt spid="3">
+                                            <p:txEl>
+                                              <p:pRg st="4" end="4"/>
+                                            </p:txEl>
+                                          </p:spTgt>
+                                        </p:tgtEl>
+                                      </p:cBhvr>
+                                    </p:animEffect>
+                                  </p:childTnLst>
+                                </p:cTn>
+                              </p:par>
+                              <p:par>
+                                <p:cTn id="8" presetID="10" presetClass="entr" presetSubtype="0" fill="hold" nodeType="withEffect">
+                                  <p:stCondLst>
+                                    <p:cond delay="0"/>
+                                  </p:stCondLst>
+                                  <p:childTnLst>
+                                    <p:set>
+                                      <p:cBhvr>
+                                        <p:cTn id="9" dur="1" fill="hold">
+                                          <p:stCondLst>
+                                            <p:cond delay="0"/>
+                                          </p:stCondLst>
+                                        </p:cTn>
+                                        <p:tgtEl>
+                                          <p:spTgt spid="3">
+                                            <p:txEl>
+                                              <p:pRg st="6" end="6"/>
+                                            </p:txEl>
+                                          </p:spTgt>
+                                        </p:tgtEl>
+                                        <p:attrNameLst>
+                                          <p:attrName>style.visibility</p:attrName>
+                                        </p:attrNameLst>
+                                      </p:cBhvr>
+                                      <p:to>
+                                        <p:strVal val="visible"/>
+                                      </p:to>
+                                    </p:set>
+                                    <p:animEffect transition="in" filter="fade">
+                                      <p:cBhvr>
+                                        <p:cTn id="10" dur="500"/>
+                                        <p:tgtEl>
+                                          <p:spTgt spid="3">
+                                            <p:txEl>
+                                              <p:pRg st="6" end="6"/>
+                                            </p:txEl>
+                                          </p:spTgt>
+                                        </p:tgtEl>
+                                      </p:cBhvr>
+                                    </p:animEffect>
+                                  </p:childTnLst>
+                                </p:cTn>
+                              </p:par>
+                            </p:childTnLst>
+                          </p:cTn>
+                        </p:par>
+                      </p:childTnLst>
+                    </p:cTn>
+                  </p:par>
+                </p:childTnLst>
+              </p:cTn>
+              <p:prevCondLst>
+                <p:cond evt="onPrev" delay="0">
+                  <p:tgtEl>
+                    <p:sldTgt/>
+                  </p:tgtEl>
+                </p:cond>
+              </p:prevCondLst>
+              <p:nextCondLst>
+                <p:cond evt="onNext" delay="0">
+                  <p:tgtEl>
+                    <p:sldTgt/>
+                  </p:tgtEl>
+                </p:cond>
+              </p:nextCondLst>
+            </p:seq>
+          </p:childTnLst>
+        </p:cTn>
+      </p:par>
+    </p:tnLst>
+  </p:timing>
+</p:sld>
+</file>
+
+<file path=ppt/slides/slide30.xml><?xml version="1.0" encoding="utf-8"?>
+<p:sld xmlns:a="http://schemas.openxmlformats.org/drawingml/2006/main" xmlns:r="http://schemas.openxmlformats.org/officeDocument/2006/relationships" xmlns:p="http://schemas.openxmlformats.org/presentationml/2006/main">
+  <p:cSld>
+    <p:spTree>
+      <p:nvGrpSpPr>
+        <p:cNvPr id="1" name=""/>
+        <p:cNvGrpSpPr/>
+        <p:nvPr/>
+      </p:nvGrpSpPr>
+      <p:grpSpPr>
+        <a:xfrm>
+          <a:off x="0" y="0"/>
+          <a:ext cx="0" cy="0"/>
+          <a:chOff x="0" y="0"/>
+          <a:chExt cx="0" cy="0"/>
+        </a:xfrm>
+      </p:grpSpPr>
+      <p:sp>
+        <p:nvSpPr>
+          <p:cNvPr id="2" name="Titel 1"/>
+          <p:cNvSpPr>
+            <a:spLocks noGrp="1"/>
+          </p:cNvSpPr>
+          <p:nvPr>
+            <p:ph type="title"/>
+          </p:nvPr>
+        </p:nvSpPr>
+        <p:spPr/>
+        <p:txBody>
+          <a:bodyPr/>
+          <a:lstStyle/>
+          <a:p>
+            <a:r>
+              <a:rPr lang="de-DE" dirty="0" smtClean="0"/>
+              <a:t>SVNE-Algorithmen:</a:t>
+            </a:r>
+            <a:br>
+              <a:rPr lang="de-DE" dirty="0" smtClean="0"/>
+            </a:br>
+            <a:r>
+              <a:rPr lang="de-DE" sz="1800" b="0" dirty="0"/>
+              <a:t>Sicherheitsvektoren und doppelte Berechnung</a:t>
+            </a:r>
+            <a:endParaRPr lang="de-DE" sz="1800" dirty="0"/>
+          </a:p>
+        </p:txBody>
+      </p:sp>
+      <p:sp>
+        <p:nvSpPr>
+          <p:cNvPr id="4" name="Foliennummernplatzhalter 3"/>
+          <p:cNvSpPr>
+            <a:spLocks noGrp="1"/>
+          </p:cNvSpPr>
+          <p:nvPr>
+            <p:ph type="sldNum" sz="quarter" idx="4"/>
+          </p:nvPr>
+        </p:nvSpPr>
+        <p:spPr/>
+        <p:txBody>
+          <a:bodyPr/>
+          <a:lstStyle/>
+          <a:p>
+            <a:pPr>
+              <a:defRPr/>
+            </a:pPr>
+            <a:fld id="{70BFFA52-4234-45F6-B1A6-074E24FF43A2}" type="slidenum">
               <a:rPr lang="de-DE" smtClean="0"/>
-              <a:t>Sicherheitsaspekte beim Deployment virtueller Netzinfrastrukturen</a:t>
-            </a:r>
+              <a:pPr>
+                <a:defRPr/>
+              </a:pPr>
+              <a:t>30</a:t>
+            </a:fld>
             <a:endParaRPr lang="de-DE" dirty="0"/>
           </a:p>
         </p:txBody>
@@ -14370,7 +15803,7 @@
         <p:spPr bwMode="auto">
           <a:xfrm>
             <a:off x="226954" y="1347759"/>
-            <a:ext cx="8666222" cy="1469173"/>
+            <a:ext cx="8666222" cy="2009233"/>
           </a:xfrm>
           <a:prstGeom prst="rect">
             <a:avLst/>
@@ -14577,70 +16010,411 @@
           </a:p>
         </p:txBody>
       </p:sp>
-      <p:sp>
-        <p:nvSpPr>
-          <p:cNvPr id="9" name="Textfeld 8"/>
-          <p:cNvSpPr txBox="1"/>
-          <p:nvPr/>
+      <mc:AlternateContent xmlns:mc="http://schemas.openxmlformats.org/markup-compatibility/2006">
+        <mc:Choice xmlns:a14="http://schemas.microsoft.com/office/drawing/2010/main" Requires="a14">
+          <p:sp>
+            <p:nvSpPr>
+              <p:cNvPr id="3" name="Textfeld 2"/>
+              <p:cNvSpPr txBox="1"/>
+              <p:nvPr/>
+            </p:nvSpPr>
+            <p:spPr>
+              <a:xfrm>
+                <a:off x="833790" y="3717032"/>
+                <a:ext cx="7482626" cy="2000548"/>
+              </a:xfrm>
+              <a:prstGeom prst="rect">
+                <a:avLst/>
+              </a:prstGeom>
+              <a:noFill/>
+            </p:spPr>
+            <p:txBody>
+              <a:bodyPr wrap="none" rtlCol="0">
+                <a:spAutoFit/>
+              </a:bodyPr>
+              <a:lstStyle/>
+              <a:p>
+                <a:r>
+                  <a:rPr lang="de-DE" sz="2000" dirty="0"/>
+                  <a:t>Sicherheitslevel(</a:t>
+                </a:r>
+                <a:r>
+                  <a:rPr lang="de-DE" sz="2400" b="1" dirty="0">
+                    <a:solidFill>
+                      <a:srgbClr val="C00000"/>
+                    </a:solidFill>
+                  </a:rPr>
+                  <a:t>K</a:t>
+                </a:r>
+                <a:r>
+                  <a:rPr lang="de-DE" sz="3200" b="1" baseline="30000" dirty="0">
+                    <a:solidFill>
+                      <a:srgbClr val="C00000"/>
+                    </a:solidFill>
+                  </a:rPr>
+                  <a:t>S</a:t>
+                </a:r>
+                <a:r>
+                  <a:rPr lang="de-DE" sz="2000" dirty="0"/>
+                  <a:t>) &gt;= Anforderungslevel(</a:t>
+                </a:r>
+                <a:r>
+                  <a:rPr lang="de-DE" sz="2400" b="1" dirty="0">
+                    <a:solidFill>
+                      <a:srgbClr val="006C30"/>
+                    </a:solidFill>
+                  </a:rPr>
+                  <a:t>K</a:t>
+                </a:r>
+                <a:r>
+                  <a:rPr lang="de-DE" sz="3200" b="1" baseline="30000" dirty="0">
+                    <a:solidFill>
+                      <a:srgbClr val="006C30"/>
+                    </a:solidFill>
+                  </a:rPr>
+                  <a:t>V</a:t>
+                </a:r>
+                <a:r>
+                  <a:rPr lang="de-DE" sz="2000" dirty="0"/>
+                  <a:t>)</a:t>
+                </a:r>
+              </a:p>
+              <a:p>
+                <a:r>
+                  <a:rPr lang="de-DE" sz="2000" dirty="0" smtClean="0"/>
+                  <a:t>Sicherheitslevel(</a:t>
+                </a:r>
+                <a:r>
+                  <a:rPr lang="de-DE" sz="2400" b="1" dirty="0" smtClean="0">
+                    <a:solidFill>
+                      <a:srgbClr val="006C30"/>
+                    </a:solidFill>
+                  </a:rPr>
+                  <a:t>K</a:t>
+                </a:r>
+                <a:r>
+                  <a:rPr lang="de-DE" sz="3200" b="1" baseline="30000" dirty="0" smtClean="0">
+                    <a:solidFill>
+                      <a:srgbClr val="006C30"/>
+                    </a:solidFill>
+                  </a:rPr>
+                  <a:t>V</a:t>
+                </a:r>
+                <a:r>
+                  <a:rPr lang="de-DE" sz="2000" dirty="0" smtClean="0"/>
+                  <a:t>) </a:t>
+                </a:r>
+                <a:r>
+                  <a:rPr lang="de-DE" sz="2000" dirty="0"/>
+                  <a:t>&gt;= </a:t>
+                </a:r>
+                <a:r>
+                  <a:rPr lang="de-DE" sz="2000" dirty="0" smtClean="0"/>
+                  <a:t>Anforderungslevel(</a:t>
+                </a:r>
+                <a:r>
+                  <a:rPr lang="de-DE" sz="2400" b="1" dirty="0" smtClean="0">
+                    <a:solidFill>
+                      <a:srgbClr val="C00000"/>
+                    </a:solidFill>
+                  </a:rPr>
+                  <a:t>K</a:t>
+                </a:r>
+                <a:r>
+                  <a:rPr lang="de-DE" sz="3200" b="1" baseline="30000" dirty="0" smtClean="0">
+                    <a:solidFill>
+                      <a:srgbClr val="C00000"/>
+                    </a:solidFill>
+                  </a:rPr>
+                  <a:t>S</a:t>
+                </a:r>
+                <a:r>
+                  <a:rPr lang="de-DE" sz="2000" dirty="0" smtClean="0"/>
+                  <a:t>)</a:t>
+                </a:r>
+                <a:endParaRPr lang="de-DE" sz="2000" dirty="0"/>
+              </a:p>
+              <a:p>
+                <a:endParaRPr lang="de-DE" sz="2000" dirty="0" smtClean="0"/>
+              </a:p>
+              <a:p>
+                <a14:m>
+                  <m:oMath xmlns:m="http://schemas.openxmlformats.org/officeDocument/2006/math">
+                    <m:r>
+                      <a:rPr lang="de-DE" sz="2800" b="1" i="0" dirty="0" smtClean="0">
+                        <a:latin typeface="Cambria Math" panose="02040503050406030204" pitchFamily="18" charset="0"/>
+                        <a:ea typeface="Cambria Math" panose="02040503050406030204" pitchFamily="18" charset="0"/>
+                      </a:rPr>
+                      <m:t>∀</m:t>
+                    </m:r>
+                  </m:oMath>
+                </a14:m>
+                <a:r>
+                  <a:rPr lang="de-DE" sz="2400" dirty="0" smtClean="0"/>
+                  <a:t> </a:t>
+                </a:r>
+                <a:r>
+                  <a:rPr lang="de-DE" sz="2400" b="1" dirty="0" err="1" smtClean="0">
+                    <a:solidFill>
+                      <a:srgbClr val="006C30"/>
+                    </a:solidFill>
+                  </a:rPr>
+                  <a:t>K</a:t>
+                </a:r>
+                <a:r>
+                  <a:rPr lang="de-DE" sz="3200" b="1" baseline="-25000" dirty="0" err="1">
+                    <a:solidFill>
+                      <a:srgbClr val="006C30"/>
+                    </a:solidFill>
+                  </a:rPr>
+                  <a:t>i</a:t>
+                </a:r>
+                <a:r>
+                  <a:rPr lang="de-DE" sz="3200" b="1" baseline="30000" dirty="0" err="1" smtClean="0">
+                    <a:solidFill>
+                      <a:srgbClr val="006C30"/>
+                    </a:solidFill>
+                  </a:rPr>
+                  <a:t>V</a:t>
+                </a:r>
+                <a:r>
+                  <a:rPr lang="de-DE" sz="2400" dirty="0" smtClean="0"/>
+                  <a:t> </a:t>
+                </a:r>
+                <a:r>
+                  <a:rPr lang="de-DE" sz="2000" dirty="0" smtClean="0"/>
+                  <a:t>auf </a:t>
+                </a:r>
+                <a:r>
+                  <a:rPr lang="de-DE" sz="2400" b="1" dirty="0" smtClean="0">
+                    <a:solidFill>
+                      <a:srgbClr val="C00000"/>
+                    </a:solidFill>
+                  </a:rPr>
+                  <a:t>K</a:t>
+                </a:r>
+                <a:r>
+                  <a:rPr lang="de-DE" sz="3200" b="1" baseline="30000" dirty="0" smtClean="0">
+                    <a:solidFill>
+                      <a:srgbClr val="C00000"/>
+                    </a:solidFill>
+                  </a:rPr>
+                  <a:t>S</a:t>
+                </a:r>
+                <a:r>
+                  <a:rPr lang="de-DE" sz="2000" dirty="0" smtClean="0"/>
+                  <a:t>: Sicherheitslevel(</a:t>
+                </a:r>
+                <a:r>
+                  <a:rPr lang="de-DE" sz="2400" b="1" dirty="0" err="1" smtClean="0">
+                    <a:solidFill>
+                      <a:srgbClr val="006C30"/>
+                    </a:solidFill>
+                  </a:rPr>
+                  <a:t>K</a:t>
+                </a:r>
+                <a:r>
+                  <a:rPr lang="de-DE" sz="3200" b="1" baseline="-25000" dirty="0" err="1">
+                    <a:solidFill>
+                      <a:srgbClr val="006C30"/>
+                    </a:solidFill>
+                  </a:rPr>
+                  <a:t>i</a:t>
+                </a:r>
+                <a:r>
+                  <a:rPr lang="de-DE" sz="3200" b="1" baseline="30000" dirty="0" err="1" smtClean="0">
+                    <a:solidFill>
+                      <a:srgbClr val="006C30"/>
+                    </a:solidFill>
+                  </a:rPr>
+                  <a:t>V</a:t>
+                </a:r>
+                <a:r>
+                  <a:rPr lang="de-DE" sz="2000" dirty="0" smtClean="0"/>
+                  <a:t>) </a:t>
+                </a:r>
+                <a14:m>
+                  <m:oMath xmlns:m="http://schemas.openxmlformats.org/officeDocument/2006/math">
+                    <m:r>
+                      <a:rPr lang="de-DE" sz="2400" b="1" i="0" smtClean="0">
+                        <a:latin typeface="Cambria Math" panose="02040503050406030204" pitchFamily="18" charset="0"/>
+                        <a:ea typeface="Cambria Math" panose="02040503050406030204" pitchFamily="18" charset="0"/>
+                      </a:rPr>
+                      <m:t>≈</m:t>
+                    </m:r>
+                  </m:oMath>
+                </a14:m>
+                <a:r>
+                  <a:rPr lang="de-DE" sz="2000" dirty="0" smtClean="0"/>
+                  <a:t> Sicherheitslevel(</a:t>
+                </a:r>
+                <a:r>
+                  <a:rPr lang="de-DE" sz="2400" b="1" dirty="0" smtClean="0">
+                    <a:solidFill>
+                      <a:srgbClr val="006C30"/>
+                    </a:solidFill>
+                  </a:rPr>
+                  <a:t>K</a:t>
+                </a:r>
+                <a:r>
+                  <a:rPr lang="de-DE" sz="3200" b="1" baseline="-25000" dirty="0">
+                    <a:solidFill>
+                      <a:srgbClr val="006C30"/>
+                    </a:solidFill>
+                  </a:rPr>
+                  <a:t>j</a:t>
+                </a:r>
+                <a:r>
+                  <a:rPr lang="de-DE" sz="3200" b="1" baseline="30000" dirty="0" smtClean="0">
+                    <a:solidFill>
+                      <a:srgbClr val="006C30"/>
+                    </a:solidFill>
+                  </a:rPr>
+                  <a:t>V</a:t>
+                </a:r>
+                <a:r>
+                  <a:rPr lang="de-DE" sz="2000" dirty="0" smtClean="0"/>
+                  <a:t>)</a:t>
+                </a:r>
+              </a:p>
+              <a:p>
+                <a:r>
+                  <a:rPr lang="de-DE" sz="2000" dirty="0" smtClean="0"/>
+                  <a:t>Sicherheitslevel(</a:t>
+                </a:r>
+                <a:r>
+                  <a:rPr lang="de-DE" sz="2400" b="1" dirty="0" smtClean="0">
+                    <a:solidFill>
+                      <a:srgbClr val="C00000"/>
+                    </a:solidFill>
+                  </a:rPr>
+                  <a:t>L</a:t>
+                </a:r>
+                <a:r>
+                  <a:rPr lang="de-DE" sz="3200" b="1" baseline="30000" dirty="0" smtClean="0">
+                    <a:solidFill>
+                      <a:srgbClr val="C00000"/>
+                    </a:solidFill>
+                  </a:rPr>
+                  <a:t>S</a:t>
+                </a:r>
+                <a:r>
+                  <a:rPr lang="de-DE" sz="2000" dirty="0" smtClean="0"/>
+                  <a:t>) &gt;= Anforderungslevel(</a:t>
+                </a:r>
+                <a:r>
+                  <a:rPr lang="de-DE" sz="2400" b="1" dirty="0" smtClean="0">
+                    <a:solidFill>
+                      <a:srgbClr val="006C30"/>
+                    </a:solidFill>
+                  </a:rPr>
+                  <a:t>L</a:t>
+                </a:r>
+                <a:r>
+                  <a:rPr lang="de-DE" sz="3200" b="1" baseline="30000" dirty="0" smtClean="0">
+                    <a:solidFill>
+                      <a:srgbClr val="006C30"/>
+                    </a:solidFill>
+                  </a:rPr>
+                  <a:t>V</a:t>
+                </a:r>
+                <a:r>
+                  <a:rPr lang="de-DE" sz="2000" dirty="0" smtClean="0"/>
+                  <a:t>)</a:t>
+                </a:r>
+                <a:endParaRPr lang="de-DE" sz="2000" dirty="0"/>
+              </a:p>
+            </p:txBody>
+          </p:sp>
+        </mc:Choice>
+        <mc:Fallback>
+          <p:sp>
+            <p:nvSpPr>
+              <p:cNvPr id="3" name="Textfeld 2"/>
+              <p:cNvSpPr txBox="1">
+                <a:spLocks noRot="1" noChangeAspect="1" noMove="1" noResize="1" noEditPoints="1" noAdjustHandles="1" noChangeArrowheads="1" noChangeShapeType="1" noTextEdit="1"/>
+              </p:cNvSpPr>
+              <p:nvPr/>
+            </p:nvSpPr>
+            <p:spPr>
+              <a:xfrm>
+                <a:off x="833790" y="3717032"/>
+                <a:ext cx="7482626" cy="2000548"/>
+              </a:xfrm>
+              <a:prstGeom prst="rect">
+                <a:avLst/>
+              </a:prstGeom>
+              <a:blipFill rotWithShape="0">
+                <a:blip r:embed="rId3"/>
+                <a:stretch>
+                  <a:fillRect l="-896" t="-6402" b="-2744"/>
+                </a:stretch>
+              </a:blipFill>
+            </p:spPr>
+            <p:txBody>
+              <a:bodyPr/>
+              <a:lstStyle/>
+              <a:p>
+                <a:r>
+                  <a:rPr lang="de-DE">
+                    <a:noFill/>
+                  </a:rPr>
+                  <a:t> </a:t>
+                </a:r>
+              </a:p>
+            </p:txBody>
+          </p:sp>
+        </mc:Fallback>
+      </mc:AlternateContent>
+      <p:sp>
+        <p:nvSpPr>
+          <p:cNvPr id="10" name="Fußzeilenplatzhalter 1"/>
+          <p:cNvSpPr>
+            <a:spLocks noGrp="1"/>
+          </p:cNvSpPr>
+          <p:nvPr>
+            <p:ph type="ftr" sz="quarter" idx="3"/>
+          </p:nvPr>
         </p:nvSpPr>
         <p:spPr>
           <a:xfrm>
-            <a:off x="243574" y="3247632"/>
-            <a:ext cx="8533644" cy="1323439"/>
+            <a:off x="165906" y="6459581"/>
+            <a:ext cx="8079570" cy="292104"/>
           </a:xfrm>
-          <a:prstGeom prst="rect">
-            <a:avLst/>
-          </a:prstGeom>
-          <a:noFill/>
         </p:spPr>
         <p:txBody>
-          <a:bodyPr wrap="square" rtlCol="0">
-            <a:spAutoFit/>
-          </a:bodyPr>
-          <a:lstStyle/>
-          <a:p>
-            <a:endParaRPr lang="de-DE" sz="2000" kern="0" dirty="0">
-              <a:latin typeface="+mn-lt"/>
-            </a:endParaRPr>
-          </a:p>
-          <a:p>
-            <a:endParaRPr lang="de-DE" dirty="0"/>
-          </a:p>
-          <a:p>
-            <a:endParaRPr lang="de-DE" dirty="0" smtClean="0"/>
-          </a:p>
-          <a:p>
-            <a:endParaRPr lang="de-DE" dirty="0" smtClean="0"/>
-          </a:p>
-          <a:p>
-            <a:endParaRPr lang="de-DE" dirty="0"/>
-          </a:p>
-          <a:p>
-            <a:r>
-              <a:rPr lang="de-DE" dirty="0" smtClean="0"/>
-              <a:t>Beispielbild, Erklärung der Sicherheitskostenoptimierung</a:t>
-            </a:r>
-            <a:endParaRPr lang="de-DE" dirty="0"/>
+          <a:bodyPr/>
+          <a:lstStyle/>
+          <a:p>
+            <a:r>
+              <a:rPr lang="de-DE" dirty="0" smtClean="0"/>
+              <a:t>Virtual Network Embedding      Klassifizierung von Sicherheitsrisiken      </a:t>
+            </a:r>
+            <a:r>
+              <a:rPr lang="de-DE" b="1" dirty="0" smtClean="0"/>
+              <a:t>SVNE-Algorithmen</a:t>
+            </a:r>
+            <a:endParaRPr lang="de-DE" b="1" dirty="0"/>
           </a:p>
         </p:txBody>
       </p:sp>
     </p:spTree>
     <p:extLst>
       <p:ext uri="{BB962C8B-B14F-4D97-AF65-F5344CB8AC3E}">
-        <p14:creationId xmlns:p14="http://schemas.microsoft.com/office/powerpoint/2010/main" val="1404986303"/>
+        <p14:creationId xmlns:p14="http://schemas.microsoft.com/office/powerpoint/2010/main" val="1375253342"/>
       </p:ext>
     </p:extLst>
   </p:cSld>
   <p:clrMapOvr>
     <a:masterClrMapping/>
   </p:clrMapOvr>
-  <mc:AlternateContent xmlns:mc="http://schemas.openxmlformats.org/markup-compatibility/2006">
-    <mc:Choice xmlns:p14="http://schemas.microsoft.com/office/powerpoint/2010/main" Requires="p14">
+  <mc:AlternateContent xmlns:mc="http://schemas.openxmlformats.org/markup-compatibility/2006" xmlns:p14="http://schemas.microsoft.com/office/powerpoint/2010/main">
+    <mc:Choice Requires="p14">
       <p:transition spd="med" p14:dur="700">
         <p:fade/>
       </p:transition>
     </mc:Choice>
-    <mc:Fallback>
+    <mc:Fallback xmlns="">
       <p:transition spd="med">
         <p:fade/>
       </p:transition>
@@ -14656,7 +16430,7 @@
 </p:sld>
 </file>
 
-<file path=ppt/slides/slide29.xml><?xml version="1.0" encoding="utf-8"?>
+<file path=ppt/slides/slide31.xml><?xml version="1.0" encoding="utf-8"?>
 <p:sld xmlns:a="http://schemas.openxmlformats.org/drawingml/2006/main" xmlns:r="http://schemas.openxmlformats.org/officeDocument/2006/relationships" xmlns:p="http://schemas.openxmlformats.org/presentationml/2006/main">
   <p:cSld>
     <p:spTree>
@@ -14726,31 +16500,8 @@
               <a:pPr>
                 <a:defRPr/>
               </a:pPr>
-              <a:t>29</a:t>
+              <a:t>31</a:t>
             </a:fld>
-            <a:endParaRPr lang="de-DE" dirty="0"/>
-          </a:p>
-        </p:txBody>
-      </p:sp>
-      <p:sp>
-        <p:nvSpPr>
-          <p:cNvPr id="5" name="Fußzeilenplatzhalter 4"/>
-          <p:cNvSpPr>
-            <a:spLocks noGrp="1"/>
-          </p:cNvSpPr>
-          <p:nvPr>
-            <p:ph type="ftr" sz="quarter" idx="3"/>
-          </p:nvPr>
-        </p:nvSpPr>
-        <p:spPr/>
-        <p:txBody>
-          <a:bodyPr/>
-          <a:lstStyle/>
-          <a:p>
-            <a:r>
-              <a:rPr lang="de-DE" smtClean="0"/>
-              <a:t>Sicherheitsaspekte beim Deployment virtueller Netzinfrastrukturen</a:t>
-            </a:r>
             <a:endParaRPr lang="de-DE" dirty="0"/>
           </a:p>
         </p:txBody>
@@ -15120,6 +16871,38 @@
           </a:p>
         </p:txBody>
       </p:sp>
+      <p:sp>
+        <p:nvSpPr>
+          <p:cNvPr id="10" name="Fußzeilenplatzhalter 1"/>
+          <p:cNvSpPr>
+            <a:spLocks noGrp="1"/>
+          </p:cNvSpPr>
+          <p:nvPr>
+            <p:ph type="ftr" sz="quarter" idx="3"/>
+          </p:nvPr>
+        </p:nvSpPr>
+        <p:spPr>
+          <a:xfrm>
+            <a:off x="165906" y="6459581"/>
+            <a:ext cx="8079570" cy="292104"/>
+          </a:xfrm>
+        </p:spPr>
+        <p:txBody>
+          <a:bodyPr/>
+          <a:lstStyle/>
+          <a:p>
+            <a:r>
+              <a:rPr lang="de-DE" dirty="0" smtClean="0"/>
+              <a:t>Virtual Network Embedding      Klassifizierung von Sicherheitsrisiken      </a:t>
+            </a:r>
+            <a:r>
+              <a:rPr lang="de-DE" b="1" dirty="0" smtClean="0"/>
+              <a:t>SVNE-Algorithmen</a:t>
+            </a:r>
+            <a:endParaRPr lang="de-DE" b="1" dirty="0"/>
+          </a:p>
+        </p:txBody>
+      </p:sp>
     </p:spTree>
     <p:extLst>
       <p:ext uri="{BB962C8B-B14F-4D97-AF65-F5344CB8AC3E}">
@@ -15130,971 +16913,13 @@
   <p:clrMapOvr>
     <a:masterClrMapping/>
   </p:clrMapOvr>
-  <mc:AlternateContent xmlns:mc="http://schemas.openxmlformats.org/markup-compatibility/2006">
-    <mc:Choice xmlns:p14="http://schemas.microsoft.com/office/powerpoint/2010/main" Requires="p14">
+  <mc:AlternateContent xmlns:mc="http://schemas.openxmlformats.org/markup-compatibility/2006" xmlns:p14="http://schemas.microsoft.com/office/powerpoint/2010/main">
+    <mc:Choice Requires="p14">
       <p:transition spd="med" p14:dur="700">
         <p:fade/>
       </p:transition>
     </mc:Choice>
-    <mc:Fallback>
-      <p:transition spd="med">
-        <p:fade/>
-      </p:transition>
-    </mc:Fallback>
-  </mc:AlternateContent>
-  <p:timing>
-    <p:tnLst>
-      <p:par>
-        <p:cTn id="1" dur="indefinite" restart="never" nodeType="tmRoot"/>
-      </p:par>
-    </p:tnLst>
-  </p:timing>
-</p:sld>
-</file>
-
-<file path=ppt/slides/slide3.xml><?xml version="1.0" encoding="utf-8"?>
-<p:sld xmlns:a="http://schemas.openxmlformats.org/drawingml/2006/main" xmlns:r="http://schemas.openxmlformats.org/officeDocument/2006/relationships" xmlns:p="http://schemas.openxmlformats.org/presentationml/2006/main">
-  <p:cSld>
-    <p:spTree>
-      <p:nvGrpSpPr>
-        <p:cNvPr id="1" name=""/>
-        <p:cNvGrpSpPr/>
-        <p:nvPr/>
-      </p:nvGrpSpPr>
-      <p:grpSpPr>
-        <a:xfrm>
-          <a:off x="0" y="0"/>
-          <a:ext cx="0" cy="0"/>
-          <a:chOff x="0" y="0"/>
-          <a:chExt cx="0" cy="0"/>
-        </a:xfrm>
-      </p:grpSpPr>
-      <p:sp>
-        <p:nvSpPr>
-          <p:cNvPr id="2" name="Titel 1"/>
-          <p:cNvSpPr>
-            <a:spLocks noGrp="1"/>
-          </p:cNvSpPr>
-          <p:nvPr>
-            <p:ph type="title"/>
-          </p:nvPr>
-        </p:nvSpPr>
-        <p:spPr/>
-        <p:txBody>
-          <a:bodyPr/>
-          <a:lstStyle/>
-          <a:p>
-            <a:r>
-              <a:rPr lang="de-DE" dirty="0" smtClean="0"/>
-              <a:t>Motivation</a:t>
-            </a:r>
-            <a:endParaRPr lang="de-DE" dirty="0"/>
-          </a:p>
-        </p:txBody>
-      </p:sp>
-      <p:sp>
-        <p:nvSpPr>
-          <p:cNvPr id="3" name="Inhaltsplatzhalter 2"/>
-          <p:cNvSpPr>
-            <a:spLocks noGrp="1"/>
-          </p:cNvSpPr>
-          <p:nvPr>
-            <p:ph idx="1"/>
-          </p:nvPr>
-        </p:nvSpPr>
-        <p:spPr/>
-        <p:txBody>
-          <a:bodyPr/>
-          <a:lstStyle/>
-          <a:p>
-            <a:r>
-              <a:rPr lang="de-DE" dirty="0" smtClean="0"/>
-              <a:t>Anforderungen an Netzstrukturen ändern sich häufig</a:t>
-            </a:r>
-          </a:p>
-          <a:p>
-            <a:endParaRPr lang="de-DE" dirty="0" smtClean="0"/>
-          </a:p>
-          <a:p>
-            <a:r>
-              <a:rPr lang="de-DE" dirty="0" err="1" smtClean="0"/>
-              <a:t>Netzvirtualisierung</a:t>
-            </a:r>
-            <a:r>
-              <a:rPr lang="de-DE" dirty="0" smtClean="0"/>
-              <a:t> bietet Möglichkeit zur Abstraktion von der eingesetzten Hardware </a:t>
-            </a:r>
-            <a:r>
-              <a:rPr lang="de-DE" dirty="0" smtClean="0">
-                <a:sym typeface="Wingdings" panose="05000000000000000000" pitchFamily="2" charset="2"/>
-              </a:rPr>
-              <a:t> Aufbau logischer Netze</a:t>
-            </a:r>
-          </a:p>
-          <a:p>
-            <a:endParaRPr lang="de-DE" dirty="0" smtClean="0">
-              <a:sym typeface="Wingdings" panose="05000000000000000000" pitchFamily="2" charset="2"/>
-            </a:endParaRPr>
-          </a:p>
-          <a:p>
-            <a:r>
-              <a:rPr lang="de-DE" dirty="0" smtClean="0">
-                <a:sym typeface="Wingdings" panose="05000000000000000000" pitchFamily="2" charset="2"/>
-              </a:rPr>
-              <a:t>Virtual Network Embedding (VNE) bislang nur hinsichtlich Performance optimiert</a:t>
-            </a:r>
-          </a:p>
-          <a:p>
-            <a:endParaRPr lang="de-DE" dirty="0" smtClean="0">
-              <a:sym typeface="Wingdings" panose="05000000000000000000" pitchFamily="2" charset="2"/>
-            </a:endParaRPr>
-          </a:p>
-          <a:p>
-            <a:r>
-              <a:rPr lang="de-DE" dirty="0" smtClean="0">
-                <a:sym typeface="Wingdings" panose="05000000000000000000" pitchFamily="2" charset="2"/>
-              </a:rPr>
-              <a:t>Sicherheitsaspekte meist außer Acht gelassen</a:t>
-            </a:r>
-            <a:br>
-              <a:rPr lang="de-DE" dirty="0" smtClean="0">
-                <a:sym typeface="Wingdings" panose="05000000000000000000" pitchFamily="2" charset="2"/>
-              </a:rPr>
-            </a:br>
-            <a:r>
-              <a:rPr lang="de-DE" dirty="0" smtClean="0">
-                <a:sym typeface="Wingdings" panose="05000000000000000000" pitchFamily="2" charset="2"/>
-              </a:rPr>
-              <a:t>=&gt; Integration solcher in den VNE-Prozess (</a:t>
-            </a:r>
-            <a:r>
-              <a:rPr lang="de-DE" dirty="0" err="1" smtClean="0">
-                <a:sym typeface="Wingdings" panose="05000000000000000000" pitchFamily="2" charset="2"/>
-              </a:rPr>
-              <a:t>SecureVNE</a:t>
-            </a:r>
-            <a:r>
-              <a:rPr lang="de-DE" dirty="0" smtClean="0">
-                <a:sym typeface="Wingdings" panose="05000000000000000000" pitchFamily="2" charset="2"/>
-              </a:rPr>
-              <a:t>)</a:t>
-            </a:r>
-            <a:endParaRPr lang="de-DE" dirty="0"/>
-          </a:p>
-        </p:txBody>
-      </p:sp>
-      <p:sp>
-        <p:nvSpPr>
-          <p:cNvPr id="4" name="Foliennummernplatzhalter 3"/>
-          <p:cNvSpPr>
-            <a:spLocks noGrp="1"/>
-          </p:cNvSpPr>
-          <p:nvPr>
-            <p:ph type="sldNum" sz="quarter" idx="4"/>
-          </p:nvPr>
-        </p:nvSpPr>
-        <p:spPr/>
-        <p:txBody>
-          <a:bodyPr/>
-          <a:lstStyle/>
-          <a:p>
-            <a:pPr>
-              <a:defRPr/>
-            </a:pPr>
-            <a:fld id="{70BFFA52-4234-45F6-B1A6-074E24FF43A2}" type="slidenum">
-              <a:rPr lang="de-DE" smtClean="0"/>
-              <a:pPr>
-                <a:defRPr/>
-              </a:pPr>
-              <a:t>3</a:t>
-            </a:fld>
-            <a:endParaRPr lang="de-DE" dirty="0"/>
-          </a:p>
-        </p:txBody>
-      </p:sp>
-      <p:sp>
-        <p:nvSpPr>
-          <p:cNvPr id="5" name="Fußzeilenplatzhalter 4"/>
-          <p:cNvSpPr>
-            <a:spLocks noGrp="1"/>
-          </p:cNvSpPr>
-          <p:nvPr>
-            <p:ph type="ftr" sz="quarter" idx="3"/>
-          </p:nvPr>
-        </p:nvSpPr>
-        <p:spPr/>
-        <p:txBody>
-          <a:bodyPr/>
-          <a:lstStyle/>
-          <a:p>
-            <a:r>
-              <a:rPr lang="de-DE" dirty="0" smtClean="0"/>
-              <a:t>Sicherheitsaspekte beim </a:t>
-            </a:r>
-            <a:r>
-              <a:rPr lang="de-DE" dirty="0" err="1" smtClean="0"/>
-              <a:t>Deployment</a:t>
-            </a:r>
-            <a:r>
-              <a:rPr lang="de-DE" dirty="0" smtClean="0"/>
-              <a:t> virtueller Netzinfrastrukturen</a:t>
-            </a:r>
-            <a:endParaRPr lang="de-DE" dirty="0"/>
-          </a:p>
-        </p:txBody>
-      </p:sp>
-    </p:spTree>
-    <p:extLst>
-      <p:ext uri="{BB962C8B-B14F-4D97-AF65-F5344CB8AC3E}">
-        <p14:creationId xmlns:p14="http://schemas.microsoft.com/office/powerpoint/2010/main" val="3273344848"/>
-      </p:ext>
-    </p:extLst>
-  </p:cSld>
-  <p:clrMapOvr>
-    <a:masterClrMapping/>
-  </p:clrMapOvr>
-  <mc:AlternateContent xmlns:mc="http://schemas.openxmlformats.org/markup-compatibility/2006">
-    <mc:Choice xmlns:p14="http://schemas.microsoft.com/office/powerpoint/2010/main" Requires="p14">
-      <p:transition spd="med" p14:dur="700">
-        <p:fade/>
-      </p:transition>
-    </mc:Choice>
-    <mc:Fallback>
-      <p:transition spd="med">
-        <p:fade/>
-      </p:transition>
-    </mc:Fallback>
-  </mc:AlternateContent>
-  <p:timing>
-    <p:tnLst>
-      <p:par>
-        <p:cTn id="1" dur="indefinite" restart="never" nodeType="tmRoot">
-          <p:childTnLst>
-            <p:seq concurrent="1" nextAc="seek">
-              <p:cTn id="2" dur="indefinite" nodeType="mainSeq">
-                <p:childTnLst>
-                  <p:par>
-                    <p:cTn id="3" fill="hold">
-                      <p:stCondLst>
-                        <p:cond delay="indefinite"/>
-                      </p:stCondLst>
-                      <p:childTnLst>
-                        <p:par>
-                          <p:cTn id="4" fill="hold">
-                            <p:stCondLst>
-                              <p:cond delay="0"/>
-                            </p:stCondLst>
-                            <p:childTnLst>
-                              <p:par>
-                                <p:cTn id="5" presetID="10" presetClass="entr" presetSubtype="0" fill="hold" nodeType="clickEffect">
-                                  <p:stCondLst>
-                                    <p:cond delay="0"/>
-                                  </p:stCondLst>
-                                  <p:childTnLst>
-                                    <p:set>
-                                      <p:cBhvr>
-                                        <p:cTn id="6" dur="1" fill="hold">
-                                          <p:stCondLst>
-                                            <p:cond delay="0"/>
-                                          </p:stCondLst>
-                                        </p:cTn>
-                                        <p:tgtEl>
-                                          <p:spTgt spid="3">
-                                            <p:txEl>
-                                              <p:pRg st="4" end="4"/>
-                                            </p:txEl>
-                                          </p:spTgt>
-                                        </p:tgtEl>
-                                        <p:attrNameLst>
-                                          <p:attrName>style.visibility</p:attrName>
-                                        </p:attrNameLst>
-                                      </p:cBhvr>
-                                      <p:to>
-                                        <p:strVal val="visible"/>
-                                      </p:to>
-                                    </p:set>
-                                    <p:animEffect transition="in" filter="fade">
-                                      <p:cBhvr>
-                                        <p:cTn id="7" dur="500"/>
-                                        <p:tgtEl>
-                                          <p:spTgt spid="3">
-                                            <p:txEl>
-                                              <p:pRg st="4" end="4"/>
-                                            </p:txEl>
-                                          </p:spTgt>
-                                        </p:tgtEl>
-                                      </p:cBhvr>
-                                    </p:animEffect>
-                                  </p:childTnLst>
-                                </p:cTn>
-                              </p:par>
-                              <p:par>
-                                <p:cTn id="8" presetID="10" presetClass="entr" presetSubtype="0" fill="hold" nodeType="withEffect">
-                                  <p:stCondLst>
-                                    <p:cond delay="0"/>
-                                  </p:stCondLst>
-                                  <p:childTnLst>
-                                    <p:set>
-                                      <p:cBhvr>
-                                        <p:cTn id="9" dur="1" fill="hold">
-                                          <p:stCondLst>
-                                            <p:cond delay="0"/>
-                                          </p:stCondLst>
-                                        </p:cTn>
-                                        <p:tgtEl>
-                                          <p:spTgt spid="3">
-                                            <p:txEl>
-                                              <p:pRg st="6" end="6"/>
-                                            </p:txEl>
-                                          </p:spTgt>
-                                        </p:tgtEl>
-                                        <p:attrNameLst>
-                                          <p:attrName>style.visibility</p:attrName>
-                                        </p:attrNameLst>
-                                      </p:cBhvr>
-                                      <p:to>
-                                        <p:strVal val="visible"/>
-                                      </p:to>
-                                    </p:set>
-                                    <p:animEffect transition="in" filter="fade">
-                                      <p:cBhvr>
-                                        <p:cTn id="10" dur="500"/>
-                                        <p:tgtEl>
-                                          <p:spTgt spid="3">
-                                            <p:txEl>
-                                              <p:pRg st="6" end="6"/>
-                                            </p:txEl>
-                                          </p:spTgt>
-                                        </p:tgtEl>
-                                      </p:cBhvr>
-                                    </p:animEffect>
-                                  </p:childTnLst>
-                                </p:cTn>
-                              </p:par>
-                            </p:childTnLst>
-                          </p:cTn>
-                        </p:par>
-                      </p:childTnLst>
-                    </p:cTn>
-                  </p:par>
-                </p:childTnLst>
-              </p:cTn>
-              <p:prevCondLst>
-                <p:cond evt="onPrev" delay="0">
-                  <p:tgtEl>
-                    <p:sldTgt/>
-                  </p:tgtEl>
-                </p:cond>
-              </p:prevCondLst>
-              <p:nextCondLst>
-                <p:cond evt="onNext" delay="0">
-                  <p:tgtEl>
-                    <p:sldTgt/>
-                  </p:tgtEl>
-                </p:cond>
-              </p:nextCondLst>
-            </p:seq>
-          </p:childTnLst>
-        </p:cTn>
-      </p:par>
-    </p:tnLst>
-  </p:timing>
-</p:sld>
-</file>
-
-<file path=ppt/slides/slide30.xml><?xml version="1.0" encoding="utf-8"?>
-<p:sld xmlns:a="http://schemas.openxmlformats.org/drawingml/2006/main" xmlns:r="http://schemas.openxmlformats.org/officeDocument/2006/relationships" xmlns:p="http://schemas.openxmlformats.org/presentationml/2006/main">
-  <p:cSld>
-    <p:spTree>
-      <p:nvGrpSpPr>
-        <p:cNvPr id="1" name=""/>
-        <p:cNvGrpSpPr/>
-        <p:nvPr/>
-      </p:nvGrpSpPr>
-      <p:grpSpPr>
-        <a:xfrm>
-          <a:off x="0" y="0"/>
-          <a:ext cx="0" cy="0"/>
-          <a:chOff x="0" y="0"/>
-          <a:chExt cx="0" cy="0"/>
-        </a:xfrm>
-      </p:grpSpPr>
-      <p:sp>
-        <p:nvSpPr>
-          <p:cNvPr id="2" name="Titel 1"/>
-          <p:cNvSpPr>
-            <a:spLocks noGrp="1"/>
-          </p:cNvSpPr>
-          <p:nvPr>
-            <p:ph type="title"/>
-          </p:nvPr>
-        </p:nvSpPr>
-        <p:spPr/>
-        <p:txBody>
-          <a:bodyPr/>
-          <a:lstStyle/>
-          <a:p>
-            <a:r>
-              <a:rPr lang="de-DE" dirty="0" smtClean="0"/>
-              <a:t>Empfehlenswerte Literatur</a:t>
-            </a:r>
-            <a:endParaRPr lang="de-DE" sz="1800" dirty="0"/>
-          </a:p>
-        </p:txBody>
-      </p:sp>
-      <p:sp>
-        <p:nvSpPr>
-          <p:cNvPr id="3" name="Inhaltsplatzhalter 2"/>
-          <p:cNvSpPr>
-            <a:spLocks noGrp="1"/>
-          </p:cNvSpPr>
-          <p:nvPr>
-            <p:ph idx="1"/>
-          </p:nvPr>
-        </p:nvSpPr>
-        <p:spPr/>
-        <p:txBody>
-          <a:bodyPr/>
-          <a:lstStyle/>
-          <a:p>
-            <a:pPr marL="0" indent="0">
-              <a:buNone/>
-            </a:pPr>
-            <a:r>
-              <a:rPr lang="de-DE" sz="1600" b="1" dirty="0" smtClean="0"/>
-              <a:t>Sicherheitsaspekte virtueller Netzinfrastrukturen</a:t>
-            </a:r>
-          </a:p>
-          <a:p>
-            <a:r>
-              <a:rPr lang="de-DE" sz="1600" dirty="0"/>
-              <a:t>Kamal </a:t>
-            </a:r>
-            <a:r>
-              <a:rPr lang="de-DE" sz="1600" dirty="0" err="1"/>
-              <a:t>Dahbur</a:t>
-            </a:r>
-            <a:r>
-              <a:rPr lang="de-DE" sz="1600" dirty="0"/>
-              <a:t>, </a:t>
-            </a:r>
-            <a:r>
-              <a:rPr lang="de-DE" sz="1600" dirty="0" err="1"/>
-              <a:t>Bassil</a:t>
-            </a:r>
-            <a:r>
-              <a:rPr lang="de-DE" sz="1600" dirty="0"/>
-              <a:t> Mohammad und Ahmad Bisher </a:t>
-            </a:r>
-            <a:r>
-              <a:rPr lang="de-DE" sz="1600" dirty="0" err="1"/>
-              <a:t>Tarakji</a:t>
-            </a:r>
-            <a:r>
-              <a:rPr lang="de-DE" sz="1600" dirty="0"/>
-              <a:t>. A </a:t>
-            </a:r>
-            <a:r>
-              <a:rPr lang="de-DE" sz="1600" dirty="0" err="1"/>
-              <a:t>survey</a:t>
-            </a:r>
-            <a:r>
-              <a:rPr lang="de-DE" sz="1600" dirty="0"/>
-              <a:t> </a:t>
-            </a:r>
-            <a:r>
-              <a:rPr lang="de-DE" sz="1600" dirty="0" err="1"/>
-              <a:t>of</a:t>
-            </a:r>
-            <a:r>
-              <a:rPr lang="de-DE" sz="1600" dirty="0"/>
-              <a:t> </a:t>
-            </a:r>
-            <a:r>
-              <a:rPr lang="de-DE" sz="1600" dirty="0" err="1"/>
-              <a:t>risks</a:t>
-            </a:r>
-            <a:r>
-              <a:rPr lang="de-DE" sz="1600" dirty="0"/>
-              <a:t>, </a:t>
-            </a:r>
-            <a:r>
-              <a:rPr lang="en-US" sz="1600" dirty="0"/>
-              <a:t>threats and vulnerabilities in cloud computing. In </a:t>
-            </a:r>
-            <a:r>
-              <a:rPr lang="en-US" sz="1600" i="1" dirty="0"/>
-              <a:t>Proceedings of the 2011 International </a:t>
-            </a:r>
-            <a:r>
-              <a:rPr lang="de-DE" sz="1600" i="1" dirty="0" err="1"/>
-              <a:t>conference</a:t>
-            </a:r>
-            <a:r>
-              <a:rPr lang="de-DE" sz="1600" i="1" dirty="0"/>
-              <a:t> on intelligent </a:t>
-            </a:r>
-            <a:r>
-              <a:rPr lang="de-DE" sz="1600" i="1" dirty="0" err="1"/>
-              <a:t>semantic</a:t>
-            </a:r>
-            <a:r>
-              <a:rPr lang="de-DE" sz="1600" i="1" dirty="0"/>
-              <a:t> Web-services </a:t>
-            </a:r>
-            <a:r>
-              <a:rPr lang="de-DE" sz="1600" i="1" dirty="0" err="1"/>
-              <a:t>and</a:t>
-            </a:r>
-            <a:r>
-              <a:rPr lang="de-DE" sz="1600" i="1" dirty="0"/>
-              <a:t> </a:t>
-            </a:r>
-            <a:r>
-              <a:rPr lang="de-DE" sz="1600" i="1" dirty="0" err="1"/>
-              <a:t>applications</a:t>
-            </a:r>
-            <a:r>
-              <a:rPr lang="de-DE" sz="1600" dirty="0"/>
-              <a:t>, Seite 12. ACM, 2011.</a:t>
-            </a:r>
-          </a:p>
-          <a:p>
-            <a:r>
-              <a:rPr lang="de-DE" sz="1600" dirty="0" smtClean="0"/>
-              <a:t>Andreas </a:t>
-            </a:r>
-            <a:r>
-              <a:rPr lang="de-DE" sz="1600" dirty="0"/>
-              <a:t>Fischer, Juan Felipe Botero, Michael Till Beck, Hermann De Meer und </a:t>
-            </a:r>
-            <a:r>
-              <a:rPr lang="de-DE" sz="1600" dirty="0" smtClean="0"/>
-              <a:t>Xavier Hesselbach</a:t>
-            </a:r>
-            <a:r>
-              <a:rPr lang="de-DE" sz="1600" dirty="0"/>
-              <a:t>. Virtual </a:t>
-            </a:r>
-            <a:r>
-              <a:rPr lang="de-DE" sz="1600" dirty="0" err="1"/>
-              <a:t>network</a:t>
-            </a:r>
-            <a:r>
-              <a:rPr lang="de-DE" sz="1600" dirty="0"/>
-              <a:t> </a:t>
-            </a:r>
-            <a:r>
-              <a:rPr lang="de-DE" sz="1600" dirty="0" err="1"/>
-              <a:t>embedding</a:t>
-            </a:r>
-            <a:r>
-              <a:rPr lang="de-DE" sz="1600" dirty="0"/>
-              <a:t>: A </a:t>
-            </a:r>
-            <a:r>
-              <a:rPr lang="de-DE" sz="1600" dirty="0" err="1"/>
-              <a:t>survey</a:t>
-            </a:r>
-            <a:r>
-              <a:rPr lang="de-DE" sz="1600" dirty="0"/>
-              <a:t>. </a:t>
-            </a:r>
-            <a:r>
-              <a:rPr lang="de-DE" sz="1600" i="1" dirty="0"/>
-              <a:t>IEEE Communications Surveys </a:t>
-            </a:r>
-            <a:r>
-              <a:rPr lang="de-DE" sz="1600" i="1" dirty="0" smtClean="0"/>
-              <a:t>&amp; Tutorials</a:t>
-            </a:r>
-            <a:r>
-              <a:rPr lang="de-DE" sz="1600" dirty="0"/>
-              <a:t>, 15(4):1888–1906, 2013</a:t>
-            </a:r>
-            <a:r>
-              <a:rPr lang="de-DE" sz="1600" dirty="0" smtClean="0"/>
-              <a:t>.</a:t>
-            </a:r>
-            <a:endParaRPr lang="de-DE" sz="1600" dirty="0"/>
-          </a:p>
-          <a:p>
-            <a:r>
-              <a:rPr lang="de-DE" sz="1600" dirty="0" err="1" smtClean="0"/>
-              <a:t>Shuiqing</a:t>
-            </a:r>
-            <a:r>
-              <a:rPr lang="de-DE" sz="1600" dirty="0" smtClean="0"/>
-              <a:t> </a:t>
-            </a:r>
-            <a:r>
-              <a:rPr lang="de-DE" sz="1600" dirty="0"/>
-              <a:t>Gong, </a:t>
-            </a:r>
-            <a:r>
-              <a:rPr lang="de-DE" sz="1600" dirty="0" err="1"/>
-              <a:t>Jing</a:t>
-            </a:r>
-            <a:r>
-              <a:rPr lang="de-DE" sz="1600" dirty="0"/>
-              <a:t> Chen, </a:t>
-            </a:r>
-            <a:r>
-              <a:rPr lang="de-DE" sz="1600" dirty="0" err="1"/>
-              <a:t>Conghui</a:t>
-            </a:r>
-            <a:r>
-              <a:rPr lang="de-DE" sz="1600" dirty="0"/>
-              <a:t> Huang, </a:t>
-            </a:r>
-            <a:r>
-              <a:rPr lang="de-DE" sz="1600" dirty="0" err="1"/>
-              <a:t>Qingchao</a:t>
-            </a:r>
-            <a:r>
-              <a:rPr lang="de-DE" sz="1600" dirty="0"/>
-              <a:t> Zhu und </a:t>
-            </a:r>
-            <a:r>
-              <a:rPr lang="de-DE" sz="1600" dirty="0" err="1"/>
-              <a:t>Siyi</a:t>
-            </a:r>
-            <a:r>
-              <a:rPr lang="de-DE" sz="1600" dirty="0"/>
-              <a:t> Zhao. Virtual </a:t>
-            </a:r>
-            <a:r>
-              <a:rPr lang="en-US" sz="1600" dirty="0"/>
-              <a:t>Network Embedding through Security Risk Awareness and Optimization. </a:t>
-            </a:r>
-            <a:r>
-              <a:rPr lang="en-US" sz="1600" i="1" dirty="0"/>
-              <a:t>KSII Transactions </a:t>
-            </a:r>
-            <a:r>
-              <a:rPr lang="de-DE" sz="1600" i="1" dirty="0"/>
-              <a:t>on Internet &amp; Information Systems</a:t>
-            </a:r>
-            <a:r>
-              <a:rPr lang="de-DE" sz="1600" dirty="0"/>
-              <a:t>, 10(7), 2016</a:t>
-            </a:r>
-            <a:r>
-              <a:rPr lang="de-DE" sz="1600" dirty="0" smtClean="0"/>
-              <a:t>.</a:t>
-            </a:r>
-          </a:p>
-          <a:p>
-            <a:endParaRPr lang="de-DE" sz="1600" dirty="0" smtClean="0"/>
-          </a:p>
-          <a:p>
-            <a:pPr marL="0" indent="0">
-              <a:buNone/>
-            </a:pPr>
-            <a:r>
-              <a:rPr lang="de-DE" sz="1600" b="1" dirty="0" smtClean="0"/>
-              <a:t>Untersuchte Algorithmen</a:t>
-            </a:r>
-          </a:p>
-          <a:p>
-            <a:r>
-              <a:rPr lang="de-DE" sz="1600" dirty="0" smtClean="0"/>
-              <a:t>Hong </a:t>
-            </a:r>
-            <a:r>
-              <a:rPr lang="de-DE" sz="1600" dirty="0" err="1"/>
-              <a:t>Xu</a:t>
-            </a:r>
-            <a:r>
-              <a:rPr lang="de-DE" sz="1600" dirty="0"/>
-              <a:t> Ming </a:t>
-            </a:r>
-            <a:r>
-              <a:rPr lang="de-DE" sz="1600" dirty="0" err="1"/>
-              <a:t>Xu</a:t>
-            </a:r>
-            <a:r>
-              <a:rPr lang="de-DE" sz="1600" dirty="0"/>
-              <a:t> </a:t>
-            </a:r>
-            <a:r>
-              <a:rPr lang="de-DE" sz="1600" dirty="0" err="1"/>
-              <a:t>Shuhao</a:t>
-            </a:r>
-            <a:r>
-              <a:rPr lang="de-DE" sz="1600" dirty="0"/>
-              <a:t> Liu, </a:t>
-            </a:r>
-            <a:r>
-              <a:rPr lang="de-DE" sz="1600" dirty="0" err="1"/>
-              <a:t>Zhiping</a:t>
-            </a:r>
-            <a:r>
-              <a:rPr lang="de-DE" sz="1600" dirty="0"/>
-              <a:t> Cai. </a:t>
-            </a:r>
-            <a:r>
-              <a:rPr lang="de-DE" sz="1600" dirty="0" err="1"/>
-              <a:t>Towards</a:t>
-            </a:r>
-            <a:r>
-              <a:rPr lang="de-DE" sz="1600" dirty="0"/>
-              <a:t> Security-aware Virtual </a:t>
-            </a:r>
-            <a:r>
-              <a:rPr lang="de-DE" sz="1600" dirty="0" smtClean="0"/>
-              <a:t>Network Embedding</a:t>
-            </a:r>
-            <a:r>
-              <a:rPr lang="de-DE" sz="1600" dirty="0"/>
-              <a:t>, 2015</a:t>
-            </a:r>
-            <a:r>
-              <a:rPr lang="de-DE" sz="1600" dirty="0" smtClean="0"/>
-              <a:t>.</a:t>
-            </a:r>
-          </a:p>
-          <a:p>
-            <a:r>
-              <a:rPr lang="en-US" sz="1600" dirty="0" smtClean="0"/>
-              <a:t>Yang </a:t>
-            </a:r>
-            <a:r>
-              <a:rPr lang="en-US" sz="1600" dirty="0"/>
-              <a:t>Wang, </a:t>
-            </a:r>
-            <a:r>
-              <a:rPr lang="en-US" sz="1600" dirty="0" err="1"/>
-              <a:t>Phanvu</a:t>
-            </a:r>
-            <a:r>
-              <a:rPr lang="en-US" sz="1600" dirty="0"/>
-              <a:t> Chau und </a:t>
-            </a:r>
-            <a:r>
-              <a:rPr lang="en-US" sz="1600" dirty="0" err="1"/>
-              <a:t>Fuyu</a:t>
-            </a:r>
-            <a:r>
-              <a:rPr lang="en-US" sz="1600" dirty="0"/>
-              <a:t> Chen. Towards a secured network </a:t>
-            </a:r>
-            <a:r>
-              <a:rPr lang="en-US" sz="1600" dirty="0" smtClean="0"/>
-              <a:t>virtualization. </a:t>
-            </a:r>
-            <a:r>
-              <a:rPr lang="de-DE" sz="1600" i="1" dirty="0" smtClean="0"/>
-              <a:t>Computer </a:t>
-            </a:r>
-            <a:r>
-              <a:rPr lang="de-DE" sz="1600" i="1" dirty="0"/>
-              <a:t>Networks</a:t>
-            </a:r>
-            <a:r>
-              <a:rPr lang="de-DE" sz="1600" dirty="0"/>
-              <a:t>, 104:55–65, 2016.</a:t>
-            </a:r>
-            <a:endParaRPr lang="de-DE" sz="1600" dirty="0" smtClean="0"/>
-          </a:p>
-          <a:p>
-            <a:endParaRPr lang="de-DE" sz="1600" dirty="0"/>
-          </a:p>
-        </p:txBody>
-      </p:sp>
-      <p:sp>
-        <p:nvSpPr>
-          <p:cNvPr id="4" name="Foliennummernplatzhalter 3"/>
-          <p:cNvSpPr>
-            <a:spLocks noGrp="1"/>
-          </p:cNvSpPr>
-          <p:nvPr>
-            <p:ph type="sldNum" sz="quarter" idx="4"/>
-          </p:nvPr>
-        </p:nvSpPr>
-        <p:spPr/>
-        <p:txBody>
-          <a:bodyPr/>
-          <a:lstStyle/>
-          <a:p>
-            <a:pPr>
-              <a:defRPr/>
-            </a:pPr>
-            <a:fld id="{70BFFA52-4234-45F6-B1A6-074E24FF43A2}" type="slidenum">
-              <a:rPr lang="de-DE" smtClean="0"/>
-              <a:pPr>
-                <a:defRPr/>
-              </a:pPr>
-              <a:t>30</a:t>
-            </a:fld>
-            <a:endParaRPr lang="de-DE" dirty="0"/>
-          </a:p>
-        </p:txBody>
-      </p:sp>
-      <p:sp>
-        <p:nvSpPr>
-          <p:cNvPr id="5" name="Fußzeilenplatzhalter 4"/>
-          <p:cNvSpPr>
-            <a:spLocks noGrp="1"/>
-          </p:cNvSpPr>
-          <p:nvPr>
-            <p:ph type="ftr" sz="quarter" idx="3"/>
-          </p:nvPr>
-        </p:nvSpPr>
-        <p:spPr/>
-        <p:txBody>
-          <a:bodyPr/>
-          <a:lstStyle/>
-          <a:p>
-            <a:r>
-              <a:rPr lang="de-DE" smtClean="0"/>
-              <a:t>Sicherheitsaspekte beim Deployment virtueller Netzinfrastrukturen</a:t>
-            </a:r>
-            <a:endParaRPr lang="de-DE" dirty="0"/>
-          </a:p>
-        </p:txBody>
-      </p:sp>
-    </p:spTree>
-    <p:extLst>
-      <p:ext uri="{BB962C8B-B14F-4D97-AF65-F5344CB8AC3E}">
-        <p14:creationId xmlns:p14="http://schemas.microsoft.com/office/powerpoint/2010/main" val="2073930859"/>
-      </p:ext>
-    </p:extLst>
-  </p:cSld>
-  <p:clrMapOvr>
-    <a:masterClrMapping/>
-  </p:clrMapOvr>
-  <mc:AlternateContent xmlns:mc="http://schemas.openxmlformats.org/markup-compatibility/2006">
-    <mc:Choice xmlns:p14="http://schemas.microsoft.com/office/powerpoint/2010/main" Requires="p14">
-      <p:transition spd="med" p14:dur="700">
-        <p:fade/>
-      </p:transition>
-    </mc:Choice>
-    <mc:Fallback>
-      <p:transition spd="med">
-        <p:fade/>
-      </p:transition>
-    </mc:Fallback>
-  </mc:AlternateContent>
-  <p:timing>
-    <p:tnLst>
-      <p:par>
-        <p:cTn id="1" dur="indefinite" restart="never" nodeType="tmRoot"/>
-      </p:par>
-    </p:tnLst>
-  </p:timing>
-</p:sld>
-</file>
-
-<file path=ppt/slides/slide31.xml><?xml version="1.0" encoding="utf-8"?>
-<p:sld xmlns:a="http://schemas.openxmlformats.org/drawingml/2006/main" xmlns:r="http://schemas.openxmlformats.org/officeDocument/2006/relationships" xmlns:p="http://schemas.openxmlformats.org/presentationml/2006/main">
-  <p:cSld>
-    <p:spTree>
-      <p:nvGrpSpPr>
-        <p:cNvPr id="1" name=""/>
-        <p:cNvGrpSpPr/>
-        <p:nvPr/>
-      </p:nvGrpSpPr>
-      <p:grpSpPr>
-        <a:xfrm>
-          <a:off x="0" y="0"/>
-          <a:ext cx="0" cy="0"/>
-          <a:chOff x="0" y="0"/>
-          <a:chExt cx="0" cy="0"/>
-        </a:xfrm>
-      </p:grpSpPr>
-      <p:sp>
-        <p:nvSpPr>
-          <p:cNvPr id="2" name="Titel 1"/>
-          <p:cNvSpPr>
-            <a:spLocks noGrp="1"/>
-          </p:cNvSpPr>
-          <p:nvPr>
-            <p:ph type="title"/>
-          </p:nvPr>
-        </p:nvSpPr>
-        <p:spPr/>
-        <p:txBody>
-          <a:bodyPr/>
-          <a:lstStyle/>
-          <a:p>
-            <a:r>
-              <a:rPr lang="de-DE" dirty="0" smtClean="0"/>
-              <a:t>Diskussion</a:t>
-            </a:r>
-            <a:endParaRPr lang="de-DE" sz="1800" dirty="0"/>
-          </a:p>
-        </p:txBody>
-      </p:sp>
-      <p:sp>
-        <p:nvSpPr>
-          <p:cNvPr id="4" name="Foliennummernplatzhalter 3"/>
-          <p:cNvSpPr>
-            <a:spLocks noGrp="1"/>
-          </p:cNvSpPr>
-          <p:nvPr>
-            <p:ph type="sldNum" sz="quarter" idx="4"/>
-          </p:nvPr>
-        </p:nvSpPr>
-        <p:spPr/>
-        <p:txBody>
-          <a:bodyPr/>
-          <a:lstStyle/>
-          <a:p>
-            <a:pPr>
-              <a:defRPr/>
-            </a:pPr>
-            <a:fld id="{70BFFA52-4234-45F6-B1A6-074E24FF43A2}" type="slidenum">
-              <a:rPr lang="de-DE" smtClean="0"/>
-              <a:pPr>
-                <a:defRPr/>
-              </a:pPr>
-              <a:t>31</a:t>
-            </a:fld>
-            <a:endParaRPr lang="de-DE" dirty="0"/>
-          </a:p>
-        </p:txBody>
-      </p:sp>
-      <p:sp>
-        <p:nvSpPr>
-          <p:cNvPr id="5" name="Fußzeilenplatzhalter 4"/>
-          <p:cNvSpPr>
-            <a:spLocks noGrp="1"/>
-          </p:cNvSpPr>
-          <p:nvPr>
-            <p:ph type="ftr" sz="quarter" idx="3"/>
-          </p:nvPr>
-        </p:nvSpPr>
-        <p:spPr/>
-        <p:txBody>
-          <a:bodyPr/>
-          <a:lstStyle/>
-          <a:p>
-            <a:r>
-              <a:rPr lang="de-DE" smtClean="0"/>
-              <a:t>Sicherheitsaspekte beim Deployment virtueller Netzinfrastrukturen</a:t>
-            </a:r>
-            <a:endParaRPr lang="de-DE" dirty="0"/>
-          </a:p>
-        </p:txBody>
-      </p:sp>
-    </p:spTree>
-    <p:extLst>
-      <p:ext uri="{BB962C8B-B14F-4D97-AF65-F5344CB8AC3E}">
-        <p14:creationId xmlns:p14="http://schemas.microsoft.com/office/powerpoint/2010/main" val="476771543"/>
-      </p:ext>
-    </p:extLst>
-  </p:cSld>
-  <p:clrMapOvr>
-    <a:masterClrMapping/>
-  </p:clrMapOvr>
-  <mc:AlternateContent xmlns:mc="http://schemas.openxmlformats.org/markup-compatibility/2006">
-    <mc:Choice xmlns:p14="http://schemas.microsoft.com/office/powerpoint/2010/main" Requires="p14">
-      <p:transition spd="med" p14:dur="700">
-        <p:fade/>
-      </p:transition>
-    </mc:Choice>
-    <mc:Fallback>
+    <mc:Fallback xmlns="">
       <p:transition spd="med">
         <p:fade/>
       </p:transition>
@@ -16142,82 +16967,18 @@
           <a:bodyPr/>
           <a:lstStyle/>
           <a:p>
+            <a:r>
+              <a:rPr lang="de-DE" dirty="0" smtClean="0"/>
+              <a:t>SVNE-Algorithmen:</a:t>
+            </a:r>
+            <a:br>
+              <a:rPr lang="de-DE" dirty="0" smtClean="0"/>
+            </a:br>
+            <a:r>
+              <a:rPr lang="de-DE" sz="1800" b="0" dirty="0"/>
+              <a:t>Sicherheitsvektoren und doppelte Berechnung</a:t>
+            </a:r>
             <a:endParaRPr lang="de-DE" sz="1800" dirty="0"/>
-          </a:p>
-        </p:txBody>
-      </p:sp>
-      <p:sp>
-        <p:nvSpPr>
-          <p:cNvPr id="3" name="Inhaltsplatzhalter 2"/>
-          <p:cNvSpPr>
-            <a:spLocks noGrp="1"/>
-          </p:cNvSpPr>
-          <p:nvPr>
-            <p:ph idx="1"/>
-          </p:nvPr>
-        </p:nvSpPr>
-        <p:spPr/>
-        <p:txBody>
-          <a:bodyPr/>
-          <a:lstStyle/>
-          <a:p>
-            <a:pPr marL="0" indent="0" algn="ctr">
-              <a:buNone/>
-            </a:pPr>
-            <a:endParaRPr lang="de-DE" sz="3200" dirty="0" smtClean="0"/>
-          </a:p>
-          <a:p>
-            <a:pPr marL="0" indent="0" algn="ctr">
-              <a:buNone/>
-            </a:pPr>
-            <a:endParaRPr lang="de-DE" sz="3200" dirty="0"/>
-          </a:p>
-          <a:p>
-            <a:pPr marL="0" indent="0" algn="ctr">
-              <a:buNone/>
-            </a:pPr>
-            <a:endParaRPr lang="de-DE" sz="3200" dirty="0" smtClean="0"/>
-          </a:p>
-          <a:p>
-            <a:pPr marL="0" indent="0" algn="ctr">
-              <a:buNone/>
-            </a:pPr>
-            <a:r>
-              <a:rPr lang="de-DE" sz="3200" dirty="0" smtClean="0"/>
-              <a:t>Vielen Dank für Ihre Aufmerksamkeit!</a:t>
-            </a:r>
-          </a:p>
-          <a:p>
-            <a:pPr marL="0" indent="0" algn="ctr">
-              <a:buNone/>
-            </a:pPr>
-            <a:endParaRPr lang="de-DE" dirty="0" smtClean="0"/>
-          </a:p>
-          <a:p>
-            <a:pPr marL="0" indent="0" algn="ctr">
-              <a:buNone/>
-            </a:pPr>
-            <a:r>
-              <a:rPr lang="de-DE" sz="2000" dirty="0" smtClean="0"/>
-              <a:t>{</a:t>
-            </a:r>
-            <a:r>
-              <a:rPr lang="de-DE" sz="2000" dirty="0" err="1" smtClean="0"/>
-              <a:t>gerhard.groeschl</a:t>
-            </a:r>
-            <a:r>
-              <a:rPr lang="de-DE" sz="2000" dirty="0"/>
-              <a:t>, </a:t>
-            </a:r>
-            <a:r>
-              <a:rPr lang="de-DE" sz="2000" dirty="0" err="1" smtClean="0"/>
-              <a:t>miran.mizani</a:t>
-            </a:r>
-            <a:r>
-              <a:rPr lang="de-DE" sz="2000" dirty="0" smtClean="0"/>
-              <a:t>}@campus.lmu.de</a:t>
-            </a:r>
-            <a:endParaRPr lang="de-DE" sz="2000" dirty="0"/>
           </a:p>
         </p:txBody>
       </p:sp>
@@ -16252,6 +17013,1392 @@
       </p:sp>
       <p:sp>
         <p:nvSpPr>
+          <p:cNvPr id="6" name="Textfeld 5"/>
+          <p:cNvSpPr txBox="1"/>
+          <p:nvPr/>
+        </p:nvSpPr>
+        <p:spPr>
+          <a:xfrm>
+            <a:off x="143508" y="6225899"/>
+            <a:ext cx="8944821" cy="276999"/>
+          </a:xfrm>
+          <a:prstGeom prst="rect">
+            <a:avLst/>
+          </a:prstGeom>
+          <a:noFill/>
+        </p:spPr>
+        <p:txBody>
+          <a:bodyPr wrap="none" rtlCol="0">
+            <a:spAutoFit/>
+          </a:bodyPr>
+          <a:lstStyle/>
+          <a:p>
+            <a:r>
+              <a:rPr lang="de-DE" dirty="0" smtClean="0"/>
+              <a:t>[1] </a:t>
+            </a:r>
+            <a:r>
+              <a:rPr lang="en-US" dirty="0"/>
+              <a:t>Yang Wang, </a:t>
+            </a:r>
+            <a:r>
+              <a:rPr lang="en-US" dirty="0" err="1"/>
+              <a:t>Phanvu</a:t>
+            </a:r>
+            <a:r>
+              <a:rPr lang="en-US" dirty="0"/>
+              <a:t> Chau und </a:t>
+            </a:r>
+            <a:r>
+              <a:rPr lang="en-US" dirty="0" err="1"/>
+              <a:t>Fuyu</a:t>
+            </a:r>
+            <a:r>
+              <a:rPr lang="en-US" dirty="0"/>
+              <a:t> Chen. Towards a secured network virtualization. </a:t>
+            </a:r>
+            <a:r>
+              <a:rPr lang="de-DE" i="1" dirty="0"/>
+              <a:t>Computer Networks</a:t>
+            </a:r>
+            <a:r>
+              <a:rPr lang="de-DE" dirty="0"/>
+              <a:t>, 104:55–65, 2016</a:t>
+            </a:r>
+            <a:r>
+              <a:rPr lang="de-DE" dirty="0" smtClean="0"/>
+              <a:t>.</a:t>
+            </a:r>
+            <a:endParaRPr lang="de-DE" dirty="0"/>
+          </a:p>
+        </p:txBody>
+      </p:sp>
+      <p:sp>
+        <p:nvSpPr>
+          <p:cNvPr id="7" name="Textfeld 6"/>
+          <p:cNvSpPr txBox="1"/>
+          <p:nvPr/>
+        </p:nvSpPr>
+        <p:spPr>
+          <a:xfrm>
+            <a:off x="3330266" y="692696"/>
+            <a:ext cx="269626" cy="276999"/>
+          </a:xfrm>
+          <a:prstGeom prst="rect">
+            <a:avLst/>
+          </a:prstGeom>
+          <a:noFill/>
+        </p:spPr>
+        <p:txBody>
+          <a:bodyPr wrap="none" rtlCol="0">
+            <a:spAutoFit/>
+          </a:bodyPr>
+          <a:lstStyle/>
+          <a:p>
+            <a:r>
+              <a:rPr lang="de-DE" b="1" dirty="0" smtClean="0"/>
+              <a:t>1</a:t>
+            </a:r>
+            <a:endParaRPr lang="de-DE" b="1" dirty="0"/>
+          </a:p>
+        </p:txBody>
+      </p:sp>
+      <p:sp>
+        <p:nvSpPr>
+          <p:cNvPr id="10" name="Fußzeilenplatzhalter 1"/>
+          <p:cNvSpPr>
+            <a:spLocks noGrp="1"/>
+          </p:cNvSpPr>
+          <p:nvPr>
+            <p:ph type="ftr" sz="quarter" idx="3"/>
+          </p:nvPr>
+        </p:nvSpPr>
+        <p:spPr>
+          <a:xfrm>
+            <a:off x="165906" y="6459581"/>
+            <a:ext cx="8079570" cy="292104"/>
+          </a:xfrm>
+        </p:spPr>
+        <p:txBody>
+          <a:bodyPr/>
+          <a:lstStyle/>
+          <a:p>
+            <a:r>
+              <a:rPr lang="de-DE" dirty="0" smtClean="0"/>
+              <a:t>Virtual Network Embedding      Klassifizierung von Sicherheitsrisiken      </a:t>
+            </a:r>
+            <a:r>
+              <a:rPr lang="de-DE" b="1" dirty="0" smtClean="0"/>
+              <a:t>SVNE-Algorithmen</a:t>
+            </a:r>
+            <a:endParaRPr lang="de-DE" b="1" dirty="0"/>
+          </a:p>
+        </p:txBody>
+      </p:sp>
+      <p:pic>
+        <p:nvPicPr>
+          <p:cNvPr id="3" name="Grafik 2"/>
+          <p:cNvPicPr>
+            <a:picLocks noChangeAspect="1"/>
+          </p:cNvPicPr>
+          <p:nvPr/>
+        </p:nvPicPr>
+        <p:blipFill rotWithShape="1">
+          <a:blip r:embed="rId3">
+            <a:extLst>
+              <a:ext uri="{28A0092B-C50C-407E-A947-70E740481C1C}">
+                <a14:useLocalDpi xmlns:a14="http://schemas.microsoft.com/office/drawing/2010/main" val="0"/>
+              </a:ext>
+            </a:extLst>
+          </a:blip>
+          <a:srcRect r="1137" b="4968"/>
+          <a:stretch/>
+        </p:blipFill>
+        <p:spPr>
+          <a:xfrm>
+            <a:off x="1577154" y="1664805"/>
+            <a:ext cx="7418113" cy="4572508"/>
+          </a:xfrm>
+          <a:prstGeom prst="rect">
+            <a:avLst/>
+          </a:prstGeom>
+        </p:spPr>
+      </p:pic>
+      <p:sp>
+        <p:nvSpPr>
+          <p:cNvPr id="8" name="Inhaltsplatzhalter 2"/>
+          <p:cNvSpPr txBox="1">
+            <a:spLocks/>
+          </p:cNvSpPr>
+          <p:nvPr/>
+        </p:nvSpPr>
+        <p:spPr bwMode="auto">
+          <a:xfrm>
+            <a:off x="226954" y="1347759"/>
+            <a:ext cx="8666222" cy="1469173"/>
+          </a:xfrm>
+          <a:prstGeom prst="rect">
+            <a:avLst/>
+          </a:prstGeom>
+          <a:noFill/>
+          <a:ln w="9525">
+            <a:noFill/>
+            <a:miter lim="800000"/>
+            <a:headEnd/>
+            <a:tailEnd/>
+          </a:ln>
+        </p:spPr>
+        <p:txBody>
+          <a:bodyPr vert="horz" wrap="square" lIns="91440" tIns="45720" rIns="91440" bIns="45720" numCol="1" anchor="t" anchorCtr="0" compatLnSpc="1">
+            <a:prstTxWarp prst="textNoShape">
+              <a:avLst/>
+            </a:prstTxWarp>
+          </a:bodyPr>
+          <a:lstStyle>
+            <a:lvl1pPr marL="342900" indent="-342900" algn="l" rtl="0" eaLnBrk="0" fontAlgn="base" hangingPunct="0">
+              <a:lnSpc>
+                <a:spcPct val="100000"/>
+              </a:lnSpc>
+              <a:spcBef>
+                <a:spcPts val="0"/>
+              </a:spcBef>
+              <a:spcAft>
+                <a:spcPts val="600"/>
+              </a:spcAft>
+              <a:buClrTx/>
+              <a:buChar char="•"/>
+              <a:defRPr sz="2400">
+                <a:solidFill>
+                  <a:schemeClr val="tx1"/>
+                </a:solidFill>
+                <a:latin typeface="+mn-lt"/>
+                <a:ea typeface="+mn-ea"/>
+                <a:cs typeface="+mn-cs"/>
+              </a:defRPr>
+            </a:lvl1pPr>
+            <a:lvl2pPr marL="742950" indent="-285750" algn="l" rtl="0" eaLnBrk="0" fontAlgn="base" hangingPunct="0">
+              <a:lnSpc>
+                <a:spcPct val="100000"/>
+              </a:lnSpc>
+              <a:spcBef>
+                <a:spcPts val="0"/>
+              </a:spcBef>
+              <a:spcAft>
+                <a:spcPts val="600"/>
+              </a:spcAft>
+              <a:buClrTx/>
+              <a:buFont typeface="Times" pitchFamily="18" charset="0"/>
+              <a:buChar char="•"/>
+              <a:defRPr sz="1600">
+                <a:solidFill>
+                  <a:schemeClr val="tx1"/>
+                </a:solidFill>
+                <a:latin typeface="+mn-lt"/>
+              </a:defRPr>
+            </a:lvl2pPr>
+            <a:lvl3pPr marL="1143000" indent="-228600" algn="l" rtl="0" eaLnBrk="0" fontAlgn="base" hangingPunct="0">
+              <a:lnSpc>
+                <a:spcPct val="100000"/>
+              </a:lnSpc>
+              <a:spcBef>
+                <a:spcPts val="0"/>
+              </a:spcBef>
+              <a:spcAft>
+                <a:spcPts val="600"/>
+              </a:spcAft>
+              <a:buClrTx/>
+              <a:buFont typeface="LMU CompatilFact" pitchFamily="2" charset="0"/>
+              <a:buChar char="–"/>
+              <a:defRPr sz="1600">
+                <a:solidFill>
+                  <a:schemeClr val="tx1"/>
+                </a:solidFill>
+                <a:latin typeface="+mn-lt"/>
+              </a:defRPr>
+            </a:lvl3pPr>
+            <a:lvl4pPr marL="1562100" indent="-228600" algn="l" rtl="0" eaLnBrk="0" fontAlgn="base" hangingPunct="0">
+              <a:lnSpc>
+                <a:spcPct val="100000"/>
+              </a:lnSpc>
+              <a:spcBef>
+                <a:spcPts val="0"/>
+              </a:spcBef>
+              <a:spcAft>
+                <a:spcPts val="600"/>
+              </a:spcAft>
+              <a:buClrTx/>
+              <a:buChar char="-"/>
+              <a:defRPr sz="1600">
+                <a:solidFill>
+                  <a:schemeClr val="tx1"/>
+                </a:solidFill>
+                <a:latin typeface="+mn-lt"/>
+              </a:defRPr>
+            </a:lvl4pPr>
+            <a:lvl5pPr marL="1981200" indent="-228600" algn="l" rtl="0" eaLnBrk="0" fontAlgn="base" hangingPunct="0">
+              <a:lnSpc>
+                <a:spcPct val="100000"/>
+              </a:lnSpc>
+              <a:spcBef>
+                <a:spcPts val="0"/>
+              </a:spcBef>
+              <a:spcAft>
+                <a:spcPts val="600"/>
+              </a:spcAft>
+              <a:buClrTx/>
+              <a:buChar char="»"/>
+              <a:defRPr sz="1600">
+                <a:solidFill>
+                  <a:schemeClr val="tx1"/>
+                </a:solidFill>
+                <a:latin typeface="+mn-lt"/>
+              </a:defRPr>
+            </a:lvl5pPr>
+            <a:lvl6pPr marL="2438400" indent="-228600" algn="l" rtl="0" fontAlgn="base">
+              <a:spcBef>
+                <a:spcPct val="20000"/>
+              </a:spcBef>
+              <a:spcAft>
+                <a:spcPct val="0"/>
+              </a:spcAft>
+              <a:defRPr sz="1600">
+                <a:solidFill>
+                  <a:srgbClr val="006C30"/>
+                </a:solidFill>
+                <a:latin typeface="+mn-lt"/>
+              </a:defRPr>
+            </a:lvl6pPr>
+            <a:lvl7pPr marL="2895600" indent="-228600" algn="l" rtl="0" fontAlgn="base">
+              <a:spcBef>
+                <a:spcPct val="20000"/>
+              </a:spcBef>
+              <a:spcAft>
+                <a:spcPct val="0"/>
+              </a:spcAft>
+              <a:defRPr sz="1600">
+                <a:solidFill>
+                  <a:srgbClr val="006C30"/>
+                </a:solidFill>
+                <a:latin typeface="+mn-lt"/>
+              </a:defRPr>
+            </a:lvl7pPr>
+            <a:lvl8pPr marL="3352800" indent="-228600" algn="l" rtl="0" fontAlgn="base">
+              <a:spcBef>
+                <a:spcPct val="20000"/>
+              </a:spcBef>
+              <a:spcAft>
+                <a:spcPct val="0"/>
+              </a:spcAft>
+              <a:defRPr sz="1600">
+                <a:solidFill>
+                  <a:srgbClr val="006C30"/>
+                </a:solidFill>
+                <a:latin typeface="+mn-lt"/>
+              </a:defRPr>
+            </a:lvl8pPr>
+            <a:lvl9pPr marL="3810000" indent="-228600" algn="l" rtl="0" fontAlgn="base">
+              <a:spcBef>
+                <a:spcPct val="20000"/>
+              </a:spcBef>
+              <a:spcAft>
+                <a:spcPct val="0"/>
+              </a:spcAft>
+              <a:defRPr sz="1600">
+                <a:solidFill>
+                  <a:srgbClr val="006C30"/>
+                </a:solidFill>
+                <a:latin typeface="+mn-lt"/>
+              </a:defRPr>
+            </a:lvl9pPr>
+          </a:lstStyle>
+          <a:p>
+            <a:pPr marL="0" indent="0">
+              <a:buFontTx/>
+              <a:buNone/>
+            </a:pPr>
+            <a:r>
+              <a:rPr lang="de-DE" kern="0" dirty="0" smtClean="0"/>
+              <a:t>SVNE-Ansatz 2:</a:t>
+            </a:r>
+          </a:p>
+          <a:p>
+            <a:r>
+              <a:rPr lang="de-DE" kern="0" dirty="0" smtClean="0"/>
+              <a:t>Flexible Sicherheitsvektoren</a:t>
+            </a:r>
+          </a:p>
+          <a:p>
+            <a:r>
+              <a:rPr lang="de-DE" kern="0" dirty="0" smtClean="0"/>
+              <a:t>4 Grundregeln</a:t>
+            </a:r>
+          </a:p>
+          <a:p>
+            <a:r>
+              <a:rPr lang="de-DE" kern="0" dirty="0" smtClean="0"/>
+              <a:t>2 Algorithmen</a:t>
+            </a:r>
+            <a:endParaRPr lang="de-DE" kern="0" dirty="0"/>
+          </a:p>
+        </p:txBody>
+      </p:sp>
+    </p:spTree>
+    <p:extLst>
+      <p:ext uri="{BB962C8B-B14F-4D97-AF65-F5344CB8AC3E}">
+        <p14:creationId xmlns:p14="http://schemas.microsoft.com/office/powerpoint/2010/main" val="1404986303"/>
+      </p:ext>
+    </p:extLst>
+  </p:cSld>
+  <p:clrMapOvr>
+    <a:masterClrMapping/>
+  </p:clrMapOvr>
+  <mc:AlternateContent xmlns:mc="http://schemas.openxmlformats.org/markup-compatibility/2006" xmlns:p14="http://schemas.microsoft.com/office/powerpoint/2010/main">
+    <mc:Choice Requires="p14">
+      <p:transition spd="med" p14:dur="700">
+        <p:fade/>
+      </p:transition>
+    </mc:Choice>
+    <mc:Fallback xmlns="">
+      <p:transition spd="med">
+        <p:fade/>
+      </p:transition>
+    </mc:Fallback>
+  </mc:AlternateContent>
+  <p:timing>
+    <p:tnLst>
+      <p:par>
+        <p:cTn id="1" dur="indefinite" restart="never" nodeType="tmRoot"/>
+      </p:par>
+    </p:tnLst>
+  </p:timing>
+</p:sld>
+</file>
+
+<file path=ppt/slides/slide33.xml><?xml version="1.0" encoding="utf-8"?>
+<p:sld xmlns:a="http://schemas.openxmlformats.org/drawingml/2006/main" xmlns:r="http://schemas.openxmlformats.org/officeDocument/2006/relationships" xmlns:p="http://schemas.openxmlformats.org/presentationml/2006/main">
+  <p:cSld>
+    <p:spTree>
+      <p:nvGrpSpPr>
+        <p:cNvPr id="1" name=""/>
+        <p:cNvGrpSpPr/>
+        <p:nvPr/>
+      </p:nvGrpSpPr>
+      <p:grpSpPr>
+        <a:xfrm>
+          <a:off x="0" y="0"/>
+          <a:ext cx="0" cy="0"/>
+          <a:chOff x="0" y="0"/>
+          <a:chExt cx="0" cy="0"/>
+        </a:xfrm>
+      </p:grpSpPr>
+      <p:sp>
+        <p:nvSpPr>
+          <p:cNvPr id="2" name="Titel 1"/>
+          <p:cNvSpPr>
+            <a:spLocks noGrp="1"/>
+          </p:cNvSpPr>
+          <p:nvPr>
+            <p:ph type="title"/>
+          </p:nvPr>
+        </p:nvSpPr>
+        <p:spPr/>
+        <p:txBody>
+          <a:bodyPr/>
+          <a:lstStyle/>
+          <a:p>
+            <a:r>
+              <a:rPr lang="de-DE" dirty="0" smtClean="0"/>
+              <a:t>Diskussion</a:t>
+            </a:r>
+            <a:endParaRPr lang="de-DE" dirty="0"/>
+          </a:p>
+        </p:txBody>
+      </p:sp>
+      <p:sp>
+        <p:nvSpPr>
+          <p:cNvPr id="8" name="Inhaltsplatzhalter 7"/>
+          <p:cNvSpPr>
+            <a:spLocks noGrp="1"/>
+          </p:cNvSpPr>
+          <p:nvPr>
+            <p:ph idx="1"/>
+          </p:nvPr>
+        </p:nvSpPr>
+        <p:spPr/>
+        <p:txBody>
+          <a:bodyPr/>
+          <a:lstStyle/>
+          <a:p>
+            <a:r>
+              <a:rPr lang="de-DE" dirty="0" smtClean="0"/>
+              <a:t>Durch </a:t>
+            </a:r>
+            <a:r>
+              <a:rPr lang="de-DE" dirty="0" err="1" smtClean="0"/>
+              <a:t>Netzvirtualisierung</a:t>
+            </a:r>
+            <a:r>
+              <a:rPr lang="de-DE" dirty="0" smtClean="0"/>
+              <a:t> ergeben sich neue Verwundbarkeiten</a:t>
+            </a:r>
+          </a:p>
+          <a:p>
+            <a:endParaRPr lang="de-DE" dirty="0" smtClean="0"/>
+          </a:p>
+          <a:p>
+            <a:r>
+              <a:rPr lang="de-DE" dirty="0" smtClean="0"/>
+              <a:t>Automatisierte Ansätze zum Embedding virtueller Netze</a:t>
+            </a:r>
+          </a:p>
+          <a:p>
+            <a:endParaRPr lang="de-DE" dirty="0" smtClean="0"/>
+          </a:p>
+          <a:p>
+            <a:r>
+              <a:rPr lang="de-DE" dirty="0" smtClean="0"/>
+              <a:t>verschiedene Verfahren zur Integration von Sicherheitsaspekten beim Embedding</a:t>
+            </a:r>
+          </a:p>
+          <a:p>
+            <a:endParaRPr lang="de-DE" dirty="0"/>
+          </a:p>
+          <a:p>
+            <a:pPr marL="0" indent="0">
+              <a:buNone/>
+            </a:pPr>
+            <a:endParaRPr lang="de-DE" dirty="0"/>
+          </a:p>
+          <a:p>
+            <a:pPr marL="0" indent="0">
+              <a:buNone/>
+            </a:pPr>
+            <a:r>
+              <a:rPr lang="de-DE" dirty="0" smtClean="0"/>
+              <a:t>=&gt; Wahl des Verfahrens?</a:t>
+            </a:r>
+          </a:p>
+        </p:txBody>
+      </p:sp>
+      <p:sp>
+        <p:nvSpPr>
+          <p:cNvPr id="4" name="Foliennummernplatzhalter 3"/>
+          <p:cNvSpPr>
+            <a:spLocks noGrp="1"/>
+          </p:cNvSpPr>
+          <p:nvPr>
+            <p:ph type="sldNum" sz="quarter" idx="4"/>
+          </p:nvPr>
+        </p:nvSpPr>
+        <p:spPr/>
+        <p:txBody>
+          <a:bodyPr/>
+          <a:lstStyle/>
+          <a:p>
+            <a:fld id="{70BFFA52-4234-45F6-B1A6-074E24FF43A2}" type="slidenum">
+              <a:rPr lang="de-DE" smtClean="0"/>
+              <a:pPr/>
+              <a:t>33</a:t>
+            </a:fld>
+            <a:endParaRPr lang="de-DE" dirty="0"/>
+          </a:p>
+        </p:txBody>
+      </p:sp>
+      <p:sp>
+        <p:nvSpPr>
+          <p:cNvPr id="5" name="Fußzeilenplatzhalter 4"/>
+          <p:cNvSpPr>
+            <a:spLocks noGrp="1"/>
+          </p:cNvSpPr>
+          <p:nvPr>
+            <p:ph type="ftr" sz="quarter" idx="3"/>
+          </p:nvPr>
+        </p:nvSpPr>
+        <p:spPr/>
+        <p:txBody>
+          <a:bodyPr/>
+          <a:lstStyle/>
+          <a:p>
+            <a:r>
+              <a:rPr lang="de-DE" dirty="0" smtClean="0"/>
+              <a:t>Sicherheitsaspekte beim </a:t>
+            </a:r>
+            <a:r>
+              <a:rPr lang="de-DE" dirty="0" err="1" smtClean="0"/>
+              <a:t>Deployment</a:t>
+            </a:r>
+            <a:r>
+              <a:rPr lang="de-DE" dirty="0" smtClean="0"/>
+              <a:t> virtueller Netzinfrastrukturen</a:t>
+            </a:r>
+            <a:endParaRPr lang="de-DE" dirty="0"/>
+          </a:p>
+        </p:txBody>
+      </p:sp>
+    </p:spTree>
+    <p:extLst>
+      <p:ext uri="{BB962C8B-B14F-4D97-AF65-F5344CB8AC3E}">
+        <p14:creationId xmlns:p14="http://schemas.microsoft.com/office/powerpoint/2010/main" val="299502173"/>
+      </p:ext>
+    </p:extLst>
+  </p:cSld>
+  <p:clrMapOvr>
+    <a:masterClrMapping/>
+  </p:clrMapOvr>
+  <mc:AlternateContent xmlns:mc="http://schemas.openxmlformats.org/markup-compatibility/2006" xmlns:p14="http://schemas.microsoft.com/office/powerpoint/2010/main">
+    <mc:Choice Requires="p14">
+      <p:transition spd="med" p14:dur="700">
+        <p:fade/>
+      </p:transition>
+    </mc:Choice>
+    <mc:Fallback xmlns="">
+      <p:transition spd="med">
+        <p:fade/>
+      </p:transition>
+    </mc:Fallback>
+  </mc:AlternateContent>
+  <p:timing>
+    <p:tnLst>
+      <p:par>
+        <p:cTn id="1" dur="indefinite" restart="never" nodeType="tmRoot"/>
+      </p:par>
+    </p:tnLst>
+  </p:timing>
+</p:sld>
+</file>
+
+<file path=ppt/slides/slide34.xml><?xml version="1.0" encoding="utf-8"?>
+<p:sld xmlns:a="http://schemas.openxmlformats.org/drawingml/2006/main" xmlns:r="http://schemas.openxmlformats.org/officeDocument/2006/relationships" xmlns:p="http://schemas.openxmlformats.org/presentationml/2006/main">
+  <p:cSld>
+    <p:spTree>
+      <p:nvGrpSpPr>
+        <p:cNvPr id="1" name=""/>
+        <p:cNvGrpSpPr/>
+        <p:nvPr/>
+      </p:nvGrpSpPr>
+      <p:grpSpPr>
+        <a:xfrm>
+          <a:off x="0" y="0"/>
+          <a:ext cx="0" cy="0"/>
+          <a:chOff x="0" y="0"/>
+          <a:chExt cx="0" cy="0"/>
+        </a:xfrm>
+      </p:grpSpPr>
+      <p:sp>
+        <p:nvSpPr>
+          <p:cNvPr id="2" name="Titel 1"/>
+          <p:cNvSpPr>
+            <a:spLocks noGrp="1"/>
+          </p:cNvSpPr>
+          <p:nvPr>
+            <p:ph type="title"/>
+          </p:nvPr>
+        </p:nvSpPr>
+        <p:spPr/>
+        <p:txBody>
+          <a:bodyPr/>
+          <a:lstStyle/>
+          <a:p>
+            <a:r>
+              <a:rPr lang="de-DE" smtClean="0"/>
+              <a:t>Diskussion</a:t>
+            </a:r>
+            <a:endParaRPr lang="de-DE" dirty="0"/>
+          </a:p>
+        </p:txBody>
+      </p:sp>
+      <p:sp>
+        <p:nvSpPr>
+          <p:cNvPr id="8" name="Inhaltsplatzhalter 7"/>
+          <p:cNvSpPr>
+            <a:spLocks noGrp="1"/>
+          </p:cNvSpPr>
+          <p:nvPr>
+            <p:ph idx="1"/>
+          </p:nvPr>
+        </p:nvSpPr>
+        <p:spPr/>
+        <p:txBody>
+          <a:bodyPr/>
+          <a:lstStyle/>
+          <a:p>
+            <a:r>
+              <a:rPr lang="de-DE" dirty="0" smtClean="0"/>
+              <a:t>Mögliche Entwicklungsrichtungen?</a:t>
+            </a:r>
+          </a:p>
+          <a:p>
+            <a:endParaRPr lang="de-DE" dirty="0"/>
+          </a:p>
+          <a:p>
+            <a:r>
+              <a:rPr lang="de-DE" dirty="0" smtClean="0"/>
+              <a:t>Sicherheit nur durch Isolation?</a:t>
+            </a:r>
+          </a:p>
+          <a:p>
+            <a:endParaRPr lang="de-DE" dirty="0"/>
+          </a:p>
+          <a:p>
+            <a:r>
+              <a:rPr lang="de-DE" dirty="0" smtClean="0"/>
+              <a:t>Gewählte Art der Klassifizierung sinnvoll?</a:t>
+            </a:r>
+            <a:endParaRPr lang="de-DE" dirty="0"/>
+          </a:p>
+          <a:p>
+            <a:endParaRPr lang="de-DE" dirty="0"/>
+          </a:p>
+          <a:p>
+            <a:endParaRPr lang="de-DE" dirty="0"/>
+          </a:p>
+        </p:txBody>
+      </p:sp>
+      <p:sp>
+        <p:nvSpPr>
+          <p:cNvPr id="4" name="Foliennummernplatzhalter 3"/>
+          <p:cNvSpPr>
+            <a:spLocks noGrp="1"/>
+          </p:cNvSpPr>
+          <p:nvPr>
+            <p:ph type="sldNum" sz="quarter" idx="4"/>
+          </p:nvPr>
+        </p:nvSpPr>
+        <p:spPr/>
+        <p:txBody>
+          <a:bodyPr/>
+          <a:lstStyle/>
+          <a:p>
+            <a:fld id="{70BFFA52-4234-45F6-B1A6-074E24FF43A2}" type="slidenum">
+              <a:rPr lang="de-DE" smtClean="0"/>
+              <a:pPr/>
+              <a:t>34</a:t>
+            </a:fld>
+            <a:endParaRPr lang="de-DE" dirty="0"/>
+          </a:p>
+        </p:txBody>
+      </p:sp>
+      <p:sp>
+        <p:nvSpPr>
+          <p:cNvPr id="5" name="Fußzeilenplatzhalter 4"/>
+          <p:cNvSpPr>
+            <a:spLocks noGrp="1"/>
+          </p:cNvSpPr>
+          <p:nvPr>
+            <p:ph type="ftr" sz="quarter" idx="3"/>
+          </p:nvPr>
+        </p:nvSpPr>
+        <p:spPr/>
+        <p:txBody>
+          <a:bodyPr/>
+          <a:lstStyle/>
+          <a:p>
+            <a:r>
+              <a:rPr lang="de-DE" smtClean="0"/>
+              <a:t>Sicherheitsaspekte beim Deployment virtueller Netzinfrastrukturen</a:t>
+            </a:r>
+            <a:endParaRPr lang="de-DE" dirty="0"/>
+          </a:p>
+        </p:txBody>
+      </p:sp>
+    </p:spTree>
+    <p:extLst>
+      <p:ext uri="{BB962C8B-B14F-4D97-AF65-F5344CB8AC3E}">
+        <p14:creationId xmlns:p14="http://schemas.microsoft.com/office/powerpoint/2010/main" val="3661181008"/>
+      </p:ext>
+    </p:extLst>
+  </p:cSld>
+  <p:clrMapOvr>
+    <a:masterClrMapping/>
+  </p:clrMapOvr>
+  <mc:AlternateContent xmlns:mc="http://schemas.openxmlformats.org/markup-compatibility/2006" xmlns:p14="http://schemas.microsoft.com/office/powerpoint/2010/main">
+    <mc:Choice Requires="p14">
+      <p:transition spd="med" p14:dur="700">
+        <p:fade/>
+      </p:transition>
+    </mc:Choice>
+    <mc:Fallback xmlns="">
+      <p:transition spd="med">
+        <p:fade/>
+      </p:transition>
+    </mc:Fallback>
+  </mc:AlternateContent>
+  <p:timing>
+    <p:tnLst>
+      <p:par>
+        <p:cTn id="1" dur="indefinite" restart="never" nodeType="tmRoot"/>
+      </p:par>
+    </p:tnLst>
+  </p:timing>
+</p:sld>
+</file>
+
+<file path=ppt/slides/slide35.xml><?xml version="1.0" encoding="utf-8"?>
+<p:sld xmlns:a="http://schemas.openxmlformats.org/drawingml/2006/main" xmlns:r="http://schemas.openxmlformats.org/officeDocument/2006/relationships" xmlns:p="http://schemas.openxmlformats.org/presentationml/2006/main">
+  <p:cSld>
+    <p:spTree>
+      <p:nvGrpSpPr>
+        <p:cNvPr id="1" name=""/>
+        <p:cNvGrpSpPr/>
+        <p:nvPr/>
+      </p:nvGrpSpPr>
+      <p:grpSpPr>
+        <a:xfrm>
+          <a:off x="0" y="0"/>
+          <a:ext cx="0" cy="0"/>
+          <a:chOff x="0" y="0"/>
+          <a:chExt cx="0" cy="0"/>
+        </a:xfrm>
+      </p:grpSpPr>
+      <p:sp>
+        <p:nvSpPr>
+          <p:cNvPr id="2" name="Titel 1"/>
+          <p:cNvSpPr>
+            <a:spLocks noGrp="1"/>
+          </p:cNvSpPr>
+          <p:nvPr>
+            <p:ph type="title"/>
+          </p:nvPr>
+        </p:nvSpPr>
+        <p:spPr/>
+        <p:txBody>
+          <a:bodyPr/>
+          <a:lstStyle/>
+          <a:p>
+            <a:r>
+              <a:rPr lang="de-DE" dirty="0" smtClean="0"/>
+              <a:t>Empfehlenswerte Literatur</a:t>
+            </a:r>
+            <a:endParaRPr lang="de-DE" sz="1800" dirty="0"/>
+          </a:p>
+        </p:txBody>
+      </p:sp>
+      <p:sp>
+        <p:nvSpPr>
+          <p:cNvPr id="3" name="Inhaltsplatzhalter 2"/>
+          <p:cNvSpPr>
+            <a:spLocks noGrp="1"/>
+          </p:cNvSpPr>
+          <p:nvPr>
+            <p:ph idx="1"/>
+          </p:nvPr>
+        </p:nvSpPr>
+        <p:spPr/>
+        <p:txBody>
+          <a:bodyPr/>
+          <a:lstStyle/>
+          <a:p>
+            <a:pPr marL="0" indent="0">
+              <a:buNone/>
+            </a:pPr>
+            <a:r>
+              <a:rPr lang="de-DE" sz="1600" b="1" dirty="0" smtClean="0"/>
+              <a:t>Sicherheitsaspekte virtueller Netzinfrastrukturen</a:t>
+            </a:r>
+          </a:p>
+          <a:p>
+            <a:r>
+              <a:rPr lang="de-DE" sz="1600" dirty="0"/>
+              <a:t>Kamal </a:t>
+            </a:r>
+            <a:r>
+              <a:rPr lang="de-DE" sz="1600" dirty="0" err="1"/>
+              <a:t>Dahbur</a:t>
+            </a:r>
+            <a:r>
+              <a:rPr lang="de-DE" sz="1600" dirty="0"/>
+              <a:t>, </a:t>
+            </a:r>
+            <a:r>
+              <a:rPr lang="de-DE" sz="1600" dirty="0" err="1"/>
+              <a:t>Bassil</a:t>
+            </a:r>
+            <a:r>
+              <a:rPr lang="de-DE" sz="1600" dirty="0"/>
+              <a:t> Mohammad und Ahmad Bisher </a:t>
+            </a:r>
+            <a:r>
+              <a:rPr lang="de-DE" sz="1600" dirty="0" err="1"/>
+              <a:t>Tarakji</a:t>
+            </a:r>
+            <a:r>
+              <a:rPr lang="de-DE" sz="1600" dirty="0"/>
+              <a:t>. A </a:t>
+            </a:r>
+            <a:r>
+              <a:rPr lang="de-DE" sz="1600" dirty="0" err="1"/>
+              <a:t>survey</a:t>
+            </a:r>
+            <a:r>
+              <a:rPr lang="de-DE" sz="1600" dirty="0"/>
+              <a:t> </a:t>
+            </a:r>
+            <a:r>
+              <a:rPr lang="de-DE" sz="1600" dirty="0" err="1"/>
+              <a:t>of</a:t>
+            </a:r>
+            <a:r>
+              <a:rPr lang="de-DE" sz="1600" dirty="0"/>
+              <a:t> </a:t>
+            </a:r>
+            <a:r>
+              <a:rPr lang="de-DE" sz="1600" dirty="0" err="1"/>
+              <a:t>risks</a:t>
+            </a:r>
+            <a:r>
+              <a:rPr lang="de-DE" sz="1600" dirty="0"/>
+              <a:t>, </a:t>
+            </a:r>
+            <a:r>
+              <a:rPr lang="en-US" sz="1600" dirty="0"/>
+              <a:t>threats and vulnerabilities in cloud computing. In </a:t>
+            </a:r>
+            <a:r>
+              <a:rPr lang="en-US" sz="1600" i="1" dirty="0"/>
+              <a:t>Proceedings of the 2011 International </a:t>
+            </a:r>
+            <a:r>
+              <a:rPr lang="de-DE" sz="1600" i="1" dirty="0" err="1"/>
+              <a:t>conference</a:t>
+            </a:r>
+            <a:r>
+              <a:rPr lang="de-DE" sz="1600" i="1" dirty="0"/>
+              <a:t> on intelligent </a:t>
+            </a:r>
+            <a:r>
+              <a:rPr lang="de-DE" sz="1600" i="1" dirty="0" err="1"/>
+              <a:t>semantic</a:t>
+            </a:r>
+            <a:r>
+              <a:rPr lang="de-DE" sz="1600" i="1" dirty="0"/>
+              <a:t> Web-services </a:t>
+            </a:r>
+            <a:r>
+              <a:rPr lang="de-DE" sz="1600" i="1" dirty="0" err="1"/>
+              <a:t>and</a:t>
+            </a:r>
+            <a:r>
+              <a:rPr lang="de-DE" sz="1600" i="1" dirty="0"/>
+              <a:t> </a:t>
+            </a:r>
+            <a:r>
+              <a:rPr lang="de-DE" sz="1600" i="1" dirty="0" err="1"/>
+              <a:t>applications</a:t>
+            </a:r>
+            <a:r>
+              <a:rPr lang="de-DE" sz="1600" dirty="0"/>
+              <a:t>, Seite 12. ACM, 2011.</a:t>
+            </a:r>
+          </a:p>
+          <a:p>
+            <a:r>
+              <a:rPr lang="de-DE" sz="1600" dirty="0" smtClean="0"/>
+              <a:t>Andreas </a:t>
+            </a:r>
+            <a:r>
+              <a:rPr lang="de-DE" sz="1600" dirty="0"/>
+              <a:t>Fischer, Juan Felipe Botero, Michael Till Beck, Hermann De Meer und </a:t>
+            </a:r>
+            <a:r>
+              <a:rPr lang="de-DE" sz="1600" dirty="0" smtClean="0"/>
+              <a:t>Xavier Hesselbach</a:t>
+            </a:r>
+            <a:r>
+              <a:rPr lang="de-DE" sz="1600" dirty="0"/>
+              <a:t>. Virtual </a:t>
+            </a:r>
+            <a:r>
+              <a:rPr lang="de-DE" sz="1600" dirty="0" err="1"/>
+              <a:t>network</a:t>
+            </a:r>
+            <a:r>
+              <a:rPr lang="de-DE" sz="1600" dirty="0"/>
+              <a:t> </a:t>
+            </a:r>
+            <a:r>
+              <a:rPr lang="de-DE" sz="1600" dirty="0" err="1"/>
+              <a:t>embedding</a:t>
+            </a:r>
+            <a:r>
+              <a:rPr lang="de-DE" sz="1600" dirty="0"/>
+              <a:t>: A </a:t>
+            </a:r>
+            <a:r>
+              <a:rPr lang="de-DE" sz="1600" dirty="0" err="1"/>
+              <a:t>survey</a:t>
+            </a:r>
+            <a:r>
+              <a:rPr lang="de-DE" sz="1600" dirty="0"/>
+              <a:t>. </a:t>
+            </a:r>
+            <a:r>
+              <a:rPr lang="de-DE" sz="1600" i="1" dirty="0"/>
+              <a:t>IEEE Communications Surveys </a:t>
+            </a:r>
+            <a:r>
+              <a:rPr lang="de-DE" sz="1600" i="1" dirty="0" smtClean="0"/>
+              <a:t>&amp; Tutorials</a:t>
+            </a:r>
+            <a:r>
+              <a:rPr lang="de-DE" sz="1600" dirty="0"/>
+              <a:t>, 15(4):1888–1906, 2013</a:t>
+            </a:r>
+            <a:r>
+              <a:rPr lang="de-DE" sz="1600" dirty="0" smtClean="0"/>
+              <a:t>.</a:t>
+            </a:r>
+            <a:endParaRPr lang="de-DE" sz="1600" dirty="0"/>
+          </a:p>
+          <a:p>
+            <a:r>
+              <a:rPr lang="de-DE" sz="1600" dirty="0" err="1" smtClean="0"/>
+              <a:t>Shuiqing</a:t>
+            </a:r>
+            <a:r>
+              <a:rPr lang="de-DE" sz="1600" dirty="0" smtClean="0"/>
+              <a:t> </a:t>
+            </a:r>
+            <a:r>
+              <a:rPr lang="de-DE" sz="1600" dirty="0"/>
+              <a:t>Gong, </a:t>
+            </a:r>
+            <a:r>
+              <a:rPr lang="de-DE" sz="1600" dirty="0" err="1"/>
+              <a:t>Jing</a:t>
+            </a:r>
+            <a:r>
+              <a:rPr lang="de-DE" sz="1600" dirty="0"/>
+              <a:t> Chen, </a:t>
+            </a:r>
+            <a:r>
+              <a:rPr lang="de-DE" sz="1600" dirty="0" err="1"/>
+              <a:t>Conghui</a:t>
+            </a:r>
+            <a:r>
+              <a:rPr lang="de-DE" sz="1600" dirty="0"/>
+              <a:t> Huang, </a:t>
+            </a:r>
+            <a:r>
+              <a:rPr lang="de-DE" sz="1600" dirty="0" err="1"/>
+              <a:t>Qingchao</a:t>
+            </a:r>
+            <a:r>
+              <a:rPr lang="de-DE" sz="1600" dirty="0"/>
+              <a:t> Zhu und </a:t>
+            </a:r>
+            <a:r>
+              <a:rPr lang="de-DE" sz="1600" dirty="0" err="1"/>
+              <a:t>Siyi</a:t>
+            </a:r>
+            <a:r>
+              <a:rPr lang="de-DE" sz="1600" dirty="0"/>
+              <a:t> Zhao. Virtual </a:t>
+            </a:r>
+            <a:r>
+              <a:rPr lang="en-US" sz="1600" dirty="0"/>
+              <a:t>Network Embedding through Security Risk Awareness and Optimization. </a:t>
+            </a:r>
+            <a:r>
+              <a:rPr lang="en-US" sz="1600" i="1" dirty="0"/>
+              <a:t>KSII Transactions </a:t>
+            </a:r>
+            <a:r>
+              <a:rPr lang="de-DE" sz="1600" i="1" dirty="0"/>
+              <a:t>on Internet &amp; Information Systems</a:t>
+            </a:r>
+            <a:r>
+              <a:rPr lang="de-DE" sz="1600" dirty="0"/>
+              <a:t>, 10(7), 2016</a:t>
+            </a:r>
+            <a:r>
+              <a:rPr lang="de-DE" sz="1600" dirty="0" smtClean="0"/>
+              <a:t>.</a:t>
+            </a:r>
+          </a:p>
+          <a:p>
+            <a:endParaRPr lang="de-DE" sz="1600" dirty="0" smtClean="0"/>
+          </a:p>
+          <a:p>
+            <a:pPr marL="0" indent="0">
+              <a:buNone/>
+            </a:pPr>
+            <a:r>
+              <a:rPr lang="de-DE" sz="1600" b="1" dirty="0" smtClean="0"/>
+              <a:t>Untersuchte Algorithmen</a:t>
+            </a:r>
+          </a:p>
+          <a:p>
+            <a:r>
+              <a:rPr lang="de-DE" sz="1600" dirty="0" smtClean="0"/>
+              <a:t>Hong </a:t>
+            </a:r>
+            <a:r>
+              <a:rPr lang="de-DE" sz="1600" dirty="0" err="1"/>
+              <a:t>Xu</a:t>
+            </a:r>
+            <a:r>
+              <a:rPr lang="de-DE" sz="1600" dirty="0"/>
+              <a:t> Ming </a:t>
+            </a:r>
+            <a:r>
+              <a:rPr lang="de-DE" sz="1600" dirty="0" err="1"/>
+              <a:t>Xu</a:t>
+            </a:r>
+            <a:r>
+              <a:rPr lang="de-DE" sz="1600" dirty="0"/>
+              <a:t> </a:t>
+            </a:r>
+            <a:r>
+              <a:rPr lang="de-DE" sz="1600" dirty="0" err="1"/>
+              <a:t>Shuhao</a:t>
+            </a:r>
+            <a:r>
+              <a:rPr lang="de-DE" sz="1600" dirty="0"/>
+              <a:t> Liu, </a:t>
+            </a:r>
+            <a:r>
+              <a:rPr lang="de-DE" sz="1600" dirty="0" err="1"/>
+              <a:t>Zhiping</a:t>
+            </a:r>
+            <a:r>
+              <a:rPr lang="de-DE" sz="1600" dirty="0"/>
+              <a:t> Cai. </a:t>
+            </a:r>
+            <a:r>
+              <a:rPr lang="de-DE" sz="1600" dirty="0" err="1"/>
+              <a:t>Towards</a:t>
+            </a:r>
+            <a:r>
+              <a:rPr lang="de-DE" sz="1600" dirty="0"/>
+              <a:t> Security-aware Virtual </a:t>
+            </a:r>
+            <a:r>
+              <a:rPr lang="de-DE" sz="1600" dirty="0" smtClean="0"/>
+              <a:t>Network Embedding</a:t>
+            </a:r>
+            <a:r>
+              <a:rPr lang="de-DE" sz="1600" dirty="0"/>
+              <a:t>, 2015</a:t>
+            </a:r>
+            <a:r>
+              <a:rPr lang="de-DE" sz="1600" dirty="0" smtClean="0"/>
+              <a:t>.</a:t>
+            </a:r>
+          </a:p>
+          <a:p>
+            <a:r>
+              <a:rPr lang="en-US" sz="1600" dirty="0" smtClean="0"/>
+              <a:t>Yang </a:t>
+            </a:r>
+            <a:r>
+              <a:rPr lang="en-US" sz="1600" dirty="0"/>
+              <a:t>Wang, </a:t>
+            </a:r>
+            <a:r>
+              <a:rPr lang="en-US" sz="1600" dirty="0" err="1"/>
+              <a:t>Phanvu</a:t>
+            </a:r>
+            <a:r>
+              <a:rPr lang="en-US" sz="1600" dirty="0"/>
+              <a:t> Chau und </a:t>
+            </a:r>
+            <a:r>
+              <a:rPr lang="en-US" sz="1600" dirty="0" err="1"/>
+              <a:t>Fuyu</a:t>
+            </a:r>
+            <a:r>
+              <a:rPr lang="en-US" sz="1600" dirty="0"/>
+              <a:t> Chen. Towards a secured network </a:t>
+            </a:r>
+            <a:r>
+              <a:rPr lang="en-US" sz="1600" dirty="0" smtClean="0"/>
+              <a:t>virtualization. </a:t>
+            </a:r>
+            <a:r>
+              <a:rPr lang="de-DE" sz="1600" i="1" dirty="0" smtClean="0"/>
+              <a:t>Computer </a:t>
+            </a:r>
+            <a:r>
+              <a:rPr lang="de-DE" sz="1600" i="1" dirty="0"/>
+              <a:t>Networks</a:t>
+            </a:r>
+            <a:r>
+              <a:rPr lang="de-DE" sz="1600" dirty="0"/>
+              <a:t>, 104:55–65, 2016.</a:t>
+            </a:r>
+            <a:endParaRPr lang="de-DE" sz="1600" dirty="0" smtClean="0"/>
+          </a:p>
+          <a:p>
+            <a:endParaRPr lang="de-DE" sz="1600" dirty="0"/>
+          </a:p>
+        </p:txBody>
+      </p:sp>
+      <p:sp>
+        <p:nvSpPr>
+          <p:cNvPr id="4" name="Foliennummernplatzhalter 3"/>
+          <p:cNvSpPr>
+            <a:spLocks noGrp="1"/>
+          </p:cNvSpPr>
+          <p:nvPr>
+            <p:ph type="sldNum" sz="quarter" idx="4"/>
+          </p:nvPr>
+        </p:nvSpPr>
+        <p:spPr/>
+        <p:txBody>
+          <a:bodyPr/>
+          <a:lstStyle/>
+          <a:p>
+            <a:pPr>
+              <a:defRPr/>
+            </a:pPr>
+            <a:fld id="{70BFFA52-4234-45F6-B1A6-074E24FF43A2}" type="slidenum">
+              <a:rPr lang="de-DE" smtClean="0"/>
+              <a:pPr>
+                <a:defRPr/>
+              </a:pPr>
+              <a:t>35</a:t>
+            </a:fld>
+            <a:endParaRPr lang="de-DE" dirty="0"/>
+          </a:p>
+        </p:txBody>
+      </p:sp>
+      <p:sp>
+        <p:nvSpPr>
+          <p:cNvPr id="5" name="Fußzeilenplatzhalter 4"/>
+          <p:cNvSpPr>
+            <a:spLocks noGrp="1"/>
+          </p:cNvSpPr>
+          <p:nvPr>
+            <p:ph type="ftr" sz="quarter" idx="3"/>
+          </p:nvPr>
+        </p:nvSpPr>
+        <p:spPr/>
+        <p:txBody>
+          <a:bodyPr/>
+          <a:lstStyle/>
+          <a:p>
+            <a:r>
+              <a:rPr lang="de-DE" smtClean="0"/>
+              <a:t>Sicherheitsaspekte beim Deployment virtueller Netzinfrastrukturen</a:t>
+            </a:r>
+            <a:endParaRPr lang="de-DE" dirty="0"/>
+          </a:p>
+        </p:txBody>
+      </p:sp>
+    </p:spTree>
+    <p:extLst>
+      <p:ext uri="{BB962C8B-B14F-4D97-AF65-F5344CB8AC3E}">
+        <p14:creationId xmlns:p14="http://schemas.microsoft.com/office/powerpoint/2010/main" val="2073930859"/>
+      </p:ext>
+    </p:extLst>
+  </p:cSld>
+  <p:clrMapOvr>
+    <a:masterClrMapping/>
+  </p:clrMapOvr>
+  <mc:AlternateContent xmlns:mc="http://schemas.openxmlformats.org/markup-compatibility/2006" xmlns:p14="http://schemas.microsoft.com/office/powerpoint/2010/main">
+    <mc:Choice Requires="p14">
+      <p:transition spd="med" p14:dur="700">
+        <p:fade/>
+      </p:transition>
+    </mc:Choice>
+    <mc:Fallback xmlns="">
+      <p:transition spd="med">
+        <p:fade/>
+      </p:transition>
+    </mc:Fallback>
+  </mc:AlternateContent>
+  <p:timing>
+    <p:tnLst>
+      <p:par>
+        <p:cTn id="1" dur="indefinite" restart="never" nodeType="tmRoot"/>
+      </p:par>
+    </p:tnLst>
+  </p:timing>
+</p:sld>
+</file>
+
+<file path=ppt/slides/slide36.xml><?xml version="1.0" encoding="utf-8"?>
+<p:sld xmlns:a="http://schemas.openxmlformats.org/drawingml/2006/main" xmlns:r="http://schemas.openxmlformats.org/officeDocument/2006/relationships" xmlns:p="http://schemas.openxmlformats.org/presentationml/2006/main">
+  <p:cSld>
+    <p:spTree>
+      <p:nvGrpSpPr>
+        <p:cNvPr id="1" name=""/>
+        <p:cNvGrpSpPr/>
+        <p:nvPr/>
+      </p:nvGrpSpPr>
+      <p:grpSpPr>
+        <a:xfrm>
+          <a:off x="0" y="0"/>
+          <a:ext cx="0" cy="0"/>
+          <a:chOff x="0" y="0"/>
+          <a:chExt cx="0" cy="0"/>
+        </a:xfrm>
+      </p:grpSpPr>
+      <p:sp>
+        <p:nvSpPr>
+          <p:cNvPr id="2" name="Titel 1"/>
+          <p:cNvSpPr>
+            <a:spLocks noGrp="1"/>
+          </p:cNvSpPr>
+          <p:nvPr>
+            <p:ph type="title"/>
+          </p:nvPr>
+        </p:nvSpPr>
+        <p:spPr/>
+        <p:txBody>
+          <a:bodyPr/>
+          <a:lstStyle/>
+          <a:p>
+            <a:endParaRPr lang="de-DE" sz="1800" dirty="0"/>
+          </a:p>
+        </p:txBody>
+      </p:sp>
+      <p:sp>
+        <p:nvSpPr>
+          <p:cNvPr id="3" name="Inhaltsplatzhalter 2"/>
+          <p:cNvSpPr>
+            <a:spLocks noGrp="1"/>
+          </p:cNvSpPr>
+          <p:nvPr>
+            <p:ph idx="1"/>
+          </p:nvPr>
+        </p:nvSpPr>
+        <p:spPr/>
+        <p:txBody>
+          <a:bodyPr/>
+          <a:lstStyle/>
+          <a:p>
+            <a:pPr marL="0" indent="0" algn="ctr">
+              <a:buNone/>
+            </a:pPr>
+            <a:endParaRPr lang="de-DE" sz="3200" dirty="0" smtClean="0"/>
+          </a:p>
+          <a:p>
+            <a:pPr marL="0" indent="0" algn="ctr">
+              <a:buNone/>
+            </a:pPr>
+            <a:endParaRPr lang="de-DE" sz="3200" dirty="0"/>
+          </a:p>
+          <a:p>
+            <a:pPr marL="0" indent="0" algn="ctr">
+              <a:buNone/>
+            </a:pPr>
+            <a:endParaRPr lang="de-DE" sz="3200" dirty="0" smtClean="0"/>
+          </a:p>
+          <a:p>
+            <a:pPr marL="0" indent="0" algn="ctr">
+              <a:buNone/>
+            </a:pPr>
+            <a:r>
+              <a:rPr lang="de-DE" sz="3200" dirty="0" smtClean="0"/>
+              <a:t>Vielen Dank für Ihre Aufmerksamkeit!</a:t>
+            </a:r>
+          </a:p>
+          <a:p>
+            <a:pPr marL="0" indent="0" algn="ctr">
+              <a:buNone/>
+            </a:pPr>
+            <a:endParaRPr lang="de-DE" dirty="0" smtClean="0"/>
+          </a:p>
+          <a:p>
+            <a:pPr marL="0" indent="0" algn="ctr">
+              <a:buNone/>
+            </a:pPr>
+            <a:r>
+              <a:rPr lang="de-DE" sz="2000" dirty="0" smtClean="0"/>
+              <a:t>{</a:t>
+            </a:r>
+            <a:r>
+              <a:rPr lang="de-DE" sz="2000" dirty="0" err="1" smtClean="0"/>
+              <a:t>gerhard.groeschl</a:t>
+            </a:r>
+            <a:r>
+              <a:rPr lang="de-DE" sz="2000" dirty="0"/>
+              <a:t>, </a:t>
+            </a:r>
+            <a:r>
+              <a:rPr lang="de-DE" sz="2000" dirty="0" err="1" smtClean="0"/>
+              <a:t>miran.mizani</a:t>
+            </a:r>
+            <a:r>
+              <a:rPr lang="de-DE" sz="2000" dirty="0" smtClean="0"/>
+              <a:t>}@campus.lmu.de</a:t>
+            </a:r>
+            <a:endParaRPr lang="de-DE" sz="2000" dirty="0"/>
+          </a:p>
+        </p:txBody>
+      </p:sp>
+      <p:sp>
+        <p:nvSpPr>
+          <p:cNvPr id="4" name="Foliennummernplatzhalter 3"/>
+          <p:cNvSpPr>
+            <a:spLocks noGrp="1"/>
+          </p:cNvSpPr>
+          <p:nvPr>
+            <p:ph type="sldNum" sz="quarter" idx="4"/>
+          </p:nvPr>
+        </p:nvSpPr>
+        <p:spPr/>
+        <p:txBody>
+          <a:bodyPr/>
+          <a:lstStyle/>
+          <a:p>
+            <a:pPr>
+              <a:defRPr/>
+            </a:pPr>
+            <a:fld id="{70BFFA52-4234-45F6-B1A6-074E24FF43A2}" type="slidenum">
+              <a:rPr lang="de-DE" smtClean="0"/>
+              <a:pPr>
+                <a:defRPr/>
+              </a:pPr>
+              <a:t>36</a:t>
+            </a:fld>
+            <a:endParaRPr lang="de-DE" dirty="0"/>
+          </a:p>
+        </p:txBody>
+      </p:sp>
+      <p:sp>
+        <p:nvSpPr>
           <p:cNvPr id="5" name="Fußzeilenplatzhalter 4"/>
           <p:cNvSpPr>
             <a:spLocks noGrp="1"/>
@@ -16283,13 +18430,13 @@
   <p:clrMapOvr>
     <a:masterClrMapping/>
   </p:clrMapOvr>
-  <mc:AlternateContent xmlns:mc="http://schemas.openxmlformats.org/markup-compatibility/2006">
-    <mc:Choice xmlns:p14="http://schemas.microsoft.com/office/powerpoint/2010/main" Requires="p14">
+  <mc:AlternateContent xmlns:mc="http://schemas.openxmlformats.org/markup-compatibility/2006" xmlns:p14="http://schemas.microsoft.com/office/powerpoint/2010/main">
+    <mc:Choice Requires="p14">
       <p:transition spd="med" p14:dur="700">
         <p:fade/>
       </p:transition>
     </mc:Choice>
-    <mc:Fallback>
+    <mc:Fallback xmlns="">
       <p:transition spd="med">
         <p:fade/>
       </p:transition>
@@ -16374,29 +18521,6 @@
           </a:p>
         </p:txBody>
       </p:sp>
-      <p:sp>
-        <p:nvSpPr>
-          <p:cNvPr id="5" name="Fußzeilenplatzhalter 4"/>
-          <p:cNvSpPr>
-            <a:spLocks noGrp="1"/>
-          </p:cNvSpPr>
-          <p:nvPr>
-            <p:ph type="ftr" sz="quarter" idx="3"/>
-          </p:nvPr>
-        </p:nvSpPr>
-        <p:spPr/>
-        <p:txBody>
-          <a:bodyPr/>
-          <a:lstStyle/>
-          <a:p>
-            <a:r>
-              <a:rPr lang="de-DE" smtClean="0"/>
-              <a:t>Sicherheitsaspekte beim Deployment virtueller Netzinfrastrukturen</a:t>
-            </a:r>
-            <a:endParaRPr lang="de-DE" dirty="0"/>
-          </a:p>
-        </p:txBody>
-      </p:sp>
       <p:pic>
         <p:nvPicPr>
           <p:cNvPr id="6" name="Picture 3" descr="E:\offer.jpg"/>
@@ -16420,7 +18544,7 @@
         </p:blipFill>
         <p:spPr bwMode="auto">
           <a:xfrm>
-            <a:off x="1166492" y="1988840"/>
+            <a:off x="1134962" y="1988840"/>
             <a:ext cx="6883462" cy="3564396"/>
           </a:xfrm>
           <a:prstGeom prst="rect">
@@ -16438,6 +18562,69 @@
           </a:extLst>
         </p:spPr>
       </p:pic>
+      <p:sp>
+        <p:nvSpPr>
+          <p:cNvPr id="3" name="Textfeld 2"/>
+          <p:cNvSpPr txBox="1"/>
+          <p:nvPr/>
+        </p:nvSpPr>
+        <p:spPr>
+          <a:xfrm>
+            <a:off x="2173690" y="5867908"/>
+            <a:ext cx="4778744" cy="338554"/>
+          </a:xfrm>
+          <a:prstGeom prst="rect">
+            <a:avLst/>
+          </a:prstGeom>
+          <a:noFill/>
+        </p:spPr>
+        <p:txBody>
+          <a:bodyPr wrap="none" rtlCol="0">
+            <a:spAutoFit/>
+          </a:bodyPr>
+          <a:lstStyle/>
+          <a:p>
+            <a:pPr algn="ctr"/>
+            <a:r>
+              <a:rPr lang="de-DE" sz="1600" b="1" dirty="0" smtClean="0"/>
+              <a:t>Substratnetz mit Quantifizierung der Merkmale</a:t>
+            </a:r>
+            <a:endParaRPr lang="de-DE" sz="1600" b="1" dirty="0"/>
+          </a:p>
+        </p:txBody>
+      </p:sp>
+      <p:sp>
+        <p:nvSpPr>
+          <p:cNvPr id="7" name="Fußzeilenplatzhalter 1"/>
+          <p:cNvSpPr>
+            <a:spLocks noGrp="1"/>
+          </p:cNvSpPr>
+          <p:nvPr>
+            <p:ph type="ftr" sz="quarter" idx="3"/>
+          </p:nvPr>
+        </p:nvSpPr>
+        <p:spPr>
+          <a:xfrm>
+            <a:off x="165906" y="6459581"/>
+            <a:ext cx="8079570" cy="292104"/>
+          </a:xfrm>
+        </p:spPr>
+        <p:txBody>
+          <a:bodyPr/>
+          <a:lstStyle/>
+          <a:p>
+            <a:r>
+              <a:rPr lang="de-DE" b="1" dirty="0" smtClean="0"/>
+              <a:t>Virtual Network Embedding</a:t>
+            </a:r>
+            <a:r>
+              <a:rPr lang="de-DE" dirty="0" smtClean="0"/>
+              <a:t>      Klassifizierung von Sicherheitsrisiken      SVNE-Algorithmen</a:t>
+            </a:r>
+            <a:endParaRPr lang="de-DE" dirty="0"/>
+          </a:p>
+        </p:txBody>
+      </p:sp>
     </p:spTree>
     <p:extLst>
       <p:ext uri="{BB962C8B-B14F-4D97-AF65-F5344CB8AC3E}">
@@ -16448,13 +18635,13 @@
   <p:clrMapOvr>
     <a:masterClrMapping/>
   </p:clrMapOvr>
-  <mc:AlternateContent xmlns:mc="http://schemas.openxmlformats.org/markup-compatibility/2006">
-    <mc:Choice xmlns:p14="http://schemas.microsoft.com/office/powerpoint/2010/main" Requires="p14">
+  <mc:AlternateContent xmlns:mc="http://schemas.openxmlformats.org/markup-compatibility/2006" xmlns:p14="http://schemas.microsoft.com/office/powerpoint/2010/main">
+    <mc:Choice Requires="p14">
       <p:transition spd="med" p14:dur="700">
         <p:fade/>
       </p:transition>
     </mc:Choice>
-    <mc:Fallback>
+    <mc:Fallback xmlns="">
       <p:transition spd="med">
         <p:fade/>
       </p:transition>
@@ -16539,29 +18726,6 @@
           </a:p>
         </p:txBody>
       </p:sp>
-      <p:sp>
-        <p:nvSpPr>
-          <p:cNvPr id="5" name="Fußzeilenplatzhalter 4"/>
-          <p:cNvSpPr>
-            <a:spLocks noGrp="1"/>
-          </p:cNvSpPr>
-          <p:nvPr>
-            <p:ph type="ftr" sz="quarter" idx="3"/>
-          </p:nvPr>
-        </p:nvSpPr>
-        <p:spPr/>
-        <p:txBody>
-          <a:bodyPr/>
-          <a:lstStyle/>
-          <a:p>
-            <a:r>
-              <a:rPr lang="de-DE" smtClean="0"/>
-              <a:t>Sicherheitsaspekte beim Deployment virtueller Netzinfrastrukturen</a:t>
-            </a:r>
-            <a:endParaRPr lang="de-DE" dirty="0"/>
-          </a:p>
-        </p:txBody>
-      </p:sp>
       <p:pic>
         <p:nvPicPr>
           <p:cNvPr id="1026" name="Picture 2" descr="E:\request.jpg"/>
@@ -16585,7 +18749,7 @@
         </p:blipFill>
         <p:spPr bwMode="auto">
           <a:xfrm>
-            <a:off x="2267744" y="2204864"/>
+            <a:off x="2483768" y="2202572"/>
             <a:ext cx="4168371" cy="3132348"/>
           </a:xfrm>
           <a:prstGeom prst="rect">
@@ -16603,6 +18767,69 @@
           </a:extLst>
         </p:spPr>
       </p:pic>
+      <p:sp>
+        <p:nvSpPr>
+          <p:cNvPr id="6" name="Textfeld 5"/>
+          <p:cNvSpPr txBox="1"/>
+          <p:nvPr/>
+        </p:nvSpPr>
+        <p:spPr>
+          <a:xfrm>
+            <a:off x="3277393" y="5867908"/>
+            <a:ext cx="2571345" cy="338554"/>
+          </a:xfrm>
+          <a:prstGeom prst="rect">
+            <a:avLst/>
+          </a:prstGeom>
+          <a:noFill/>
+        </p:spPr>
+        <p:txBody>
+          <a:bodyPr wrap="none" rtlCol="0">
+            <a:spAutoFit/>
+          </a:bodyPr>
+          <a:lstStyle/>
+          <a:p>
+            <a:pPr algn="ctr"/>
+            <a:r>
+              <a:rPr lang="de-DE" sz="1600" b="1" dirty="0" smtClean="0"/>
+              <a:t>Virtual Network Request</a:t>
+            </a:r>
+            <a:endParaRPr lang="de-DE" sz="1600" b="1" dirty="0"/>
+          </a:p>
+        </p:txBody>
+      </p:sp>
+      <p:sp>
+        <p:nvSpPr>
+          <p:cNvPr id="7" name="Fußzeilenplatzhalter 1"/>
+          <p:cNvSpPr>
+            <a:spLocks noGrp="1"/>
+          </p:cNvSpPr>
+          <p:nvPr>
+            <p:ph type="ftr" sz="quarter" idx="3"/>
+          </p:nvPr>
+        </p:nvSpPr>
+        <p:spPr>
+          <a:xfrm>
+            <a:off x="165906" y="6459581"/>
+            <a:ext cx="8079570" cy="292104"/>
+          </a:xfrm>
+        </p:spPr>
+        <p:txBody>
+          <a:bodyPr/>
+          <a:lstStyle/>
+          <a:p>
+            <a:r>
+              <a:rPr lang="de-DE" b="1" dirty="0" smtClean="0"/>
+              <a:t>Virtual Network Embedding</a:t>
+            </a:r>
+            <a:r>
+              <a:rPr lang="de-DE" dirty="0" smtClean="0"/>
+              <a:t>      Klassifizierung von Sicherheitsrisiken      SVNE-Algorithmen</a:t>
+            </a:r>
+            <a:endParaRPr lang="de-DE" dirty="0"/>
+          </a:p>
+        </p:txBody>
+      </p:sp>
     </p:spTree>
     <p:extLst>
       <p:ext uri="{BB962C8B-B14F-4D97-AF65-F5344CB8AC3E}">
@@ -16613,13 +18840,13 @@
   <p:clrMapOvr>
     <a:masterClrMapping/>
   </p:clrMapOvr>
-  <mc:AlternateContent xmlns:mc="http://schemas.openxmlformats.org/markup-compatibility/2006">
-    <mc:Choice xmlns:p14="http://schemas.microsoft.com/office/powerpoint/2010/main" Requires="p14">
+  <mc:AlternateContent xmlns:mc="http://schemas.openxmlformats.org/markup-compatibility/2006" xmlns:p14="http://schemas.microsoft.com/office/powerpoint/2010/main">
+    <mc:Choice Requires="p14">
       <p:transition spd="med" p14:dur="700">
         <p:fade/>
       </p:transition>
     </mc:Choice>
-    <mc:Fallback>
+    <mc:Fallback xmlns="">
       <p:transition spd="med">
         <p:fade/>
       </p:transition>
@@ -16700,29 +18927,6 @@
               </a:pPr>
               <a:t>6</a:t>
             </a:fld>
-            <a:endParaRPr lang="de-DE" dirty="0"/>
-          </a:p>
-        </p:txBody>
-      </p:sp>
-      <p:sp>
-        <p:nvSpPr>
-          <p:cNvPr id="5" name="Fußzeilenplatzhalter 4"/>
-          <p:cNvSpPr>
-            <a:spLocks noGrp="1"/>
-          </p:cNvSpPr>
-          <p:nvPr>
-            <p:ph type="ftr" sz="quarter" idx="3"/>
-          </p:nvPr>
-        </p:nvSpPr>
-        <p:spPr/>
-        <p:txBody>
-          <a:bodyPr/>
-          <a:lstStyle/>
-          <a:p>
-            <a:r>
-              <a:rPr lang="de-DE" smtClean="0"/>
-              <a:t>Sicherheitsaspekte beim Deployment virtueller Netzinfrastrukturen</a:t>
-            </a:r>
             <a:endParaRPr lang="de-DE" dirty="0"/>
           </a:p>
         </p:txBody>
@@ -16850,6 +19054,38 @@
           </a:extLst>
         </p:spPr>
       </p:pic>
+      <p:sp>
+        <p:nvSpPr>
+          <p:cNvPr id="9" name="Fußzeilenplatzhalter 1"/>
+          <p:cNvSpPr>
+            <a:spLocks noGrp="1"/>
+          </p:cNvSpPr>
+          <p:nvPr>
+            <p:ph type="ftr" sz="quarter" idx="3"/>
+          </p:nvPr>
+        </p:nvSpPr>
+        <p:spPr>
+          <a:xfrm>
+            <a:off x="165906" y="6459581"/>
+            <a:ext cx="8079570" cy="292104"/>
+          </a:xfrm>
+        </p:spPr>
+        <p:txBody>
+          <a:bodyPr/>
+          <a:lstStyle/>
+          <a:p>
+            <a:r>
+              <a:rPr lang="de-DE" b="1" dirty="0" smtClean="0"/>
+              <a:t>Virtual Network Embedding</a:t>
+            </a:r>
+            <a:r>
+              <a:rPr lang="de-DE" dirty="0" smtClean="0"/>
+              <a:t>      Klassifizierung von Sicherheitsrisiken      SVNE-Algorithmen</a:t>
+            </a:r>
+            <a:endParaRPr lang="de-DE" dirty="0"/>
+          </a:p>
+        </p:txBody>
+      </p:sp>
     </p:spTree>
     <p:extLst>
       <p:ext uri="{BB962C8B-B14F-4D97-AF65-F5344CB8AC3E}">
@@ -16860,13 +19096,13 @@
   <p:clrMapOvr>
     <a:masterClrMapping/>
   </p:clrMapOvr>
-  <mc:AlternateContent xmlns:mc="http://schemas.openxmlformats.org/markup-compatibility/2006">
-    <mc:Choice xmlns:p14="http://schemas.microsoft.com/office/powerpoint/2010/main" Requires="p14">
+  <mc:AlternateContent xmlns:mc="http://schemas.openxmlformats.org/markup-compatibility/2006" xmlns:p14="http://schemas.microsoft.com/office/powerpoint/2010/main">
+    <mc:Choice Requires="p14">
       <p:transition spd="med" p14:dur="700">
         <p:fade/>
       </p:transition>
     </mc:Choice>
-    <mc:Fallback>
+    <mc:Fallback xmlns="">
       <p:transition spd="med">
         <p:fade/>
       </p:transition>
@@ -16951,29 +19187,6 @@
           </a:p>
         </p:txBody>
       </p:sp>
-      <p:sp>
-        <p:nvSpPr>
-          <p:cNvPr id="5" name="Fußzeilenplatzhalter 4"/>
-          <p:cNvSpPr>
-            <a:spLocks noGrp="1"/>
-          </p:cNvSpPr>
-          <p:nvPr>
-            <p:ph type="ftr" sz="quarter" idx="3"/>
-          </p:nvPr>
-        </p:nvSpPr>
-        <p:spPr/>
-        <p:txBody>
-          <a:bodyPr/>
-          <a:lstStyle/>
-          <a:p>
-            <a:r>
-              <a:rPr lang="de-DE" smtClean="0"/>
-              <a:t>Sicherheitsaspekte beim Deployment virtueller Netzinfrastrukturen</a:t>
-            </a:r>
-            <a:endParaRPr lang="de-DE" dirty="0"/>
-          </a:p>
-        </p:txBody>
-      </p:sp>
       <p:pic>
         <p:nvPicPr>
           <p:cNvPr id="14" name="Picture 2" descr="E:\formel_phys.png"/>
@@ -16997,7 +19210,7 @@
         </p:blipFill>
         <p:spPr bwMode="auto">
           <a:xfrm>
-            <a:off x="6896" y="1183534"/>
+            <a:off x="6896" y="1199349"/>
             <a:ext cx="2714102" cy="861499"/>
           </a:xfrm>
           <a:prstGeom prst="rect">
@@ -17015,6 +19228,38 @@
           </a:extLst>
         </p:spPr>
       </p:pic>
+      <p:sp>
+        <p:nvSpPr>
+          <p:cNvPr id="6" name="Fußzeilenplatzhalter 1"/>
+          <p:cNvSpPr>
+            <a:spLocks noGrp="1"/>
+          </p:cNvSpPr>
+          <p:nvPr>
+            <p:ph type="ftr" sz="quarter" idx="3"/>
+          </p:nvPr>
+        </p:nvSpPr>
+        <p:spPr>
+          <a:xfrm>
+            <a:off x="165906" y="6459581"/>
+            <a:ext cx="8079570" cy="292104"/>
+          </a:xfrm>
+        </p:spPr>
+        <p:txBody>
+          <a:bodyPr/>
+          <a:lstStyle/>
+          <a:p>
+            <a:r>
+              <a:rPr lang="de-DE" b="1" dirty="0" smtClean="0"/>
+              <a:t>Virtual Network Embedding</a:t>
+            </a:r>
+            <a:r>
+              <a:rPr lang="de-DE" dirty="0" smtClean="0"/>
+              <a:t>      Klassifizierung von Sicherheitsrisiken      SVNE-Algorithmen</a:t>
+            </a:r>
+            <a:endParaRPr lang="de-DE" dirty="0"/>
+          </a:p>
+        </p:txBody>
+      </p:sp>
     </p:spTree>
     <p:extLst>
       <p:ext uri="{BB962C8B-B14F-4D97-AF65-F5344CB8AC3E}">
@@ -17025,13 +19270,13 @@
   <p:clrMapOvr>
     <a:masterClrMapping/>
   </p:clrMapOvr>
-  <mc:AlternateContent xmlns:mc="http://schemas.openxmlformats.org/markup-compatibility/2006">
-    <mc:Choice xmlns:p14="http://schemas.microsoft.com/office/powerpoint/2010/main" Requires="p14">
+  <mc:AlternateContent xmlns:mc="http://schemas.openxmlformats.org/markup-compatibility/2006" xmlns:p14="http://schemas.microsoft.com/office/powerpoint/2010/main">
+    <mc:Choice Requires="p14">
       <p:transition spd="med" p14:dur="700">
         <p:fade/>
       </p:transition>
     </mc:Choice>
-    <mc:Fallback>
+    <mc:Fallback xmlns="">
       <p:transition spd="med">
         <p:fade/>
       </p:transition>
@@ -17112,29 +19357,6 @@
               </a:pPr>
               <a:t>8</a:t>
             </a:fld>
-            <a:endParaRPr lang="de-DE" dirty="0"/>
-          </a:p>
-        </p:txBody>
-      </p:sp>
-      <p:sp>
-        <p:nvSpPr>
-          <p:cNvPr id="5" name="Fußzeilenplatzhalter 4"/>
-          <p:cNvSpPr>
-            <a:spLocks noGrp="1"/>
-          </p:cNvSpPr>
-          <p:nvPr>
-            <p:ph type="ftr" sz="quarter" idx="3"/>
-          </p:nvPr>
-        </p:nvSpPr>
-        <p:spPr/>
-        <p:txBody>
-          <a:bodyPr/>
-          <a:lstStyle/>
-          <a:p>
-            <a:r>
-              <a:rPr lang="de-DE" smtClean="0"/>
-              <a:t>Sicherheitsaspekte beim Deployment virtueller Netzinfrastrukturen</a:t>
-            </a:r>
             <a:endParaRPr lang="de-DE" dirty="0"/>
           </a:p>
         </p:txBody>
@@ -17203,7 +19425,7 @@
         </p:blipFill>
         <p:spPr bwMode="auto">
           <a:xfrm>
-            <a:off x="6896" y="1183534"/>
+            <a:off x="6896" y="1199349"/>
             <a:ext cx="2714102" cy="861499"/>
           </a:xfrm>
           <a:prstGeom prst="rect">
@@ -17221,6 +19443,38 @@
           </a:extLst>
         </p:spPr>
       </p:pic>
+      <p:sp>
+        <p:nvSpPr>
+          <p:cNvPr id="7" name="Fußzeilenplatzhalter 1"/>
+          <p:cNvSpPr>
+            <a:spLocks noGrp="1"/>
+          </p:cNvSpPr>
+          <p:nvPr>
+            <p:ph type="ftr" sz="quarter" idx="3"/>
+          </p:nvPr>
+        </p:nvSpPr>
+        <p:spPr>
+          <a:xfrm>
+            <a:off x="165906" y="6459581"/>
+            <a:ext cx="8079570" cy="292104"/>
+          </a:xfrm>
+        </p:spPr>
+        <p:txBody>
+          <a:bodyPr/>
+          <a:lstStyle/>
+          <a:p>
+            <a:r>
+              <a:rPr lang="de-DE" b="1" dirty="0" smtClean="0"/>
+              <a:t>Virtual Network Embedding</a:t>
+            </a:r>
+            <a:r>
+              <a:rPr lang="de-DE" dirty="0" smtClean="0"/>
+              <a:t>      Klassifizierung von Sicherheitsrisiken      SVNE-Algorithmen</a:t>
+            </a:r>
+            <a:endParaRPr lang="de-DE" dirty="0"/>
+          </a:p>
+        </p:txBody>
+      </p:sp>
     </p:spTree>
     <p:extLst>
       <p:ext uri="{BB962C8B-B14F-4D97-AF65-F5344CB8AC3E}">
@@ -17231,13 +19485,13 @@
   <p:clrMapOvr>
     <a:masterClrMapping/>
   </p:clrMapOvr>
-  <mc:AlternateContent xmlns:mc="http://schemas.openxmlformats.org/markup-compatibility/2006">
-    <mc:Choice xmlns:p14="http://schemas.microsoft.com/office/powerpoint/2010/main" Requires="p14">
+  <mc:AlternateContent xmlns:mc="http://schemas.openxmlformats.org/markup-compatibility/2006" xmlns:p14="http://schemas.microsoft.com/office/powerpoint/2010/main">
+    <mc:Choice Requires="p14">
       <p:transition spd="med" p14:dur="700">
         <p:fade/>
       </p:transition>
     </mc:Choice>
-    <mc:Fallback>
+    <mc:Fallback xmlns="">
       <p:transition spd="med">
         <p:fade/>
       </p:transition>
@@ -17318,29 +19572,6 @@
               </a:pPr>
               <a:t>9</a:t>
             </a:fld>
-            <a:endParaRPr lang="de-DE" dirty="0"/>
-          </a:p>
-        </p:txBody>
-      </p:sp>
-      <p:sp>
-        <p:nvSpPr>
-          <p:cNvPr id="5" name="Fußzeilenplatzhalter 4"/>
-          <p:cNvSpPr>
-            <a:spLocks noGrp="1"/>
-          </p:cNvSpPr>
-          <p:nvPr>
-            <p:ph type="ftr" sz="quarter" idx="3"/>
-          </p:nvPr>
-        </p:nvSpPr>
-        <p:spPr/>
-        <p:txBody>
-          <a:bodyPr/>
-          <a:lstStyle/>
-          <a:p>
-            <a:r>
-              <a:rPr lang="de-DE" smtClean="0"/>
-              <a:t>Sicherheitsaspekte beim Deployment virtueller Netzinfrastrukturen</a:t>
-            </a:r>
             <a:endParaRPr lang="de-DE" dirty="0"/>
           </a:p>
         </p:txBody>
@@ -17495,6 +19726,38 @@
           </a:extLst>
         </p:spPr>
       </p:pic>
+      <p:sp>
+        <p:nvSpPr>
+          <p:cNvPr id="9" name="Fußzeilenplatzhalter 1"/>
+          <p:cNvSpPr>
+            <a:spLocks noGrp="1"/>
+          </p:cNvSpPr>
+          <p:nvPr>
+            <p:ph type="ftr" sz="quarter" idx="3"/>
+          </p:nvPr>
+        </p:nvSpPr>
+        <p:spPr>
+          <a:xfrm>
+            <a:off x="165906" y="6459581"/>
+            <a:ext cx="8079570" cy="292104"/>
+          </a:xfrm>
+        </p:spPr>
+        <p:txBody>
+          <a:bodyPr/>
+          <a:lstStyle/>
+          <a:p>
+            <a:r>
+              <a:rPr lang="de-DE" b="1" dirty="0" smtClean="0"/>
+              <a:t>Virtual Network Embedding</a:t>
+            </a:r>
+            <a:r>
+              <a:rPr lang="de-DE" dirty="0" smtClean="0"/>
+              <a:t>      Klassifizierung von Sicherheitsrisiken      SVNE-Algorithmen</a:t>
+            </a:r>
+            <a:endParaRPr lang="de-DE" dirty="0"/>
+          </a:p>
+        </p:txBody>
+      </p:sp>
     </p:spTree>
     <p:extLst>
       <p:ext uri="{BB962C8B-B14F-4D97-AF65-F5344CB8AC3E}">
@@ -17505,13 +19768,13 @@
   <p:clrMapOvr>
     <a:masterClrMapping/>
   </p:clrMapOvr>
-  <mc:AlternateContent xmlns:mc="http://schemas.openxmlformats.org/markup-compatibility/2006">
-    <mc:Choice xmlns:p14="http://schemas.microsoft.com/office/powerpoint/2010/main" Requires="p14">
+  <mc:AlternateContent xmlns:mc="http://schemas.openxmlformats.org/markup-compatibility/2006" xmlns:p14="http://schemas.microsoft.com/office/powerpoint/2010/main">
+    <mc:Choice Requires="p14">
       <p:transition spd="med" p14:dur="700">
         <p:fade/>
       </p:transition>
     </mc:Choice>
-    <mc:Fallback>
+    <mc:Fallback xmlns="">
       <p:transition spd="med">
         <p:fade/>
       </p:transition>

--- a/Referat/PowerPoint/TimvS_SVNE.pptx
+++ b/Referat/PowerPoint/TimvS_SVNE.pptx
@@ -5,10 +5,10 @@
     <p:sldMasterId id="2147483652" r:id="rId1"/>
   </p:sldMasterIdLst>
   <p:notesMasterIdLst>
-    <p:notesMasterId r:id="rId38"/>
+    <p:notesMasterId r:id="rId37"/>
   </p:notesMasterIdLst>
   <p:handoutMasterIdLst>
-    <p:handoutMasterId r:id="rId39"/>
+    <p:handoutMasterId r:id="rId38"/>
   </p:handoutMasterIdLst>
   <p:sldIdLst>
     <p:sldId id="844" r:id="rId2"/>
@@ -39,14 +39,13 @@
     <p:sldId id="840" r:id="rId27"/>
     <p:sldId id="841" r:id="rId28"/>
     <p:sldId id="870" r:id="rId29"/>
-    <p:sldId id="871" r:id="rId30"/>
-    <p:sldId id="880" r:id="rId31"/>
-    <p:sldId id="874" r:id="rId32"/>
-    <p:sldId id="872" r:id="rId33"/>
-    <p:sldId id="878" r:id="rId34"/>
-    <p:sldId id="879" r:id="rId35"/>
-    <p:sldId id="845" r:id="rId36"/>
-    <p:sldId id="858" r:id="rId37"/>
+    <p:sldId id="880" r:id="rId30"/>
+    <p:sldId id="874" r:id="rId31"/>
+    <p:sldId id="872" r:id="rId32"/>
+    <p:sldId id="878" r:id="rId33"/>
+    <p:sldId id="879" r:id="rId34"/>
+    <p:sldId id="845" r:id="rId35"/>
+    <p:sldId id="858" r:id="rId36"/>
   </p:sldIdLst>
   <p:sldSz cx="9144000" cy="6858000" type="screen4x3"/>
   <p:notesSz cx="6781800" cy="9855200"/>
@@ -2465,7 +2464,7 @@
     </p:spTree>
     <p:extLst>
       <p:ext uri="{BB962C8B-B14F-4D97-AF65-F5344CB8AC3E}">
-        <p14:creationId xmlns:p14="http://schemas.microsoft.com/office/powerpoint/2010/main" val="752673120"/>
+        <p14:creationId xmlns:p14="http://schemas.microsoft.com/office/powerpoint/2010/main" val="842402783"/>
       </p:ext>
     </p:extLst>
   </p:cSld>
@@ -2550,7 +2549,7 @@
     </p:spTree>
     <p:extLst>
       <p:ext uri="{BB962C8B-B14F-4D97-AF65-F5344CB8AC3E}">
-        <p14:creationId xmlns:p14="http://schemas.microsoft.com/office/powerpoint/2010/main" val="842402783"/>
+        <p14:creationId xmlns:p14="http://schemas.microsoft.com/office/powerpoint/2010/main" val="752673120"/>
       </p:ext>
     </p:extLst>
   </p:cSld>
@@ -2805,7 +2804,7 @@
     </p:spTree>
     <p:extLst>
       <p:ext uri="{BB962C8B-B14F-4D97-AF65-F5344CB8AC3E}">
-        <p14:creationId xmlns:p14="http://schemas.microsoft.com/office/powerpoint/2010/main" val="752673120"/>
+        <p14:creationId xmlns:p14="http://schemas.microsoft.com/office/powerpoint/2010/main" val="1213883950"/>
       </p:ext>
     </p:extLst>
   </p:cSld>
@@ -2890,7 +2889,7 @@
     </p:spTree>
     <p:extLst>
       <p:ext uri="{BB962C8B-B14F-4D97-AF65-F5344CB8AC3E}">
-        <p14:creationId xmlns:p14="http://schemas.microsoft.com/office/powerpoint/2010/main" val="1213883950"/>
+        <p14:creationId xmlns:p14="http://schemas.microsoft.com/office/powerpoint/2010/main" val="2058865376"/>
       </p:ext>
     </p:extLst>
   </p:cSld>
@@ -2975,7 +2974,7 @@
     </p:spTree>
     <p:extLst>
       <p:ext uri="{BB962C8B-B14F-4D97-AF65-F5344CB8AC3E}">
-        <p14:creationId xmlns:p14="http://schemas.microsoft.com/office/powerpoint/2010/main" val="2058865376"/>
+        <p14:creationId xmlns:p14="http://schemas.microsoft.com/office/powerpoint/2010/main" val="1348049600"/>
       </p:ext>
     </p:extLst>
   </p:cSld>
@@ -3052,91 +3051,6 @@
               <a:rPr lang="de-DE" smtClean="0"/>
               <a:pPr/>
               <a:t>35</a:t>
-            </a:fld>
-            <a:endParaRPr lang="de-DE"/>
-          </a:p>
-        </p:txBody>
-      </p:sp>
-    </p:spTree>
-    <p:extLst>
-      <p:ext uri="{BB962C8B-B14F-4D97-AF65-F5344CB8AC3E}">
-        <p14:creationId xmlns:p14="http://schemas.microsoft.com/office/powerpoint/2010/main" val="1348049600"/>
-      </p:ext>
-    </p:extLst>
-  </p:cSld>
-  <p:clrMapOvr>
-    <a:masterClrMapping/>
-  </p:clrMapOvr>
-</p:notes>
-</file>
-
-<file path=ppt/notesSlides/notesSlide34.xml><?xml version="1.0" encoding="utf-8"?>
-<p:notes xmlns:a="http://schemas.openxmlformats.org/drawingml/2006/main" xmlns:r="http://schemas.openxmlformats.org/officeDocument/2006/relationships" xmlns:p="http://schemas.openxmlformats.org/presentationml/2006/main">
-  <p:cSld>
-    <p:spTree>
-      <p:nvGrpSpPr>
-        <p:cNvPr id="1" name=""/>
-        <p:cNvGrpSpPr/>
-        <p:nvPr/>
-      </p:nvGrpSpPr>
-      <p:grpSpPr>
-        <a:xfrm>
-          <a:off x="0" y="0"/>
-          <a:ext cx="0" cy="0"/>
-          <a:chOff x="0" y="0"/>
-          <a:chExt cx="0" cy="0"/>
-        </a:xfrm>
-      </p:grpSpPr>
-      <p:sp>
-        <p:nvSpPr>
-          <p:cNvPr id="2" name="Folienbildplatzhalter 1"/>
-          <p:cNvSpPr>
-            <a:spLocks noGrp="1" noRot="1" noChangeAspect="1"/>
-          </p:cNvSpPr>
-          <p:nvPr>
-            <p:ph type="sldImg"/>
-          </p:nvPr>
-        </p:nvSpPr>
-        <p:spPr/>
-      </p:sp>
-      <p:sp>
-        <p:nvSpPr>
-          <p:cNvPr id="3" name="Notizenplatzhalter 2"/>
-          <p:cNvSpPr>
-            <a:spLocks noGrp="1"/>
-          </p:cNvSpPr>
-          <p:nvPr>
-            <p:ph type="body" idx="1"/>
-          </p:nvPr>
-        </p:nvSpPr>
-        <p:spPr/>
-        <p:txBody>
-          <a:bodyPr/>
-          <a:lstStyle/>
-          <a:p>
-            <a:endParaRPr lang="de-DE" dirty="0"/>
-          </a:p>
-        </p:txBody>
-      </p:sp>
-      <p:sp>
-        <p:nvSpPr>
-          <p:cNvPr id="4" name="Foliennummernplatzhalter 3"/>
-          <p:cNvSpPr>
-            <a:spLocks noGrp="1"/>
-          </p:cNvSpPr>
-          <p:nvPr>
-            <p:ph type="sldNum" sz="quarter" idx="10"/>
-          </p:nvPr>
-        </p:nvSpPr>
-        <p:spPr/>
-        <p:txBody>
-          <a:bodyPr/>
-          <a:lstStyle/>
-          <a:p>
-            <a:fld id="{87E9C61A-9B5E-4580-98DD-1AC874081FFB}" type="slidenum">
-              <a:rPr lang="de-DE" smtClean="0"/>
-              <a:pPr/>
-              <a:t>36</a:t>
             </a:fld>
             <a:endParaRPr lang="de-DE"/>
           </a:p>
@@ -14668,53 +14582,6 @@
       </p:sp>
       <p:sp>
         <p:nvSpPr>
-          <p:cNvPr id="9" name="Textfeld 8"/>
-          <p:cNvSpPr txBox="1"/>
-          <p:nvPr/>
-        </p:nvSpPr>
-        <p:spPr>
-          <a:xfrm>
-            <a:off x="359532" y="3104964"/>
-            <a:ext cx="8533644" cy="1323439"/>
-          </a:xfrm>
-          <a:prstGeom prst="rect">
-            <a:avLst/>
-          </a:prstGeom>
-          <a:noFill/>
-        </p:spPr>
-        <p:txBody>
-          <a:bodyPr wrap="square" rtlCol="0">
-            <a:spAutoFit/>
-          </a:bodyPr>
-          <a:lstStyle/>
-          <a:p>
-            <a:endParaRPr lang="de-DE" sz="2000" kern="0" dirty="0">
-              <a:latin typeface="+mn-lt"/>
-            </a:endParaRPr>
-          </a:p>
-          <a:p>
-            <a:endParaRPr lang="de-DE" dirty="0"/>
-          </a:p>
-          <a:p>
-            <a:endParaRPr lang="de-DE" dirty="0" smtClean="0"/>
-          </a:p>
-          <a:p>
-            <a:endParaRPr lang="de-DE" dirty="0" smtClean="0"/>
-          </a:p>
-          <a:p>
-            <a:endParaRPr lang="de-DE" dirty="0"/>
-          </a:p>
-          <a:p>
-            <a:r>
-              <a:rPr lang="de-DE" dirty="0" smtClean="0"/>
-              <a:t>Vektor</a:t>
-            </a:r>
-            <a:endParaRPr lang="de-DE" dirty="0"/>
-          </a:p>
-        </p:txBody>
-      </p:sp>
-      <p:sp>
-        <p:nvSpPr>
           <p:cNvPr id="10" name="Fußzeilenplatzhalter 1"/>
           <p:cNvSpPr>
             <a:spLocks noGrp="1"/>
@@ -14745,6 +14612,273 @@
           </a:p>
         </p:txBody>
       </p:sp>
+      <mc:AlternateContent xmlns:mc="http://schemas.openxmlformats.org/markup-compatibility/2006">
+        <mc:Choice xmlns:a14="http://schemas.microsoft.com/office/drawing/2010/main" Requires="a14">
+          <p:sp>
+            <p:nvSpPr>
+              <p:cNvPr id="3" name="Textfeld 2"/>
+              <p:cNvSpPr txBox="1"/>
+              <p:nvPr/>
+            </p:nvSpPr>
+            <p:spPr>
+              <a:xfrm>
+                <a:off x="3023828" y="3212976"/>
+                <a:ext cx="5544616" cy="2767617"/>
+              </a:xfrm>
+              <a:prstGeom prst="rect">
+                <a:avLst/>
+              </a:prstGeom>
+              <a:noFill/>
+            </p:spPr>
+            <p:txBody>
+              <a:bodyPr wrap="square" rtlCol="0">
+                <a:spAutoFit/>
+              </a:bodyPr>
+              <a:lstStyle/>
+              <a:p>
+                <a:r>
+                  <a:rPr lang="de-DE" sz="2400" dirty="0" smtClean="0">
+                    <a:latin typeface="+mj-lt"/>
+                  </a:rPr>
+                  <a:t>Sicherheitsvektor</a:t>
+                </a:r>
+                <a:r>
+                  <a:rPr lang="de-DE" sz="4400" dirty="0" smtClean="0">
+                    <a:latin typeface="+mj-lt"/>
+                  </a:rPr>
+                  <a:t> </a:t>
+                </a:r>
+                <a:r>
+                  <a:rPr lang="de-DE" sz="3200" b="1" dirty="0" smtClean="0">
+                    <a:latin typeface="+mj-lt"/>
+                  </a:rPr>
+                  <a:t>=</a:t>
+                </a:r>
+                <a:r>
+                  <a:rPr lang="de-DE" sz="4400" dirty="0" smtClean="0">
+                    <a:latin typeface="+mj-lt"/>
+                  </a:rPr>
+                  <a:t> </a:t>
+                </a:r>
+                <a14:m>
+                  <m:oMath xmlns:m="http://schemas.openxmlformats.org/officeDocument/2006/math">
+                    <m:d>
+                      <m:dPr>
+                        <m:ctrlPr>
+                          <a:rPr lang="de-DE" sz="5400" i="1" smtClean="0">
+                            <a:latin typeface="+mj-lt"/>
+                          </a:rPr>
+                        </m:ctrlPr>
+                      </m:dPr>
+                      <m:e>
+                        <m:r>
+                          <a:rPr lang="de-DE" sz="5400" b="0" i="1" smtClean="0">
+                            <a:latin typeface="Cambria Math" panose="02040503050406030204" pitchFamily="18" charset="0"/>
+                          </a:rPr>
+                          <m:t> </m:t>
+                        </m:r>
+                        <m:f>
+                          <m:fPr>
+                            <m:type m:val="noBar"/>
+                            <m:ctrlPr>
+                              <a:rPr lang="de-DE" sz="5400" i="1">
+                                <a:latin typeface="+mj-lt"/>
+                              </a:rPr>
+                            </m:ctrlPr>
+                          </m:fPr>
+                          <m:num>
+                            <m:f>
+                              <m:fPr>
+                                <m:type m:val="noBar"/>
+                                <m:ctrlPr>
+                                  <a:rPr lang="de-DE" sz="5400" i="1">
+                                    <a:latin typeface="+mj-lt"/>
+                                  </a:rPr>
+                                </m:ctrlPr>
+                              </m:fPr>
+                              <m:num>
+                                <m:f>
+                                  <m:fPr>
+                                    <m:type m:val="noBar"/>
+                                    <m:ctrlPr>
+                                      <a:rPr lang="de-DE" sz="5400" i="1">
+                                        <a:latin typeface="+mj-lt"/>
+                                      </a:rPr>
+                                    </m:ctrlPr>
+                                  </m:fPr>
+                                  <m:num>
+                                    <m:r>
+                                      <a:rPr lang="de-DE" sz="5400" b="0" i="1" smtClean="0">
+                                        <a:latin typeface="+mj-lt"/>
+                                      </a:rPr>
+                                      <m:t>…</m:t>
+                                    </m:r>
+                                  </m:num>
+                                  <m:den>
+                                    <m:r>
+                                      <a:rPr lang="de-DE" sz="5400" b="0" i="1" smtClean="0">
+                                        <a:latin typeface="+mj-lt"/>
+                                      </a:rPr>
+                                      <m:t>…</m:t>
+                                    </m:r>
+                                  </m:den>
+                                </m:f>
+                              </m:num>
+                              <m:den>
+                                <m:f>
+                                  <m:fPr>
+                                    <m:type m:val="noBar"/>
+                                    <m:ctrlPr>
+                                      <a:rPr lang="de-DE" sz="5400" i="1">
+                                        <a:latin typeface="+mj-lt"/>
+                                      </a:rPr>
+                                    </m:ctrlPr>
+                                  </m:fPr>
+                                  <m:num>
+                                    <m:r>
+                                      <a:rPr lang="de-DE" sz="5400" b="0" i="1" smtClean="0">
+                                        <a:latin typeface="+mj-lt"/>
+                                      </a:rPr>
+                                      <m:t>7</m:t>
+                                    </m:r>
+                                  </m:num>
+                                  <m:den>
+                                    <m:r>
+                                      <a:rPr lang="de-DE" sz="5400" b="0" i="1" smtClean="0">
+                                        <a:latin typeface="+mj-lt"/>
+                                      </a:rPr>
+                                      <m:t>3</m:t>
+                                    </m:r>
+                                  </m:den>
+                                </m:f>
+                              </m:den>
+                            </m:f>
+                          </m:num>
+                          <m:den>
+                            <m:f>
+                              <m:fPr>
+                                <m:type m:val="noBar"/>
+                                <m:ctrlPr>
+                                  <a:rPr lang="de-DE" sz="5400" i="1">
+                                    <a:latin typeface="+mj-lt"/>
+                                  </a:rPr>
+                                </m:ctrlPr>
+                              </m:fPr>
+                              <m:num>
+                                <m:f>
+                                  <m:fPr>
+                                    <m:type m:val="noBar"/>
+                                    <m:ctrlPr>
+                                      <a:rPr lang="de-DE" sz="5400" i="1">
+                                        <a:latin typeface="+mj-lt"/>
+                                      </a:rPr>
+                                    </m:ctrlPr>
+                                  </m:fPr>
+                                  <m:num>
+                                    <m:r>
+                                      <a:rPr lang="de-DE" sz="5400" b="0" i="1" smtClean="0">
+                                        <a:latin typeface="+mj-lt"/>
+                                      </a:rPr>
+                                      <m:t>9</m:t>
+                                    </m:r>
+                                  </m:num>
+                                  <m:den>
+                                    <m:r>
+                                      <a:rPr lang="de-DE" sz="5400" b="0" i="1" smtClean="0">
+                                        <a:latin typeface="+mj-lt"/>
+                                      </a:rPr>
+                                      <m:t>1</m:t>
+                                    </m:r>
+                                  </m:den>
+                                </m:f>
+                              </m:num>
+                              <m:den>
+                                <m:f>
+                                  <m:fPr>
+                                    <m:type m:val="noBar"/>
+                                    <m:ctrlPr>
+                                      <a:rPr lang="de-DE" sz="5400" i="1">
+                                        <a:latin typeface="+mj-lt"/>
+                                      </a:rPr>
+                                    </m:ctrlPr>
+                                  </m:fPr>
+                                  <m:num>
+                                    <m:r>
+                                      <a:rPr lang="de-DE" sz="5400" b="0" i="1" smtClean="0">
+                                        <a:latin typeface="+mj-lt"/>
+                                      </a:rPr>
+                                      <m:t>…</m:t>
+                                    </m:r>
+                                  </m:num>
+                                  <m:den>
+                                    <m:r>
+                                      <a:rPr lang="de-DE" sz="5400" b="0" i="1" smtClean="0">
+                                        <a:latin typeface="+mj-lt"/>
+                                      </a:rPr>
+                                      <m:t>…</m:t>
+                                    </m:r>
+                                  </m:den>
+                                </m:f>
+                              </m:den>
+                            </m:f>
+                          </m:den>
+                        </m:f>
+                        <m:r>
+                          <a:rPr lang="de-DE" sz="5400" b="0" i="1" smtClean="0">
+                            <a:latin typeface="Cambria Math" panose="02040503050406030204" pitchFamily="18" charset="0"/>
+                          </a:rPr>
+                          <m:t> </m:t>
+                        </m:r>
+                      </m:e>
+                    </m:d>
+                  </m:oMath>
+                </a14:m>
+                <a:endParaRPr lang="de-DE" dirty="0">
+                  <a:latin typeface="+mj-lt"/>
+                </a:endParaRPr>
+              </a:p>
+            </p:txBody>
+          </p:sp>
+        </mc:Choice>
+        <mc:Fallback>
+          <p:sp>
+            <p:nvSpPr>
+              <p:cNvPr id="3" name="Textfeld 2"/>
+              <p:cNvSpPr txBox="1">
+                <a:spLocks noRot="1" noChangeAspect="1" noMove="1" noResize="1" noEditPoints="1" noAdjustHandles="1" noChangeArrowheads="1" noChangeShapeType="1" noTextEdit="1"/>
+              </p:cNvSpPr>
+              <p:nvPr/>
+            </p:nvSpPr>
+            <p:spPr>
+              <a:xfrm>
+                <a:off x="3023828" y="3212976"/>
+                <a:ext cx="5544616" cy="2767617"/>
+              </a:xfrm>
+              <a:prstGeom prst="rect">
+                <a:avLst/>
+              </a:prstGeom>
+              <a:blipFill rotWithShape="0">
+                <a:blip r:embed="rId3"/>
+                <a:stretch>
+                  <a:fillRect l="-1648"/>
+                </a:stretch>
+              </a:blipFill>
+            </p:spPr>
+            <p:txBody>
+              <a:bodyPr/>
+              <a:lstStyle/>
+              <a:p>
+                <a:r>
+                  <a:rPr lang="de-DE">
+                    <a:noFill/>
+                  </a:rPr>
+                  <a:t> </a:t>
+                </a:r>
+              </a:p>
+            </p:txBody>
+          </p:sp>
+        </mc:Fallback>
+      </mc:AlternateContent>
     </p:spTree>
     <p:extLst>
       <p:ext uri="{BB962C8B-B14F-4D97-AF65-F5344CB8AC3E}">
@@ -14848,853 +14982,6 @@
                 <a:defRPr/>
               </a:pPr>
               <a:t>29</a:t>
-            </a:fld>
-            <a:endParaRPr lang="de-DE" dirty="0"/>
-          </a:p>
-        </p:txBody>
-      </p:sp>
-      <p:sp>
-        <p:nvSpPr>
-          <p:cNvPr id="6" name="Textfeld 5"/>
-          <p:cNvSpPr txBox="1"/>
-          <p:nvPr/>
-        </p:nvSpPr>
-        <p:spPr>
-          <a:xfrm>
-            <a:off x="143508" y="6225899"/>
-            <a:ext cx="8944821" cy="276999"/>
-          </a:xfrm>
-          <a:prstGeom prst="rect">
-            <a:avLst/>
-          </a:prstGeom>
-          <a:noFill/>
-        </p:spPr>
-        <p:txBody>
-          <a:bodyPr wrap="none" rtlCol="0">
-            <a:spAutoFit/>
-          </a:bodyPr>
-          <a:lstStyle/>
-          <a:p>
-            <a:r>
-              <a:rPr lang="de-DE" dirty="0" smtClean="0"/>
-              <a:t>[1] </a:t>
-            </a:r>
-            <a:r>
-              <a:rPr lang="en-US" dirty="0"/>
-              <a:t>Yang Wang, </a:t>
-            </a:r>
-            <a:r>
-              <a:rPr lang="en-US" dirty="0" err="1"/>
-              <a:t>Phanvu</a:t>
-            </a:r>
-            <a:r>
-              <a:rPr lang="en-US" dirty="0"/>
-              <a:t> Chau und </a:t>
-            </a:r>
-            <a:r>
-              <a:rPr lang="en-US" dirty="0" err="1"/>
-              <a:t>Fuyu</a:t>
-            </a:r>
-            <a:r>
-              <a:rPr lang="en-US" dirty="0"/>
-              <a:t> Chen. Towards a secured network virtualization. </a:t>
-            </a:r>
-            <a:r>
-              <a:rPr lang="de-DE" i="1" dirty="0"/>
-              <a:t>Computer Networks</a:t>
-            </a:r>
-            <a:r>
-              <a:rPr lang="de-DE" dirty="0"/>
-              <a:t>, 104:55–65, 2016</a:t>
-            </a:r>
-            <a:r>
-              <a:rPr lang="de-DE" dirty="0" smtClean="0"/>
-              <a:t>.</a:t>
-            </a:r>
-            <a:endParaRPr lang="de-DE" dirty="0"/>
-          </a:p>
-        </p:txBody>
-      </p:sp>
-      <p:sp>
-        <p:nvSpPr>
-          <p:cNvPr id="7" name="Textfeld 6"/>
-          <p:cNvSpPr txBox="1"/>
-          <p:nvPr/>
-        </p:nvSpPr>
-        <p:spPr>
-          <a:xfrm>
-            <a:off x="3330266" y="692696"/>
-            <a:ext cx="269626" cy="276999"/>
-          </a:xfrm>
-          <a:prstGeom prst="rect">
-            <a:avLst/>
-          </a:prstGeom>
-          <a:noFill/>
-        </p:spPr>
-        <p:txBody>
-          <a:bodyPr wrap="none" rtlCol="0">
-            <a:spAutoFit/>
-          </a:bodyPr>
-          <a:lstStyle/>
-          <a:p>
-            <a:r>
-              <a:rPr lang="de-DE" b="1" dirty="0" smtClean="0"/>
-              <a:t>1</a:t>
-            </a:r>
-            <a:endParaRPr lang="de-DE" b="1" dirty="0"/>
-          </a:p>
-        </p:txBody>
-      </p:sp>
-      <p:sp>
-        <p:nvSpPr>
-          <p:cNvPr id="8" name="Inhaltsplatzhalter 2"/>
-          <p:cNvSpPr txBox="1">
-            <a:spLocks/>
-          </p:cNvSpPr>
-          <p:nvPr/>
-        </p:nvSpPr>
-        <p:spPr bwMode="auto">
-          <a:xfrm>
-            <a:off x="226954" y="1347759"/>
-            <a:ext cx="8666222" cy="1469173"/>
-          </a:xfrm>
-          <a:prstGeom prst="rect">
-            <a:avLst/>
-          </a:prstGeom>
-          <a:noFill/>
-          <a:ln w="9525">
-            <a:noFill/>
-            <a:miter lim="800000"/>
-            <a:headEnd/>
-            <a:tailEnd/>
-          </a:ln>
-        </p:spPr>
-        <p:txBody>
-          <a:bodyPr vert="horz" wrap="square" lIns="91440" tIns="45720" rIns="91440" bIns="45720" numCol="1" anchor="t" anchorCtr="0" compatLnSpc="1">
-            <a:prstTxWarp prst="textNoShape">
-              <a:avLst/>
-            </a:prstTxWarp>
-          </a:bodyPr>
-          <a:lstStyle>
-            <a:lvl1pPr marL="342900" indent="-342900" algn="l" rtl="0" eaLnBrk="0" fontAlgn="base" hangingPunct="0">
-              <a:lnSpc>
-                <a:spcPct val="100000"/>
-              </a:lnSpc>
-              <a:spcBef>
-                <a:spcPts val="0"/>
-              </a:spcBef>
-              <a:spcAft>
-                <a:spcPts val="600"/>
-              </a:spcAft>
-              <a:buClrTx/>
-              <a:buChar char="•"/>
-              <a:defRPr sz="2400">
-                <a:solidFill>
-                  <a:schemeClr val="tx1"/>
-                </a:solidFill>
-                <a:latin typeface="+mn-lt"/>
-                <a:ea typeface="+mn-ea"/>
-                <a:cs typeface="+mn-cs"/>
-              </a:defRPr>
-            </a:lvl1pPr>
-            <a:lvl2pPr marL="742950" indent="-285750" algn="l" rtl="0" eaLnBrk="0" fontAlgn="base" hangingPunct="0">
-              <a:lnSpc>
-                <a:spcPct val="100000"/>
-              </a:lnSpc>
-              <a:spcBef>
-                <a:spcPts val="0"/>
-              </a:spcBef>
-              <a:spcAft>
-                <a:spcPts val="600"/>
-              </a:spcAft>
-              <a:buClrTx/>
-              <a:buFont typeface="Times" pitchFamily="18" charset="0"/>
-              <a:buChar char="•"/>
-              <a:defRPr sz="1600">
-                <a:solidFill>
-                  <a:schemeClr val="tx1"/>
-                </a:solidFill>
-                <a:latin typeface="+mn-lt"/>
-              </a:defRPr>
-            </a:lvl2pPr>
-            <a:lvl3pPr marL="1143000" indent="-228600" algn="l" rtl="0" eaLnBrk="0" fontAlgn="base" hangingPunct="0">
-              <a:lnSpc>
-                <a:spcPct val="100000"/>
-              </a:lnSpc>
-              <a:spcBef>
-                <a:spcPts val="0"/>
-              </a:spcBef>
-              <a:spcAft>
-                <a:spcPts val="600"/>
-              </a:spcAft>
-              <a:buClrTx/>
-              <a:buFont typeface="LMU CompatilFact" pitchFamily="2" charset="0"/>
-              <a:buChar char="–"/>
-              <a:defRPr sz="1600">
-                <a:solidFill>
-                  <a:schemeClr val="tx1"/>
-                </a:solidFill>
-                <a:latin typeface="+mn-lt"/>
-              </a:defRPr>
-            </a:lvl3pPr>
-            <a:lvl4pPr marL="1562100" indent="-228600" algn="l" rtl="0" eaLnBrk="0" fontAlgn="base" hangingPunct="0">
-              <a:lnSpc>
-                <a:spcPct val="100000"/>
-              </a:lnSpc>
-              <a:spcBef>
-                <a:spcPts val="0"/>
-              </a:spcBef>
-              <a:spcAft>
-                <a:spcPts val="600"/>
-              </a:spcAft>
-              <a:buClrTx/>
-              <a:buChar char="-"/>
-              <a:defRPr sz="1600">
-                <a:solidFill>
-                  <a:schemeClr val="tx1"/>
-                </a:solidFill>
-                <a:latin typeface="+mn-lt"/>
-              </a:defRPr>
-            </a:lvl4pPr>
-            <a:lvl5pPr marL="1981200" indent="-228600" algn="l" rtl="0" eaLnBrk="0" fontAlgn="base" hangingPunct="0">
-              <a:lnSpc>
-                <a:spcPct val="100000"/>
-              </a:lnSpc>
-              <a:spcBef>
-                <a:spcPts val="0"/>
-              </a:spcBef>
-              <a:spcAft>
-                <a:spcPts val="600"/>
-              </a:spcAft>
-              <a:buClrTx/>
-              <a:buChar char="»"/>
-              <a:defRPr sz="1600">
-                <a:solidFill>
-                  <a:schemeClr val="tx1"/>
-                </a:solidFill>
-                <a:latin typeface="+mn-lt"/>
-              </a:defRPr>
-            </a:lvl5pPr>
-            <a:lvl6pPr marL="2438400" indent="-228600" algn="l" rtl="0" fontAlgn="base">
-              <a:spcBef>
-                <a:spcPct val="20000"/>
-              </a:spcBef>
-              <a:spcAft>
-                <a:spcPct val="0"/>
-              </a:spcAft>
-              <a:defRPr sz="1600">
-                <a:solidFill>
-                  <a:srgbClr val="006C30"/>
-                </a:solidFill>
-                <a:latin typeface="+mn-lt"/>
-              </a:defRPr>
-            </a:lvl6pPr>
-            <a:lvl7pPr marL="2895600" indent="-228600" algn="l" rtl="0" fontAlgn="base">
-              <a:spcBef>
-                <a:spcPct val="20000"/>
-              </a:spcBef>
-              <a:spcAft>
-                <a:spcPct val="0"/>
-              </a:spcAft>
-              <a:defRPr sz="1600">
-                <a:solidFill>
-                  <a:srgbClr val="006C30"/>
-                </a:solidFill>
-                <a:latin typeface="+mn-lt"/>
-              </a:defRPr>
-            </a:lvl7pPr>
-            <a:lvl8pPr marL="3352800" indent="-228600" algn="l" rtl="0" fontAlgn="base">
-              <a:spcBef>
-                <a:spcPct val="20000"/>
-              </a:spcBef>
-              <a:spcAft>
-                <a:spcPct val="0"/>
-              </a:spcAft>
-              <a:defRPr sz="1600">
-                <a:solidFill>
-                  <a:srgbClr val="006C30"/>
-                </a:solidFill>
-                <a:latin typeface="+mn-lt"/>
-              </a:defRPr>
-            </a:lvl8pPr>
-            <a:lvl9pPr marL="3810000" indent="-228600" algn="l" rtl="0" fontAlgn="base">
-              <a:spcBef>
-                <a:spcPct val="20000"/>
-              </a:spcBef>
-              <a:spcAft>
-                <a:spcPct val="0"/>
-              </a:spcAft>
-              <a:defRPr sz="1600">
-                <a:solidFill>
-                  <a:srgbClr val="006C30"/>
-                </a:solidFill>
-                <a:latin typeface="+mn-lt"/>
-              </a:defRPr>
-            </a:lvl9pPr>
-          </a:lstStyle>
-          <a:p>
-            <a:pPr marL="0" indent="0">
-              <a:buFontTx/>
-              <a:buNone/>
-            </a:pPr>
-            <a:r>
-              <a:rPr lang="de-DE" kern="0" dirty="0" smtClean="0"/>
-              <a:t>SVNE-Ansatz 2:</a:t>
-            </a:r>
-          </a:p>
-          <a:p>
-            <a:r>
-              <a:rPr lang="de-DE" kern="0" dirty="0" smtClean="0"/>
-              <a:t>Flexible Sicherheitsvektoren</a:t>
-            </a:r>
-          </a:p>
-          <a:p>
-            <a:r>
-              <a:rPr lang="de-DE" kern="0" dirty="0" smtClean="0"/>
-              <a:t>4 Grundregeln</a:t>
-            </a:r>
-          </a:p>
-          <a:p>
-            <a:r>
-              <a:rPr lang="de-DE" kern="0" dirty="0" smtClean="0"/>
-              <a:t>2 Algorithmen</a:t>
-            </a:r>
-            <a:endParaRPr lang="de-DE" kern="0" dirty="0"/>
-          </a:p>
-        </p:txBody>
-      </p:sp>
-      <p:sp>
-        <p:nvSpPr>
-          <p:cNvPr id="9" name="Textfeld 8"/>
-          <p:cNvSpPr txBox="1"/>
-          <p:nvPr/>
-        </p:nvSpPr>
-        <p:spPr>
-          <a:xfrm>
-            <a:off x="359532" y="3104964"/>
-            <a:ext cx="8533644" cy="1323439"/>
-          </a:xfrm>
-          <a:prstGeom prst="rect">
-            <a:avLst/>
-          </a:prstGeom>
-          <a:noFill/>
-        </p:spPr>
-        <p:txBody>
-          <a:bodyPr wrap="square" rtlCol="0">
-            <a:spAutoFit/>
-          </a:bodyPr>
-          <a:lstStyle/>
-          <a:p>
-            <a:endParaRPr lang="de-DE" sz="2000" kern="0" dirty="0">
-              <a:latin typeface="+mn-lt"/>
-            </a:endParaRPr>
-          </a:p>
-          <a:p>
-            <a:endParaRPr lang="de-DE" dirty="0"/>
-          </a:p>
-          <a:p>
-            <a:endParaRPr lang="de-DE" dirty="0" smtClean="0"/>
-          </a:p>
-          <a:p>
-            <a:endParaRPr lang="de-DE" dirty="0" smtClean="0"/>
-          </a:p>
-          <a:p>
-            <a:endParaRPr lang="de-DE" dirty="0"/>
-          </a:p>
-          <a:p>
-            <a:r>
-              <a:rPr lang="de-DE" dirty="0" smtClean="0"/>
-              <a:t>Vektor, 4 Regeln</a:t>
-            </a:r>
-            <a:endParaRPr lang="de-DE" dirty="0"/>
-          </a:p>
-        </p:txBody>
-      </p:sp>
-      <p:sp>
-        <p:nvSpPr>
-          <p:cNvPr id="10" name="Fußzeilenplatzhalter 1"/>
-          <p:cNvSpPr>
-            <a:spLocks noGrp="1"/>
-          </p:cNvSpPr>
-          <p:nvPr>
-            <p:ph type="ftr" sz="quarter" idx="3"/>
-          </p:nvPr>
-        </p:nvSpPr>
-        <p:spPr>
-          <a:xfrm>
-            <a:off x="165906" y="6459581"/>
-            <a:ext cx="8079570" cy="292104"/>
-          </a:xfrm>
-        </p:spPr>
-        <p:txBody>
-          <a:bodyPr/>
-          <a:lstStyle/>
-          <a:p>
-            <a:r>
-              <a:rPr lang="de-DE" dirty="0" smtClean="0"/>
-              <a:t>Virtual Network Embedding      Klassifizierung von Sicherheitsrisiken      </a:t>
-            </a:r>
-            <a:r>
-              <a:rPr lang="de-DE" b="1" dirty="0" smtClean="0"/>
-              <a:t>SVNE-Algorithmen</a:t>
-            </a:r>
-            <a:endParaRPr lang="de-DE" b="1" dirty="0"/>
-          </a:p>
-        </p:txBody>
-      </p:sp>
-    </p:spTree>
-    <p:extLst>
-      <p:ext uri="{BB962C8B-B14F-4D97-AF65-F5344CB8AC3E}">
-        <p14:creationId xmlns:p14="http://schemas.microsoft.com/office/powerpoint/2010/main" val="159960302"/>
-      </p:ext>
-    </p:extLst>
-  </p:cSld>
-  <p:clrMapOvr>
-    <a:masterClrMapping/>
-  </p:clrMapOvr>
-  <mc:AlternateContent xmlns:mc="http://schemas.openxmlformats.org/markup-compatibility/2006" xmlns:p14="http://schemas.microsoft.com/office/powerpoint/2010/main">
-    <mc:Choice Requires="p14">
-      <p:transition spd="med" p14:dur="700">
-        <p:fade/>
-      </p:transition>
-    </mc:Choice>
-    <mc:Fallback xmlns="">
-      <p:transition spd="med">
-        <p:fade/>
-      </p:transition>
-    </mc:Fallback>
-  </mc:AlternateContent>
-  <p:timing>
-    <p:tnLst>
-      <p:par>
-        <p:cTn id="1" dur="indefinite" restart="never" nodeType="tmRoot"/>
-      </p:par>
-    </p:tnLst>
-  </p:timing>
-</p:sld>
-</file>
-
-<file path=ppt/slides/slide3.xml><?xml version="1.0" encoding="utf-8"?>
-<p:sld xmlns:a="http://schemas.openxmlformats.org/drawingml/2006/main" xmlns:r="http://schemas.openxmlformats.org/officeDocument/2006/relationships" xmlns:p="http://schemas.openxmlformats.org/presentationml/2006/main">
-  <p:cSld>
-    <p:spTree>
-      <p:nvGrpSpPr>
-        <p:cNvPr id="1" name=""/>
-        <p:cNvGrpSpPr/>
-        <p:nvPr/>
-      </p:nvGrpSpPr>
-      <p:grpSpPr>
-        <a:xfrm>
-          <a:off x="0" y="0"/>
-          <a:ext cx="0" cy="0"/>
-          <a:chOff x="0" y="0"/>
-          <a:chExt cx="0" cy="0"/>
-        </a:xfrm>
-      </p:grpSpPr>
-      <p:sp>
-        <p:nvSpPr>
-          <p:cNvPr id="2" name="Titel 1"/>
-          <p:cNvSpPr>
-            <a:spLocks noGrp="1"/>
-          </p:cNvSpPr>
-          <p:nvPr>
-            <p:ph type="title"/>
-          </p:nvPr>
-        </p:nvSpPr>
-        <p:spPr/>
-        <p:txBody>
-          <a:bodyPr/>
-          <a:lstStyle/>
-          <a:p>
-            <a:r>
-              <a:rPr lang="de-DE" dirty="0" smtClean="0"/>
-              <a:t>Motivation</a:t>
-            </a:r>
-            <a:endParaRPr lang="de-DE" dirty="0"/>
-          </a:p>
-        </p:txBody>
-      </p:sp>
-      <p:sp>
-        <p:nvSpPr>
-          <p:cNvPr id="3" name="Inhaltsplatzhalter 2"/>
-          <p:cNvSpPr>
-            <a:spLocks noGrp="1"/>
-          </p:cNvSpPr>
-          <p:nvPr>
-            <p:ph idx="1"/>
-          </p:nvPr>
-        </p:nvSpPr>
-        <p:spPr/>
-        <p:txBody>
-          <a:bodyPr/>
-          <a:lstStyle/>
-          <a:p>
-            <a:r>
-              <a:rPr lang="de-DE" dirty="0" smtClean="0"/>
-              <a:t>Anforderungen an Netzstrukturen ändern sich häufig</a:t>
-            </a:r>
-          </a:p>
-          <a:p>
-            <a:endParaRPr lang="de-DE" dirty="0" smtClean="0"/>
-          </a:p>
-          <a:p>
-            <a:r>
-              <a:rPr lang="de-DE" dirty="0" err="1" smtClean="0"/>
-              <a:t>Netzvirtualisierung</a:t>
-            </a:r>
-            <a:r>
-              <a:rPr lang="de-DE" dirty="0" smtClean="0"/>
-              <a:t> bietet Möglichkeit zur Abstraktion von der eingesetzten Hardware </a:t>
-            </a:r>
-            <a:r>
-              <a:rPr lang="de-DE" dirty="0" smtClean="0">
-                <a:sym typeface="Wingdings" panose="05000000000000000000" pitchFamily="2" charset="2"/>
-              </a:rPr>
-              <a:t> Aufbau logischer Netze</a:t>
-            </a:r>
-          </a:p>
-          <a:p>
-            <a:endParaRPr lang="de-DE" dirty="0" smtClean="0">
-              <a:sym typeface="Wingdings" panose="05000000000000000000" pitchFamily="2" charset="2"/>
-            </a:endParaRPr>
-          </a:p>
-          <a:p>
-            <a:r>
-              <a:rPr lang="de-DE" dirty="0" smtClean="0">
-                <a:sym typeface="Wingdings" panose="05000000000000000000" pitchFamily="2" charset="2"/>
-              </a:rPr>
-              <a:t>Virtual Network Embedding (VNE) bislang nur hinsichtlich Performance optimiert</a:t>
-            </a:r>
-          </a:p>
-          <a:p>
-            <a:endParaRPr lang="de-DE" dirty="0" smtClean="0">
-              <a:sym typeface="Wingdings" panose="05000000000000000000" pitchFamily="2" charset="2"/>
-            </a:endParaRPr>
-          </a:p>
-          <a:p>
-            <a:r>
-              <a:rPr lang="de-DE" dirty="0" smtClean="0">
-                <a:sym typeface="Wingdings" panose="05000000000000000000" pitchFamily="2" charset="2"/>
-              </a:rPr>
-              <a:t>Sicherheitsaspekte meist außer Acht gelassen</a:t>
-            </a:r>
-            <a:br>
-              <a:rPr lang="de-DE" dirty="0" smtClean="0">
-                <a:sym typeface="Wingdings" panose="05000000000000000000" pitchFamily="2" charset="2"/>
-              </a:rPr>
-            </a:br>
-            <a:r>
-              <a:rPr lang="de-DE" dirty="0" smtClean="0">
-                <a:sym typeface="Wingdings" panose="05000000000000000000" pitchFamily="2" charset="2"/>
-              </a:rPr>
-              <a:t>=&gt; Integration solcher in den VNE-Prozess (</a:t>
-            </a:r>
-            <a:r>
-              <a:rPr lang="de-DE" dirty="0" err="1" smtClean="0">
-                <a:sym typeface="Wingdings" panose="05000000000000000000" pitchFamily="2" charset="2"/>
-              </a:rPr>
-              <a:t>SecureVNE</a:t>
-            </a:r>
-            <a:r>
-              <a:rPr lang="de-DE" dirty="0" smtClean="0">
-                <a:sym typeface="Wingdings" panose="05000000000000000000" pitchFamily="2" charset="2"/>
-              </a:rPr>
-              <a:t>)</a:t>
-            </a:r>
-            <a:endParaRPr lang="de-DE" dirty="0"/>
-          </a:p>
-        </p:txBody>
-      </p:sp>
-      <p:sp>
-        <p:nvSpPr>
-          <p:cNvPr id="4" name="Foliennummernplatzhalter 3"/>
-          <p:cNvSpPr>
-            <a:spLocks noGrp="1"/>
-          </p:cNvSpPr>
-          <p:nvPr>
-            <p:ph type="sldNum" sz="quarter" idx="4"/>
-          </p:nvPr>
-        </p:nvSpPr>
-        <p:spPr/>
-        <p:txBody>
-          <a:bodyPr/>
-          <a:lstStyle/>
-          <a:p>
-            <a:pPr>
-              <a:defRPr/>
-            </a:pPr>
-            <a:fld id="{70BFFA52-4234-45F6-B1A6-074E24FF43A2}" type="slidenum">
-              <a:rPr lang="de-DE" smtClean="0"/>
-              <a:pPr>
-                <a:defRPr/>
-              </a:pPr>
-              <a:t>3</a:t>
-            </a:fld>
-            <a:endParaRPr lang="de-DE" dirty="0"/>
-          </a:p>
-        </p:txBody>
-      </p:sp>
-      <p:sp>
-        <p:nvSpPr>
-          <p:cNvPr id="5" name="Fußzeilenplatzhalter 4"/>
-          <p:cNvSpPr>
-            <a:spLocks noGrp="1"/>
-          </p:cNvSpPr>
-          <p:nvPr>
-            <p:ph type="ftr" sz="quarter" idx="3"/>
-          </p:nvPr>
-        </p:nvSpPr>
-        <p:spPr/>
-        <p:txBody>
-          <a:bodyPr/>
-          <a:lstStyle/>
-          <a:p>
-            <a:r>
-              <a:rPr lang="de-DE" dirty="0" smtClean="0"/>
-              <a:t>Sicherheitsaspekte beim </a:t>
-            </a:r>
-            <a:r>
-              <a:rPr lang="de-DE" dirty="0" err="1" smtClean="0"/>
-              <a:t>Deployment</a:t>
-            </a:r>
-            <a:r>
-              <a:rPr lang="de-DE" dirty="0" smtClean="0"/>
-              <a:t> virtueller Netzinfrastrukturen</a:t>
-            </a:r>
-            <a:endParaRPr lang="de-DE" dirty="0"/>
-          </a:p>
-        </p:txBody>
-      </p:sp>
-    </p:spTree>
-    <p:extLst>
-      <p:ext uri="{BB962C8B-B14F-4D97-AF65-F5344CB8AC3E}">
-        <p14:creationId xmlns:p14="http://schemas.microsoft.com/office/powerpoint/2010/main" val="3273344848"/>
-      </p:ext>
-    </p:extLst>
-  </p:cSld>
-  <p:clrMapOvr>
-    <a:masterClrMapping/>
-  </p:clrMapOvr>
-  <mc:AlternateContent xmlns:mc="http://schemas.openxmlformats.org/markup-compatibility/2006" xmlns:p14="http://schemas.microsoft.com/office/powerpoint/2010/main">
-    <mc:Choice Requires="p14">
-      <p:transition spd="med" p14:dur="700">
-        <p:fade/>
-      </p:transition>
-    </mc:Choice>
-    <mc:Fallback xmlns="">
-      <p:transition spd="med">
-        <p:fade/>
-      </p:transition>
-    </mc:Fallback>
-  </mc:AlternateContent>
-  <p:timing>
-    <p:tnLst>
-      <p:par>
-        <p:cTn id="1" dur="indefinite" restart="never" nodeType="tmRoot">
-          <p:childTnLst>
-            <p:seq concurrent="1" nextAc="seek">
-              <p:cTn id="2" dur="indefinite" nodeType="mainSeq">
-                <p:childTnLst>
-                  <p:par>
-                    <p:cTn id="3" fill="hold">
-                      <p:stCondLst>
-                        <p:cond delay="indefinite"/>
-                      </p:stCondLst>
-                      <p:childTnLst>
-                        <p:par>
-                          <p:cTn id="4" fill="hold">
-                            <p:stCondLst>
-                              <p:cond delay="0"/>
-                            </p:stCondLst>
-                            <p:childTnLst>
-                              <p:par>
-                                <p:cTn id="5" presetID="10" presetClass="entr" presetSubtype="0" fill="hold" nodeType="clickEffect">
-                                  <p:stCondLst>
-                                    <p:cond delay="0"/>
-                                  </p:stCondLst>
-                                  <p:childTnLst>
-                                    <p:set>
-                                      <p:cBhvr>
-                                        <p:cTn id="6" dur="1" fill="hold">
-                                          <p:stCondLst>
-                                            <p:cond delay="0"/>
-                                          </p:stCondLst>
-                                        </p:cTn>
-                                        <p:tgtEl>
-                                          <p:spTgt spid="3">
-                                            <p:txEl>
-                                              <p:pRg st="4" end="4"/>
-                                            </p:txEl>
-                                          </p:spTgt>
-                                        </p:tgtEl>
-                                        <p:attrNameLst>
-                                          <p:attrName>style.visibility</p:attrName>
-                                        </p:attrNameLst>
-                                      </p:cBhvr>
-                                      <p:to>
-                                        <p:strVal val="visible"/>
-                                      </p:to>
-                                    </p:set>
-                                    <p:animEffect transition="in" filter="fade">
-                                      <p:cBhvr>
-                                        <p:cTn id="7" dur="500"/>
-                                        <p:tgtEl>
-                                          <p:spTgt spid="3">
-                                            <p:txEl>
-                                              <p:pRg st="4" end="4"/>
-                                            </p:txEl>
-                                          </p:spTgt>
-                                        </p:tgtEl>
-                                      </p:cBhvr>
-                                    </p:animEffect>
-                                  </p:childTnLst>
-                                </p:cTn>
-                              </p:par>
-                              <p:par>
-                                <p:cTn id="8" presetID="10" presetClass="entr" presetSubtype="0" fill="hold" nodeType="withEffect">
-                                  <p:stCondLst>
-                                    <p:cond delay="0"/>
-                                  </p:stCondLst>
-                                  <p:childTnLst>
-                                    <p:set>
-                                      <p:cBhvr>
-                                        <p:cTn id="9" dur="1" fill="hold">
-                                          <p:stCondLst>
-                                            <p:cond delay="0"/>
-                                          </p:stCondLst>
-                                        </p:cTn>
-                                        <p:tgtEl>
-                                          <p:spTgt spid="3">
-                                            <p:txEl>
-                                              <p:pRg st="6" end="6"/>
-                                            </p:txEl>
-                                          </p:spTgt>
-                                        </p:tgtEl>
-                                        <p:attrNameLst>
-                                          <p:attrName>style.visibility</p:attrName>
-                                        </p:attrNameLst>
-                                      </p:cBhvr>
-                                      <p:to>
-                                        <p:strVal val="visible"/>
-                                      </p:to>
-                                    </p:set>
-                                    <p:animEffect transition="in" filter="fade">
-                                      <p:cBhvr>
-                                        <p:cTn id="10" dur="500"/>
-                                        <p:tgtEl>
-                                          <p:spTgt spid="3">
-                                            <p:txEl>
-                                              <p:pRg st="6" end="6"/>
-                                            </p:txEl>
-                                          </p:spTgt>
-                                        </p:tgtEl>
-                                      </p:cBhvr>
-                                    </p:animEffect>
-                                  </p:childTnLst>
-                                </p:cTn>
-                              </p:par>
-                            </p:childTnLst>
-                          </p:cTn>
-                        </p:par>
-                      </p:childTnLst>
-                    </p:cTn>
-                  </p:par>
-                </p:childTnLst>
-              </p:cTn>
-              <p:prevCondLst>
-                <p:cond evt="onPrev" delay="0">
-                  <p:tgtEl>
-                    <p:sldTgt/>
-                  </p:tgtEl>
-                </p:cond>
-              </p:prevCondLst>
-              <p:nextCondLst>
-                <p:cond evt="onNext" delay="0">
-                  <p:tgtEl>
-                    <p:sldTgt/>
-                  </p:tgtEl>
-                </p:cond>
-              </p:nextCondLst>
-            </p:seq>
-          </p:childTnLst>
-        </p:cTn>
-      </p:par>
-    </p:tnLst>
-  </p:timing>
-</p:sld>
-</file>
-
-<file path=ppt/slides/slide30.xml><?xml version="1.0" encoding="utf-8"?>
-<p:sld xmlns:a="http://schemas.openxmlformats.org/drawingml/2006/main" xmlns:r="http://schemas.openxmlformats.org/officeDocument/2006/relationships" xmlns:p="http://schemas.openxmlformats.org/presentationml/2006/main">
-  <p:cSld>
-    <p:spTree>
-      <p:nvGrpSpPr>
-        <p:cNvPr id="1" name=""/>
-        <p:cNvGrpSpPr/>
-        <p:nvPr/>
-      </p:nvGrpSpPr>
-      <p:grpSpPr>
-        <a:xfrm>
-          <a:off x="0" y="0"/>
-          <a:ext cx="0" cy="0"/>
-          <a:chOff x="0" y="0"/>
-          <a:chExt cx="0" cy="0"/>
-        </a:xfrm>
-      </p:grpSpPr>
-      <p:sp>
-        <p:nvSpPr>
-          <p:cNvPr id="2" name="Titel 1"/>
-          <p:cNvSpPr>
-            <a:spLocks noGrp="1"/>
-          </p:cNvSpPr>
-          <p:nvPr>
-            <p:ph type="title"/>
-          </p:nvPr>
-        </p:nvSpPr>
-        <p:spPr/>
-        <p:txBody>
-          <a:bodyPr/>
-          <a:lstStyle/>
-          <a:p>
-            <a:r>
-              <a:rPr lang="de-DE" dirty="0" smtClean="0"/>
-              <a:t>SVNE-Algorithmen:</a:t>
-            </a:r>
-            <a:br>
-              <a:rPr lang="de-DE" dirty="0" smtClean="0"/>
-            </a:br>
-            <a:r>
-              <a:rPr lang="de-DE" sz="1800" b="0" dirty="0"/>
-              <a:t>Sicherheitsvektoren und doppelte Berechnung</a:t>
-            </a:r>
-            <a:endParaRPr lang="de-DE" sz="1800" dirty="0"/>
-          </a:p>
-        </p:txBody>
-      </p:sp>
-      <p:sp>
-        <p:nvSpPr>
-          <p:cNvPr id="4" name="Foliennummernplatzhalter 3"/>
-          <p:cNvSpPr>
-            <a:spLocks noGrp="1"/>
-          </p:cNvSpPr>
-          <p:nvPr>
-            <p:ph type="sldNum" sz="quarter" idx="4"/>
-          </p:nvPr>
-        </p:nvSpPr>
-        <p:spPr/>
-        <p:txBody>
-          <a:bodyPr/>
-          <a:lstStyle/>
-          <a:p>
-            <a:pPr>
-              <a:defRPr/>
-            </a:pPr>
-            <a:fld id="{70BFFA52-4234-45F6-B1A6-074E24FF43A2}" type="slidenum">
-              <a:rPr lang="de-DE" smtClean="0"/>
-              <a:pPr>
-                <a:defRPr/>
-              </a:pPr>
-              <a:t>30</a:t>
             </a:fld>
             <a:endParaRPr lang="de-DE" dirty="0"/>
           </a:p>
@@ -16430,7 +15717,7 @@
 </p:sld>
 </file>
 
-<file path=ppt/slides/slide31.xml><?xml version="1.0" encoding="utf-8"?>
+<file path=ppt/slides/slide3.xml><?xml version="1.0" encoding="utf-8"?>
 <p:sld xmlns:a="http://schemas.openxmlformats.org/drawingml/2006/main" xmlns:r="http://schemas.openxmlformats.org/officeDocument/2006/relationships" xmlns:p="http://schemas.openxmlformats.org/presentationml/2006/main">
   <p:cSld>
     <p:spTree>
@@ -16464,16 +15751,100 @@
           <a:p>
             <a:r>
               <a:rPr lang="de-DE" dirty="0" smtClean="0"/>
-              <a:t>SVNE-Algorithmen:</a:t>
+              <a:t>Motivation</a:t>
+            </a:r>
+            <a:endParaRPr lang="de-DE" dirty="0"/>
+          </a:p>
+        </p:txBody>
+      </p:sp>
+      <p:sp>
+        <p:nvSpPr>
+          <p:cNvPr id="3" name="Inhaltsplatzhalter 2"/>
+          <p:cNvSpPr>
+            <a:spLocks noGrp="1"/>
+          </p:cNvSpPr>
+          <p:nvPr>
+            <p:ph idx="1"/>
+          </p:nvPr>
+        </p:nvSpPr>
+        <p:spPr/>
+        <p:txBody>
+          <a:bodyPr/>
+          <a:lstStyle/>
+          <a:p>
+            <a:r>
+              <a:rPr lang="de-DE" dirty="0" smtClean="0"/>
+              <a:t>Anforderungen an Netzstrukturen ändern sich häufig</a:t>
+            </a:r>
+          </a:p>
+          <a:p>
+            <a:endParaRPr lang="de-DE" dirty="0" smtClean="0"/>
+          </a:p>
+          <a:p>
+            <a:r>
+              <a:rPr lang="de-DE" dirty="0" err="1" smtClean="0"/>
+              <a:t>Netzvirtualisierung</a:t>
+            </a:r>
+            <a:r>
+              <a:rPr lang="de-DE" dirty="0" smtClean="0"/>
+              <a:t> bietet Möglichkeit zur Abstraktion von der eingesetzten Hardware </a:t>
+            </a:r>
+            <a:r>
+              <a:rPr lang="de-DE" dirty="0" smtClean="0">
+                <a:sym typeface="Wingdings" panose="05000000000000000000" pitchFamily="2" charset="2"/>
+              </a:rPr>
+              <a:t> Aufbau logischer Netze</a:t>
+            </a:r>
+          </a:p>
+          <a:p>
+            <a:endParaRPr lang="de-DE" dirty="0" smtClean="0">
+              <a:sym typeface="Wingdings" panose="05000000000000000000" pitchFamily="2" charset="2"/>
+            </a:endParaRPr>
+          </a:p>
+          <a:p>
+            <a:r>
+              <a:rPr lang="de-DE" dirty="0" smtClean="0">
+                <a:sym typeface="Wingdings" panose="05000000000000000000" pitchFamily="2" charset="2"/>
+              </a:rPr>
+              <a:t>Virtual Network Embedding (VNE) bislang nur hinsichtlich Performance optimiert</a:t>
+            </a:r>
+          </a:p>
+          <a:p>
+            <a:endParaRPr lang="de-DE" dirty="0" smtClean="0">
+              <a:sym typeface="Wingdings" panose="05000000000000000000" pitchFamily="2" charset="2"/>
+            </a:endParaRPr>
+          </a:p>
+          <a:p>
+            <a:r>
+              <a:rPr lang="de-DE" dirty="0" smtClean="0">
+                <a:sym typeface="Wingdings" panose="05000000000000000000" pitchFamily="2" charset="2"/>
+              </a:rPr>
+              <a:t>Sicherheitsaspekte meist außer Acht gelassen</a:t>
             </a:r>
             <a:br>
-              <a:rPr lang="de-DE" dirty="0" smtClean="0"/>
+              <a:rPr lang="de-DE" dirty="0" smtClean="0">
+                <a:sym typeface="Wingdings" panose="05000000000000000000" pitchFamily="2" charset="2"/>
+              </a:rPr>
             </a:br>
             <a:r>
-              <a:rPr lang="de-DE" sz="1800" b="0" dirty="0"/>
-              <a:t>Sicherheitsvektoren und doppelte Berechnung</a:t>
-            </a:r>
-            <a:endParaRPr lang="de-DE" sz="1800" dirty="0"/>
+              <a:rPr lang="de-DE" dirty="0" smtClean="0">
+                <a:sym typeface="Wingdings" panose="05000000000000000000" pitchFamily="2" charset="2"/>
+              </a:rPr>
+              <a:t>=&gt; Integration solcher in den VNE-Prozess (</a:t>
+            </a:r>
+            <a:r>
+              <a:rPr lang="de-DE" dirty="0" err="1" smtClean="0">
+                <a:sym typeface="Wingdings" panose="05000000000000000000" pitchFamily="2" charset="2"/>
+              </a:rPr>
+              <a:t>SecureVNE</a:t>
+            </a:r>
+            <a:r>
+              <a:rPr lang="de-DE" dirty="0" smtClean="0">
+                <a:sym typeface="Wingdings" panose="05000000000000000000" pitchFamily="2" charset="2"/>
+              </a:rPr>
+              <a:t>)</a:t>
+            </a:r>
+            <a:endParaRPr lang="de-DE" dirty="0"/>
           </a:p>
         </p:txBody>
       </p:sp>
@@ -16500,7 +15871,273 @@
               <a:pPr>
                 <a:defRPr/>
               </a:pPr>
-              <a:t>31</a:t>
+              <a:t>3</a:t>
+            </a:fld>
+            <a:endParaRPr lang="de-DE" dirty="0"/>
+          </a:p>
+        </p:txBody>
+      </p:sp>
+      <p:sp>
+        <p:nvSpPr>
+          <p:cNvPr id="5" name="Fußzeilenplatzhalter 4"/>
+          <p:cNvSpPr>
+            <a:spLocks noGrp="1"/>
+          </p:cNvSpPr>
+          <p:nvPr>
+            <p:ph type="ftr" sz="quarter" idx="3"/>
+          </p:nvPr>
+        </p:nvSpPr>
+        <p:spPr/>
+        <p:txBody>
+          <a:bodyPr/>
+          <a:lstStyle/>
+          <a:p>
+            <a:r>
+              <a:rPr lang="de-DE" dirty="0" smtClean="0"/>
+              <a:t>Sicherheitsaspekte beim </a:t>
+            </a:r>
+            <a:r>
+              <a:rPr lang="de-DE" dirty="0" err="1" smtClean="0"/>
+              <a:t>Deployment</a:t>
+            </a:r>
+            <a:r>
+              <a:rPr lang="de-DE" dirty="0" smtClean="0"/>
+              <a:t> virtueller Netzinfrastrukturen</a:t>
+            </a:r>
+            <a:endParaRPr lang="de-DE" dirty="0"/>
+          </a:p>
+        </p:txBody>
+      </p:sp>
+    </p:spTree>
+    <p:extLst>
+      <p:ext uri="{BB962C8B-B14F-4D97-AF65-F5344CB8AC3E}">
+        <p14:creationId xmlns:p14="http://schemas.microsoft.com/office/powerpoint/2010/main" val="3273344848"/>
+      </p:ext>
+    </p:extLst>
+  </p:cSld>
+  <p:clrMapOvr>
+    <a:masterClrMapping/>
+  </p:clrMapOvr>
+  <mc:AlternateContent xmlns:mc="http://schemas.openxmlformats.org/markup-compatibility/2006" xmlns:p14="http://schemas.microsoft.com/office/powerpoint/2010/main">
+    <mc:Choice Requires="p14">
+      <p:transition spd="med" p14:dur="700">
+        <p:fade/>
+      </p:transition>
+    </mc:Choice>
+    <mc:Fallback xmlns="">
+      <p:transition spd="med">
+        <p:fade/>
+      </p:transition>
+    </mc:Fallback>
+  </mc:AlternateContent>
+  <p:timing>
+    <p:tnLst>
+      <p:par>
+        <p:cTn id="1" dur="indefinite" restart="never" nodeType="tmRoot">
+          <p:childTnLst>
+            <p:seq concurrent="1" nextAc="seek">
+              <p:cTn id="2" dur="indefinite" nodeType="mainSeq">
+                <p:childTnLst>
+                  <p:par>
+                    <p:cTn id="3" fill="hold">
+                      <p:stCondLst>
+                        <p:cond delay="indefinite"/>
+                      </p:stCondLst>
+                      <p:childTnLst>
+                        <p:par>
+                          <p:cTn id="4" fill="hold">
+                            <p:stCondLst>
+                              <p:cond delay="0"/>
+                            </p:stCondLst>
+                            <p:childTnLst>
+                              <p:par>
+                                <p:cTn id="5" presetID="10" presetClass="entr" presetSubtype="0" fill="hold" nodeType="clickEffect">
+                                  <p:stCondLst>
+                                    <p:cond delay="0"/>
+                                  </p:stCondLst>
+                                  <p:childTnLst>
+                                    <p:set>
+                                      <p:cBhvr>
+                                        <p:cTn id="6" dur="1" fill="hold">
+                                          <p:stCondLst>
+                                            <p:cond delay="0"/>
+                                          </p:stCondLst>
+                                        </p:cTn>
+                                        <p:tgtEl>
+                                          <p:spTgt spid="3">
+                                            <p:txEl>
+                                              <p:pRg st="4" end="4"/>
+                                            </p:txEl>
+                                          </p:spTgt>
+                                        </p:tgtEl>
+                                        <p:attrNameLst>
+                                          <p:attrName>style.visibility</p:attrName>
+                                        </p:attrNameLst>
+                                      </p:cBhvr>
+                                      <p:to>
+                                        <p:strVal val="visible"/>
+                                      </p:to>
+                                    </p:set>
+                                    <p:animEffect transition="in" filter="fade">
+                                      <p:cBhvr>
+                                        <p:cTn id="7" dur="500"/>
+                                        <p:tgtEl>
+                                          <p:spTgt spid="3">
+                                            <p:txEl>
+                                              <p:pRg st="4" end="4"/>
+                                            </p:txEl>
+                                          </p:spTgt>
+                                        </p:tgtEl>
+                                      </p:cBhvr>
+                                    </p:animEffect>
+                                  </p:childTnLst>
+                                </p:cTn>
+                              </p:par>
+                              <p:par>
+                                <p:cTn id="8" presetID="10" presetClass="entr" presetSubtype="0" fill="hold" nodeType="withEffect">
+                                  <p:stCondLst>
+                                    <p:cond delay="0"/>
+                                  </p:stCondLst>
+                                  <p:childTnLst>
+                                    <p:set>
+                                      <p:cBhvr>
+                                        <p:cTn id="9" dur="1" fill="hold">
+                                          <p:stCondLst>
+                                            <p:cond delay="0"/>
+                                          </p:stCondLst>
+                                        </p:cTn>
+                                        <p:tgtEl>
+                                          <p:spTgt spid="3">
+                                            <p:txEl>
+                                              <p:pRg st="6" end="6"/>
+                                            </p:txEl>
+                                          </p:spTgt>
+                                        </p:tgtEl>
+                                        <p:attrNameLst>
+                                          <p:attrName>style.visibility</p:attrName>
+                                        </p:attrNameLst>
+                                      </p:cBhvr>
+                                      <p:to>
+                                        <p:strVal val="visible"/>
+                                      </p:to>
+                                    </p:set>
+                                    <p:animEffect transition="in" filter="fade">
+                                      <p:cBhvr>
+                                        <p:cTn id="10" dur="500"/>
+                                        <p:tgtEl>
+                                          <p:spTgt spid="3">
+                                            <p:txEl>
+                                              <p:pRg st="6" end="6"/>
+                                            </p:txEl>
+                                          </p:spTgt>
+                                        </p:tgtEl>
+                                      </p:cBhvr>
+                                    </p:animEffect>
+                                  </p:childTnLst>
+                                </p:cTn>
+                              </p:par>
+                            </p:childTnLst>
+                          </p:cTn>
+                        </p:par>
+                      </p:childTnLst>
+                    </p:cTn>
+                  </p:par>
+                </p:childTnLst>
+              </p:cTn>
+              <p:prevCondLst>
+                <p:cond evt="onPrev" delay="0">
+                  <p:tgtEl>
+                    <p:sldTgt/>
+                  </p:tgtEl>
+                </p:cond>
+              </p:prevCondLst>
+              <p:nextCondLst>
+                <p:cond evt="onNext" delay="0">
+                  <p:tgtEl>
+                    <p:sldTgt/>
+                  </p:tgtEl>
+                </p:cond>
+              </p:nextCondLst>
+            </p:seq>
+          </p:childTnLst>
+        </p:cTn>
+      </p:par>
+    </p:tnLst>
+  </p:timing>
+</p:sld>
+</file>
+
+<file path=ppt/slides/slide30.xml><?xml version="1.0" encoding="utf-8"?>
+<p:sld xmlns:a="http://schemas.openxmlformats.org/drawingml/2006/main" xmlns:r="http://schemas.openxmlformats.org/officeDocument/2006/relationships" xmlns:p="http://schemas.openxmlformats.org/presentationml/2006/main">
+  <p:cSld>
+    <p:spTree>
+      <p:nvGrpSpPr>
+        <p:cNvPr id="1" name=""/>
+        <p:cNvGrpSpPr/>
+        <p:nvPr/>
+      </p:nvGrpSpPr>
+      <p:grpSpPr>
+        <a:xfrm>
+          <a:off x="0" y="0"/>
+          <a:ext cx="0" cy="0"/>
+          <a:chOff x="0" y="0"/>
+          <a:chExt cx="0" cy="0"/>
+        </a:xfrm>
+      </p:grpSpPr>
+      <p:sp>
+        <p:nvSpPr>
+          <p:cNvPr id="2" name="Titel 1"/>
+          <p:cNvSpPr>
+            <a:spLocks noGrp="1"/>
+          </p:cNvSpPr>
+          <p:nvPr>
+            <p:ph type="title"/>
+          </p:nvPr>
+        </p:nvSpPr>
+        <p:spPr/>
+        <p:txBody>
+          <a:bodyPr/>
+          <a:lstStyle/>
+          <a:p>
+            <a:r>
+              <a:rPr lang="de-DE" dirty="0" smtClean="0"/>
+              <a:t>SVNE-Algorithmen:</a:t>
+            </a:r>
+            <a:br>
+              <a:rPr lang="de-DE" dirty="0" smtClean="0"/>
+            </a:br>
+            <a:r>
+              <a:rPr lang="de-DE" sz="1800" b="0" dirty="0"/>
+              <a:t>Sicherheitsvektoren und doppelte Berechnung</a:t>
+            </a:r>
+            <a:endParaRPr lang="de-DE" sz="1800" dirty="0"/>
+          </a:p>
+        </p:txBody>
+      </p:sp>
+      <p:sp>
+        <p:nvSpPr>
+          <p:cNvPr id="4" name="Foliennummernplatzhalter 3"/>
+          <p:cNvSpPr>
+            <a:spLocks noGrp="1"/>
+          </p:cNvSpPr>
+          <p:nvPr>
+            <p:ph type="sldNum" sz="quarter" idx="4"/>
+          </p:nvPr>
+        </p:nvSpPr>
+        <p:spPr/>
+        <p:txBody>
+          <a:bodyPr/>
+          <a:lstStyle/>
+          <a:p>
+            <a:pPr>
+              <a:defRPr/>
+            </a:pPr>
+            <a:fld id="{70BFFA52-4234-45F6-B1A6-074E24FF43A2}" type="slidenum">
+              <a:rPr lang="de-DE" smtClean="0"/>
+              <a:pPr>
+                <a:defRPr/>
+              </a:pPr>
+              <a:t>30</a:t>
             </a:fld>
             <a:endParaRPr lang="de-DE" dirty="0"/>
           </a:p>
@@ -16818,61 +16455,6 @@
       </p:sp>
       <p:sp>
         <p:nvSpPr>
-          <p:cNvPr id="9" name="Textfeld 8"/>
-          <p:cNvSpPr txBox="1"/>
-          <p:nvPr/>
-        </p:nvSpPr>
-        <p:spPr>
-          <a:xfrm>
-            <a:off x="243574" y="3247632"/>
-            <a:ext cx="8533644" cy="1323439"/>
-          </a:xfrm>
-          <a:prstGeom prst="rect">
-            <a:avLst/>
-          </a:prstGeom>
-          <a:noFill/>
-        </p:spPr>
-        <p:txBody>
-          <a:bodyPr wrap="square" rtlCol="0">
-            <a:spAutoFit/>
-          </a:bodyPr>
-          <a:lstStyle/>
-          <a:p>
-            <a:endParaRPr lang="de-DE" sz="2000" kern="0" dirty="0">
-              <a:latin typeface="+mn-lt"/>
-            </a:endParaRPr>
-          </a:p>
-          <a:p>
-            <a:endParaRPr lang="de-DE" dirty="0"/>
-          </a:p>
-          <a:p>
-            <a:endParaRPr lang="de-DE" dirty="0" smtClean="0"/>
-          </a:p>
-          <a:p>
-            <a:endParaRPr lang="de-DE" dirty="0" smtClean="0"/>
-          </a:p>
-          <a:p>
-            <a:endParaRPr lang="de-DE" dirty="0"/>
-          </a:p>
-          <a:p>
-            <a:r>
-              <a:rPr lang="de-DE" dirty="0" err="1" smtClean="0"/>
-              <a:t>uSAV</a:t>
-            </a:r>
-            <a:r>
-              <a:rPr lang="de-DE" dirty="0" smtClean="0"/>
-              <a:t> &amp; </a:t>
-            </a:r>
-            <a:r>
-              <a:rPr lang="de-DE" dirty="0" err="1" smtClean="0"/>
-              <a:t>cSAV</a:t>
-            </a:r>
-            <a:endParaRPr lang="de-DE" dirty="0"/>
-          </a:p>
-        </p:txBody>
-      </p:sp>
-      <p:sp>
-        <p:nvSpPr>
           <p:cNvPr id="10" name="Fußzeilenplatzhalter 1"/>
           <p:cNvSpPr>
             <a:spLocks noGrp="1"/>
@@ -16903,6 +16485,306 @@
           </a:p>
         </p:txBody>
       </p:sp>
+      <p:graphicFrame>
+        <p:nvGraphicFramePr>
+          <p:cNvPr id="12" name="Tabelle 11"/>
+          <p:cNvGraphicFramePr>
+            <a:graphicFrameLocks noGrp="1"/>
+          </p:cNvGraphicFramePr>
+          <p:nvPr>
+            <p:extLst>
+              <p:ext uri="{D42A27DB-BD31-4B8C-83A1-F6EECF244321}">
+                <p14:modId xmlns:p14="http://schemas.microsoft.com/office/powerpoint/2010/main" val="986921191"/>
+              </p:ext>
+            </p:extLst>
+          </p:nvPr>
+        </p:nvGraphicFramePr>
+        <p:xfrm>
+          <a:off x="1247697" y="3465004"/>
+          <a:ext cx="6624735" cy="2392680"/>
+        </p:xfrm>
+        <a:graphic>
+          <a:graphicData uri="http://schemas.openxmlformats.org/drawingml/2006/table">
+            <a:tbl>
+              <a:tblPr firstRow="1" bandRow="1">
+                <a:tableStyleId>{6E25E649-3F16-4E02-A733-19D2CDBF48F0}</a:tableStyleId>
+              </a:tblPr>
+              <a:tblGrid>
+                <a:gridCol w="2208245"/>
+                <a:gridCol w="2208245"/>
+                <a:gridCol w="2208245"/>
+              </a:tblGrid>
+              <a:tr h="370840">
+                <a:tc>
+                  <a:txBody>
+                    <a:bodyPr/>
+                    <a:lstStyle/>
+                    <a:p>
+                      <a:endParaRPr lang="de-DE" dirty="0"/>
+                    </a:p>
+                  </a:txBody>
+                  <a:tcPr>
+                    <a:solidFill>
+                      <a:srgbClr val="006C30"/>
+                    </a:solidFill>
+                  </a:tcPr>
+                </a:tc>
+                <a:tc>
+                  <a:txBody>
+                    <a:bodyPr/>
+                    <a:lstStyle/>
+                    <a:p>
+                      <a:r>
+                        <a:rPr lang="de-DE" dirty="0" err="1" smtClean="0"/>
+                        <a:t>uSAV</a:t>
+                      </a:r>
+                      <a:r>
+                        <a:rPr lang="de-DE" dirty="0" smtClean="0"/>
+                        <a:t> (</a:t>
+                      </a:r>
+                      <a:r>
+                        <a:rPr lang="de-DE" dirty="0" smtClean="0"/>
+                        <a:t>unkoordiniert)</a:t>
+                      </a:r>
+                      <a:endParaRPr lang="de-DE" dirty="0"/>
+                    </a:p>
+                  </a:txBody>
+                  <a:tcPr>
+                    <a:solidFill>
+                      <a:srgbClr val="006C30"/>
+                    </a:solidFill>
+                  </a:tcPr>
+                </a:tc>
+                <a:tc>
+                  <a:txBody>
+                    <a:bodyPr/>
+                    <a:lstStyle/>
+                    <a:p>
+                      <a:r>
+                        <a:rPr lang="de-DE" dirty="0" err="1" smtClean="0"/>
+                        <a:t>cSAV</a:t>
+                      </a:r>
+                      <a:r>
+                        <a:rPr lang="de-DE" dirty="0" smtClean="0"/>
+                        <a:t> </a:t>
+                      </a:r>
+                      <a:br>
+                        <a:rPr lang="de-DE" dirty="0" smtClean="0"/>
+                      </a:br>
+                      <a:r>
+                        <a:rPr lang="de-DE" dirty="0" smtClean="0"/>
+                        <a:t>(</a:t>
+                      </a:r>
+                      <a:r>
+                        <a:rPr lang="de-DE" dirty="0" smtClean="0"/>
+                        <a:t>koordiniert)</a:t>
+                      </a:r>
+                      <a:endParaRPr lang="de-DE" dirty="0"/>
+                    </a:p>
+                  </a:txBody>
+                  <a:tcPr>
+                    <a:solidFill>
+                      <a:srgbClr val="006C30"/>
+                    </a:solidFill>
+                  </a:tcPr>
+                </a:tc>
+              </a:tr>
+              <a:tr h="370840">
+                <a:tc>
+                  <a:txBody>
+                    <a:bodyPr/>
+                    <a:lstStyle/>
+                    <a:p>
+                      <a:r>
+                        <a:rPr lang="de-DE" dirty="0" smtClean="0"/>
+                        <a:t>Phasen</a:t>
+                      </a:r>
+                      <a:endParaRPr lang="de-DE" dirty="0"/>
+                    </a:p>
+                  </a:txBody>
+                  <a:tcPr/>
+                </a:tc>
+                <a:tc>
+                  <a:txBody>
+                    <a:bodyPr/>
+                    <a:lstStyle/>
+                    <a:p>
+                      <a:r>
+                        <a:rPr lang="de-DE" dirty="0" smtClean="0"/>
+                        <a:t>zwei</a:t>
+                      </a:r>
+                      <a:endParaRPr lang="de-DE" dirty="0"/>
+                    </a:p>
+                  </a:txBody>
+                  <a:tcPr/>
+                </a:tc>
+                <a:tc>
+                  <a:txBody>
+                    <a:bodyPr/>
+                    <a:lstStyle/>
+                    <a:p>
+                      <a:r>
+                        <a:rPr lang="de-DE" dirty="0" smtClean="0"/>
+                        <a:t>eine</a:t>
+                      </a:r>
+                      <a:endParaRPr lang="de-DE" dirty="0"/>
+                    </a:p>
+                  </a:txBody>
+                  <a:tcPr/>
+                </a:tc>
+              </a:tr>
+              <a:tr h="370840">
+                <a:tc>
+                  <a:txBody>
+                    <a:bodyPr/>
+                    <a:lstStyle/>
+                    <a:p>
+                      <a:pPr marL="0" marR="0" lvl="0" indent="0" algn="l" defTabSz="914400" rtl="0" eaLnBrk="1" fontAlgn="auto" latinLnBrk="0" hangingPunct="1">
+                        <a:lnSpc>
+                          <a:spcPct val="100000"/>
+                        </a:lnSpc>
+                        <a:spcBef>
+                          <a:spcPts val="0"/>
+                        </a:spcBef>
+                        <a:spcAft>
+                          <a:spcPts val="0"/>
+                        </a:spcAft>
+                        <a:buClrTx/>
+                        <a:buSzTx/>
+                        <a:buFontTx/>
+                        <a:buNone/>
+                        <a:tabLst/>
+                        <a:defRPr/>
+                      </a:pPr>
+                      <a:r>
+                        <a:rPr lang="de-DE" dirty="0" smtClean="0"/>
+                        <a:t>Betrachtung von Knoten und Links</a:t>
+                      </a:r>
+                    </a:p>
+                  </a:txBody>
+                  <a:tcPr/>
+                </a:tc>
+                <a:tc>
+                  <a:txBody>
+                    <a:bodyPr/>
+                    <a:lstStyle/>
+                    <a:p>
+                      <a:r>
+                        <a:rPr lang="de-DE" dirty="0" err="1" smtClean="0"/>
+                        <a:t>getrennet</a:t>
+                      </a:r>
+                      <a:endParaRPr lang="de-DE" dirty="0"/>
+                    </a:p>
+                  </a:txBody>
+                  <a:tcPr/>
+                </a:tc>
+                <a:tc>
+                  <a:txBody>
+                    <a:bodyPr/>
+                    <a:lstStyle/>
+                    <a:p>
+                      <a:r>
+                        <a:rPr lang="de-DE" dirty="0" smtClean="0"/>
+                        <a:t>gemeinsam</a:t>
+                      </a:r>
+                      <a:endParaRPr lang="de-DE" dirty="0"/>
+                    </a:p>
+                  </a:txBody>
+                  <a:tcPr/>
+                </a:tc>
+              </a:tr>
+              <a:tr h="370840">
+                <a:tc>
+                  <a:txBody>
+                    <a:bodyPr/>
+                    <a:lstStyle/>
+                    <a:p>
+                      <a:r>
+                        <a:rPr lang="de-DE" dirty="0" smtClean="0"/>
+                        <a:t>Schwerpunkt</a:t>
+                      </a:r>
+                      <a:endParaRPr lang="de-DE" dirty="0"/>
+                    </a:p>
+                  </a:txBody>
+                  <a:tcPr/>
+                </a:tc>
+                <a:tc>
+                  <a:txBody>
+                    <a:bodyPr/>
+                    <a:lstStyle/>
+                    <a:p>
+                      <a:r>
+                        <a:rPr lang="de-DE" dirty="0" err="1" smtClean="0"/>
+                        <a:t>Knotenmapping</a:t>
+                      </a:r>
+                      <a:endParaRPr lang="de-DE" dirty="0"/>
+                    </a:p>
+                  </a:txBody>
+                  <a:tcPr/>
+                </a:tc>
+                <a:tc>
+                  <a:txBody>
+                    <a:bodyPr/>
+                    <a:lstStyle/>
+                    <a:p>
+                      <a:r>
+                        <a:rPr lang="de-DE" dirty="0" smtClean="0"/>
+                        <a:t>Gesamtstruktur</a:t>
+                      </a:r>
+                      <a:endParaRPr lang="de-DE" dirty="0"/>
+                    </a:p>
+                  </a:txBody>
+                  <a:tcPr/>
+                </a:tc>
+              </a:tr>
+              <a:tr h="370840">
+                <a:tc>
+                  <a:txBody>
+                    <a:bodyPr/>
+                    <a:lstStyle/>
+                    <a:p>
+                      <a:r>
+                        <a:rPr lang="de-DE" dirty="0" smtClean="0"/>
+                        <a:t>Laufzeit</a:t>
+                      </a:r>
+                      <a:endParaRPr lang="de-DE" dirty="0"/>
+                    </a:p>
+                  </a:txBody>
+                  <a:tcPr/>
+                </a:tc>
+                <a:tc>
+                  <a:txBody>
+                    <a:bodyPr/>
+                    <a:lstStyle/>
+                    <a:p>
+                      <a:r>
+                        <a:rPr lang="de-DE" dirty="0" smtClean="0"/>
+                        <a:t>kurz</a:t>
+                      </a:r>
+                      <a:endParaRPr lang="de-DE" dirty="0"/>
+                    </a:p>
+                  </a:txBody>
+                  <a:tcPr/>
+                </a:tc>
+                <a:tc>
+                  <a:txBody>
+                    <a:bodyPr/>
+                    <a:lstStyle/>
+                    <a:p>
+                      <a:r>
+                        <a:rPr lang="de-DE" dirty="0" smtClean="0"/>
+                        <a:t>lang</a:t>
+                      </a:r>
+                      <a:endParaRPr lang="de-DE" dirty="0"/>
+                    </a:p>
+                  </a:txBody>
+                  <a:tcPr/>
+                </a:tc>
+              </a:tr>
+            </a:tbl>
+          </a:graphicData>
+        </a:graphic>
+      </p:graphicFrame>
     </p:spTree>
     <p:extLst>
       <p:ext uri="{BB962C8B-B14F-4D97-AF65-F5344CB8AC3E}">
@@ -16935,7 +16817,7 @@
 </p:sld>
 </file>
 
-<file path=ppt/slides/slide32.xml><?xml version="1.0" encoding="utf-8"?>
+<file path=ppt/slides/slide31.xml><?xml version="1.0" encoding="utf-8"?>
 <p:sld xmlns:a="http://schemas.openxmlformats.org/drawingml/2006/main" xmlns:r="http://schemas.openxmlformats.org/officeDocument/2006/relationships" xmlns:p="http://schemas.openxmlformats.org/presentationml/2006/main">
   <p:cSld>
     <p:spTree>
@@ -17005,7 +16887,7 @@
               <a:pPr>
                 <a:defRPr/>
               </a:pPr>
-              <a:t>32</a:t>
+              <a:t>31</a:t>
             </a:fld>
             <a:endParaRPr lang="de-DE" dirty="0"/>
           </a:p>
@@ -17414,6 +17296,199 @@
 </p:sld>
 </file>
 
+<file path=ppt/slides/slide32.xml><?xml version="1.0" encoding="utf-8"?>
+<p:sld xmlns:a="http://schemas.openxmlformats.org/drawingml/2006/main" xmlns:r="http://schemas.openxmlformats.org/officeDocument/2006/relationships" xmlns:p="http://schemas.openxmlformats.org/presentationml/2006/main">
+  <p:cSld>
+    <p:spTree>
+      <p:nvGrpSpPr>
+        <p:cNvPr id="1" name=""/>
+        <p:cNvGrpSpPr/>
+        <p:nvPr/>
+      </p:nvGrpSpPr>
+      <p:grpSpPr>
+        <a:xfrm>
+          <a:off x="0" y="0"/>
+          <a:ext cx="0" cy="0"/>
+          <a:chOff x="0" y="0"/>
+          <a:chExt cx="0" cy="0"/>
+        </a:xfrm>
+      </p:grpSpPr>
+      <p:sp>
+        <p:nvSpPr>
+          <p:cNvPr id="2" name="Titel 1"/>
+          <p:cNvSpPr>
+            <a:spLocks noGrp="1"/>
+          </p:cNvSpPr>
+          <p:nvPr>
+            <p:ph type="title"/>
+          </p:nvPr>
+        </p:nvSpPr>
+        <p:spPr/>
+        <p:txBody>
+          <a:bodyPr/>
+          <a:lstStyle/>
+          <a:p>
+            <a:r>
+              <a:rPr lang="de-DE" dirty="0" smtClean="0"/>
+              <a:t>Diskussion</a:t>
+            </a:r>
+            <a:endParaRPr lang="de-DE" dirty="0"/>
+          </a:p>
+        </p:txBody>
+      </p:sp>
+      <p:sp>
+        <p:nvSpPr>
+          <p:cNvPr id="8" name="Inhaltsplatzhalter 7"/>
+          <p:cNvSpPr>
+            <a:spLocks noGrp="1"/>
+          </p:cNvSpPr>
+          <p:nvPr>
+            <p:ph idx="1"/>
+          </p:nvPr>
+        </p:nvSpPr>
+        <p:spPr/>
+        <p:txBody>
+          <a:bodyPr/>
+          <a:lstStyle/>
+          <a:p>
+            <a:r>
+              <a:rPr lang="de-DE" dirty="0" smtClean="0"/>
+              <a:t>Durch </a:t>
+            </a:r>
+            <a:r>
+              <a:rPr lang="de-DE" dirty="0" err="1" smtClean="0"/>
+              <a:t>Netzvirtualisierung</a:t>
+            </a:r>
+            <a:r>
+              <a:rPr lang="de-DE" dirty="0" smtClean="0"/>
+              <a:t> ergeben sich neue Verwundbarkeiten</a:t>
+            </a:r>
+          </a:p>
+          <a:p>
+            <a:endParaRPr lang="de-DE" dirty="0" smtClean="0"/>
+          </a:p>
+          <a:p>
+            <a:r>
+              <a:rPr lang="de-DE" dirty="0" smtClean="0"/>
+              <a:t>Automatisierte Ansätze zum Embedding virtueller Netze</a:t>
+            </a:r>
+          </a:p>
+          <a:p>
+            <a:endParaRPr lang="de-DE" dirty="0" smtClean="0"/>
+          </a:p>
+          <a:p>
+            <a:r>
+              <a:rPr lang="de-DE" dirty="0" smtClean="0"/>
+              <a:t>verschiedene Verfahren zur Integration von Sicherheitsaspekten beim Embedding</a:t>
+            </a:r>
+          </a:p>
+          <a:p>
+            <a:endParaRPr lang="de-DE" dirty="0"/>
+          </a:p>
+          <a:p>
+            <a:pPr marL="0" indent="0">
+              <a:buNone/>
+            </a:pPr>
+            <a:endParaRPr lang="de-DE" dirty="0"/>
+          </a:p>
+          <a:p>
+            <a:pPr marL="0" indent="0">
+              <a:buNone/>
+            </a:pPr>
+            <a:r>
+              <a:rPr lang="de-DE" dirty="0" smtClean="0"/>
+              <a:t>=&gt; Wahl des Verfahrens?</a:t>
+            </a:r>
+          </a:p>
+        </p:txBody>
+      </p:sp>
+      <p:sp>
+        <p:nvSpPr>
+          <p:cNvPr id="4" name="Foliennummernplatzhalter 3"/>
+          <p:cNvSpPr>
+            <a:spLocks noGrp="1"/>
+          </p:cNvSpPr>
+          <p:nvPr>
+            <p:ph type="sldNum" sz="quarter" idx="4"/>
+          </p:nvPr>
+        </p:nvSpPr>
+        <p:spPr/>
+        <p:txBody>
+          <a:bodyPr/>
+          <a:lstStyle/>
+          <a:p>
+            <a:fld id="{70BFFA52-4234-45F6-B1A6-074E24FF43A2}" type="slidenum">
+              <a:rPr lang="de-DE" smtClean="0"/>
+              <a:pPr/>
+              <a:t>32</a:t>
+            </a:fld>
+            <a:endParaRPr lang="de-DE" dirty="0"/>
+          </a:p>
+        </p:txBody>
+      </p:sp>
+      <p:sp>
+        <p:nvSpPr>
+          <p:cNvPr id="5" name="Fußzeilenplatzhalter 4"/>
+          <p:cNvSpPr>
+            <a:spLocks noGrp="1"/>
+          </p:cNvSpPr>
+          <p:nvPr>
+            <p:ph type="ftr" sz="quarter" idx="3"/>
+          </p:nvPr>
+        </p:nvSpPr>
+        <p:spPr/>
+        <p:txBody>
+          <a:bodyPr/>
+          <a:lstStyle/>
+          <a:p>
+            <a:r>
+              <a:rPr lang="de-DE" dirty="0" smtClean="0"/>
+              <a:t>Sicherheitsaspekte beim </a:t>
+            </a:r>
+            <a:r>
+              <a:rPr lang="de-DE" dirty="0" err="1" smtClean="0"/>
+              <a:t>Deployment</a:t>
+            </a:r>
+            <a:r>
+              <a:rPr lang="de-DE" dirty="0" smtClean="0"/>
+              <a:t> virtueller Netzinfrastrukturen</a:t>
+            </a:r>
+            <a:endParaRPr lang="de-DE" dirty="0"/>
+          </a:p>
+        </p:txBody>
+      </p:sp>
+    </p:spTree>
+    <p:extLst>
+      <p:ext uri="{BB962C8B-B14F-4D97-AF65-F5344CB8AC3E}">
+        <p14:creationId xmlns:p14="http://schemas.microsoft.com/office/powerpoint/2010/main" val="299502173"/>
+      </p:ext>
+    </p:extLst>
+  </p:cSld>
+  <p:clrMapOvr>
+    <a:masterClrMapping/>
+  </p:clrMapOvr>
+  <mc:AlternateContent xmlns:mc="http://schemas.openxmlformats.org/markup-compatibility/2006" xmlns:p14="http://schemas.microsoft.com/office/powerpoint/2010/main">
+    <mc:Choice Requires="p14">
+      <p:transition spd="med" p14:dur="700">
+        <p:fade/>
+      </p:transition>
+    </mc:Choice>
+    <mc:Fallback xmlns="">
+      <p:transition spd="med">
+        <p:fade/>
+      </p:transition>
+    </mc:Fallback>
+  </mc:AlternateContent>
+  <p:timing>
+    <p:tnLst>
+      <p:par>
+        <p:cTn id="1" dur="indefinite" restart="never" nodeType="tmRoot"/>
+      </p:par>
+    </p:tnLst>
+  </p:timing>
+</p:sld>
+</file>
+
 <file path=ppt/slides/slide33.xml><?xml version="1.0" encoding="utf-8"?>
 <p:sld xmlns:a="http://schemas.openxmlformats.org/drawingml/2006/main" xmlns:r="http://schemas.openxmlformats.org/officeDocument/2006/relationships" xmlns:p="http://schemas.openxmlformats.org/presentationml/2006/main">
   <p:cSld>
@@ -17447,7 +17522,7 @@
           <a:lstStyle/>
           <a:p>
             <a:r>
-              <a:rPr lang="de-DE" dirty="0" smtClean="0"/>
+              <a:rPr lang="de-DE" smtClean="0"/>
               <a:t>Diskussion</a:t>
             </a:r>
             <a:endParaRPr lang="de-DE" dirty="0"/>
@@ -17471,52 +17546,33 @@
           <a:p>
             <a:r>
               <a:rPr lang="de-DE" dirty="0" smtClean="0"/>
-              <a:t>Durch </a:t>
-            </a:r>
-            <a:r>
-              <a:rPr lang="de-DE" dirty="0" err="1" smtClean="0"/>
-              <a:t>Netzvirtualisierung</a:t>
-            </a:r>
-            <a:r>
-              <a:rPr lang="de-DE" dirty="0" smtClean="0"/>
-              <a:t> ergeben sich neue Verwundbarkeiten</a:t>
-            </a:r>
-          </a:p>
-          <a:p>
-            <a:endParaRPr lang="de-DE" dirty="0" smtClean="0"/>
-          </a:p>
-          <a:p>
-            <a:r>
-              <a:rPr lang="de-DE" dirty="0" smtClean="0"/>
-              <a:t>Automatisierte Ansätze zum Embedding virtueller Netze</a:t>
-            </a:r>
-          </a:p>
-          <a:p>
-            <a:endParaRPr lang="de-DE" dirty="0" smtClean="0"/>
-          </a:p>
-          <a:p>
-            <a:r>
-              <a:rPr lang="de-DE" dirty="0" smtClean="0"/>
-              <a:t>verschiedene Verfahren zur Integration von Sicherheitsaspekten beim Embedding</a:t>
+              <a:t>Mögliche Entwicklungsrichtungen?</a:t>
             </a:r>
           </a:p>
           <a:p>
             <a:endParaRPr lang="de-DE" dirty="0"/>
           </a:p>
           <a:p>
-            <a:pPr marL="0" indent="0">
-              <a:buNone/>
-            </a:pPr>
+            <a:r>
+              <a:rPr lang="de-DE" dirty="0" smtClean="0"/>
+              <a:t>Sicherheit nur durch Isolation?</a:t>
+            </a:r>
+          </a:p>
+          <a:p>
             <a:endParaRPr lang="de-DE" dirty="0"/>
           </a:p>
           <a:p>
-            <a:pPr marL="0" indent="0">
-              <a:buNone/>
-            </a:pPr>
-            <a:r>
-              <a:rPr lang="de-DE" dirty="0" smtClean="0"/>
-              <a:t>=&gt; Wahl des Verfahrens?</a:t>
-            </a:r>
+            <a:r>
+              <a:rPr lang="de-DE" dirty="0" smtClean="0"/>
+              <a:t>Gewählte Art der Klassifizierung sinnvoll?</a:t>
+            </a:r>
+            <a:endParaRPr lang="de-DE" dirty="0"/>
+          </a:p>
+          <a:p>
+            <a:endParaRPr lang="de-DE" dirty="0"/>
+          </a:p>
+          <a:p>
+            <a:endParaRPr lang="de-DE" dirty="0"/>
           </a:p>
         </p:txBody>
       </p:sp>
@@ -17560,16 +17616,8 @@
           <a:lstStyle/>
           <a:p>
             <a:r>
-              <a:rPr lang="de-DE" dirty="0" smtClean="0"/>
-              <a:t>Sicherheitsaspekte beim </a:t>
-            </a:r>
-            <a:r>
-              <a:rPr lang="de-DE" dirty="0" err="1" smtClean="0"/>
-              <a:t>Deployment</a:t>
-            </a:r>
-            <a:r>
-              <a:rPr lang="de-DE" dirty="0" smtClean="0"/>
-              <a:t> virtueller Netzinfrastrukturen</a:t>
+              <a:rPr lang="de-DE" smtClean="0"/>
+              <a:t>Sicherheitsaspekte beim Deployment virtueller Netzinfrastrukturen</a:t>
             </a:r>
             <a:endParaRPr lang="de-DE" dirty="0"/>
           </a:p>
@@ -17578,7 +17626,7 @@
     </p:spTree>
     <p:extLst>
       <p:ext uri="{BB962C8B-B14F-4D97-AF65-F5344CB8AC3E}">
-        <p14:creationId xmlns:p14="http://schemas.microsoft.com/office/powerpoint/2010/main" val="299502173"/>
+        <p14:creationId xmlns:p14="http://schemas.microsoft.com/office/powerpoint/2010/main" val="3661181008"/>
       </p:ext>
     </p:extLst>
   </p:cSld>
@@ -17640,16 +17688,16 @@
           <a:lstStyle/>
           <a:p>
             <a:r>
-              <a:rPr lang="de-DE" smtClean="0"/>
-              <a:t>Diskussion</a:t>
-            </a:r>
-            <a:endParaRPr lang="de-DE" dirty="0"/>
-          </a:p>
-        </p:txBody>
-      </p:sp>
-      <p:sp>
-        <p:nvSpPr>
-          <p:cNvPr id="8" name="Inhaltsplatzhalter 7"/>
+              <a:rPr lang="de-DE" dirty="0" smtClean="0"/>
+              <a:t>Empfehlenswerte Literatur</a:t>
+            </a:r>
+            <a:endParaRPr lang="de-DE" sz="1800" dirty="0"/>
+          </a:p>
+        </p:txBody>
+      </p:sp>
+      <p:sp>
+        <p:nvSpPr>
+          <p:cNvPr id="3" name="Inhaltsplatzhalter 2"/>
           <p:cNvSpPr>
             <a:spLocks noGrp="1"/>
           </p:cNvSpPr>
@@ -17662,35 +17710,348 @@
           <a:bodyPr/>
           <a:lstStyle/>
           <a:p>
-            <a:r>
-              <a:rPr lang="de-DE" dirty="0" smtClean="0"/>
-              <a:t>Mögliche Entwicklungsrichtungen?</a:t>
-            </a:r>
-          </a:p>
-          <a:p>
-            <a:endParaRPr lang="de-DE" dirty="0"/>
-          </a:p>
-          <a:p>
-            <a:r>
-              <a:rPr lang="de-DE" dirty="0" smtClean="0"/>
-              <a:t>Sicherheit nur durch Isolation?</a:t>
-            </a:r>
-          </a:p>
-          <a:p>
-            <a:endParaRPr lang="de-DE" dirty="0"/>
-          </a:p>
-          <a:p>
-            <a:r>
-              <a:rPr lang="de-DE" dirty="0" smtClean="0"/>
-              <a:t>Gewählte Art der Klassifizierung sinnvoll?</a:t>
-            </a:r>
-            <a:endParaRPr lang="de-DE" dirty="0"/>
-          </a:p>
-          <a:p>
-            <a:endParaRPr lang="de-DE" dirty="0"/>
-          </a:p>
-          <a:p>
-            <a:endParaRPr lang="de-DE" dirty="0"/>
+            <a:pPr marL="0" indent="0">
+              <a:buNone/>
+            </a:pPr>
+            <a:r>
+              <a:rPr lang="de-DE" sz="1600" b="1" dirty="0" smtClean="0"/>
+              <a:t>Sicherheitsaspekte virtueller Netzinfrastrukturen</a:t>
+            </a:r>
+          </a:p>
+          <a:p>
+            <a:r>
+              <a:rPr lang="de-DE" sz="1600" dirty="0"/>
+              <a:t>Kamal </a:t>
+            </a:r>
+            <a:r>
+              <a:rPr lang="de-DE" sz="1600" dirty="0" err="1"/>
+              <a:t>Dahbur</a:t>
+            </a:r>
+            <a:r>
+              <a:rPr lang="de-DE" sz="1600" dirty="0"/>
+              <a:t>, </a:t>
+            </a:r>
+            <a:r>
+              <a:rPr lang="de-DE" sz="1600" dirty="0" err="1"/>
+              <a:t>Bassil</a:t>
+            </a:r>
+            <a:r>
+              <a:rPr lang="de-DE" sz="1600" dirty="0"/>
+              <a:t> Mohammad und Ahmad Bisher </a:t>
+            </a:r>
+            <a:r>
+              <a:rPr lang="de-DE" sz="1600" dirty="0" err="1"/>
+              <a:t>Tarakji</a:t>
+            </a:r>
+            <a:r>
+              <a:rPr lang="de-DE" sz="1600" dirty="0"/>
+              <a:t>. A </a:t>
+            </a:r>
+            <a:r>
+              <a:rPr lang="de-DE" sz="1600" dirty="0" err="1"/>
+              <a:t>survey</a:t>
+            </a:r>
+            <a:r>
+              <a:rPr lang="de-DE" sz="1600" dirty="0"/>
+              <a:t> </a:t>
+            </a:r>
+            <a:r>
+              <a:rPr lang="de-DE" sz="1600" dirty="0" err="1"/>
+              <a:t>of</a:t>
+            </a:r>
+            <a:r>
+              <a:rPr lang="de-DE" sz="1600" dirty="0"/>
+              <a:t> </a:t>
+            </a:r>
+            <a:r>
+              <a:rPr lang="de-DE" sz="1600" dirty="0" err="1"/>
+              <a:t>risks</a:t>
+            </a:r>
+            <a:r>
+              <a:rPr lang="de-DE" sz="1600" dirty="0"/>
+              <a:t>, </a:t>
+            </a:r>
+            <a:r>
+              <a:rPr lang="en-US" sz="1600" dirty="0"/>
+              <a:t>threats and vulnerabilities in cloud computing. In </a:t>
+            </a:r>
+            <a:r>
+              <a:rPr lang="en-US" sz="1600" i="1" dirty="0"/>
+              <a:t>Proceedings of the 2011 International </a:t>
+            </a:r>
+            <a:r>
+              <a:rPr lang="de-DE" sz="1600" i="1" dirty="0" err="1"/>
+              <a:t>conference</a:t>
+            </a:r>
+            <a:r>
+              <a:rPr lang="de-DE" sz="1600" i="1" dirty="0"/>
+              <a:t> on intelligent </a:t>
+            </a:r>
+            <a:r>
+              <a:rPr lang="de-DE" sz="1600" i="1" dirty="0" err="1"/>
+              <a:t>semantic</a:t>
+            </a:r>
+            <a:r>
+              <a:rPr lang="de-DE" sz="1600" i="1" dirty="0"/>
+              <a:t> Web-services </a:t>
+            </a:r>
+            <a:r>
+              <a:rPr lang="de-DE" sz="1600" i="1" dirty="0" err="1"/>
+              <a:t>and</a:t>
+            </a:r>
+            <a:r>
+              <a:rPr lang="de-DE" sz="1600" i="1" dirty="0"/>
+              <a:t> </a:t>
+            </a:r>
+            <a:r>
+              <a:rPr lang="de-DE" sz="1600" i="1" dirty="0" err="1"/>
+              <a:t>applications</a:t>
+            </a:r>
+            <a:r>
+              <a:rPr lang="de-DE" sz="1600" dirty="0"/>
+              <a:t>, Seite 12. ACM, 2011.</a:t>
+            </a:r>
+          </a:p>
+          <a:p>
+            <a:r>
+              <a:rPr lang="de-DE" sz="1600" dirty="0" smtClean="0"/>
+              <a:t>Andreas </a:t>
+            </a:r>
+            <a:r>
+              <a:rPr lang="de-DE" sz="1600" dirty="0"/>
+              <a:t>Fischer, Juan Felipe Botero, Michael Till Beck, Hermann De Meer und </a:t>
+            </a:r>
+            <a:r>
+              <a:rPr lang="de-DE" sz="1600" dirty="0" smtClean="0"/>
+              <a:t>Xavier Hesselbach</a:t>
+            </a:r>
+            <a:r>
+              <a:rPr lang="de-DE" sz="1600" dirty="0"/>
+              <a:t>. Virtual </a:t>
+            </a:r>
+            <a:r>
+              <a:rPr lang="de-DE" sz="1600" dirty="0" err="1"/>
+              <a:t>network</a:t>
+            </a:r>
+            <a:r>
+              <a:rPr lang="de-DE" sz="1600" dirty="0"/>
+              <a:t> </a:t>
+            </a:r>
+            <a:r>
+              <a:rPr lang="de-DE" sz="1600" dirty="0" err="1"/>
+              <a:t>embedding</a:t>
+            </a:r>
+            <a:r>
+              <a:rPr lang="de-DE" sz="1600" dirty="0"/>
+              <a:t>: A </a:t>
+            </a:r>
+            <a:r>
+              <a:rPr lang="de-DE" sz="1600" dirty="0" err="1"/>
+              <a:t>survey</a:t>
+            </a:r>
+            <a:r>
+              <a:rPr lang="de-DE" sz="1600" dirty="0"/>
+              <a:t>. </a:t>
+            </a:r>
+            <a:r>
+              <a:rPr lang="de-DE" sz="1600" i="1" dirty="0"/>
+              <a:t>IEEE Communications Surveys </a:t>
+            </a:r>
+            <a:r>
+              <a:rPr lang="de-DE" sz="1600" i="1" dirty="0" smtClean="0"/>
+              <a:t>&amp; Tutorials</a:t>
+            </a:r>
+            <a:r>
+              <a:rPr lang="de-DE" sz="1600" dirty="0"/>
+              <a:t>, 15(4):1888–1906, 2013</a:t>
+            </a:r>
+            <a:r>
+              <a:rPr lang="de-DE" sz="1600" dirty="0" smtClean="0"/>
+              <a:t>.</a:t>
+            </a:r>
+            <a:endParaRPr lang="de-DE" sz="1600" dirty="0"/>
+          </a:p>
+          <a:p>
+            <a:r>
+              <a:rPr lang="de-DE" sz="1600" dirty="0" err="1" smtClean="0"/>
+              <a:t>Shuiqing</a:t>
+            </a:r>
+            <a:r>
+              <a:rPr lang="de-DE" sz="1600" dirty="0" smtClean="0"/>
+              <a:t> </a:t>
+            </a:r>
+            <a:r>
+              <a:rPr lang="de-DE" sz="1600" dirty="0"/>
+              <a:t>Gong, </a:t>
+            </a:r>
+            <a:r>
+              <a:rPr lang="de-DE" sz="1600" dirty="0" err="1"/>
+              <a:t>Jing</a:t>
+            </a:r>
+            <a:r>
+              <a:rPr lang="de-DE" sz="1600" dirty="0"/>
+              <a:t> Chen, </a:t>
+            </a:r>
+            <a:r>
+              <a:rPr lang="de-DE" sz="1600" dirty="0" err="1"/>
+              <a:t>Conghui</a:t>
+            </a:r>
+            <a:r>
+              <a:rPr lang="de-DE" sz="1600" dirty="0"/>
+              <a:t> Huang, </a:t>
+            </a:r>
+            <a:r>
+              <a:rPr lang="de-DE" sz="1600" dirty="0" err="1"/>
+              <a:t>Qingchao</a:t>
+            </a:r>
+            <a:r>
+              <a:rPr lang="de-DE" sz="1600" dirty="0"/>
+              <a:t> Zhu und </a:t>
+            </a:r>
+            <a:r>
+              <a:rPr lang="de-DE" sz="1600" dirty="0" err="1"/>
+              <a:t>Siyi</a:t>
+            </a:r>
+            <a:r>
+              <a:rPr lang="de-DE" sz="1600" dirty="0"/>
+              <a:t> Zhao. Virtual </a:t>
+            </a:r>
+            <a:r>
+              <a:rPr lang="en-US" sz="1600" dirty="0"/>
+              <a:t>Network Embedding through Security Risk Awareness and Optimization. </a:t>
+            </a:r>
+            <a:r>
+              <a:rPr lang="en-US" sz="1600" i="1" dirty="0"/>
+              <a:t>KSII Transactions </a:t>
+            </a:r>
+            <a:r>
+              <a:rPr lang="de-DE" sz="1600" i="1" dirty="0"/>
+              <a:t>on Internet &amp; Information Systems</a:t>
+            </a:r>
+            <a:r>
+              <a:rPr lang="de-DE" sz="1600" dirty="0"/>
+              <a:t>, 10(7), 2016</a:t>
+            </a:r>
+            <a:r>
+              <a:rPr lang="de-DE" sz="1600" dirty="0" smtClean="0"/>
+              <a:t>.</a:t>
+            </a:r>
+          </a:p>
+          <a:p>
+            <a:endParaRPr lang="de-DE" sz="1600" dirty="0" smtClean="0"/>
+          </a:p>
+          <a:p>
+            <a:pPr marL="0" indent="0">
+              <a:buNone/>
+            </a:pPr>
+            <a:r>
+              <a:rPr lang="de-DE" sz="1600" b="1" dirty="0" smtClean="0"/>
+              <a:t>Untersuchte Algorithmen</a:t>
+            </a:r>
+          </a:p>
+          <a:p>
+            <a:r>
+              <a:rPr lang="de-DE" sz="1600" dirty="0" smtClean="0"/>
+              <a:t>Hong </a:t>
+            </a:r>
+            <a:r>
+              <a:rPr lang="de-DE" sz="1600" dirty="0" err="1"/>
+              <a:t>Xu</a:t>
+            </a:r>
+            <a:r>
+              <a:rPr lang="de-DE" sz="1600" dirty="0"/>
+              <a:t> Ming </a:t>
+            </a:r>
+            <a:r>
+              <a:rPr lang="de-DE" sz="1600" dirty="0" err="1"/>
+              <a:t>Xu</a:t>
+            </a:r>
+            <a:r>
+              <a:rPr lang="de-DE" sz="1600" dirty="0"/>
+              <a:t> </a:t>
+            </a:r>
+            <a:r>
+              <a:rPr lang="de-DE" sz="1600" dirty="0" err="1"/>
+              <a:t>Shuhao</a:t>
+            </a:r>
+            <a:r>
+              <a:rPr lang="de-DE" sz="1600" dirty="0"/>
+              <a:t> Liu, </a:t>
+            </a:r>
+            <a:r>
+              <a:rPr lang="de-DE" sz="1600" dirty="0" err="1"/>
+              <a:t>Zhiping</a:t>
+            </a:r>
+            <a:r>
+              <a:rPr lang="de-DE" sz="1600" dirty="0"/>
+              <a:t> Cai. </a:t>
+            </a:r>
+            <a:r>
+              <a:rPr lang="de-DE" sz="1600" dirty="0" err="1"/>
+              <a:t>Towards</a:t>
+            </a:r>
+            <a:r>
+              <a:rPr lang="de-DE" sz="1600" dirty="0"/>
+              <a:t> Security-aware Virtual </a:t>
+            </a:r>
+            <a:r>
+              <a:rPr lang="de-DE" sz="1600" dirty="0" smtClean="0"/>
+              <a:t>Network Embedding</a:t>
+            </a:r>
+            <a:r>
+              <a:rPr lang="de-DE" sz="1600" dirty="0"/>
+              <a:t>, 2015</a:t>
+            </a:r>
+            <a:r>
+              <a:rPr lang="de-DE" sz="1600" dirty="0" smtClean="0"/>
+              <a:t>.</a:t>
+            </a:r>
+          </a:p>
+          <a:p>
+            <a:r>
+              <a:rPr lang="en-US" sz="1600" dirty="0" smtClean="0"/>
+              <a:t>Yang </a:t>
+            </a:r>
+            <a:r>
+              <a:rPr lang="en-US" sz="1600" dirty="0"/>
+              <a:t>Wang, </a:t>
+            </a:r>
+            <a:r>
+              <a:rPr lang="en-US" sz="1600" dirty="0" err="1"/>
+              <a:t>Phanvu</a:t>
+            </a:r>
+            <a:r>
+              <a:rPr lang="en-US" sz="1600" dirty="0"/>
+              <a:t> Chau und </a:t>
+            </a:r>
+            <a:r>
+              <a:rPr lang="en-US" sz="1600" dirty="0" err="1"/>
+              <a:t>Fuyu</a:t>
+            </a:r>
+            <a:r>
+              <a:rPr lang="en-US" sz="1600" dirty="0"/>
+              <a:t> Chen. Towards a secured network </a:t>
+            </a:r>
+            <a:r>
+              <a:rPr lang="en-US" sz="1600" dirty="0" smtClean="0"/>
+              <a:t>virtualization. </a:t>
+            </a:r>
+            <a:r>
+              <a:rPr lang="de-DE" sz="1600" i="1" dirty="0" smtClean="0"/>
+              <a:t>Computer </a:t>
+            </a:r>
+            <a:r>
+              <a:rPr lang="de-DE" sz="1600" i="1" dirty="0"/>
+              <a:t>Networks</a:t>
+            </a:r>
+            <a:r>
+              <a:rPr lang="de-DE" sz="1600" dirty="0"/>
+              <a:t>, 104:55–65, 2016.</a:t>
+            </a:r>
+            <a:endParaRPr lang="de-DE" sz="1600" dirty="0" smtClean="0"/>
+          </a:p>
+          <a:p>
+            <a:endParaRPr lang="de-DE" sz="1600" dirty="0"/>
           </a:p>
         </p:txBody>
       </p:sp>
@@ -17709,9 +18070,14 @@
           <a:bodyPr/>
           <a:lstStyle/>
           <a:p>
+            <a:pPr>
+              <a:defRPr/>
+            </a:pPr>
             <a:fld id="{70BFFA52-4234-45F6-B1A6-074E24FF43A2}" type="slidenum">
               <a:rPr lang="de-DE" smtClean="0"/>
-              <a:pPr/>
+              <a:pPr>
+                <a:defRPr/>
+              </a:pPr>
               <a:t>34</a:t>
             </a:fld>
             <a:endParaRPr lang="de-DE" dirty="0"/>
@@ -17744,7 +18110,7 @@
     </p:spTree>
     <p:extLst>
       <p:ext uri="{BB962C8B-B14F-4D97-AF65-F5344CB8AC3E}">
-        <p14:creationId xmlns:p14="http://schemas.microsoft.com/office/powerpoint/2010/main" val="3661181008"/>
+        <p14:creationId xmlns:p14="http://schemas.microsoft.com/office/powerpoint/2010/main" val="2073930859"/>
       </p:ext>
     </p:extLst>
   </p:cSld>
@@ -17805,10 +18171,6 @@
           <a:bodyPr/>
           <a:lstStyle/>
           <a:p>
-            <a:r>
-              <a:rPr lang="de-DE" dirty="0" smtClean="0"/>
-              <a:t>Empfehlenswerte Literatur</a:t>
-            </a:r>
             <a:endParaRPr lang="de-DE" sz="1800" dirty="0"/>
           </a:p>
         </p:txBody>
@@ -17828,348 +18190,63 @@
           <a:bodyPr/>
           <a:lstStyle/>
           <a:p>
-            <a:pPr marL="0" indent="0">
+            <a:pPr marL="0" indent="0" algn="ctr">
               <a:buNone/>
             </a:pPr>
-            <a:r>
-              <a:rPr lang="de-DE" sz="1600" b="1" dirty="0" smtClean="0"/>
-              <a:t>Sicherheitsaspekte virtueller Netzinfrastrukturen</a:t>
-            </a:r>
-          </a:p>
-          <a:p>
-            <a:r>
-              <a:rPr lang="de-DE" sz="1600" dirty="0"/>
-              <a:t>Kamal </a:t>
-            </a:r>
-            <a:r>
-              <a:rPr lang="de-DE" sz="1600" dirty="0" err="1"/>
-              <a:t>Dahbur</a:t>
-            </a:r>
-            <a:r>
-              <a:rPr lang="de-DE" sz="1600" dirty="0"/>
-              <a:t>, </a:t>
-            </a:r>
-            <a:r>
-              <a:rPr lang="de-DE" sz="1600" dirty="0" err="1"/>
-              <a:t>Bassil</a:t>
-            </a:r>
-            <a:r>
-              <a:rPr lang="de-DE" sz="1600" dirty="0"/>
-              <a:t> Mohammad und Ahmad Bisher </a:t>
-            </a:r>
-            <a:r>
-              <a:rPr lang="de-DE" sz="1600" dirty="0" err="1"/>
-              <a:t>Tarakji</a:t>
-            </a:r>
-            <a:r>
-              <a:rPr lang="de-DE" sz="1600" dirty="0"/>
-              <a:t>. A </a:t>
-            </a:r>
-            <a:r>
-              <a:rPr lang="de-DE" sz="1600" dirty="0" err="1"/>
-              <a:t>survey</a:t>
-            </a:r>
-            <a:r>
-              <a:rPr lang="de-DE" sz="1600" dirty="0"/>
-              <a:t> </a:t>
-            </a:r>
-            <a:r>
-              <a:rPr lang="de-DE" sz="1600" dirty="0" err="1"/>
-              <a:t>of</a:t>
-            </a:r>
-            <a:r>
-              <a:rPr lang="de-DE" sz="1600" dirty="0"/>
-              <a:t> </a:t>
-            </a:r>
-            <a:r>
-              <a:rPr lang="de-DE" sz="1600" dirty="0" err="1"/>
-              <a:t>risks</a:t>
-            </a:r>
-            <a:r>
-              <a:rPr lang="de-DE" sz="1600" dirty="0"/>
-              <a:t>, </a:t>
-            </a:r>
-            <a:r>
-              <a:rPr lang="en-US" sz="1600" dirty="0"/>
-              <a:t>threats and vulnerabilities in cloud computing. In </a:t>
-            </a:r>
-            <a:r>
-              <a:rPr lang="en-US" sz="1600" i="1" dirty="0"/>
-              <a:t>Proceedings of the 2011 International </a:t>
-            </a:r>
-            <a:r>
-              <a:rPr lang="de-DE" sz="1600" i="1" dirty="0" err="1"/>
-              <a:t>conference</a:t>
-            </a:r>
-            <a:r>
-              <a:rPr lang="de-DE" sz="1600" i="1" dirty="0"/>
-              <a:t> on intelligent </a:t>
-            </a:r>
-            <a:r>
-              <a:rPr lang="de-DE" sz="1600" i="1" dirty="0" err="1"/>
-              <a:t>semantic</a:t>
-            </a:r>
-            <a:r>
-              <a:rPr lang="de-DE" sz="1600" i="1" dirty="0"/>
-              <a:t> Web-services </a:t>
-            </a:r>
-            <a:r>
-              <a:rPr lang="de-DE" sz="1600" i="1" dirty="0" err="1"/>
-              <a:t>and</a:t>
-            </a:r>
-            <a:r>
-              <a:rPr lang="de-DE" sz="1600" i="1" dirty="0"/>
-              <a:t> </a:t>
-            </a:r>
-            <a:r>
-              <a:rPr lang="de-DE" sz="1600" i="1" dirty="0" err="1"/>
-              <a:t>applications</a:t>
-            </a:r>
-            <a:r>
-              <a:rPr lang="de-DE" sz="1600" dirty="0"/>
-              <a:t>, Seite 12. ACM, 2011.</a:t>
-            </a:r>
-          </a:p>
-          <a:p>
-            <a:r>
-              <a:rPr lang="de-DE" sz="1600" dirty="0" smtClean="0"/>
-              <a:t>Andreas </a:t>
-            </a:r>
-            <a:r>
-              <a:rPr lang="de-DE" sz="1600" dirty="0"/>
-              <a:t>Fischer, Juan Felipe Botero, Michael Till Beck, Hermann De Meer und </a:t>
-            </a:r>
-            <a:r>
-              <a:rPr lang="de-DE" sz="1600" dirty="0" smtClean="0"/>
-              <a:t>Xavier Hesselbach</a:t>
-            </a:r>
-            <a:r>
-              <a:rPr lang="de-DE" sz="1600" dirty="0"/>
-              <a:t>. Virtual </a:t>
-            </a:r>
-            <a:r>
-              <a:rPr lang="de-DE" sz="1600" dirty="0" err="1"/>
-              <a:t>network</a:t>
-            </a:r>
-            <a:r>
-              <a:rPr lang="de-DE" sz="1600" dirty="0"/>
-              <a:t> </a:t>
-            </a:r>
-            <a:r>
-              <a:rPr lang="de-DE" sz="1600" dirty="0" err="1"/>
-              <a:t>embedding</a:t>
-            </a:r>
-            <a:r>
-              <a:rPr lang="de-DE" sz="1600" dirty="0"/>
-              <a:t>: A </a:t>
-            </a:r>
-            <a:r>
-              <a:rPr lang="de-DE" sz="1600" dirty="0" err="1"/>
-              <a:t>survey</a:t>
-            </a:r>
-            <a:r>
-              <a:rPr lang="de-DE" sz="1600" dirty="0"/>
-              <a:t>. </a:t>
-            </a:r>
-            <a:r>
-              <a:rPr lang="de-DE" sz="1600" i="1" dirty="0"/>
-              <a:t>IEEE Communications Surveys </a:t>
-            </a:r>
-            <a:r>
-              <a:rPr lang="de-DE" sz="1600" i="1" dirty="0" smtClean="0"/>
-              <a:t>&amp; Tutorials</a:t>
-            </a:r>
-            <a:r>
-              <a:rPr lang="de-DE" sz="1600" dirty="0"/>
-              <a:t>, 15(4):1888–1906, 2013</a:t>
-            </a:r>
-            <a:r>
-              <a:rPr lang="de-DE" sz="1600" dirty="0" smtClean="0"/>
-              <a:t>.</a:t>
-            </a:r>
-            <a:endParaRPr lang="de-DE" sz="1600" dirty="0"/>
-          </a:p>
-          <a:p>
-            <a:r>
-              <a:rPr lang="de-DE" sz="1600" dirty="0" err="1" smtClean="0"/>
-              <a:t>Shuiqing</a:t>
-            </a:r>
-            <a:r>
-              <a:rPr lang="de-DE" sz="1600" dirty="0" smtClean="0"/>
-              <a:t> </a:t>
-            </a:r>
-            <a:r>
-              <a:rPr lang="de-DE" sz="1600" dirty="0"/>
-              <a:t>Gong, </a:t>
-            </a:r>
-            <a:r>
-              <a:rPr lang="de-DE" sz="1600" dirty="0" err="1"/>
-              <a:t>Jing</a:t>
-            </a:r>
-            <a:r>
-              <a:rPr lang="de-DE" sz="1600" dirty="0"/>
-              <a:t> Chen, </a:t>
-            </a:r>
-            <a:r>
-              <a:rPr lang="de-DE" sz="1600" dirty="0" err="1"/>
-              <a:t>Conghui</a:t>
-            </a:r>
-            <a:r>
-              <a:rPr lang="de-DE" sz="1600" dirty="0"/>
-              <a:t> Huang, </a:t>
-            </a:r>
-            <a:r>
-              <a:rPr lang="de-DE" sz="1600" dirty="0" err="1"/>
-              <a:t>Qingchao</a:t>
-            </a:r>
-            <a:r>
-              <a:rPr lang="de-DE" sz="1600" dirty="0"/>
-              <a:t> Zhu und </a:t>
-            </a:r>
-            <a:r>
-              <a:rPr lang="de-DE" sz="1600" dirty="0" err="1"/>
-              <a:t>Siyi</a:t>
-            </a:r>
-            <a:r>
-              <a:rPr lang="de-DE" sz="1600" dirty="0"/>
-              <a:t> Zhao. Virtual </a:t>
-            </a:r>
-            <a:r>
-              <a:rPr lang="en-US" sz="1600" dirty="0"/>
-              <a:t>Network Embedding through Security Risk Awareness and Optimization. </a:t>
-            </a:r>
-            <a:r>
-              <a:rPr lang="en-US" sz="1600" i="1" dirty="0"/>
-              <a:t>KSII Transactions </a:t>
-            </a:r>
-            <a:r>
-              <a:rPr lang="de-DE" sz="1600" i="1" dirty="0"/>
-              <a:t>on Internet &amp; Information Systems</a:t>
-            </a:r>
-            <a:r>
-              <a:rPr lang="de-DE" sz="1600" dirty="0"/>
-              <a:t>, 10(7), 2016</a:t>
-            </a:r>
-            <a:r>
-              <a:rPr lang="de-DE" sz="1600" dirty="0" smtClean="0"/>
-              <a:t>.</a:t>
-            </a:r>
-          </a:p>
-          <a:p>
-            <a:endParaRPr lang="de-DE" sz="1600" dirty="0" smtClean="0"/>
-          </a:p>
-          <a:p>
-            <a:pPr marL="0" indent="0">
+            <a:endParaRPr lang="de-DE" sz="3200" dirty="0" smtClean="0"/>
+          </a:p>
+          <a:p>
+            <a:pPr marL="0" indent="0" algn="ctr">
               <a:buNone/>
             </a:pPr>
-            <a:r>
-              <a:rPr lang="de-DE" sz="1600" b="1" dirty="0" smtClean="0"/>
-              <a:t>Untersuchte Algorithmen</a:t>
-            </a:r>
-          </a:p>
-          <a:p>
-            <a:r>
-              <a:rPr lang="de-DE" sz="1600" dirty="0" smtClean="0"/>
-              <a:t>Hong </a:t>
-            </a:r>
-            <a:r>
-              <a:rPr lang="de-DE" sz="1600" dirty="0" err="1"/>
-              <a:t>Xu</a:t>
-            </a:r>
-            <a:r>
-              <a:rPr lang="de-DE" sz="1600" dirty="0"/>
-              <a:t> Ming </a:t>
-            </a:r>
-            <a:r>
-              <a:rPr lang="de-DE" sz="1600" dirty="0" err="1"/>
-              <a:t>Xu</a:t>
-            </a:r>
-            <a:r>
-              <a:rPr lang="de-DE" sz="1600" dirty="0"/>
-              <a:t> </a:t>
-            </a:r>
-            <a:r>
-              <a:rPr lang="de-DE" sz="1600" dirty="0" err="1"/>
-              <a:t>Shuhao</a:t>
-            </a:r>
-            <a:r>
-              <a:rPr lang="de-DE" sz="1600" dirty="0"/>
-              <a:t> Liu, </a:t>
-            </a:r>
-            <a:r>
-              <a:rPr lang="de-DE" sz="1600" dirty="0" err="1"/>
-              <a:t>Zhiping</a:t>
-            </a:r>
-            <a:r>
-              <a:rPr lang="de-DE" sz="1600" dirty="0"/>
-              <a:t> Cai. </a:t>
-            </a:r>
-            <a:r>
-              <a:rPr lang="de-DE" sz="1600" dirty="0" err="1"/>
-              <a:t>Towards</a:t>
-            </a:r>
-            <a:r>
-              <a:rPr lang="de-DE" sz="1600" dirty="0"/>
-              <a:t> Security-aware Virtual </a:t>
-            </a:r>
-            <a:r>
-              <a:rPr lang="de-DE" sz="1600" dirty="0" smtClean="0"/>
-              <a:t>Network Embedding</a:t>
-            </a:r>
-            <a:r>
-              <a:rPr lang="de-DE" sz="1600" dirty="0"/>
-              <a:t>, 2015</a:t>
-            </a:r>
-            <a:r>
-              <a:rPr lang="de-DE" sz="1600" dirty="0" smtClean="0"/>
-              <a:t>.</a:t>
-            </a:r>
-          </a:p>
-          <a:p>
-            <a:r>
-              <a:rPr lang="en-US" sz="1600" dirty="0" smtClean="0"/>
-              <a:t>Yang </a:t>
-            </a:r>
-            <a:r>
-              <a:rPr lang="en-US" sz="1600" dirty="0"/>
-              <a:t>Wang, </a:t>
-            </a:r>
-            <a:r>
-              <a:rPr lang="en-US" sz="1600" dirty="0" err="1"/>
-              <a:t>Phanvu</a:t>
-            </a:r>
-            <a:r>
-              <a:rPr lang="en-US" sz="1600" dirty="0"/>
-              <a:t> Chau und </a:t>
-            </a:r>
-            <a:r>
-              <a:rPr lang="en-US" sz="1600" dirty="0" err="1"/>
-              <a:t>Fuyu</a:t>
-            </a:r>
-            <a:r>
-              <a:rPr lang="en-US" sz="1600" dirty="0"/>
-              <a:t> Chen. Towards a secured network </a:t>
-            </a:r>
-            <a:r>
-              <a:rPr lang="en-US" sz="1600" dirty="0" smtClean="0"/>
-              <a:t>virtualization. </a:t>
-            </a:r>
-            <a:r>
-              <a:rPr lang="de-DE" sz="1600" i="1" dirty="0" smtClean="0"/>
-              <a:t>Computer </a:t>
-            </a:r>
-            <a:r>
-              <a:rPr lang="de-DE" sz="1600" i="1" dirty="0"/>
-              <a:t>Networks</a:t>
-            </a:r>
-            <a:r>
-              <a:rPr lang="de-DE" sz="1600" dirty="0"/>
-              <a:t>, 104:55–65, 2016.</a:t>
-            </a:r>
-            <a:endParaRPr lang="de-DE" sz="1600" dirty="0" smtClean="0"/>
-          </a:p>
-          <a:p>
-            <a:endParaRPr lang="de-DE" sz="1600" dirty="0"/>
+            <a:endParaRPr lang="de-DE" sz="3200" dirty="0"/>
+          </a:p>
+          <a:p>
+            <a:pPr marL="0" indent="0" algn="ctr">
+              <a:buNone/>
+            </a:pPr>
+            <a:endParaRPr lang="de-DE" sz="3200" dirty="0" smtClean="0"/>
+          </a:p>
+          <a:p>
+            <a:pPr marL="0" indent="0" algn="ctr">
+              <a:buNone/>
+            </a:pPr>
+            <a:r>
+              <a:rPr lang="de-DE" sz="3200" dirty="0" smtClean="0"/>
+              <a:t>Vielen Dank für Ihre Aufmerksamkeit!</a:t>
+            </a:r>
+          </a:p>
+          <a:p>
+            <a:pPr marL="0" indent="0" algn="ctr">
+              <a:buNone/>
+            </a:pPr>
+            <a:endParaRPr lang="de-DE" dirty="0" smtClean="0"/>
+          </a:p>
+          <a:p>
+            <a:pPr marL="0" indent="0" algn="ctr">
+              <a:buNone/>
+            </a:pPr>
+            <a:r>
+              <a:rPr lang="de-DE" sz="2000" dirty="0" smtClean="0"/>
+              <a:t>{</a:t>
+            </a:r>
+            <a:r>
+              <a:rPr lang="de-DE" sz="2000" dirty="0" err="1" smtClean="0"/>
+              <a:t>gerhard.groeschl</a:t>
+            </a:r>
+            <a:r>
+              <a:rPr lang="de-DE" sz="2000" dirty="0"/>
+              <a:t>, </a:t>
+            </a:r>
+            <a:r>
+              <a:rPr lang="de-DE" sz="2000" dirty="0" err="1" smtClean="0"/>
+              <a:t>miran.mizani</a:t>
+            </a:r>
+            <a:r>
+              <a:rPr lang="de-DE" sz="2000" dirty="0" smtClean="0"/>
+              <a:t>}@campus.lmu.de</a:t>
+            </a:r>
+            <a:endParaRPr lang="de-DE" sz="2000" dirty="0"/>
           </a:p>
         </p:txBody>
       </p:sp>
@@ -18197,201 +18274,6 @@
                 <a:defRPr/>
               </a:pPr>
               <a:t>35</a:t>
-            </a:fld>
-            <a:endParaRPr lang="de-DE" dirty="0"/>
-          </a:p>
-        </p:txBody>
-      </p:sp>
-      <p:sp>
-        <p:nvSpPr>
-          <p:cNvPr id="5" name="Fußzeilenplatzhalter 4"/>
-          <p:cNvSpPr>
-            <a:spLocks noGrp="1"/>
-          </p:cNvSpPr>
-          <p:nvPr>
-            <p:ph type="ftr" sz="quarter" idx="3"/>
-          </p:nvPr>
-        </p:nvSpPr>
-        <p:spPr/>
-        <p:txBody>
-          <a:bodyPr/>
-          <a:lstStyle/>
-          <a:p>
-            <a:r>
-              <a:rPr lang="de-DE" smtClean="0"/>
-              <a:t>Sicherheitsaspekte beim Deployment virtueller Netzinfrastrukturen</a:t>
-            </a:r>
-            <a:endParaRPr lang="de-DE" dirty="0"/>
-          </a:p>
-        </p:txBody>
-      </p:sp>
-    </p:spTree>
-    <p:extLst>
-      <p:ext uri="{BB962C8B-B14F-4D97-AF65-F5344CB8AC3E}">
-        <p14:creationId xmlns:p14="http://schemas.microsoft.com/office/powerpoint/2010/main" val="2073930859"/>
-      </p:ext>
-    </p:extLst>
-  </p:cSld>
-  <p:clrMapOvr>
-    <a:masterClrMapping/>
-  </p:clrMapOvr>
-  <mc:AlternateContent xmlns:mc="http://schemas.openxmlformats.org/markup-compatibility/2006" xmlns:p14="http://schemas.microsoft.com/office/powerpoint/2010/main">
-    <mc:Choice Requires="p14">
-      <p:transition spd="med" p14:dur="700">
-        <p:fade/>
-      </p:transition>
-    </mc:Choice>
-    <mc:Fallback xmlns="">
-      <p:transition spd="med">
-        <p:fade/>
-      </p:transition>
-    </mc:Fallback>
-  </mc:AlternateContent>
-  <p:timing>
-    <p:tnLst>
-      <p:par>
-        <p:cTn id="1" dur="indefinite" restart="never" nodeType="tmRoot"/>
-      </p:par>
-    </p:tnLst>
-  </p:timing>
-</p:sld>
-</file>
-
-<file path=ppt/slides/slide36.xml><?xml version="1.0" encoding="utf-8"?>
-<p:sld xmlns:a="http://schemas.openxmlformats.org/drawingml/2006/main" xmlns:r="http://schemas.openxmlformats.org/officeDocument/2006/relationships" xmlns:p="http://schemas.openxmlformats.org/presentationml/2006/main">
-  <p:cSld>
-    <p:spTree>
-      <p:nvGrpSpPr>
-        <p:cNvPr id="1" name=""/>
-        <p:cNvGrpSpPr/>
-        <p:nvPr/>
-      </p:nvGrpSpPr>
-      <p:grpSpPr>
-        <a:xfrm>
-          <a:off x="0" y="0"/>
-          <a:ext cx="0" cy="0"/>
-          <a:chOff x="0" y="0"/>
-          <a:chExt cx="0" cy="0"/>
-        </a:xfrm>
-      </p:grpSpPr>
-      <p:sp>
-        <p:nvSpPr>
-          <p:cNvPr id="2" name="Titel 1"/>
-          <p:cNvSpPr>
-            <a:spLocks noGrp="1"/>
-          </p:cNvSpPr>
-          <p:nvPr>
-            <p:ph type="title"/>
-          </p:nvPr>
-        </p:nvSpPr>
-        <p:spPr/>
-        <p:txBody>
-          <a:bodyPr/>
-          <a:lstStyle/>
-          <a:p>
-            <a:endParaRPr lang="de-DE" sz="1800" dirty="0"/>
-          </a:p>
-        </p:txBody>
-      </p:sp>
-      <p:sp>
-        <p:nvSpPr>
-          <p:cNvPr id="3" name="Inhaltsplatzhalter 2"/>
-          <p:cNvSpPr>
-            <a:spLocks noGrp="1"/>
-          </p:cNvSpPr>
-          <p:nvPr>
-            <p:ph idx="1"/>
-          </p:nvPr>
-        </p:nvSpPr>
-        <p:spPr/>
-        <p:txBody>
-          <a:bodyPr/>
-          <a:lstStyle/>
-          <a:p>
-            <a:pPr marL="0" indent="0" algn="ctr">
-              <a:buNone/>
-            </a:pPr>
-            <a:endParaRPr lang="de-DE" sz="3200" dirty="0" smtClean="0"/>
-          </a:p>
-          <a:p>
-            <a:pPr marL="0" indent="0" algn="ctr">
-              <a:buNone/>
-            </a:pPr>
-            <a:endParaRPr lang="de-DE" sz="3200" dirty="0"/>
-          </a:p>
-          <a:p>
-            <a:pPr marL="0" indent="0" algn="ctr">
-              <a:buNone/>
-            </a:pPr>
-            <a:endParaRPr lang="de-DE" sz="3200" dirty="0" smtClean="0"/>
-          </a:p>
-          <a:p>
-            <a:pPr marL="0" indent="0" algn="ctr">
-              <a:buNone/>
-            </a:pPr>
-            <a:r>
-              <a:rPr lang="de-DE" sz="3200" dirty="0" smtClean="0"/>
-              <a:t>Vielen Dank für Ihre Aufmerksamkeit!</a:t>
-            </a:r>
-          </a:p>
-          <a:p>
-            <a:pPr marL="0" indent="0" algn="ctr">
-              <a:buNone/>
-            </a:pPr>
-            <a:endParaRPr lang="de-DE" dirty="0" smtClean="0"/>
-          </a:p>
-          <a:p>
-            <a:pPr marL="0" indent="0" algn="ctr">
-              <a:buNone/>
-            </a:pPr>
-            <a:r>
-              <a:rPr lang="de-DE" sz="2000" dirty="0" smtClean="0"/>
-              <a:t>{</a:t>
-            </a:r>
-            <a:r>
-              <a:rPr lang="de-DE" sz="2000" dirty="0" err="1" smtClean="0"/>
-              <a:t>gerhard.groeschl</a:t>
-            </a:r>
-            <a:r>
-              <a:rPr lang="de-DE" sz="2000" dirty="0"/>
-              <a:t>, </a:t>
-            </a:r>
-            <a:r>
-              <a:rPr lang="de-DE" sz="2000" dirty="0" err="1" smtClean="0"/>
-              <a:t>miran.mizani</a:t>
-            </a:r>
-            <a:r>
-              <a:rPr lang="de-DE" sz="2000" dirty="0" smtClean="0"/>
-              <a:t>}@campus.lmu.de</a:t>
-            </a:r>
-            <a:endParaRPr lang="de-DE" sz="2000" dirty="0"/>
-          </a:p>
-        </p:txBody>
-      </p:sp>
-      <p:sp>
-        <p:nvSpPr>
-          <p:cNvPr id="4" name="Foliennummernplatzhalter 3"/>
-          <p:cNvSpPr>
-            <a:spLocks noGrp="1"/>
-          </p:cNvSpPr>
-          <p:nvPr>
-            <p:ph type="sldNum" sz="quarter" idx="4"/>
-          </p:nvPr>
-        </p:nvSpPr>
-        <p:spPr/>
-        <p:txBody>
-          <a:bodyPr/>
-          <a:lstStyle/>
-          <a:p>
-            <a:pPr>
-              <a:defRPr/>
-            </a:pPr>
-            <a:fld id="{70BFFA52-4234-45F6-B1A6-074E24FF43A2}" type="slidenum">
-              <a:rPr lang="de-DE" smtClean="0"/>
-              <a:pPr>
-                <a:defRPr/>
-              </a:pPr>
-              <a:t>36</a:t>
             </a:fld>
             <a:endParaRPr lang="de-DE" dirty="0"/>
           </a:p>

--- a/Referat/PowerPoint/TimvS_SVNE.pptx
+++ b/Referat/PowerPoint/TimvS_SVNE.pptx
@@ -5,10 +5,10 @@
     <p:sldMasterId id="2147483652" r:id="rId1"/>
   </p:sldMasterIdLst>
   <p:notesMasterIdLst>
-    <p:notesMasterId r:id="rId37"/>
+    <p:notesMasterId r:id="rId39"/>
   </p:notesMasterIdLst>
   <p:handoutMasterIdLst>
-    <p:handoutMasterId r:id="rId38"/>
+    <p:handoutMasterId r:id="rId40"/>
   </p:handoutMasterIdLst>
   <p:sldIdLst>
     <p:sldId id="844" r:id="rId2"/>
@@ -44,8 +44,10 @@
     <p:sldId id="872" r:id="rId32"/>
     <p:sldId id="878" r:id="rId33"/>
     <p:sldId id="879" r:id="rId34"/>
-    <p:sldId id="845" r:id="rId35"/>
-    <p:sldId id="858" r:id="rId36"/>
+    <p:sldId id="881" r:id="rId35"/>
+    <p:sldId id="882" r:id="rId36"/>
+    <p:sldId id="845" r:id="rId37"/>
+    <p:sldId id="858" r:id="rId38"/>
   </p:sldIdLst>
   <p:sldSz cx="9144000" cy="6858000" type="screen4x3"/>
   <p:notesSz cx="6781800" cy="9855200"/>
@@ -2974,7 +2976,7 @@
     </p:spTree>
     <p:extLst>
       <p:ext uri="{BB962C8B-B14F-4D97-AF65-F5344CB8AC3E}">
-        <p14:creationId xmlns:p14="http://schemas.microsoft.com/office/powerpoint/2010/main" val="1348049600"/>
+        <p14:creationId xmlns:p14="http://schemas.microsoft.com/office/powerpoint/2010/main" val="1439053324"/>
       </p:ext>
     </p:extLst>
   </p:cSld>
@@ -3051,6 +3053,176 @@
               <a:rPr lang="de-DE" smtClean="0"/>
               <a:pPr/>
               <a:t>35</a:t>
+            </a:fld>
+            <a:endParaRPr lang="de-DE"/>
+          </a:p>
+        </p:txBody>
+      </p:sp>
+    </p:spTree>
+    <p:extLst>
+      <p:ext uri="{BB962C8B-B14F-4D97-AF65-F5344CB8AC3E}">
+        <p14:creationId xmlns:p14="http://schemas.microsoft.com/office/powerpoint/2010/main" val="2398454923"/>
+      </p:ext>
+    </p:extLst>
+  </p:cSld>
+  <p:clrMapOvr>
+    <a:masterClrMapping/>
+  </p:clrMapOvr>
+</p:notes>
+</file>
+
+<file path=ppt/notesSlides/notesSlide34.xml><?xml version="1.0" encoding="utf-8"?>
+<p:notes xmlns:a="http://schemas.openxmlformats.org/drawingml/2006/main" xmlns:r="http://schemas.openxmlformats.org/officeDocument/2006/relationships" xmlns:p="http://schemas.openxmlformats.org/presentationml/2006/main">
+  <p:cSld>
+    <p:spTree>
+      <p:nvGrpSpPr>
+        <p:cNvPr id="1" name=""/>
+        <p:cNvGrpSpPr/>
+        <p:nvPr/>
+      </p:nvGrpSpPr>
+      <p:grpSpPr>
+        <a:xfrm>
+          <a:off x="0" y="0"/>
+          <a:ext cx="0" cy="0"/>
+          <a:chOff x="0" y="0"/>
+          <a:chExt cx="0" cy="0"/>
+        </a:xfrm>
+      </p:grpSpPr>
+      <p:sp>
+        <p:nvSpPr>
+          <p:cNvPr id="2" name="Folienbildplatzhalter 1"/>
+          <p:cNvSpPr>
+            <a:spLocks noGrp="1" noRot="1" noChangeAspect="1"/>
+          </p:cNvSpPr>
+          <p:nvPr>
+            <p:ph type="sldImg"/>
+          </p:nvPr>
+        </p:nvSpPr>
+        <p:spPr/>
+      </p:sp>
+      <p:sp>
+        <p:nvSpPr>
+          <p:cNvPr id="3" name="Notizenplatzhalter 2"/>
+          <p:cNvSpPr>
+            <a:spLocks noGrp="1"/>
+          </p:cNvSpPr>
+          <p:nvPr>
+            <p:ph type="body" idx="1"/>
+          </p:nvPr>
+        </p:nvSpPr>
+        <p:spPr/>
+        <p:txBody>
+          <a:bodyPr/>
+          <a:lstStyle/>
+          <a:p>
+            <a:endParaRPr lang="de-DE" dirty="0"/>
+          </a:p>
+        </p:txBody>
+      </p:sp>
+      <p:sp>
+        <p:nvSpPr>
+          <p:cNvPr id="4" name="Foliennummernplatzhalter 3"/>
+          <p:cNvSpPr>
+            <a:spLocks noGrp="1"/>
+          </p:cNvSpPr>
+          <p:nvPr>
+            <p:ph type="sldNum" sz="quarter" idx="10"/>
+          </p:nvPr>
+        </p:nvSpPr>
+        <p:spPr/>
+        <p:txBody>
+          <a:bodyPr/>
+          <a:lstStyle/>
+          <a:p>
+            <a:fld id="{87E9C61A-9B5E-4580-98DD-1AC874081FFB}" type="slidenum">
+              <a:rPr lang="de-DE" smtClean="0"/>
+              <a:pPr/>
+              <a:t>36</a:t>
+            </a:fld>
+            <a:endParaRPr lang="de-DE"/>
+          </a:p>
+        </p:txBody>
+      </p:sp>
+    </p:spTree>
+    <p:extLst>
+      <p:ext uri="{BB962C8B-B14F-4D97-AF65-F5344CB8AC3E}">
+        <p14:creationId xmlns:p14="http://schemas.microsoft.com/office/powerpoint/2010/main" val="1348049600"/>
+      </p:ext>
+    </p:extLst>
+  </p:cSld>
+  <p:clrMapOvr>
+    <a:masterClrMapping/>
+  </p:clrMapOvr>
+</p:notes>
+</file>
+
+<file path=ppt/notesSlides/notesSlide35.xml><?xml version="1.0" encoding="utf-8"?>
+<p:notes xmlns:a="http://schemas.openxmlformats.org/drawingml/2006/main" xmlns:r="http://schemas.openxmlformats.org/officeDocument/2006/relationships" xmlns:p="http://schemas.openxmlformats.org/presentationml/2006/main">
+  <p:cSld>
+    <p:spTree>
+      <p:nvGrpSpPr>
+        <p:cNvPr id="1" name=""/>
+        <p:cNvGrpSpPr/>
+        <p:nvPr/>
+      </p:nvGrpSpPr>
+      <p:grpSpPr>
+        <a:xfrm>
+          <a:off x="0" y="0"/>
+          <a:ext cx="0" cy="0"/>
+          <a:chOff x="0" y="0"/>
+          <a:chExt cx="0" cy="0"/>
+        </a:xfrm>
+      </p:grpSpPr>
+      <p:sp>
+        <p:nvSpPr>
+          <p:cNvPr id="2" name="Folienbildplatzhalter 1"/>
+          <p:cNvSpPr>
+            <a:spLocks noGrp="1" noRot="1" noChangeAspect="1"/>
+          </p:cNvSpPr>
+          <p:nvPr>
+            <p:ph type="sldImg"/>
+          </p:nvPr>
+        </p:nvSpPr>
+        <p:spPr/>
+      </p:sp>
+      <p:sp>
+        <p:nvSpPr>
+          <p:cNvPr id="3" name="Notizenplatzhalter 2"/>
+          <p:cNvSpPr>
+            <a:spLocks noGrp="1"/>
+          </p:cNvSpPr>
+          <p:nvPr>
+            <p:ph type="body" idx="1"/>
+          </p:nvPr>
+        </p:nvSpPr>
+        <p:spPr/>
+        <p:txBody>
+          <a:bodyPr/>
+          <a:lstStyle/>
+          <a:p>
+            <a:endParaRPr lang="de-DE" dirty="0"/>
+          </a:p>
+        </p:txBody>
+      </p:sp>
+      <p:sp>
+        <p:nvSpPr>
+          <p:cNvPr id="4" name="Foliennummernplatzhalter 3"/>
+          <p:cNvSpPr>
+            <a:spLocks noGrp="1"/>
+          </p:cNvSpPr>
+          <p:nvPr>
+            <p:ph type="sldNum" sz="quarter" idx="10"/>
+          </p:nvPr>
+        </p:nvSpPr>
+        <p:spPr/>
+        <p:txBody>
+          <a:bodyPr/>
+          <a:lstStyle/>
+          <a:p>
+            <a:fld id="{87E9C61A-9B5E-4580-98DD-1AC874081FFB}" type="slidenum">
+              <a:rPr lang="de-DE" smtClean="0"/>
+              <a:pPr/>
+              <a:t>37</a:t>
             </a:fld>
             <a:endParaRPr lang="de-DE"/>
           </a:p>
@@ -12490,78 +12662,6 @@
       </p:sp>
       <p:sp>
         <p:nvSpPr>
-          <p:cNvPr id="6" name="Textfeld 5"/>
-          <p:cNvSpPr txBox="1"/>
-          <p:nvPr/>
-        </p:nvSpPr>
-        <p:spPr>
-          <a:xfrm>
-            <a:off x="143508" y="6225899"/>
-            <a:ext cx="7564763" cy="461665"/>
-          </a:xfrm>
-          <a:prstGeom prst="rect">
-            <a:avLst/>
-          </a:prstGeom>
-          <a:noFill/>
-        </p:spPr>
-        <p:txBody>
-          <a:bodyPr wrap="none" rtlCol="0">
-            <a:spAutoFit/>
-          </a:bodyPr>
-          <a:lstStyle/>
-          <a:p>
-            <a:r>
-              <a:rPr lang="de-DE" dirty="0" smtClean="0"/>
-              <a:t>[1] Hong </a:t>
-            </a:r>
-            <a:r>
-              <a:rPr lang="de-DE" dirty="0" err="1"/>
-              <a:t>Xu</a:t>
-            </a:r>
-            <a:r>
-              <a:rPr lang="de-DE" dirty="0"/>
-              <a:t> Ming </a:t>
-            </a:r>
-            <a:r>
-              <a:rPr lang="de-DE" dirty="0" err="1"/>
-              <a:t>Xu</a:t>
-            </a:r>
-            <a:r>
-              <a:rPr lang="de-DE" dirty="0"/>
-              <a:t> </a:t>
-            </a:r>
-            <a:r>
-              <a:rPr lang="de-DE" dirty="0" err="1"/>
-              <a:t>Shuhao</a:t>
-            </a:r>
-            <a:r>
-              <a:rPr lang="de-DE" dirty="0"/>
-              <a:t> Liu, </a:t>
-            </a:r>
-            <a:r>
-              <a:rPr lang="de-DE" dirty="0" err="1"/>
-              <a:t>Zhiping</a:t>
-            </a:r>
-            <a:r>
-              <a:rPr lang="de-DE" dirty="0"/>
-              <a:t> Cai. </a:t>
-            </a:r>
-            <a:r>
-              <a:rPr lang="de-DE" dirty="0" err="1"/>
-              <a:t>Towards</a:t>
-            </a:r>
-            <a:r>
-              <a:rPr lang="de-DE" dirty="0"/>
-              <a:t> Security-aware Virtual Network Embedding, 2015.</a:t>
-            </a:r>
-          </a:p>
-          <a:p>
-            <a:endParaRPr lang="de-DE" dirty="0"/>
-          </a:p>
-        </p:txBody>
-      </p:sp>
-      <p:sp>
-        <p:nvSpPr>
           <p:cNvPr id="7" name="Textfeld 6"/>
           <p:cNvSpPr txBox="1"/>
           <p:nvPr/>
@@ -12838,6 +12938,68 @@
           </a:p>
         </p:txBody>
       </p:sp>
+      <p:sp>
+        <p:nvSpPr>
+          <p:cNvPr id="10" name="Textfeld 9"/>
+          <p:cNvSpPr txBox="1"/>
+          <p:nvPr/>
+        </p:nvSpPr>
+        <p:spPr>
+          <a:xfrm>
+            <a:off x="143508" y="6225899"/>
+            <a:ext cx="8944821" cy="276999"/>
+          </a:xfrm>
+          <a:prstGeom prst="rect">
+            <a:avLst/>
+          </a:prstGeom>
+          <a:noFill/>
+        </p:spPr>
+        <p:txBody>
+          <a:bodyPr wrap="none" rtlCol="0">
+            <a:spAutoFit/>
+          </a:bodyPr>
+          <a:lstStyle/>
+          <a:p>
+            <a:r>
+              <a:rPr lang="de-DE" dirty="0" smtClean="0"/>
+              <a:t>[1] </a:t>
+            </a:r>
+            <a:r>
+              <a:rPr lang="en-US" dirty="0"/>
+              <a:t>Yang Wang, </a:t>
+            </a:r>
+            <a:r>
+              <a:rPr lang="en-US" dirty="0" err="1"/>
+              <a:t>Phanvu</a:t>
+            </a:r>
+            <a:r>
+              <a:rPr lang="en-US" dirty="0"/>
+              <a:t> Chau und </a:t>
+            </a:r>
+            <a:r>
+              <a:rPr lang="en-US" dirty="0" err="1"/>
+              <a:t>Fuyu</a:t>
+            </a:r>
+            <a:r>
+              <a:rPr lang="en-US" dirty="0"/>
+              <a:t> Chen. Towards a secured network virtualization. </a:t>
+            </a:r>
+            <a:r>
+              <a:rPr lang="de-DE" i="1" dirty="0"/>
+              <a:t>Computer Networks</a:t>
+            </a:r>
+            <a:r>
+              <a:rPr lang="de-DE" dirty="0"/>
+              <a:t>, 104:55–65, 2016</a:t>
+            </a:r>
+            <a:r>
+              <a:rPr lang="de-DE" dirty="0" smtClean="0"/>
+              <a:t>.</a:t>
+            </a:r>
+            <a:endParaRPr lang="de-DE" dirty="0"/>
+          </a:p>
+        </p:txBody>
+      </p:sp>
     </p:spTree>
     <p:extLst>
       <p:ext uri="{BB962C8B-B14F-4D97-AF65-F5344CB8AC3E}">
@@ -12946,78 +13108,6 @@
               </a:pPr>
               <a:t>25</a:t>
             </a:fld>
-            <a:endParaRPr lang="de-DE" dirty="0"/>
-          </a:p>
-        </p:txBody>
-      </p:sp>
-      <p:sp>
-        <p:nvSpPr>
-          <p:cNvPr id="6" name="Textfeld 5"/>
-          <p:cNvSpPr txBox="1"/>
-          <p:nvPr/>
-        </p:nvSpPr>
-        <p:spPr>
-          <a:xfrm>
-            <a:off x="143508" y="6225899"/>
-            <a:ext cx="7564763" cy="461665"/>
-          </a:xfrm>
-          <a:prstGeom prst="rect">
-            <a:avLst/>
-          </a:prstGeom>
-          <a:noFill/>
-        </p:spPr>
-        <p:txBody>
-          <a:bodyPr wrap="none" rtlCol="0">
-            <a:spAutoFit/>
-          </a:bodyPr>
-          <a:lstStyle/>
-          <a:p>
-            <a:r>
-              <a:rPr lang="de-DE" dirty="0" smtClean="0"/>
-              <a:t>[1] Hong </a:t>
-            </a:r>
-            <a:r>
-              <a:rPr lang="de-DE" dirty="0" err="1"/>
-              <a:t>Xu</a:t>
-            </a:r>
-            <a:r>
-              <a:rPr lang="de-DE" dirty="0"/>
-              <a:t> Ming </a:t>
-            </a:r>
-            <a:r>
-              <a:rPr lang="de-DE" dirty="0" err="1"/>
-              <a:t>Xu</a:t>
-            </a:r>
-            <a:r>
-              <a:rPr lang="de-DE" dirty="0"/>
-              <a:t> </a:t>
-            </a:r>
-            <a:r>
-              <a:rPr lang="de-DE" dirty="0" err="1"/>
-              <a:t>Shuhao</a:t>
-            </a:r>
-            <a:r>
-              <a:rPr lang="de-DE" dirty="0"/>
-              <a:t> Liu, </a:t>
-            </a:r>
-            <a:r>
-              <a:rPr lang="de-DE" dirty="0" err="1"/>
-              <a:t>Zhiping</a:t>
-            </a:r>
-            <a:r>
-              <a:rPr lang="de-DE" dirty="0"/>
-              <a:t> Cai. </a:t>
-            </a:r>
-            <a:r>
-              <a:rPr lang="de-DE" dirty="0" err="1"/>
-              <a:t>Towards</a:t>
-            </a:r>
-            <a:r>
-              <a:rPr lang="de-DE" dirty="0"/>
-              <a:t> Security-aware Virtual Network Embedding, 2015.</a:t>
-            </a:r>
-          </a:p>
-          <a:p>
             <a:endParaRPr lang="de-DE" dirty="0"/>
           </a:p>
         </p:txBody>
@@ -13337,6 +13427,68 @@
           </a:p>
         </p:txBody>
       </p:sp>
+      <p:sp>
+        <p:nvSpPr>
+          <p:cNvPr id="12" name="Textfeld 11"/>
+          <p:cNvSpPr txBox="1"/>
+          <p:nvPr/>
+        </p:nvSpPr>
+        <p:spPr>
+          <a:xfrm>
+            <a:off x="143508" y="6225899"/>
+            <a:ext cx="8944821" cy="276999"/>
+          </a:xfrm>
+          <a:prstGeom prst="rect">
+            <a:avLst/>
+          </a:prstGeom>
+          <a:noFill/>
+        </p:spPr>
+        <p:txBody>
+          <a:bodyPr wrap="none" rtlCol="0">
+            <a:spAutoFit/>
+          </a:bodyPr>
+          <a:lstStyle/>
+          <a:p>
+            <a:r>
+              <a:rPr lang="de-DE" dirty="0" smtClean="0"/>
+              <a:t>[1] </a:t>
+            </a:r>
+            <a:r>
+              <a:rPr lang="en-US" dirty="0"/>
+              <a:t>Yang Wang, </a:t>
+            </a:r>
+            <a:r>
+              <a:rPr lang="en-US" dirty="0" err="1"/>
+              <a:t>Phanvu</a:t>
+            </a:r>
+            <a:r>
+              <a:rPr lang="en-US" dirty="0"/>
+              <a:t> Chau und </a:t>
+            </a:r>
+            <a:r>
+              <a:rPr lang="en-US" dirty="0" err="1"/>
+              <a:t>Fuyu</a:t>
+            </a:r>
+            <a:r>
+              <a:rPr lang="en-US" dirty="0"/>
+              <a:t> Chen. Towards a secured network virtualization. </a:t>
+            </a:r>
+            <a:r>
+              <a:rPr lang="de-DE" i="1" dirty="0"/>
+              <a:t>Computer Networks</a:t>
+            </a:r>
+            <a:r>
+              <a:rPr lang="de-DE" dirty="0"/>
+              <a:t>, 104:55–65, 2016</a:t>
+            </a:r>
+            <a:r>
+              <a:rPr lang="de-DE" dirty="0" smtClean="0"/>
+              <a:t>.</a:t>
+            </a:r>
+            <a:endParaRPr lang="de-DE" dirty="0"/>
+          </a:p>
+        </p:txBody>
+      </p:sp>
     </p:spTree>
     <p:extLst>
       <p:ext uri="{BB962C8B-B14F-4D97-AF65-F5344CB8AC3E}">
@@ -13539,78 +13691,6 @@
       </p:sp>
       <p:sp>
         <p:nvSpPr>
-          <p:cNvPr id="6" name="Textfeld 5"/>
-          <p:cNvSpPr txBox="1"/>
-          <p:nvPr/>
-        </p:nvSpPr>
-        <p:spPr>
-          <a:xfrm>
-            <a:off x="143508" y="6225899"/>
-            <a:ext cx="7564763" cy="461665"/>
-          </a:xfrm>
-          <a:prstGeom prst="rect">
-            <a:avLst/>
-          </a:prstGeom>
-          <a:noFill/>
-        </p:spPr>
-        <p:txBody>
-          <a:bodyPr wrap="none" rtlCol="0">
-            <a:spAutoFit/>
-          </a:bodyPr>
-          <a:lstStyle/>
-          <a:p>
-            <a:r>
-              <a:rPr lang="de-DE" dirty="0" smtClean="0"/>
-              <a:t>[1] Hong </a:t>
-            </a:r>
-            <a:r>
-              <a:rPr lang="de-DE" dirty="0" err="1"/>
-              <a:t>Xu</a:t>
-            </a:r>
-            <a:r>
-              <a:rPr lang="de-DE" dirty="0"/>
-              <a:t> Ming </a:t>
-            </a:r>
-            <a:r>
-              <a:rPr lang="de-DE" dirty="0" err="1"/>
-              <a:t>Xu</a:t>
-            </a:r>
-            <a:r>
-              <a:rPr lang="de-DE" dirty="0"/>
-              <a:t> </a:t>
-            </a:r>
-            <a:r>
-              <a:rPr lang="de-DE" dirty="0" err="1"/>
-              <a:t>Shuhao</a:t>
-            </a:r>
-            <a:r>
-              <a:rPr lang="de-DE" dirty="0"/>
-              <a:t> Liu, </a:t>
-            </a:r>
-            <a:r>
-              <a:rPr lang="de-DE" dirty="0" err="1"/>
-              <a:t>Zhiping</a:t>
-            </a:r>
-            <a:r>
-              <a:rPr lang="de-DE" dirty="0"/>
-              <a:t> Cai. </a:t>
-            </a:r>
-            <a:r>
-              <a:rPr lang="de-DE" dirty="0" err="1"/>
-              <a:t>Towards</a:t>
-            </a:r>
-            <a:r>
-              <a:rPr lang="de-DE" dirty="0"/>
-              <a:t> Security-aware Virtual Network Embedding, 2015.</a:t>
-            </a:r>
-          </a:p>
-          <a:p>
-            <a:endParaRPr lang="de-DE" dirty="0"/>
-          </a:p>
-        </p:txBody>
-      </p:sp>
-      <p:sp>
-        <p:nvSpPr>
           <p:cNvPr id="7" name="Textfeld 6"/>
           <p:cNvSpPr txBox="1"/>
           <p:nvPr/>
@@ -13709,6 +13789,68 @@
               <a:t>SVNE-Algorithmen</a:t>
             </a:r>
             <a:endParaRPr lang="de-DE" b="1" dirty="0"/>
+          </a:p>
+        </p:txBody>
+      </p:sp>
+      <p:sp>
+        <p:nvSpPr>
+          <p:cNvPr id="11" name="Textfeld 10"/>
+          <p:cNvSpPr txBox="1"/>
+          <p:nvPr/>
+        </p:nvSpPr>
+        <p:spPr>
+          <a:xfrm>
+            <a:off x="143508" y="6225899"/>
+            <a:ext cx="8944821" cy="276999"/>
+          </a:xfrm>
+          <a:prstGeom prst="rect">
+            <a:avLst/>
+          </a:prstGeom>
+          <a:noFill/>
+        </p:spPr>
+        <p:txBody>
+          <a:bodyPr wrap="none" rtlCol="0">
+            <a:spAutoFit/>
+          </a:bodyPr>
+          <a:lstStyle/>
+          <a:p>
+            <a:r>
+              <a:rPr lang="de-DE" dirty="0" smtClean="0"/>
+              <a:t>[1] </a:t>
+            </a:r>
+            <a:r>
+              <a:rPr lang="en-US" dirty="0"/>
+              <a:t>Yang Wang, </a:t>
+            </a:r>
+            <a:r>
+              <a:rPr lang="en-US" dirty="0" err="1"/>
+              <a:t>Phanvu</a:t>
+            </a:r>
+            <a:r>
+              <a:rPr lang="en-US" dirty="0"/>
+              <a:t> Chau und </a:t>
+            </a:r>
+            <a:r>
+              <a:rPr lang="en-US" dirty="0" err="1"/>
+              <a:t>Fuyu</a:t>
+            </a:r>
+            <a:r>
+              <a:rPr lang="en-US" dirty="0"/>
+              <a:t> Chen. Towards a secured network virtualization. </a:t>
+            </a:r>
+            <a:r>
+              <a:rPr lang="de-DE" i="1" dirty="0"/>
+              <a:t>Computer Networks</a:t>
+            </a:r>
+            <a:r>
+              <a:rPr lang="de-DE" dirty="0"/>
+              <a:t>, 104:55–65, 2016</a:t>
+            </a:r>
+            <a:r>
+              <a:rPr lang="de-DE" dirty="0" smtClean="0"/>
+              <a:t>.</a:t>
+            </a:r>
+            <a:endParaRPr lang="de-DE" dirty="0"/>
           </a:p>
         </p:txBody>
       </p:sp>
@@ -13816,68 +13958,6 @@
               </a:pPr>
               <a:t>27</a:t>
             </a:fld>
-            <a:endParaRPr lang="de-DE" dirty="0"/>
-          </a:p>
-        </p:txBody>
-      </p:sp>
-      <p:sp>
-        <p:nvSpPr>
-          <p:cNvPr id="6" name="Textfeld 5"/>
-          <p:cNvSpPr txBox="1"/>
-          <p:nvPr/>
-        </p:nvSpPr>
-        <p:spPr>
-          <a:xfrm>
-            <a:off x="143508" y="6225899"/>
-            <a:ext cx="8944821" cy="276999"/>
-          </a:xfrm>
-          <a:prstGeom prst="rect">
-            <a:avLst/>
-          </a:prstGeom>
-          <a:noFill/>
-        </p:spPr>
-        <p:txBody>
-          <a:bodyPr wrap="none" rtlCol="0">
-            <a:spAutoFit/>
-          </a:bodyPr>
-          <a:lstStyle/>
-          <a:p>
-            <a:r>
-              <a:rPr lang="de-DE" dirty="0" smtClean="0"/>
-              <a:t>[1] </a:t>
-            </a:r>
-            <a:r>
-              <a:rPr lang="en-US" dirty="0"/>
-              <a:t>Yang Wang, </a:t>
-            </a:r>
-            <a:r>
-              <a:rPr lang="en-US" dirty="0" err="1"/>
-              <a:t>Phanvu</a:t>
-            </a:r>
-            <a:r>
-              <a:rPr lang="en-US" dirty="0"/>
-              <a:t> Chau und </a:t>
-            </a:r>
-            <a:r>
-              <a:rPr lang="en-US" dirty="0" err="1"/>
-              <a:t>Fuyu</a:t>
-            </a:r>
-            <a:r>
-              <a:rPr lang="en-US" dirty="0"/>
-              <a:t> Chen. Towards a secured network virtualization. </a:t>
-            </a:r>
-            <a:r>
-              <a:rPr lang="de-DE" i="1" dirty="0"/>
-              <a:t>Computer Networks</a:t>
-            </a:r>
-            <a:r>
-              <a:rPr lang="de-DE" dirty="0"/>
-              <a:t>, 104:55–65, 2016</a:t>
-            </a:r>
-            <a:r>
-              <a:rPr lang="de-DE" dirty="0" smtClean="0"/>
-              <a:t>.</a:t>
-            </a:r>
             <a:endParaRPr lang="de-DE" dirty="0"/>
           </a:p>
         </p:txBody>
@@ -14162,6 +14242,78 @@
           </a:p>
         </p:txBody>
       </p:sp>
+      <p:sp>
+        <p:nvSpPr>
+          <p:cNvPr id="11" name="Textfeld 10"/>
+          <p:cNvSpPr txBox="1"/>
+          <p:nvPr/>
+        </p:nvSpPr>
+        <p:spPr>
+          <a:xfrm>
+            <a:off x="143508" y="6225899"/>
+            <a:ext cx="7564763" cy="461665"/>
+          </a:xfrm>
+          <a:prstGeom prst="rect">
+            <a:avLst/>
+          </a:prstGeom>
+          <a:noFill/>
+        </p:spPr>
+        <p:txBody>
+          <a:bodyPr wrap="none" rtlCol="0">
+            <a:spAutoFit/>
+          </a:bodyPr>
+          <a:lstStyle/>
+          <a:p>
+            <a:r>
+              <a:rPr lang="de-DE" dirty="0" smtClean="0"/>
+              <a:t>[1] Hong </a:t>
+            </a:r>
+            <a:r>
+              <a:rPr lang="de-DE" dirty="0" err="1"/>
+              <a:t>Xu</a:t>
+            </a:r>
+            <a:r>
+              <a:rPr lang="de-DE" dirty="0"/>
+              <a:t> Ming </a:t>
+            </a:r>
+            <a:r>
+              <a:rPr lang="de-DE" dirty="0" err="1"/>
+              <a:t>Xu</a:t>
+            </a:r>
+            <a:r>
+              <a:rPr lang="de-DE" dirty="0"/>
+              <a:t> </a:t>
+            </a:r>
+            <a:r>
+              <a:rPr lang="de-DE" dirty="0" err="1"/>
+              <a:t>Shuhao</a:t>
+            </a:r>
+            <a:r>
+              <a:rPr lang="de-DE" dirty="0"/>
+              <a:t> Liu, </a:t>
+            </a:r>
+            <a:r>
+              <a:rPr lang="de-DE" dirty="0" err="1"/>
+              <a:t>Zhiping</a:t>
+            </a:r>
+            <a:r>
+              <a:rPr lang="de-DE" dirty="0"/>
+              <a:t> Cai. </a:t>
+            </a:r>
+            <a:r>
+              <a:rPr lang="de-DE" dirty="0" err="1"/>
+              <a:t>Towards</a:t>
+            </a:r>
+            <a:r>
+              <a:rPr lang="de-DE" dirty="0"/>
+              <a:t> Security-aware Virtual Network Embedding, 2015.</a:t>
+            </a:r>
+          </a:p>
+          <a:p>
+            <a:endParaRPr lang="de-DE" dirty="0"/>
+          </a:p>
+        </p:txBody>
+      </p:sp>
     </p:spTree>
     <p:extLst>
       <p:ext uri="{BB962C8B-B14F-4D97-AF65-F5344CB8AC3E}">
@@ -14266,68 +14418,6 @@
               </a:pPr>
               <a:t>28</a:t>
             </a:fld>
-            <a:endParaRPr lang="de-DE" dirty="0"/>
-          </a:p>
-        </p:txBody>
-      </p:sp>
-      <p:sp>
-        <p:nvSpPr>
-          <p:cNvPr id="6" name="Textfeld 5"/>
-          <p:cNvSpPr txBox="1"/>
-          <p:nvPr/>
-        </p:nvSpPr>
-        <p:spPr>
-          <a:xfrm>
-            <a:off x="143508" y="6225899"/>
-            <a:ext cx="8944821" cy="276999"/>
-          </a:xfrm>
-          <a:prstGeom prst="rect">
-            <a:avLst/>
-          </a:prstGeom>
-          <a:noFill/>
-        </p:spPr>
-        <p:txBody>
-          <a:bodyPr wrap="none" rtlCol="0">
-            <a:spAutoFit/>
-          </a:bodyPr>
-          <a:lstStyle/>
-          <a:p>
-            <a:r>
-              <a:rPr lang="de-DE" dirty="0" smtClean="0"/>
-              <a:t>[1] </a:t>
-            </a:r>
-            <a:r>
-              <a:rPr lang="en-US" dirty="0"/>
-              <a:t>Yang Wang, </a:t>
-            </a:r>
-            <a:r>
-              <a:rPr lang="en-US" dirty="0" err="1"/>
-              <a:t>Phanvu</a:t>
-            </a:r>
-            <a:r>
-              <a:rPr lang="en-US" dirty="0"/>
-              <a:t> Chau und </a:t>
-            </a:r>
-            <a:r>
-              <a:rPr lang="en-US" dirty="0" err="1"/>
-              <a:t>Fuyu</a:t>
-            </a:r>
-            <a:r>
-              <a:rPr lang="en-US" dirty="0"/>
-              <a:t> Chen. Towards a secured network virtualization. </a:t>
-            </a:r>
-            <a:r>
-              <a:rPr lang="de-DE" i="1" dirty="0"/>
-              <a:t>Computer Networks</a:t>
-            </a:r>
-            <a:r>
-              <a:rPr lang="de-DE" dirty="0"/>
-              <a:t>, 104:55–65, 2016</a:t>
-            </a:r>
-            <a:r>
-              <a:rPr lang="de-DE" dirty="0" smtClean="0"/>
-              <a:t>.</a:t>
-            </a:r>
             <a:endParaRPr lang="de-DE" dirty="0"/>
           </a:p>
         </p:txBody>
@@ -14879,6 +14969,78 @@
           </p:sp>
         </mc:Fallback>
       </mc:AlternateContent>
+      <p:sp>
+        <p:nvSpPr>
+          <p:cNvPr id="12" name="Textfeld 11"/>
+          <p:cNvSpPr txBox="1"/>
+          <p:nvPr/>
+        </p:nvSpPr>
+        <p:spPr>
+          <a:xfrm>
+            <a:off x="143508" y="6225899"/>
+            <a:ext cx="7564763" cy="461665"/>
+          </a:xfrm>
+          <a:prstGeom prst="rect">
+            <a:avLst/>
+          </a:prstGeom>
+          <a:noFill/>
+        </p:spPr>
+        <p:txBody>
+          <a:bodyPr wrap="none" rtlCol="0">
+            <a:spAutoFit/>
+          </a:bodyPr>
+          <a:lstStyle/>
+          <a:p>
+            <a:r>
+              <a:rPr lang="de-DE" dirty="0" smtClean="0"/>
+              <a:t>[1] Hong </a:t>
+            </a:r>
+            <a:r>
+              <a:rPr lang="de-DE" dirty="0" err="1"/>
+              <a:t>Xu</a:t>
+            </a:r>
+            <a:r>
+              <a:rPr lang="de-DE" dirty="0"/>
+              <a:t> Ming </a:t>
+            </a:r>
+            <a:r>
+              <a:rPr lang="de-DE" dirty="0" err="1"/>
+              <a:t>Xu</a:t>
+            </a:r>
+            <a:r>
+              <a:rPr lang="de-DE" dirty="0"/>
+              <a:t> </a:t>
+            </a:r>
+            <a:r>
+              <a:rPr lang="de-DE" dirty="0" err="1"/>
+              <a:t>Shuhao</a:t>
+            </a:r>
+            <a:r>
+              <a:rPr lang="de-DE" dirty="0"/>
+              <a:t> Liu, </a:t>
+            </a:r>
+            <a:r>
+              <a:rPr lang="de-DE" dirty="0" err="1"/>
+              <a:t>Zhiping</a:t>
+            </a:r>
+            <a:r>
+              <a:rPr lang="de-DE" dirty="0"/>
+              <a:t> Cai. </a:t>
+            </a:r>
+            <a:r>
+              <a:rPr lang="de-DE" dirty="0" err="1"/>
+              <a:t>Towards</a:t>
+            </a:r>
+            <a:r>
+              <a:rPr lang="de-DE" dirty="0"/>
+              <a:t> Security-aware Virtual Network Embedding, 2015.</a:t>
+            </a:r>
+          </a:p>
+          <a:p>
+            <a:endParaRPr lang="de-DE" dirty="0"/>
+          </a:p>
+        </p:txBody>
+      </p:sp>
     </p:spTree>
     <p:extLst>
       <p:ext uri="{BB962C8B-B14F-4D97-AF65-F5344CB8AC3E}">
@@ -14983,68 +15145,6 @@
               </a:pPr>
               <a:t>29</a:t>
             </a:fld>
-            <a:endParaRPr lang="de-DE" dirty="0"/>
-          </a:p>
-        </p:txBody>
-      </p:sp>
-      <p:sp>
-        <p:nvSpPr>
-          <p:cNvPr id="6" name="Textfeld 5"/>
-          <p:cNvSpPr txBox="1"/>
-          <p:nvPr/>
-        </p:nvSpPr>
-        <p:spPr>
-          <a:xfrm>
-            <a:off x="143508" y="6225899"/>
-            <a:ext cx="8944821" cy="276999"/>
-          </a:xfrm>
-          <a:prstGeom prst="rect">
-            <a:avLst/>
-          </a:prstGeom>
-          <a:noFill/>
-        </p:spPr>
-        <p:txBody>
-          <a:bodyPr wrap="none" rtlCol="0">
-            <a:spAutoFit/>
-          </a:bodyPr>
-          <a:lstStyle/>
-          <a:p>
-            <a:r>
-              <a:rPr lang="de-DE" dirty="0" smtClean="0"/>
-              <a:t>[1] </a:t>
-            </a:r>
-            <a:r>
-              <a:rPr lang="en-US" dirty="0"/>
-              <a:t>Yang Wang, </a:t>
-            </a:r>
-            <a:r>
-              <a:rPr lang="en-US" dirty="0" err="1"/>
-              <a:t>Phanvu</a:t>
-            </a:r>
-            <a:r>
-              <a:rPr lang="en-US" dirty="0"/>
-              <a:t> Chau und </a:t>
-            </a:r>
-            <a:r>
-              <a:rPr lang="en-US" dirty="0" err="1"/>
-              <a:t>Fuyu</a:t>
-            </a:r>
-            <a:r>
-              <a:rPr lang="en-US" dirty="0"/>
-              <a:t> Chen. Towards a secured network virtualization. </a:t>
-            </a:r>
-            <a:r>
-              <a:rPr lang="de-DE" i="1" dirty="0"/>
-              <a:t>Computer Networks</a:t>
-            </a:r>
-            <a:r>
-              <a:rPr lang="de-DE" dirty="0"/>
-              <a:t>, 104:55–65, 2016</a:t>
-            </a:r>
-            <a:r>
-              <a:rPr lang="de-DE" dirty="0" smtClean="0"/>
-              <a:t>.</a:t>
-            </a:r>
             <a:endParaRPr lang="de-DE" dirty="0"/>
           </a:p>
         </p:txBody>
@@ -15685,6 +15785,78 @@
           </a:p>
         </p:txBody>
       </p:sp>
+      <p:sp>
+        <p:nvSpPr>
+          <p:cNvPr id="11" name="Textfeld 10"/>
+          <p:cNvSpPr txBox="1"/>
+          <p:nvPr/>
+        </p:nvSpPr>
+        <p:spPr>
+          <a:xfrm>
+            <a:off x="143508" y="6225899"/>
+            <a:ext cx="7564763" cy="461665"/>
+          </a:xfrm>
+          <a:prstGeom prst="rect">
+            <a:avLst/>
+          </a:prstGeom>
+          <a:noFill/>
+        </p:spPr>
+        <p:txBody>
+          <a:bodyPr wrap="none" rtlCol="0">
+            <a:spAutoFit/>
+          </a:bodyPr>
+          <a:lstStyle/>
+          <a:p>
+            <a:r>
+              <a:rPr lang="de-DE" dirty="0" smtClean="0"/>
+              <a:t>[1] Hong </a:t>
+            </a:r>
+            <a:r>
+              <a:rPr lang="de-DE" dirty="0" err="1"/>
+              <a:t>Xu</a:t>
+            </a:r>
+            <a:r>
+              <a:rPr lang="de-DE" dirty="0"/>
+              <a:t> Ming </a:t>
+            </a:r>
+            <a:r>
+              <a:rPr lang="de-DE" dirty="0" err="1"/>
+              <a:t>Xu</a:t>
+            </a:r>
+            <a:r>
+              <a:rPr lang="de-DE" dirty="0"/>
+              <a:t> </a:t>
+            </a:r>
+            <a:r>
+              <a:rPr lang="de-DE" dirty="0" err="1"/>
+              <a:t>Shuhao</a:t>
+            </a:r>
+            <a:r>
+              <a:rPr lang="de-DE" dirty="0"/>
+              <a:t> Liu, </a:t>
+            </a:r>
+            <a:r>
+              <a:rPr lang="de-DE" dirty="0" err="1"/>
+              <a:t>Zhiping</a:t>
+            </a:r>
+            <a:r>
+              <a:rPr lang="de-DE" dirty="0"/>
+              <a:t> Cai. </a:t>
+            </a:r>
+            <a:r>
+              <a:rPr lang="de-DE" dirty="0" err="1"/>
+              <a:t>Towards</a:t>
+            </a:r>
+            <a:r>
+              <a:rPr lang="de-DE" dirty="0"/>
+              <a:t> Security-aware Virtual Network Embedding, 2015.</a:t>
+            </a:r>
+          </a:p>
+          <a:p>
+            <a:endParaRPr lang="de-DE" dirty="0"/>
+          </a:p>
+        </p:txBody>
+      </p:sp>
     </p:spTree>
     <p:extLst>
       <p:ext uri="{BB962C8B-B14F-4D97-AF65-F5344CB8AC3E}">
@@ -16139,68 +16311,6 @@
               </a:pPr>
               <a:t>30</a:t>
             </a:fld>
-            <a:endParaRPr lang="de-DE" dirty="0"/>
-          </a:p>
-        </p:txBody>
-      </p:sp>
-      <p:sp>
-        <p:nvSpPr>
-          <p:cNvPr id="6" name="Textfeld 5"/>
-          <p:cNvSpPr txBox="1"/>
-          <p:nvPr/>
-        </p:nvSpPr>
-        <p:spPr>
-          <a:xfrm>
-            <a:off x="143508" y="6225899"/>
-            <a:ext cx="8944821" cy="276999"/>
-          </a:xfrm>
-          <a:prstGeom prst="rect">
-            <a:avLst/>
-          </a:prstGeom>
-          <a:noFill/>
-        </p:spPr>
-        <p:txBody>
-          <a:bodyPr wrap="none" rtlCol="0">
-            <a:spAutoFit/>
-          </a:bodyPr>
-          <a:lstStyle/>
-          <a:p>
-            <a:r>
-              <a:rPr lang="de-DE" dirty="0" smtClean="0"/>
-              <a:t>[1] </a:t>
-            </a:r>
-            <a:r>
-              <a:rPr lang="en-US" dirty="0"/>
-              <a:t>Yang Wang, </a:t>
-            </a:r>
-            <a:r>
-              <a:rPr lang="en-US" dirty="0" err="1"/>
-              <a:t>Phanvu</a:t>
-            </a:r>
-            <a:r>
-              <a:rPr lang="en-US" dirty="0"/>
-              <a:t> Chau und </a:t>
-            </a:r>
-            <a:r>
-              <a:rPr lang="en-US" dirty="0" err="1"/>
-              <a:t>Fuyu</a:t>
-            </a:r>
-            <a:r>
-              <a:rPr lang="en-US" dirty="0"/>
-              <a:t> Chen. Towards a secured network virtualization. </a:t>
-            </a:r>
-            <a:r>
-              <a:rPr lang="de-DE" i="1" dirty="0"/>
-              <a:t>Computer Networks</a:t>
-            </a:r>
-            <a:r>
-              <a:rPr lang="de-DE" dirty="0"/>
-              <a:t>, 104:55–65, 2016</a:t>
-            </a:r>
-            <a:r>
-              <a:rPr lang="de-DE" dirty="0" smtClean="0"/>
-              <a:t>.</a:t>
-            </a:r>
             <a:endParaRPr lang="de-DE" dirty="0"/>
           </a:p>
         </p:txBody>
@@ -16785,6 +16895,78 @@
           </a:graphicData>
         </a:graphic>
       </p:graphicFrame>
+      <p:sp>
+        <p:nvSpPr>
+          <p:cNvPr id="13" name="Textfeld 12"/>
+          <p:cNvSpPr txBox="1"/>
+          <p:nvPr/>
+        </p:nvSpPr>
+        <p:spPr>
+          <a:xfrm>
+            <a:off x="143508" y="6225899"/>
+            <a:ext cx="7564763" cy="461665"/>
+          </a:xfrm>
+          <a:prstGeom prst="rect">
+            <a:avLst/>
+          </a:prstGeom>
+          <a:noFill/>
+        </p:spPr>
+        <p:txBody>
+          <a:bodyPr wrap="none" rtlCol="0">
+            <a:spAutoFit/>
+          </a:bodyPr>
+          <a:lstStyle/>
+          <a:p>
+            <a:r>
+              <a:rPr lang="de-DE" dirty="0" smtClean="0"/>
+              <a:t>[1] Hong </a:t>
+            </a:r>
+            <a:r>
+              <a:rPr lang="de-DE" dirty="0" err="1"/>
+              <a:t>Xu</a:t>
+            </a:r>
+            <a:r>
+              <a:rPr lang="de-DE" dirty="0"/>
+              <a:t> Ming </a:t>
+            </a:r>
+            <a:r>
+              <a:rPr lang="de-DE" dirty="0" err="1"/>
+              <a:t>Xu</a:t>
+            </a:r>
+            <a:r>
+              <a:rPr lang="de-DE" dirty="0"/>
+              <a:t> </a:t>
+            </a:r>
+            <a:r>
+              <a:rPr lang="de-DE" dirty="0" err="1"/>
+              <a:t>Shuhao</a:t>
+            </a:r>
+            <a:r>
+              <a:rPr lang="de-DE" dirty="0"/>
+              <a:t> Liu, </a:t>
+            </a:r>
+            <a:r>
+              <a:rPr lang="de-DE" dirty="0" err="1"/>
+              <a:t>Zhiping</a:t>
+            </a:r>
+            <a:r>
+              <a:rPr lang="de-DE" dirty="0"/>
+              <a:t> Cai. </a:t>
+            </a:r>
+            <a:r>
+              <a:rPr lang="de-DE" dirty="0" err="1"/>
+              <a:t>Towards</a:t>
+            </a:r>
+            <a:r>
+              <a:rPr lang="de-DE" dirty="0"/>
+              <a:t> Security-aware Virtual Network Embedding, 2015.</a:t>
+            </a:r>
+          </a:p>
+          <a:p>
+            <a:endParaRPr lang="de-DE" dirty="0"/>
+          </a:p>
+        </p:txBody>
+      </p:sp>
     </p:spTree>
     <p:extLst>
       <p:ext uri="{BB962C8B-B14F-4D97-AF65-F5344CB8AC3E}">
@@ -16889,68 +17071,6 @@
               </a:pPr>
               <a:t>31</a:t>
             </a:fld>
-            <a:endParaRPr lang="de-DE" dirty="0"/>
-          </a:p>
-        </p:txBody>
-      </p:sp>
-      <p:sp>
-        <p:nvSpPr>
-          <p:cNvPr id="6" name="Textfeld 5"/>
-          <p:cNvSpPr txBox="1"/>
-          <p:nvPr/>
-        </p:nvSpPr>
-        <p:spPr>
-          <a:xfrm>
-            <a:off x="143508" y="6225899"/>
-            <a:ext cx="8944821" cy="276999"/>
-          </a:xfrm>
-          <a:prstGeom prst="rect">
-            <a:avLst/>
-          </a:prstGeom>
-          <a:noFill/>
-        </p:spPr>
-        <p:txBody>
-          <a:bodyPr wrap="none" rtlCol="0">
-            <a:spAutoFit/>
-          </a:bodyPr>
-          <a:lstStyle/>
-          <a:p>
-            <a:r>
-              <a:rPr lang="de-DE" dirty="0" smtClean="0"/>
-              <a:t>[1] </a:t>
-            </a:r>
-            <a:r>
-              <a:rPr lang="en-US" dirty="0"/>
-              <a:t>Yang Wang, </a:t>
-            </a:r>
-            <a:r>
-              <a:rPr lang="en-US" dirty="0" err="1"/>
-              <a:t>Phanvu</a:t>
-            </a:r>
-            <a:r>
-              <a:rPr lang="en-US" dirty="0"/>
-              <a:t> Chau und </a:t>
-            </a:r>
-            <a:r>
-              <a:rPr lang="en-US" dirty="0" err="1"/>
-              <a:t>Fuyu</a:t>
-            </a:r>
-            <a:r>
-              <a:rPr lang="en-US" dirty="0"/>
-              <a:t> Chen. Towards a secured network virtualization. </a:t>
-            </a:r>
-            <a:r>
-              <a:rPr lang="de-DE" i="1" dirty="0"/>
-              <a:t>Computer Networks</a:t>
-            </a:r>
-            <a:r>
-              <a:rPr lang="de-DE" dirty="0"/>
-              <a:t>, 104:55–65, 2016</a:t>
-            </a:r>
-            <a:r>
-              <a:rPr lang="de-DE" dirty="0" smtClean="0"/>
-              <a:t>.</a:t>
-            </a:r>
             <a:endParaRPr lang="de-DE" dirty="0"/>
           </a:p>
         </p:txBody>
@@ -17264,6 +17384,78 @@
           </a:p>
         </p:txBody>
       </p:sp>
+      <p:sp>
+        <p:nvSpPr>
+          <p:cNvPr id="11" name="Textfeld 10"/>
+          <p:cNvSpPr txBox="1"/>
+          <p:nvPr/>
+        </p:nvSpPr>
+        <p:spPr>
+          <a:xfrm>
+            <a:off x="143508" y="6225899"/>
+            <a:ext cx="7564763" cy="461665"/>
+          </a:xfrm>
+          <a:prstGeom prst="rect">
+            <a:avLst/>
+          </a:prstGeom>
+          <a:noFill/>
+        </p:spPr>
+        <p:txBody>
+          <a:bodyPr wrap="none" rtlCol="0">
+            <a:spAutoFit/>
+          </a:bodyPr>
+          <a:lstStyle/>
+          <a:p>
+            <a:r>
+              <a:rPr lang="de-DE" dirty="0" smtClean="0"/>
+              <a:t>[1] Hong </a:t>
+            </a:r>
+            <a:r>
+              <a:rPr lang="de-DE" dirty="0" err="1"/>
+              <a:t>Xu</a:t>
+            </a:r>
+            <a:r>
+              <a:rPr lang="de-DE" dirty="0"/>
+              <a:t> Ming </a:t>
+            </a:r>
+            <a:r>
+              <a:rPr lang="de-DE" dirty="0" err="1"/>
+              <a:t>Xu</a:t>
+            </a:r>
+            <a:r>
+              <a:rPr lang="de-DE" dirty="0"/>
+              <a:t> </a:t>
+            </a:r>
+            <a:r>
+              <a:rPr lang="de-DE" dirty="0" err="1"/>
+              <a:t>Shuhao</a:t>
+            </a:r>
+            <a:r>
+              <a:rPr lang="de-DE" dirty="0"/>
+              <a:t> Liu, </a:t>
+            </a:r>
+            <a:r>
+              <a:rPr lang="de-DE" dirty="0" err="1"/>
+              <a:t>Zhiping</a:t>
+            </a:r>
+            <a:r>
+              <a:rPr lang="de-DE" dirty="0"/>
+              <a:t> Cai. </a:t>
+            </a:r>
+            <a:r>
+              <a:rPr lang="de-DE" dirty="0" err="1"/>
+              <a:t>Towards</a:t>
+            </a:r>
+            <a:r>
+              <a:rPr lang="de-DE" dirty="0"/>
+              <a:t> Security-aware Virtual Network Embedding, 2015.</a:t>
+            </a:r>
+          </a:p>
+          <a:p>
+            <a:endParaRPr lang="de-DE" dirty="0"/>
+          </a:p>
+        </p:txBody>
+      </p:sp>
     </p:spTree>
     <p:extLst>
       <p:ext uri="{BB962C8B-B14F-4D97-AF65-F5344CB8AC3E}">
@@ -17546,29 +17738,12 @@
           <a:p>
             <a:r>
               <a:rPr lang="de-DE" dirty="0" smtClean="0"/>
-              <a:t>Mögliche Entwicklungsrichtungen?</a:t>
-            </a:r>
-          </a:p>
-          <a:p>
-            <a:endParaRPr lang="de-DE" dirty="0"/>
-          </a:p>
-          <a:p>
-            <a:r>
-              <a:rPr lang="de-DE" dirty="0" smtClean="0"/>
-              <a:t>Sicherheit nur durch Isolation?</a:t>
-            </a:r>
-          </a:p>
-          <a:p>
-            <a:endParaRPr lang="de-DE" dirty="0"/>
-          </a:p>
-          <a:p>
-            <a:r>
-              <a:rPr lang="de-DE" dirty="0" smtClean="0"/>
-              <a:t>Gewählte Art der Klassifizierung sinnvoll?</a:t>
-            </a:r>
-            <a:endParaRPr lang="de-DE" dirty="0"/>
-          </a:p>
-          <a:p>
+              <a:t>Mögliche </a:t>
+            </a:r>
+            <a:r>
+              <a:rPr lang="de-DE" smtClean="0"/>
+              <a:t>Entwicklungsrichtungen?</a:t>
+            </a:r>
             <a:endParaRPr lang="de-DE" dirty="0"/>
           </a:p>
           <a:p>
@@ -17688,16 +17863,16 @@
           <a:lstStyle/>
           <a:p>
             <a:r>
-              <a:rPr lang="de-DE" dirty="0" smtClean="0"/>
-              <a:t>Empfehlenswerte Literatur</a:t>
-            </a:r>
-            <a:endParaRPr lang="de-DE" sz="1800" dirty="0"/>
-          </a:p>
-        </p:txBody>
-      </p:sp>
-      <p:sp>
-        <p:nvSpPr>
-          <p:cNvPr id="3" name="Inhaltsplatzhalter 2"/>
+              <a:rPr lang="de-DE" smtClean="0"/>
+              <a:t>Diskussion</a:t>
+            </a:r>
+            <a:endParaRPr lang="de-DE" dirty="0"/>
+          </a:p>
+        </p:txBody>
+      </p:sp>
+      <p:sp>
+        <p:nvSpPr>
+          <p:cNvPr id="8" name="Inhaltsplatzhalter 7"/>
           <p:cNvSpPr>
             <a:spLocks noGrp="1"/>
           </p:cNvSpPr>
@@ -17710,348 +17885,14 @@
           <a:bodyPr/>
           <a:lstStyle/>
           <a:p>
-            <a:pPr marL="0" indent="0">
-              <a:buNone/>
-            </a:pPr>
-            <a:r>
-              <a:rPr lang="de-DE" sz="1600" b="1" dirty="0" smtClean="0"/>
-              <a:t>Sicherheitsaspekte virtueller Netzinfrastrukturen</a:t>
-            </a:r>
-          </a:p>
-          <a:p>
-            <a:r>
-              <a:rPr lang="de-DE" sz="1600" dirty="0"/>
-              <a:t>Kamal </a:t>
-            </a:r>
-            <a:r>
-              <a:rPr lang="de-DE" sz="1600" dirty="0" err="1"/>
-              <a:t>Dahbur</a:t>
-            </a:r>
-            <a:r>
-              <a:rPr lang="de-DE" sz="1600" dirty="0"/>
-              <a:t>, </a:t>
-            </a:r>
-            <a:r>
-              <a:rPr lang="de-DE" sz="1600" dirty="0" err="1"/>
-              <a:t>Bassil</a:t>
-            </a:r>
-            <a:r>
-              <a:rPr lang="de-DE" sz="1600" dirty="0"/>
-              <a:t> Mohammad und Ahmad Bisher </a:t>
-            </a:r>
-            <a:r>
-              <a:rPr lang="de-DE" sz="1600" dirty="0" err="1"/>
-              <a:t>Tarakji</a:t>
-            </a:r>
-            <a:r>
-              <a:rPr lang="de-DE" sz="1600" dirty="0"/>
-              <a:t>. A </a:t>
-            </a:r>
-            <a:r>
-              <a:rPr lang="de-DE" sz="1600" dirty="0" err="1"/>
-              <a:t>survey</a:t>
-            </a:r>
-            <a:r>
-              <a:rPr lang="de-DE" sz="1600" dirty="0"/>
-              <a:t> </a:t>
-            </a:r>
-            <a:r>
-              <a:rPr lang="de-DE" sz="1600" dirty="0" err="1"/>
-              <a:t>of</a:t>
-            </a:r>
-            <a:r>
-              <a:rPr lang="de-DE" sz="1600" dirty="0"/>
-              <a:t> </a:t>
-            </a:r>
-            <a:r>
-              <a:rPr lang="de-DE" sz="1600" dirty="0" err="1"/>
-              <a:t>risks</a:t>
-            </a:r>
-            <a:r>
-              <a:rPr lang="de-DE" sz="1600" dirty="0"/>
-              <a:t>, </a:t>
-            </a:r>
-            <a:r>
-              <a:rPr lang="en-US" sz="1600" dirty="0"/>
-              <a:t>threats and vulnerabilities in cloud computing. In </a:t>
-            </a:r>
-            <a:r>
-              <a:rPr lang="en-US" sz="1600" i="1" dirty="0"/>
-              <a:t>Proceedings of the 2011 International </a:t>
-            </a:r>
-            <a:r>
-              <a:rPr lang="de-DE" sz="1600" i="1" dirty="0" err="1"/>
-              <a:t>conference</a:t>
-            </a:r>
-            <a:r>
-              <a:rPr lang="de-DE" sz="1600" i="1" dirty="0"/>
-              <a:t> on intelligent </a:t>
-            </a:r>
-            <a:r>
-              <a:rPr lang="de-DE" sz="1600" i="1" dirty="0" err="1"/>
-              <a:t>semantic</a:t>
-            </a:r>
-            <a:r>
-              <a:rPr lang="de-DE" sz="1600" i="1" dirty="0"/>
-              <a:t> Web-services </a:t>
-            </a:r>
-            <a:r>
-              <a:rPr lang="de-DE" sz="1600" i="1" dirty="0" err="1"/>
-              <a:t>and</a:t>
-            </a:r>
-            <a:r>
-              <a:rPr lang="de-DE" sz="1600" i="1" dirty="0"/>
-              <a:t> </a:t>
-            </a:r>
-            <a:r>
-              <a:rPr lang="de-DE" sz="1600" i="1" dirty="0" err="1"/>
-              <a:t>applications</a:t>
-            </a:r>
-            <a:r>
-              <a:rPr lang="de-DE" sz="1600" dirty="0"/>
-              <a:t>, Seite 12. ACM, 2011.</a:t>
-            </a:r>
-          </a:p>
-          <a:p>
-            <a:r>
-              <a:rPr lang="de-DE" sz="1600" dirty="0" smtClean="0"/>
-              <a:t>Andreas </a:t>
-            </a:r>
-            <a:r>
-              <a:rPr lang="de-DE" sz="1600" dirty="0"/>
-              <a:t>Fischer, Juan Felipe Botero, Michael Till Beck, Hermann De Meer und </a:t>
-            </a:r>
-            <a:r>
-              <a:rPr lang="de-DE" sz="1600" dirty="0" smtClean="0"/>
-              <a:t>Xavier Hesselbach</a:t>
-            </a:r>
-            <a:r>
-              <a:rPr lang="de-DE" sz="1600" dirty="0"/>
-              <a:t>. Virtual </a:t>
-            </a:r>
-            <a:r>
-              <a:rPr lang="de-DE" sz="1600" dirty="0" err="1"/>
-              <a:t>network</a:t>
-            </a:r>
-            <a:r>
-              <a:rPr lang="de-DE" sz="1600" dirty="0"/>
-              <a:t> </a:t>
-            </a:r>
-            <a:r>
-              <a:rPr lang="de-DE" sz="1600" dirty="0" err="1"/>
-              <a:t>embedding</a:t>
-            </a:r>
-            <a:r>
-              <a:rPr lang="de-DE" sz="1600" dirty="0"/>
-              <a:t>: A </a:t>
-            </a:r>
-            <a:r>
-              <a:rPr lang="de-DE" sz="1600" dirty="0" err="1"/>
-              <a:t>survey</a:t>
-            </a:r>
-            <a:r>
-              <a:rPr lang="de-DE" sz="1600" dirty="0"/>
-              <a:t>. </a:t>
-            </a:r>
-            <a:r>
-              <a:rPr lang="de-DE" sz="1600" i="1" dirty="0"/>
-              <a:t>IEEE Communications Surveys </a:t>
-            </a:r>
-            <a:r>
-              <a:rPr lang="de-DE" sz="1600" i="1" dirty="0" smtClean="0"/>
-              <a:t>&amp; Tutorials</a:t>
-            </a:r>
-            <a:r>
-              <a:rPr lang="de-DE" sz="1600" dirty="0"/>
-              <a:t>, 15(4):1888–1906, 2013</a:t>
-            </a:r>
-            <a:r>
-              <a:rPr lang="de-DE" sz="1600" dirty="0" smtClean="0"/>
-              <a:t>.</a:t>
-            </a:r>
-            <a:endParaRPr lang="de-DE" sz="1600" dirty="0"/>
-          </a:p>
-          <a:p>
-            <a:r>
-              <a:rPr lang="de-DE" sz="1600" dirty="0" err="1" smtClean="0"/>
-              <a:t>Shuiqing</a:t>
-            </a:r>
-            <a:r>
-              <a:rPr lang="de-DE" sz="1600" dirty="0" smtClean="0"/>
-              <a:t> </a:t>
-            </a:r>
-            <a:r>
-              <a:rPr lang="de-DE" sz="1600" dirty="0"/>
-              <a:t>Gong, </a:t>
-            </a:r>
-            <a:r>
-              <a:rPr lang="de-DE" sz="1600" dirty="0" err="1"/>
-              <a:t>Jing</a:t>
-            </a:r>
-            <a:r>
-              <a:rPr lang="de-DE" sz="1600" dirty="0"/>
-              <a:t> Chen, </a:t>
-            </a:r>
-            <a:r>
-              <a:rPr lang="de-DE" sz="1600" dirty="0" err="1"/>
-              <a:t>Conghui</a:t>
-            </a:r>
-            <a:r>
-              <a:rPr lang="de-DE" sz="1600" dirty="0"/>
-              <a:t> Huang, </a:t>
-            </a:r>
-            <a:r>
-              <a:rPr lang="de-DE" sz="1600" dirty="0" err="1"/>
-              <a:t>Qingchao</a:t>
-            </a:r>
-            <a:r>
-              <a:rPr lang="de-DE" sz="1600" dirty="0"/>
-              <a:t> Zhu und </a:t>
-            </a:r>
-            <a:r>
-              <a:rPr lang="de-DE" sz="1600" dirty="0" err="1"/>
-              <a:t>Siyi</a:t>
-            </a:r>
-            <a:r>
-              <a:rPr lang="de-DE" sz="1600" dirty="0"/>
-              <a:t> Zhao. Virtual </a:t>
-            </a:r>
-            <a:r>
-              <a:rPr lang="en-US" sz="1600" dirty="0"/>
-              <a:t>Network Embedding through Security Risk Awareness and Optimization. </a:t>
-            </a:r>
-            <a:r>
-              <a:rPr lang="en-US" sz="1600" i="1" dirty="0"/>
-              <a:t>KSII Transactions </a:t>
-            </a:r>
-            <a:r>
-              <a:rPr lang="de-DE" sz="1600" i="1" dirty="0"/>
-              <a:t>on Internet &amp; Information Systems</a:t>
-            </a:r>
-            <a:r>
-              <a:rPr lang="de-DE" sz="1600" dirty="0"/>
-              <a:t>, 10(7), 2016</a:t>
-            </a:r>
-            <a:r>
-              <a:rPr lang="de-DE" sz="1600" dirty="0" smtClean="0"/>
-              <a:t>.</a:t>
-            </a:r>
-          </a:p>
-          <a:p>
-            <a:endParaRPr lang="de-DE" sz="1600" dirty="0" smtClean="0"/>
-          </a:p>
-          <a:p>
-            <a:pPr marL="0" indent="0">
-              <a:buNone/>
-            </a:pPr>
-            <a:r>
-              <a:rPr lang="de-DE" sz="1600" b="1" dirty="0" smtClean="0"/>
-              <a:t>Untersuchte Algorithmen</a:t>
-            </a:r>
-          </a:p>
-          <a:p>
-            <a:r>
-              <a:rPr lang="de-DE" sz="1600" dirty="0" smtClean="0"/>
-              <a:t>Hong </a:t>
-            </a:r>
-            <a:r>
-              <a:rPr lang="de-DE" sz="1600" dirty="0" err="1"/>
-              <a:t>Xu</a:t>
-            </a:r>
-            <a:r>
-              <a:rPr lang="de-DE" sz="1600" dirty="0"/>
-              <a:t> Ming </a:t>
-            </a:r>
-            <a:r>
-              <a:rPr lang="de-DE" sz="1600" dirty="0" err="1"/>
-              <a:t>Xu</a:t>
-            </a:r>
-            <a:r>
-              <a:rPr lang="de-DE" sz="1600" dirty="0"/>
-              <a:t> </a:t>
-            </a:r>
-            <a:r>
-              <a:rPr lang="de-DE" sz="1600" dirty="0" err="1"/>
-              <a:t>Shuhao</a:t>
-            </a:r>
-            <a:r>
-              <a:rPr lang="de-DE" sz="1600" dirty="0"/>
-              <a:t> Liu, </a:t>
-            </a:r>
-            <a:r>
-              <a:rPr lang="de-DE" sz="1600" dirty="0" err="1"/>
-              <a:t>Zhiping</a:t>
-            </a:r>
-            <a:r>
-              <a:rPr lang="de-DE" sz="1600" dirty="0"/>
-              <a:t> Cai. </a:t>
-            </a:r>
-            <a:r>
-              <a:rPr lang="de-DE" sz="1600" dirty="0" err="1"/>
-              <a:t>Towards</a:t>
-            </a:r>
-            <a:r>
-              <a:rPr lang="de-DE" sz="1600" dirty="0"/>
-              <a:t> Security-aware Virtual </a:t>
-            </a:r>
-            <a:r>
-              <a:rPr lang="de-DE" sz="1600" dirty="0" smtClean="0"/>
-              <a:t>Network Embedding</a:t>
-            </a:r>
-            <a:r>
-              <a:rPr lang="de-DE" sz="1600" dirty="0"/>
-              <a:t>, 2015</a:t>
-            </a:r>
-            <a:r>
-              <a:rPr lang="de-DE" sz="1600" dirty="0" smtClean="0"/>
-              <a:t>.</a:t>
-            </a:r>
-          </a:p>
-          <a:p>
-            <a:r>
-              <a:rPr lang="en-US" sz="1600" dirty="0" smtClean="0"/>
-              <a:t>Yang </a:t>
-            </a:r>
-            <a:r>
-              <a:rPr lang="en-US" sz="1600" dirty="0"/>
-              <a:t>Wang, </a:t>
-            </a:r>
-            <a:r>
-              <a:rPr lang="en-US" sz="1600" dirty="0" err="1"/>
-              <a:t>Phanvu</a:t>
-            </a:r>
-            <a:r>
-              <a:rPr lang="en-US" sz="1600" dirty="0"/>
-              <a:t> Chau und </a:t>
-            </a:r>
-            <a:r>
-              <a:rPr lang="en-US" sz="1600" dirty="0" err="1"/>
-              <a:t>Fuyu</a:t>
-            </a:r>
-            <a:r>
-              <a:rPr lang="en-US" sz="1600" dirty="0"/>
-              <a:t> Chen. Towards a secured network </a:t>
-            </a:r>
-            <a:r>
-              <a:rPr lang="en-US" sz="1600" dirty="0" smtClean="0"/>
-              <a:t>virtualization. </a:t>
-            </a:r>
-            <a:r>
-              <a:rPr lang="de-DE" sz="1600" i="1" dirty="0" smtClean="0"/>
-              <a:t>Computer </a:t>
-            </a:r>
-            <a:r>
-              <a:rPr lang="de-DE" sz="1600" i="1" dirty="0"/>
-              <a:t>Networks</a:t>
-            </a:r>
-            <a:r>
-              <a:rPr lang="de-DE" sz="1600" dirty="0"/>
-              <a:t>, 104:55–65, 2016.</a:t>
-            </a:r>
-            <a:endParaRPr lang="de-DE" sz="1600" dirty="0" smtClean="0"/>
-          </a:p>
-          <a:p>
-            <a:endParaRPr lang="de-DE" sz="1600" dirty="0"/>
+            <a:r>
+              <a:rPr lang="de-DE" dirty="0" smtClean="0"/>
+              <a:t>Sicherheit nur durch Isolation?</a:t>
+            </a:r>
+            <a:endParaRPr lang="de-DE" dirty="0"/>
+          </a:p>
+          <a:p>
+            <a:endParaRPr lang="de-DE" dirty="0"/>
           </a:p>
         </p:txBody>
       </p:sp>
@@ -18070,14 +17911,9 @@
           <a:bodyPr/>
           <a:lstStyle/>
           <a:p>
-            <a:pPr>
-              <a:defRPr/>
-            </a:pPr>
             <a:fld id="{70BFFA52-4234-45F6-B1A6-074E24FF43A2}" type="slidenum">
               <a:rPr lang="de-DE" smtClean="0"/>
-              <a:pPr>
-                <a:defRPr/>
-              </a:pPr>
+              <a:pPr/>
               <a:t>34</a:t>
             </a:fld>
             <a:endParaRPr lang="de-DE" dirty="0"/>
@@ -18110,7 +17946,7 @@
     </p:spTree>
     <p:extLst>
       <p:ext uri="{BB962C8B-B14F-4D97-AF65-F5344CB8AC3E}">
-        <p14:creationId xmlns:p14="http://schemas.microsoft.com/office/powerpoint/2010/main" val="2073930859"/>
+        <p14:creationId xmlns:p14="http://schemas.microsoft.com/office/powerpoint/2010/main" val="3037437718"/>
       </p:ext>
     </p:extLst>
   </p:cSld>
@@ -18171,6 +18007,158 @@
           <a:bodyPr/>
           <a:lstStyle/>
           <a:p>
+            <a:r>
+              <a:rPr lang="de-DE" smtClean="0"/>
+              <a:t>Diskussion</a:t>
+            </a:r>
+            <a:endParaRPr lang="de-DE" dirty="0"/>
+          </a:p>
+        </p:txBody>
+      </p:sp>
+      <p:sp>
+        <p:nvSpPr>
+          <p:cNvPr id="8" name="Inhaltsplatzhalter 7"/>
+          <p:cNvSpPr>
+            <a:spLocks noGrp="1"/>
+          </p:cNvSpPr>
+          <p:nvPr>
+            <p:ph idx="1"/>
+          </p:nvPr>
+        </p:nvSpPr>
+        <p:spPr/>
+        <p:txBody>
+          <a:bodyPr/>
+          <a:lstStyle/>
+          <a:p>
+            <a:r>
+              <a:rPr lang="de-DE" dirty="0" smtClean="0"/>
+              <a:t>Gewählte Art der Klassifizierung sinnvoll?</a:t>
+            </a:r>
+            <a:endParaRPr lang="de-DE" dirty="0"/>
+          </a:p>
+          <a:p>
+            <a:endParaRPr lang="de-DE" dirty="0"/>
+          </a:p>
+          <a:p>
+            <a:endParaRPr lang="de-DE" dirty="0"/>
+          </a:p>
+        </p:txBody>
+      </p:sp>
+      <p:sp>
+        <p:nvSpPr>
+          <p:cNvPr id="4" name="Foliennummernplatzhalter 3"/>
+          <p:cNvSpPr>
+            <a:spLocks noGrp="1"/>
+          </p:cNvSpPr>
+          <p:nvPr>
+            <p:ph type="sldNum" sz="quarter" idx="4"/>
+          </p:nvPr>
+        </p:nvSpPr>
+        <p:spPr/>
+        <p:txBody>
+          <a:bodyPr/>
+          <a:lstStyle/>
+          <a:p>
+            <a:fld id="{70BFFA52-4234-45F6-B1A6-074E24FF43A2}" type="slidenum">
+              <a:rPr lang="de-DE" smtClean="0"/>
+              <a:pPr/>
+              <a:t>35</a:t>
+            </a:fld>
+            <a:endParaRPr lang="de-DE" dirty="0"/>
+          </a:p>
+        </p:txBody>
+      </p:sp>
+      <p:sp>
+        <p:nvSpPr>
+          <p:cNvPr id="5" name="Fußzeilenplatzhalter 4"/>
+          <p:cNvSpPr>
+            <a:spLocks noGrp="1"/>
+          </p:cNvSpPr>
+          <p:nvPr>
+            <p:ph type="ftr" sz="quarter" idx="3"/>
+          </p:nvPr>
+        </p:nvSpPr>
+        <p:spPr/>
+        <p:txBody>
+          <a:bodyPr/>
+          <a:lstStyle/>
+          <a:p>
+            <a:r>
+              <a:rPr lang="de-DE" smtClean="0"/>
+              <a:t>Sicherheitsaspekte beim Deployment virtueller Netzinfrastrukturen</a:t>
+            </a:r>
+            <a:endParaRPr lang="de-DE" dirty="0"/>
+          </a:p>
+        </p:txBody>
+      </p:sp>
+    </p:spTree>
+    <p:extLst>
+      <p:ext uri="{BB962C8B-B14F-4D97-AF65-F5344CB8AC3E}">
+        <p14:creationId xmlns:p14="http://schemas.microsoft.com/office/powerpoint/2010/main" val="1331773298"/>
+      </p:ext>
+    </p:extLst>
+  </p:cSld>
+  <p:clrMapOvr>
+    <a:masterClrMapping/>
+  </p:clrMapOvr>
+  <mc:AlternateContent xmlns:mc="http://schemas.openxmlformats.org/markup-compatibility/2006" xmlns:p14="http://schemas.microsoft.com/office/powerpoint/2010/main">
+    <mc:Choice Requires="p14">
+      <p:transition spd="med" p14:dur="700">
+        <p:fade/>
+      </p:transition>
+    </mc:Choice>
+    <mc:Fallback xmlns="">
+      <p:transition spd="med">
+        <p:fade/>
+      </p:transition>
+    </mc:Fallback>
+  </mc:AlternateContent>
+  <p:timing>
+    <p:tnLst>
+      <p:par>
+        <p:cTn id="1" dur="indefinite" restart="never" nodeType="tmRoot"/>
+      </p:par>
+    </p:tnLst>
+  </p:timing>
+</p:sld>
+</file>
+
+<file path=ppt/slides/slide36.xml><?xml version="1.0" encoding="utf-8"?>
+<p:sld xmlns:a="http://schemas.openxmlformats.org/drawingml/2006/main" xmlns:r="http://schemas.openxmlformats.org/officeDocument/2006/relationships" xmlns:p="http://schemas.openxmlformats.org/presentationml/2006/main">
+  <p:cSld>
+    <p:spTree>
+      <p:nvGrpSpPr>
+        <p:cNvPr id="1" name=""/>
+        <p:cNvGrpSpPr/>
+        <p:nvPr/>
+      </p:nvGrpSpPr>
+      <p:grpSpPr>
+        <a:xfrm>
+          <a:off x="0" y="0"/>
+          <a:ext cx="0" cy="0"/>
+          <a:chOff x="0" y="0"/>
+          <a:chExt cx="0" cy="0"/>
+        </a:xfrm>
+      </p:grpSpPr>
+      <p:sp>
+        <p:nvSpPr>
+          <p:cNvPr id="2" name="Titel 1"/>
+          <p:cNvSpPr>
+            <a:spLocks noGrp="1"/>
+          </p:cNvSpPr>
+          <p:nvPr>
+            <p:ph type="title"/>
+          </p:nvPr>
+        </p:nvSpPr>
+        <p:spPr/>
+        <p:txBody>
+          <a:bodyPr/>
+          <a:lstStyle/>
+          <a:p>
+            <a:r>
+              <a:rPr lang="de-DE" dirty="0" smtClean="0"/>
+              <a:t>Empfehlenswerte Literatur</a:t>
+            </a:r>
             <a:endParaRPr lang="de-DE" sz="1800" dirty="0"/>
           </a:p>
         </p:txBody>
@@ -18190,63 +18178,348 @@
           <a:bodyPr/>
           <a:lstStyle/>
           <a:p>
-            <a:pPr marL="0" indent="0" algn="ctr">
+            <a:pPr marL="0" indent="0">
               <a:buNone/>
             </a:pPr>
-            <a:endParaRPr lang="de-DE" sz="3200" dirty="0" smtClean="0"/>
-          </a:p>
-          <a:p>
-            <a:pPr marL="0" indent="0" algn="ctr">
+            <a:r>
+              <a:rPr lang="de-DE" sz="1600" b="1" dirty="0" smtClean="0"/>
+              <a:t>Sicherheitsaspekte virtueller Netzinfrastrukturen</a:t>
+            </a:r>
+          </a:p>
+          <a:p>
+            <a:r>
+              <a:rPr lang="de-DE" sz="1600" dirty="0"/>
+              <a:t>Kamal </a:t>
+            </a:r>
+            <a:r>
+              <a:rPr lang="de-DE" sz="1600" dirty="0" err="1"/>
+              <a:t>Dahbur</a:t>
+            </a:r>
+            <a:r>
+              <a:rPr lang="de-DE" sz="1600" dirty="0"/>
+              <a:t>, </a:t>
+            </a:r>
+            <a:r>
+              <a:rPr lang="de-DE" sz="1600" dirty="0" err="1"/>
+              <a:t>Bassil</a:t>
+            </a:r>
+            <a:r>
+              <a:rPr lang="de-DE" sz="1600" dirty="0"/>
+              <a:t> Mohammad und Ahmad Bisher </a:t>
+            </a:r>
+            <a:r>
+              <a:rPr lang="de-DE" sz="1600" dirty="0" err="1"/>
+              <a:t>Tarakji</a:t>
+            </a:r>
+            <a:r>
+              <a:rPr lang="de-DE" sz="1600" dirty="0"/>
+              <a:t>. A </a:t>
+            </a:r>
+            <a:r>
+              <a:rPr lang="de-DE" sz="1600" dirty="0" err="1"/>
+              <a:t>survey</a:t>
+            </a:r>
+            <a:r>
+              <a:rPr lang="de-DE" sz="1600" dirty="0"/>
+              <a:t> </a:t>
+            </a:r>
+            <a:r>
+              <a:rPr lang="de-DE" sz="1600" dirty="0" err="1"/>
+              <a:t>of</a:t>
+            </a:r>
+            <a:r>
+              <a:rPr lang="de-DE" sz="1600" dirty="0"/>
+              <a:t> </a:t>
+            </a:r>
+            <a:r>
+              <a:rPr lang="de-DE" sz="1600" dirty="0" err="1"/>
+              <a:t>risks</a:t>
+            </a:r>
+            <a:r>
+              <a:rPr lang="de-DE" sz="1600" dirty="0"/>
+              <a:t>, </a:t>
+            </a:r>
+            <a:r>
+              <a:rPr lang="en-US" sz="1600" dirty="0"/>
+              <a:t>threats and vulnerabilities in cloud computing. In </a:t>
+            </a:r>
+            <a:r>
+              <a:rPr lang="en-US" sz="1600" i="1" dirty="0"/>
+              <a:t>Proceedings of the 2011 International </a:t>
+            </a:r>
+            <a:r>
+              <a:rPr lang="de-DE" sz="1600" i="1" dirty="0" err="1"/>
+              <a:t>conference</a:t>
+            </a:r>
+            <a:r>
+              <a:rPr lang="de-DE" sz="1600" i="1" dirty="0"/>
+              <a:t> on intelligent </a:t>
+            </a:r>
+            <a:r>
+              <a:rPr lang="de-DE" sz="1600" i="1" dirty="0" err="1"/>
+              <a:t>semantic</a:t>
+            </a:r>
+            <a:r>
+              <a:rPr lang="de-DE" sz="1600" i="1" dirty="0"/>
+              <a:t> Web-services </a:t>
+            </a:r>
+            <a:r>
+              <a:rPr lang="de-DE" sz="1600" i="1" dirty="0" err="1"/>
+              <a:t>and</a:t>
+            </a:r>
+            <a:r>
+              <a:rPr lang="de-DE" sz="1600" i="1" dirty="0"/>
+              <a:t> </a:t>
+            </a:r>
+            <a:r>
+              <a:rPr lang="de-DE" sz="1600" i="1" dirty="0" err="1"/>
+              <a:t>applications</a:t>
+            </a:r>
+            <a:r>
+              <a:rPr lang="de-DE" sz="1600" dirty="0"/>
+              <a:t>, Seite 12. ACM, 2011.</a:t>
+            </a:r>
+          </a:p>
+          <a:p>
+            <a:r>
+              <a:rPr lang="de-DE" sz="1600" dirty="0" smtClean="0"/>
+              <a:t>Andreas </a:t>
+            </a:r>
+            <a:r>
+              <a:rPr lang="de-DE" sz="1600" dirty="0"/>
+              <a:t>Fischer, Juan Felipe Botero, Michael Till Beck, Hermann De Meer und </a:t>
+            </a:r>
+            <a:r>
+              <a:rPr lang="de-DE" sz="1600" dirty="0" smtClean="0"/>
+              <a:t>Xavier Hesselbach</a:t>
+            </a:r>
+            <a:r>
+              <a:rPr lang="de-DE" sz="1600" dirty="0"/>
+              <a:t>. Virtual </a:t>
+            </a:r>
+            <a:r>
+              <a:rPr lang="de-DE" sz="1600" dirty="0" err="1"/>
+              <a:t>network</a:t>
+            </a:r>
+            <a:r>
+              <a:rPr lang="de-DE" sz="1600" dirty="0"/>
+              <a:t> </a:t>
+            </a:r>
+            <a:r>
+              <a:rPr lang="de-DE" sz="1600" dirty="0" err="1"/>
+              <a:t>embedding</a:t>
+            </a:r>
+            <a:r>
+              <a:rPr lang="de-DE" sz="1600" dirty="0"/>
+              <a:t>: A </a:t>
+            </a:r>
+            <a:r>
+              <a:rPr lang="de-DE" sz="1600" dirty="0" err="1"/>
+              <a:t>survey</a:t>
+            </a:r>
+            <a:r>
+              <a:rPr lang="de-DE" sz="1600" dirty="0"/>
+              <a:t>. </a:t>
+            </a:r>
+            <a:r>
+              <a:rPr lang="de-DE" sz="1600" i="1" dirty="0"/>
+              <a:t>IEEE Communications Surveys </a:t>
+            </a:r>
+            <a:r>
+              <a:rPr lang="de-DE" sz="1600" i="1" dirty="0" smtClean="0"/>
+              <a:t>&amp; Tutorials</a:t>
+            </a:r>
+            <a:r>
+              <a:rPr lang="de-DE" sz="1600" dirty="0"/>
+              <a:t>, 15(4):1888–1906, 2013</a:t>
+            </a:r>
+            <a:r>
+              <a:rPr lang="de-DE" sz="1600" dirty="0" smtClean="0"/>
+              <a:t>.</a:t>
+            </a:r>
+            <a:endParaRPr lang="de-DE" sz="1600" dirty="0"/>
+          </a:p>
+          <a:p>
+            <a:r>
+              <a:rPr lang="de-DE" sz="1600" dirty="0" err="1" smtClean="0"/>
+              <a:t>Shuiqing</a:t>
+            </a:r>
+            <a:r>
+              <a:rPr lang="de-DE" sz="1600" dirty="0" smtClean="0"/>
+              <a:t> </a:t>
+            </a:r>
+            <a:r>
+              <a:rPr lang="de-DE" sz="1600" dirty="0"/>
+              <a:t>Gong, </a:t>
+            </a:r>
+            <a:r>
+              <a:rPr lang="de-DE" sz="1600" dirty="0" err="1"/>
+              <a:t>Jing</a:t>
+            </a:r>
+            <a:r>
+              <a:rPr lang="de-DE" sz="1600" dirty="0"/>
+              <a:t> Chen, </a:t>
+            </a:r>
+            <a:r>
+              <a:rPr lang="de-DE" sz="1600" dirty="0" err="1"/>
+              <a:t>Conghui</a:t>
+            </a:r>
+            <a:r>
+              <a:rPr lang="de-DE" sz="1600" dirty="0"/>
+              <a:t> Huang, </a:t>
+            </a:r>
+            <a:r>
+              <a:rPr lang="de-DE" sz="1600" dirty="0" err="1"/>
+              <a:t>Qingchao</a:t>
+            </a:r>
+            <a:r>
+              <a:rPr lang="de-DE" sz="1600" dirty="0"/>
+              <a:t> Zhu und </a:t>
+            </a:r>
+            <a:r>
+              <a:rPr lang="de-DE" sz="1600" dirty="0" err="1"/>
+              <a:t>Siyi</a:t>
+            </a:r>
+            <a:r>
+              <a:rPr lang="de-DE" sz="1600" dirty="0"/>
+              <a:t> Zhao. Virtual </a:t>
+            </a:r>
+            <a:r>
+              <a:rPr lang="en-US" sz="1600" dirty="0"/>
+              <a:t>Network Embedding through Security Risk Awareness and Optimization. </a:t>
+            </a:r>
+            <a:r>
+              <a:rPr lang="en-US" sz="1600" i="1" dirty="0"/>
+              <a:t>KSII Transactions </a:t>
+            </a:r>
+            <a:r>
+              <a:rPr lang="de-DE" sz="1600" i="1" dirty="0"/>
+              <a:t>on Internet &amp; Information Systems</a:t>
+            </a:r>
+            <a:r>
+              <a:rPr lang="de-DE" sz="1600" dirty="0"/>
+              <a:t>, 10(7), 2016</a:t>
+            </a:r>
+            <a:r>
+              <a:rPr lang="de-DE" sz="1600" dirty="0" smtClean="0"/>
+              <a:t>.</a:t>
+            </a:r>
+          </a:p>
+          <a:p>
+            <a:endParaRPr lang="de-DE" sz="1600" dirty="0" smtClean="0"/>
+          </a:p>
+          <a:p>
+            <a:pPr marL="0" indent="0">
               <a:buNone/>
             </a:pPr>
-            <a:endParaRPr lang="de-DE" sz="3200" dirty="0"/>
-          </a:p>
-          <a:p>
-            <a:pPr marL="0" indent="0" algn="ctr">
-              <a:buNone/>
-            </a:pPr>
-            <a:endParaRPr lang="de-DE" sz="3200" dirty="0" smtClean="0"/>
-          </a:p>
-          <a:p>
-            <a:pPr marL="0" indent="0" algn="ctr">
-              <a:buNone/>
-            </a:pPr>
-            <a:r>
-              <a:rPr lang="de-DE" sz="3200" dirty="0" smtClean="0"/>
-              <a:t>Vielen Dank für Ihre Aufmerksamkeit!</a:t>
-            </a:r>
-          </a:p>
-          <a:p>
-            <a:pPr marL="0" indent="0" algn="ctr">
-              <a:buNone/>
-            </a:pPr>
-            <a:endParaRPr lang="de-DE" dirty="0" smtClean="0"/>
-          </a:p>
-          <a:p>
-            <a:pPr marL="0" indent="0" algn="ctr">
-              <a:buNone/>
-            </a:pPr>
-            <a:r>
-              <a:rPr lang="de-DE" sz="2000" dirty="0" smtClean="0"/>
-              <a:t>{</a:t>
-            </a:r>
-            <a:r>
-              <a:rPr lang="de-DE" sz="2000" dirty="0" err="1" smtClean="0"/>
-              <a:t>gerhard.groeschl</a:t>
-            </a:r>
-            <a:r>
-              <a:rPr lang="de-DE" sz="2000" dirty="0"/>
-              <a:t>, </a:t>
-            </a:r>
-            <a:r>
-              <a:rPr lang="de-DE" sz="2000" dirty="0" err="1" smtClean="0"/>
-              <a:t>miran.mizani</a:t>
-            </a:r>
-            <a:r>
-              <a:rPr lang="de-DE" sz="2000" dirty="0" smtClean="0"/>
-              <a:t>}@campus.lmu.de</a:t>
-            </a:r>
-            <a:endParaRPr lang="de-DE" sz="2000" dirty="0"/>
+            <a:r>
+              <a:rPr lang="de-DE" sz="1600" b="1" dirty="0" smtClean="0"/>
+              <a:t>Untersuchte Algorithmen</a:t>
+            </a:r>
+          </a:p>
+          <a:p>
+            <a:r>
+              <a:rPr lang="de-DE" sz="1600" dirty="0" smtClean="0"/>
+              <a:t>Hong </a:t>
+            </a:r>
+            <a:r>
+              <a:rPr lang="de-DE" sz="1600" dirty="0" err="1"/>
+              <a:t>Xu</a:t>
+            </a:r>
+            <a:r>
+              <a:rPr lang="de-DE" sz="1600" dirty="0"/>
+              <a:t> Ming </a:t>
+            </a:r>
+            <a:r>
+              <a:rPr lang="de-DE" sz="1600" dirty="0" err="1"/>
+              <a:t>Xu</a:t>
+            </a:r>
+            <a:r>
+              <a:rPr lang="de-DE" sz="1600" dirty="0"/>
+              <a:t> </a:t>
+            </a:r>
+            <a:r>
+              <a:rPr lang="de-DE" sz="1600" dirty="0" err="1"/>
+              <a:t>Shuhao</a:t>
+            </a:r>
+            <a:r>
+              <a:rPr lang="de-DE" sz="1600" dirty="0"/>
+              <a:t> Liu, </a:t>
+            </a:r>
+            <a:r>
+              <a:rPr lang="de-DE" sz="1600" dirty="0" err="1"/>
+              <a:t>Zhiping</a:t>
+            </a:r>
+            <a:r>
+              <a:rPr lang="de-DE" sz="1600" dirty="0"/>
+              <a:t> Cai. </a:t>
+            </a:r>
+            <a:r>
+              <a:rPr lang="de-DE" sz="1600" dirty="0" err="1"/>
+              <a:t>Towards</a:t>
+            </a:r>
+            <a:r>
+              <a:rPr lang="de-DE" sz="1600" dirty="0"/>
+              <a:t> Security-aware Virtual </a:t>
+            </a:r>
+            <a:r>
+              <a:rPr lang="de-DE" sz="1600" dirty="0" smtClean="0"/>
+              <a:t>Network Embedding</a:t>
+            </a:r>
+            <a:r>
+              <a:rPr lang="de-DE" sz="1600" dirty="0"/>
+              <a:t>, 2015</a:t>
+            </a:r>
+            <a:r>
+              <a:rPr lang="de-DE" sz="1600" dirty="0" smtClean="0"/>
+              <a:t>.</a:t>
+            </a:r>
+          </a:p>
+          <a:p>
+            <a:r>
+              <a:rPr lang="en-US" sz="1600" dirty="0" smtClean="0"/>
+              <a:t>Yang </a:t>
+            </a:r>
+            <a:r>
+              <a:rPr lang="en-US" sz="1600" dirty="0"/>
+              <a:t>Wang, </a:t>
+            </a:r>
+            <a:r>
+              <a:rPr lang="en-US" sz="1600" dirty="0" err="1"/>
+              <a:t>Phanvu</a:t>
+            </a:r>
+            <a:r>
+              <a:rPr lang="en-US" sz="1600" dirty="0"/>
+              <a:t> Chau und </a:t>
+            </a:r>
+            <a:r>
+              <a:rPr lang="en-US" sz="1600" dirty="0" err="1"/>
+              <a:t>Fuyu</a:t>
+            </a:r>
+            <a:r>
+              <a:rPr lang="en-US" sz="1600" dirty="0"/>
+              <a:t> Chen. Towards a secured network </a:t>
+            </a:r>
+            <a:r>
+              <a:rPr lang="en-US" sz="1600" dirty="0" smtClean="0"/>
+              <a:t>virtualization. </a:t>
+            </a:r>
+            <a:r>
+              <a:rPr lang="de-DE" sz="1600" i="1" dirty="0" smtClean="0"/>
+              <a:t>Computer </a:t>
+            </a:r>
+            <a:r>
+              <a:rPr lang="de-DE" sz="1600" i="1" dirty="0"/>
+              <a:t>Networks</a:t>
+            </a:r>
+            <a:r>
+              <a:rPr lang="de-DE" sz="1600" dirty="0"/>
+              <a:t>, 104:55–65, 2016.</a:t>
+            </a:r>
+            <a:endParaRPr lang="de-DE" sz="1600" dirty="0" smtClean="0"/>
+          </a:p>
+          <a:p>
+            <a:endParaRPr lang="de-DE" sz="1600" dirty="0"/>
           </a:p>
         </p:txBody>
       </p:sp>
@@ -18273,7 +18546,202 @@
               <a:pPr>
                 <a:defRPr/>
               </a:pPr>
-              <a:t>35</a:t>
+              <a:t>36</a:t>
+            </a:fld>
+            <a:endParaRPr lang="de-DE" dirty="0"/>
+          </a:p>
+        </p:txBody>
+      </p:sp>
+      <p:sp>
+        <p:nvSpPr>
+          <p:cNvPr id="5" name="Fußzeilenplatzhalter 4"/>
+          <p:cNvSpPr>
+            <a:spLocks noGrp="1"/>
+          </p:cNvSpPr>
+          <p:nvPr>
+            <p:ph type="ftr" sz="quarter" idx="3"/>
+          </p:nvPr>
+        </p:nvSpPr>
+        <p:spPr/>
+        <p:txBody>
+          <a:bodyPr/>
+          <a:lstStyle/>
+          <a:p>
+            <a:r>
+              <a:rPr lang="de-DE" smtClean="0"/>
+              <a:t>Sicherheitsaspekte beim Deployment virtueller Netzinfrastrukturen</a:t>
+            </a:r>
+            <a:endParaRPr lang="de-DE" dirty="0"/>
+          </a:p>
+        </p:txBody>
+      </p:sp>
+    </p:spTree>
+    <p:extLst>
+      <p:ext uri="{BB962C8B-B14F-4D97-AF65-F5344CB8AC3E}">
+        <p14:creationId xmlns:p14="http://schemas.microsoft.com/office/powerpoint/2010/main" val="2073930859"/>
+      </p:ext>
+    </p:extLst>
+  </p:cSld>
+  <p:clrMapOvr>
+    <a:masterClrMapping/>
+  </p:clrMapOvr>
+  <mc:AlternateContent xmlns:mc="http://schemas.openxmlformats.org/markup-compatibility/2006" xmlns:p14="http://schemas.microsoft.com/office/powerpoint/2010/main">
+    <mc:Choice Requires="p14">
+      <p:transition spd="med" p14:dur="700">
+        <p:fade/>
+      </p:transition>
+    </mc:Choice>
+    <mc:Fallback xmlns="">
+      <p:transition spd="med">
+        <p:fade/>
+      </p:transition>
+    </mc:Fallback>
+  </mc:AlternateContent>
+  <p:timing>
+    <p:tnLst>
+      <p:par>
+        <p:cTn id="1" dur="indefinite" restart="never" nodeType="tmRoot"/>
+      </p:par>
+    </p:tnLst>
+  </p:timing>
+</p:sld>
+</file>
+
+<file path=ppt/slides/slide37.xml><?xml version="1.0" encoding="utf-8"?>
+<p:sld xmlns:a="http://schemas.openxmlformats.org/drawingml/2006/main" xmlns:r="http://schemas.openxmlformats.org/officeDocument/2006/relationships" xmlns:p="http://schemas.openxmlformats.org/presentationml/2006/main">
+  <p:cSld>
+    <p:spTree>
+      <p:nvGrpSpPr>
+        <p:cNvPr id="1" name=""/>
+        <p:cNvGrpSpPr/>
+        <p:nvPr/>
+      </p:nvGrpSpPr>
+      <p:grpSpPr>
+        <a:xfrm>
+          <a:off x="0" y="0"/>
+          <a:ext cx="0" cy="0"/>
+          <a:chOff x="0" y="0"/>
+          <a:chExt cx="0" cy="0"/>
+        </a:xfrm>
+      </p:grpSpPr>
+      <p:sp>
+        <p:nvSpPr>
+          <p:cNvPr id="2" name="Titel 1"/>
+          <p:cNvSpPr>
+            <a:spLocks noGrp="1"/>
+          </p:cNvSpPr>
+          <p:nvPr>
+            <p:ph type="title"/>
+          </p:nvPr>
+        </p:nvSpPr>
+        <p:spPr/>
+        <p:txBody>
+          <a:bodyPr/>
+          <a:lstStyle/>
+          <a:p>
+            <a:endParaRPr lang="de-DE" sz="1800" dirty="0"/>
+          </a:p>
+        </p:txBody>
+      </p:sp>
+      <p:sp>
+        <p:nvSpPr>
+          <p:cNvPr id="3" name="Inhaltsplatzhalter 2"/>
+          <p:cNvSpPr>
+            <a:spLocks noGrp="1"/>
+          </p:cNvSpPr>
+          <p:nvPr>
+            <p:ph idx="1"/>
+          </p:nvPr>
+        </p:nvSpPr>
+        <p:spPr/>
+        <p:txBody>
+          <a:bodyPr/>
+          <a:lstStyle/>
+          <a:p>
+            <a:pPr marL="0" indent="0" algn="ctr">
+              <a:buNone/>
+            </a:pPr>
+            <a:endParaRPr lang="de-DE" sz="3200" dirty="0" smtClean="0"/>
+          </a:p>
+          <a:p>
+            <a:pPr marL="0" indent="0" algn="ctr">
+              <a:buNone/>
+            </a:pPr>
+            <a:endParaRPr lang="de-DE" sz="3200" dirty="0"/>
+          </a:p>
+          <a:p>
+            <a:pPr marL="0" indent="0" algn="ctr">
+              <a:buNone/>
+            </a:pPr>
+            <a:endParaRPr lang="de-DE" sz="3200" dirty="0" smtClean="0"/>
+          </a:p>
+          <a:p>
+            <a:pPr marL="0" indent="0" algn="ctr">
+              <a:buNone/>
+            </a:pPr>
+            <a:r>
+              <a:rPr lang="de-DE" sz="3200" dirty="0" smtClean="0"/>
+              <a:t>Vielen Dank für Ihre Aufmerksamkeit!</a:t>
+            </a:r>
+          </a:p>
+          <a:p>
+            <a:pPr marL="0" indent="0" algn="ctr">
+              <a:buNone/>
+            </a:pPr>
+            <a:endParaRPr lang="de-DE" dirty="0" smtClean="0"/>
+          </a:p>
+          <a:p>
+            <a:pPr marL="0" indent="0" algn="ctr">
+              <a:buNone/>
+            </a:pPr>
+            <a:r>
+              <a:rPr lang="de-DE" sz="2000" dirty="0" smtClean="0"/>
+              <a:t>{</a:t>
+            </a:r>
+            <a:r>
+              <a:rPr lang="de-DE" sz="2000" dirty="0" err="1" smtClean="0"/>
+              <a:t>gerhard.groeschl</a:t>
+            </a:r>
+            <a:r>
+              <a:rPr lang="de-DE" sz="2000" dirty="0"/>
+              <a:t>, </a:t>
+            </a:r>
+            <a:r>
+              <a:rPr lang="de-DE" sz="2000" dirty="0" err="1" smtClean="0"/>
+              <a:t>miran.mizani</a:t>
+            </a:r>
+            <a:r>
+              <a:rPr lang="de-DE" sz="2000" dirty="0" smtClean="0"/>
+              <a:t>}@campus.lmu.de</a:t>
+            </a:r>
+            <a:endParaRPr lang="de-DE" sz="2000" dirty="0"/>
+          </a:p>
+        </p:txBody>
+      </p:sp>
+      <p:sp>
+        <p:nvSpPr>
+          <p:cNvPr id="4" name="Foliennummernplatzhalter 3"/>
+          <p:cNvSpPr>
+            <a:spLocks noGrp="1"/>
+          </p:cNvSpPr>
+          <p:nvPr>
+            <p:ph type="sldNum" sz="quarter" idx="4"/>
+          </p:nvPr>
+        </p:nvSpPr>
+        <p:spPr/>
+        <p:txBody>
+          <a:bodyPr/>
+          <a:lstStyle/>
+          <a:p>
+            <a:pPr>
+              <a:defRPr/>
+            </a:pPr>
+            <a:fld id="{70BFFA52-4234-45F6-B1A6-074E24FF43A2}" type="slidenum">
+              <a:rPr lang="de-DE" smtClean="0"/>
+              <a:pPr>
+                <a:defRPr/>
+              </a:pPr>
+              <a:t>37</a:t>
             </a:fld>
             <a:endParaRPr lang="de-DE" dirty="0"/>
           </a:p>

--- a/Referat/PowerPoint/TimvS_SVNE.pptx
+++ b/Referat/PowerPoint/TimvS_SVNE.pptx
@@ -5,15 +5,15 @@
     <p:sldMasterId id="2147483652" r:id="rId1"/>
   </p:sldMasterIdLst>
   <p:notesMasterIdLst>
-    <p:notesMasterId r:id="rId39"/>
+    <p:notesMasterId r:id="rId36"/>
   </p:notesMasterIdLst>
   <p:handoutMasterIdLst>
-    <p:handoutMasterId r:id="rId40"/>
+    <p:handoutMasterId r:id="rId37"/>
   </p:handoutMasterIdLst>
   <p:sldIdLst>
-    <p:sldId id="844" r:id="rId2"/>
-    <p:sldId id="836" r:id="rId3"/>
-    <p:sldId id="837" r:id="rId4"/>
+    <p:sldId id="836" r:id="rId2"/>
+    <p:sldId id="837" r:id="rId3"/>
+    <p:sldId id="882" r:id="rId4"/>
     <p:sldId id="859" r:id="rId5"/>
     <p:sldId id="860" r:id="rId6"/>
     <p:sldId id="862" r:id="rId7"/>
@@ -32,22 +32,19 @@
     <p:sldId id="852" r:id="rId20"/>
     <p:sldId id="855" r:id="rId21"/>
     <p:sldId id="854" r:id="rId22"/>
-    <p:sldId id="856" r:id="rId23"/>
-    <p:sldId id="857" r:id="rId24"/>
-    <p:sldId id="868" r:id="rId25"/>
-    <p:sldId id="869" r:id="rId26"/>
-    <p:sldId id="840" r:id="rId27"/>
-    <p:sldId id="841" r:id="rId28"/>
-    <p:sldId id="870" r:id="rId29"/>
-    <p:sldId id="880" r:id="rId30"/>
-    <p:sldId id="874" r:id="rId31"/>
-    <p:sldId id="872" r:id="rId32"/>
-    <p:sldId id="878" r:id="rId33"/>
-    <p:sldId id="879" r:id="rId34"/>
-    <p:sldId id="881" r:id="rId35"/>
-    <p:sldId id="882" r:id="rId36"/>
-    <p:sldId id="845" r:id="rId37"/>
-    <p:sldId id="858" r:id="rId38"/>
+    <p:sldId id="857" r:id="rId23"/>
+    <p:sldId id="868" r:id="rId24"/>
+    <p:sldId id="869" r:id="rId25"/>
+    <p:sldId id="840" r:id="rId26"/>
+    <p:sldId id="841" r:id="rId27"/>
+    <p:sldId id="870" r:id="rId28"/>
+    <p:sldId id="880" r:id="rId29"/>
+    <p:sldId id="874" r:id="rId30"/>
+    <p:sldId id="872" r:id="rId31"/>
+    <p:sldId id="878" r:id="rId32"/>
+    <p:sldId id="881" r:id="rId33"/>
+    <p:sldId id="845" r:id="rId34"/>
+    <p:sldId id="858" r:id="rId35"/>
   </p:sldIdLst>
   <p:sldSz cx="9144000" cy="6858000" type="screen4x3"/>
   <p:notesSz cx="6781800" cy="9855200"/>
@@ -842,7 +839,7 @@
             <a:fld id="{87E9C61A-9B5E-4580-98DD-1AC874081FFB}" type="slidenum">
               <a:rPr lang="de-DE" smtClean="0"/>
               <a:pPr/>
-              <a:t>3</a:t>
+              <a:t>2</a:t>
             </a:fld>
             <a:endParaRPr lang="de-DE"/>
           </a:p>
@@ -927,7 +924,7 @@
             <a:fld id="{87E9C61A-9B5E-4580-98DD-1AC874081FFB}" type="slidenum">
               <a:rPr lang="de-DE" smtClean="0"/>
               <a:pPr/>
-              <a:t>12</a:t>
+              <a:t>11</a:t>
             </a:fld>
             <a:endParaRPr lang="de-DE"/>
           </a:p>
@@ -936,7 +933,7 @@
     </p:spTree>
     <p:extLst>
       <p:ext uri="{BB962C8B-B14F-4D97-AF65-F5344CB8AC3E}">
-        <p14:creationId xmlns:p14="http://schemas.microsoft.com/office/powerpoint/2010/main" val="1004574314"/>
+        <p14:creationId xmlns:p14="http://schemas.microsoft.com/office/powerpoint/2010/main" val="2582652599"/>
       </p:ext>
     </p:extLst>
   </p:cSld>
@@ -1012,7 +1009,7 @@
             <a:fld id="{87E9C61A-9B5E-4580-98DD-1AC874081FFB}" type="slidenum">
               <a:rPr lang="de-DE" smtClean="0"/>
               <a:pPr/>
-              <a:t>13</a:t>
+              <a:t>12</a:t>
             </a:fld>
             <a:endParaRPr lang="de-DE"/>
           </a:p>
@@ -1021,7 +1018,7 @@
     </p:spTree>
     <p:extLst>
       <p:ext uri="{BB962C8B-B14F-4D97-AF65-F5344CB8AC3E}">
-        <p14:creationId xmlns:p14="http://schemas.microsoft.com/office/powerpoint/2010/main" val="2577850142"/>
+        <p14:creationId xmlns:p14="http://schemas.microsoft.com/office/powerpoint/2010/main" val="1004574314"/>
       </p:ext>
     </p:extLst>
   </p:cSld>
@@ -1097,7 +1094,7 @@
             <a:fld id="{87E9C61A-9B5E-4580-98DD-1AC874081FFB}" type="slidenum">
               <a:rPr lang="de-DE" smtClean="0"/>
               <a:pPr/>
-              <a:t>14</a:t>
+              <a:t>13</a:t>
             </a:fld>
             <a:endParaRPr lang="de-DE"/>
           </a:p>
@@ -1106,7 +1103,7 @@
     </p:spTree>
     <p:extLst>
       <p:ext uri="{BB962C8B-B14F-4D97-AF65-F5344CB8AC3E}">
-        <p14:creationId xmlns:p14="http://schemas.microsoft.com/office/powerpoint/2010/main" val="2789965000"/>
+        <p14:creationId xmlns:p14="http://schemas.microsoft.com/office/powerpoint/2010/main" val="2577850142"/>
       </p:ext>
     </p:extLst>
   </p:cSld>
@@ -1182,7 +1179,7 @@
             <a:fld id="{87E9C61A-9B5E-4580-98DD-1AC874081FFB}" type="slidenum">
               <a:rPr lang="de-DE" smtClean="0"/>
               <a:pPr/>
-              <a:t>15</a:t>
+              <a:t>14</a:t>
             </a:fld>
             <a:endParaRPr lang="de-DE"/>
           </a:p>
@@ -1191,7 +1188,7 @@
     </p:spTree>
     <p:extLst>
       <p:ext uri="{BB962C8B-B14F-4D97-AF65-F5344CB8AC3E}">
-        <p14:creationId xmlns:p14="http://schemas.microsoft.com/office/powerpoint/2010/main" val="2337425669"/>
+        <p14:creationId xmlns:p14="http://schemas.microsoft.com/office/powerpoint/2010/main" val="2789965000"/>
       </p:ext>
     </p:extLst>
   </p:cSld>
@@ -1267,7 +1264,7 @@
             <a:fld id="{87E9C61A-9B5E-4580-98DD-1AC874081FFB}" type="slidenum">
               <a:rPr lang="de-DE" smtClean="0"/>
               <a:pPr/>
-              <a:t>16</a:t>
+              <a:t>15</a:t>
             </a:fld>
             <a:endParaRPr lang="de-DE"/>
           </a:p>
@@ -1276,7 +1273,7 @@
     </p:spTree>
     <p:extLst>
       <p:ext uri="{BB962C8B-B14F-4D97-AF65-F5344CB8AC3E}">
-        <p14:creationId xmlns:p14="http://schemas.microsoft.com/office/powerpoint/2010/main" val="2044551413"/>
+        <p14:creationId xmlns:p14="http://schemas.microsoft.com/office/powerpoint/2010/main" val="2337425669"/>
       </p:ext>
     </p:extLst>
   </p:cSld>
@@ -1352,7 +1349,7 @@
             <a:fld id="{87E9C61A-9B5E-4580-98DD-1AC874081FFB}" type="slidenum">
               <a:rPr lang="de-DE" smtClean="0"/>
               <a:pPr/>
-              <a:t>17</a:t>
+              <a:t>16</a:t>
             </a:fld>
             <a:endParaRPr lang="de-DE"/>
           </a:p>
@@ -1361,7 +1358,7 @@
     </p:spTree>
     <p:extLst>
       <p:ext uri="{BB962C8B-B14F-4D97-AF65-F5344CB8AC3E}">
-        <p14:creationId xmlns:p14="http://schemas.microsoft.com/office/powerpoint/2010/main" val="3531495016"/>
+        <p14:creationId xmlns:p14="http://schemas.microsoft.com/office/powerpoint/2010/main" val="2044551413"/>
       </p:ext>
     </p:extLst>
   </p:cSld>
@@ -1437,7 +1434,7 @@
             <a:fld id="{87E9C61A-9B5E-4580-98DD-1AC874081FFB}" type="slidenum">
               <a:rPr lang="de-DE" smtClean="0"/>
               <a:pPr/>
-              <a:t>18</a:t>
+              <a:t>17</a:t>
             </a:fld>
             <a:endParaRPr lang="de-DE"/>
           </a:p>
@@ -1446,7 +1443,7 @@
     </p:spTree>
     <p:extLst>
       <p:ext uri="{BB962C8B-B14F-4D97-AF65-F5344CB8AC3E}">
-        <p14:creationId xmlns:p14="http://schemas.microsoft.com/office/powerpoint/2010/main" val="1147172371"/>
+        <p14:creationId xmlns:p14="http://schemas.microsoft.com/office/powerpoint/2010/main" val="3531495016"/>
       </p:ext>
     </p:extLst>
   </p:cSld>
@@ -1522,7 +1519,7 @@
             <a:fld id="{87E9C61A-9B5E-4580-98DD-1AC874081FFB}" type="slidenum">
               <a:rPr lang="de-DE" smtClean="0"/>
               <a:pPr/>
-              <a:t>19</a:t>
+              <a:t>18</a:t>
             </a:fld>
             <a:endParaRPr lang="de-DE"/>
           </a:p>
@@ -1531,7 +1528,7 @@
     </p:spTree>
     <p:extLst>
       <p:ext uri="{BB962C8B-B14F-4D97-AF65-F5344CB8AC3E}">
-        <p14:creationId xmlns:p14="http://schemas.microsoft.com/office/powerpoint/2010/main" val="1153979423"/>
+        <p14:creationId xmlns:p14="http://schemas.microsoft.com/office/powerpoint/2010/main" val="1147172371"/>
       </p:ext>
     </p:extLst>
   </p:cSld>
@@ -1607,7 +1604,7 @@
             <a:fld id="{87E9C61A-9B5E-4580-98DD-1AC874081FFB}" type="slidenum">
               <a:rPr lang="de-DE" smtClean="0"/>
               <a:pPr/>
-              <a:t>20</a:t>
+              <a:t>19</a:t>
             </a:fld>
             <a:endParaRPr lang="de-DE"/>
           </a:p>
@@ -1616,7 +1613,7 @@
     </p:spTree>
     <p:extLst>
       <p:ext uri="{BB962C8B-B14F-4D97-AF65-F5344CB8AC3E}">
-        <p14:creationId xmlns:p14="http://schemas.microsoft.com/office/powerpoint/2010/main" val="3155964670"/>
+        <p14:creationId xmlns:p14="http://schemas.microsoft.com/office/powerpoint/2010/main" val="1153979423"/>
       </p:ext>
     </p:extLst>
   </p:cSld>
@@ -1692,7 +1689,7 @@
             <a:fld id="{87E9C61A-9B5E-4580-98DD-1AC874081FFB}" type="slidenum">
               <a:rPr lang="de-DE" smtClean="0"/>
               <a:pPr/>
-              <a:t>21</a:t>
+              <a:t>20</a:t>
             </a:fld>
             <a:endParaRPr lang="de-DE"/>
           </a:p>
@@ -1701,7 +1698,7 @@
     </p:spTree>
     <p:extLst>
       <p:ext uri="{BB962C8B-B14F-4D97-AF65-F5344CB8AC3E}">
-        <p14:creationId xmlns:p14="http://schemas.microsoft.com/office/powerpoint/2010/main" val="1399884599"/>
+        <p14:creationId xmlns:p14="http://schemas.microsoft.com/office/powerpoint/2010/main" val="3155964670"/>
       </p:ext>
     </p:extLst>
   </p:cSld>
@@ -1738,7 +1735,12 @@
             <p:ph type="sldImg"/>
           </p:nvPr>
         </p:nvSpPr>
-        <p:spPr/>
+        <p:spPr>
+          <a:xfrm>
+            <a:off x="927100" y="739775"/>
+            <a:ext cx="4927600" cy="3695700"/>
+          </a:xfrm>
+        </p:spPr>
       </p:sp>
       <p:sp>
         <p:nvSpPr>
@@ -1777,7 +1779,7 @@
             <a:fld id="{87E9C61A-9B5E-4580-98DD-1AC874081FFB}" type="slidenum">
               <a:rPr lang="de-DE" smtClean="0"/>
               <a:pPr/>
-              <a:t>4</a:t>
+              <a:t>3</a:t>
             </a:fld>
             <a:endParaRPr lang="de-DE"/>
           </a:p>
@@ -1786,7 +1788,7 @@
     </p:spTree>
     <p:extLst>
       <p:ext uri="{BB962C8B-B14F-4D97-AF65-F5344CB8AC3E}">
-        <p14:creationId xmlns:p14="http://schemas.microsoft.com/office/powerpoint/2010/main" val="2582652599"/>
+        <p14:creationId xmlns:p14="http://schemas.microsoft.com/office/powerpoint/2010/main" val="3721226824"/>
       </p:ext>
     </p:extLst>
   </p:cSld>
@@ -1862,7 +1864,7 @@
             <a:fld id="{87E9C61A-9B5E-4580-98DD-1AC874081FFB}" type="slidenum">
               <a:rPr lang="de-DE" smtClean="0"/>
               <a:pPr/>
-              <a:t>22</a:t>
+              <a:t>21</a:t>
             </a:fld>
             <a:endParaRPr lang="de-DE"/>
           </a:p>
@@ -1871,7 +1873,7 @@
     </p:spTree>
     <p:extLst>
       <p:ext uri="{BB962C8B-B14F-4D97-AF65-F5344CB8AC3E}">
-        <p14:creationId xmlns:p14="http://schemas.microsoft.com/office/powerpoint/2010/main" val="2354681918"/>
+        <p14:creationId xmlns:p14="http://schemas.microsoft.com/office/powerpoint/2010/main" val="1399884599"/>
       </p:ext>
     </p:extLst>
   </p:cSld>
@@ -1947,7 +1949,7 @@
             <a:fld id="{87E9C61A-9B5E-4580-98DD-1AC874081FFB}" type="slidenum">
               <a:rPr lang="de-DE" smtClean="0"/>
               <a:pPr/>
-              <a:t>23</a:t>
+              <a:t>22</a:t>
             </a:fld>
             <a:endParaRPr lang="de-DE"/>
           </a:p>
@@ -2032,7 +2034,7 @@
             <a:fld id="{87E9C61A-9B5E-4580-98DD-1AC874081FFB}" type="slidenum">
               <a:rPr lang="de-DE" smtClean="0"/>
               <a:pPr/>
-              <a:t>24</a:t>
+              <a:t>23</a:t>
             </a:fld>
             <a:endParaRPr lang="de-DE"/>
           </a:p>
@@ -2117,7 +2119,7 @@
             <a:fld id="{87E9C61A-9B5E-4580-98DD-1AC874081FFB}" type="slidenum">
               <a:rPr lang="de-DE" smtClean="0"/>
               <a:pPr/>
-              <a:t>25</a:t>
+              <a:t>24</a:t>
             </a:fld>
             <a:endParaRPr lang="de-DE"/>
           </a:p>
@@ -2202,7 +2204,7 @@
             <a:fld id="{87E9C61A-9B5E-4580-98DD-1AC874081FFB}" type="slidenum">
               <a:rPr lang="de-DE" smtClean="0"/>
               <a:pPr/>
-              <a:t>26</a:t>
+              <a:t>25</a:t>
             </a:fld>
             <a:endParaRPr lang="de-DE"/>
           </a:p>
@@ -2287,7 +2289,7 @@
             <a:fld id="{87E9C61A-9B5E-4580-98DD-1AC874081FFB}" type="slidenum">
               <a:rPr lang="de-DE" smtClean="0"/>
               <a:pPr/>
-              <a:t>27</a:t>
+              <a:t>26</a:t>
             </a:fld>
             <a:endParaRPr lang="de-DE"/>
           </a:p>
@@ -2372,7 +2374,7 @@
             <a:fld id="{87E9C61A-9B5E-4580-98DD-1AC874081FFB}" type="slidenum">
               <a:rPr lang="de-DE" smtClean="0"/>
               <a:pPr/>
-              <a:t>28</a:t>
+              <a:t>27</a:t>
             </a:fld>
             <a:endParaRPr lang="de-DE"/>
           </a:p>
@@ -2457,7 +2459,7 @@
             <a:fld id="{87E9C61A-9B5E-4580-98DD-1AC874081FFB}" type="slidenum">
               <a:rPr lang="de-DE" smtClean="0"/>
               <a:pPr/>
-              <a:t>29</a:t>
+              <a:t>28</a:t>
             </a:fld>
             <a:endParaRPr lang="de-DE"/>
           </a:p>
@@ -2542,7 +2544,7 @@
             <a:fld id="{87E9C61A-9B5E-4580-98DD-1AC874081FFB}" type="slidenum">
               <a:rPr lang="de-DE" smtClean="0"/>
               <a:pPr/>
-              <a:t>30</a:t>
+              <a:t>29</a:t>
             </a:fld>
             <a:endParaRPr lang="de-DE"/>
           </a:p>
@@ -2627,7 +2629,7 @@
             <a:fld id="{87E9C61A-9B5E-4580-98DD-1AC874081FFB}" type="slidenum">
               <a:rPr lang="de-DE" smtClean="0"/>
               <a:pPr/>
-              <a:t>31</a:t>
+              <a:t>30</a:t>
             </a:fld>
             <a:endParaRPr lang="de-DE"/>
           </a:p>
@@ -2712,7 +2714,7 @@
             <a:fld id="{87E9C61A-9B5E-4580-98DD-1AC874081FFB}" type="slidenum">
               <a:rPr lang="de-DE" smtClean="0"/>
               <a:pPr/>
-              <a:t>5</a:t>
+              <a:t>4</a:t>
             </a:fld>
             <a:endParaRPr lang="de-DE"/>
           </a:p>
@@ -2797,7 +2799,7 @@
             <a:fld id="{87E9C61A-9B5E-4580-98DD-1AC874081FFB}" type="slidenum">
               <a:rPr lang="de-DE" smtClean="0"/>
               <a:pPr/>
-              <a:t>32</a:t>
+              <a:t>31</a:t>
             </a:fld>
             <a:endParaRPr lang="de-DE"/>
           </a:p>
@@ -2882,7 +2884,7 @@
             <a:fld id="{87E9C61A-9B5E-4580-98DD-1AC874081FFB}" type="slidenum">
               <a:rPr lang="de-DE" smtClean="0"/>
               <a:pPr/>
-              <a:t>33</a:t>
+              <a:t>32</a:t>
             </a:fld>
             <a:endParaRPr lang="de-DE"/>
           </a:p>
@@ -2891,7 +2893,7 @@
     </p:spTree>
     <p:extLst>
       <p:ext uri="{BB962C8B-B14F-4D97-AF65-F5344CB8AC3E}">
-        <p14:creationId xmlns:p14="http://schemas.microsoft.com/office/powerpoint/2010/main" val="2058865376"/>
+        <p14:creationId xmlns:p14="http://schemas.microsoft.com/office/powerpoint/2010/main" val="1439053324"/>
       </p:ext>
     </p:extLst>
   </p:cSld>
@@ -2967,7 +2969,7 @@
             <a:fld id="{87E9C61A-9B5E-4580-98DD-1AC874081FFB}" type="slidenum">
               <a:rPr lang="de-DE" smtClean="0"/>
               <a:pPr/>
-              <a:t>34</a:t>
+              <a:t>33</a:t>
             </a:fld>
             <a:endParaRPr lang="de-DE"/>
           </a:p>
@@ -2976,7 +2978,7 @@
     </p:spTree>
     <p:extLst>
       <p:ext uri="{BB962C8B-B14F-4D97-AF65-F5344CB8AC3E}">
-        <p14:creationId xmlns:p14="http://schemas.microsoft.com/office/powerpoint/2010/main" val="1439053324"/>
+        <p14:creationId xmlns:p14="http://schemas.microsoft.com/office/powerpoint/2010/main" val="1348049600"/>
       </p:ext>
     </p:extLst>
   </p:cSld>
@@ -3052,177 +3054,7 @@
             <a:fld id="{87E9C61A-9B5E-4580-98DD-1AC874081FFB}" type="slidenum">
               <a:rPr lang="de-DE" smtClean="0"/>
               <a:pPr/>
-              <a:t>35</a:t>
-            </a:fld>
-            <a:endParaRPr lang="de-DE"/>
-          </a:p>
-        </p:txBody>
-      </p:sp>
-    </p:spTree>
-    <p:extLst>
-      <p:ext uri="{BB962C8B-B14F-4D97-AF65-F5344CB8AC3E}">
-        <p14:creationId xmlns:p14="http://schemas.microsoft.com/office/powerpoint/2010/main" val="2398454923"/>
-      </p:ext>
-    </p:extLst>
-  </p:cSld>
-  <p:clrMapOvr>
-    <a:masterClrMapping/>
-  </p:clrMapOvr>
-</p:notes>
-</file>
-
-<file path=ppt/notesSlides/notesSlide34.xml><?xml version="1.0" encoding="utf-8"?>
-<p:notes xmlns:a="http://schemas.openxmlformats.org/drawingml/2006/main" xmlns:r="http://schemas.openxmlformats.org/officeDocument/2006/relationships" xmlns:p="http://schemas.openxmlformats.org/presentationml/2006/main">
-  <p:cSld>
-    <p:spTree>
-      <p:nvGrpSpPr>
-        <p:cNvPr id="1" name=""/>
-        <p:cNvGrpSpPr/>
-        <p:nvPr/>
-      </p:nvGrpSpPr>
-      <p:grpSpPr>
-        <a:xfrm>
-          <a:off x="0" y="0"/>
-          <a:ext cx="0" cy="0"/>
-          <a:chOff x="0" y="0"/>
-          <a:chExt cx="0" cy="0"/>
-        </a:xfrm>
-      </p:grpSpPr>
-      <p:sp>
-        <p:nvSpPr>
-          <p:cNvPr id="2" name="Folienbildplatzhalter 1"/>
-          <p:cNvSpPr>
-            <a:spLocks noGrp="1" noRot="1" noChangeAspect="1"/>
-          </p:cNvSpPr>
-          <p:nvPr>
-            <p:ph type="sldImg"/>
-          </p:nvPr>
-        </p:nvSpPr>
-        <p:spPr/>
-      </p:sp>
-      <p:sp>
-        <p:nvSpPr>
-          <p:cNvPr id="3" name="Notizenplatzhalter 2"/>
-          <p:cNvSpPr>
-            <a:spLocks noGrp="1"/>
-          </p:cNvSpPr>
-          <p:nvPr>
-            <p:ph type="body" idx="1"/>
-          </p:nvPr>
-        </p:nvSpPr>
-        <p:spPr/>
-        <p:txBody>
-          <a:bodyPr/>
-          <a:lstStyle/>
-          <a:p>
-            <a:endParaRPr lang="de-DE" dirty="0"/>
-          </a:p>
-        </p:txBody>
-      </p:sp>
-      <p:sp>
-        <p:nvSpPr>
-          <p:cNvPr id="4" name="Foliennummernplatzhalter 3"/>
-          <p:cNvSpPr>
-            <a:spLocks noGrp="1"/>
-          </p:cNvSpPr>
-          <p:nvPr>
-            <p:ph type="sldNum" sz="quarter" idx="10"/>
-          </p:nvPr>
-        </p:nvSpPr>
-        <p:spPr/>
-        <p:txBody>
-          <a:bodyPr/>
-          <a:lstStyle/>
-          <a:p>
-            <a:fld id="{87E9C61A-9B5E-4580-98DD-1AC874081FFB}" type="slidenum">
-              <a:rPr lang="de-DE" smtClean="0"/>
-              <a:pPr/>
-              <a:t>36</a:t>
-            </a:fld>
-            <a:endParaRPr lang="de-DE"/>
-          </a:p>
-        </p:txBody>
-      </p:sp>
-    </p:spTree>
-    <p:extLst>
-      <p:ext uri="{BB962C8B-B14F-4D97-AF65-F5344CB8AC3E}">
-        <p14:creationId xmlns:p14="http://schemas.microsoft.com/office/powerpoint/2010/main" val="1348049600"/>
-      </p:ext>
-    </p:extLst>
-  </p:cSld>
-  <p:clrMapOvr>
-    <a:masterClrMapping/>
-  </p:clrMapOvr>
-</p:notes>
-</file>
-
-<file path=ppt/notesSlides/notesSlide35.xml><?xml version="1.0" encoding="utf-8"?>
-<p:notes xmlns:a="http://schemas.openxmlformats.org/drawingml/2006/main" xmlns:r="http://schemas.openxmlformats.org/officeDocument/2006/relationships" xmlns:p="http://schemas.openxmlformats.org/presentationml/2006/main">
-  <p:cSld>
-    <p:spTree>
-      <p:nvGrpSpPr>
-        <p:cNvPr id="1" name=""/>
-        <p:cNvGrpSpPr/>
-        <p:nvPr/>
-      </p:nvGrpSpPr>
-      <p:grpSpPr>
-        <a:xfrm>
-          <a:off x="0" y="0"/>
-          <a:ext cx="0" cy="0"/>
-          <a:chOff x="0" y="0"/>
-          <a:chExt cx="0" cy="0"/>
-        </a:xfrm>
-      </p:grpSpPr>
-      <p:sp>
-        <p:nvSpPr>
-          <p:cNvPr id="2" name="Folienbildplatzhalter 1"/>
-          <p:cNvSpPr>
-            <a:spLocks noGrp="1" noRot="1" noChangeAspect="1"/>
-          </p:cNvSpPr>
-          <p:nvPr>
-            <p:ph type="sldImg"/>
-          </p:nvPr>
-        </p:nvSpPr>
-        <p:spPr/>
-      </p:sp>
-      <p:sp>
-        <p:nvSpPr>
-          <p:cNvPr id="3" name="Notizenplatzhalter 2"/>
-          <p:cNvSpPr>
-            <a:spLocks noGrp="1"/>
-          </p:cNvSpPr>
-          <p:nvPr>
-            <p:ph type="body" idx="1"/>
-          </p:nvPr>
-        </p:nvSpPr>
-        <p:spPr/>
-        <p:txBody>
-          <a:bodyPr/>
-          <a:lstStyle/>
-          <a:p>
-            <a:endParaRPr lang="de-DE" dirty="0"/>
-          </a:p>
-        </p:txBody>
-      </p:sp>
-      <p:sp>
-        <p:nvSpPr>
-          <p:cNvPr id="4" name="Foliennummernplatzhalter 3"/>
-          <p:cNvSpPr>
-            <a:spLocks noGrp="1"/>
-          </p:cNvSpPr>
-          <p:nvPr>
-            <p:ph type="sldNum" sz="quarter" idx="10"/>
-          </p:nvPr>
-        </p:nvSpPr>
-        <p:spPr/>
-        <p:txBody>
-          <a:bodyPr/>
-          <a:lstStyle/>
-          <a:p>
-            <a:fld id="{87E9C61A-9B5E-4580-98DD-1AC874081FFB}" type="slidenum">
-              <a:rPr lang="de-DE" smtClean="0"/>
-              <a:pPr/>
-              <a:t>37</a:t>
+              <a:t>34</a:t>
             </a:fld>
             <a:endParaRPr lang="de-DE"/>
           </a:p>
@@ -3307,7 +3139,7 @@
             <a:fld id="{87E9C61A-9B5E-4580-98DD-1AC874081FFB}" type="slidenum">
               <a:rPr lang="de-DE" smtClean="0"/>
               <a:pPr/>
-              <a:t>6</a:t>
+              <a:t>5</a:t>
             </a:fld>
             <a:endParaRPr lang="de-DE"/>
           </a:p>
@@ -3392,7 +3224,7 @@
             <a:fld id="{87E9C61A-9B5E-4580-98DD-1AC874081FFB}" type="slidenum">
               <a:rPr lang="de-DE" smtClean="0"/>
               <a:pPr/>
-              <a:t>7</a:t>
+              <a:t>6</a:t>
             </a:fld>
             <a:endParaRPr lang="de-DE"/>
           </a:p>
@@ -3477,7 +3309,7 @@
             <a:fld id="{87E9C61A-9B5E-4580-98DD-1AC874081FFB}" type="slidenum">
               <a:rPr lang="de-DE" smtClean="0"/>
               <a:pPr/>
-              <a:t>8</a:t>
+              <a:t>7</a:t>
             </a:fld>
             <a:endParaRPr lang="de-DE"/>
           </a:p>
@@ -3562,7 +3394,7 @@
             <a:fld id="{87E9C61A-9B5E-4580-98DD-1AC874081FFB}" type="slidenum">
               <a:rPr lang="de-DE" smtClean="0"/>
               <a:pPr/>
-              <a:t>9</a:t>
+              <a:t>8</a:t>
             </a:fld>
             <a:endParaRPr lang="de-DE"/>
           </a:p>
@@ -3647,7 +3479,7 @@
             <a:fld id="{87E9C61A-9B5E-4580-98DD-1AC874081FFB}" type="slidenum">
               <a:rPr lang="de-DE" smtClean="0"/>
               <a:pPr/>
-              <a:t>10</a:t>
+              <a:t>9</a:t>
             </a:fld>
             <a:endParaRPr lang="de-DE"/>
           </a:p>
@@ -3732,7 +3564,7 @@
             <a:fld id="{87E9C61A-9B5E-4580-98DD-1AC874081FFB}" type="slidenum">
               <a:rPr lang="de-DE" smtClean="0"/>
               <a:pPr/>
-              <a:t>11</a:t>
+              <a:t>10</a:t>
             </a:fld>
             <a:endParaRPr lang="de-DE"/>
           </a:p>
@@ -7845,71 +7677,147 @@
       </p:grpSpPr>
       <p:sp>
         <p:nvSpPr>
-          <p:cNvPr id="6" name="Rechteck 5"/>
-          <p:cNvSpPr/>
-          <p:nvPr/>
-        </p:nvSpPr>
-        <p:spPr bwMode="auto">
-          <a:xfrm>
-            <a:off x="0" y="0"/>
-            <a:ext cx="9144000" cy="6858000"/>
-          </a:xfrm>
-          <a:prstGeom prst="rect">
-            <a:avLst/>
-          </a:prstGeom>
-          <a:solidFill>
-            <a:schemeClr val="tx1"/>
-          </a:solidFill>
-          <a:ln w="12700" cap="flat" cmpd="sng" algn="ctr">
-            <a:noFill/>
-            <a:prstDash val="solid"/>
-            <a:round/>
-            <a:headEnd type="none" w="med" len="med"/>
-            <a:tailEnd type="none" w="med" len="med"/>
-          </a:ln>
-          <a:effectLst/>
-        </p:spPr>
-        <p:txBody>
-          <a:bodyPr vert="horz" wrap="square" lIns="91440" tIns="45720" rIns="91440" bIns="45720" numCol="1" rtlCol="0" anchor="ctr" anchorCtr="0" compatLnSpc="1">
-            <a:prstTxWarp prst="textNoShape">
-              <a:avLst/>
-            </a:prstTxWarp>
-          </a:bodyPr>
-          <a:lstStyle/>
-          <a:p>
-            <a:pPr marL="0" marR="0" indent="0" algn="l" defTabSz="914400" rtl="0" eaLnBrk="0" fontAlgn="base" latinLnBrk="0" hangingPunct="0">
-              <a:lnSpc>
-                <a:spcPct val="100000"/>
-              </a:lnSpc>
-              <a:spcBef>
-                <a:spcPct val="0"/>
-              </a:spcBef>
-              <a:spcAft>
-                <a:spcPct val="0"/>
-              </a:spcAft>
-              <a:buClrTx/>
-              <a:buSzTx/>
-              <a:buFontTx/>
+          <p:cNvPr id="10" name="Untertitel 9"/>
+          <p:cNvSpPr>
+            <a:spLocks noGrp="1"/>
+          </p:cNvSpPr>
+          <p:nvPr>
+            <p:ph type="subTitle" idx="1"/>
+          </p:nvPr>
+        </p:nvSpPr>
+        <p:spPr/>
+        <p:txBody>
+          <a:bodyPr/>
+          <a:lstStyle/>
+          <a:p>
+            <a:pPr>
               <a:buNone/>
-              <a:tabLst/>
             </a:pPr>
-            <a:endParaRPr kumimoji="0" lang="de-DE" sz="1400" b="0" i="0" u="none" strike="noStrike" cap="none" normalizeH="0" baseline="0" smtClean="0">
-              <a:ln>
-                <a:noFill/>
-              </a:ln>
-              <a:solidFill>
-                <a:schemeClr val="tx1"/>
-              </a:solidFill>
-              <a:effectLst/>
-              <a:latin typeface="LMU CompatilFact" pitchFamily="2" charset="0"/>
-            </a:endParaRPr>
+            <a:r>
+              <a:rPr lang="de-DE" dirty="0" smtClean="0"/>
+              <a:t>Abschlusspräsentation im Bachelorseminar</a:t>
+            </a:r>
+          </a:p>
+          <a:p>
+            <a:pPr>
+              <a:buNone/>
+            </a:pPr>
+            <a:r>
+              <a:rPr lang="de-DE" dirty="0"/>
+              <a:t>„Trends in Mobilen und Verteilten </a:t>
+            </a:r>
+            <a:r>
+              <a:rPr lang="de-DE" dirty="0" smtClean="0"/>
+              <a:t>Systemen“</a:t>
+            </a:r>
+            <a:br>
+              <a:rPr lang="de-DE" dirty="0" smtClean="0"/>
+            </a:br>
+            <a:endParaRPr lang="de-DE" dirty="0" smtClean="0"/>
+          </a:p>
+          <a:p>
+            <a:pPr>
+              <a:buNone/>
+            </a:pPr>
+            <a:r>
+              <a:rPr lang="de-DE" sz="1400" dirty="0" smtClean="0"/>
+              <a:t>München, </a:t>
+            </a:r>
+            <a:r>
+              <a:rPr lang="de-DE" sz="1400" dirty="0" err="1" smtClean="0"/>
+              <a:t>Oettingenstr</a:t>
+            </a:r>
+            <a:r>
+              <a:rPr lang="de-DE" sz="1400" dirty="0"/>
+              <a:t>. 67, Raum </a:t>
+            </a:r>
+            <a:r>
+              <a:rPr lang="de-DE" sz="1400" dirty="0" smtClean="0"/>
+              <a:t>027</a:t>
+            </a:r>
+          </a:p>
+          <a:p>
+            <a:pPr>
+              <a:buNone/>
+            </a:pPr>
+            <a:r>
+              <a:rPr lang="de-DE" sz="1400" dirty="0" smtClean="0"/>
+              <a:t>16. Februar 2017</a:t>
+            </a:r>
+            <a:endParaRPr lang="de-DE" sz="1400" dirty="0"/>
+          </a:p>
+        </p:txBody>
+      </p:sp>
+      <p:sp>
+        <p:nvSpPr>
+          <p:cNvPr id="9" name="Titel 8"/>
+          <p:cNvSpPr>
+            <a:spLocks noGrp="1"/>
+          </p:cNvSpPr>
+          <p:nvPr>
+            <p:ph type="ctrTitle"/>
+          </p:nvPr>
+        </p:nvSpPr>
+        <p:spPr/>
+        <p:txBody>
+          <a:bodyPr/>
+          <a:lstStyle/>
+          <a:p>
+            <a:r>
+              <a:rPr lang="de-DE" dirty="0"/>
+              <a:t>Sicherheitsaspekte beim </a:t>
+            </a:r>
+            <a:r>
+              <a:rPr lang="de-DE" dirty="0" err="1"/>
+              <a:t>Deployment</a:t>
+            </a:r>
+            <a:r>
+              <a:rPr lang="de-DE" dirty="0"/>
+              <a:t> </a:t>
+            </a:r>
+            <a:r>
+              <a:rPr lang="de-DE" dirty="0" smtClean="0"/>
+              <a:t>virtueller Netzinfrastrukturen</a:t>
+            </a:r>
+            <a:endParaRPr lang="de-DE" dirty="0"/>
+          </a:p>
+        </p:txBody>
+      </p:sp>
+      <p:sp>
+        <p:nvSpPr>
+          <p:cNvPr id="11" name="Textplatzhalter 10"/>
+          <p:cNvSpPr>
+            <a:spLocks noGrp="1"/>
+          </p:cNvSpPr>
+          <p:nvPr>
+            <p:ph type="body" sz="quarter" idx="10"/>
+          </p:nvPr>
+        </p:nvSpPr>
+        <p:spPr/>
+        <p:txBody>
+          <a:bodyPr/>
+          <a:lstStyle/>
+          <a:p>
+            <a:r>
+              <a:rPr lang="de-DE" dirty="0" smtClean="0"/>
+              <a:t>Gerhard </a:t>
+            </a:r>
+            <a:r>
+              <a:rPr lang="de-DE" dirty="0" err="1" smtClean="0"/>
+              <a:t>Gröschl</a:t>
+            </a:r>
+            <a:r>
+              <a:rPr lang="de-DE" dirty="0" smtClean="0"/>
+              <a:t>, Miran Mizani</a:t>
+            </a:r>
+            <a:endParaRPr lang="de-DE" dirty="0"/>
           </a:p>
         </p:txBody>
       </p:sp>
     </p:spTree>
     <p:extLst>
       <p:ext uri="{BB962C8B-B14F-4D97-AF65-F5344CB8AC3E}">
-        <p14:creationId xmlns:p14="http://schemas.microsoft.com/office/powerpoint/2010/main" val="1118323160"/>
+        <p14:creationId xmlns:p14="http://schemas.microsoft.com/office/powerpoint/2010/main" val="2931754677"/>
       </p:ext>
     </p:extLst>
   </p:cSld>
@@ -8112,7 +8020,7 @@
         </p:blipFill>
         <p:spPr bwMode="auto">
           <a:xfrm>
-            <a:off x="128710" y="3059954"/>
+            <a:off x="179512" y="3059954"/>
             <a:ext cx="2592288" cy="1077517"/>
           </a:xfrm>
           <a:prstGeom prst="rect">
@@ -8436,7 +8344,7 @@
         </p:blipFill>
         <p:spPr bwMode="auto">
           <a:xfrm>
-            <a:off x="128710" y="3059954"/>
+            <a:off x="179512" y="3059954"/>
             <a:ext cx="2592288" cy="1077517"/>
           </a:xfrm>
           <a:prstGeom prst="rect">
@@ -9621,88 +9529,9 @@
   <p:timing>
     <p:tnLst>
       <p:par>
-        <p:cTn id="1" dur="indefinite" restart="never" nodeType="tmRoot">
-          <p:childTnLst>
-            <p:seq concurrent="1" nextAc="seek">
-              <p:cTn id="2" dur="indefinite" nodeType="mainSeq">
-                <p:childTnLst>
-                  <p:par>
-                    <p:cTn id="3" fill="hold">
-                      <p:stCondLst>
-                        <p:cond delay="indefinite"/>
-                      </p:stCondLst>
-                      <p:childTnLst>
-                        <p:par>
-                          <p:cTn id="4" fill="hold">
-                            <p:stCondLst>
-                              <p:cond delay="0"/>
-                            </p:stCondLst>
-                            <p:childTnLst>
-                              <p:par>
-                                <p:cTn id="5" presetID="10" presetClass="exit" presetSubtype="0" fill="hold" grpId="0" nodeType="clickEffect">
-                                  <p:stCondLst>
-                                    <p:cond delay="0"/>
-                                  </p:stCondLst>
-                                  <p:childTnLst>
-                                    <p:animEffect transition="out" filter="fade">
-                                      <p:cBhvr>
-                                        <p:cTn id="6" dur="500"/>
-                                        <p:tgtEl>
-                                          <p:spTgt spid="13"/>
-                                        </p:tgtEl>
-                                      </p:cBhvr>
-                                    </p:animEffect>
-                                    <p:set>
-                                      <p:cBhvr>
-                                        <p:cTn id="7" dur="1" fill="hold">
-                                          <p:stCondLst>
-                                            <p:cond delay="499"/>
-                                          </p:stCondLst>
-                                        </p:cTn>
-                                        <p:tgtEl>
-                                          <p:spTgt spid="13"/>
-                                        </p:tgtEl>
-                                        <p:attrNameLst>
-                                          <p:attrName>style.visibility</p:attrName>
-                                        </p:attrNameLst>
-                                      </p:cBhvr>
-                                      <p:to>
-                                        <p:strVal val="hidden"/>
-                                      </p:to>
-                                    </p:set>
-                                  </p:childTnLst>
-                                </p:cTn>
-                              </p:par>
-                            </p:childTnLst>
-                          </p:cTn>
-                        </p:par>
-                      </p:childTnLst>
-                    </p:cTn>
-                  </p:par>
-                </p:childTnLst>
-              </p:cTn>
-              <p:prevCondLst>
-                <p:cond evt="onPrev" delay="0">
-                  <p:tgtEl>
-                    <p:sldTgt/>
-                  </p:tgtEl>
-                </p:cond>
-              </p:prevCondLst>
-              <p:nextCondLst>
-                <p:cond evt="onNext" delay="0">
-                  <p:tgtEl>
-                    <p:sldTgt/>
-                  </p:tgtEl>
-                </p:cond>
-              </p:nextCondLst>
-            </p:seq>
-          </p:childTnLst>
-        </p:cTn>
+        <p:cTn id="1" dur="indefinite" restart="never" nodeType="tmRoot"/>
       </p:par>
     </p:tnLst>
-    <p:bldLst>
-      <p:bldP spid="13" grpId="0" animBg="1"/>
-    </p:bldLst>
   </p:timing>
 </p:sld>
 </file>
@@ -9839,69 +9668,6 @@
           </a:p>
         </p:txBody>
       </p:sp>
-      <p:sp>
-        <p:nvSpPr>
-          <p:cNvPr id="8" name="Rechteck 7"/>
-          <p:cNvSpPr/>
-          <p:nvPr/>
-        </p:nvSpPr>
-        <p:spPr bwMode="auto">
-          <a:xfrm>
-            <a:off x="898525" y="3933056"/>
-            <a:ext cx="7381887" cy="2420934"/>
-          </a:xfrm>
-          <a:prstGeom prst="rect">
-            <a:avLst/>
-          </a:prstGeom>
-          <a:solidFill>
-            <a:schemeClr val="bg1"/>
-          </a:solidFill>
-          <a:ln w="12700" cap="flat" cmpd="sng" algn="ctr">
-            <a:noFill/>
-            <a:prstDash val="solid"/>
-            <a:round/>
-            <a:headEnd type="none" w="med" len="med"/>
-            <a:tailEnd type="none" w="med" len="med"/>
-          </a:ln>
-          <a:effectLst/>
-        </p:spPr>
-        <p:txBody>
-          <a:bodyPr vert="horz" wrap="square" lIns="91440" tIns="45720" rIns="91440" bIns="45720" numCol="1" rtlCol="0" anchor="ctr" anchorCtr="0" compatLnSpc="1">
-            <a:prstTxWarp prst="textNoShape">
-              <a:avLst/>
-            </a:prstTxWarp>
-          </a:bodyPr>
-          <a:lstStyle/>
-          <a:p>
-            <a:pPr marL="0" marR="0" indent="0" algn="l" defTabSz="914400" rtl="0" eaLnBrk="0" fontAlgn="base" latinLnBrk="0" hangingPunct="0">
-              <a:lnSpc>
-                <a:spcPct val="100000"/>
-              </a:lnSpc>
-              <a:spcBef>
-                <a:spcPct val="0"/>
-              </a:spcBef>
-              <a:spcAft>
-                <a:spcPct val="0"/>
-              </a:spcAft>
-              <a:buClrTx/>
-              <a:buSzTx/>
-              <a:buFontTx/>
-              <a:buNone/>
-              <a:tabLst/>
-            </a:pPr>
-            <a:endParaRPr kumimoji="0" lang="de-DE" sz="1400" b="0" i="0" u="none" strike="noStrike" cap="none" normalizeH="0" baseline="0" smtClean="0">
-              <a:ln>
-                <a:noFill/>
-              </a:ln>
-              <a:solidFill>
-                <a:schemeClr val="tx1"/>
-              </a:solidFill>
-              <a:effectLst/>
-              <a:latin typeface="LMU CompatilFact" pitchFamily="2" charset="0"/>
-            </a:endParaRPr>
-          </a:p>
-        </p:txBody>
-      </p:sp>
       <p:pic>
         <p:nvPicPr>
           <p:cNvPr id="11" name="Grafik 10"/>
@@ -9962,6 +9728,60 @@
           </a:p>
         </p:txBody>
       </p:sp>
+      <p:cxnSp>
+        <p:nvCxnSpPr>
+          <p:cNvPr id="6" name="Gerader Verbinder 5"/>
+          <p:cNvCxnSpPr/>
+          <p:nvPr/>
+        </p:nvCxnSpPr>
+        <p:spPr bwMode="auto">
+          <a:xfrm>
+            <a:off x="2110122" y="5265204"/>
+            <a:ext cx="877702" cy="0"/>
+          </a:xfrm>
+          <a:prstGeom prst="line">
+            <a:avLst/>
+          </a:prstGeom>
+          <a:noFill/>
+          <a:ln w="28575" cap="flat" cmpd="sng" algn="ctr">
+            <a:solidFill>
+              <a:schemeClr val="tx2"/>
+            </a:solidFill>
+            <a:prstDash val="solid"/>
+            <a:round/>
+            <a:headEnd type="none" w="med" len="med"/>
+            <a:tailEnd type="none" w="med" len="med"/>
+          </a:ln>
+          <a:effectLst/>
+        </p:spPr>
+      </p:cxnSp>
+      <p:cxnSp>
+        <p:nvCxnSpPr>
+          <p:cNvPr id="14" name="Gerader Verbinder 13"/>
+          <p:cNvCxnSpPr/>
+          <p:nvPr/>
+        </p:nvCxnSpPr>
+        <p:spPr bwMode="auto">
+          <a:xfrm>
+            <a:off x="6480212" y="6150320"/>
+            <a:ext cx="1188132" cy="0"/>
+          </a:xfrm>
+          <a:prstGeom prst="line">
+            <a:avLst/>
+          </a:prstGeom>
+          <a:noFill/>
+          <a:ln w="28575" cap="flat" cmpd="sng" algn="ctr">
+            <a:solidFill>
+              <a:schemeClr val="tx2"/>
+            </a:solidFill>
+            <a:prstDash val="solid"/>
+            <a:round/>
+            <a:headEnd type="none" w="med" len="med"/>
+            <a:tailEnd type="none" w="med" len="med"/>
+          </a:ln>
+          <a:effectLst/>
+        </p:spPr>
+      </p:cxnSp>
     </p:spTree>
     <p:extLst>
       <p:ext uri="{BB962C8B-B14F-4D97-AF65-F5344CB8AC3E}">
@@ -11264,12 +11084,12 @@
       </p:grpSpPr>
       <p:sp>
         <p:nvSpPr>
-          <p:cNvPr id="10" name="Untertitel 9"/>
+          <p:cNvPr id="2" name="Titel 1"/>
           <p:cNvSpPr>
             <a:spLocks noGrp="1"/>
           </p:cNvSpPr>
           <p:nvPr>
-            <p:ph type="subTitle" idx="1"/>
+            <p:ph type="title"/>
           </p:nvPr>
         </p:nvSpPr>
         <p:spPr/>
@@ -11277,72 +11097,101 @@
           <a:bodyPr/>
           <a:lstStyle/>
           <a:p>
+            <a:r>
+              <a:rPr lang="de-DE" dirty="0" smtClean="0"/>
+              <a:t>Motivation</a:t>
+            </a:r>
+            <a:endParaRPr lang="de-DE" dirty="0"/>
+          </a:p>
+        </p:txBody>
+      </p:sp>
+      <p:sp>
+        <p:nvSpPr>
+          <p:cNvPr id="3" name="Inhaltsplatzhalter 2"/>
+          <p:cNvSpPr>
+            <a:spLocks noGrp="1"/>
+          </p:cNvSpPr>
+          <p:nvPr>
+            <p:ph idx="1"/>
+          </p:nvPr>
+        </p:nvSpPr>
+        <p:spPr/>
+        <p:txBody>
+          <a:bodyPr/>
+          <a:lstStyle/>
+          <a:p>
+            <a:r>
+              <a:rPr lang="de-DE" dirty="0" smtClean="0"/>
+              <a:t>Anforderungen an Netzstrukturen ändern sich häufig</a:t>
+            </a:r>
+          </a:p>
+          <a:p>
+            <a:endParaRPr lang="de-DE" dirty="0" smtClean="0"/>
+          </a:p>
+          <a:p>
+            <a:r>
+              <a:rPr lang="de-DE" dirty="0" err="1" smtClean="0"/>
+              <a:t>Netzvirtualisierung</a:t>
+            </a:r>
+            <a:r>
+              <a:rPr lang="de-DE" dirty="0" smtClean="0"/>
+              <a:t> bietet Möglichkeit zur Abstraktion von der eingesetzten Hardware </a:t>
+            </a:r>
+            <a:r>
+              <a:rPr lang="de-DE" dirty="0" smtClean="0">
+                <a:sym typeface="Wingdings" panose="05000000000000000000" pitchFamily="2" charset="2"/>
+              </a:rPr>
+              <a:t> Aufbau logischer </a:t>
+            </a:r>
+            <a:r>
+              <a:rPr lang="de-DE" dirty="0" smtClean="0">
+                <a:sym typeface="Wingdings" panose="05000000000000000000" pitchFamily="2" charset="2"/>
+              </a:rPr>
+              <a:t>Netze</a:t>
+            </a:r>
+            <a:endParaRPr lang="de-DE" dirty="0" smtClean="0">
+              <a:sym typeface="Wingdings" panose="05000000000000000000" pitchFamily="2" charset="2"/>
+            </a:endParaRPr>
+          </a:p>
+        </p:txBody>
+      </p:sp>
+      <p:sp>
+        <p:nvSpPr>
+          <p:cNvPr id="4" name="Foliennummernplatzhalter 3"/>
+          <p:cNvSpPr>
+            <a:spLocks noGrp="1"/>
+          </p:cNvSpPr>
+          <p:nvPr>
+            <p:ph type="sldNum" sz="quarter" idx="4"/>
+          </p:nvPr>
+        </p:nvSpPr>
+        <p:spPr/>
+        <p:txBody>
+          <a:bodyPr/>
+          <a:lstStyle/>
+          <a:p>
             <a:pPr>
-              <a:buNone/>
+              <a:defRPr/>
             </a:pPr>
-            <a:r>
-              <a:rPr lang="de-DE" dirty="0" smtClean="0"/>
-              <a:t>Abschlusspräsentation im Bachelorseminar</a:t>
-            </a:r>
-          </a:p>
-          <a:p>
-            <a:pPr>
-              <a:buNone/>
-            </a:pPr>
-            <a:r>
-              <a:rPr lang="de-DE" dirty="0"/>
-              <a:t>„Trends in Mobilen und Verteilten </a:t>
-            </a:r>
-            <a:r>
-              <a:rPr lang="de-DE" dirty="0" smtClean="0"/>
-              <a:t>Systemen“</a:t>
-            </a:r>
-            <a:br>
-              <a:rPr lang="de-DE" dirty="0" smtClean="0"/>
-            </a:br>
-            <a:endParaRPr lang="de-DE" dirty="0" smtClean="0"/>
-          </a:p>
-          <a:p>
-            <a:pPr>
-              <a:buNone/>
-            </a:pPr>
-            <a:r>
-              <a:rPr lang="de-DE" sz="1400" dirty="0" smtClean="0"/>
-              <a:t>München, </a:t>
-            </a:r>
-            <a:r>
-              <a:rPr lang="de-DE" sz="1400" dirty="0" err="1" smtClean="0"/>
-              <a:t>Oettingenstr</a:t>
-            </a:r>
-            <a:r>
-              <a:rPr lang="de-DE" sz="1400" dirty="0"/>
-              <a:t>. 67, Raum </a:t>
-            </a:r>
-            <a:r>
-              <a:rPr lang="de-DE" sz="1400" dirty="0" smtClean="0"/>
-              <a:t>027</a:t>
-            </a:r>
-          </a:p>
-          <a:p>
-            <a:pPr>
-              <a:buNone/>
-            </a:pPr>
-            <a:r>
-              <a:rPr lang="de-DE" sz="1400" dirty="0" smtClean="0"/>
-              <a:t>16. Februar 2017</a:t>
-            </a:r>
-            <a:endParaRPr lang="de-DE" sz="1400" dirty="0"/>
-          </a:p>
-        </p:txBody>
-      </p:sp>
-      <p:sp>
-        <p:nvSpPr>
-          <p:cNvPr id="9" name="Titel 8"/>
+            <a:fld id="{70BFFA52-4234-45F6-B1A6-074E24FF43A2}" type="slidenum">
+              <a:rPr lang="de-DE" smtClean="0"/>
+              <a:pPr>
+                <a:defRPr/>
+              </a:pPr>
+              <a:t>2</a:t>
+            </a:fld>
+            <a:endParaRPr lang="de-DE" dirty="0"/>
+          </a:p>
+        </p:txBody>
+      </p:sp>
+      <p:sp>
+        <p:nvSpPr>
+          <p:cNvPr id="5" name="Fußzeilenplatzhalter 4"/>
           <p:cNvSpPr>
             <a:spLocks noGrp="1"/>
           </p:cNvSpPr>
           <p:nvPr>
-            <p:ph type="ctrTitle"/>
+            <p:ph type="ftr" sz="quarter" idx="3"/>
           </p:nvPr>
         </p:nvSpPr>
         <p:spPr/>
@@ -11351,51 +11200,16 @@
           <a:lstStyle/>
           <a:p>
             <a:r>
-              <a:rPr lang="de-DE" dirty="0"/>
+              <a:rPr lang="de-DE" dirty="0" smtClean="0"/>
               <a:t>Sicherheitsaspekte beim </a:t>
             </a:r>
             <a:r>
-              <a:rPr lang="de-DE" dirty="0" err="1"/>
+              <a:rPr lang="de-DE" dirty="0" err="1" smtClean="0"/>
               <a:t>Deployment</a:t>
             </a:r>
             <a:r>
-              <a:rPr lang="de-DE" dirty="0"/>
-              <a:t> </a:t>
-            </a:r>
-            <a:r>
-              <a:rPr lang="de-DE" dirty="0" smtClean="0"/>
-              <a:t>virtueller Netzinfrastrukturen</a:t>
-            </a:r>
-            <a:endParaRPr lang="de-DE" dirty="0"/>
-          </a:p>
-        </p:txBody>
-      </p:sp>
-      <p:sp>
-        <p:nvSpPr>
-          <p:cNvPr id="11" name="Textplatzhalter 10"/>
-          <p:cNvSpPr>
-            <a:spLocks noGrp="1"/>
-          </p:cNvSpPr>
-          <p:nvPr>
-            <p:ph type="body" sz="quarter" idx="10"/>
-          </p:nvPr>
-        </p:nvSpPr>
-        <p:spPr/>
-        <p:txBody>
-          <a:bodyPr/>
-          <a:lstStyle/>
-          <a:p>
-            <a:r>
-              <a:rPr lang="de-DE" dirty="0" smtClean="0"/>
-              <a:t>Gerhard </a:t>
-            </a:r>
-            <a:r>
-              <a:rPr lang="de-DE" dirty="0" err="1" smtClean="0"/>
-              <a:t>Gröschl</a:t>
-            </a:r>
-            <a:r>
-              <a:rPr lang="de-DE" dirty="0" smtClean="0"/>
-              <a:t>, Miran Mizani</a:t>
+              <a:rPr lang="de-DE" dirty="0" smtClean="0"/>
+              <a:t> virtueller Netzinfrastrukturen</a:t>
             </a:r>
             <a:endParaRPr lang="de-DE" dirty="0"/>
           </a:p>
@@ -11404,7 +11218,7 @@
     </p:spTree>
     <p:extLst>
       <p:ext uri="{BB962C8B-B14F-4D97-AF65-F5344CB8AC3E}">
-        <p14:creationId xmlns:p14="http://schemas.microsoft.com/office/powerpoint/2010/main" val="2931754677"/>
+        <p14:creationId xmlns:p14="http://schemas.microsoft.com/office/powerpoint/2010/main" val="3273344848"/>
       </p:ext>
     </p:extLst>
   </p:cSld>
@@ -12202,7 +12016,7 @@
 </file>
 
 <file path=ppt/slides/slide22.xml><?xml version="1.0" encoding="utf-8"?>
-<p:sld xmlns:a="http://schemas.openxmlformats.org/drawingml/2006/main" xmlns:r="http://schemas.openxmlformats.org/officeDocument/2006/relationships" xmlns:p="http://schemas.openxmlformats.org/presentationml/2006/main" show="0">
+<p:sld xmlns:a="http://schemas.openxmlformats.org/drawingml/2006/main" xmlns:r="http://schemas.openxmlformats.org/officeDocument/2006/relationships" xmlns:p="http://schemas.openxmlformats.org/presentationml/2006/main">
   <p:cSld>
     <p:spTree>
       <p:nvGrpSpPr>
@@ -12235,14 +12049,7 @@
           <a:p>
             <a:r>
               <a:rPr lang="de-DE" dirty="0" smtClean="0"/>
-              <a:t>Sicherheitsrisiken </a:t>
-            </a:r>
-            <a:br>
-              <a:rPr lang="de-DE" dirty="0" smtClean="0"/>
-            </a:br>
-            <a:r>
-              <a:rPr lang="de-DE" dirty="0" smtClean="0"/>
-              <a:t>organisatorischer und rechtlicher Art</a:t>
+              <a:t>VNE-relevante Gefahren</a:t>
             </a:r>
             <a:endParaRPr lang="de-DE" dirty="0"/>
           </a:p>
@@ -12274,7 +12081,7 @@
       </p:sp>
       <p:sp>
         <p:nvSpPr>
-          <p:cNvPr id="13" name="Inhaltsplatzhalter 12"/>
+          <p:cNvPr id="6" name="Inhaltsplatzhalter 5"/>
           <p:cNvSpPr>
             <a:spLocks noGrp="1"/>
           </p:cNvSpPr>
@@ -12287,13 +12094,50 @@
           <a:bodyPr/>
           <a:lstStyle/>
           <a:p>
-            <a:endParaRPr lang="de-DE"/>
-          </a:p>
-        </p:txBody>
-      </p:sp>
-      <p:sp>
-        <p:nvSpPr>
-          <p:cNvPr id="6" name="Fußzeilenplatzhalter 1"/>
+            <a:r>
+              <a:rPr lang="de-DE" dirty="0" smtClean="0"/>
+              <a:t>„VNE-relevant“ </a:t>
+            </a:r>
+            <a:r>
+              <a:rPr lang="de-DE" dirty="0" smtClean="0">
+                <a:sym typeface="Wingdings" panose="05000000000000000000" pitchFamily="2" charset="2"/>
+              </a:rPr>
+              <a:t> im VNE-Prozess beeinflussbar</a:t>
+            </a:r>
+            <a:endParaRPr lang="de-DE" dirty="0" smtClean="0"/>
+          </a:p>
+          <a:p>
+            <a:endParaRPr lang="de-DE" dirty="0"/>
+          </a:p>
+          <a:p>
+            <a:endParaRPr lang="de-DE" dirty="0" smtClean="0"/>
+          </a:p>
+          <a:p>
+            <a:r>
+              <a:rPr lang="de-DE" dirty="0" smtClean="0"/>
+              <a:t>Neue Verwundbarkeiten v.a. durch Nutzung gemeinsamer Ressourcen</a:t>
+            </a:r>
+          </a:p>
+          <a:p>
+            <a:r>
+              <a:rPr lang="de-DE" dirty="0" smtClean="0"/>
+              <a:t>Isolationsverletzungen</a:t>
+            </a:r>
+          </a:p>
+          <a:p>
+            <a:r>
+              <a:rPr lang="de-DE" dirty="0" smtClean="0"/>
+              <a:t>=&gt; entsprechende Wahl der Abbildung von VMs auf physische Hosts</a:t>
+            </a:r>
+          </a:p>
+          <a:p>
+            <a:endParaRPr lang="de-DE" dirty="0"/>
+          </a:p>
+        </p:txBody>
+      </p:sp>
+      <p:sp>
+        <p:nvSpPr>
+          <p:cNvPr id="7" name="Fußzeilenplatzhalter 1"/>
           <p:cNvSpPr>
             <a:spLocks noGrp="1"/>
           </p:cNvSpPr>
@@ -12330,7 +12174,7 @@
     </p:spTree>
     <p:extLst>
       <p:ext uri="{BB962C8B-B14F-4D97-AF65-F5344CB8AC3E}">
-        <p14:creationId xmlns:p14="http://schemas.microsoft.com/office/powerpoint/2010/main" val="4077777281"/>
+        <p14:creationId xmlns:p14="http://schemas.microsoft.com/office/powerpoint/2010/main" val="600970465"/>
       </p:ext>
     </p:extLst>
   </p:cSld>
@@ -12393,194 +12237,6 @@
           <a:p>
             <a:r>
               <a:rPr lang="de-DE" dirty="0" smtClean="0"/>
-              <a:t>VNE-relevante Gefahren</a:t>
-            </a:r>
-            <a:endParaRPr lang="de-DE" dirty="0"/>
-          </a:p>
-        </p:txBody>
-      </p:sp>
-      <p:sp>
-        <p:nvSpPr>
-          <p:cNvPr id="4" name="Foliennummernplatzhalter 3"/>
-          <p:cNvSpPr>
-            <a:spLocks noGrp="1"/>
-          </p:cNvSpPr>
-          <p:nvPr>
-            <p:ph type="sldNum" sz="quarter" idx="4"/>
-          </p:nvPr>
-        </p:nvSpPr>
-        <p:spPr/>
-        <p:txBody>
-          <a:bodyPr/>
-          <a:lstStyle/>
-          <a:p>
-            <a:fld id="{70BFFA52-4234-45F6-B1A6-074E24FF43A2}" type="slidenum">
-              <a:rPr lang="de-DE" smtClean="0"/>
-              <a:pPr/>
-              <a:t>23</a:t>
-            </a:fld>
-            <a:endParaRPr lang="de-DE" dirty="0"/>
-          </a:p>
-        </p:txBody>
-      </p:sp>
-      <p:sp>
-        <p:nvSpPr>
-          <p:cNvPr id="6" name="Inhaltsplatzhalter 5"/>
-          <p:cNvSpPr>
-            <a:spLocks noGrp="1"/>
-          </p:cNvSpPr>
-          <p:nvPr>
-            <p:ph idx="1"/>
-          </p:nvPr>
-        </p:nvSpPr>
-        <p:spPr/>
-        <p:txBody>
-          <a:bodyPr/>
-          <a:lstStyle/>
-          <a:p>
-            <a:r>
-              <a:rPr lang="de-DE" dirty="0" smtClean="0"/>
-              <a:t>„VNE-relevant“ </a:t>
-            </a:r>
-            <a:r>
-              <a:rPr lang="de-DE" dirty="0" smtClean="0">
-                <a:sym typeface="Wingdings" panose="05000000000000000000" pitchFamily="2" charset="2"/>
-              </a:rPr>
-              <a:t> im VNE-Prozess beeinflussbar</a:t>
-            </a:r>
-            <a:endParaRPr lang="de-DE" dirty="0" smtClean="0"/>
-          </a:p>
-          <a:p>
-            <a:endParaRPr lang="de-DE" dirty="0"/>
-          </a:p>
-          <a:p>
-            <a:endParaRPr lang="de-DE" dirty="0" smtClean="0"/>
-          </a:p>
-          <a:p>
-            <a:r>
-              <a:rPr lang="de-DE" dirty="0" smtClean="0"/>
-              <a:t>Neue Verwundbarkeiten v.a. durch Nutzung gemeinsamer Ressourcen</a:t>
-            </a:r>
-          </a:p>
-          <a:p>
-            <a:r>
-              <a:rPr lang="de-DE" dirty="0" smtClean="0"/>
-              <a:t>Isolationsverletzungen</a:t>
-            </a:r>
-          </a:p>
-          <a:p>
-            <a:r>
-              <a:rPr lang="de-DE" dirty="0" smtClean="0"/>
-              <a:t>=&gt; entsprechende Wahl der Abbildung von VMs auf physische Hosts</a:t>
-            </a:r>
-          </a:p>
-          <a:p>
-            <a:endParaRPr lang="de-DE" dirty="0"/>
-          </a:p>
-        </p:txBody>
-      </p:sp>
-      <p:sp>
-        <p:nvSpPr>
-          <p:cNvPr id="7" name="Fußzeilenplatzhalter 1"/>
-          <p:cNvSpPr>
-            <a:spLocks noGrp="1"/>
-          </p:cNvSpPr>
-          <p:nvPr>
-            <p:ph type="ftr" sz="quarter" idx="3"/>
-          </p:nvPr>
-        </p:nvSpPr>
-        <p:spPr>
-          <a:xfrm>
-            <a:off x="165906" y="6459581"/>
-            <a:ext cx="8079570" cy="292104"/>
-          </a:xfrm>
-        </p:spPr>
-        <p:txBody>
-          <a:bodyPr/>
-          <a:lstStyle/>
-          <a:p>
-            <a:r>
-              <a:rPr lang="de-DE" dirty="0" smtClean="0"/>
-              <a:t>Virtual Network Embedding      </a:t>
-            </a:r>
-            <a:r>
-              <a:rPr lang="de-DE" b="1" dirty="0" smtClean="0"/>
-              <a:t>Klassifizierung von Sicherheitsrisiken      </a:t>
-            </a:r>
-            <a:r>
-              <a:rPr lang="de-DE" dirty="0" smtClean="0"/>
-              <a:t>SVNE-Algorithmen</a:t>
-            </a:r>
-            <a:endParaRPr lang="de-DE" dirty="0"/>
-          </a:p>
-        </p:txBody>
-      </p:sp>
-    </p:spTree>
-    <p:extLst>
-      <p:ext uri="{BB962C8B-B14F-4D97-AF65-F5344CB8AC3E}">
-        <p14:creationId xmlns:p14="http://schemas.microsoft.com/office/powerpoint/2010/main" val="600970465"/>
-      </p:ext>
-    </p:extLst>
-  </p:cSld>
-  <p:clrMapOvr>
-    <a:masterClrMapping/>
-  </p:clrMapOvr>
-  <mc:AlternateContent xmlns:mc="http://schemas.openxmlformats.org/markup-compatibility/2006" xmlns:p14="http://schemas.microsoft.com/office/powerpoint/2010/main">
-    <mc:Choice Requires="p14">
-      <p:transition spd="med" p14:dur="700">
-        <p:fade/>
-      </p:transition>
-    </mc:Choice>
-    <mc:Fallback xmlns="">
-      <p:transition spd="med">
-        <p:fade/>
-      </p:transition>
-    </mc:Fallback>
-  </mc:AlternateContent>
-  <p:timing>
-    <p:tnLst>
-      <p:par>
-        <p:cTn id="1" dur="indefinite" restart="never" nodeType="tmRoot"/>
-      </p:par>
-    </p:tnLst>
-  </p:timing>
-</p:sld>
-</file>
-
-<file path=ppt/slides/slide24.xml><?xml version="1.0" encoding="utf-8"?>
-<p:sld xmlns:a="http://schemas.openxmlformats.org/drawingml/2006/main" xmlns:r="http://schemas.openxmlformats.org/officeDocument/2006/relationships" xmlns:p="http://schemas.openxmlformats.org/presentationml/2006/main">
-  <p:cSld>
-    <p:spTree>
-      <p:nvGrpSpPr>
-        <p:cNvPr id="1" name=""/>
-        <p:cNvGrpSpPr/>
-        <p:nvPr/>
-      </p:nvGrpSpPr>
-      <p:grpSpPr>
-        <a:xfrm>
-          <a:off x="0" y="0"/>
-          <a:ext cx="0" cy="0"/>
-          <a:chOff x="0" y="0"/>
-          <a:chExt cx="0" cy="0"/>
-        </a:xfrm>
-      </p:grpSpPr>
-      <p:sp>
-        <p:nvSpPr>
-          <p:cNvPr id="2" name="Titel 1"/>
-          <p:cNvSpPr>
-            <a:spLocks noGrp="1"/>
-          </p:cNvSpPr>
-          <p:nvPr>
-            <p:ph type="title"/>
-          </p:nvPr>
-        </p:nvSpPr>
-        <p:spPr/>
-        <p:txBody>
-          <a:bodyPr/>
-          <a:lstStyle/>
-          <a:p>
-            <a:r>
-              <a:rPr lang="de-DE" dirty="0" smtClean="0"/>
               <a:t>SVNE-Algorithmen:</a:t>
             </a:r>
             <a:br>
@@ -12654,7 +12310,7 @@
               <a:pPr>
                 <a:defRPr/>
               </a:pPr>
-              <a:t>24</a:t>
+              <a:t>23</a:t>
             </a:fld>
             <a:endParaRPr lang="de-DE" dirty="0"/>
           </a:p>
@@ -13032,7 +12688,7 @@
 </p:sld>
 </file>
 
-<file path=ppt/slides/slide25.xml><?xml version="1.0" encoding="utf-8"?>
+<file path=ppt/slides/slide24.xml><?xml version="1.0" encoding="utf-8"?>
 <p:sld xmlns:a="http://schemas.openxmlformats.org/drawingml/2006/main" xmlns:r="http://schemas.openxmlformats.org/officeDocument/2006/relationships" xmlns:p="http://schemas.openxmlformats.org/presentationml/2006/main">
   <p:cSld>
     <p:spTree>
@@ -13106,7 +12762,7 @@
               <a:pPr>
                 <a:defRPr/>
               </a:pPr>
-              <a:t>25</a:t>
+              <a:t>24</a:t>
             </a:fld>
             <a:endParaRPr lang="de-DE" dirty="0"/>
           </a:p>
@@ -13521,7 +13177,7 @@
 </p:sld>
 </file>
 
-<file path=ppt/slides/slide26.xml><?xml version="1.0" encoding="utf-8"?>
+<file path=ppt/slides/slide25.xml><?xml version="1.0" encoding="utf-8"?>
 <p:sld xmlns:a="http://schemas.openxmlformats.org/drawingml/2006/main" xmlns:r="http://schemas.openxmlformats.org/officeDocument/2006/relationships" xmlns:p="http://schemas.openxmlformats.org/presentationml/2006/main">
   <p:cSld>
     <p:spTree>
@@ -13683,7 +13339,7 @@
               <a:pPr>
                 <a:defRPr/>
               </a:pPr>
-              <a:t>26</a:t>
+              <a:t>25</a:t>
             </a:fld>
             <a:endParaRPr lang="de-DE" dirty="0"/>
           </a:p>
@@ -13886,7 +13542,7 @@
 </p:sld>
 </file>
 
-<file path=ppt/slides/slide27.xml><?xml version="1.0" encoding="utf-8"?>
+<file path=ppt/slides/slide26.xml><?xml version="1.0" encoding="utf-8"?>
 <p:sld xmlns:a="http://schemas.openxmlformats.org/drawingml/2006/main" xmlns:r="http://schemas.openxmlformats.org/officeDocument/2006/relationships" xmlns:p="http://schemas.openxmlformats.org/presentationml/2006/main">
   <p:cSld>
     <p:spTree>
@@ -13956,7 +13612,7 @@
               <a:pPr>
                 <a:defRPr/>
               </a:pPr>
-              <a:t>27</a:t>
+              <a:t>26</a:t>
             </a:fld>
             <a:endParaRPr lang="de-DE" dirty="0"/>
           </a:p>
@@ -14346,7 +14002,7 @@
 </p:sld>
 </file>
 
-<file path=ppt/slides/slide28.xml><?xml version="1.0" encoding="utf-8"?>
+<file path=ppt/slides/slide27.xml><?xml version="1.0" encoding="utf-8"?>
 <p:sld xmlns:a="http://schemas.openxmlformats.org/drawingml/2006/main" xmlns:r="http://schemas.openxmlformats.org/officeDocument/2006/relationships" xmlns:p="http://schemas.openxmlformats.org/presentationml/2006/main">
   <p:cSld>
     <p:spTree>
@@ -14416,7 +14072,7 @@
               <a:pPr>
                 <a:defRPr/>
               </a:pPr>
-              <a:t>28</a:t>
+              <a:t>27</a:t>
             </a:fld>
             <a:endParaRPr lang="de-DE" dirty="0"/>
           </a:p>
@@ -15073,7 +14729,7 @@
 </p:sld>
 </file>
 
-<file path=ppt/slides/slide29.xml><?xml version="1.0" encoding="utf-8"?>
+<file path=ppt/slides/slide28.xml><?xml version="1.0" encoding="utf-8"?>
 <p:sld xmlns:a="http://schemas.openxmlformats.org/drawingml/2006/main" xmlns:r="http://schemas.openxmlformats.org/officeDocument/2006/relationships" xmlns:p="http://schemas.openxmlformats.org/presentationml/2006/main">
   <p:cSld>
     <p:spTree>
@@ -15143,7 +14799,7 @@
               <a:pPr>
                 <a:defRPr/>
               </a:pPr>
-              <a:t>29</a:t>
+              <a:t>28</a:t>
             </a:fld>
             <a:endParaRPr lang="de-DE" dirty="0"/>
           </a:p>
@@ -15889,7 +15545,7 @@
 </p:sld>
 </file>
 
-<file path=ppt/slides/slide3.xml><?xml version="1.0" encoding="utf-8"?>
+<file path=ppt/slides/slide29.xml><?xml version="1.0" encoding="utf-8"?>
 <p:sld xmlns:a="http://schemas.openxmlformats.org/drawingml/2006/main" xmlns:r="http://schemas.openxmlformats.org/officeDocument/2006/relationships" xmlns:p="http://schemas.openxmlformats.org/presentationml/2006/main">
   <p:cSld>
     <p:spTree>
@@ -15923,100 +15579,16 @@
           <a:p>
             <a:r>
               <a:rPr lang="de-DE" dirty="0" smtClean="0"/>
-              <a:t>Motivation</a:t>
-            </a:r>
-            <a:endParaRPr lang="de-DE" dirty="0"/>
-          </a:p>
-        </p:txBody>
-      </p:sp>
-      <p:sp>
-        <p:nvSpPr>
-          <p:cNvPr id="3" name="Inhaltsplatzhalter 2"/>
-          <p:cNvSpPr>
-            <a:spLocks noGrp="1"/>
-          </p:cNvSpPr>
-          <p:nvPr>
-            <p:ph idx="1"/>
-          </p:nvPr>
-        </p:nvSpPr>
-        <p:spPr/>
-        <p:txBody>
-          <a:bodyPr/>
-          <a:lstStyle/>
-          <a:p>
-            <a:r>
-              <a:rPr lang="de-DE" dirty="0" smtClean="0"/>
-              <a:t>Anforderungen an Netzstrukturen ändern sich häufig</a:t>
-            </a:r>
-          </a:p>
-          <a:p>
-            <a:endParaRPr lang="de-DE" dirty="0" smtClean="0"/>
-          </a:p>
-          <a:p>
-            <a:r>
-              <a:rPr lang="de-DE" dirty="0" err="1" smtClean="0"/>
-              <a:t>Netzvirtualisierung</a:t>
-            </a:r>
-            <a:r>
-              <a:rPr lang="de-DE" dirty="0" smtClean="0"/>
-              <a:t> bietet Möglichkeit zur Abstraktion von der eingesetzten Hardware </a:t>
-            </a:r>
-            <a:r>
-              <a:rPr lang="de-DE" dirty="0" smtClean="0">
-                <a:sym typeface="Wingdings" panose="05000000000000000000" pitchFamily="2" charset="2"/>
-              </a:rPr>
-              <a:t> Aufbau logischer Netze</a:t>
-            </a:r>
-          </a:p>
-          <a:p>
-            <a:endParaRPr lang="de-DE" dirty="0" smtClean="0">
-              <a:sym typeface="Wingdings" panose="05000000000000000000" pitchFamily="2" charset="2"/>
-            </a:endParaRPr>
-          </a:p>
-          <a:p>
-            <a:r>
-              <a:rPr lang="de-DE" dirty="0" smtClean="0">
-                <a:sym typeface="Wingdings" panose="05000000000000000000" pitchFamily="2" charset="2"/>
-              </a:rPr>
-              <a:t>Virtual Network Embedding (VNE) bislang nur hinsichtlich Performance optimiert</a:t>
-            </a:r>
-          </a:p>
-          <a:p>
-            <a:endParaRPr lang="de-DE" dirty="0" smtClean="0">
-              <a:sym typeface="Wingdings" panose="05000000000000000000" pitchFamily="2" charset="2"/>
-            </a:endParaRPr>
-          </a:p>
-          <a:p>
-            <a:r>
-              <a:rPr lang="de-DE" dirty="0" smtClean="0">
-                <a:sym typeface="Wingdings" panose="05000000000000000000" pitchFamily="2" charset="2"/>
-              </a:rPr>
-              <a:t>Sicherheitsaspekte meist außer Acht gelassen</a:t>
+              <a:t>SVNE-Algorithmen:</a:t>
             </a:r>
             <a:br>
-              <a:rPr lang="de-DE" dirty="0" smtClean="0">
-                <a:sym typeface="Wingdings" panose="05000000000000000000" pitchFamily="2" charset="2"/>
-              </a:rPr>
+              <a:rPr lang="de-DE" dirty="0" smtClean="0"/>
             </a:br>
             <a:r>
-              <a:rPr lang="de-DE" dirty="0" smtClean="0">
-                <a:sym typeface="Wingdings" panose="05000000000000000000" pitchFamily="2" charset="2"/>
-              </a:rPr>
-              <a:t>=&gt; Integration solcher in den VNE-Prozess (</a:t>
-            </a:r>
-            <a:r>
-              <a:rPr lang="de-DE" dirty="0" err="1" smtClean="0">
-                <a:sym typeface="Wingdings" panose="05000000000000000000" pitchFamily="2" charset="2"/>
-              </a:rPr>
-              <a:t>SecureVNE</a:t>
-            </a:r>
-            <a:r>
-              <a:rPr lang="de-DE" dirty="0" smtClean="0">
-                <a:sym typeface="Wingdings" panose="05000000000000000000" pitchFamily="2" charset="2"/>
-              </a:rPr>
-              <a:t>)</a:t>
-            </a:r>
-            <a:endParaRPr lang="de-DE" dirty="0"/>
+              <a:rPr lang="de-DE" sz="1800" b="0" dirty="0"/>
+              <a:t>Sicherheitsvektoren und doppelte Berechnung</a:t>
+            </a:r>
+            <a:endParaRPr lang="de-DE" sz="1800" dirty="0"/>
           </a:p>
         </p:txBody>
       </p:sp>
@@ -16043,273 +15615,7 @@
               <a:pPr>
                 <a:defRPr/>
               </a:pPr>
-              <a:t>3</a:t>
-            </a:fld>
-            <a:endParaRPr lang="de-DE" dirty="0"/>
-          </a:p>
-        </p:txBody>
-      </p:sp>
-      <p:sp>
-        <p:nvSpPr>
-          <p:cNvPr id="5" name="Fußzeilenplatzhalter 4"/>
-          <p:cNvSpPr>
-            <a:spLocks noGrp="1"/>
-          </p:cNvSpPr>
-          <p:nvPr>
-            <p:ph type="ftr" sz="quarter" idx="3"/>
-          </p:nvPr>
-        </p:nvSpPr>
-        <p:spPr/>
-        <p:txBody>
-          <a:bodyPr/>
-          <a:lstStyle/>
-          <a:p>
-            <a:r>
-              <a:rPr lang="de-DE" dirty="0" smtClean="0"/>
-              <a:t>Sicherheitsaspekte beim </a:t>
-            </a:r>
-            <a:r>
-              <a:rPr lang="de-DE" dirty="0" err="1" smtClean="0"/>
-              <a:t>Deployment</a:t>
-            </a:r>
-            <a:r>
-              <a:rPr lang="de-DE" dirty="0" smtClean="0"/>
-              <a:t> virtueller Netzinfrastrukturen</a:t>
-            </a:r>
-            <a:endParaRPr lang="de-DE" dirty="0"/>
-          </a:p>
-        </p:txBody>
-      </p:sp>
-    </p:spTree>
-    <p:extLst>
-      <p:ext uri="{BB962C8B-B14F-4D97-AF65-F5344CB8AC3E}">
-        <p14:creationId xmlns:p14="http://schemas.microsoft.com/office/powerpoint/2010/main" val="3273344848"/>
-      </p:ext>
-    </p:extLst>
-  </p:cSld>
-  <p:clrMapOvr>
-    <a:masterClrMapping/>
-  </p:clrMapOvr>
-  <mc:AlternateContent xmlns:mc="http://schemas.openxmlformats.org/markup-compatibility/2006" xmlns:p14="http://schemas.microsoft.com/office/powerpoint/2010/main">
-    <mc:Choice Requires="p14">
-      <p:transition spd="med" p14:dur="700">
-        <p:fade/>
-      </p:transition>
-    </mc:Choice>
-    <mc:Fallback xmlns="">
-      <p:transition spd="med">
-        <p:fade/>
-      </p:transition>
-    </mc:Fallback>
-  </mc:AlternateContent>
-  <p:timing>
-    <p:tnLst>
-      <p:par>
-        <p:cTn id="1" dur="indefinite" restart="never" nodeType="tmRoot">
-          <p:childTnLst>
-            <p:seq concurrent="1" nextAc="seek">
-              <p:cTn id="2" dur="indefinite" nodeType="mainSeq">
-                <p:childTnLst>
-                  <p:par>
-                    <p:cTn id="3" fill="hold">
-                      <p:stCondLst>
-                        <p:cond delay="indefinite"/>
-                      </p:stCondLst>
-                      <p:childTnLst>
-                        <p:par>
-                          <p:cTn id="4" fill="hold">
-                            <p:stCondLst>
-                              <p:cond delay="0"/>
-                            </p:stCondLst>
-                            <p:childTnLst>
-                              <p:par>
-                                <p:cTn id="5" presetID="10" presetClass="entr" presetSubtype="0" fill="hold" nodeType="clickEffect">
-                                  <p:stCondLst>
-                                    <p:cond delay="0"/>
-                                  </p:stCondLst>
-                                  <p:childTnLst>
-                                    <p:set>
-                                      <p:cBhvr>
-                                        <p:cTn id="6" dur="1" fill="hold">
-                                          <p:stCondLst>
-                                            <p:cond delay="0"/>
-                                          </p:stCondLst>
-                                        </p:cTn>
-                                        <p:tgtEl>
-                                          <p:spTgt spid="3">
-                                            <p:txEl>
-                                              <p:pRg st="4" end="4"/>
-                                            </p:txEl>
-                                          </p:spTgt>
-                                        </p:tgtEl>
-                                        <p:attrNameLst>
-                                          <p:attrName>style.visibility</p:attrName>
-                                        </p:attrNameLst>
-                                      </p:cBhvr>
-                                      <p:to>
-                                        <p:strVal val="visible"/>
-                                      </p:to>
-                                    </p:set>
-                                    <p:animEffect transition="in" filter="fade">
-                                      <p:cBhvr>
-                                        <p:cTn id="7" dur="500"/>
-                                        <p:tgtEl>
-                                          <p:spTgt spid="3">
-                                            <p:txEl>
-                                              <p:pRg st="4" end="4"/>
-                                            </p:txEl>
-                                          </p:spTgt>
-                                        </p:tgtEl>
-                                      </p:cBhvr>
-                                    </p:animEffect>
-                                  </p:childTnLst>
-                                </p:cTn>
-                              </p:par>
-                              <p:par>
-                                <p:cTn id="8" presetID="10" presetClass="entr" presetSubtype="0" fill="hold" nodeType="withEffect">
-                                  <p:stCondLst>
-                                    <p:cond delay="0"/>
-                                  </p:stCondLst>
-                                  <p:childTnLst>
-                                    <p:set>
-                                      <p:cBhvr>
-                                        <p:cTn id="9" dur="1" fill="hold">
-                                          <p:stCondLst>
-                                            <p:cond delay="0"/>
-                                          </p:stCondLst>
-                                        </p:cTn>
-                                        <p:tgtEl>
-                                          <p:spTgt spid="3">
-                                            <p:txEl>
-                                              <p:pRg st="6" end="6"/>
-                                            </p:txEl>
-                                          </p:spTgt>
-                                        </p:tgtEl>
-                                        <p:attrNameLst>
-                                          <p:attrName>style.visibility</p:attrName>
-                                        </p:attrNameLst>
-                                      </p:cBhvr>
-                                      <p:to>
-                                        <p:strVal val="visible"/>
-                                      </p:to>
-                                    </p:set>
-                                    <p:animEffect transition="in" filter="fade">
-                                      <p:cBhvr>
-                                        <p:cTn id="10" dur="500"/>
-                                        <p:tgtEl>
-                                          <p:spTgt spid="3">
-                                            <p:txEl>
-                                              <p:pRg st="6" end="6"/>
-                                            </p:txEl>
-                                          </p:spTgt>
-                                        </p:tgtEl>
-                                      </p:cBhvr>
-                                    </p:animEffect>
-                                  </p:childTnLst>
-                                </p:cTn>
-                              </p:par>
-                            </p:childTnLst>
-                          </p:cTn>
-                        </p:par>
-                      </p:childTnLst>
-                    </p:cTn>
-                  </p:par>
-                </p:childTnLst>
-              </p:cTn>
-              <p:prevCondLst>
-                <p:cond evt="onPrev" delay="0">
-                  <p:tgtEl>
-                    <p:sldTgt/>
-                  </p:tgtEl>
-                </p:cond>
-              </p:prevCondLst>
-              <p:nextCondLst>
-                <p:cond evt="onNext" delay="0">
-                  <p:tgtEl>
-                    <p:sldTgt/>
-                  </p:tgtEl>
-                </p:cond>
-              </p:nextCondLst>
-            </p:seq>
-          </p:childTnLst>
-        </p:cTn>
-      </p:par>
-    </p:tnLst>
-  </p:timing>
-</p:sld>
-</file>
-
-<file path=ppt/slides/slide30.xml><?xml version="1.0" encoding="utf-8"?>
-<p:sld xmlns:a="http://schemas.openxmlformats.org/drawingml/2006/main" xmlns:r="http://schemas.openxmlformats.org/officeDocument/2006/relationships" xmlns:p="http://schemas.openxmlformats.org/presentationml/2006/main">
-  <p:cSld>
-    <p:spTree>
-      <p:nvGrpSpPr>
-        <p:cNvPr id="1" name=""/>
-        <p:cNvGrpSpPr/>
-        <p:nvPr/>
-      </p:nvGrpSpPr>
-      <p:grpSpPr>
-        <a:xfrm>
-          <a:off x="0" y="0"/>
-          <a:ext cx="0" cy="0"/>
-          <a:chOff x="0" y="0"/>
-          <a:chExt cx="0" cy="0"/>
-        </a:xfrm>
-      </p:grpSpPr>
-      <p:sp>
-        <p:nvSpPr>
-          <p:cNvPr id="2" name="Titel 1"/>
-          <p:cNvSpPr>
-            <a:spLocks noGrp="1"/>
-          </p:cNvSpPr>
-          <p:nvPr>
-            <p:ph type="title"/>
-          </p:nvPr>
-        </p:nvSpPr>
-        <p:spPr/>
-        <p:txBody>
-          <a:bodyPr/>
-          <a:lstStyle/>
-          <a:p>
-            <a:r>
-              <a:rPr lang="de-DE" dirty="0" smtClean="0"/>
-              <a:t>SVNE-Algorithmen:</a:t>
-            </a:r>
-            <a:br>
-              <a:rPr lang="de-DE" dirty="0" smtClean="0"/>
-            </a:br>
-            <a:r>
-              <a:rPr lang="de-DE" sz="1800" b="0" dirty="0"/>
-              <a:t>Sicherheitsvektoren und doppelte Berechnung</a:t>
-            </a:r>
-            <a:endParaRPr lang="de-DE" sz="1800" dirty="0"/>
-          </a:p>
-        </p:txBody>
-      </p:sp>
-      <p:sp>
-        <p:nvSpPr>
-          <p:cNvPr id="4" name="Foliennummernplatzhalter 3"/>
-          <p:cNvSpPr>
-            <a:spLocks noGrp="1"/>
-          </p:cNvSpPr>
-          <p:nvPr>
-            <p:ph type="sldNum" sz="quarter" idx="4"/>
-          </p:nvPr>
-        </p:nvSpPr>
-        <p:spPr/>
-        <p:txBody>
-          <a:bodyPr/>
-          <a:lstStyle/>
-          <a:p>
-            <a:pPr>
-              <a:defRPr/>
-            </a:pPr>
-            <a:fld id="{70BFFA52-4234-45F6-B1A6-074E24FF43A2}" type="slidenum">
-              <a:rPr lang="de-DE" smtClean="0"/>
-              <a:pPr>
-                <a:defRPr/>
-              </a:pPr>
-              <a:t>30</a:t>
+              <a:t>29</a:t>
             </a:fld>
             <a:endParaRPr lang="de-DE" dirty="0"/>
           </a:p>
@@ -16604,7 +15910,7 @@
           <p:nvPr>
             <p:extLst>
               <p:ext uri="{D42A27DB-BD31-4B8C-83A1-F6EECF244321}">
-                <p14:modId xmlns:p14="http://schemas.microsoft.com/office/powerpoint/2010/main" val="986921191"/>
+                <p14:modId xmlns:p14="http://schemas.microsoft.com/office/powerpoint/2010/main" val="1983503912"/>
               </p:ext>
             </p:extLst>
           </p:nvPr>
@@ -16780,8 +16086,8 @@
                     <a:lstStyle/>
                     <a:p>
                       <a:r>
-                        <a:rPr lang="de-DE" dirty="0" err="1" smtClean="0"/>
-                        <a:t>getrennet</a:t>
+                        <a:rPr lang="de-DE" dirty="0" smtClean="0"/>
+                        <a:t>getrennt</a:t>
                       </a:r>
                       <a:endParaRPr lang="de-DE" dirty="0"/>
                     </a:p>
@@ -16999,7 +16305,7 @@
 </p:sld>
 </file>
 
-<file path=ppt/slides/slide31.xml><?xml version="1.0" encoding="utf-8"?>
+<file path=ppt/slides/slide3.xml><?xml version="1.0" encoding="utf-8"?>
 <p:sld xmlns:a="http://schemas.openxmlformats.org/drawingml/2006/main" xmlns:r="http://schemas.openxmlformats.org/officeDocument/2006/relationships" xmlns:p="http://schemas.openxmlformats.org/presentationml/2006/main">
   <p:cSld>
     <p:spTree>
@@ -17033,16 +16339,100 @@
           <a:p>
             <a:r>
               <a:rPr lang="de-DE" dirty="0" smtClean="0"/>
-              <a:t>SVNE-Algorithmen:</a:t>
+              <a:t>Motivation</a:t>
+            </a:r>
+            <a:endParaRPr lang="de-DE" dirty="0"/>
+          </a:p>
+        </p:txBody>
+      </p:sp>
+      <p:sp>
+        <p:nvSpPr>
+          <p:cNvPr id="3" name="Inhaltsplatzhalter 2"/>
+          <p:cNvSpPr>
+            <a:spLocks noGrp="1"/>
+          </p:cNvSpPr>
+          <p:nvPr>
+            <p:ph idx="1"/>
+          </p:nvPr>
+        </p:nvSpPr>
+        <p:spPr/>
+        <p:txBody>
+          <a:bodyPr/>
+          <a:lstStyle/>
+          <a:p>
+            <a:r>
+              <a:rPr lang="de-DE" dirty="0" smtClean="0"/>
+              <a:t>Anforderungen an Netzstrukturen ändern sich häufig</a:t>
+            </a:r>
+          </a:p>
+          <a:p>
+            <a:endParaRPr lang="de-DE" dirty="0" smtClean="0"/>
+          </a:p>
+          <a:p>
+            <a:r>
+              <a:rPr lang="de-DE" dirty="0" err="1" smtClean="0"/>
+              <a:t>Netzvirtualisierung</a:t>
+            </a:r>
+            <a:r>
+              <a:rPr lang="de-DE" dirty="0" smtClean="0"/>
+              <a:t> bietet Möglichkeit zur Abstraktion von der eingesetzten Hardware </a:t>
+            </a:r>
+            <a:r>
+              <a:rPr lang="de-DE" dirty="0" smtClean="0">
+                <a:sym typeface="Wingdings" panose="05000000000000000000" pitchFamily="2" charset="2"/>
+              </a:rPr>
+              <a:t> Aufbau logischer Netze</a:t>
+            </a:r>
+          </a:p>
+          <a:p>
+            <a:endParaRPr lang="de-DE" dirty="0" smtClean="0">
+              <a:sym typeface="Wingdings" panose="05000000000000000000" pitchFamily="2" charset="2"/>
+            </a:endParaRPr>
+          </a:p>
+          <a:p>
+            <a:r>
+              <a:rPr lang="de-DE" dirty="0" smtClean="0">
+                <a:sym typeface="Wingdings" panose="05000000000000000000" pitchFamily="2" charset="2"/>
+              </a:rPr>
+              <a:t>Virtual Network Embedding (VNE) bislang nur hinsichtlich Performance optimiert</a:t>
+            </a:r>
+          </a:p>
+          <a:p>
+            <a:endParaRPr lang="de-DE" dirty="0" smtClean="0">
+              <a:sym typeface="Wingdings" panose="05000000000000000000" pitchFamily="2" charset="2"/>
+            </a:endParaRPr>
+          </a:p>
+          <a:p>
+            <a:r>
+              <a:rPr lang="de-DE" dirty="0" smtClean="0">
+                <a:sym typeface="Wingdings" panose="05000000000000000000" pitchFamily="2" charset="2"/>
+              </a:rPr>
+              <a:t>Sicherheitsaspekte meist außer Acht gelassen</a:t>
             </a:r>
             <a:br>
-              <a:rPr lang="de-DE" dirty="0" smtClean="0"/>
+              <a:rPr lang="de-DE" dirty="0" smtClean="0">
+                <a:sym typeface="Wingdings" panose="05000000000000000000" pitchFamily="2" charset="2"/>
+              </a:rPr>
             </a:br>
             <a:r>
-              <a:rPr lang="de-DE" sz="1800" b="0" dirty="0"/>
-              <a:t>Sicherheitsvektoren und doppelte Berechnung</a:t>
-            </a:r>
-            <a:endParaRPr lang="de-DE" sz="1800" dirty="0"/>
+              <a:rPr lang="de-DE" dirty="0" smtClean="0">
+                <a:sym typeface="Wingdings" panose="05000000000000000000" pitchFamily="2" charset="2"/>
+              </a:rPr>
+              <a:t>=&gt; Integration solcher in den VNE-Prozess (</a:t>
+            </a:r>
+            <a:r>
+              <a:rPr lang="de-DE" dirty="0" err="1" smtClean="0">
+                <a:sym typeface="Wingdings" panose="05000000000000000000" pitchFamily="2" charset="2"/>
+              </a:rPr>
+              <a:t>SecureVNE</a:t>
+            </a:r>
+            <a:r>
+              <a:rPr lang="de-DE" dirty="0" smtClean="0">
+                <a:sym typeface="Wingdings" panose="05000000000000000000" pitchFamily="2" charset="2"/>
+              </a:rPr>
+              <a:t>)</a:t>
+            </a:r>
+            <a:endParaRPr lang="de-DE" dirty="0"/>
           </a:p>
         </p:txBody>
       </p:sp>
@@ -17069,7 +16459,146 @@
               <a:pPr>
                 <a:defRPr/>
               </a:pPr>
-              <a:t>31</a:t>
+              <a:t>3</a:t>
+            </a:fld>
+            <a:endParaRPr lang="de-DE" dirty="0"/>
+          </a:p>
+        </p:txBody>
+      </p:sp>
+      <p:sp>
+        <p:nvSpPr>
+          <p:cNvPr id="5" name="Fußzeilenplatzhalter 4"/>
+          <p:cNvSpPr>
+            <a:spLocks noGrp="1"/>
+          </p:cNvSpPr>
+          <p:nvPr>
+            <p:ph type="ftr" sz="quarter" idx="3"/>
+          </p:nvPr>
+        </p:nvSpPr>
+        <p:spPr/>
+        <p:txBody>
+          <a:bodyPr/>
+          <a:lstStyle/>
+          <a:p>
+            <a:r>
+              <a:rPr lang="de-DE" dirty="0" smtClean="0"/>
+              <a:t>Sicherheitsaspekte beim </a:t>
+            </a:r>
+            <a:r>
+              <a:rPr lang="de-DE" dirty="0" err="1" smtClean="0"/>
+              <a:t>Deployment</a:t>
+            </a:r>
+            <a:r>
+              <a:rPr lang="de-DE" dirty="0" smtClean="0"/>
+              <a:t> virtueller Netzinfrastrukturen</a:t>
+            </a:r>
+            <a:endParaRPr lang="de-DE" dirty="0"/>
+          </a:p>
+        </p:txBody>
+      </p:sp>
+    </p:spTree>
+    <p:extLst>
+      <p:ext uri="{BB962C8B-B14F-4D97-AF65-F5344CB8AC3E}">
+        <p14:creationId xmlns:p14="http://schemas.microsoft.com/office/powerpoint/2010/main" val="5645718"/>
+      </p:ext>
+    </p:extLst>
+  </p:cSld>
+  <p:clrMapOvr>
+    <a:masterClrMapping/>
+  </p:clrMapOvr>
+  <mc:AlternateContent xmlns:mc="http://schemas.openxmlformats.org/markup-compatibility/2006" xmlns:p14="http://schemas.microsoft.com/office/powerpoint/2010/main">
+    <mc:Choice Requires="p14">
+      <p:transition spd="med" p14:dur="700">
+        <p:fade/>
+      </p:transition>
+    </mc:Choice>
+    <mc:Fallback xmlns="">
+      <p:transition spd="med">
+        <p:fade/>
+      </p:transition>
+    </mc:Fallback>
+  </mc:AlternateContent>
+  <p:timing>
+    <p:tnLst>
+      <p:par>
+        <p:cTn id="1" dur="indefinite" restart="never" nodeType="tmRoot"/>
+      </p:par>
+    </p:tnLst>
+  </p:timing>
+</p:sld>
+</file>
+
+<file path=ppt/slides/slide30.xml><?xml version="1.0" encoding="utf-8"?>
+<p:sld xmlns:a="http://schemas.openxmlformats.org/drawingml/2006/main" xmlns:r="http://schemas.openxmlformats.org/officeDocument/2006/relationships" xmlns:p="http://schemas.openxmlformats.org/presentationml/2006/main">
+  <p:cSld>
+    <p:spTree>
+      <p:nvGrpSpPr>
+        <p:cNvPr id="1" name=""/>
+        <p:cNvGrpSpPr/>
+        <p:nvPr/>
+      </p:nvGrpSpPr>
+      <p:grpSpPr>
+        <a:xfrm>
+          <a:off x="0" y="0"/>
+          <a:ext cx="0" cy="0"/>
+          <a:chOff x="0" y="0"/>
+          <a:chExt cx="0" cy="0"/>
+        </a:xfrm>
+      </p:grpSpPr>
+      <p:sp>
+        <p:nvSpPr>
+          <p:cNvPr id="2" name="Titel 1"/>
+          <p:cNvSpPr>
+            <a:spLocks noGrp="1"/>
+          </p:cNvSpPr>
+          <p:nvPr>
+            <p:ph type="title"/>
+          </p:nvPr>
+        </p:nvSpPr>
+        <p:spPr/>
+        <p:txBody>
+          <a:bodyPr/>
+          <a:lstStyle/>
+          <a:p>
+            <a:r>
+              <a:rPr lang="de-DE" dirty="0" smtClean="0"/>
+              <a:t>SVNE-Algorithmen:</a:t>
+            </a:r>
+            <a:br>
+              <a:rPr lang="de-DE" dirty="0" smtClean="0"/>
+            </a:br>
+            <a:r>
+              <a:rPr lang="de-DE" sz="1800" b="0" dirty="0"/>
+              <a:t>Sicherheitsvektoren und doppelte Berechnung</a:t>
+            </a:r>
+            <a:endParaRPr lang="de-DE" sz="1800" dirty="0"/>
+          </a:p>
+        </p:txBody>
+      </p:sp>
+      <p:sp>
+        <p:nvSpPr>
+          <p:cNvPr id="4" name="Foliennummernplatzhalter 3"/>
+          <p:cNvSpPr>
+            <a:spLocks noGrp="1"/>
+          </p:cNvSpPr>
+          <p:nvPr>
+            <p:ph type="sldNum" sz="quarter" idx="4"/>
+          </p:nvPr>
+        </p:nvSpPr>
+        <p:spPr/>
+        <p:txBody>
+          <a:bodyPr/>
+          <a:lstStyle/>
+          <a:p>
+            <a:pPr>
+              <a:defRPr/>
+            </a:pPr>
+            <a:fld id="{70BFFA52-4234-45F6-B1A6-074E24FF43A2}" type="slidenum">
+              <a:rPr lang="de-DE" smtClean="0"/>
+              <a:pPr>
+                <a:defRPr/>
+              </a:pPr>
+              <a:t>30</a:t>
             </a:fld>
             <a:endParaRPr lang="de-DE" dirty="0"/>
           </a:p>
@@ -17488,6 +17017,184 @@
 </p:sld>
 </file>
 
+<file path=ppt/slides/slide31.xml><?xml version="1.0" encoding="utf-8"?>
+<p:sld xmlns:a="http://schemas.openxmlformats.org/drawingml/2006/main" xmlns:r="http://schemas.openxmlformats.org/officeDocument/2006/relationships" xmlns:p="http://schemas.openxmlformats.org/presentationml/2006/main">
+  <p:cSld>
+    <p:spTree>
+      <p:nvGrpSpPr>
+        <p:cNvPr id="1" name=""/>
+        <p:cNvGrpSpPr/>
+        <p:nvPr/>
+      </p:nvGrpSpPr>
+      <p:grpSpPr>
+        <a:xfrm>
+          <a:off x="0" y="0"/>
+          <a:ext cx="0" cy="0"/>
+          <a:chOff x="0" y="0"/>
+          <a:chExt cx="0" cy="0"/>
+        </a:xfrm>
+      </p:grpSpPr>
+      <p:sp>
+        <p:nvSpPr>
+          <p:cNvPr id="2" name="Titel 1"/>
+          <p:cNvSpPr>
+            <a:spLocks noGrp="1"/>
+          </p:cNvSpPr>
+          <p:nvPr>
+            <p:ph type="title"/>
+          </p:nvPr>
+        </p:nvSpPr>
+        <p:spPr/>
+        <p:txBody>
+          <a:bodyPr/>
+          <a:lstStyle/>
+          <a:p>
+            <a:r>
+              <a:rPr lang="de-DE" dirty="0" smtClean="0"/>
+              <a:t>Zusammenfassung</a:t>
+            </a:r>
+            <a:endParaRPr lang="de-DE" dirty="0"/>
+          </a:p>
+        </p:txBody>
+      </p:sp>
+      <p:sp>
+        <p:nvSpPr>
+          <p:cNvPr id="8" name="Inhaltsplatzhalter 7"/>
+          <p:cNvSpPr>
+            <a:spLocks noGrp="1"/>
+          </p:cNvSpPr>
+          <p:nvPr>
+            <p:ph idx="1"/>
+          </p:nvPr>
+        </p:nvSpPr>
+        <p:spPr/>
+        <p:txBody>
+          <a:bodyPr/>
+          <a:lstStyle/>
+          <a:p>
+            <a:r>
+              <a:rPr lang="de-DE" dirty="0" smtClean="0"/>
+              <a:t>Durch </a:t>
+            </a:r>
+            <a:r>
+              <a:rPr lang="de-DE" dirty="0" err="1" smtClean="0"/>
+              <a:t>Netzvirtualisierung</a:t>
+            </a:r>
+            <a:r>
+              <a:rPr lang="de-DE" dirty="0" smtClean="0"/>
+              <a:t> ergeben sich neue Verwundbarkeiten</a:t>
+            </a:r>
+          </a:p>
+          <a:p>
+            <a:endParaRPr lang="de-DE" dirty="0" smtClean="0"/>
+          </a:p>
+          <a:p>
+            <a:r>
+              <a:rPr lang="de-DE" dirty="0" smtClean="0"/>
+              <a:t>Automatisierte Ansätze zum Embedding virtueller Netze</a:t>
+            </a:r>
+          </a:p>
+          <a:p>
+            <a:endParaRPr lang="de-DE" dirty="0" smtClean="0"/>
+          </a:p>
+          <a:p>
+            <a:r>
+              <a:rPr lang="de-DE" dirty="0" smtClean="0"/>
+              <a:t>verschiedene Verfahren mit integrierten Sicherheitsaspekten beim Embedding</a:t>
+            </a:r>
+          </a:p>
+          <a:p>
+            <a:endParaRPr lang="de-DE" dirty="0"/>
+          </a:p>
+        </p:txBody>
+      </p:sp>
+      <p:sp>
+        <p:nvSpPr>
+          <p:cNvPr id="4" name="Foliennummernplatzhalter 3"/>
+          <p:cNvSpPr>
+            <a:spLocks noGrp="1"/>
+          </p:cNvSpPr>
+          <p:nvPr>
+            <p:ph type="sldNum" sz="quarter" idx="4"/>
+          </p:nvPr>
+        </p:nvSpPr>
+        <p:spPr/>
+        <p:txBody>
+          <a:bodyPr/>
+          <a:lstStyle/>
+          <a:p>
+            <a:fld id="{70BFFA52-4234-45F6-B1A6-074E24FF43A2}" type="slidenum">
+              <a:rPr lang="de-DE" smtClean="0"/>
+              <a:pPr/>
+              <a:t>31</a:t>
+            </a:fld>
+            <a:endParaRPr lang="de-DE" dirty="0"/>
+          </a:p>
+        </p:txBody>
+      </p:sp>
+      <p:sp>
+        <p:nvSpPr>
+          <p:cNvPr id="5" name="Fußzeilenplatzhalter 4"/>
+          <p:cNvSpPr>
+            <a:spLocks noGrp="1"/>
+          </p:cNvSpPr>
+          <p:nvPr>
+            <p:ph type="ftr" sz="quarter" idx="3"/>
+          </p:nvPr>
+        </p:nvSpPr>
+        <p:spPr/>
+        <p:txBody>
+          <a:bodyPr/>
+          <a:lstStyle/>
+          <a:p>
+            <a:r>
+              <a:rPr lang="de-DE" dirty="0" smtClean="0"/>
+              <a:t>Sicherheitsaspekte beim </a:t>
+            </a:r>
+            <a:r>
+              <a:rPr lang="de-DE" dirty="0" err="1" smtClean="0"/>
+              <a:t>Deployment</a:t>
+            </a:r>
+            <a:r>
+              <a:rPr lang="de-DE" dirty="0" smtClean="0"/>
+              <a:t> virtueller Netzinfrastrukturen</a:t>
+            </a:r>
+            <a:endParaRPr lang="de-DE" dirty="0"/>
+          </a:p>
+        </p:txBody>
+      </p:sp>
+    </p:spTree>
+    <p:extLst>
+      <p:ext uri="{BB962C8B-B14F-4D97-AF65-F5344CB8AC3E}">
+        <p14:creationId xmlns:p14="http://schemas.microsoft.com/office/powerpoint/2010/main" val="299502173"/>
+      </p:ext>
+    </p:extLst>
+  </p:cSld>
+  <p:clrMapOvr>
+    <a:masterClrMapping/>
+  </p:clrMapOvr>
+  <mc:AlternateContent xmlns:mc="http://schemas.openxmlformats.org/markup-compatibility/2006" xmlns:p14="http://schemas.microsoft.com/office/powerpoint/2010/main">
+    <mc:Choice Requires="p14">
+      <p:transition spd="med" p14:dur="700">
+        <p:fade/>
+      </p:transition>
+    </mc:Choice>
+    <mc:Fallback xmlns="">
+      <p:transition spd="med">
+        <p:fade/>
+      </p:transition>
+    </mc:Fallback>
+  </mc:AlternateContent>
+  <p:timing>
+    <p:tnLst>
+      <p:par>
+        <p:cTn id="1" dur="indefinite" restart="never" nodeType="tmRoot"/>
+      </p:par>
+    </p:tnLst>
+  </p:timing>
+</p:sld>
+</file>
+
 <file path=ppt/slides/slide32.xml><?xml version="1.0" encoding="utf-8"?>
 <p:sld xmlns:a="http://schemas.openxmlformats.org/drawingml/2006/main" xmlns:r="http://schemas.openxmlformats.org/officeDocument/2006/relationships" xmlns:p="http://schemas.openxmlformats.org/presentationml/2006/main">
   <p:cSld>
@@ -17521,7 +17228,7 @@
           <a:lstStyle/>
           <a:p>
             <a:r>
-              <a:rPr lang="de-DE" dirty="0" smtClean="0"/>
+              <a:rPr lang="de-DE" smtClean="0"/>
               <a:t>Diskussion</a:t>
             </a:r>
             <a:endParaRPr lang="de-DE" dirty="0"/>
@@ -17545,52 +17252,69 @@
           <a:p>
             <a:r>
               <a:rPr lang="de-DE" dirty="0" smtClean="0"/>
-              <a:t>Durch </a:t>
-            </a:r>
-            <a:r>
-              <a:rPr lang="de-DE" dirty="0" err="1" smtClean="0"/>
-              <a:t>Netzvirtualisierung</a:t>
-            </a:r>
-            <a:r>
-              <a:rPr lang="de-DE" dirty="0" smtClean="0"/>
-              <a:t> ergeben sich neue Verwundbarkeiten</a:t>
-            </a:r>
-          </a:p>
-          <a:p>
+              <a:t>Kriterien zur Wahl </a:t>
+            </a:r>
+            <a:r>
+              <a:rPr lang="de-DE" dirty="0"/>
+              <a:t>des Verfahrens?</a:t>
+            </a:r>
+          </a:p>
+          <a:p>
+            <a:endParaRPr lang="de-DE" dirty="0"/>
+          </a:p>
+          <a:p>
+            <a:r>
+              <a:rPr lang="de-DE" dirty="0"/>
+              <a:t>Mögliche Entwicklungsrichtungen?</a:t>
+            </a:r>
+          </a:p>
+          <a:p>
+            <a:endParaRPr lang="de-DE" dirty="0"/>
+          </a:p>
+          <a:p>
+            <a:r>
+              <a:rPr lang="de-DE" dirty="0"/>
+              <a:t>Welchen der Sicherheitsrisiken kann mit Ansatz 1, welchen mit Ansatz 2 begegnet werden? </a:t>
+            </a:r>
             <a:endParaRPr lang="de-DE" dirty="0" smtClean="0"/>
           </a:p>
           <a:p>
-            <a:r>
-              <a:rPr lang="de-DE" dirty="0" smtClean="0"/>
-              <a:t>Automatisierte Ansätze zum Embedding virtueller Netze</a:t>
-            </a:r>
-          </a:p>
-          <a:p>
-            <a:endParaRPr lang="de-DE" dirty="0" smtClean="0"/>
-          </a:p>
-          <a:p>
-            <a:r>
-              <a:rPr lang="de-DE" dirty="0" smtClean="0"/>
-              <a:t>verschiedene Verfahren zur Integration von Sicherheitsaspekten beim Embedding</a:t>
-            </a:r>
-          </a:p>
-          <a:p>
             <a:endParaRPr lang="de-DE" dirty="0"/>
           </a:p>
           <a:p>
-            <a:pPr marL="0" indent="0">
-              <a:buNone/>
-            </a:pPr>
+            <a:r>
+              <a:rPr lang="de-DE" dirty="0" smtClean="0"/>
+              <a:t>Sicherheit nur durch Isolation?</a:t>
+            </a:r>
+          </a:p>
+          <a:p>
             <a:endParaRPr lang="de-DE" dirty="0"/>
           </a:p>
           <a:p>
-            <a:pPr marL="0" indent="0">
-              <a:buNone/>
-            </a:pPr>
-            <a:r>
-              <a:rPr lang="de-DE" dirty="0" smtClean="0"/>
-              <a:t>=&gt; Wahl des Verfahrens?</a:t>
-            </a:r>
+            <a:r>
+              <a:rPr lang="de-DE" dirty="0"/>
+              <a:t>Gewählte Art der Klassifizierung sinnvoll</a:t>
+            </a:r>
+            <a:r>
+              <a:rPr lang="de-DE" dirty="0" smtClean="0"/>
+              <a:t>?</a:t>
+            </a:r>
+            <a:r>
+              <a:rPr lang="de-DE" dirty="0"/>
+              <a:t>	</a:t>
+            </a:r>
+          </a:p>
+          <a:p>
+            <a:endParaRPr lang="de-DE" dirty="0"/>
+          </a:p>
+          <a:p>
+            <a:endParaRPr lang="de-DE" dirty="0"/>
+          </a:p>
+          <a:p>
+            <a:endParaRPr lang="de-DE" dirty="0"/>
+          </a:p>
+          <a:p>
+            <a:endParaRPr lang="de-DE" dirty="0"/>
           </a:p>
         </p:txBody>
       </p:sp>
@@ -17634,16 +17358,8 @@
           <a:lstStyle/>
           <a:p>
             <a:r>
-              <a:rPr lang="de-DE" dirty="0" smtClean="0"/>
-              <a:t>Sicherheitsaspekte beim </a:t>
-            </a:r>
-            <a:r>
-              <a:rPr lang="de-DE" dirty="0" err="1" smtClean="0"/>
-              <a:t>Deployment</a:t>
-            </a:r>
-            <a:r>
-              <a:rPr lang="de-DE" dirty="0" smtClean="0"/>
-              <a:t> virtueller Netzinfrastrukturen</a:t>
+              <a:rPr lang="de-DE" smtClean="0"/>
+              <a:t>Sicherheitsaspekte beim Deployment virtueller Netzinfrastrukturen</a:t>
             </a:r>
             <a:endParaRPr lang="de-DE" dirty="0"/>
           </a:p>
@@ -17652,7 +17368,7 @@
     </p:spTree>
     <p:extLst>
       <p:ext uri="{BB962C8B-B14F-4D97-AF65-F5344CB8AC3E}">
-        <p14:creationId xmlns:p14="http://schemas.microsoft.com/office/powerpoint/2010/main" val="299502173"/>
+        <p14:creationId xmlns:p14="http://schemas.microsoft.com/office/powerpoint/2010/main" val="3037437718"/>
       </p:ext>
     </p:extLst>
   </p:cSld>
@@ -17714,16 +17430,16 @@
           <a:lstStyle/>
           <a:p>
             <a:r>
-              <a:rPr lang="de-DE" smtClean="0"/>
-              <a:t>Diskussion</a:t>
-            </a:r>
-            <a:endParaRPr lang="de-DE" dirty="0"/>
-          </a:p>
-        </p:txBody>
-      </p:sp>
-      <p:sp>
-        <p:nvSpPr>
-          <p:cNvPr id="8" name="Inhaltsplatzhalter 7"/>
+              <a:rPr lang="de-DE" dirty="0" smtClean="0"/>
+              <a:t>Empfehlenswerte Literatur</a:t>
+            </a:r>
+            <a:endParaRPr lang="de-DE" sz="1800" dirty="0"/>
+          </a:p>
+        </p:txBody>
+      </p:sp>
+      <p:sp>
+        <p:nvSpPr>
+          <p:cNvPr id="3" name="Inhaltsplatzhalter 2"/>
           <p:cNvSpPr>
             <a:spLocks noGrp="1"/>
           </p:cNvSpPr>
@@ -17736,18 +17452,348 @@
           <a:bodyPr/>
           <a:lstStyle/>
           <a:p>
-            <a:r>
-              <a:rPr lang="de-DE" dirty="0" smtClean="0"/>
-              <a:t>Mögliche </a:t>
-            </a:r>
-            <a:r>
-              <a:rPr lang="de-DE" smtClean="0"/>
-              <a:t>Entwicklungsrichtungen?</a:t>
-            </a:r>
-            <a:endParaRPr lang="de-DE" dirty="0"/>
-          </a:p>
-          <a:p>
-            <a:endParaRPr lang="de-DE" dirty="0"/>
+            <a:pPr marL="0" indent="0">
+              <a:buNone/>
+            </a:pPr>
+            <a:r>
+              <a:rPr lang="de-DE" sz="1600" b="1" dirty="0" smtClean="0"/>
+              <a:t>Sicherheitsaspekte virtueller Netzinfrastrukturen</a:t>
+            </a:r>
+          </a:p>
+          <a:p>
+            <a:r>
+              <a:rPr lang="de-DE" sz="1600" dirty="0"/>
+              <a:t>Kamal </a:t>
+            </a:r>
+            <a:r>
+              <a:rPr lang="de-DE" sz="1600" dirty="0" err="1"/>
+              <a:t>Dahbur</a:t>
+            </a:r>
+            <a:r>
+              <a:rPr lang="de-DE" sz="1600" dirty="0"/>
+              <a:t>, </a:t>
+            </a:r>
+            <a:r>
+              <a:rPr lang="de-DE" sz="1600" dirty="0" err="1"/>
+              <a:t>Bassil</a:t>
+            </a:r>
+            <a:r>
+              <a:rPr lang="de-DE" sz="1600" dirty="0"/>
+              <a:t> Mohammad und Ahmad Bisher </a:t>
+            </a:r>
+            <a:r>
+              <a:rPr lang="de-DE" sz="1600" dirty="0" err="1"/>
+              <a:t>Tarakji</a:t>
+            </a:r>
+            <a:r>
+              <a:rPr lang="de-DE" sz="1600" dirty="0"/>
+              <a:t>. A </a:t>
+            </a:r>
+            <a:r>
+              <a:rPr lang="de-DE" sz="1600" dirty="0" err="1"/>
+              <a:t>survey</a:t>
+            </a:r>
+            <a:r>
+              <a:rPr lang="de-DE" sz="1600" dirty="0"/>
+              <a:t> </a:t>
+            </a:r>
+            <a:r>
+              <a:rPr lang="de-DE" sz="1600" dirty="0" err="1"/>
+              <a:t>of</a:t>
+            </a:r>
+            <a:r>
+              <a:rPr lang="de-DE" sz="1600" dirty="0"/>
+              <a:t> </a:t>
+            </a:r>
+            <a:r>
+              <a:rPr lang="de-DE" sz="1600" dirty="0" err="1"/>
+              <a:t>risks</a:t>
+            </a:r>
+            <a:r>
+              <a:rPr lang="de-DE" sz="1600" dirty="0"/>
+              <a:t>, </a:t>
+            </a:r>
+            <a:r>
+              <a:rPr lang="en-US" sz="1600" dirty="0"/>
+              <a:t>threats and vulnerabilities in cloud computing. In </a:t>
+            </a:r>
+            <a:r>
+              <a:rPr lang="en-US" sz="1600" i="1" dirty="0"/>
+              <a:t>Proceedings of the 2011 International </a:t>
+            </a:r>
+            <a:r>
+              <a:rPr lang="de-DE" sz="1600" i="1" dirty="0" err="1"/>
+              <a:t>conference</a:t>
+            </a:r>
+            <a:r>
+              <a:rPr lang="de-DE" sz="1600" i="1" dirty="0"/>
+              <a:t> on intelligent </a:t>
+            </a:r>
+            <a:r>
+              <a:rPr lang="de-DE" sz="1600" i="1" dirty="0" err="1"/>
+              <a:t>semantic</a:t>
+            </a:r>
+            <a:r>
+              <a:rPr lang="de-DE" sz="1600" i="1" dirty="0"/>
+              <a:t> Web-services </a:t>
+            </a:r>
+            <a:r>
+              <a:rPr lang="de-DE" sz="1600" i="1" dirty="0" err="1"/>
+              <a:t>and</a:t>
+            </a:r>
+            <a:r>
+              <a:rPr lang="de-DE" sz="1600" i="1" dirty="0"/>
+              <a:t> </a:t>
+            </a:r>
+            <a:r>
+              <a:rPr lang="de-DE" sz="1600" i="1" dirty="0" err="1"/>
+              <a:t>applications</a:t>
+            </a:r>
+            <a:r>
+              <a:rPr lang="de-DE" sz="1600" dirty="0"/>
+              <a:t>, Seite 12. ACM, 2011.</a:t>
+            </a:r>
+          </a:p>
+          <a:p>
+            <a:r>
+              <a:rPr lang="de-DE" sz="1600" dirty="0" smtClean="0"/>
+              <a:t>Andreas </a:t>
+            </a:r>
+            <a:r>
+              <a:rPr lang="de-DE" sz="1600" dirty="0"/>
+              <a:t>Fischer, Juan Felipe Botero, Michael Till Beck, Hermann De Meer und </a:t>
+            </a:r>
+            <a:r>
+              <a:rPr lang="de-DE" sz="1600" dirty="0" smtClean="0"/>
+              <a:t>Xavier Hesselbach</a:t>
+            </a:r>
+            <a:r>
+              <a:rPr lang="de-DE" sz="1600" dirty="0"/>
+              <a:t>. Virtual </a:t>
+            </a:r>
+            <a:r>
+              <a:rPr lang="de-DE" sz="1600" dirty="0" err="1"/>
+              <a:t>network</a:t>
+            </a:r>
+            <a:r>
+              <a:rPr lang="de-DE" sz="1600" dirty="0"/>
+              <a:t> </a:t>
+            </a:r>
+            <a:r>
+              <a:rPr lang="de-DE" sz="1600" dirty="0" err="1"/>
+              <a:t>embedding</a:t>
+            </a:r>
+            <a:r>
+              <a:rPr lang="de-DE" sz="1600" dirty="0"/>
+              <a:t>: A </a:t>
+            </a:r>
+            <a:r>
+              <a:rPr lang="de-DE" sz="1600" dirty="0" err="1"/>
+              <a:t>survey</a:t>
+            </a:r>
+            <a:r>
+              <a:rPr lang="de-DE" sz="1600" dirty="0"/>
+              <a:t>. </a:t>
+            </a:r>
+            <a:r>
+              <a:rPr lang="de-DE" sz="1600" i="1" dirty="0"/>
+              <a:t>IEEE Communications Surveys </a:t>
+            </a:r>
+            <a:r>
+              <a:rPr lang="de-DE" sz="1600" i="1" dirty="0" smtClean="0"/>
+              <a:t>&amp; Tutorials</a:t>
+            </a:r>
+            <a:r>
+              <a:rPr lang="de-DE" sz="1600" dirty="0"/>
+              <a:t>, 15(4):1888–1906, 2013</a:t>
+            </a:r>
+            <a:r>
+              <a:rPr lang="de-DE" sz="1600" dirty="0" smtClean="0"/>
+              <a:t>.</a:t>
+            </a:r>
+            <a:endParaRPr lang="de-DE" sz="1600" dirty="0"/>
+          </a:p>
+          <a:p>
+            <a:r>
+              <a:rPr lang="de-DE" sz="1600" dirty="0" err="1" smtClean="0"/>
+              <a:t>Shuiqing</a:t>
+            </a:r>
+            <a:r>
+              <a:rPr lang="de-DE" sz="1600" dirty="0" smtClean="0"/>
+              <a:t> </a:t>
+            </a:r>
+            <a:r>
+              <a:rPr lang="de-DE" sz="1600" dirty="0"/>
+              <a:t>Gong, </a:t>
+            </a:r>
+            <a:r>
+              <a:rPr lang="de-DE" sz="1600" dirty="0" err="1"/>
+              <a:t>Jing</a:t>
+            </a:r>
+            <a:r>
+              <a:rPr lang="de-DE" sz="1600" dirty="0"/>
+              <a:t> Chen, </a:t>
+            </a:r>
+            <a:r>
+              <a:rPr lang="de-DE" sz="1600" dirty="0" err="1"/>
+              <a:t>Conghui</a:t>
+            </a:r>
+            <a:r>
+              <a:rPr lang="de-DE" sz="1600" dirty="0"/>
+              <a:t> Huang, </a:t>
+            </a:r>
+            <a:r>
+              <a:rPr lang="de-DE" sz="1600" dirty="0" err="1"/>
+              <a:t>Qingchao</a:t>
+            </a:r>
+            <a:r>
+              <a:rPr lang="de-DE" sz="1600" dirty="0"/>
+              <a:t> Zhu und </a:t>
+            </a:r>
+            <a:r>
+              <a:rPr lang="de-DE" sz="1600" dirty="0" err="1"/>
+              <a:t>Siyi</a:t>
+            </a:r>
+            <a:r>
+              <a:rPr lang="de-DE" sz="1600" dirty="0"/>
+              <a:t> Zhao. Virtual </a:t>
+            </a:r>
+            <a:r>
+              <a:rPr lang="en-US" sz="1600" dirty="0"/>
+              <a:t>Network Embedding through Security Risk Awareness and Optimization. </a:t>
+            </a:r>
+            <a:r>
+              <a:rPr lang="en-US" sz="1600" i="1" dirty="0"/>
+              <a:t>KSII Transactions </a:t>
+            </a:r>
+            <a:r>
+              <a:rPr lang="de-DE" sz="1600" i="1" dirty="0"/>
+              <a:t>on Internet &amp; Information Systems</a:t>
+            </a:r>
+            <a:r>
+              <a:rPr lang="de-DE" sz="1600" dirty="0"/>
+              <a:t>, 10(7), 2016</a:t>
+            </a:r>
+            <a:r>
+              <a:rPr lang="de-DE" sz="1600" dirty="0" smtClean="0"/>
+              <a:t>.</a:t>
+            </a:r>
+          </a:p>
+          <a:p>
+            <a:endParaRPr lang="de-DE" sz="1600" dirty="0" smtClean="0"/>
+          </a:p>
+          <a:p>
+            <a:pPr marL="0" indent="0">
+              <a:buNone/>
+            </a:pPr>
+            <a:r>
+              <a:rPr lang="de-DE" sz="1600" b="1" dirty="0" smtClean="0"/>
+              <a:t>Untersuchte Algorithmen</a:t>
+            </a:r>
+          </a:p>
+          <a:p>
+            <a:r>
+              <a:rPr lang="de-DE" sz="1600" dirty="0" smtClean="0"/>
+              <a:t>Hong </a:t>
+            </a:r>
+            <a:r>
+              <a:rPr lang="de-DE" sz="1600" dirty="0" err="1"/>
+              <a:t>Xu</a:t>
+            </a:r>
+            <a:r>
+              <a:rPr lang="de-DE" sz="1600" dirty="0"/>
+              <a:t> Ming </a:t>
+            </a:r>
+            <a:r>
+              <a:rPr lang="de-DE" sz="1600" dirty="0" err="1"/>
+              <a:t>Xu</a:t>
+            </a:r>
+            <a:r>
+              <a:rPr lang="de-DE" sz="1600" dirty="0"/>
+              <a:t> </a:t>
+            </a:r>
+            <a:r>
+              <a:rPr lang="de-DE" sz="1600" dirty="0" err="1"/>
+              <a:t>Shuhao</a:t>
+            </a:r>
+            <a:r>
+              <a:rPr lang="de-DE" sz="1600" dirty="0"/>
+              <a:t> Liu, </a:t>
+            </a:r>
+            <a:r>
+              <a:rPr lang="de-DE" sz="1600" dirty="0" err="1"/>
+              <a:t>Zhiping</a:t>
+            </a:r>
+            <a:r>
+              <a:rPr lang="de-DE" sz="1600" dirty="0"/>
+              <a:t> Cai. </a:t>
+            </a:r>
+            <a:r>
+              <a:rPr lang="de-DE" sz="1600" dirty="0" err="1"/>
+              <a:t>Towards</a:t>
+            </a:r>
+            <a:r>
+              <a:rPr lang="de-DE" sz="1600" dirty="0"/>
+              <a:t> Security-aware Virtual </a:t>
+            </a:r>
+            <a:r>
+              <a:rPr lang="de-DE" sz="1600" dirty="0" smtClean="0"/>
+              <a:t>Network Embedding</a:t>
+            </a:r>
+            <a:r>
+              <a:rPr lang="de-DE" sz="1600" dirty="0"/>
+              <a:t>, 2015</a:t>
+            </a:r>
+            <a:r>
+              <a:rPr lang="de-DE" sz="1600" dirty="0" smtClean="0"/>
+              <a:t>.</a:t>
+            </a:r>
+          </a:p>
+          <a:p>
+            <a:r>
+              <a:rPr lang="en-US" sz="1600" dirty="0" smtClean="0"/>
+              <a:t>Yang </a:t>
+            </a:r>
+            <a:r>
+              <a:rPr lang="en-US" sz="1600" dirty="0"/>
+              <a:t>Wang, </a:t>
+            </a:r>
+            <a:r>
+              <a:rPr lang="en-US" sz="1600" dirty="0" err="1"/>
+              <a:t>Phanvu</a:t>
+            </a:r>
+            <a:r>
+              <a:rPr lang="en-US" sz="1600" dirty="0"/>
+              <a:t> Chau und </a:t>
+            </a:r>
+            <a:r>
+              <a:rPr lang="en-US" sz="1600" dirty="0" err="1"/>
+              <a:t>Fuyu</a:t>
+            </a:r>
+            <a:r>
+              <a:rPr lang="en-US" sz="1600" dirty="0"/>
+              <a:t> Chen. Towards a secured network </a:t>
+            </a:r>
+            <a:r>
+              <a:rPr lang="en-US" sz="1600" dirty="0" smtClean="0"/>
+              <a:t>virtualization. </a:t>
+            </a:r>
+            <a:r>
+              <a:rPr lang="de-DE" sz="1600" i="1" dirty="0" smtClean="0"/>
+              <a:t>Computer </a:t>
+            </a:r>
+            <a:r>
+              <a:rPr lang="de-DE" sz="1600" i="1" dirty="0"/>
+              <a:t>Networks</a:t>
+            </a:r>
+            <a:r>
+              <a:rPr lang="de-DE" sz="1600" dirty="0"/>
+              <a:t>, 104:55–65, 2016.</a:t>
+            </a:r>
+            <a:endParaRPr lang="de-DE" sz="1600" dirty="0" smtClean="0"/>
+          </a:p>
+          <a:p>
+            <a:endParaRPr lang="de-DE" sz="1600" dirty="0"/>
           </a:p>
         </p:txBody>
       </p:sp>
@@ -17766,9 +17812,14 @@
           <a:bodyPr/>
           <a:lstStyle/>
           <a:p>
+            <a:pPr>
+              <a:defRPr/>
+            </a:pPr>
             <a:fld id="{70BFFA52-4234-45F6-B1A6-074E24FF43A2}" type="slidenum">
               <a:rPr lang="de-DE" smtClean="0"/>
-              <a:pPr/>
+              <a:pPr>
+                <a:defRPr/>
+              </a:pPr>
               <a:t>33</a:t>
             </a:fld>
             <a:endParaRPr lang="de-DE" dirty="0"/>
@@ -17801,7 +17852,7 @@
     </p:spTree>
     <p:extLst>
       <p:ext uri="{BB962C8B-B14F-4D97-AF65-F5344CB8AC3E}">
-        <p14:creationId xmlns:p14="http://schemas.microsoft.com/office/powerpoint/2010/main" val="3661181008"/>
+        <p14:creationId xmlns:p14="http://schemas.microsoft.com/office/powerpoint/2010/main" val="2073930859"/>
       </p:ext>
     </p:extLst>
   </p:cSld>
@@ -17862,17 +17913,13 @@
           <a:bodyPr/>
           <a:lstStyle/>
           <a:p>
-            <a:r>
-              <a:rPr lang="de-DE" smtClean="0"/>
-              <a:t>Diskussion</a:t>
-            </a:r>
-            <a:endParaRPr lang="de-DE" dirty="0"/>
-          </a:p>
-        </p:txBody>
-      </p:sp>
-      <p:sp>
-        <p:nvSpPr>
-          <p:cNvPr id="8" name="Inhaltsplatzhalter 7"/>
+            <a:endParaRPr lang="de-DE" sz="1800" dirty="0"/>
+          </a:p>
+        </p:txBody>
+      </p:sp>
+      <p:sp>
+        <p:nvSpPr>
+          <p:cNvPr id="3" name="Inhaltsplatzhalter 2"/>
           <p:cNvSpPr>
             <a:spLocks noGrp="1"/>
           </p:cNvSpPr>
@@ -17885,641 +17932,63 @@
           <a:bodyPr/>
           <a:lstStyle/>
           <a:p>
-            <a:r>
-              <a:rPr lang="de-DE" dirty="0" smtClean="0"/>
-              <a:t>Sicherheit nur durch Isolation?</a:t>
-            </a:r>
-            <a:endParaRPr lang="de-DE" dirty="0"/>
-          </a:p>
-          <a:p>
-            <a:endParaRPr lang="de-DE" dirty="0"/>
-          </a:p>
-        </p:txBody>
-      </p:sp>
-      <p:sp>
-        <p:nvSpPr>
-          <p:cNvPr id="4" name="Foliennummernplatzhalter 3"/>
-          <p:cNvSpPr>
-            <a:spLocks noGrp="1"/>
-          </p:cNvSpPr>
-          <p:nvPr>
-            <p:ph type="sldNum" sz="quarter" idx="4"/>
-          </p:nvPr>
-        </p:nvSpPr>
-        <p:spPr/>
-        <p:txBody>
-          <a:bodyPr/>
-          <a:lstStyle/>
-          <a:p>
-            <a:fld id="{70BFFA52-4234-45F6-B1A6-074E24FF43A2}" type="slidenum">
-              <a:rPr lang="de-DE" smtClean="0"/>
-              <a:pPr/>
-              <a:t>34</a:t>
-            </a:fld>
-            <a:endParaRPr lang="de-DE" dirty="0"/>
-          </a:p>
-        </p:txBody>
-      </p:sp>
-      <p:sp>
-        <p:nvSpPr>
-          <p:cNvPr id="5" name="Fußzeilenplatzhalter 4"/>
-          <p:cNvSpPr>
-            <a:spLocks noGrp="1"/>
-          </p:cNvSpPr>
-          <p:nvPr>
-            <p:ph type="ftr" sz="quarter" idx="3"/>
-          </p:nvPr>
-        </p:nvSpPr>
-        <p:spPr/>
-        <p:txBody>
-          <a:bodyPr/>
-          <a:lstStyle/>
-          <a:p>
-            <a:r>
-              <a:rPr lang="de-DE" smtClean="0"/>
-              <a:t>Sicherheitsaspekte beim Deployment virtueller Netzinfrastrukturen</a:t>
-            </a:r>
-            <a:endParaRPr lang="de-DE" dirty="0"/>
-          </a:p>
-        </p:txBody>
-      </p:sp>
-    </p:spTree>
-    <p:extLst>
-      <p:ext uri="{BB962C8B-B14F-4D97-AF65-F5344CB8AC3E}">
-        <p14:creationId xmlns:p14="http://schemas.microsoft.com/office/powerpoint/2010/main" val="3037437718"/>
-      </p:ext>
-    </p:extLst>
-  </p:cSld>
-  <p:clrMapOvr>
-    <a:masterClrMapping/>
-  </p:clrMapOvr>
-  <mc:AlternateContent xmlns:mc="http://schemas.openxmlformats.org/markup-compatibility/2006" xmlns:p14="http://schemas.microsoft.com/office/powerpoint/2010/main">
-    <mc:Choice Requires="p14">
-      <p:transition spd="med" p14:dur="700">
-        <p:fade/>
-      </p:transition>
-    </mc:Choice>
-    <mc:Fallback xmlns="">
-      <p:transition spd="med">
-        <p:fade/>
-      </p:transition>
-    </mc:Fallback>
-  </mc:AlternateContent>
-  <p:timing>
-    <p:tnLst>
-      <p:par>
-        <p:cTn id="1" dur="indefinite" restart="never" nodeType="tmRoot"/>
-      </p:par>
-    </p:tnLst>
-  </p:timing>
-</p:sld>
-</file>
-
-<file path=ppt/slides/slide35.xml><?xml version="1.0" encoding="utf-8"?>
-<p:sld xmlns:a="http://schemas.openxmlformats.org/drawingml/2006/main" xmlns:r="http://schemas.openxmlformats.org/officeDocument/2006/relationships" xmlns:p="http://schemas.openxmlformats.org/presentationml/2006/main">
-  <p:cSld>
-    <p:spTree>
-      <p:nvGrpSpPr>
-        <p:cNvPr id="1" name=""/>
-        <p:cNvGrpSpPr/>
-        <p:nvPr/>
-      </p:nvGrpSpPr>
-      <p:grpSpPr>
-        <a:xfrm>
-          <a:off x="0" y="0"/>
-          <a:ext cx="0" cy="0"/>
-          <a:chOff x="0" y="0"/>
-          <a:chExt cx="0" cy="0"/>
-        </a:xfrm>
-      </p:grpSpPr>
-      <p:sp>
-        <p:nvSpPr>
-          <p:cNvPr id="2" name="Titel 1"/>
-          <p:cNvSpPr>
-            <a:spLocks noGrp="1"/>
-          </p:cNvSpPr>
-          <p:nvPr>
-            <p:ph type="title"/>
-          </p:nvPr>
-        </p:nvSpPr>
-        <p:spPr/>
-        <p:txBody>
-          <a:bodyPr/>
-          <a:lstStyle/>
-          <a:p>
-            <a:r>
-              <a:rPr lang="de-DE" smtClean="0"/>
-              <a:t>Diskussion</a:t>
-            </a:r>
-            <a:endParaRPr lang="de-DE" dirty="0"/>
-          </a:p>
-        </p:txBody>
-      </p:sp>
-      <p:sp>
-        <p:nvSpPr>
-          <p:cNvPr id="8" name="Inhaltsplatzhalter 7"/>
-          <p:cNvSpPr>
-            <a:spLocks noGrp="1"/>
-          </p:cNvSpPr>
-          <p:nvPr>
-            <p:ph idx="1"/>
-          </p:nvPr>
-        </p:nvSpPr>
-        <p:spPr/>
-        <p:txBody>
-          <a:bodyPr/>
-          <a:lstStyle/>
-          <a:p>
-            <a:r>
-              <a:rPr lang="de-DE" dirty="0" smtClean="0"/>
-              <a:t>Gewählte Art der Klassifizierung sinnvoll?</a:t>
-            </a:r>
-            <a:endParaRPr lang="de-DE" dirty="0"/>
-          </a:p>
-          <a:p>
-            <a:endParaRPr lang="de-DE" dirty="0"/>
-          </a:p>
-          <a:p>
-            <a:endParaRPr lang="de-DE" dirty="0"/>
-          </a:p>
-        </p:txBody>
-      </p:sp>
-      <p:sp>
-        <p:nvSpPr>
-          <p:cNvPr id="4" name="Foliennummernplatzhalter 3"/>
-          <p:cNvSpPr>
-            <a:spLocks noGrp="1"/>
-          </p:cNvSpPr>
-          <p:nvPr>
-            <p:ph type="sldNum" sz="quarter" idx="4"/>
-          </p:nvPr>
-        </p:nvSpPr>
-        <p:spPr/>
-        <p:txBody>
-          <a:bodyPr/>
-          <a:lstStyle/>
-          <a:p>
-            <a:fld id="{70BFFA52-4234-45F6-B1A6-074E24FF43A2}" type="slidenum">
-              <a:rPr lang="de-DE" smtClean="0"/>
-              <a:pPr/>
-              <a:t>35</a:t>
-            </a:fld>
-            <a:endParaRPr lang="de-DE" dirty="0"/>
-          </a:p>
-        </p:txBody>
-      </p:sp>
-      <p:sp>
-        <p:nvSpPr>
-          <p:cNvPr id="5" name="Fußzeilenplatzhalter 4"/>
-          <p:cNvSpPr>
-            <a:spLocks noGrp="1"/>
-          </p:cNvSpPr>
-          <p:nvPr>
-            <p:ph type="ftr" sz="quarter" idx="3"/>
-          </p:nvPr>
-        </p:nvSpPr>
-        <p:spPr/>
-        <p:txBody>
-          <a:bodyPr/>
-          <a:lstStyle/>
-          <a:p>
-            <a:r>
-              <a:rPr lang="de-DE" smtClean="0"/>
-              <a:t>Sicherheitsaspekte beim Deployment virtueller Netzinfrastrukturen</a:t>
-            </a:r>
-            <a:endParaRPr lang="de-DE" dirty="0"/>
-          </a:p>
-        </p:txBody>
-      </p:sp>
-    </p:spTree>
-    <p:extLst>
-      <p:ext uri="{BB962C8B-B14F-4D97-AF65-F5344CB8AC3E}">
-        <p14:creationId xmlns:p14="http://schemas.microsoft.com/office/powerpoint/2010/main" val="1331773298"/>
-      </p:ext>
-    </p:extLst>
-  </p:cSld>
-  <p:clrMapOvr>
-    <a:masterClrMapping/>
-  </p:clrMapOvr>
-  <mc:AlternateContent xmlns:mc="http://schemas.openxmlformats.org/markup-compatibility/2006" xmlns:p14="http://schemas.microsoft.com/office/powerpoint/2010/main">
-    <mc:Choice Requires="p14">
-      <p:transition spd="med" p14:dur="700">
-        <p:fade/>
-      </p:transition>
-    </mc:Choice>
-    <mc:Fallback xmlns="">
-      <p:transition spd="med">
-        <p:fade/>
-      </p:transition>
-    </mc:Fallback>
-  </mc:AlternateContent>
-  <p:timing>
-    <p:tnLst>
-      <p:par>
-        <p:cTn id="1" dur="indefinite" restart="never" nodeType="tmRoot"/>
-      </p:par>
-    </p:tnLst>
-  </p:timing>
-</p:sld>
-</file>
-
-<file path=ppt/slides/slide36.xml><?xml version="1.0" encoding="utf-8"?>
-<p:sld xmlns:a="http://schemas.openxmlformats.org/drawingml/2006/main" xmlns:r="http://schemas.openxmlformats.org/officeDocument/2006/relationships" xmlns:p="http://schemas.openxmlformats.org/presentationml/2006/main">
-  <p:cSld>
-    <p:spTree>
-      <p:nvGrpSpPr>
-        <p:cNvPr id="1" name=""/>
-        <p:cNvGrpSpPr/>
-        <p:nvPr/>
-      </p:nvGrpSpPr>
-      <p:grpSpPr>
-        <a:xfrm>
-          <a:off x="0" y="0"/>
-          <a:ext cx="0" cy="0"/>
-          <a:chOff x="0" y="0"/>
-          <a:chExt cx="0" cy="0"/>
-        </a:xfrm>
-      </p:grpSpPr>
-      <p:sp>
-        <p:nvSpPr>
-          <p:cNvPr id="2" name="Titel 1"/>
-          <p:cNvSpPr>
-            <a:spLocks noGrp="1"/>
-          </p:cNvSpPr>
-          <p:nvPr>
-            <p:ph type="title"/>
-          </p:nvPr>
-        </p:nvSpPr>
-        <p:spPr/>
-        <p:txBody>
-          <a:bodyPr/>
-          <a:lstStyle/>
-          <a:p>
-            <a:r>
-              <a:rPr lang="de-DE" dirty="0" smtClean="0"/>
-              <a:t>Empfehlenswerte Literatur</a:t>
-            </a:r>
-            <a:endParaRPr lang="de-DE" sz="1800" dirty="0"/>
-          </a:p>
-        </p:txBody>
-      </p:sp>
-      <p:sp>
-        <p:nvSpPr>
-          <p:cNvPr id="3" name="Inhaltsplatzhalter 2"/>
-          <p:cNvSpPr>
-            <a:spLocks noGrp="1"/>
-          </p:cNvSpPr>
-          <p:nvPr>
-            <p:ph idx="1"/>
-          </p:nvPr>
-        </p:nvSpPr>
-        <p:spPr/>
-        <p:txBody>
-          <a:bodyPr/>
-          <a:lstStyle/>
-          <a:p>
-            <a:pPr marL="0" indent="0">
+            <a:pPr marL="0" indent="0" algn="ctr">
               <a:buNone/>
             </a:pPr>
-            <a:r>
-              <a:rPr lang="de-DE" sz="1600" b="1" dirty="0" smtClean="0"/>
-              <a:t>Sicherheitsaspekte virtueller Netzinfrastrukturen</a:t>
-            </a:r>
-          </a:p>
-          <a:p>
-            <a:r>
-              <a:rPr lang="de-DE" sz="1600" dirty="0"/>
-              <a:t>Kamal </a:t>
-            </a:r>
-            <a:r>
-              <a:rPr lang="de-DE" sz="1600" dirty="0" err="1"/>
-              <a:t>Dahbur</a:t>
-            </a:r>
-            <a:r>
-              <a:rPr lang="de-DE" sz="1600" dirty="0"/>
-              <a:t>, </a:t>
-            </a:r>
-            <a:r>
-              <a:rPr lang="de-DE" sz="1600" dirty="0" err="1"/>
-              <a:t>Bassil</a:t>
-            </a:r>
-            <a:r>
-              <a:rPr lang="de-DE" sz="1600" dirty="0"/>
-              <a:t> Mohammad und Ahmad Bisher </a:t>
-            </a:r>
-            <a:r>
-              <a:rPr lang="de-DE" sz="1600" dirty="0" err="1"/>
-              <a:t>Tarakji</a:t>
-            </a:r>
-            <a:r>
-              <a:rPr lang="de-DE" sz="1600" dirty="0"/>
-              <a:t>. A </a:t>
-            </a:r>
-            <a:r>
-              <a:rPr lang="de-DE" sz="1600" dirty="0" err="1"/>
-              <a:t>survey</a:t>
-            </a:r>
-            <a:r>
-              <a:rPr lang="de-DE" sz="1600" dirty="0"/>
-              <a:t> </a:t>
-            </a:r>
-            <a:r>
-              <a:rPr lang="de-DE" sz="1600" dirty="0" err="1"/>
-              <a:t>of</a:t>
-            </a:r>
-            <a:r>
-              <a:rPr lang="de-DE" sz="1600" dirty="0"/>
-              <a:t> </a:t>
-            </a:r>
-            <a:r>
-              <a:rPr lang="de-DE" sz="1600" dirty="0" err="1"/>
-              <a:t>risks</a:t>
-            </a:r>
-            <a:r>
-              <a:rPr lang="de-DE" sz="1600" dirty="0"/>
-              <a:t>, </a:t>
-            </a:r>
-            <a:r>
-              <a:rPr lang="en-US" sz="1600" dirty="0"/>
-              <a:t>threats and vulnerabilities in cloud computing. In </a:t>
-            </a:r>
-            <a:r>
-              <a:rPr lang="en-US" sz="1600" i="1" dirty="0"/>
-              <a:t>Proceedings of the 2011 International </a:t>
-            </a:r>
-            <a:r>
-              <a:rPr lang="de-DE" sz="1600" i="1" dirty="0" err="1"/>
-              <a:t>conference</a:t>
-            </a:r>
-            <a:r>
-              <a:rPr lang="de-DE" sz="1600" i="1" dirty="0"/>
-              <a:t> on intelligent </a:t>
-            </a:r>
-            <a:r>
-              <a:rPr lang="de-DE" sz="1600" i="1" dirty="0" err="1"/>
-              <a:t>semantic</a:t>
-            </a:r>
-            <a:r>
-              <a:rPr lang="de-DE" sz="1600" i="1" dirty="0"/>
-              <a:t> Web-services </a:t>
-            </a:r>
-            <a:r>
-              <a:rPr lang="de-DE" sz="1600" i="1" dirty="0" err="1"/>
-              <a:t>and</a:t>
-            </a:r>
-            <a:r>
-              <a:rPr lang="de-DE" sz="1600" i="1" dirty="0"/>
-              <a:t> </a:t>
-            </a:r>
-            <a:r>
-              <a:rPr lang="de-DE" sz="1600" i="1" dirty="0" err="1"/>
-              <a:t>applications</a:t>
-            </a:r>
-            <a:r>
-              <a:rPr lang="de-DE" sz="1600" dirty="0"/>
-              <a:t>, Seite 12. ACM, 2011.</a:t>
-            </a:r>
-          </a:p>
-          <a:p>
-            <a:r>
-              <a:rPr lang="de-DE" sz="1600" dirty="0" smtClean="0"/>
-              <a:t>Andreas </a:t>
-            </a:r>
-            <a:r>
-              <a:rPr lang="de-DE" sz="1600" dirty="0"/>
-              <a:t>Fischer, Juan Felipe Botero, Michael Till Beck, Hermann De Meer und </a:t>
-            </a:r>
-            <a:r>
-              <a:rPr lang="de-DE" sz="1600" dirty="0" smtClean="0"/>
-              <a:t>Xavier Hesselbach</a:t>
-            </a:r>
-            <a:r>
-              <a:rPr lang="de-DE" sz="1600" dirty="0"/>
-              <a:t>. Virtual </a:t>
-            </a:r>
-            <a:r>
-              <a:rPr lang="de-DE" sz="1600" dirty="0" err="1"/>
-              <a:t>network</a:t>
-            </a:r>
-            <a:r>
-              <a:rPr lang="de-DE" sz="1600" dirty="0"/>
-              <a:t> </a:t>
-            </a:r>
-            <a:r>
-              <a:rPr lang="de-DE" sz="1600" dirty="0" err="1"/>
-              <a:t>embedding</a:t>
-            </a:r>
-            <a:r>
-              <a:rPr lang="de-DE" sz="1600" dirty="0"/>
-              <a:t>: A </a:t>
-            </a:r>
-            <a:r>
-              <a:rPr lang="de-DE" sz="1600" dirty="0" err="1"/>
-              <a:t>survey</a:t>
-            </a:r>
-            <a:r>
-              <a:rPr lang="de-DE" sz="1600" dirty="0"/>
-              <a:t>. </a:t>
-            </a:r>
-            <a:r>
-              <a:rPr lang="de-DE" sz="1600" i="1" dirty="0"/>
-              <a:t>IEEE Communications Surveys </a:t>
-            </a:r>
-            <a:r>
-              <a:rPr lang="de-DE" sz="1600" i="1" dirty="0" smtClean="0"/>
-              <a:t>&amp; Tutorials</a:t>
-            </a:r>
-            <a:r>
-              <a:rPr lang="de-DE" sz="1600" dirty="0"/>
-              <a:t>, 15(4):1888–1906, 2013</a:t>
-            </a:r>
-            <a:r>
-              <a:rPr lang="de-DE" sz="1600" dirty="0" smtClean="0"/>
-              <a:t>.</a:t>
-            </a:r>
-            <a:endParaRPr lang="de-DE" sz="1600" dirty="0"/>
-          </a:p>
-          <a:p>
-            <a:r>
-              <a:rPr lang="de-DE" sz="1600" dirty="0" err="1" smtClean="0"/>
-              <a:t>Shuiqing</a:t>
-            </a:r>
-            <a:r>
-              <a:rPr lang="de-DE" sz="1600" dirty="0" smtClean="0"/>
-              <a:t> </a:t>
-            </a:r>
-            <a:r>
-              <a:rPr lang="de-DE" sz="1600" dirty="0"/>
-              <a:t>Gong, </a:t>
-            </a:r>
-            <a:r>
-              <a:rPr lang="de-DE" sz="1600" dirty="0" err="1"/>
-              <a:t>Jing</a:t>
-            </a:r>
-            <a:r>
-              <a:rPr lang="de-DE" sz="1600" dirty="0"/>
-              <a:t> Chen, </a:t>
-            </a:r>
-            <a:r>
-              <a:rPr lang="de-DE" sz="1600" dirty="0" err="1"/>
-              <a:t>Conghui</a:t>
-            </a:r>
-            <a:r>
-              <a:rPr lang="de-DE" sz="1600" dirty="0"/>
-              <a:t> Huang, </a:t>
-            </a:r>
-            <a:r>
-              <a:rPr lang="de-DE" sz="1600" dirty="0" err="1"/>
-              <a:t>Qingchao</a:t>
-            </a:r>
-            <a:r>
-              <a:rPr lang="de-DE" sz="1600" dirty="0"/>
-              <a:t> Zhu und </a:t>
-            </a:r>
-            <a:r>
-              <a:rPr lang="de-DE" sz="1600" dirty="0" err="1"/>
-              <a:t>Siyi</a:t>
-            </a:r>
-            <a:r>
-              <a:rPr lang="de-DE" sz="1600" dirty="0"/>
-              <a:t> Zhao. Virtual </a:t>
-            </a:r>
-            <a:r>
-              <a:rPr lang="en-US" sz="1600" dirty="0"/>
-              <a:t>Network Embedding through Security Risk Awareness and Optimization. </a:t>
-            </a:r>
-            <a:r>
-              <a:rPr lang="en-US" sz="1600" i="1" dirty="0"/>
-              <a:t>KSII Transactions </a:t>
-            </a:r>
-            <a:r>
-              <a:rPr lang="de-DE" sz="1600" i="1" dirty="0"/>
-              <a:t>on Internet &amp; Information Systems</a:t>
-            </a:r>
-            <a:r>
-              <a:rPr lang="de-DE" sz="1600" dirty="0"/>
-              <a:t>, 10(7), 2016</a:t>
-            </a:r>
-            <a:r>
-              <a:rPr lang="de-DE" sz="1600" dirty="0" smtClean="0"/>
-              <a:t>.</a:t>
-            </a:r>
-          </a:p>
-          <a:p>
-            <a:endParaRPr lang="de-DE" sz="1600" dirty="0" smtClean="0"/>
-          </a:p>
-          <a:p>
-            <a:pPr marL="0" indent="0">
+            <a:endParaRPr lang="de-DE" sz="3200" dirty="0" smtClean="0"/>
+          </a:p>
+          <a:p>
+            <a:pPr marL="0" indent="0" algn="ctr">
               <a:buNone/>
             </a:pPr>
-            <a:r>
-              <a:rPr lang="de-DE" sz="1600" b="1" dirty="0" smtClean="0"/>
-              <a:t>Untersuchte Algorithmen</a:t>
-            </a:r>
-          </a:p>
-          <a:p>
-            <a:r>
-              <a:rPr lang="de-DE" sz="1600" dirty="0" smtClean="0"/>
-              <a:t>Hong </a:t>
-            </a:r>
-            <a:r>
-              <a:rPr lang="de-DE" sz="1600" dirty="0" err="1"/>
-              <a:t>Xu</a:t>
-            </a:r>
-            <a:r>
-              <a:rPr lang="de-DE" sz="1600" dirty="0"/>
-              <a:t> Ming </a:t>
-            </a:r>
-            <a:r>
-              <a:rPr lang="de-DE" sz="1600" dirty="0" err="1"/>
-              <a:t>Xu</a:t>
-            </a:r>
-            <a:r>
-              <a:rPr lang="de-DE" sz="1600" dirty="0"/>
-              <a:t> </a:t>
-            </a:r>
-            <a:r>
-              <a:rPr lang="de-DE" sz="1600" dirty="0" err="1"/>
-              <a:t>Shuhao</a:t>
-            </a:r>
-            <a:r>
-              <a:rPr lang="de-DE" sz="1600" dirty="0"/>
-              <a:t> Liu, </a:t>
-            </a:r>
-            <a:r>
-              <a:rPr lang="de-DE" sz="1600" dirty="0" err="1"/>
-              <a:t>Zhiping</a:t>
-            </a:r>
-            <a:r>
-              <a:rPr lang="de-DE" sz="1600" dirty="0"/>
-              <a:t> Cai. </a:t>
-            </a:r>
-            <a:r>
-              <a:rPr lang="de-DE" sz="1600" dirty="0" err="1"/>
-              <a:t>Towards</a:t>
-            </a:r>
-            <a:r>
-              <a:rPr lang="de-DE" sz="1600" dirty="0"/>
-              <a:t> Security-aware Virtual </a:t>
-            </a:r>
-            <a:r>
-              <a:rPr lang="de-DE" sz="1600" dirty="0" smtClean="0"/>
-              <a:t>Network Embedding</a:t>
-            </a:r>
-            <a:r>
-              <a:rPr lang="de-DE" sz="1600" dirty="0"/>
-              <a:t>, 2015</a:t>
-            </a:r>
-            <a:r>
-              <a:rPr lang="de-DE" sz="1600" dirty="0" smtClean="0"/>
-              <a:t>.</a:t>
-            </a:r>
-          </a:p>
-          <a:p>
-            <a:r>
-              <a:rPr lang="en-US" sz="1600" dirty="0" smtClean="0"/>
-              <a:t>Yang </a:t>
-            </a:r>
-            <a:r>
-              <a:rPr lang="en-US" sz="1600" dirty="0"/>
-              <a:t>Wang, </a:t>
-            </a:r>
-            <a:r>
-              <a:rPr lang="en-US" sz="1600" dirty="0" err="1"/>
-              <a:t>Phanvu</a:t>
-            </a:r>
-            <a:r>
-              <a:rPr lang="en-US" sz="1600" dirty="0"/>
-              <a:t> Chau und </a:t>
-            </a:r>
-            <a:r>
-              <a:rPr lang="en-US" sz="1600" dirty="0" err="1"/>
-              <a:t>Fuyu</a:t>
-            </a:r>
-            <a:r>
-              <a:rPr lang="en-US" sz="1600" dirty="0"/>
-              <a:t> Chen. Towards a secured network </a:t>
-            </a:r>
-            <a:r>
-              <a:rPr lang="en-US" sz="1600" dirty="0" smtClean="0"/>
-              <a:t>virtualization. </a:t>
-            </a:r>
-            <a:r>
-              <a:rPr lang="de-DE" sz="1600" i="1" dirty="0" smtClean="0"/>
-              <a:t>Computer </a:t>
-            </a:r>
-            <a:r>
-              <a:rPr lang="de-DE" sz="1600" i="1" dirty="0"/>
-              <a:t>Networks</a:t>
-            </a:r>
-            <a:r>
-              <a:rPr lang="de-DE" sz="1600" dirty="0"/>
-              <a:t>, 104:55–65, 2016.</a:t>
-            </a:r>
-            <a:endParaRPr lang="de-DE" sz="1600" dirty="0" smtClean="0"/>
-          </a:p>
-          <a:p>
-            <a:endParaRPr lang="de-DE" sz="1600" dirty="0"/>
+            <a:endParaRPr lang="de-DE" sz="3200" dirty="0"/>
+          </a:p>
+          <a:p>
+            <a:pPr marL="0" indent="0" algn="ctr">
+              <a:buNone/>
+            </a:pPr>
+            <a:endParaRPr lang="de-DE" sz="3200" dirty="0" smtClean="0"/>
+          </a:p>
+          <a:p>
+            <a:pPr marL="0" indent="0" algn="ctr">
+              <a:buNone/>
+            </a:pPr>
+            <a:r>
+              <a:rPr lang="de-DE" sz="3200" dirty="0" smtClean="0"/>
+              <a:t>Vielen Dank für Ihre Aufmerksamkeit!</a:t>
+            </a:r>
+          </a:p>
+          <a:p>
+            <a:pPr marL="0" indent="0" algn="ctr">
+              <a:buNone/>
+            </a:pPr>
+            <a:endParaRPr lang="de-DE" dirty="0" smtClean="0"/>
+          </a:p>
+          <a:p>
+            <a:pPr marL="0" indent="0" algn="ctr">
+              <a:buNone/>
+            </a:pPr>
+            <a:r>
+              <a:rPr lang="de-DE" sz="2000" dirty="0" smtClean="0"/>
+              <a:t>{</a:t>
+            </a:r>
+            <a:r>
+              <a:rPr lang="de-DE" sz="2000" dirty="0" err="1" smtClean="0"/>
+              <a:t>gerhard.groeschl</a:t>
+            </a:r>
+            <a:r>
+              <a:rPr lang="de-DE" sz="2000" dirty="0"/>
+              <a:t>, </a:t>
+            </a:r>
+            <a:r>
+              <a:rPr lang="de-DE" sz="2000" dirty="0" err="1" smtClean="0"/>
+              <a:t>miran.mizani</a:t>
+            </a:r>
+            <a:r>
+              <a:rPr lang="de-DE" sz="2000" dirty="0" smtClean="0"/>
+              <a:t>}@campus.lmu.de</a:t>
+            </a:r>
+            <a:endParaRPr lang="de-DE" sz="2000" dirty="0"/>
           </a:p>
         </p:txBody>
       </p:sp>
@@ -18546,202 +18015,7 @@
               <a:pPr>
                 <a:defRPr/>
               </a:pPr>
-              <a:t>36</a:t>
-            </a:fld>
-            <a:endParaRPr lang="de-DE" dirty="0"/>
-          </a:p>
-        </p:txBody>
-      </p:sp>
-      <p:sp>
-        <p:nvSpPr>
-          <p:cNvPr id="5" name="Fußzeilenplatzhalter 4"/>
-          <p:cNvSpPr>
-            <a:spLocks noGrp="1"/>
-          </p:cNvSpPr>
-          <p:nvPr>
-            <p:ph type="ftr" sz="quarter" idx="3"/>
-          </p:nvPr>
-        </p:nvSpPr>
-        <p:spPr/>
-        <p:txBody>
-          <a:bodyPr/>
-          <a:lstStyle/>
-          <a:p>
-            <a:r>
-              <a:rPr lang="de-DE" smtClean="0"/>
-              <a:t>Sicherheitsaspekte beim Deployment virtueller Netzinfrastrukturen</a:t>
-            </a:r>
-            <a:endParaRPr lang="de-DE" dirty="0"/>
-          </a:p>
-        </p:txBody>
-      </p:sp>
-    </p:spTree>
-    <p:extLst>
-      <p:ext uri="{BB962C8B-B14F-4D97-AF65-F5344CB8AC3E}">
-        <p14:creationId xmlns:p14="http://schemas.microsoft.com/office/powerpoint/2010/main" val="2073930859"/>
-      </p:ext>
-    </p:extLst>
-  </p:cSld>
-  <p:clrMapOvr>
-    <a:masterClrMapping/>
-  </p:clrMapOvr>
-  <mc:AlternateContent xmlns:mc="http://schemas.openxmlformats.org/markup-compatibility/2006" xmlns:p14="http://schemas.microsoft.com/office/powerpoint/2010/main">
-    <mc:Choice Requires="p14">
-      <p:transition spd="med" p14:dur="700">
-        <p:fade/>
-      </p:transition>
-    </mc:Choice>
-    <mc:Fallback xmlns="">
-      <p:transition spd="med">
-        <p:fade/>
-      </p:transition>
-    </mc:Fallback>
-  </mc:AlternateContent>
-  <p:timing>
-    <p:tnLst>
-      <p:par>
-        <p:cTn id="1" dur="indefinite" restart="never" nodeType="tmRoot"/>
-      </p:par>
-    </p:tnLst>
-  </p:timing>
-</p:sld>
-</file>
-
-<file path=ppt/slides/slide37.xml><?xml version="1.0" encoding="utf-8"?>
-<p:sld xmlns:a="http://schemas.openxmlformats.org/drawingml/2006/main" xmlns:r="http://schemas.openxmlformats.org/officeDocument/2006/relationships" xmlns:p="http://schemas.openxmlformats.org/presentationml/2006/main">
-  <p:cSld>
-    <p:spTree>
-      <p:nvGrpSpPr>
-        <p:cNvPr id="1" name=""/>
-        <p:cNvGrpSpPr/>
-        <p:nvPr/>
-      </p:nvGrpSpPr>
-      <p:grpSpPr>
-        <a:xfrm>
-          <a:off x="0" y="0"/>
-          <a:ext cx="0" cy="0"/>
-          <a:chOff x="0" y="0"/>
-          <a:chExt cx="0" cy="0"/>
-        </a:xfrm>
-      </p:grpSpPr>
-      <p:sp>
-        <p:nvSpPr>
-          <p:cNvPr id="2" name="Titel 1"/>
-          <p:cNvSpPr>
-            <a:spLocks noGrp="1"/>
-          </p:cNvSpPr>
-          <p:nvPr>
-            <p:ph type="title"/>
-          </p:nvPr>
-        </p:nvSpPr>
-        <p:spPr/>
-        <p:txBody>
-          <a:bodyPr/>
-          <a:lstStyle/>
-          <a:p>
-            <a:endParaRPr lang="de-DE" sz="1800" dirty="0"/>
-          </a:p>
-        </p:txBody>
-      </p:sp>
-      <p:sp>
-        <p:nvSpPr>
-          <p:cNvPr id="3" name="Inhaltsplatzhalter 2"/>
-          <p:cNvSpPr>
-            <a:spLocks noGrp="1"/>
-          </p:cNvSpPr>
-          <p:nvPr>
-            <p:ph idx="1"/>
-          </p:nvPr>
-        </p:nvSpPr>
-        <p:spPr/>
-        <p:txBody>
-          <a:bodyPr/>
-          <a:lstStyle/>
-          <a:p>
-            <a:pPr marL="0" indent="0" algn="ctr">
-              <a:buNone/>
-            </a:pPr>
-            <a:endParaRPr lang="de-DE" sz="3200" dirty="0" smtClean="0"/>
-          </a:p>
-          <a:p>
-            <a:pPr marL="0" indent="0" algn="ctr">
-              <a:buNone/>
-            </a:pPr>
-            <a:endParaRPr lang="de-DE" sz="3200" dirty="0"/>
-          </a:p>
-          <a:p>
-            <a:pPr marL="0" indent="0" algn="ctr">
-              <a:buNone/>
-            </a:pPr>
-            <a:endParaRPr lang="de-DE" sz="3200" dirty="0" smtClean="0"/>
-          </a:p>
-          <a:p>
-            <a:pPr marL="0" indent="0" algn="ctr">
-              <a:buNone/>
-            </a:pPr>
-            <a:r>
-              <a:rPr lang="de-DE" sz="3200" dirty="0" smtClean="0"/>
-              <a:t>Vielen Dank für Ihre Aufmerksamkeit!</a:t>
-            </a:r>
-          </a:p>
-          <a:p>
-            <a:pPr marL="0" indent="0" algn="ctr">
-              <a:buNone/>
-            </a:pPr>
-            <a:endParaRPr lang="de-DE" dirty="0" smtClean="0"/>
-          </a:p>
-          <a:p>
-            <a:pPr marL="0" indent="0" algn="ctr">
-              <a:buNone/>
-            </a:pPr>
-            <a:r>
-              <a:rPr lang="de-DE" sz="2000" dirty="0" smtClean="0"/>
-              <a:t>{</a:t>
-            </a:r>
-            <a:r>
-              <a:rPr lang="de-DE" sz="2000" dirty="0" err="1" smtClean="0"/>
-              <a:t>gerhard.groeschl</a:t>
-            </a:r>
-            <a:r>
-              <a:rPr lang="de-DE" sz="2000" dirty="0"/>
-              <a:t>, </a:t>
-            </a:r>
-            <a:r>
-              <a:rPr lang="de-DE" sz="2000" dirty="0" err="1" smtClean="0"/>
-              <a:t>miran.mizani</a:t>
-            </a:r>
-            <a:r>
-              <a:rPr lang="de-DE" sz="2000" dirty="0" smtClean="0"/>
-              <a:t>}@campus.lmu.de</a:t>
-            </a:r>
-            <a:endParaRPr lang="de-DE" sz="2000" dirty="0"/>
-          </a:p>
-        </p:txBody>
-      </p:sp>
-      <p:sp>
-        <p:nvSpPr>
-          <p:cNvPr id="4" name="Foliennummernplatzhalter 3"/>
-          <p:cNvSpPr>
-            <a:spLocks noGrp="1"/>
-          </p:cNvSpPr>
-          <p:nvPr>
-            <p:ph type="sldNum" sz="quarter" idx="4"/>
-          </p:nvPr>
-        </p:nvSpPr>
-        <p:spPr/>
-        <p:txBody>
-          <a:bodyPr/>
-          <a:lstStyle/>
-          <a:p>
-            <a:pPr>
-              <a:defRPr/>
-            </a:pPr>
-            <a:fld id="{70BFFA52-4234-45F6-B1A6-074E24FF43A2}" type="slidenum">
-              <a:rPr lang="de-DE" smtClean="0"/>
-              <a:pPr>
-                <a:defRPr/>
-              </a:pPr>
-              <a:t>37</a:t>
+              <a:t>34</a:t>
             </a:fld>
             <a:endParaRPr lang="de-DE" dirty="0"/>
           </a:p>
@@ -18920,8 +18194,8 @@
         </p:nvSpPr>
         <p:spPr>
           <a:xfrm>
-            <a:off x="2173690" y="5867908"/>
-            <a:ext cx="4778744" cy="338554"/>
+            <a:off x="2097548" y="5867908"/>
+            <a:ext cx="4931030" cy="338554"/>
           </a:xfrm>
           <a:prstGeom prst="rect">
             <a:avLst/>
@@ -18937,7 +18211,7 @@
             <a:pPr algn="ctr"/>
             <a:r>
               <a:rPr lang="de-DE" sz="1600" b="1" dirty="0" smtClean="0"/>
-              <a:t>Substratnetz mit Quantifizierung der Merkmale</a:t>
+              <a:t>Substratnetz mit Quantifizierung von Merkmalen</a:t>
             </a:r>
             <a:endParaRPr lang="de-DE" sz="1600" b="1" dirty="0"/>
           </a:p>
@@ -19990,7 +19264,7 @@
         </p:blipFill>
         <p:spPr bwMode="auto">
           <a:xfrm>
-            <a:off x="128710" y="3059954"/>
+            <a:off x="179512" y="3059954"/>
             <a:ext cx="2592288" cy="1077517"/>
           </a:xfrm>
           <a:prstGeom prst="rect">

--- a/Referat/PowerPoint/TimvS_SVNE.pptx
+++ b/Referat/PowerPoint/TimvS_SVNE.pptx
@@ -7824,13 +7824,13 @@
   <p:clrMapOvr>
     <a:masterClrMapping/>
   </p:clrMapOvr>
-  <mc:AlternateContent xmlns:mc="http://schemas.openxmlformats.org/markup-compatibility/2006" xmlns:p14="http://schemas.microsoft.com/office/powerpoint/2010/main">
-    <mc:Choice Requires="p14">
+  <mc:AlternateContent xmlns:mc="http://schemas.openxmlformats.org/markup-compatibility/2006">
+    <mc:Choice xmlns:p14="http://schemas.microsoft.com/office/powerpoint/2010/main" Requires="p14">
       <p:transition spd="med" p14:dur="700">
         <p:fade/>
       </p:transition>
     </mc:Choice>
-    <mc:Fallback xmlns="">
+    <mc:Fallback>
       <p:transition spd="med">
         <p:fade/>
       </p:transition>
@@ -11141,17 +11141,8 @@
               <a:rPr lang="de-DE" dirty="0" smtClean="0">
                 <a:sym typeface="Wingdings" panose="05000000000000000000" pitchFamily="2" charset="2"/>
               </a:rPr>
-              <a:t> Aufbau logischer </a:t>
-            </a:r>
-            <a:r>
-              <a:rPr lang="de-DE" dirty="0" smtClean="0">
-                <a:sym typeface="Wingdings" panose="05000000000000000000" pitchFamily="2" charset="2"/>
-              </a:rPr>
-              <a:t>Netze</a:t>
-            </a:r>
-            <a:endParaRPr lang="de-DE" dirty="0" smtClean="0">
-              <a:sym typeface="Wingdings" panose="05000000000000000000" pitchFamily="2" charset="2"/>
-            </a:endParaRPr>
+              <a:t> Aufbau logischer Netze</a:t>
+            </a:r>
           </a:p>
         </p:txBody>
       </p:sp>
@@ -14358,8 +14349,8 @@
           </a:p>
         </p:txBody>
       </p:sp>
-      <mc:AlternateContent xmlns:mc="http://schemas.openxmlformats.org/markup-compatibility/2006">
-        <mc:Choice xmlns:a14="http://schemas.microsoft.com/office/drawing/2010/main" Requires="a14">
+      <mc:AlternateContent xmlns:mc="http://schemas.openxmlformats.org/markup-compatibility/2006" xmlns:a14="http://schemas.microsoft.com/office/drawing/2010/main">
+        <mc:Choice Requires="a14">
           <p:sp>
             <p:nvSpPr>
               <p:cNvPr id="3" name="Textfeld 2"/>
@@ -14412,7 +14403,7 @@
                       <m:dPr>
                         <m:ctrlPr>
                           <a:rPr lang="de-DE" sz="5400" i="1" smtClean="0">
-                            <a:latin typeface="+mj-lt"/>
+                            <a:latin typeface="Cambria Math" panose="02040503050406030204" pitchFamily="18" charset="0"/>
                           </a:rPr>
                         </m:ctrlPr>
                       </m:dPr>
@@ -14428,7 +14419,7 @@
                             <m:type m:val="noBar"/>
                             <m:ctrlPr>
                               <a:rPr lang="de-DE" sz="5400" i="1">
-                                <a:latin typeface="+mj-lt"/>
+                                <a:latin typeface="Cambria Math" panose="02040503050406030204" pitchFamily="18" charset="0"/>
                               </a:rPr>
                             </m:ctrlPr>
                           </m:fPr>
@@ -14438,7 +14429,7 @@
                                 <m:type m:val="noBar"/>
                                 <m:ctrlPr>
                                   <a:rPr lang="de-DE" sz="5400" i="1">
-                                    <a:latin typeface="+mj-lt"/>
+                                    <a:latin typeface="Cambria Math" panose="02040503050406030204" pitchFamily="18" charset="0"/>
                                   </a:rPr>
                                 </m:ctrlPr>
                               </m:fPr>
@@ -14448,14 +14439,14 @@
                                     <m:type m:val="noBar"/>
                                     <m:ctrlPr>
                                       <a:rPr lang="de-DE" sz="5400" i="1">
-                                        <a:latin typeface="+mj-lt"/>
+                                        <a:latin typeface="Cambria Math" panose="02040503050406030204" pitchFamily="18" charset="0"/>
                                       </a:rPr>
                                     </m:ctrlPr>
                                   </m:fPr>
                                   <m:num>
                                     <m:r>
                                       <a:rPr lang="de-DE" sz="5400" b="0" i="1" smtClean="0">
-                                        <a:latin typeface="+mj-lt"/>
+                                        <a:latin typeface="Cambria Math" panose="02040503050406030204" pitchFamily="18" charset="0"/>
                                       </a:rPr>
                                       <m:t>…</m:t>
                                     </m:r>
@@ -14463,7 +14454,7 @@
                                   <m:den>
                                     <m:r>
                                       <a:rPr lang="de-DE" sz="5400" b="0" i="1" smtClean="0">
-                                        <a:latin typeface="+mj-lt"/>
+                                        <a:latin typeface="Cambria Math" panose="02040503050406030204" pitchFamily="18" charset="0"/>
                                       </a:rPr>
                                       <m:t>…</m:t>
                                     </m:r>
@@ -14476,14 +14467,14 @@
                                     <m:type m:val="noBar"/>
                                     <m:ctrlPr>
                                       <a:rPr lang="de-DE" sz="5400" i="1">
-                                        <a:latin typeface="+mj-lt"/>
+                                        <a:latin typeface="Cambria Math" panose="02040503050406030204" pitchFamily="18" charset="0"/>
                                       </a:rPr>
                                     </m:ctrlPr>
                                   </m:fPr>
                                   <m:num>
                                     <m:r>
                                       <a:rPr lang="de-DE" sz="5400" b="0" i="1" smtClean="0">
-                                        <a:latin typeface="+mj-lt"/>
+                                        <a:latin typeface="Cambria Math" panose="02040503050406030204" pitchFamily="18" charset="0"/>
                                       </a:rPr>
                                       <m:t>7</m:t>
                                     </m:r>
@@ -14491,7 +14482,7 @@
                                   <m:den>
                                     <m:r>
                                       <a:rPr lang="de-DE" sz="5400" b="0" i="1" smtClean="0">
-                                        <a:latin typeface="+mj-lt"/>
+                                        <a:latin typeface="Cambria Math" panose="02040503050406030204" pitchFamily="18" charset="0"/>
                                       </a:rPr>
                                       <m:t>3</m:t>
                                     </m:r>
@@ -14506,7 +14497,7 @@
                                 <m:type m:val="noBar"/>
                                 <m:ctrlPr>
                                   <a:rPr lang="de-DE" sz="5400" i="1">
-                                    <a:latin typeface="+mj-lt"/>
+                                    <a:latin typeface="Cambria Math" panose="02040503050406030204" pitchFamily="18" charset="0"/>
                                   </a:rPr>
                                 </m:ctrlPr>
                               </m:fPr>
@@ -14516,14 +14507,14 @@
                                     <m:type m:val="noBar"/>
                                     <m:ctrlPr>
                                       <a:rPr lang="de-DE" sz="5400" i="1">
-                                        <a:latin typeface="+mj-lt"/>
+                                        <a:latin typeface="Cambria Math" panose="02040503050406030204" pitchFamily="18" charset="0"/>
                                       </a:rPr>
                                     </m:ctrlPr>
                                   </m:fPr>
                                   <m:num>
                                     <m:r>
                                       <a:rPr lang="de-DE" sz="5400" b="0" i="1" smtClean="0">
-                                        <a:latin typeface="+mj-lt"/>
+                                        <a:latin typeface="Cambria Math" panose="02040503050406030204" pitchFamily="18" charset="0"/>
                                       </a:rPr>
                                       <m:t>9</m:t>
                                     </m:r>
@@ -14531,7 +14522,7 @@
                                   <m:den>
                                     <m:r>
                                       <a:rPr lang="de-DE" sz="5400" b="0" i="1" smtClean="0">
-                                        <a:latin typeface="+mj-lt"/>
+                                        <a:latin typeface="Cambria Math" panose="02040503050406030204" pitchFamily="18" charset="0"/>
                                       </a:rPr>
                                       <m:t>1</m:t>
                                     </m:r>
@@ -14544,14 +14535,14 @@
                                     <m:type m:val="noBar"/>
                                     <m:ctrlPr>
                                       <a:rPr lang="de-DE" sz="5400" i="1">
-                                        <a:latin typeface="+mj-lt"/>
+                                        <a:latin typeface="Cambria Math" panose="02040503050406030204" pitchFamily="18" charset="0"/>
                                       </a:rPr>
                                     </m:ctrlPr>
                                   </m:fPr>
                                   <m:num>
                                     <m:r>
                                       <a:rPr lang="de-DE" sz="5400" b="0" i="1" smtClean="0">
-                                        <a:latin typeface="+mj-lt"/>
+                                        <a:latin typeface="Cambria Math" panose="02040503050406030204" pitchFamily="18" charset="0"/>
                                       </a:rPr>
                                       <m:t>…</m:t>
                                     </m:r>
@@ -14559,7 +14550,7 @@
                                   <m:den>
                                     <m:r>
                                       <a:rPr lang="de-DE" sz="5400" b="0" i="1" smtClean="0">
-                                        <a:latin typeface="+mj-lt"/>
+                                        <a:latin typeface="Cambria Math" panose="02040503050406030204" pitchFamily="18" charset="0"/>
                                       </a:rPr>
                                       <m:t>…</m:t>
                                     </m:r>
@@ -14586,7 +14577,7 @@
             </p:txBody>
           </p:sp>
         </mc:Choice>
-        <mc:Fallback>
+        <mc:Fallback xmlns="">
           <p:sp>
             <p:nvSpPr>
               <p:cNvPr id="3" name="Textfeld 2"/>
@@ -15053,8 +15044,8 @@
           </a:p>
         </p:txBody>
       </p:sp>
-      <mc:AlternateContent xmlns:mc="http://schemas.openxmlformats.org/markup-compatibility/2006">
-        <mc:Choice xmlns:a14="http://schemas.microsoft.com/office/drawing/2010/main" Requires="a14">
+      <mc:AlternateContent xmlns:mc="http://schemas.openxmlformats.org/markup-compatibility/2006" xmlns:a14="http://schemas.microsoft.com/office/drawing/2010/main">
+        <mc:Choice Requires="a14">
           <p:sp>
             <p:nvSpPr>
               <p:cNvPr id="3" name="Textfeld 2"/>
@@ -15370,7 +15361,7 @@
             </p:txBody>
           </p:sp>
         </mc:Choice>
-        <mc:Fallback>
+        <mc:Fallback xmlns="">
           <p:sp>
             <p:nvSpPr>
               <p:cNvPr id="3" name="Textfeld 2"/>
@@ -15956,11 +15947,7 @@
                       </a:r>
                       <a:r>
                         <a:rPr lang="de-DE" dirty="0" smtClean="0"/>
-                        <a:t> (</a:t>
-                      </a:r>
-                      <a:r>
-                        <a:rPr lang="de-DE" dirty="0" smtClean="0"/>
-                        <a:t>unkoordiniert)</a:t>
+                        <a:t> (unkoordiniert)</a:t>
                       </a:r>
                       <a:endParaRPr lang="de-DE" dirty="0"/>
                     </a:p>
@@ -15989,11 +15976,7 @@
                       </a:br>
                       <a:r>
                         <a:rPr lang="de-DE" dirty="0" smtClean="0"/>
-                        <a:t>(</a:t>
-                      </a:r>
-                      <a:r>
-                        <a:rPr lang="de-DE" dirty="0" smtClean="0"/>
-                        <a:t>koordiniert)</a:t>
+                        <a:t>(koordiniert)</a:t>
                       </a:r>
                       <a:endParaRPr lang="de-DE" dirty="0"/>
                     </a:p>
